--- a/slides/AdaCore_Tech_Days_2015/AdaCore Tech Days SPARK 2014.pptx
+++ b/slides/AdaCore_Tech_Days_2015/AdaCore Tech Days SPARK 2014.pptx
@@ -275,7 +275,7 @@
             <a:fld id="{D83FDC75-7F73-4A4A-A77C-09AADF00E0EA}" type="datetimeFigureOut">
               <a:rPr lang="en-US" smtClean="0"/>
               <a:pPr/>
-              <a:t>29/07/15</a:t>
+              <a:t>30/07/15</a:t>
             </a:fld>
             <a:endParaRPr lang="en-US" dirty="0"/>
           </a:p>
@@ -442,7 +442,7 @@
             <a:fld id="{48AEF76B-3757-4A0B-AF93-28494465C1DD}" type="datetimeFigureOut">
               <a:rPr lang="en-US" smtClean="0"/>
               <a:pPr/>
-              <a:t>29/07/15</a:t>
+              <a:t>30/07/15</a:t>
             </a:fld>
             <a:endParaRPr lang="en-US" dirty="0"/>
           </a:p>
@@ -1488,7 +1488,7 @@
             <a:fld id="{757B281C-5159-4971-8228-52B9A72E9ED2}" type="datetimeFigureOut">
               <a:rPr lang="en-US" smtClean="0"/>
               <a:pPr/>
-              <a:t>29/07/15</a:t>
+              <a:t>30/07/15</a:t>
             </a:fld>
             <a:endParaRPr lang="en-US" dirty="0"/>
           </a:p>
@@ -1606,7 +1606,7 @@
             <a:fld id="{757B281C-5159-4971-8228-52B9A72E9ED2}" type="datetimeFigureOut">
               <a:rPr lang="en-US" smtClean="0"/>
               <a:pPr/>
-              <a:t>29/07/15</a:t>
+              <a:t>30/07/15</a:t>
             </a:fld>
             <a:endParaRPr lang="en-US" dirty="0"/>
           </a:p>
@@ -1708,7 +1708,7 @@
             <a:fld id="{757B281C-5159-4971-8228-52B9A72E9ED2}" type="datetimeFigureOut">
               <a:rPr lang="en-US" smtClean="0"/>
               <a:pPr/>
-              <a:t>29/07/15</a:t>
+              <a:t>30/07/15</a:t>
             </a:fld>
             <a:endParaRPr lang="en-US" dirty="0"/>
           </a:p>
@@ -1815,7 +1815,7 @@
             <a:fld id="{757B281C-5159-4971-8228-52B9A72E9ED2}" type="datetimeFigureOut">
               <a:rPr lang="en-US" smtClean="0"/>
               <a:pPr/>
-              <a:t>29/07/15</a:t>
+              <a:t>30/07/15</a:t>
             </a:fld>
             <a:endParaRPr lang="en-US" dirty="0"/>
           </a:p>
@@ -1927,7 +1927,7 @@
             <a:fld id="{757B281C-5159-4971-8228-52B9A72E9ED2}" type="datetimeFigureOut">
               <a:rPr lang="en-US" smtClean="0"/>
               <a:pPr/>
-              <a:t>29/07/15</a:t>
+              <a:t>30/07/15</a:t>
             </a:fld>
             <a:endParaRPr lang="en-US" dirty="0"/>
           </a:p>
@@ -2067,7 +2067,7 @@
             <a:fld id="{757B281C-5159-4971-8228-52B9A72E9ED2}" type="datetimeFigureOut">
               <a:rPr lang="en-US" smtClean="0"/>
               <a:pPr/>
-              <a:t>29/07/15</a:t>
+              <a:t>30/07/15</a:t>
             </a:fld>
             <a:endParaRPr lang="en-US" dirty="0"/>
           </a:p>
@@ -2339,7 +2339,7 @@
             <a:fld id="{757B281C-5159-4971-8228-52B9A72E9ED2}" type="datetimeFigureOut">
               <a:rPr lang="en-US" smtClean="0"/>
               <a:pPr/>
-              <a:t>29/07/15</a:t>
+              <a:t>30/07/15</a:t>
             </a:fld>
             <a:endParaRPr lang="en-US" dirty="0"/>
           </a:p>
@@ -2655,7 +2655,7 @@
             <a:fld id="{757B281C-5159-4971-8228-52B9A72E9ED2}" type="datetimeFigureOut">
               <a:rPr lang="en-US" smtClean="0"/>
               <a:pPr/>
-              <a:t>29/07/15</a:t>
+              <a:t>30/07/15</a:t>
             </a:fld>
             <a:endParaRPr lang="en-US" dirty="0"/>
           </a:p>
@@ -3100,7 +3100,7 @@
             <a:fld id="{757B281C-5159-4971-8228-52B9A72E9ED2}" type="datetimeFigureOut">
               <a:rPr lang="en-US" smtClean="0"/>
               <a:pPr/>
-              <a:t>29/07/15</a:t>
+              <a:t>30/07/15</a:t>
             </a:fld>
             <a:endParaRPr lang="en-US" dirty="0"/>
           </a:p>
@@ -3379,7 +3379,7 @@
             <a:fld id="{757B281C-5159-4971-8228-52B9A72E9ED2}" type="datetimeFigureOut">
               <a:rPr lang="en-US" smtClean="0"/>
               <a:pPr/>
-              <a:t>29/07/15</a:t>
+              <a:t>30/07/15</a:t>
             </a:fld>
             <a:endParaRPr lang="en-US" dirty="0"/>
           </a:p>
@@ -3643,7 +3643,7 @@
             <a:fld id="{757B281C-5159-4971-8228-52B9A72E9ED2}" type="datetimeFigureOut">
               <a:rPr lang="en-US" smtClean="0"/>
               <a:pPr/>
-              <a:t>29/07/15</a:t>
+              <a:t>30/07/15</a:t>
             </a:fld>
             <a:endParaRPr lang="en-US" dirty="0"/>
           </a:p>
@@ -3813,7 +3813,7 @@
             <a:fld id="{757B281C-5159-4971-8228-52B9A72E9ED2}" type="datetimeFigureOut">
               <a:rPr lang="en-US" smtClean="0"/>
               <a:pPr/>
-              <a:t>29/07/15</a:t>
+              <a:t>30/07/15</a:t>
             </a:fld>
             <a:endParaRPr lang="en-US" dirty="0"/>
           </a:p>
@@ -4026,7 +4026,7 @@
             <a:fld id="{757B281C-5159-4971-8228-52B9A72E9ED2}" type="datetimeFigureOut">
               <a:rPr lang="en-US" smtClean="0"/>
               <a:pPr/>
-              <a:t>29/07/15</a:t>
+              <a:t>30/07/15</a:t>
             </a:fld>
             <a:endParaRPr lang="en-US" dirty="0"/>
           </a:p>
@@ -4641,13 +4641,8 @@
             <a:pPr lvl="1"/>
             <a:r>
               <a:rPr lang="en-US" dirty="0" smtClean="0"/>
-              <a:t>Contract </a:t>
-            </a:r>
-            <a:r>
-              <a:rPr lang="en-US" dirty="0" smtClean="0"/>
-              <a:t>as boundary between unit proof and unit test</a:t>
-            </a:r>
-            <a:endParaRPr lang="en-US" dirty="0" smtClean="0"/>
+              <a:t>Contract as boundary between unit proof and unit test</a:t>
+            </a:r>
           </a:p>
         </p:txBody>
       </p:sp>
@@ -5402,15 +5397,7 @@
             <a:pPr lvl="1"/>
             <a:r>
               <a:rPr lang="en-US" dirty="0" smtClean="0"/>
-              <a:t>Generation of counter-examples </a:t>
-            </a:r>
-            <a:r>
-              <a:rPr lang="en-US" dirty="0" smtClean="0"/>
-              <a:t>when not </a:t>
-            </a:r>
-            <a:r>
-              <a:rPr lang="en-US" dirty="0" smtClean="0"/>
-              <a:t>proved </a:t>
+              <a:t>Generation of counter-examples when not proved </a:t>
             </a:r>
           </a:p>
         </p:txBody>
@@ -5619,15 +5606,7 @@
             <a:pPr lvl="1"/>
             <a:r>
               <a:rPr lang="en-US" b="1" dirty="0" smtClean="0"/>
-              <a:t>Generation of counter-examples </a:t>
-            </a:r>
-            <a:r>
-              <a:rPr lang="en-US" b="1" dirty="0" smtClean="0"/>
-              <a:t>when not </a:t>
-            </a:r>
-            <a:r>
-              <a:rPr lang="en-US" b="1" dirty="0" smtClean="0"/>
-              <a:t>proved </a:t>
+              <a:t>Generation of counter-examples when not proved </a:t>
             </a:r>
           </a:p>
         </p:txBody>
@@ -9366,10 +9345,6 @@
               </a:rPr>
               <a:t>saturate.adb:4:16: medium: overflow check might fail</a:t>
             </a:r>
-            <a:endParaRPr lang="en-US" dirty="0">
-              <a:latin typeface="Courier New"/>
-              <a:cs typeface="Courier New"/>
-            </a:endParaRPr>
           </a:p>
         </p:txBody>
       </p:sp>
@@ -9473,9 +9448,6 @@
               </a:rPr>
               <a:t> Moy</a:t>
             </a:r>
-            <a:endParaRPr lang="en-US" sz="2400" dirty="0" smtClean="0">
-              <a:latin typeface="+mn-lt"/>
-            </a:endParaRPr>
           </a:p>
           <a:p>
             <a:r>
@@ -9627,10 +9599,6 @@
               </a:rPr>
               <a:t>saturate.adb:4:16: medium: overflow check might fail</a:t>
             </a:r>
-            <a:endParaRPr lang="en-US" dirty="0">
-              <a:latin typeface="Courier New"/>
-              <a:cs typeface="Courier New"/>
-            </a:endParaRPr>
           </a:p>
         </p:txBody>
       </p:sp>
@@ -9812,10 +9780,6 @@
               </a:rPr>
               <a:t>fail</a:t>
             </a:r>
-            <a:endParaRPr lang="en-US" dirty="0">
-              <a:latin typeface="Courier New"/>
-              <a:cs typeface="Courier New"/>
-            </a:endParaRPr>
           </a:p>
         </p:txBody>
       </p:sp>
@@ -9997,10 +9961,6 @@
               </a:rPr>
               <a:t>fail</a:t>
             </a:r>
-            <a:endParaRPr lang="en-US" dirty="0">
-              <a:latin typeface="Courier New"/>
-              <a:cs typeface="Courier New"/>
-            </a:endParaRPr>
           </a:p>
         </p:txBody>
       </p:sp>
@@ -10063,11 +10023,7 @@
           <a:p>
             <a:r>
               <a:rPr lang="en-US" dirty="0" smtClean="0"/>
-              <a:t>Beyond</a:t>
-            </a:r>
-            <a:r>
-              <a:rPr lang="en-US" dirty="0" smtClean="0"/>
-              <a:t> The Next </a:t>
+              <a:t>Beyond The Next </a:t>
             </a:r>
             <a:r>
               <a:rPr lang="en-US" dirty="0"/>
@@ -10129,19 +10085,25 @@
             </a:r>
             <a:r>
               <a:rPr lang="en-US" dirty="0" smtClean="0"/>
-              <a:t>simple pointers-to-constant</a:t>
-            </a:r>
-            <a:endParaRPr lang="en-US" dirty="0"/>
+              <a:t>simple </a:t>
+            </a:r>
+            <a:r>
+              <a:rPr lang="en-US" dirty="0" smtClean="0"/>
+              <a:t>pointers</a:t>
+            </a:r>
           </a:p>
           <a:p>
             <a:pPr marL="0" indent="0">
               <a:buNone/>
             </a:pPr>
-            <a:endParaRPr lang="en-US" b="1" dirty="0" smtClean="0">
-              <a:solidFill>
-                <a:srgbClr val="2D72AD"/>
-              </a:solidFill>
-            </a:endParaRPr>
+            <a:r>
+              <a:rPr lang="en-US" b="1" dirty="0" smtClean="0">
+                <a:solidFill>
+                  <a:srgbClr val="2D72AD"/>
+                </a:solidFill>
+              </a:rPr>
+              <a:t/>
+            </a:r>
           </a:p>
           <a:p>
             <a:pPr marL="0" indent="0">
@@ -10153,7 +10115,15 @@
                   <a:srgbClr val="2D72AD"/>
                 </a:solidFill>
               </a:rPr>
-              <a:t>Improved provability</a:t>
+              <a:t>Improved </a:t>
+            </a:r>
+            <a:r>
+              <a:rPr lang="en-US" b="1" dirty="0" smtClean="0">
+                <a:solidFill>
+                  <a:srgbClr val="2D72AD"/>
+                </a:solidFill>
+              </a:rPr>
+              <a:t>provability</a:t>
             </a:r>
           </a:p>
           <a:p>
@@ -10213,7 +10183,6 @@
               <a:rPr lang="en-US" dirty="0" smtClean="0"/>
               <a:t>Metrics and indicators for formal developments</a:t>
             </a:r>
-            <a:endParaRPr lang="en-US" dirty="0" smtClean="0"/>
           </a:p>
         </p:txBody>
       </p:sp>
@@ -10270,11 +10239,7 @@
           <a:p>
             <a:r>
               <a:rPr lang="en-US" dirty="0" smtClean="0"/>
-              <a:t>SPARK </a:t>
-            </a:r>
-            <a:r>
-              <a:rPr lang="en-US" dirty="0" smtClean="0"/>
-              <a:t>Is Good For You…</a:t>
+              <a:t>SPARK Is Good For You…</a:t>
             </a:r>
             <a:endParaRPr lang="en-US" dirty="0"/>
           </a:p>
@@ -11246,11 +11211,7 @@
             </a:pPr>
             <a:r>
               <a:rPr lang="en-US" dirty="0" smtClean="0"/>
-              <a:t>AdaCore </a:t>
-            </a:r>
-            <a:r>
-              <a:rPr lang="en-US" dirty="0" smtClean="0"/>
-              <a:t>University</a:t>
+              <a:t>AdaCore University</a:t>
             </a:r>
           </a:p>
           <a:p>
@@ -12918,15 +12879,7 @@
             <a:pPr lvl="1"/>
             <a:r>
               <a:rPr lang="en-US" dirty="0" smtClean="0"/>
-              <a:t>SPARK tools </a:t>
-            </a:r>
-            <a:r>
-              <a:rPr lang="en-US" dirty="0" smtClean="0"/>
-              <a:t>i</a:t>
-            </a:r>
-            <a:r>
-              <a:rPr lang="en-US" dirty="0" smtClean="0"/>
-              <a:t>ntegrated in GPS and Eclipse </a:t>
+              <a:t>SPARK tools integrated in GPS and Eclipse </a:t>
             </a:r>
             <a:r>
               <a:rPr lang="en-US" dirty="0" err="1" smtClean="0"/>
@@ -13200,7 +13153,6 @@
               <a:rPr lang="en-US" dirty="0" smtClean="0"/>
               <a:t>Increases portability across compilers/platforms</a:t>
             </a:r>
-            <a:endParaRPr lang="en-US" dirty="0" smtClean="0"/>
           </a:p>
           <a:p>
             <a:pPr marL="457200" indent="-457200">
@@ -13437,7 +13389,6 @@
               <a:rPr lang="en-US" dirty="0" smtClean="0"/>
               <a:t>Increases portability across compilers/platforms</a:t>
             </a:r>
-            <a:endParaRPr lang="en-US" dirty="0" smtClean="0"/>
           </a:p>
           <a:p>
             <a:pPr marL="457200" indent="-457200">

--- a/slides/AdaCore_Tech_Days_2015/AdaCore Tech Days SPARK 2014.pptx
+++ b/slides/AdaCore_Tech_Days_2015/AdaCore Tech Days SPARK 2014.pptx
@@ -5397,7 +5397,15 @@
             <a:pPr lvl="1"/>
             <a:r>
               <a:rPr lang="en-US" dirty="0" smtClean="0"/>
-              <a:t>Generation of counter-examples when not proved </a:t>
+              <a:t>Generation of </a:t>
+            </a:r>
+            <a:r>
+              <a:rPr lang="en-US" dirty="0" smtClean="0"/>
+              <a:t>counterexamples </a:t>
+            </a:r>
+            <a:r>
+              <a:rPr lang="en-US" dirty="0" smtClean="0"/>
+              <a:t>when not proved </a:t>
             </a:r>
           </a:p>
         </p:txBody>
@@ -5606,7 +5614,15 @@
             <a:pPr lvl="1"/>
             <a:r>
               <a:rPr lang="en-US" b="1" dirty="0" smtClean="0"/>
-              <a:t>Generation of counter-examples when not proved </a:t>
+              <a:t>Generation of </a:t>
+            </a:r>
+            <a:r>
+              <a:rPr lang="en-US" b="1" dirty="0" smtClean="0"/>
+              <a:t>counterexamples </a:t>
+            </a:r>
+            <a:r>
+              <a:rPr lang="en-US" b="1" dirty="0" smtClean="0"/>
+              <a:t>when not proved </a:t>
             </a:r>
           </a:p>
         </p:txBody>
@@ -9182,7 +9198,19 @@
           <a:p>
             <a:r>
               <a:rPr lang="en-US" dirty="0" smtClean="0"/>
-              <a:t>Generation of Counter-Examples</a:t>
+              <a:t>Generation of </a:t>
+            </a:r>
+            <a:r>
+              <a:rPr lang="en-US" dirty="0" smtClean="0"/>
+              <a:t>Counter</a:t>
+            </a:r>
+            <a:r>
+              <a:rPr lang="en-US" dirty="0"/>
+              <a:t>e</a:t>
+            </a:r>
+            <a:r>
+              <a:rPr lang="en-US" dirty="0" smtClean="0"/>
+              <a:t>xamples</a:t>
             </a:r>
             <a:endParaRPr lang="en-US" dirty="0"/>
           </a:p>
@@ -9277,7 +9305,19 @@
           <a:p>
             <a:r>
               <a:rPr lang="en-US" dirty="0" smtClean="0"/>
-              <a:t>Generation of Counter-Examples</a:t>
+              <a:t>Generation of </a:t>
+            </a:r>
+            <a:r>
+              <a:rPr lang="en-US" dirty="0" smtClean="0"/>
+              <a:t>Counter</a:t>
+            </a:r>
+            <a:r>
+              <a:rPr lang="en-US" dirty="0"/>
+              <a:t>e</a:t>
+            </a:r>
+            <a:r>
+              <a:rPr lang="en-US" dirty="0" smtClean="0"/>
+              <a:t>xamples</a:t>
             </a:r>
             <a:endParaRPr lang="en-US" dirty="0"/>
           </a:p>
@@ -9531,7 +9571,19 @@
           <a:p>
             <a:r>
               <a:rPr lang="en-US" dirty="0" smtClean="0"/>
-              <a:t>Generation of Counter-Examples</a:t>
+              <a:t>Generation of </a:t>
+            </a:r>
+            <a:r>
+              <a:rPr lang="en-US" dirty="0" smtClean="0"/>
+              <a:t>Counter</a:t>
+            </a:r>
+            <a:r>
+              <a:rPr lang="en-US" dirty="0"/>
+              <a:t>e</a:t>
+            </a:r>
+            <a:r>
+              <a:rPr lang="en-US" dirty="0" smtClean="0"/>
+              <a:t>xamples</a:t>
             </a:r>
             <a:endParaRPr lang="en-US" dirty="0"/>
           </a:p>
@@ -9691,7 +9743,19 @@
           <a:p>
             <a:r>
               <a:rPr lang="en-US" dirty="0" smtClean="0"/>
-              <a:t>Generation of Counter-Examples</a:t>
+              <a:t>Generation of </a:t>
+            </a:r>
+            <a:r>
+              <a:rPr lang="en-US" dirty="0" smtClean="0"/>
+              <a:t>Counter</a:t>
+            </a:r>
+            <a:r>
+              <a:rPr lang="en-US" dirty="0"/>
+              <a:t>e</a:t>
+            </a:r>
+            <a:r>
+              <a:rPr lang="en-US" dirty="0" smtClean="0"/>
+              <a:t>xamples</a:t>
             </a:r>
             <a:endParaRPr lang="en-US" dirty="0"/>
           </a:p>
@@ -9842,7 +9906,19 @@
           <a:p>
             <a:r>
               <a:rPr lang="en-US" dirty="0" smtClean="0"/>
-              <a:t>Generation of Counter-Examples</a:t>
+              <a:t>Generation of </a:t>
+            </a:r>
+            <a:r>
+              <a:rPr lang="en-US" dirty="0" smtClean="0"/>
+              <a:t>Counter</a:t>
+            </a:r>
+            <a:r>
+              <a:rPr lang="en-US" dirty="0"/>
+              <a:t>e</a:t>
+            </a:r>
+            <a:r>
+              <a:rPr lang="en-US" dirty="0" smtClean="0"/>
+              <a:t>xamples</a:t>
             </a:r>
             <a:endParaRPr lang="en-US" dirty="0"/>
           </a:p>
@@ -10085,45 +10161,26 @@
             </a:r>
             <a:r>
               <a:rPr lang="en-US" dirty="0" smtClean="0"/>
-              <a:t>simple </a:t>
-            </a:r>
-            <a:r>
-              <a:rPr lang="en-US" dirty="0" smtClean="0"/>
-              <a:t>pointers</a:t>
+              <a:t>simple pointers</a:t>
             </a:r>
           </a:p>
           <a:p>
             <a:pPr marL="0" indent="0">
               <a:buNone/>
             </a:pPr>
+            <a:endParaRPr lang="en-US" dirty="0" smtClean="0"/>
+          </a:p>
+          <a:p>
+            <a:pPr marL="0" indent="0">
+              <a:buNone/>
+            </a:pPr>
             <a:r>
               <a:rPr lang="en-US" b="1" dirty="0" smtClean="0">
                 <a:solidFill>
                   <a:srgbClr val="2D72AD"/>
                 </a:solidFill>
               </a:rPr>
-              <a:t/>
-            </a:r>
-          </a:p>
-          <a:p>
-            <a:pPr marL="0" indent="0">
-              <a:buNone/>
-            </a:pPr>
-            <a:r>
-              <a:rPr lang="en-US" b="1" dirty="0" smtClean="0">
-                <a:solidFill>
-                  <a:srgbClr val="2D72AD"/>
-                </a:solidFill>
-              </a:rPr>
-              <a:t>Improved </a:t>
-            </a:r>
-            <a:r>
-              <a:rPr lang="en-US" b="1" dirty="0" smtClean="0">
-                <a:solidFill>
-                  <a:srgbClr val="2D72AD"/>
-                </a:solidFill>
-              </a:rPr>
-              <a:t>provability</a:t>
+              <a:t>Improved provability</a:t>
             </a:r>
           </a:p>
           <a:p>

--- a/slides/AdaCore_Tech_Days_2015/AdaCore Tech Days SPARK 2014.pptx
+++ b/slides/AdaCore_Tech_Days_2015/AdaCore Tech Days SPARK 2014.pptx
@@ -275,7 +275,7 @@
             <a:fld id="{D83FDC75-7F73-4A4A-A77C-09AADF00E0EA}" type="datetimeFigureOut">
               <a:rPr lang="en-US" smtClean="0"/>
               <a:pPr/>
-              <a:t>30/07/15</a:t>
+              <a:t>31/07/15</a:t>
             </a:fld>
             <a:endParaRPr lang="en-US" dirty="0"/>
           </a:p>
@@ -442,7 +442,7 @@
             <a:fld id="{48AEF76B-3757-4A0B-AF93-28494465C1DD}" type="datetimeFigureOut">
               <a:rPr lang="en-US" smtClean="0"/>
               <a:pPr/>
-              <a:t>30/07/15</a:t>
+              <a:t>31/07/15</a:t>
             </a:fld>
             <a:endParaRPr lang="en-US" dirty="0"/>
           </a:p>
@@ -1488,7 +1488,7 @@
             <a:fld id="{757B281C-5159-4971-8228-52B9A72E9ED2}" type="datetimeFigureOut">
               <a:rPr lang="en-US" smtClean="0"/>
               <a:pPr/>
-              <a:t>30/07/15</a:t>
+              <a:t>31/07/15</a:t>
             </a:fld>
             <a:endParaRPr lang="en-US" dirty="0"/>
           </a:p>
@@ -1606,7 +1606,7 @@
             <a:fld id="{757B281C-5159-4971-8228-52B9A72E9ED2}" type="datetimeFigureOut">
               <a:rPr lang="en-US" smtClean="0"/>
               <a:pPr/>
-              <a:t>30/07/15</a:t>
+              <a:t>31/07/15</a:t>
             </a:fld>
             <a:endParaRPr lang="en-US" dirty="0"/>
           </a:p>
@@ -1708,7 +1708,7 @@
             <a:fld id="{757B281C-5159-4971-8228-52B9A72E9ED2}" type="datetimeFigureOut">
               <a:rPr lang="en-US" smtClean="0"/>
               <a:pPr/>
-              <a:t>30/07/15</a:t>
+              <a:t>31/07/15</a:t>
             </a:fld>
             <a:endParaRPr lang="en-US" dirty="0"/>
           </a:p>
@@ -1815,7 +1815,7 @@
             <a:fld id="{757B281C-5159-4971-8228-52B9A72E9ED2}" type="datetimeFigureOut">
               <a:rPr lang="en-US" smtClean="0"/>
               <a:pPr/>
-              <a:t>30/07/15</a:t>
+              <a:t>31/07/15</a:t>
             </a:fld>
             <a:endParaRPr lang="en-US" dirty="0"/>
           </a:p>
@@ -1927,7 +1927,7 @@
             <a:fld id="{757B281C-5159-4971-8228-52B9A72E9ED2}" type="datetimeFigureOut">
               <a:rPr lang="en-US" smtClean="0"/>
               <a:pPr/>
-              <a:t>30/07/15</a:t>
+              <a:t>31/07/15</a:t>
             </a:fld>
             <a:endParaRPr lang="en-US" dirty="0"/>
           </a:p>
@@ -2067,7 +2067,7 @@
             <a:fld id="{757B281C-5159-4971-8228-52B9A72E9ED2}" type="datetimeFigureOut">
               <a:rPr lang="en-US" smtClean="0"/>
               <a:pPr/>
-              <a:t>30/07/15</a:t>
+              <a:t>31/07/15</a:t>
             </a:fld>
             <a:endParaRPr lang="en-US" dirty="0"/>
           </a:p>
@@ -2339,7 +2339,7 @@
             <a:fld id="{757B281C-5159-4971-8228-52B9A72E9ED2}" type="datetimeFigureOut">
               <a:rPr lang="en-US" smtClean="0"/>
               <a:pPr/>
-              <a:t>30/07/15</a:t>
+              <a:t>31/07/15</a:t>
             </a:fld>
             <a:endParaRPr lang="en-US" dirty="0"/>
           </a:p>
@@ -2655,7 +2655,7 @@
             <a:fld id="{757B281C-5159-4971-8228-52B9A72E9ED2}" type="datetimeFigureOut">
               <a:rPr lang="en-US" smtClean="0"/>
               <a:pPr/>
-              <a:t>30/07/15</a:t>
+              <a:t>31/07/15</a:t>
             </a:fld>
             <a:endParaRPr lang="en-US" dirty="0"/>
           </a:p>
@@ -3100,7 +3100,7 @@
             <a:fld id="{757B281C-5159-4971-8228-52B9A72E9ED2}" type="datetimeFigureOut">
               <a:rPr lang="en-US" smtClean="0"/>
               <a:pPr/>
-              <a:t>30/07/15</a:t>
+              <a:t>31/07/15</a:t>
             </a:fld>
             <a:endParaRPr lang="en-US" dirty="0"/>
           </a:p>
@@ -3379,7 +3379,7 @@
             <a:fld id="{757B281C-5159-4971-8228-52B9A72E9ED2}" type="datetimeFigureOut">
               <a:rPr lang="en-US" smtClean="0"/>
               <a:pPr/>
-              <a:t>30/07/15</a:t>
+              <a:t>31/07/15</a:t>
             </a:fld>
             <a:endParaRPr lang="en-US" dirty="0"/>
           </a:p>
@@ -3643,7 +3643,7 @@
             <a:fld id="{757B281C-5159-4971-8228-52B9A72E9ED2}" type="datetimeFigureOut">
               <a:rPr lang="en-US" smtClean="0"/>
               <a:pPr/>
-              <a:t>30/07/15</a:t>
+              <a:t>31/07/15</a:t>
             </a:fld>
             <a:endParaRPr lang="en-US" dirty="0"/>
           </a:p>
@@ -3813,7 +3813,7 @@
             <a:fld id="{757B281C-5159-4971-8228-52B9A72E9ED2}" type="datetimeFigureOut">
               <a:rPr lang="en-US" smtClean="0"/>
               <a:pPr/>
-              <a:t>30/07/15</a:t>
+              <a:t>31/07/15</a:t>
             </a:fld>
             <a:endParaRPr lang="en-US" dirty="0"/>
           </a:p>
@@ -4026,7 +4026,7 @@
             <a:fld id="{757B281C-5159-4971-8228-52B9A72E9ED2}" type="datetimeFigureOut">
               <a:rPr lang="en-US" smtClean="0"/>
               <a:pPr/>
-              <a:t>30/07/15</a:t>
+              <a:t>31/07/15</a:t>
             </a:fld>
             <a:endParaRPr lang="en-US" dirty="0"/>
           </a:p>
@@ -5397,15 +5397,7 @@
             <a:pPr lvl="1"/>
             <a:r>
               <a:rPr lang="en-US" dirty="0" smtClean="0"/>
-              <a:t>Generation of </a:t>
-            </a:r>
-            <a:r>
-              <a:rPr lang="en-US" dirty="0" smtClean="0"/>
-              <a:t>counterexamples </a:t>
-            </a:r>
-            <a:r>
-              <a:rPr lang="en-US" dirty="0" smtClean="0"/>
-              <a:t>when not proved </a:t>
+              <a:t>Generation of counterexamples when not proved </a:t>
             </a:r>
           </a:p>
         </p:txBody>
@@ -5614,15 +5606,7 @@
             <a:pPr lvl="1"/>
             <a:r>
               <a:rPr lang="en-US" b="1" dirty="0" smtClean="0"/>
-              <a:t>Generation of </a:t>
-            </a:r>
-            <a:r>
-              <a:rPr lang="en-US" b="1" dirty="0" smtClean="0"/>
-              <a:t>counterexamples </a:t>
-            </a:r>
-            <a:r>
-              <a:rPr lang="en-US" b="1" dirty="0" smtClean="0"/>
-              <a:t>when not proved </a:t>
+              <a:t>Generation of counterexamples when not proved </a:t>
             </a:r>
           </a:p>
         </p:txBody>
@@ -9198,11 +9182,7 @@
           <a:p>
             <a:r>
               <a:rPr lang="en-US" dirty="0" smtClean="0"/>
-              <a:t>Generation of </a:t>
-            </a:r>
-            <a:r>
-              <a:rPr lang="en-US" dirty="0" smtClean="0"/>
-              <a:t>Counter</a:t>
+              <a:t>Generation of Counter</a:t>
             </a:r>
             <a:r>
               <a:rPr lang="en-US" dirty="0"/>
@@ -9305,11 +9285,7 @@
           <a:p>
             <a:r>
               <a:rPr lang="en-US" dirty="0" smtClean="0"/>
-              <a:t>Generation of </a:t>
-            </a:r>
-            <a:r>
-              <a:rPr lang="en-US" dirty="0" smtClean="0"/>
-              <a:t>Counter</a:t>
+              <a:t>Generation of Counter</a:t>
             </a:r>
             <a:r>
               <a:rPr lang="en-US" dirty="0"/>
@@ -9571,11 +9547,7 @@
           <a:p>
             <a:r>
               <a:rPr lang="en-US" dirty="0" smtClean="0"/>
-              <a:t>Generation of </a:t>
-            </a:r>
-            <a:r>
-              <a:rPr lang="en-US" dirty="0" smtClean="0"/>
-              <a:t>Counter</a:t>
+              <a:t>Generation of Counter</a:t>
             </a:r>
             <a:r>
               <a:rPr lang="en-US" dirty="0"/>
@@ -9743,11 +9715,7 @@
           <a:p>
             <a:r>
               <a:rPr lang="en-US" dirty="0" smtClean="0"/>
-              <a:t>Generation of </a:t>
-            </a:r>
-            <a:r>
-              <a:rPr lang="en-US" dirty="0" smtClean="0"/>
-              <a:t>Counter</a:t>
+              <a:t>Generation of Counter</a:t>
             </a:r>
             <a:r>
               <a:rPr lang="en-US" dirty="0"/>
@@ -9906,11 +9874,7 @@
           <a:p>
             <a:r>
               <a:rPr lang="en-US" dirty="0" smtClean="0"/>
-              <a:t>Generation of </a:t>
-            </a:r>
-            <a:r>
-              <a:rPr lang="en-US" dirty="0" smtClean="0"/>
-              <a:t>Counter</a:t>
+              <a:t>Generation of Counter</a:t>
             </a:r>
             <a:r>
               <a:rPr lang="en-US" dirty="0"/>
@@ -11468,25 +11432,165 @@
       </p:pic>
       <p:sp>
         <p:nvSpPr>
-          <p:cNvPr id="14" name="Content Placeholder 2"/>
-          <p:cNvSpPr>
-            <a:spLocks noGrp="1"/>
+          <p:cNvPr id="5" name="Content Placeholder 2"/>
+          <p:cNvSpPr txBox="1">
+            <a:spLocks/>
           </p:cNvSpPr>
-          <p:nvPr>
-            <p:ph idx="1"/>
-          </p:nvPr>
+          <p:nvPr/>
         </p:nvSpPr>
         <p:spPr>
           <a:xfrm>
             <a:off x="457200" y="3314700"/>
-            <a:ext cx="3886200" cy="1146156"/>
+            <a:ext cx="3886200" cy="1676400"/>
           </a:xfrm>
+          <a:prstGeom prst="rect">
+            <a:avLst/>
+          </a:prstGeom>
         </p:spPr>
         <p:txBody>
-          <a:bodyPr/>
-          <a:lstStyle/>
+          <a:bodyPr vert="horz" lIns="91440" tIns="45720" rIns="91440" bIns="45720" rtlCol="0">
+            <a:normAutofit/>
+          </a:bodyPr>
+          <a:lstStyle>
+            <a:lvl1pPr marL="342900" indent="-342900" algn="l" defTabSz="914400" rtl="0" eaLnBrk="1" latinLnBrk="0" hangingPunct="1">
+              <a:spcBef>
+                <a:spcPct val="20000"/>
+              </a:spcBef>
+              <a:buFont typeface="Arial" pitchFamily="34" charset="0"/>
+              <a:buChar char="•"/>
+              <a:defRPr sz="2000" kern="1200">
+                <a:solidFill>
+                  <a:schemeClr val="tx1"/>
+                </a:solidFill>
+                <a:latin typeface="Helvetica"/>
+                <a:ea typeface="+mn-ea"/>
+                <a:cs typeface="Helvetica"/>
+              </a:defRPr>
+            </a:lvl1pPr>
+            <a:lvl2pPr marL="742950" indent="-285750" algn="l" defTabSz="914400" rtl="0" eaLnBrk="1" latinLnBrk="0" hangingPunct="1">
+              <a:spcBef>
+                <a:spcPct val="20000"/>
+              </a:spcBef>
+              <a:buFont typeface="Arial" pitchFamily="34" charset="0"/>
+              <a:buChar char="–"/>
+              <a:defRPr sz="2000" kern="1200">
+                <a:solidFill>
+                  <a:schemeClr val="tx1"/>
+                </a:solidFill>
+                <a:latin typeface="Helvetica"/>
+                <a:ea typeface="+mn-ea"/>
+                <a:cs typeface="Helvetica"/>
+              </a:defRPr>
+            </a:lvl2pPr>
+            <a:lvl3pPr marL="1143000" indent="-228600" algn="l" defTabSz="914400" rtl="0" eaLnBrk="1" latinLnBrk="0" hangingPunct="1">
+              <a:spcBef>
+                <a:spcPct val="20000"/>
+              </a:spcBef>
+              <a:buFont typeface="Arial" pitchFamily="34" charset="0"/>
+              <a:buChar char="•"/>
+              <a:defRPr sz="2000" kern="1200">
+                <a:solidFill>
+                  <a:schemeClr val="tx1"/>
+                </a:solidFill>
+                <a:latin typeface="Helvetica"/>
+                <a:ea typeface="+mn-ea"/>
+                <a:cs typeface="Helvetica"/>
+              </a:defRPr>
+            </a:lvl3pPr>
+            <a:lvl4pPr marL="1600200" indent="-228600" algn="l" defTabSz="914400" rtl="0" eaLnBrk="1" latinLnBrk="0" hangingPunct="1">
+              <a:spcBef>
+                <a:spcPct val="20000"/>
+              </a:spcBef>
+              <a:buFont typeface="Arial" pitchFamily="34" charset="0"/>
+              <a:buChar char="–"/>
+              <a:defRPr sz="2000" kern="1200">
+                <a:solidFill>
+                  <a:schemeClr val="tx1"/>
+                </a:solidFill>
+                <a:latin typeface="Helvetica"/>
+                <a:ea typeface="+mn-ea"/>
+                <a:cs typeface="Helvetica"/>
+              </a:defRPr>
+            </a:lvl4pPr>
+            <a:lvl5pPr marL="2057400" indent="-228600" algn="l" defTabSz="914400" rtl="0" eaLnBrk="1" latinLnBrk="0" hangingPunct="1">
+              <a:spcBef>
+                <a:spcPct val="20000"/>
+              </a:spcBef>
+              <a:buFont typeface="Arial" pitchFamily="34" charset="0"/>
+              <a:buChar char="»"/>
+              <a:defRPr sz="2000" kern="1200">
+                <a:solidFill>
+                  <a:schemeClr val="tx1"/>
+                </a:solidFill>
+                <a:latin typeface="Helvetica"/>
+                <a:ea typeface="+mn-ea"/>
+                <a:cs typeface="Helvetica"/>
+              </a:defRPr>
+            </a:lvl5pPr>
+            <a:lvl6pPr marL="2514600" indent="-228600" algn="l" defTabSz="914400" rtl="0" eaLnBrk="1" latinLnBrk="0" hangingPunct="1">
+              <a:spcBef>
+                <a:spcPct val="20000"/>
+              </a:spcBef>
+              <a:buFont typeface="Arial" pitchFamily="34" charset="0"/>
+              <a:buChar char="•"/>
+              <a:defRPr sz="2000" kern="1200">
+                <a:solidFill>
+                  <a:schemeClr val="tx1"/>
+                </a:solidFill>
+                <a:latin typeface="+mn-lt"/>
+                <a:ea typeface="+mn-ea"/>
+                <a:cs typeface="+mn-cs"/>
+              </a:defRPr>
+            </a:lvl6pPr>
+            <a:lvl7pPr marL="2971800" indent="-228600" algn="l" defTabSz="914400" rtl="0" eaLnBrk="1" latinLnBrk="0" hangingPunct="1">
+              <a:spcBef>
+                <a:spcPct val="20000"/>
+              </a:spcBef>
+              <a:buFont typeface="Arial" pitchFamily="34" charset="0"/>
+              <a:buChar char="•"/>
+              <a:defRPr sz="2000" kern="1200">
+                <a:solidFill>
+                  <a:schemeClr val="tx1"/>
+                </a:solidFill>
+                <a:latin typeface="+mn-lt"/>
+                <a:ea typeface="+mn-ea"/>
+                <a:cs typeface="+mn-cs"/>
+              </a:defRPr>
+            </a:lvl7pPr>
+            <a:lvl8pPr marL="3429000" indent="-228600" algn="l" defTabSz="914400" rtl="0" eaLnBrk="1" latinLnBrk="0" hangingPunct="1">
+              <a:spcBef>
+                <a:spcPct val="20000"/>
+              </a:spcBef>
+              <a:buFont typeface="Arial" pitchFamily="34" charset="0"/>
+              <a:buChar char="•"/>
+              <a:defRPr sz="2000" kern="1200">
+                <a:solidFill>
+                  <a:schemeClr val="tx1"/>
+                </a:solidFill>
+                <a:latin typeface="+mn-lt"/>
+                <a:ea typeface="+mn-ea"/>
+                <a:cs typeface="+mn-cs"/>
+              </a:defRPr>
+            </a:lvl8pPr>
+            <a:lvl9pPr marL="3886200" indent="-228600" algn="l" defTabSz="914400" rtl="0" eaLnBrk="1" latinLnBrk="0" hangingPunct="1">
+              <a:spcBef>
+                <a:spcPct val="20000"/>
+              </a:spcBef>
+              <a:buFont typeface="Arial" pitchFamily="34" charset="0"/>
+              <a:buChar char="•"/>
+              <a:defRPr sz="2000" kern="1200">
+                <a:solidFill>
+                  <a:schemeClr val="tx1"/>
+                </a:solidFill>
+                <a:latin typeface="+mn-lt"/>
+                <a:ea typeface="+mn-ea"/>
+                <a:cs typeface="+mn-cs"/>
+              </a:defRPr>
+            </a:lvl9pPr>
+          </a:lstStyle>
           <a:p>
             <a:pPr marL="0" indent="0">
+              <a:buFont typeface="Arial" pitchFamily="34" charset="0"/>
               <a:buNone/>
             </a:pPr>
             <a:r>
@@ -11508,11 +11612,12 @@
           </a:p>
           <a:p>
             <a:pPr marL="0" indent="0">
+              <a:buFont typeface="Arial" pitchFamily="34" charset="0"/>
               <a:buNone/>
             </a:pPr>
             <a:r>
               <a:rPr lang="en-US" dirty="0" smtClean="0"/>
-              <a:t>5900 </a:t>
+              <a:t>1800 </a:t>
             </a:r>
             <a:r>
               <a:rPr lang="en-US" dirty="0" err="1" smtClean="0"/>
@@ -11520,11 +11625,12 @@
             </a:r>
             <a:r>
               <a:rPr lang="en-US" dirty="0" smtClean="0"/>
-              <a:t> firmware in C</a:t>
+              <a:t> navigation in C</a:t>
             </a:r>
           </a:p>
           <a:p>
             <a:pPr marL="0" indent="0">
+              <a:buFont typeface="Arial" pitchFamily="34" charset="0"/>
               <a:buNone/>
             </a:pPr>
             <a:r>
@@ -11534,6 +11640,17 @@
             <a:r>
               <a:rPr lang="en-US" dirty="0" err="1" smtClean="0"/>
               <a:t>FreeRTOS</a:t>
+            </a:r>
+            <a:endParaRPr lang="en-US" dirty="0" smtClean="0"/>
+          </a:p>
+          <a:p>
+            <a:pPr marL="0" indent="0">
+              <a:buFont typeface="Arial" pitchFamily="34" charset="0"/>
+              <a:buNone/>
+            </a:pPr>
+            <a:r>
+              <a:rPr lang="en-US" dirty="0" smtClean="0"/>
+              <a:t>+ …</a:t>
             </a:r>
             <a:endParaRPr lang="en-US" dirty="0"/>
           </a:p>
@@ -11652,11 +11769,13 @@
         <p:spPr>
           <a:xfrm>
             <a:off x="457200" y="3314700"/>
-            <a:ext cx="3886200" cy="1146156"/>
+            <a:ext cx="3886200" cy="1676400"/>
           </a:xfrm>
         </p:spPr>
         <p:txBody>
-          <a:bodyPr/>
+          <a:bodyPr>
+            <a:normAutofit/>
+          </a:bodyPr>
           <a:lstStyle/>
           <a:p>
             <a:pPr marL="0" indent="0">
@@ -11685,7 +11804,11 @@
             </a:pPr>
             <a:r>
               <a:rPr lang="en-US" dirty="0" smtClean="0"/>
-              <a:t>5900 </a:t>
+              <a:t>18</a:t>
+            </a:r>
+            <a:r>
+              <a:rPr lang="en-US" dirty="0" smtClean="0"/>
+              <a:t>00 </a:t>
             </a:r>
             <a:r>
               <a:rPr lang="en-US" dirty="0" err="1" smtClean="0"/>
@@ -11693,7 +11816,15 @@
             </a:r>
             <a:r>
               <a:rPr lang="en-US" dirty="0" smtClean="0"/>
-              <a:t> firmware in C</a:t>
+              <a:t> </a:t>
+            </a:r>
+            <a:r>
+              <a:rPr lang="en-US" dirty="0" smtClean="0"/>
+              <a:t>navigation in </a:t>
+            </a:r>
+            <a:r>
+              <a:rPr lang="en-US" dirty="0" smtClean="0"/>
+              <a:t>C</a:t>
             </a:r>
           </a:p>
           <a:p>
@@ -11707,6 +11838,16 @@
             <a:r>
               <a:rPr lang="en-US" dirty="0" err="1" smtClean="0"/>
               <a:t>FreeRTOS</a:t>
+            </a:r>
+            <a:endParaRPr lang="en-US" dirty="0" smtClean="0"/>
+          </a:p>
+          <a:p>
+            <a:pPr marL="0" indent="0">
+              <a:buNone/>
+            </a:pPr>
+            <a:r>
+              <a:rPr lang="en-US" dirty="0" smtClean="0"/>
+              <a:t>+ …</a:t>
             </a:r>
             <a:endParaRPr lang="en-US" dirty="0"/>
           </a:p>
@@ -11761,7 +11902,7 @@
         <p:spPr>
           <a:xfrm>
             <a:off x="5410200" y="3314700"/>
-            <a:ext cx="3886200" cy="1828800"/>
+            <a:ext cx="3886200" cy="2209800"/>
           </a:xfrm>
           <a:prstGeom prst="rect">
             <a:avLst/>
@@ -11937,7 +12078,19 @@
             </a:pPr>
             <a:r>
               <a:rPr lang="en-US" dirty="0" smtClean="0"/>
-              <a:t>firmware in SPARK</a:t>
+              <a:t>2100 </a:t>
+            </a:r>
+            <a:r>
+              <a:rPr lang="en-US" dirty="0" err="1" smtClean="0"/>
+              <a:t>sloc</a:t>
+            </a:r>
+            <a:r>
+              <a:rPr lang="en-US" dirty="0" smtClean="0"/>
+              <a:t> navigation in </a:t>
+            </a:r>
+            <a:r>
+              <a:rPr lang="en-US" dirty="0" smtClean="0"/>
+              <a:t>SPARK</a:t>
             </a:r>
           </a:p>
           <a:p>
@@ -11966,6 +12119,17 @@
             <a:r>
               <a:rPr lang="en-US" dirty="0" err="1" smtClean="0"/>
               <a:t>FreeRTOS</a:t>
+            </a:r>
+            <a:endParaRPr lang="en-US" dirty="0" smtClean="0"/>
+          </a:p>
+          <a:p>
+            <a:pPr marL="0" indent="0">
+              <a:buFont typeface="Arial" pitchFamily="34" charset="0"/>
+              <a:buNone/>
+            </a:pPr>
+            <a:r>
+              <a:rPr lang="en-US" dirty="0" smtClean="0"/>
+              <a:t>+ …</a:t>
             </a:r>
             <a:endParaRPr lang="en-US" dirty="0" smtClean="0"/>
           </a:p>
@@ -12255,79 +12419,6 @@
       </p:pic>
       <p:sp>
         <p:nvSpPr>
-          <p:cNvPr id="14" name="Content Placeholder 2"/>
-          <p:cNvSpPr>
-            <a:spLocks noGrp="1"/>
-          </p:cNvSpPr>
-          <p:nvPr>
-            <p:ph idx="1"/>
-          </p:nvPr>
-        </p:nvSpPr>
-        <p:spPr>
-          <a:xfrm>
-            <a:off x="457200" y="3314700"/>
-            <a:ext cx="3886200" cy="1146156"/>
-          </a:xfrm>
-        </p:spPr>
-        <p:txBody>
-          <a:bodyPr/>
-          <a:lstStyle/>
-          <a:p>
-            <a:pPr marL="0" indent="0">
-              <a:buNone/>
-            </a:pPr>
-            <a:r>
-              <a:rPr lang="en-US" b="1" dirty="0" err="1" smtClean="0">
-                <a:solidFill>
-                  <a:srgbClr val="2D72AD"/>
-                </a:solidFill>
-              </a:rPr>
-              <a:t>Crazyflie</a:t>
-            </a:r>
-            <a:r>
-              <a:rPr lang="en-US" b="1" dirty="0" smtClean="0">
-                <a:solidFill>
-                  <a:srgbClr val="2D72AD"/>
-                </a:solidFill>
-              </a:rPr>
-              <a:t> 2.0</a:t>
-            </a:r>
-          </a:p>
-          <a:p>
-            <a:pPr marL="0" indent="0">
-              <a:buNone/>
-            </a:pPr>
-            <a:r>
-              <a:rPr lang="en-US" dirty="0" smtClean="0"/>
-              <a:t>5900 </a:t>
-            </a:r>
-            <a:r>
-              <a:rPr lang="en-US" dirty="0" err="1" smtClean="0"/>
-              <a:t>sloc</a:t>
-            </a:r>
-            <a:r>
-              <a:rPr lang="en-US" dirty="0" smtClean="0"/>
-              <a:t> firmware in C</a:t>
-            </a:r>
-          </a:p>
-          <a:p>
-            <a:pPr marL="0" indent="0">
-              <a:buNone/>
-            </a:pPr>
-            <a:r>
-              <a:rPr lang="en-US" dirty="0" smtClean="0"/>
-              <a:t>+ </a:t>
-            </a:r>
-            <a:r>
-              <a:rPr lang="en-US" dirty="0" err="1" smtClean="0"/>
-              <a:t>FreeRTOS</a:t>
-            </a:r>
-            <a:endParaRPr lang="en-US" dirty="0"/>
-          </a:p>
-        </p:txBody>
-      </p:sp>
-      <p:sp>
-        <p:nvSpPr>
           <p:cNvPr id="15" name="Flèche vers la droite 14"/>
           <p:cNvSpPr/>
           <p:nvPr/>
@@ -12551,7 +12642,19 @@
             </a:pPr>
             <a:r>
               <a:rPr lang="en-US" dirty="0" smtClean="0"/>
-              <a:t>firmware in SPARK</a:t>
+              <a:t>2100 </a:t>
+            </a:r>
+            <a:r>
+              <a:rPr lang="en-US" dirty="0" err="1" smtClean="0"/>
+              <a:t>sloc</a:t>
+            </a:r>
+            <a:r>
+              <a:rPr lang="en-US" dirty="0" smtClean="0"/>
+              <a:t> navigation in </a:t>
+            </a:r>
+            <a:r>
+              <a:rPr lang="en-US" dirty="0" smtClean="0"/>
+              <a:t>SPARK</a:t>
             </a:r>
           </a:p>
           <a:p>
@@ -12792,6 +12895,103 @@
               <a:t>5 months later…</a:t>
             </a:r>
             <a:endParaRPr lang="en-US" sz="4400" dirty="0"/>
+          </a:p>
+        </p:txBody>
+      </p:sp>
+      <p:sp>
+        <p:nvSpPr>
+          <p:cNvPr id="11" name="Content Placeholder 2"/>
+          <p:cNvSpPr>
+            <a:spLocks noGrp="1"/>
+          </p:cNvSpPr>
+          <p:nvPr>
+            <p:ph idx="1"/>
+          </p:nvPr>
+        </p:nvSpPr>
+        <p:spPr>
+          <a:xfrm>
+            <a:off x="457200" y="3314700"/>
+            <a:ext cx="3886200" cy="1676400"/>
+          </a:xfrm>
+        </p:spPr>
+        <p:txBody>
+          <a:bodyPr>
+            <a:normAutofit/>
+          </a:bodyPr>
+          <a:lstStyle/>
+          <a:p>
+            <a:pPr marL="0" indent="0">
+              <a:buNone/>
+            </a:pPr>
+            <a:r>
+              <a:rPr lang="en-US" b="1" dirty="0" err="1" smtClean="0">
+                <a:solidFill>
+                  <a:srgbClr val="2D72AD"/>
+                </a:solidFill>
+              </a:rPr>
+              <a:t>Crazyflie</a:t>
+            </a:r>
+            <a:r>
+              <a:rPr lang="en-US" b="1" dirty="0" smtClean="0">
+                <a:solidFill>
+                  <a:srgbClr val="2D72AD"/>
+                </a:solidFill>
+              </a:rPr>
+              <a:t> 2.0</a:t>
+            </a:r>
+          </a:p>
+          <a:p>
+            <a:pPr marL="0" indent="0">
+              <a:buNone/>
+            </a:pPr>
+            <a:r>
+              <a:rPr lang="en-US" dirty="0" smtClean="0"/>
+              <a:t>18</a:t>
+            </a:r>
+            <a:r>
+              <a:rPr lang="en-US" dirty="0" smtClean="0"/>
+              <a:t>00 </a:t>
+            </a:r>
+            <a:r>
+              <a:rPr lang="en-US" dirty="0" err="1" smtClean="0"/>
+              <a:t>sloc</a:t>
+            </a:r>
+            <a:r>
+              <a:rPr lang="en-US" dirty="0" smtClean="0"/>
+              <a:t> </a:t>
+            </a:r>
+            <a:r>
+              <a:rPr lang="en-US" dirty="0" smtClean="0"/>
+              <a:t>navigation in </a:t>
+            </a:r>
+            <a:r>
+              <a:rPr lang="en-US" dirty="0" smtClean="0"/>
+              <a:t>C</a:t>
+            </a:r>
+          </a:p>
+          <a:p>
+            <a:pPr marL="0" indent="0">
+              <a:buNone/>
+            </a:pPr>
+            <a:r>
+              <a:rPr lang="en-US" dirty="0" smtClean="0"/>
+              <a:t>+ </a:t>
+            </a:r>
+            <a:r>
+              <a:rPr lang="en-US" dirty="0" err="1" smtClean="0"/>
+              <a:t>FreeRTOS</a:t>
+            </a:r>
+            <a:endParaRPr lang="en-US" dirty="0" smtClean="0"/>
+          </a:p>
+          <a:p>
+            <a:pPr marL="0" indent="0">
+              <a:buNone/>
+            </a:pPr>
+            <a:r>
+              <a:rPr lang="en-US" dirty="0" smtClean="0"/>
+              <a:t>+ …</a:t>
+            </a:r>
+            <a:endParaRPr lang="en-US" dirty="0"/>
           </a:p>
         </p:txBody>
       </p:sp>

--- a/slides/AdaCore_Tech_Days_2015/AdaCore Tech Days SPARK 2014.pptx
+++ b/slides/AdaCore_Tech_Days_2015/AdaCore Tech Days SPARK 2014.pptx
@@ -275,7 +275,7 @@
             <a:fld id="{D83FDC75-7F73-4A4A-A77C-09AADF00E0EA}" type="datetimeFigureOut">
               <a:rPr lang="en-US" smtClean="0"/>
               <a:pPr/>
-              <a:t>31/07/15</a:t>
+              <a:t>20/08/15</a:t>
             </a:fld>
             <a:endParaRPr lang="en-US" dirty="0"/>
           </a:p>
@@ -442,7 +442,7 @@
             <a:fld id="{48AEF76B-3757-4A0B-AF93-28494465C1DD}" type="datetimeFigureOut">
               <a:rPr lang="en-US" smtClean="0"/>
               <a:pPr/>
-              <a:t>31/07/15</a:t>
+              <a:t>20/08/15</a:t>
             </a:fld>
             <a:endParaRPr lang="en-US" dirty="0"/>
           </a:p>
@@ -1488,7 +1488,7 @@
             <a:fld id="{757B281C-5159-4971-8228-52B9A72E9ED2}" type="datetimeFigureOut">
               <a:rPr lang="en-US" smtClean="0"/>
               <a:pPr/>
-              <a:t>31/07/15</a:t>
+              <a:t>20/08/15</a:t>
             </a:fld>
             <a:endParaRPr lang="en-US" dirty="0"/>
           </a:p>
@@ -1606,7 +1606,7 @@
             <a:fld id="{757B281C-5159-4971-8228-52B9A72E9ED2}" type="datetimeFigureOut">
               <a:rPr lang="en-US" smtClean="0"/>
               <a:pPr/>
-              <a:t>31/07/15</a:t>
+              <a:t>20/08/15</a:t>
             </a:fld>
             <a:endParaRPr lang="en-US" dirty="0"/>
           </a:p>
@@ -1708,7 +1708,7 @@
             <a:fld id="{757B281C-5159-4971-8228-52B9A72E9ED2}" type="datetimeFigureOut">
               <a:rPr lang="en-US" smtClean="0"/>
               <a:pPr/>
-              <a:t>31/07/15</a:t>
+              <a:t>20/08/15</a:t>
             </a:fld>
             <a:endParaRPr lang="en-US" dirty="0"/>
           </a:p>
@@ -1815,7 +1815,7 @@
             <a:fld id="{757B281C-5159-4971-8228-52B9A72E9ED2}" type="datetimeFigureOut">
               <a:rPr lang="en-US" smtClean="0"/>
               <a:pPr/>
-              <a:t>31/07/15</a:t>
+              <a:t>20/08/15</a:t>
             </a:fld>
             <a:endParaRPr lang="en-US" dirty="0"/>
           </a:p>
@@ -1927,7 +1927,7 @@
             <a:fld id="{757B281C-5159-4971-8228-52B9A72E9ED2}" type="datetimeFigureOut">
               <a:rPr lang="en-US" smtClean="0"/>
               <a:pPr/>
-              <a:t>31/07/15</a:t>
+              <a:t>20/08/15</a:t>
             </a:fld>
             <a:endParaRPr lang="en-US" dirty="0"/>
           </a:p>
@@ -2067,7 +2067,7 @@
             <a:fld id="{757B281C-5159-4971-8228-52B9A72E9ED2}" type="datetimeFigureOut">
               <a:rPr lang="en-US" smtClean="0"/>
               <a:pPr/>
-              <a:t>31/07/15</a:t>
+              <a:t>20/08/15</a:t>
             </a:fld>
             <a:endParaRPr lang="en-US" dirty="0"/>
           </a:p>
@@ -2339,7 +2339,7 @@
             <a:fld id="{757B281C-5159-4971-8228-52B9A72E9ED2}" type="datetimeFigureOut">
               <a:rPr lang="en-US" smtClean="0"/>
               <a:pPr/>
-              <a:t>31/07/15</a:t>
+              <a:t>20/08/15</a:t>
             </a:fld>
             <a:endParaRPr lang="en-US" dirty="0"/>
           </a:p>
@@ -2655,7 +2655,7 @@
             <a:fld id="{757B281C-5159-4971-8228-52B9A72E9ED2}" type="datetimeFigureOut">
               <a:rPr lang="en-US" smtClean="0"/>
               <a:pPr/>
-              <a:t>31/07/15</a:t>
+              <a:t>20/08/15</a:t>
             </a:fld>
             <a:endParaRPr lang="en-US" dirty="0"/>
           </a:p>
@@ -3100,7 +3100,7 @@
             <a:fld id="{757B281C-5159-4971-8228-52B9A72E9ED2}" type="datetimeFigureOut">
               <a:rPr lang="en-US" smtClean="0"/>
               <a:pPr/>
-              <a:t>31/07/15</a:t>
+              <a:t>20/08/15</a:t>
             </a:fld>
             <a:endParaRPr lang="en-US" dirty="0"/>
           </a:p>
@@ -3379,7 +3379,7 @@
             <a:fld id="{757B281C-5159-4971-8228-52B9A72E9ED2}" type="datetimeFigureOut">
               <a:rPr lang="en-US" smtClean="0"/>
               <a:pPr/>
-              <a:t>31/07/15</a:t>
+              <a:t>20/08/15</a:t>
             </a:fld>
             <a:endParaRPr lang="en-US" dirty="0"/>
           </a:p>
@@ -3643,7 +3643,7 @@
             <a:fld id="{757B281C-5159-4971-8228-52B9A72E9ED2}" type="datetimeFigureOut">
               <a:rPr lang="en-US" smtClean="0"/>
               <a:pPr/>
-              <a:t>31/07/15</a:t>
+              <a:t>20/08/15</a:t>
             </a:fld>
             <a:endParaRPr lang="en-US" dirty="0"/>
           </a:p>
@@ -3813,7 +3813,7 @@
             <a:fld id="{757B281C-5159-4971-8228-52B9A72E9ED2}" type="datetimeFigureOut">
               <a:rPr lang="en-US" smtClean="0"/>
               <a:pPr/>
-              <a:t>31/07/15</a:t>
+              <a:t>20/08/15</a:t>
             </a:fld>
             <a:endParaRPr lang="en-US" dirty="0"/>
           </a:p>
@@ -4026,7 +4026,7 @@
             <a:fld id="{757B281C-5159-4971-8228-52B9A72E9ED2}" type="datetimeFigureOut">
               <a:rPr lang="en-US" smtClean="0"/>
               <a:pPr/>
-              <a:t>31/07/15</a:t>
+              <a:t>20/08/15</a:t>
             </a:fld>
             <a:endParaRPr lang="en-US" dirty="0"/>
           </a:p>
@@ -10220,6 +10220,13 @@
   <p:transition xmlns:p14="http://schemas.microsoft.com/office/powerpoint/2010/main" spd="slow">
     <p:wipe dir="d"/>
   </p:transition>
+  <p:timing>
+    <p:tnLst>
+      <p:par>
+        <p:cTn xmlns:p14="http://schemas.microsoft.com/office/powerpoint/2010/main" id="1" dur="indefinite" restart="never" nodeType="tmRoot"/>
+      </p:par>
+    </p:tnLst>
+  </p:timing>
 </p:sld>
 </file>
 
@@ -11804,11 +11811,7 @@
             </a:pPr>
             <a:r>
               <a:rPr lang="en-US" dirty="0" smtClean="0"/>
-              <a:t>18</a:t>
-            </a:r>
-            <a:r>
-              <a:rPr lang="en-US" dirty="0" smtClean="0"/>
-              <a:t>00 </a:t>
+              <a:t>1800 </a:t>
             </a:r>
             <a:r>
               <a:rPr lang="en-US" dirty="0" err="1" smtClean="0"/>
@@ -11816,15 +11819,7 @@
             </a:r>
             <a:r>
               <a:rPr lang="en-US" dirty="0" smtClean="0"/>
-              <a:t> </a:t>
-            </a:r>
-            <a:r>
-              <a:rPr lang="en-US" dirty="0" smtClean="0"/>
-              <a:t>navigation in </a:t>
-            </a:r>
-            <a:r>
-              <a:rPr lang="en-US" dirty="0" smtClean="0"/>
-              <a:t>C</a:t>
+              <a:t> navigation in C</a:t>
             </a:r>
           </a:p>
           <a:p>
@@ -12086,11 +12081,7 @@
             </a:r>
             <a:r>
               <a:rPr lang="en-US" dirty="0" smtClean="0"/>
-              <a:t> navigation in </a:t>
-            </a:r>
-            <a:r>
-              <a:rPr lang="en-US" dirty="0" smtClean="0"/>
-              <a:t>SPARK</a:t>
+              <a:t> navigation in SPARK</a:t>
             </a:r>
           </a:p>
           <a:p>
@@ -12131,7 +12122,6 @@
               <a:rPr lang="en-US" dirty="0" smtClean="0"/>
               <a:t>+ …</a:t>
             </a:r>
-            <a:endParaRPr lang="en-US" dirty="0" smtClean="0"/>
           </a:p>
           <a:p>
             <a:pPr marL="0" indent="0">
@@ -12650,11 +12640,7 @@
             </a:r>
             <a:r>
               <a:rPr lang="en-US" dirty="0" smtClean="0"/>
-              <a:t> navigation in </a:t>
-            </a:r>
-            <a:r>
-              <a:rPr lang="en-US" dirty="0" smtClean="0"/>
-              <a:t>SPARK</a:t>
+              <a:t> navigation in SPARK</a:t>
             </a:r>
           </a:p>
           <a:p>
@@ -12706,8 +12692,8 @@
               <a:t>no concurrency </a:t>
             </a:r>
             <a:r>
-              <a:rPr lang="en-US" b="1" dirty="0" err="1" smtClean="0"/>
-              <a:t>errrors</a:t>
+              <a:rPr lang="en-US" b="1" dirty="0" smtClean="0"/>
+              <a:t>errors</a:t>
             </a:r>
             <a:r>
               <a:rPr lang="en-US" b="1" dirty="0" smtClean="0"/>
@@ -12946,11 +12932,7 @@
             </a:pPr>
             <a:r>
               <a:rPr lang="en-US" dirty="0" smtClean="0"/>
-              <a:t>18</a:t>
-            </a:r>
-            <a:r>
-              <a:rPr lang="en-US" dirty="0" smtClean="0"/>
-              <a:t>00 </a:t>
+              <a:t>1800 </a:t>
             </a:r>
             <a:r>
               <a:rPr lang="en-US" dirty="0" err="1" smtClean="0"/>
@@ -12958,15 +12940,7 @@
             </a:r>
             <a:r>
               <a:rPr lang="en-US" dirty="0" smtClean="0"/>
-              <a:t> </a:t>
-            </a:r>
-            <a:r>
-              <a:rPr lang="en-US" dirty="0" smtClean="0"/>
-              <a:t>navigation in </a:t>
-            </a:r>
-            <a:r>
-              <a:rPr lang="en-US" dirty="0" smtClean="0"/>
-              <a:t>C</a:t>
+              <a:t> navigation in C</a:t>
             </a:r>
           </a:p>
           <a:p>
@@ -13299,7 +13273,19 @@
             <a:pPr lvl="1"/>
             <a:r>
               <a:rPr lang="en-US" dirty="0" smtClean="0"/>
-              <a:t>Features to query results (paths, counter-examples)</a:t>
+              <a:t>Features to query results (paths</a:t>
+            </a:r>
+            <a:r>
+              <a:rPr lang="en-US" smtClean="0"/>
+              <a:t>, </a:t>
+            </a:r>
+            <a:r>
+              <a:rPr lang="en-US" smtClean="0"/>
+              <a:t>counterexamples</a:t>
+            </a:r>
+            <a:r>
+              <a:rPr lang="en-US" dirty="0" smtClean="0"/>
+              <a:t>)</a:t>
             </a:r>
             <a:endParaRPr lang="en-US" dirty="0"/>
           </a:p>

--- a/slides/AdaCore_Tech_Days_2015/AdaCore Tech Days SPARK 2014.pptx
+++ b/slides/AdaCore_Tech_Days_2015/AdaCore Tech Days SPARK 2014.pptx
@@ -5,10 +5,10 @@
     <p:sldMasterId id="2147483648" r:id="rId1"/>
   </p:sldMasterIdLst>
   <p:notesMasterIdLst>
-    <p:notesMasterId r:id="rId27"/>
+    <p:notesMasterId r:id="rId28"/>
   </p:notesMasterIdLst>
   <p:handoutMasterIdLst>
-    <p:handoutMasterId r:id="rId28"/>
+    <p:handoutMasterId r:id="rId29"/>
   </p:handoutMasterIdLst>
   <p:sldIdLst>
     <p:sldId id="277" r:id="rId2"/>
@@ -19,23 +19,24 @@
     <p:sldId id="278" r:id="rId7"/>
     <p:sldId id="280" r:id="rId8"/>
     <p:sldId id="279" r:id="rId9"/>
-    <p:sldId id="299" r:id="rId10"/>
-    <p:sldId id="281" r:id="rId11"/>
-    <p:sldId id="283" r:id="rId12"/>
-    <p:sldId id="284" r:id="rId13"/>
-    <p:sldId id="285" r:id="rId14"/>
-    <p:sldId id="286" r:id="rId15"/>
-    <p:sldId id="287" r:id="rId16"/>
-    <p:sldId id="293" r:id="rId17"/>
-    <p:sldId id="294" r:id="rId18"/>
-    <p:sldId id="288" r:id="rId19"/>
-    <p:sldId id="295" r:id="rId20"/>
-    <p:sldId id="297" r:id="rId21"/>
-    <p:sldId id="296" r:id="rId22"/>
-    <p:sldId id="298" r:id="rId23"/>
-    <p:sldId id="289" r:id="rId24"/>
-    <p:sldId id="275" r:id="rId25"/>
-    <p:sldId id="276" r:id="rId26"/>
+    <p:sldId id="301" r:id="rId10"/>
+    <p:sldId id="300" r:id="rId11"/>
+    <p:sldId id="281" r:id="rId12"/>
+    <p:sldId id="283" r:id="rId13"/>
+    <p:sldId id="284" r:id="rId14"/>
+    <p:sldId id="285" r:id="rId15"/>
+    <p:sldId id="286" r:id="rId16"/>
+    <p:sldId id="287" r:id="rId17"/>
+    <p:sldId id="293" r:id="rId18"/>
+    <p:sldId id="294" r:id="rId19"/>
+    <p:sldId id="288" r:id="rId20"/>
+    <p:sldId id="295" r:id="rId21"/>
+    <p:sldId id="297" r:id="rId22"/>
+    <p:sldId id="296" r:id="rId23"/>
+    <p:sldId id="298" r:id="rId24"/>
+    <p:sldId id="289" r:id="rId25"/>
+    <p:sldId id="275" r:id="rId26"/>
+    <p:sldId id="276" r:id="rId27"/>
   </p:sldIdLst>
   <p:sldSz cx="9144000" cy="5715000" type="screen16x10"/>
   <p:notesSz cx="6858000" cy="9144000"/>
@@ -155,7 +156,8 @@
         <p14:section name="Use cases" id="{CE15C8F9-0B8F-F942-8F4A-BF6B35DF54F1}">
           <p14:sldIdLst>
             <p14:sldId id="279"/>
-            <p14:sldId id="299"/>
+            <p14:sldId id="301"/>
+            <p14:sldId id="300"/>
             <p14:sldId id="281"/>
           </p14:sldIdLst>
         </p14:section>
@@ -275,7 +277,7 @@
             <a:fld id="{D83FDC75-7F73-4A4A-A77C-09AADF00E0EA}" type="datetimeFigureOut">
               <a:rPr lang="en-US" smtClean="0"/>
               <a:pPr/>
-              <a:t>20/08/15</a:t>
+              <a:t>02/09/15</a:t>
             </a:fld>
             <a:endParaRPr lang="en-US" dirty="0"/>
           </a:p>
@@ -442,7 +444,7 @@
             <a:fld id="{48AEF76B-3757-4A0B-AF93-28494465C1DD}" type="datetimeFigureOut">
               <a:rPr lang="en-US" smtClean="0"/>
               <a:pPr/>
-              <a:t>20/08/15</a:t>
+              <a:t>02/09/15</a:t>
             </a:fld>
             <a:endParaRPr lang="en-US" dirty="0"/>
           </a:p>
@@ -973,7 +975,7 @@
             <a:fld id="{EC6EAC7D-5A89-47C2-8ABA-56C9C2DEF7A4}" type="slidenum">
               <a:rPr lang="en-US" smtClean="0"/>
               <a:pPr/>
-              <a:t>24</a:t>
+              <a:t>25</a:t>
             </a:fld>
             <a:endParaRPr lang="en-US" dirty="0"/>
           </a:p>
@@ -1077,7 +1079,7 @@
             <a:fld id="{85CEDE57-F8FE-4B43-B511-2E9F76624F74}" type="slidenum">
               <a:rPr lang="en-US" smtClean="0"/>
               <a:pPr/>
-              <a:t>25</a:t>
+              <a:t>26</a:t>
             </a:fld>
             <a:endParaRPr lang="en-US" dirty="0" smtClean="0"/>
           </a:p>
@@ -1488,7 +1490,7 @@
             <a:fld id="{757B281C-5159-4971-8228-52B9A72E9ED2}" type="datetimeFigureOut">
               <a:rPr lang="en-US" smtClean="0"/>
               <a:pPr/>
-              <a:t>20/08/15</a:t>
+              <a:t>02/09/15</a:t>
             </a:fld>
             <a:endParaRPr lang="en-US" dirty="0"/>
           </a:p>
@@ -1606,7 +1608,7 @@
             <a:fld id="{757B281C-5159-4971-8228-52B9A72E9ED2}" type="datetimeFigureOut">
               <a:rPr lang="en-US" smtClean="0"/>
               <a:pPr/>
-              <a:t>20/08/15</a:t>
+              <a:t>02/09/15</a:t>
             </a:fld>
             <a:endParaRPr lang="en-US" dirty="0"/>
           </a:p>
@@ -1708,7 +1710,7 @@
             <a:fld id="{757B281C-5159-4971-8228-52B9A72E9ED2}" type="datetimeFigureOut">
               <a:rPr lang="en-US" smtClean="0"/>
               <a:pPr/>
-              <a:t>20/08/15</a:t>
+              <a:t>02/09/15</a:t>
             </a:fld>
             <a:endParaRPr lang="en-US" dirty="0"/>
           </a:p>
@@ -1815,7 +1817,7 @@
             <a:fld id="{757B281C-5159-4971-8228-52B9A72E9ED2}" type="datetimeFigureOut">
               <a:rPr lang="en-US" smtClean="0"/>
               <a:pPr/>
-              <a:t>20/08/15</a:t>
+              <a:t>02/09/15</a:t>
             </a:fld>
             <a:endParaRPr lang="en-US" dirty="0"/>
           </a:p>
@@ -1927,7 +1929,7 @@
             <a:fld id="{757B281C-5159-4971-8228-52B9A72E9ED2}" type="datetimeFigureOut">
               <a:rPr lang="en-US" smtClean="0"/>
               <a:pPr/>
-              <a:t>20/08/15</a:t>
+              <a:t>02/09/15</a:t>
             </a:fld>
             <a:endParaRPr lang="en-US" dirty="0"/>
           </a:p>
@@ -2067,7 +2069,7 @@
             <a:fld id="{757B281C-5159-4971-8228-52B9A72E9ED2}" type="datetimeFigureOut">
               <a:rPr lang="en-US" smtClean="0"/>
               <a:pPr/>
-              <a:t>20/08/15</a:t>
+              <a:t>02/09/15</a:t>
             </a:fld>
             <a:endParaRPr lang="en-US" dirty="0"/>
           </a:p>
@@ -2339,7 +2341,7 @@
             <a:fld id="{757B281C-5159-4971-8228-52B9A72E9ED2}" type="datetimeFigureOut">
               <a:rPr lang="en-US" smtClean="0"/>
               <a:pPr/>
-              <a:t>20/08/15</a:t>
+              <a:t>02/09/15</a:t>
             </a:fld>
             <a:endParaRPr lang="en-US" dirty="0"/>
           </a:p>
@@ -2655,7 +2657,7 @@
             <a:fld id="{757B281C-5159-4971-8228-52B9A72E9ED2}" type="datetimeFigureOut">
               <a:rPr lang="en-US" smtClean="0"/>
               <a:pPr/>
-              <a:t>20/08/15</a:t>
+              <a:t>02/09/15</a:t>
             </a:fld>
             <a:endParaRPr lang="en-US" dirty="0"/>
           </a:p>
@@ -3100,7 +3102,7 @@
             <a:fld id="{757B281C-5159-4971-8228-52B9A72E9ED2}" type="datetimeFigureOut">
               <a:rPr lang="en-US" smtClean="0"/>
               <a:pPr/>
-              <a:t>20/08/15</a:t>
+              <a:t>02/09/15</a:t>
             </a:fld>
             <a:endParaRPr lang="en-US" dirty="0"/>
           </a:p>
@@ -3379,7 +3381,7 @@
             <a:fld id="{757B281C-5159-4971-8228-52B9A72E9ED2}" type="datetimeFigureOut">
               <a:rPr lang="en-US" smtClean="0"/>
               <a:pPr/>
-              <a:t>20/08/15</a:t>
+              <a:t>02/09/15</a:t>
             </a:fld>
             <a:endParaRPr lang="en-US" dirty="0"/>
           </a:p>
@@ -3643,7 +3645,7 @@
             <a:fld id="{757B281C-5159-4971-8228-52B9A72E9ED2}" type="datetimeFigureOut">
               <a:rPr lang="en-US" smtClean="0"/>
               <a:pPr/>
-              <a:t>20/08/15</a:t>
+              <a:t>02/09/15</a:t>
             </a:fld>
             <a:endParaRPr lang="en-US" dirty="0"/>
           </a:p>
@@ -3813,7 +3815,7 @@
             <a:fld id="{757B281C-5159-4971-8228-52B9A72E9ED2}" type="datetimeFigureOut">
               <a:rPr lang="en-US" smtClean="0"/>
               <a:pPr/>
-              <a:t>20/08/15</a:t>
+              <a:t>02/09/15</a:t>
             </a:fld>
             <a:endParaRPr lang="en-US" dirty="0"/>
           </a:p>
@@ -4026,7 +4028,7 @@
             <a:fld id="{757B281C-5159-4971-8228-52B9A72E9ED2}" type="datetimeFigureOut">
               <a:rPr lang="en-US" smtClean="0"/>
               <a:pPr/>
-              <a:t>20/08/15</a:t>
+              <a:t>02/09/15</a:t>
             </a:fld>
             <a:endParaRPr lang="en-US" dirty="0"/>
           </a:p>
@@ -4498,7 +4500,11 @@
           <a:p>
             <a:r>
               <a:rPr lang="en-US" dirty="0" smtClean="0"/>
-              <a:t>Combining Proof and Test</a:t>
+              <a:t>Multiple Use </a:t>
+            </a:r>
+            <a:r>
+              <a:rPr lang="en-US" dirty="0" smtClean="0"/>
+              <a:t>Cases (2/2)</a:t>
             </a:r>
             <a:endParaRPr lang="en-US" dirty="0"/>
           </a:p>
@@ -4517,132 +4523,359 @@
         <p:spPr/>
         <p:txBody>
           <a:bodyPr>
-            <a:normAutofit lnSpcReduction="10000"/>
+            <a:normAutofit/>
           </a:bodyPr>
           <a:lstStyle/>
           <a:p>
-            <a:pPr marL="0" indent="0">
-              <a:buNone/>
+            <a:pPr marL="457200" indent="-457200">
+              <a:buFont typeface="+mj-lt"/>
+              <a:buAutoNum type="arabicPeriod" startAt="4"/>
             </a:pPr>
             <a:r>
+              <a:rPr lang="en-US" dirty="0" smtClean="0"/>
+              <a:t>Prove </a:t>
+            </a:r>
+            <a:r>
               <a:rPr lang="en-US" b="1" dirty="0" smtClean="0">
                 <a:solidFill>
                   <a:srgbClr val="2D72AD"/>
                 </a:solidFill>
               </a:rPr>
-              <a:t>At the level of individual runtime checks</a:t>
+              <a:t>correct integration </a:t>
+            </a:r>
+            <a:r>
+              <a:rPr lang="en-US" dirty="0" smtClean="0"/>
+              <a:t>between components</a:t>
             </a:r>
           </a:p>
           <a:p>
             <a:pPr lvl="1"/>
             <a:r>
               <a:rPr lang="en-US" dirty="0" smtClean="0"/>
-              <a:t>Possible RTE covered by tests</a:t>
+              <a:t>In replacement of defensive coding</a:t>
             </a:r>
           </a:p>
           <a:p>
             <a:pPr lvl="1"/>
             <a:r>
               <a:rPr lang="en-US" dirty="0" smtClean="0"/>
-              <a:t>Also the approach in </a:t>
-            </a:r>
-            <a:r>
-              <a:rPr lang="en-US" dirty="0" err="1" smtClean="0"/>
-              <a:t>VectorCAST</a:t>
-            </a:r>
-            <a:r>
-              <a:rPr lang="en-US" dirty="0" smtClean="0"/>
-              <a:t> with </a:t>
-            </a:r>
-            <a:r>
-              <a:rPr lang="en-US" dirty="0" err="1" smtClean="0"/>
-              <a:t>CodePeer</a:t>
+              <a:t>Simple contracts are needed</a:t>
             </a:r>
             <a:endParaRPr lang="en-US" dirty="0" smtClean="0"/>
           </a:p>
           <a:p>
-            <a:pPr marL="457200" lvl="1" indent="0">
-              <a:buNone/>
+            <a:pPr lvl="1"/>
+            <a:endParaRPr lang="en-US" dirty="0" smtClean="0"/>
+          </a:p>
+          <a:p>
+            <a:pPr marL="457200" indent="-457200">
+              <a:buFont typeface="+mj-lt"/>
+              <a:buAutoNum type="arabicPeriod" startAt="4"/>
             </a:pPr>
-            <a:endParaRPr lang="en-US" dirty="0"/>
-          </a:p>
-          <a:p>
-            <a:pPr marL="0" indent="0">
-              <a:buNone/>
+            <a:r>
+              <a:rPr lang="en-US" dirty="0" smtClean="0"/>
+              <a:t>Prove </a:t>
+            </a:r>
+            <a:r>
+              <a:rPr lang="en-US" b="1" dirty="0" smtClean="0">
+                <a:solidFill>
+                  <a:srgbClr val="2D72AD"/>
+                </a:solidFill>
+              </a:rPr>
+              <a:t>functional correctness </a:t>
+            </a:r>
+            <a:r>
+              <a:rPr lang="en-US" dirty="0" smtClean="0"/>
+              <a:t>(including input partitioning</a:t>
+            </a:r>
+            <a:r>
+              <a:rPr lang="en-US" dirty="0"/>
+              <a:t>)</a:t>
+            </a:r>
+          </a:p>
+          <a:p>
+            <a:pPr lvl="1"/>
+            <a:r>
+              <a:rPr lang="en-US" dirty="0"/>
+              <a:t>In replacement of unit </a:t>
+            </a:r>
+            <a:r>
+              <a:rPr lang="en-US" dirty="0" smtClean="0"/>
+              <a:t>testing</a:t>
+            </a:r>
+          </a:p>
+          <a:p>
+            <a:pPr lvl="1"/>
+            <a:r>
+              <a:rPr lang="en-US" dirty="0" smtClean="0"/>
+              <a:t>More complex contracts are needed</a:t>
+            </a:r>
+          </a:p>
+          <a:p>
+            <a:pPr lvl="1"/>
+            <a:endParaRPr lang="en-US" dirty="0" smtClean="0"/>
+          </a:p>
+          <a:p>
+            <a:pPr marL="457200" indent="-457200">
+              <a:buFont typeface="+mj-lt"/>
+              <a:buAutoNum type="arabicPeriod" startAt="4"/>
             </a:pPr>
             <a:r>
+              <a:rPr lang="en-US" dirty="0" smtClean="0"/>
+              <a:t>Safe </a:t>
+            </a:r>
+            <a:r>
               <a:rPr lang="en-US" b="1" dirty="0" smtClean="0">
                 <a:solidFill>
                   <a:srgbClr val="2D72AD"/>
                 </a:solidFill>
               </a:rPr>
-              <a:t>Between unit proof and integration testing</a:t>
-            </a:r>
-          </a:p>
-          <a:p>
-            <a:pPr lvl="1"/>
-            <a:r>
-              <a:rPr lang="en-US" dirty="0" smtClean="0"/>
-              <a:t>Contract used for </a:t>
-            </a:r>
-            <a:r>
-              <a:rPr lang="en-US" dirty="0" err="1" smtClean="0"/>
-              <a:t>AoRTE</a:t>
-            </a:r>
-            <a:r>
-              <a:rPr lang="en-US" dirty="0" smtClean="0"/>
-              <a:t> at unit level</a:t>
-            </a:r>
-          </a:p>
-          <a:p>
-            <a:pPr lvl="1"/>
-            <a:r>
-              <a:rPr lang="en-US" u="sng" dirty="0" smtClean="0"/>
-              <a:t>Same</a:t>
-            </a:r>
-            <a:r>
-              <a:rPr lang="en-US" dirty="0" smtClean="0"/>
-              <a:t> contract used for integration testing (</a:t>
-            </a:r>
-            <a:r>
-              <a:rPr lang="en-US" u="sng" dirty="0" smtClean="0"/>
-              <a:t>no unit test</a:t>
-            </a:r>
-            <a:r>
-              <a:rPr lang="en-US" dirty="0" smtClean="0"/>
-              <a:t>)</a:t>
-            </a:r>
-          </a:p>
-          <a:p>
-            <a:pPr marL="0" indent="0">
-              <a:buNone/>
-            </a:pPr>
-            <a:endParaRPr lang="en-US" dirty="0"/>
-          </a:p>
-          <a:p>
-            <a:pPr marL="0" indent="0">
-              <a:buNone/>
-            </a:pPr>
-            <a:r>
-              <a:rPr lang="en-US" b="1" dirty="0" smtClean="0">
-                <a:solidFill>
-                  <a:srgbClr val="2D72AD"/>
-                </a:solidFill>
-              </a:rPr>
-              <a:t>In a DO-178C context in avionics</a:t>
-            </a:r>
-            <a:endParaRPr lang="en-US" b="1" dirty="0">
+              <a:t>optimization of run-time checks</a:t>
+            </a:r>
+            <a:endParaRPr lang="en-US" b="1" dirty="0" smtClean="0">
               <a:solidFill>
                 <a:srgbClr val="2D72AD"/>
               </a:solidFill>
             </a:endParaRPr>
           </a:p>
+        </p:txBody>
+      </p:sp>
+    </p:spTree>
+    <p:extLst>
+      <p:ext uri="{BB962C8B-B14F-4D97-AF65-F5344CB8AC3E}">
+        <p14:creationId xmlns:p14="http://schemas.microsoft.com/office/powerpoint/2010/main" val="3342662918"/>
+      </p:ext>
+    </p:extLst>
+  </p:cSld>
+  <p:clrMapOvr>
+    <a:masterClrMapping/>
+  </p:clrMapOvr>
+  <p:transition xmlns:p14="http://schemas.microsoft.com/office/powerpoint/2010/main" spd="slow">
+    <p:wipe dir="d"/>
+  </p:transition>
+  <p:timing>
+    <p:tnLst>
+      <p:par>
+        <p:cTn xmlns:p14="http://schemas.microsoft.com/office/powerpoint/2010/main" id="1" dur="indefinite" restart="never" nodeType="tmRoot"/>
+      </p:par>
+    </p:tnLst>
+  </p:timing>
+</p:sld>
+</file>
+
+<file path=ppt/slides/slide11.xml><?xml version="1.0" encoding="utf-8"?>
+<p:sld xmlns:a="http://schemas.openxmlformats.org/drawingml/2006/main" xmlns:r="http://schemas.openxmlformats.org/officeDocument/2006/relationships" xmlns:p="http://schemas.openxmlformats.org/presentationml/2006/main">
+  <p:cSld>
+    <p:spTree>
+      <p:nvGrpSpPr>
+        <p:cNvPr id="1" name=""/>
+        <p:cNvGrpSpPr/>
+        <p:nvPr/>
+      </p:nvGrpSpPr>
+      <p:grpSpPr>
+        <a:xfrm>
+          <a:off x="0" y="0"/>
+          <a:ext cx="0" cy="0"/>
+          <a:chOff x="0" y="0"/>
+          <a:chExt cx="0" cy="0"/>
+        </a:xfrm>
+      </p:grpSpPr>
+      <p:sp>
+        <p:nvSpPr>
+          <p:cNvPr id="2" name="Title 1"/>
+          <p:cNvSpPr>
+            <a:spLocks noGrp="1"/>
+          </p:cNvSpPr>
+          <p:nvPr>
+            <p:ph type="title"/>
+          </p:nvPr>
+        </p:nvSpPr>
+        <p:spPr/>
+        <p:txBody>
+          <a:bodyPr>
+            <a:normAutofit/>
+          </a:bodyPr>
+          <a:lstStyle/>
+          <a:p>
+            <a:r>
+              <a:rPr lang="en-US" dirty="0" smtClean="0"/>
+              <a:t>Combining Proof and Test</a:t>
+            </a:r>
+            <a:endParaRPr lang="en-US" dirty="0"/>
+          </a:p>
+        </p:txBody>
+      </p:sp>
+      <p:sp>
+        <p:nvSpPr>
+          <p:cNvPr id="3" name="Content Placeholder 2"/>
+          <p:cNvSpPr>
+            <a:spLocks noGrp="1"/>
+          </p:cNvSpPr>
+          <p:nvPr>
+            <p:ph idx="1"/>
+          </p:nvPr>
+        </p:nvSpPr>
+        <p:spPr/>
+        <p:txBody>
+          <a:bodyPr>
+            <a:normAutofit fontScale="92500" lnSpcReduction="10000"/>
+          </a:bodyPr>
+          <a:lstStyle/>
+          <a:p>
+            <a:pPr marL="0" indent="0">
+              <a:buNone/>
+            </a:pPr>
+            <a:r>
+              <a:rPr lang="en-US" b="1" dirty="0" smtClean="0">
+                <a:solidFill>
+                  <a:srgbClr val="2D72AD"/>
+                </a:solidFill>
+              </a:rPr>
+              <a:t>At the level of individual runtime checks</a:t>
+            </a:r>
+          </a:p>
           <a:p>
             <a:pPr lvl="1"/>
             <a:r>
               <a:rPr lang="en-US" dirty="0" smtClean="0"/>
-              <a:t>Contract as boundary between unit proof and unit test</a:t>
-            </a:r>
+              <a:t>Possible RTE covered by tests</a:t>
+            </a:r>
+          </a:p>
+          <a:p>
+            <a:pPr lvl="1"/>
+            <a:r>
+              <a:rPr lang="en-US" dirty="0" smtClean="0"/>
+              <a:t>Also the approach in </a:t>
+            </a:r>
+            <a:r>
+              <a:rPr lang="en-US" dirty="0" err="1" smtClean="0"/>
+              <a:t>VectorCAST</a:t>
+            </a:r>
+            <a:r>
+              <a:rPr lang="en-US" dirty="0" smtClean="0"/>
+              <a:t> with </a:t>
+            </a:r>
+            <a:r>
+              <a:rPr lang="en-US" dirty="0" err="1" smtClean="0"/>
+              <a:t>CodePeer</a:t>
+            </a:r>
+            <a:endParaRPr lang="en-US" dirty="0" smtClean="0"/>
+          </a:p>
+          <a:p>
+            <a:pPr marL="0" indent="0">
+              <a:buNone/>
+            </a:pPr>
+            <a:endParaRPr lang="en-US" dirty="0"/>
+          </a:p>
+          <a:p>
+            <a:pPr marL="0" indent="0">
+              <a:buNone/>
+            </a:pPr>
+            <a:r>
+              <a:rPr lang="en-US" b="1" dirty="0">
+                <a:solidFill>
+                  <a:srgbClr val="2D72AD"/>
+                </a:solidFill>
+              </a:rPr>
+              <a:t>Between proof and unit testing</a:t>
+            </a:r>
+          </a:p>
+          <a:p>
+            <a:pPr lvl="1"/>
+            <a:r>
+              <a:rPr lang="en-US" dirty="0"/>
+              <a:t>Contract as boundary between </a:t>
+            </a:r>
+            <a:r>
+              <a:rPr lang="en-US" dirty="0" smtClean="0"/>
+              <a:t>proof </a:t>
+            </a:r>
+            <a:r>
+              <a:rPr lang="en-US" dirty="0"/>
+              <a:t>and unit </a:t>
+            </a:r>
+            <a:r>
+              <a:rPr lang="en-US" dirty="0" smtClean="0"/>
+              <a:t>test</a:t>
+            </a:r>
+          </a:p>
+          <a:p>
+            <a:pPr lvl="1"/>
+            <a:r>
+              <a:rPr lang="en-US" dirty="0" smtClean="0"/>
+              <a:t>Very relevant in DO-178C context for avionics</a:t>
+            </a:r>
+            <a:endParaRPr lang="en-US" dirty="0"/>
+          </a:p>
+          <a:p>
+            <a:pPr marL="0" indent="0">
+              <a:buNone/>
+            </a:pPr>
+            <a:endParaRPr lang="en-US" b="1" dirty="0" smtClean="0">
+              <a:solidFill>
+                <a:srgbClr val="2D72AD"/>
+              </a:solidFill>
+            </a:endParaRPr>
+          </a:p>
+          <a:p>
+            <a:pPr marL="0" indent="0">
+              <a:buNone/>
+            </a:pPr>
+            <a:r>
+              <a:rPr lang="en-US" b="1" dirty="0" smtClean="0">
+                <a:solidFill>
+                  <a:srgbClr val="2D72AD"/>
+                </a:solidFill>
+              </a:rPr>
+              <a:t>Between proof </a:t>
+            </a:r>
+            <a:r>
+              <a:rPr lang="en-US" b="1" dirty="0" smtClean="0">
+                <a:solidFill>
+                  <a:srgbClr val="2D72AD"/>
+                </a:solidFill>
+              </a:rPr>
+              <a:t>and integration testing</a:t>
+            </a:r>
+          </a:p>
+          <a:p>
+            <a:pPr lvl="1"/>
+            <a:r>
+              <a:rPr lang="en-US" dirty="0" smtClean="0"/>
+              <a:t>Contract used for </a:t>
+            </a:r>
+            <a:r>
+              <a:rPr lang="en-US" dirty="0" err="1" smtClean="0"/>
+              <a:t>AoRTE</a:t>
+            </a:r>
+            <a:r>
+              <a:rPr lang="en-US" dirty="0" smtClean="0"/>
+              <a:t> at unit level</a:t>
+            </a:r>
+          </a:p>
+          <a:p>
+            <a:pPr lvl="1"/>
+            <a:r>
+              <a:rPr lang="en-US" u="sng" dirty="0" smtClean="0"/>
+              <a:t>Same</a:t>
+            </a:r>
+            <a:r>
+              <a:rPr lang="en-US" dirty="0" smtClean="0"/>
+              <a:t> contract used for integration testing (</a:t>
+            </a:r>
+            <a:r>
+              <a:rPr lang="en-US" u="sng" dirty="0" smtClean="0"/>
+              <a:t>no unit </a:t>
+            </a:r>
+            <a:r>
+              <a:rPr lang="en-US" u="sng" dirty="0" smtClean="0"/>
+              <a:t>tests</a:t>
+            </a:r>
+            <a:r>
+              <a:rPr lang="en-US" dirty="0" smtClean="0"/>
+              <a:t>)</a:t>
+            </a:r>
+            <a:endParaRPr lang="en-US" dirty="0" smtClean="0"/>
           </a:p>
         </p:txBody>
       </p:sp>
@@ -4669,7 +4902,7 @@
 </p:sld>
 </file>
 
-<file path=ppt/slides/slide11.xml><?xml version="1.0" encoding="utf-8"?>
+<file path=ppt/slides/slide12.xml><?xml version="1.0" encoding="utf-8"?>
 <p:sld xmlns:a="http://schemas.openxmlformats.org/drawingml/2006/main" xmlns:r="http://schemas.openxmlformats.org/officeDocument/2006/relationships" xmlns:p="http://schemas.openxmlformats.org/presentationml/2006/main">
   <p:cSld>
     <p:spTree>
@@ -4946,7 +5179,7 @@
 </p:sld>
 </file>
 
-<file path=ppt/slides/slide12.xml><?xml version="1.0" encoding="utf-8"?>
+<file path=ppt/slides/slide13.xml><?xml version="1.0" encoding="utf-8"?>
 <p:sld xmlns:a="http://schemas.openxmlformats.org/drawingml/2006/main" xmlns:r="http://schemas.openxmlformats.org/officeDocument/2006/relationships" xmlns:p="http://schemas.openxmlformats.org/presentationml/2006/main">
   <p:cSld>
     <p:spTree>
@@ -5216,215 +5449,6 @@
 </p:sld>
 </file>
 
-<file path=ppt/slides/slide13.xml><?xml version="1.0" encoding="utf-8"?>
-<p:sld xmlns:a="http://schemas.openxmlformats.org/drawingml/2006/main" xmlns:r="http://schemas.openxmlformats.org/officeDocument/2006/relationships" xmlns:p="http://schemas.openxmlformats.org/presentationml/2006/main">
-  <p:cSld>
-    <p:spTree>
-      <p:nvGrpSpPr>
-        <p:cNvPr id="1" name=""/>
-        <p:cNvGrpSpPr/>
-        <p:nvPr/>
-      </p:nvGrpSpPr>
-      <p:grpSpPr>
-        <a:xfrm>
-          <a:off x="0" y="0"/>
-          <a:ext cx="0" cy="0"/>
-          <a:chOff x="0" y="0"/>
-          <a:chExt cx="0" cy="0"/>
-        </a:xfrm>
-      </p:grpSpPr>
-      <p:sp>
-        <p:nvSpPr>
-          <p:cNvPr id="2" name="Title 1"/>
-          <p:cNvSpPr>
-            <a:spLocks noGrp="1"/>
-          </p:cNvSpPr>
-          <p:nvPr>
-            <p:ph type="title"/>
-          </p:nvPr>
-        </p:nvSpPr>
-        <p:spPr/>
-        <p:txBody>
-          <a:bodyPr>
-            <a:normAutofit/>
-          </a:bodyPr>
-          <a:lstStyle/>
-          <a:p>
-            <a:r>
-              <a:rPr lang="en-US" dirty="0" smtClean="0"/>
-              <a:t>In The Next </a:t>
-            </a:r>
-            <a:r>
-              <a:rPr lang="en-US" dirty="0"/>
-              <a:t>R</a:t>
-            </a:r>
-            <a:r>
-              <a:rPr lang="en-US" dirty="0" smtClean="0"/>
-              <a:t>elease</a:t>
-            </a:r>
-            <a:endParaRPr lang="en-US" dirty="0"/>
-          </a:p>
-        </p:txBody>
-      </p:sp>
-      <p:sp>
-        <p:nvSpPr>
-          <p:cNvPr id="3" name="Content Placeholder 2"/>
-          <p:cNvSpPr>
-            <a:spLocks noGrp="1"/>
-          </p:cNvSpPr>
-          <p:nvPr>
-            <p:ph idx="1"/>
-          </p:nvPr>
-        </p:nvSpPr>
-        <p:spPr/>
-        <p:txBody>
-          <a:bodyPr>
-            <a:normAutofit fontScale="92500" lnSpcReduction="10000"/>
-          </a:bodyPr>
-          <a:lstStyle/>
-          <a:p>
-            <a:pPr marL="0" indent="0">
-              <a:buNone/>
-            </a:pPr>
-            <a:r>
-              <a:rPr lang="en-US" b="1" dirty="0">
-                <a:solidFill>
-                  <a:srgbClr val="2D72AD"/>
-                </a:solidFill>
-              </a:rPr>
-              <a:t>New language features</a:t>
-            </a:r>
-          </a:p>
-          <a:p>
-            <a:pPr lvl="1"/>
-            <a:r>
-              <a:rPr lang="en-US" dirty="0"/>
-              <a:t>Support for </a:t>
-            </a:r>
-            <a:r>
-              <a:rPr lang="en-US" dirty="0" err="1"/>
-              <a:t>Ravenscar</a:t>
-            </a:r>
-            <a:r>
-              <a:rPr lang="en-US" dirty="0"/>
-              <a:t> profile of tasking</a:t>
-            </a:r>
-          </a:p>
-          <a:p>
-            <a:pPr lvl="1"/>
-            <a:r>
-              <a:rPr lang="en-US" dirty="0"/>
-              <a:t>Support for ghost code</a:t>
-            </a:r>
-          </a:p>
-          <a:p>
-            <a:pPr lvl="1"/>
-            <a:r>
-              <a:rPr lang="en-US" dirty="0"/>
-              <a:t>Support for type predicates</a:t>
-            </a:r>
-          </a:p>
-          <a:p>
-            <a:pPr marL="0" indent="0">
-              <a:buNone/>
-            </a:pPr>
-            <a:endParaRPr lang="en-US" b="1" dirty="0" smtClean="0">
-              <a:solidFill>
-                <a:srgbClr val="2D72AD"/>
-              </a:solidFill>
-            </a:endParaRPr>
-          </a:p>
-          <a:p>
-            <a:pPr marL="0" indent="0">
-              <a:buNone/>
-            </a:pPr>
-            <a:r>
-              <a:rPr lang="en-US" b="1" dirty="0" smtClean="0">
-                <a:solidFill>
-                  <a:srgbClr val="2D72AD"/>
-                </a:solidFill>
-              </a:rPr>
-              <a:t>Improved provability</a:t>
-            </a:r>
-          </a:p>
-          <a:p>
-            <a:pPr lvl="1"/>
-            <a:r>
-              <a:rPr lang="en-US" dirty="0" smtClean="0"/>
-              <a:t>New </a:t>
-            </a:r>
-            <a:r>
-              <a:rPr lang="en-US" dirty="0" err="1" smtClean="0"/>
-              <a:t>provers</a:t>
-            </a:r>
-            <a:r>
-              <a:rPr lang="en-US" dirty="0" smtClean="0"/>
-              <a:t> CVC4 and Z3 (in addition to Alt-Ergo)</a:t>
-            </a:r>
-          </a:p>
-          <a:p>
-            <a:pPr lvl="1"/>
-            <a:r>
-              <a:rPr lang="en-US" dirty="0" smtClean="0"/>
-              <a:t>Much better handling of bitwise and floats</a:t>
-            </a:r>
-          </a:p>
-          <a:p>
-            <a:pPr marL="0" indent="0">
-              <a:buNone/>
-            </a:pPr>
-            <a:endParaRPr lang="en-US" dirty="0"/>
-          </a:p>
-          <a:p>
-            <a:pPr marL="0" indent="0">
-              <a:buNone/>
-            </a:pPr>
-            <a:r>
-              <a:rPr lang="en-US" b="1" dirty="0" smtClean="0">
-                <a:solidFill>
-                  <a:srgbClr val="2D72AD"/>
-                </a:solidFill>
-              </a:rPr>
-              <a:t>Improved interaction</a:t>
-            </a:r>
-            <a:endParaRPr lang="en-US" b="1" dirty="0">
-              <a:solidFill>
-                <a:srgbClr val="2D72AD"/>
-              </a:solidFill>
-            </a:endParaRPr>
-          </a:p>
-          <a:p>
-            <a:pPr lvl="1"/>
-            <a:r>
-              <a:rPr lang="en-US" dirty="0" smtClean="0"/>
-              <a:t>Generation of counterexamples when not proved </a:t>
-            </a:r>
-          </a:p>
-        </p:txBody>
-      </p:sp>
-    </p:spTree>
-    <p:extLst>
-      <p:ext uri="{BB962C8B-B14F-4D97-AF65-F5344CB8AC3E}">
-        <p14:creationId xmlns:p14="http://schemas.microsoft.com/office/powerpoint/2010/main" val="4037308581"/>
-      </p:ext>
-    </p:extLst>
-  </p:cSld>
-  <p:clrMapOvr>
-    <a:masterClrMapping/>
-  </p:clrMapOvr>
-  <p:transition xmlns:p14="http://schemas.microsoft.com/office/powerpoint/2010/main" spd="slow">
-    <p:wipe dir="d"/>
-  </p:transition>
-  <p:timing>
-    <p:tnLst>
-      <p:par>
-        <p:cTn xmlns:p14="http://schemas.microsoft.com/office/powerpoint/2010/main" id="1" dur="indefinite" restart="never" nodeType="tmRoot"/>
-      </p:par>
-    </p:tnLst>
-  </p:timing>
-</p:sld>
-</file>
-
 <file path=ppt/slides/slide14.xml><?xml version="1.0" encoding="utf-8"?>
 <p:sld xmlns:a="http://schemas.openxmlformats.org/drawingml/2006/main" xmlns:r="http://schemas.openxmlformats.org/officeDocument/2006/relationships" xmlns:p="http://schemas.openxmlformats.org/presentationml/2006/main">
   <p:cSld>
@@ -5522,7 +5546,7 @@
           <a:p>
             <a:pPr lvl="1"/>
             <a:r>
-              <a:rPr lang="en-US" b="1" dirty="0"/>
+              <a:rPr lang="en-US" dirty="0"/>
               <a:t>Support for ghost code</a:t>
             </a:r>
           </a:p>
@@ -5605,7 +5629,7 @@
           <a:p>
             <a:pPr lvl="1"/>
             <a:r>
-              <a:rPr lang="en-US" b="1" dirty="0" smtClean="0"/>
+              <a:rPr lang="en-US" dirty="0" smtClean="0"/>
               <a:t>Generation of counterexamples when not proved </a:t>
             </a:r>
           </a:p>
@@ -5614,7 +5638,7 @@
     </p:spTree>
     <p:extLst>
       <p:ext uri="{BB962C8B-B14F-4D97-AF65-F5344CB8AC3E}">
-        <p14:creationId xmlns:p14="http://schemas.microsoft.com/office/powerpoint/2010/main" val="4224724961"/>
+        <p14:creationId xmlns:p14="http://schemas.microsoft.com/office/powerpoint/2010/main" val="4037308581"/>
       </p:ext>
     </p:extLst>
   </p:cSld>
@@ -5670,7 +5694,15 @@
           <a:p>
             <a:r>
               <a:rPr lang="en-US" dirty="0" smtClean="0"/>
-              <a:t>Support for Ghost Code</a:t>
+              <a:t>In The Next </a:t>
+            </a:r>
+            <a:r>
+              <a:rPr lang="en-US" dirty="0"/>
+              <a:t>R</a:t>
+            </a:r>
+            <a:r>
+              <a:rPr lang="en-US" dirty="0" smtClean="0"/>
+              <a:t>elease</a:t>
             </a:r>
             <a:endParaRPr lang="en-US" dirty="0"/>
           </a:p>
@@ -5678,273 +5710,7 @@
       </p:sp>
       <p:sp>
         <p:nvSpPr>
-          <p:cNvPr id="4" name="Rectangle à coins arrondis 3"/>
-          <p:cNvSpPr/>
-          <p:nvPr/>
-        </p:nvSpPr>
-        <p:spPr>
-          <a:xfrm>
-            <a:off x="2971800" y="3162300"/>
-            <a:ext cx="1371600" cy="990600"/>
-          </a:xfrm>
-          <a:prstGeom prst="roundRect">
-            <a:avLst/>
-          </a:prstGeom>
-        </p:spPr>
-        <p:style>
-          <a:lnRef idx="1">
-            <a:schemeClr val="accent1"/>
-          </a:lnRef>
-          <a:fillRef idx="3">
-            <a:schemeClr val="accent1"/>
-          </a:fillRef>
-          <a:effectRef idx="2">
-            <a:schemeClr val="accent1"/>
-          </a:effectRef>
-          <a:fontRef idx="minor">
-            <a:schemeClr val="lt1"/>
-          </a:fontRef>
-        </p:style>
-        <p:txBody>
-          <a:bodyPr rtlCol="0" anchor="ctr"/>
-          <a:lstStyle/>
-          <a:p>
-            <a:pPr algn="ctr"/>
-            <a:endParaRPr lang="fr-FR" sz="2400" baseline="30000" dirty="0" smtClean="0">
-              <a:solidFill>
-                <a:schemeClr val="bg1"/>
-              </a:solidFill>
-              <a:latin typeface="Helvetica"/>
-              <a:cs typeface="Helvetica"/>
-            </a:endParaRPr>
-          </a:p>
-          <a:p>
-            <a:pPr algn="ctr"/>
-            <a:r>
-              <a:rPr lang="fr-FR" sz="5400" baseline="30000" dirty="0" smtClean="0">
-                <a:solidFill>
-                  <a:schemeClr val="bg1"/>
-                </a:solidFill>
-                <a:latin typeface="Helvetica"/>
-                <a:cs typeface="Helvetica"/>
-              </a:rPr>
-              <a:t>code</a:t>
-            </a:r>
-            <a:endParaRPr lang="fr-FR" sz="5400" baseline="30000" dirty="0">
-              <a:solidFill>
-                <a:schemeClr val="bg1"/>
-              </a:solidFill>
-              <a:latin typeface="Helvetica"/>
-              <a:cs typeface="Helvetica"/>
-            </a:endParaRPr>
-          </a:p>
-        </p:txBody>
-      </p:sp>
-      <p:sp>
-        <p:nvSpPr>
-          <p:cNvPr id="5" name="Rectangle à coins arrondis 4"/>
-          <p:cNvSpPr/>
-          <p:nvPr/>
-        </p:nvSpPr>
-        <p:spPr>
-          <a:xfrm>
-            <a:off x="2590800" y="1714500"/>
-            <a:ext cx="2209800" cy="990600"/>
-          </a:xfrm>
-          <a:prstGeom prst="roundRect">
-            <a:avLst/>
-          </a:prstGeom>
-        </p:spPr>
-        <p:style>
-          <a:lnRef idx="1">
-            <a:schemeClr val="accent1"/>
-          </a:lnRef>
-          <a:fillRef idx="3">
-            <a:schemeClr val="accent1"/>
-          </a:fillRef>
-          <a:effectRef idx="2">
-            <a:schemeClr val="accent1"/>
-          </a:effectRef>
-          <a:fontRef idx="minor">
-            <a:schemeClr val="lt1"/>
-          </a:fontRef>
-        </p:style>
-        <p:txBody>
-          <a:bodyPr rtlCol="0" anchor="ctr"/>
-          <a:lstStyle/>
-          <a:p>
-            <a:pPr algn="ctr"/>
-            <a:endParaRPr lang="fr-FR" sz="2400" baseline="30000" dirty="0" smtClean="0">
-              <a:solidFill>
-                <a:schemeClr val="bg1"/>
-              </a:solidFill>
-              <a:latin typeface="Helvetica"/>
-              <a:cs typeface="Helvetica"/>
-            </a:endParaRPr>
-          </a:p>
-          <a:p>
-            <a:pPr algn="ctr"/>
-            <a:r>
-              <a:rPr lang="fr-FR" sz="5400" baseline="30000" dirty="0" err="1" smtClean="0">
-                <a:solidFill>
-                  <a:schemeClr val="bg1"/>
-                </a:solidFill>
-                <a:latin typeface="Helvetica"/>
-                <a:cs typeface="Helvetica"/>
-              </a:rPr>
-              <a:t>contracts</a:t>
-            </a:r>
-            <a:endParaRPr lang="fr-FR" sz="5400" baseline="30000" dirty="0">
-              <a:solidFill>
-                <a:schemeClr val="bg1"/>
-              </a:solidFill>
-              <a:latin typeface="Helvetica"/>
-              <a:cs typeface="Helvetica"/>
-            </a:endParaRPr>
-          </a:p>
-        </p:txBody>
-      </p:sp>
-      <p:sp>
-        <p:nvSpPr>
-          <p:cNvPr id="6" name="ZoneTexte 5"/>
-          <p:cNvSpPr txBox="1"/>
-          <p:nvPr/>
-        </p:nvSpPr>
-        <p:spPr>
-          <a:xfrm>
-            <a:off x="3429000" y="2530614"/>
-            <a:ext cx="484227" cy="707886"/>
-          </a:xfrm>
-          <a:prstGeom prst="rect">
-            <a:avLst/>
-          </a:prstGeom>
-          <a:noFill/>
-        </p:spPr>
-        <p:txBody>
-          <a:bodyPr wrap="none" rtlCol="0">
-            <a:spAutoFit/>
-          </a:bodyPr>
-          <a:lstStyle/>
-          <a:p>
-            <a:r>
-              <a:rPr lang="fr-FR" sz="4000" dirty="0" smtClean="0">
-                <a:latin typeface="Helvetica"/>
-                <a:cs typeface="Helvetica"/>
-              </a:rPr>
-              <a:t>+</a:t>
-            </a:r>
-            <a:endParaRPr lang="fr-FR" sz="4000" dirty="0">
-              <a:latin typeface="Helvetica"/>
-              <a:cs typeface="Helvetica"/>
-            </a:endParaRPr>
-          </a:p>
-        </p:txBody>
-      </p:sp>
-      <p:sp>
-        <p:nvSpPr>
-          <p:cNvPr id="8" name="Flèche vers la droite 7"/>
-          <p:cNvSpPr/>
-          <p:nvPr/>
-        </p:nvSpPr>
-        <p:spPr>
-          <a:xfrm>
-            <a:off x="1524000" y="2095500"/>
-            <a:ext cx="990600" cy="228600"/>
-          </a:xfrm>
-          <a:prstGeom prst="rightArrow">
-            <a:avLst/>
-          </a:prstGeom>
-        </p:spPr>
-        <p:style>
-          <a:lnRef idx="1">
-            <a:schemeClr val="accent1"/>
-          </a:lnRef>
-          <a:fillRef idx="3">
-            <a:schemeClr val="accent1"/>
-          </a:fillRef>
-          <a:effectRef idx="2">
-            <a:schemeClr val="accent1"/>
-          </a:effectRef>
-          <a:fontRef idx="minor">
-            <a:schemeClr val="lt1"/>
-          </a:fontRef>
-        </p:style>
-        <p:txBody>
-          <a:bodyPr rtlCol="0" anchor="ctr"/>
-          <a:lstStyle/>
-          <a:p>
-            <a:pPr algn="ctr"/>
-            <a:endParaRPr lang="fr-FR"/>
-          </a:p>
-        </p:txBody>
-      </p:sp>
-      <p:sp>
-        <p:nvSpPr>
-          <p:cNvPr id="9" name="Rectangle à coins arrondis 8"/>
-          <p:cNvSpPr/>
-          <p:nvPr/>
-        </p:nvSpPr>
-        <p:spPr>
-          <a:xfrm>
-            <a:off x="6324600" y="3162300"/>
-            <a:ext cx="2514600" cy="990600"/>
-          </a:xfrm>
-          <a:prstGeom prst="roundRect">
-            <a:avLst/>
-          </a:prstGeom>
-        </p:spPr>
-        <p:style>
-          <a:lnRef idx="1">
-            <a:schemeClr val="accent1"/>
-          </a:lnRef>
-          <a:fillRef idx="3">
-            <a:schemeClr val="accent1"/>
-          </a:fillRef>
-          <a:effectRef idx="2">
-            <a:schemeClr val="accent1"/>
-          </a:effectRef>
-          <a:fontRef idx="minor">
-            <a:schemeClr val="lt1"/>
-          </a:fontRef>
-        </p:style>
-        <p:txBody>
-          <a:bodyPr rtlCol="0" anchor="ctr"/>
-          <a:lstStyle/>
-          <a:p>
-            <a:pPr algn="ctr"/>
-            <a:endParaRPr lang="fr-FR" sz="2400" baseline="30000" dirty="0" smtClean="0">
-              <a:solidFill>
-                <a:schemeClr val="bg1"/>
-              </a:solidFill>
-              <a:latin typeface="Helvetica"/>
-              <a:cs typeface="Helvetica"/>
-            </a:endParaRPr>
-          </a:p>
-          <a:p>
-            <a:pPr algn="ctr"/>
-            <a:r>
-              <a:rPr lang="fr-FR" sz="5400" baseline="30000" dirty="0" err="1" smtClean="0">
-                <a:solidFill>
-                  <a:schemeClr val="bg1"/>
-                </a:solidFill>
-                <a:latin typeface="Helvetica"/>
-                <a:cs typeface="Helvetica"/>
-              </a:rPr>
-              <a:t>executable</a:t>
-            </a:r>
-            <a:endParaRPr lang="fr-FR" sz="5400" baseline="30000" dirty="0">
-              <a:solidFill>
-                <a:schemeClr val="bg1"/>
-              </a:solidFill>
-              <a:latin typeface="Helvetica"/>
-              <a:cs typeface="Helvetica"/>
-            </a:endParaRPr>
-          </a:p>
-        </p:txBody>
-      </p:sp>
-      <p:sp>
-        <p:nvSpPr>
-          <p:cNvPr id="10" name="Content Placeholder 2"/>
+          <p:cNvPr id="3" name="Content Placeholder 2"/>
           <p:cNvSpPr>
             <a:spLocks noGrp="1"/>
           </p:cNvSpPr>
@@ -5952,15 +5718,10 @@
             <p:ph idx="1"/>
           </p:nvPr>
         </p:nvSpPr>
-        <p:spPr>
-          <a:xfrm>
-            <a:off x="304800" y="1863744"/>
-            <a:ext cx="1295400" cy="1146156"/>
-          </a:xfrm>
-        </p:spPr>
+        <p:spPr/>
         <p:txBody>
           <a:bodyPr>
-            <a:noAutofit/>
+            <a:normAutofit fontScale="92500" lnSpcReduction="10000"/>
           </a:bodyPr>
           <a:lstStyle/>
           <a:p>
@@ -5968,644 +5729,143 @@
               <a:buNone/>
             </a:pPr>
             <a:r>
+              <a:rPr lang="en-US" b="1" dirty="0">
+                <a:solidFill>
+                  <a:srgbClr val="2D72AD"/>
+                </a:solidFill>
+              </a:rPr>
+              <a:t>New language features</a:t>
+            </a:r>
+          </a:p>
+          <a:p>
+            <a:pPr lvl="1"/>
+            <a:r>
               <a:rPr lang="en-US" dirty="0"/>
-              <a:t>g</a:t>
-            </a:r>
-            <a:r>
-              <a:rPr lang="en-US" dirty="0" smtClean="0"/>
-              <a:t>host </a:t>
+              <a:t>Support for </a:t>
+            </a:r>
+            <a:r>
+              <a:rPr lang="en-US" dirty="0" err="1"/>
+              <a:t>Ravenscar</a:t>
+            </a:r>
+            <a:r>
+              <a:rPr lang="en-US" dirty="0"/>
+              <a:t> profile of tasking</a:t>
+            </a:r>
+          </a:p>
+          <a:p>
+            <a:pPr lvl="1"/>
+            <a:r>
+              <a:rPr lang="en-US" b="1" dirty="0"/>
+              <a:t>Support for ghost code</a:t>
+            </a:r>
+          </a:p>
+          <a:p>
+            <a:pPr lvl="1"/>
+            <a:r>
+              <a:rPr lang="en-US" dirty="0"/>
+              <a:t>Support for type predicates</a:t>
             </a:r>
           </a:p>
           <a:p>
             <a:pPr marL="0" indent="0">
               <a:buNone/>
             </a:pPr>
-            <a:r>
-              <a:rPr lang="en-US" dirty="0" smtClean="0"/>
-              <a:t>functions</a:t>
-            </a:r>
+            <a:endParaRPr lang="en-US" b="1" dirty="0" smtClean="0">
+              <a:solidFill>
+                <a:srgbClr val="2D72AD"/>
+              </a:solidFill>
+            </a:endParaRPr>
+          </a:p>
+          <a:p>
+            <a:pPr marL="0" indent="0">
+              <a:buNone/>
+            </a:pPr>
+            <a:r>
+              <a:rPr lang="en-US" b="1" dirty="0" smtClean="0">
+                <a:solidFill>
+                  <a:srgbClr val="2D72AD"/>
+                </a:solidFill>
+              </a:rPr>
+              <a:t>Improved provability</a:t>
+            </a:r>
+          </a:p>
+          <a:p>
+            <a:pPr lvl="1"/>
+            <a:r>
+              <a:rPr lang="en-US" dirty="0" smtClean="0"/>
+              <a:t>New </a:t>
+            </a:r>
+            <a:r>
+              <a:rPr lang="en-US" dirty="0" err="1" smtClean="0"/>
+              <a:t>provers</a:t>
+            </a:r>
+            <a:r>
+              <a:rPr lang="en-US" dirty="0" smtClean="0"/>
+              <a:t> CVC4 and Z3 (in addition to Alt-Ergo)</a:t>
+            </a:r>
+          </a:p>
+          <a:p>
+            <a:pPr lvl="1"/>
+            <a:r>
+              <a:rPr lang="en-US" dirty="0" smtClean="0"/>
+              <a:t>Much better handling of bitwise and floats</a:t>
+            </a:r>
+          </a:p>
+          <a:p>
+            <a:pPr marL="0" indent="0">
+              <a:buNone/>
+            </a:pPr>
             <a:endParaRPr lang="en-US" dirty="0"/>
           </a:p>
-        </p:txBody>
-      </p:sp>
-      <p:sp>
-        <p:nvSpPr>
-          <p:cNvPr id="11" name="Flèche vers la droite 10"/>
-          <p:cNvSpPr/>
-          <p:nvPr/>
-        </p:nvSpPr>
-        <p:spPr>
-          <a:xfrm>
-            <a:off x="4419600" y="3543300"/>
-            <a:ext cx="1828800" cy="228600"/>
-          </a:xfrm>
-          <a:prstGeom prst="rightArrow">
-            <a:avLst/>
-          </a:prstGeom>
-        </p:spPr>
-        <p:style>
-          <a:lnRef idx="1">
-            <a:schemeClr val="accent1"/>
-          </a:lnRef>
-          <a:fillRef idx="3">
-            <a:schemeClr val="accent1"/>
-          </a:fillRef>
-          <a:effectRef idx="2">
-            <a:schemeClr val="accent1"/>
-          </a:effectRef>
-          <a:fontRef idx="minor">
-            <a:schemeClr val="lt1"/>
-          </a:fontRef>
-        </p:style>
-        <p:txBody>
-          <a:bodyPr rtlCol="0" anchor="ctr"/>
-          <a:lstStyle/>
-          <a:p>
-            <a:pPr algn="ctr"/>
-            <a:endParaRPr lang="fr-FR"/>
-          </a:p>
-        </p:txBody>
-      </p:sp>
-      <p:sp>
-        <p:nvSpPr>
-          <p:cNvPr id="12" name="Content Placeholder 2"/>
-          <p:cNvSpPr txBox="1">
-            <a:spLocks/>
-          </p:cNvSpPr>
-          <p:nvPr/>
-        </p:nvSpPr>
-        <p:spPr>
-          <a:xfrm>
-            <a:off x="4724400" y="3162300"/>
-            <a:ext cx="1295400" cy="457200"/>
-          </a:xfrm>
-          <a:prstGeom prst="rect">
-            <a:avLst/>
-          </a:prstGeom>
-        </p:spPr>
-        <p:txBody>
-          <a:bodyPr vert="horz" lIns="91440" tIns="45720" rIns="91440" bIns="45720" rtlCol="0">
-            <a:noAutofit/>
-          </a:bodyPr>
-          <a:lstStyle>
-            <a:lvl1pPr marL="342900" indent="-342900" algn="l" defTabSz="914400" rtl="0" eaLnBrk="1" latinLnBrk="0" hangingPunct="1">
-              <a:spcBef>
-                <a:spcPct val="20000"/>
-              </a:spcBef>
-              <a:buFont typeface="Arial" pitchFamily="34" charset="0"/>
-              <a:buChar char="•"/>
-              <a:defRPr sz="2000" kern="1200">
-                <a:solidFill>
-                  <a:schemeClr val="tx1"/>
-                </a:solidFill>
-                <a:latin typeface="Helvetica"/>
-                <a:ea typeface="+mn-ea"/>
-                <a:cs typeface="Helvetica"/>
-              </a:defRPr>
-            </a:lvl1pPr>
-            <a:lvl2pPr marL="742950" indent="-285750" algn="l" defTabSz="914400" rtl="0" eaLnBrk="1" latinLnBrk="0" hangingPunct="1">
-              <a:spcBef>
-                <a:spcPct val="20000"/>
-              </a:spcBef>
-              <a:buFont typeface="Arial" pitchFamily="34" charset="0"/>
-              <a:buChar char="–"/>
-              <a:defRPr sz="2000" kern="1200">
-                <a:solidFill>
-                  <a:schemeClr val="tx1"/>
-                </a:solidFill>
-                <a:latin typeface="Helvetica"/>
-                <a:ea typeface="+mn-ea"/>
-                <a:cs typeface="Helvetica"/>
-              </a:defRPr>
-            </a:lvl2pPr>
-            <a:lvl3pPr marL="1143000" indent="-228600" algn="l" defTabSz="914400" rtl="0" eaLnBrk="1" latinLnBrk="0" hangingPunct="1">
-              <a:spcBef>
-                <a:spcPct val="20000"/>
-              </a:spcBef>
-              <a:buFont typeface="Arial" pitchFamily="34" charset="0"/>
-              <a:buChar char="•"/>
-              <a:defRPr sz="2000" kern="1200">
-                <a:solidFill>
-                  <a:schemeClr val="tx1"/>
-                </a:solidFill>
-                <a:latin typeface="Helvetica"/>
-                <a:ea typeface="+mn-ea"/>
-                <a:cs typeface="Helvetica"/>
-              </a:defRPr>
-            </a:lvl3pPr>
-            <a:lvl4pPr marL="1600200" indent="-228600" algn="l" defTabSz="914400" rtl="0" eaLnBrk="1" latinLnBrk="0" hangingPunct="1">
-              <a:spcBef>
-                <a:spcPct val="20000"/>
-              </a:spcBef>
-              <a:buFont typeface="Arial" pitchFamily="34" charset="0"/>
-              <a:buChar char="–"/>
-              <a:defRPr sz="2000" kern="1200">
-                <a:solidFill>
-                  <a:schemeClr val="tx1"/>
-                </a:solidFill>
-                <a:latin typeface="Helvetica"/>
-                <a:ea typeface="+mn-ea"/>
-                <a:cs typeface="Helvetica"/>
-              </a:defRPr>
-            </a:lvl4pPr>
-            <a:lvl5pPr marL="2057400" indent="-228600" algn="l" defTabSz="914400" rtl="0" eaLnBrk="1" latinLnBrk="0" hangingPunct="1">
-              <a:spcBef>
-                <a:spcPct val="20000"/>
-              </a:spcBef>
-              <a:buFont typeface="Arial" pitchFamily="34" charset="0"/>
-              <a:buChar char="»"/>
-              <a:defRPr sz="2000" kern="1200">
-                <a:solidFill>
-                  <a:schemeClr val="tx1"/>
-                </a:solidFill>
-                <a:latin typeface="Helvetica"/>
-                <a:ea typeface="+mn-ea"/>
-                <a:cs typeface="Helvetica"/>
-              </a:defRPr>
-            </a:lvl5pPr>
-            <a:lvl6pPr marL="2514600" indent="-228600" algn="l" defTabSz="914400" rtl="0" eaLnBrk="1" latinLnBrk="0" hangingPunct="1">
-              <a:spcBef>
-                <a:spcPct val="20000"/>
-              </a:spcBef>
-              <a:buFont typeface="Arial" pitchFamily="34" charset="0"/>
-              <a:buChar char="•"/>
-              <a:defRPr sz="2000" kern="1200">
-                <a:solidFill>
-                  <a:schemeClr val="tx1"/>
-                </a:solidFill>
-                <a:latin typeface="+mn-lt"/>
-                <a:ea typeface="+mn-ea"/>
-                <a:cs typeface="+mn-cs"/>
-              </a:defRPr>
-            </a:lvl6pPr>
-            <a:lvl7pPr marL="2971800" indent="-228600" algn="l" defTabSz="914400" rtl="0" eaLnBrk="1" latinLnBrk="0" hangingPunct="1">
-              <a:spcBef>
-                <a:spcPct val="20000"/>
-              </a:spcBef>
-              <a:buFont typeface="Arial" pitchFamily="34" charset="0"/>
-              <a:buChar char="•"/>
-              <a:defRPr sz="2000" kern="1200">
-                <a:solidFill>
-                  <a:schemeClr val="tx1"/>
-                </a:solidFill>
-                <a:latin typeface="+mn-lt"/>
-                <a:ea typeface="+mn-ea"/>
-                <a:cs typeface="+mn-cs"/>
-              </a:defRPr>
-            </a:lvl7pPr>
-            <a:lvl8pPr marL="3429000" indent="-228600" algn="l" defTabSz="914400" rtl="0" eaLnBrk="1" latinLnBrk="0" hangingPunct="1">
-              <a:spcBef>
-                <a:spcPct val="20000"/>
-              </a:spcBef>
-              <a:buFont typeface="Arial" pitchFamily="34" charset="0"/>
-              <a:buChar char="•"/>
-              <a:defRPr sz="2000" kern="1200">
-                <a:solidFill>
-                  <a:schemeClr val="tx1"/>
-                </a:solidFill>
-                <a:latin typeface="+mn-lt"/>
-                <a:ea typeface="+mn-ea"/>
-                <a:cs typeface="+mn-cs"/>
-              </a:defRPr>
-            </a:lvl8pPr>
-            <a:lvl9pPr marL="3886200" indent="-228600" algn="l" defTabSz="914400" rtl="0" eaLnBrk="1" latinLnBrk="0" hangingPunct="1">
-              <a:spcBef>
-                <a:spcPct val="20000"/>
-              </a:spcBef>
-              <a:buFont typeface="Arial" pitchFamily="34" charset="0"/>
-              <a:buChar char="•"/>
-              <a:defRPr sz="2000" kern="1200">
-                <a:solidFill>
-                  <a:schemeClr val="tx1"/>
-                </a:solidFill>
-                <a:latin typeface="+mn-lt"/>
-                <a:ea typeface="+mn-ea"/>
-                <a:cs typeface="+mn-cs"/>
-              </a:defRPr>
-            </a:lvl9pPr>
-          </a:lstStyle>
           <a:p>
             <a:pPr marL="0" indent="0">
-              <a:buFont typeface="Arial" pitchFamily="34" charset="0"/>
               <a:buNone/>
             </a:pPr>
             <a:r>
-              <a:rPr lang="en-US" dirty="0" smtClean="0"/>
-              <a:t>compile</a:t>
-            </a:r>
-            <a:endParaRPr lang="en-US" dirty="0"/>
-          </a:p>
-        </p:txBody>
-      </p:sp>
-      <p:sp>
-        <p:nvSpPr>
-          <p:cNvPr id="13" name="Flèche vers la droite 12"/>
-          <p:cNvSpPr/>
-          <p:nvPr/>
-        </p:nvSpPr>
-        <p:spPr>
-          <a:xfrm rot="1823950">
-            <a:off x="4839668" y="2799152"/>
-            <a:ext cx="1373473" cy="212920"/>
-          </a:xfrm>
-          <a:prstGeom prst="rightArrow">
-            <a:avLst/>
-          </a:prstGeom>
-        </p:spPr>
-        <p:style>
-          <a:lnRef idx="1">
-            <a:schemeClr val="accent1"/>
-          </a:lnRef>
-          <a:fillRef idx="3">
-            <a:schemeClr val="accent1"/>
-          </a:fillRef>
-          <a:effectRef idx="2">
-            <a:schemeClr val="accent1"/>
-          </a:effectRef>
-          <a:fontRef idx="minor">
-            <a:schemeClr val="lt1"/>
-          </a:fontRef>
-        </p:style>
-        <p:txBody>
-          <a:bodyPr rtlCol="0" anchor="ctr"/>
-          <a:lstStyle/>
-          <a:p>
-            <a:pPr algn="ctr"/>
-            <a:endParaRPr lang="fr-FR"/>
-          </a:p>
-        </p:txBody>
-      </p:sp>
-      <p:sp>
-        <p:nvSpPr>
-          <p:cNvPr id="14" name="Content Placeholder 2"/>
-          <p:cNvSpPr txBox="1">
-            <a:spLocks/>
-          </p:cNvSpPr>
-          <p:nvPr/>
-        </p:nvSpPr>
-        <p:spPr>
-          <a:xfrm rot="1799537">
-            <a:off x="4772736" y="2353773"/>
-            <a:ext cx="1981200" cy="457200"/>
-          </a:xfrm>
-          <a:prstGeom prst="rect">
-            <a:avLst/>
-          </a:prstGeom>
-        </p:spPr>
-        <p:txBody>
-          <a:bodyPr vert="horz" lIns="91440" tIns="45720" rIns="91440" bIns="45720" rtlCol="0">
-            <a:noAutofit/>
-          </a:bodyPr>
-          <a:lstStyle>
-            <a:lvl1pPr marL="342900" indent="-342900" algn="l" defTabSz="914400" rtl="0" eaLnBrk="1" latinLnBrk="0" hangingPunct="1">
-              <a:spcBef>
-                <a:spcPct val="20000"/>
-              </a:spcBef>
-              <a:buFont typeface="Arial" pitchFamily="34" charset="0"/>
-              <a:buChar char="•"/>
-              <a:defRPr sz="2000" kern="1200">
-                <a:solidFill>
-                  <a:schemeClr val="tx1"/>
-                </a:solidFill>
-                <a:latin typeface="Helvetica"/>
-                <a:ea typeface="+mn-ea"/>
-                <a:cs typeface="Helvetica"/>
-              </a:defRPr>
-            </a:lvl1pPr>
-            <a:lvl2pPr marL="742950" indent="-285750" algn="l" defTabSz="914400" rtl="0" eaLnBrk="1" latinLnBrk="0" hangingPunct="1">
-              <a:spcBef>
-                <a:spcPct val="20000"/>
-              </a:spcBef>
-              <a:buFont typeface="Arial" pitchFamily="34" charset="0"/>
-              <a:buChar char="–"/>
-              <a:defRPr sz="2000" kern="1200">
-                <a:solidFill>
-                  <a:schemeClr val="tx1"/>
-                </a:solidFill>
-                <a:latin typeface="Helvetica"/>
-                <a:ea typeface="+mn-ea"/>
-                <a:cs typeface="Helvetica"/>
-              </a:defRPr>
-            </a:lvl2pPr>
-            <a:lvl3pPr marL="1143000" indent="-228600" algn="l" defTabSz="914400" rtl="0" eaLnBrk="1" latinLnBrk="0" hangingPunct="1">
-              <a:spcBef>
-                <a:spcPct val="20000"/>
-              </a:spcBef>
-              <a:buFont typeface="Arial" pitchFamily="34" charset="0"/>
-              <a:buChar char="•"/>
-              <a:defRPr sz="2000" kern="1200">
-                <a:solidFill>
-                  <a:schemeClr val="tx1"/>
-                </a:solidFill>
-                <a:latin typeface="Helvetica"/>
-                <a:ea typeface="+mn-ea"/>
-                <a:cs typeface="Helvetica"/>
-              </a:defRPr>
-            </a:lvl3pPr>
-            <a:lvl4pPr marL="1600200" indent="-228600" algn="l" defTabSz="914400" rtl="0" eaLnBrk="1" latinLnBrk="0" hangingPunct="1">
-              <a:spcBef>
-                <a:spcPct val="20000"/>
-              </a:spcBef>
-              <a:buFont typeface="Arial" pitchFamily="34" charset="0"/>
-              <a:buChar char="–"/>
-              <a:defRPr sz="2000" kern="1200">
-                <a:solidFill>
-                  <a:schemeClr val="tx1"/>
-                </a:solidFill>
-                <a:latin typeface="Helvetica"/>
-                <a:ea typeface="+mn-ea"/>
-                <a:cs typeface="Helvetica"/>
-              </a:defRPr>
-            </a:lvl4pPr>
-            <a:lvl5pPr marL="2057400" indent="-228600" algn="l" defTabSz="914400" rtl="0" eaLnBrk="1" latinLnBrk="0" hangingPunct="1">
-              <a:spcBef>
-                <a:spcPct val="20000"/>
-              </a:spcBef>
-              <a:buFont typeface="Arial" pitchFamily="34" charset="0"/>
-              <a:buChar char="»"/>
-              <a:defRPr sz="2000" kern="1200">
-                <a:solidFill>
-                  <a:schemeClr val="tx1"/>
-                </a:solidFill>
-                <a:latin typeface="Helvetica"/>
-                <a:ea typeface="+mn-ea"/>
-                <a:cs typeface="Helvetica"/>
-              </a:defRPr>
-            </a:lvl5pPr>
-            <a:lvl6pPr marL="2514600" indent="-228600" algn="l" defTabSz="914400" rtl="0" eaLnBrk="1" latinLnBrk="0" hangingPunct="1">
-              <a:spcBef>
-                <a:spcPct val="20000"/>
-              </a:spcBef>
-              <a:buFont typeface="Arial" pitchFamily="34" charset="0"/>
-              <a:buChar char="•"/>
-              <a:defRPr sz="2000" kern="1200">
-                <a:solidFill>
-                  <a:schemeClr val="tx1"/>
-                </a:solidFill>
-                <a:latin typeface="+mn-lt"/>
-                <a:ea typeface="+mn-ea"/>
-                <a:cs typeface="+mn-cs"/>
-              </a:defRPr>
-            </a:lvl6pPr>
-            <a:lvl7pPr marL="2971800" indent="-228600" algn="l" defTabSz="914400" rtl="0" eaLnBrk="1" latinLnBrk="0" hangingPunct="1">
-              <a:spcBef>
-                <a:spcPct val="20000"/>
-              </a:spcBef>
-              <a:buFont typeface="Arial" pitchFamily="34" charset="0"/>
-              <a:buChar char="•"/>
-              <a:defRPr sz="2000" kern="1200">
-                <a:solidFill>
-                  <a:schemeClr val="tx1"/>
-                </a:solidFill>
-                <a:latin typeface="+mn-lt"/>
-                <a:ea typeface="+mn-ea"/>
-                <a:cs typeface="+mn-cs"/>
-              </a:defRPr>
-            </a:lvl7pPr>
-            <a:lvl8pPr marL="3429000" indent="-228600" algn="l" defTabSz="914400" rtl="0" eaLnBrk="1" latinLnBrk="0" hangingPunct="1">
-              <a:spcBef>
-                <a:spcPct val="20000"/>
-              </a:spcBef>
-              <a:buFont typeface="Arial" pitchFamily="34" charset="0"/>
-              <a:buChar char="•"/>
-              <a:defRPr sz="2000" kern="1200">
-                <a:solidFill>
-                  <a:schemeClr val="tx1"/>
-                </a:solidFill>
-                <a:latin typeface="+mn-lt"/>
-                <a:ea typeface="+mn-ea"/>
-                <a:cs typeface="+mn-cs"/>
-              </a:defRPr>
-            </a:lvl8pPr>
-            <a:lvl9pPr marL="3886200" indent="-228600" algn="l" defTabSz="914400" rtl="0" eaLnBrk="1" latinLnBrk="0" hangingPunct="1">
-              <a:spcBef>
-                <a:spcPct val="20000"/>
-              </a:spcBef>
-              <a:buFont typeface="Arial" pitchFamily="34" charset="0"/>
-              <a:buChar char="•"/>
-              <a:defRPr sz="2000" kern="1200">
-                <a:solidFill>
-                  <a:schemeClr val="tx1"/>
-                </a:solidFill>
-                <a:latin typeface="+mn-lt"/>
-                <a:ea typeface="+mn-ea"/>
-                <a:cs typeface="+mn-cs"/>
-              </a:defRPr>
-            </a:lvl9pPr>
-          </a:lstStyle>
-          <a:p>
-            <a:pPr marL="0" indent="0">
-              <a:buFont typeface="Arial" pitchFamily="34" charset="0"/>
-              <a:buNone/>
-            </a:pPr>
-            <a:r>
-              <a:rPr lang="en-US" dirty="0"/>
-              <a:t>w</a:t>
-            </a:r>
-            <a:r>
-              <a:rPr lang="en-US" dirty="0" smtClean="0"/>
-              <a:t>ith assertions</a:t>
-            </a:r>
-            <a:endParaRPr lang="en-US" dirty="0"/>
-          </a:p>
-        </p:txBody>
-      </p:sp>
-      <p:sp>
-        <p:nvSpPr>
-          <p:cNvPr id="15" name="Content Placeholder 2"/>
-          <p:cNvSpPr txBox="1">
-            <a:spLocks/>
-          </p:cNvSpPr>
-          <p:nvPr/>
-        </p:nvSpPr>
-        <p:spPr>
-          <a:xfrm>
-            <a:off x="3200400" y="4568844"/>
-            <a:ext cx="5971674" cy="1146156"/>
-          </a:xfrm>
-          <a:prstGeom prst="rect">
-            <a:avLst/>
-          </a:prstGeom>
-        </p:spPr>
-        <p:txBody>
-          <a:bodyPr vert="horz" lIns="91440" tIns="45720" rIns="91440" bIns="45720" rtlCol="0">
-            <a:noAutofit/>
-          </a:bodyPr>
-          <a:lstStyle>
-            <a:lvl1pPr marL="342900" indent="-342900" algn="l" defTabSz="914400" rtl="0" eaLnBrk="1" latinLnBrk="0" hangingPunct="1">
-              <a:spcBef>
-                <a:spcPct val="20000"/>
-              </a:spcBef>
-              <a:buFont typeface="Arial" pitchFamily="34" charset="0"/>
-              <a:buChar char="•"/>
-              <a:defRPr sz="2000" kern="1200">
-                <a:solidFill>
-                  <a:schemeClr val="tx1"/>
-                </a:solidFill>
-                <a:latin typeface="Helvetica"/>
-                <a:ea typeface="+mn-ea"/>
-                <a:cs typeface="Helvetica"/>
-              </a:defRPr>
-            </a:lvl1pPr>
-            <a:lvl2pPr marL="742950" indent="-285750" algn="l" defTabSz="914400" rtl="0" eaLnBrk="1" latinLnBrk="0" hangingPunct="1">
-              <a:spcBef>
-                <a:spcPct val="20000"/>
-              </a:spcBef>
-              <a:buFont typeface="Arial" pitchFamily="34" charset="0"/>
-              <a:buChar char="–"/>
-              <a:defRPr sz="2000" kern="1200">
-                <a:solidFill>
-                  <a:schemeClr val="tx1"/>
-                </a:solidFill>
-                <a:latin typeface="Helvetica"/>
-                <a:ea typeface="+mn-ea"/>
-                <a:cs typeface="Helvetica"/>
-              </a:defRPr>
-            </a:lvl2pPr>
-            <a:lvl3pPr marL="1143000" indent="-228600" algn="l" defTabSz="914400" rtl="0" eaLnBrk="1" latinLnBrk="0" hangingPunct="1">
-              <a:spcBef>
-                <a:spcPct val="20000"/>
-              </a:spcBef>
-              <a:buFont typeface="Arial" pitchFamily="34" charset="0"/>
-              <a:buChar char="•"/>
-              <a:defRPr sz="2000" kern="1200">
-                <a:solidFill>
-                  <a:schemeClr val="tx1"/>
-                </a:solidFill>
-                <a:latin typeface="Helvetica"/>
-                <a:ea typeface="+mn-ea"/>
-                <a:cs typeface="Helvetica"/>
-              </a:defRPr>
-            </a:lvl3pPr>
-            <a:lvl4pPr marL="1600200" indent="-228600" algn="l" defTabSz="914400" rtl="0" eaLnBrk="1" latinLnBrk="0" hangingPunct="1">
-              <a:spcBef>
-                <a:spcPct val="20000"/>
-              </a:spcBef>
-              <a:buFont typeface="Arial" pitchFamily="34" charset="0"/>
-              <a:buChar char="–"/>
-              <a:defRPr sz="2000" kern="1200">
-                <a:solidFill>
-                  <a:schemeClr val="tx1"/>
-                </a:solidFill>
-                <a:latin typeface="Helvetica"/>
-                <a:ea typeface="+mn-ea"/>
-                <a:cs typeface="Helvetica"/>
-              </a:defRPr>
-            </a:lvl4pPr>
-            <a:lvl5pPr marL="2057400" indent="-228600" algn="l" defTabSz="914400" rtl="0" eaLnBrk="1" latinLnBrk="0" hangingPunct="1">
-              <a:spcBef>
-                <a:spcPct val="20000"/>
-              </a:spcBef>
-              <a:buFont typeface="Arial" pitchFamily="34" charset="0"/>
-              <a:buChar char="»"/>
-              <a:defRPr sz="2000" kern="1200">
-                <a:solidFill>
-                  <a:schemeClr val="tx1"/>
-                </a:solidFill>
-                <a:latin typeface="Helvetica"/>
-                <a:ea typeface="+mn-ea"/>
-                <a:cs typeface="Helvetica"/>
-              </a:defRPr>
-            </a:lvl5pPr>
-            <a:lvl6pPr marL="2514600" indent="-228600" algn="l" defTabSz="914400" rtl="0" eaLnBrk="1" latinLnBrk="0" hangingPunct="1">
-              <a:spcBef>
-                <a:spcPct val="20000"/>
-              </a:spcBef>
-              <a:buFont typeface="Arial" pitchFamily="34" charset="0"/>
-              <a:buChar char="•"/>
-              <a:defRPr sz="2000" kern="1200">
-                <a:solidFill>
-                  <a:schemeClr val="tx1"/>
-                </a:solidFill>
-                <a:latin typeface="+mn-lt"/>
-                <a:ea typeface="+mn-ea"/>
-                <a:cs typeface="+mn-cs"/>
-              </a:defRPr>
-            </a:lvl6pPr>
-            <a:lvl7pPr marL="2971800" indent="-228600" algn="l" defTabSz="914400" rtl="0" eaLnBrk="1" latinLnBrk="0" hangingPunct="1">
-              <a:spcBef>
-                <a:spcPct val="20000"/>
-              </a:spcBef>
-              <a:buFont typeface="Arial" pitchFamily="34" charset="0"/>
-              <a:buChar char="•"/>
-              <a:defRPr sz="2000" kern="1200">
-                <a:solidFill>
-                  <a:schemeClr val="tx1"/>
-                </a:solidFill>
-                <a:latin typeface="+mn-lt"/>
-                <a:ea typeface="+mn-ea"/>
-                <a:cs typeface="+mn-cs"/>
-              </a:defRPr>
-            </a:lvl7pPr>
-            <a:lvl8pPr marL="3429000" indent="-228600" algn="l" defTabSz="914400" rtl="0" eaLnBrk="1" latinLnBrk="0" hangingPunct="1">
-              <a:spcBef>
-                <a:spcPct val="20000"/>
-              </a:spcBef>
-              <a:buFont typeface="Arial" pitchFamily="34" charset="0"/>
-              <a:buChar char="•"/>
-              <a:defRPr sz="2000" kern="1200">
-                <a:solidFill>
-                  <a:schemeClr val="tx1"/>
-                </a:solidFill>
-                <a:latin typeface="+mn-lt"/>
-                <a:ea typeface="+mn-ea"/>
-                <a:cs typeface="+mn-cs"/>
-              </a:defRPr>
-            </a:lvl8pPr>
-            <a:lvl9pPr marL="3886200" indent="-228600" algn="l" defTabSz="914400" rtl="0" eaLnBrk="1" latinLnBrk="0" hangingPunct="1">
-              <a:spcBef>
-                <a:spcPct val="20000"/>
-              </a:spcBef>
-              <a:buFont typeface="Arial" pitchFamily="34" charset="0"/>
-              <a:buChar char="•"/>
-              <a:defRPr sz="2000" kern="1200">
-                <a:solidFill>
-                  <a:schemeClr val="tx1"/>
-                </a:solidFill>
-                <a:latin typeface="+mn-lt"/>
-                <a:ea typeface="+mn-ea"/>
-                <a:cs typeface="+mn-cs"/>
-              </a:defRPr>
-            </a:lvl9pPr>
-          </a:lstStyle>
-          <a:p>
-            <a:pPr marL="0" indent="0">
-              <a:buFont typeface="Arial" pitchFamily="34" charset="0"/>
-              <a:buNone/>
-            </a:pPr>
-            <a:r>
-              <a:rPr lang="en-US" sz="4400" b="1" dirty="0">
+              <a:rPr lang="en-US" b="1" dirty="0" smtClean="0">
                 <a:solidFill>
                   <a:srgbClr val="2D72AD"/>
                 </a:solidFill>
               </a:rPr>
-              <a:t>u</a:t>
-            </a:r>
-            <a:r>
-              <a:rPr lang="en-US" sz="4400" b="1" dirty="0" smtClean="0">
-                <a:solidFill>
-                  <a:srgbClr val="2D72AD"/>
-                </a:solidFill>
-              </a:rPr>
-              <a:t>sed in formal + test</a:t>
-            </a:r>
-            <a:endParaRPr lang="en-US" sz="4400" dirty="0"/>
+              <a:t>Improved interaction</a:t>
+            </a:r>
+            <a:endParaRPr lang="en-US" b="1" dirty="0">
+              <a:solidFill>
+                <a:srgbClr val="2D72AD"/>
+              </a:solidFill>
+            </a:endParaRPr>
+          </a:p>
+          <a:p>
+            <a:pPr lvl="1"/>
+            <a:r>
+              <a:rPr lang="en-US" b="1" dirty="0" smtClean="0"/>
+              <a:t>Generation of counterexamples when not proved </a:t>
+            </a:r>
           </a:p>
         </p:txBody>
       </p:sp>
     </p:spTree>
     <p:extLst>
       <p:ext uri="{BB962C8B-B14F-4D97-AF65-F5344CB8AC3E}">
-        <p14:creationId xmlns:p14="http://schemas.microsoft.com/office/powerpoint/2010/main" val="3429583413"/>
+        <p14:creationId xmlns:p14="http://schemas.microsoft.com/office/powerpoint/2010/main" val="4224724961"/>
       </p:ext>
     </p:extLst>
   </p:cSld>
   <p:clrMapOvr>
     <a:masterClrMapping/>
   </p:clrMapOvr>
-  <p:transition xmlns:p14="http://schemas.microsoft.com/office/powerpoint/2010/main" spd="slow">
-    <p:wipe dir="d"/>
-  </p:transition>
+  <mc:AlternateContent xmlns:mc="http://schemas.openxmlformats.org/markup-compatibility/2006">
+    <mc:Choice xmlns:p14="http://schemas.microsoft.com/office/powerpoint/2010/main" Requires="p14">
+      <p:transition spd="med" p14:dur="700">
+        <p:fade/>
+      </p:transition>
+    </mc:Choice>
+    <mc:Fallback>
+      <p:transition xmlns:p14="http://schemas.microsoft.com/office/powerpoint/2010/main" spd="med">
+        <p:fade/>
+      </p:transition>
+    </mc:Fallback>
+  </mc:AlternateContent>
   <p:timing>
     <p:tnLst>
       <p:par>
@@ -7394,250 +6654,7 @@
       </p:sp>
       <p:sp>
         <p:nvSpPr>
-          <p:cNvPr id="15" name="Flèche vers la droite 14"/>
-          <p:cNvSpPr/>
-          <p:nvPr/>
-        </p:nvSpPr>
-        <p:spPr>
-          <a:xfrm>
-            <a:off x="1600200" y="3543300"/>
-            <a:ext cx="1295400" cy="231756"/>
-          </a:xfrm>
-          <a:prstGeom prst="rightArrow">
-            <a:avLst/>
-          </a:prstGeom>
-        </p:spPr>
-        <p:style>
-          <a:lnRef idx="1">
-            <a:schemeClr val="accent1"/>
-          </a:lnRef>
-          <a:fillRef idx="3">
-            <a:schemeClr val="accent1"/>
-          </a:fillRef>
-          <a:effectRef idx="2">
-            <a:schemeClr val="accent1"/>
-          </a:effectRef>
-          <a:fontRef idx="minor">
-            <a:schemeClr val="lt1"/>
-          </a:fontRef>
-        </p:style>
-        <p:txBody>
-          <a:bodyPr rtlCol="0" anchor="ctr"/>
-          <a:lstStyle/>
-          <a:p>
-            <a:pPr algn="ctr"/>
-            <a:endParaRPr lang="fr-FR"/>
-          </a:p>
-        </p:txBody>
-      </p:sp>
-      <p:sp>
-        <p:nvSpPr>
-          <p:cNvPr id="16" name="Content Placeholder 2"/>
-          <p:cNvSpPr txBox="1">
-            <a:spLocks/>
-          </p:cNvSpPr>
-          <p:nvPr/>
-        </p:nvSpPr>
-        <p:spPr>
-          <a:xfrm>
-            <a:off x="304800" y="3009900"/>
-            <a:ext cx="1600200" cy="1600200"/>
-          </a:xfrm>
-          <a:prstGeom prst="rect">
-            <a:avLst/>
-          </a:prstGeom>
-        </p:spPr>
-        <p:txBody>
-          <a:bodyPr vert="horz" lIns="91440" tIns="45720" rIns="91440" bIns="45720" rtlCol="0">
-            <a:noAutofit/>
-          </a:bodyPr>
-          <a:lstStyle>
-            <a:lvl1pPr marL="342900" indent="-342900" algn="l" defTabSz="914400" rtl="0" eaLnBrk="1" latinLnBrk="0" hangingPunct="1">
-              <a:spcBef>
-                <a:spcPct val="20000"/>
-              </a:spcBef>
-              <a:buFont typeface="Arial" pitchFamily="34" charset="0"/>
-              <a:buChar char="•"/>
-              <a:defRPr sz="2000" kern="1200">
-                <a:solidFill>
-                  <a:schemeClr val="tx1"/>
-                </a:solidFill>
-                <a:latin typeface="Helvetica"/>
-                <a:ea typeface="+mn-ea"/>
-                <a:cs typeface="Helvetica"/>
-              </a:defRPr>
-            </a:lvl1pPr>
-            <a:lvl2pPr marL="742950" indent="-285750" algn="l" defTabSz="914400" rtl="0" eaLnBrk="1" latinLnBrk="0" hangingPunct="1">
-              <a:spcBef>
-                <a:spcPct val="20000"/>
-              </a:spcBef>
-              <a:buFont typeface="Arial" pitchFamily="34" charset="0"/>
-              <a:buChar char="–"/>
-              <a:defRPr sz="2000" kern="1200">
-                <a:solidFill>
-                  <a:schemeClr val="tx1"/>
-                </a:solidFill>
-                <a:latin typeface="Helvetica"/>
-                <a:ea typeface="+mn-ea"/>
-                <a:cs typeface="Helvetica"/>
-              </a:defRPr>
-            </a:lvl2pPr>
-            <a:lvl3pPr marL="1143000" indent="-228600" algn="l" defTabSz="914400" rtl="0" eaLnBrk="1" latinLnBrk="0" hangingPunct="1">
-              <a:spcBef>
-                <a:spcPct val="20000"/>
-              </a:spcBef>
-              <a:buFont typeface="Arial" pitchFamily="34" charset="0"/>
-              <a:buChar char="•"/>
-              <a:defRPr sz="2000" kern="1200">
-                <a:solidFill>
-                  <a:schemeClr val="tx1"/>
-                </a:solidFill>
-                <a:latin typeface="Helvetica"/>
-                <a:ea typeface="+mn-ea"/>
-                <a:cs typeface="Helvetica"/>
-              </a:defRPr>
-            </a:lvl3pPr>
-            <a:lvl4pPr marL="1600200" indent="-228600" algn="l" defTabSz="914400" rtl="0" eaLnBrk="1" latinLnBrk="0" hangingPunct="1">
-              <a:spcBef>
-                <a:spcPct val="20000"/>
-              </a:spcBef>
-              <a:buFont typeface="Arial" pitchFamily="34" charset="0"/>
-              <a:buChar char="–"/>
-              <a:defRPr sz="2000" kern="1200">
-                <a:solidFill>
-                  <a:schemeClr val="tx1"/>
-                </a:solidFill>
-                <a:latin typeface="Helvetica"/>
-                <a:ea typeface="+mn-ea"/>
-                <a:cs typeface="Helvetica"/>
-              </a:defRPr>
-            </a:lvl4pPr>
-            <a:lvl5pPr marL="2057400" indent="-228600" algn="l" defTabSz="914400" rtl="0" eaLnBrk="1" latinLnBrk="0" hangingPunct="1">
-              <a:spcBef>
-                <a:spcPct val="20000"/>
-              </a:spcBef>
-              <a:buFont typeface="Arial" pitchFamily="34" charset="0"/>
-              <a:buChar char="»"/>
-              <a:defRPr sz="2000" kern="1200">
-                <a:solidFill>
-                  <a:schemeClr val="tx1"/>
-                </a:solidFill>
-                <a:latin typeface="Helvetica"/>
-                <a:ea typeface="+mn-ea"/>
-                <a:cs typeface="Helvetica"/>
-              </a:defRPr>
-            </a:lvl5pPr>
-            <a:lvl6pPr marL="2514600" indent="-228600" algn="l" defTabSz="914400" rtl="0" eaLnBrk="1" latinLnBrk="0" hangingPunct="1">
-              <a:spcBef>
-                <a:spcPct val="20000"/>
-              </a:spcBef>
-              <a:buFont typeface="Arial" pitchFamily="34" charset="0"/>
-              <a:buChar char="•"/>
-              <a:defRPr sz="2000" kern="1200">
-                <a:solidFill>
-                  <a:schemeClr val="tx1"/>
-                </a:solidFill>
-                <a:latin typeface="+mn-lt"/>
-                <a:ea typeface="+mn-ea"/>
-                <a:cs typeface="+mn-cs"/>
-              </a:defRPr>
-            </a:lvl6pPr>
-            <a:lvl7pPr marL="2971800" indent="-228600" algn="l" defTabSz="914400" rtl="0" eaLnBrk="1" latinLnBrk="0" hangingPunct="1">
-              <a:spcBef>
-                <a:spcPct val="20000"/>
-              </a:spcBef>
-              <a:buFont typeface="Arial" pitchFamily="34" charset="0"/>
-              <a:buChar char="•"/>
-              <a:defRPr sz="2000" kern="1200">
-                <a:solidFill>
-                  <a:schemeClr val="tx1"/>
-                </a:solidFill>
-                <a:latin typeface="+mn-lt"/>
-                <a:ea typeface="+mn-ea"/>
-                <a:cs typeface="+mn-cs"/>
-              </a:defRPr>
-            </a:lvl7pPr>
-            <a:lvl8pPr marL="3429000" indent="-228600" algn="l" defTabSz="914400" rtl="0" eaLnBrk="1" latinLnBrk="0" hangingPunct="1">
-              <a:spcBef>
-                <a:spcPct val="20000"/>
-              </a:spcBef>
-              <a:buFont typeface="Arial" pitchFamily="34" charset="0"/>
-              <a:buChar char="•"/>
-              <a:defRPr sz="2000" kern="1200">
-                <a:solidFill>
-                  <a:schemeClr val="tx1"/>
-                </a:solidFill>
-                <a:latin typeface="+mn-lt"/>
-                <a:ea typeface="+mn-ea"/>
-                <a:cs typeface="+mn-cs"/>
-              </a:defRPr>
-            </a:lvl8pPr>
-            <a:lvl9pPr marL="3886200" indent="-228600" algn="l" defTabSz="914400" rtl="0" eaLnBrk="1" latinLnBrk="0" hangingPunct="1">
-              <a:spcBef>
-                <a:spcPct val="20000"/>
-              </a:spcBef>
-              <a:buFont typeface="Arial" pitchFamily="34" charset="0"/>
-              <a:buChar char="•"/>
-              <a:defRPr sz="2000" kern="1200">
-                <a:solidFill>
-                  <a:schemeClr val="tx1"/>
-                </a:solidFill>
-                <a:latin typeface="+mn-lt"/>
-                <a:ea typeface="+mn-ea"/>
-                <a:cs typeface="+mn-cs"/>
-              </a:defRPr>
-            </a:lvl9pPr>
-          </a:lstStyle>
-          <a:p>
-            <a:pPr marL="0" indent="0">
-              <a:buFont typeface="Arial" pitchFamily="34" charset="0"/>
-              <a:buNone/>
-            </a:pPr>
-            <a:r>
-              <a:rPr lang="en-US" dirty="0" smtClean="0"/>
-              <a:t>ghost </a:t>
-            </a:r>
-          </a:p>
-          <a:p>
-            <a:pPr marL="0" indent="0">
-              <a:buFont typeface="Arial" pitchFamily="34" charset="0"/>
-              <a:buNone/>
-            </a:pPr>
-            <a:r>
-              <a:rPr lang="en-US" dirty="0" smtClean="0"/>
-              <a:t>variables,</a:t>
-            </a:r>
-          </a:p>
-          <a:p>
-            <a:pPr marL="0" indent="0">
-              <a:buFont typeface="Arial" pitchFamily="34" charset="0"/>
-              <a:buNone/>
-            </a:pPr>
-            <a:r>
-              <a:rPr lang="en-US" dirty="0"/>
-              <a:t>t</a:t>
-            </a:r>
-            <a:r>
-              <a:rPr lang="en-US" dirty="0" smtClean="0"/>
-              <a:t>ypes,</a:t>
-            </a:r>
-          </a:p>
-          <a:p>
-            <a:pPr marL="0" indent="0">
-              <a:buFont typeface="Arial" pitchFamily="34" charset="0"/>
-              <a:buNone/>
-            </a:pPr>
-            <a:r>
-              <a:rPr lang="en-US" dirty="0" smtClean="0"/>
-              <a:t>procedures</a:t>
-            </a:r>
-            <a:endParaRPr lang="en-US" dirty="0"/>
-          </a:p>
-        </p:txBody>
-      </p:sp>
-      <p:sp>
-        <p:nvSpPr>
-          <p:cNvPr id="17" name="Content Placeholder 2"/>
+          <p:cNvPr id="15" name="Content Placeholder 2"/>
           <p:cNvSpPr txBox="1">
             <a:spLocks/>
           </p:cNvSpPr>
@@ -7821,7 +6838,7 @@
     </p:spTree>
     <p:extLst>
       <p:ext uri="{BB962C8B-B14F-4D97-AF65-F5344CB8AC3E}">
-        <p14:creationId xmlns:p14="http://schemas.microsoft.com/office/powerpoint/2010/main" val="3180114779"/>
+        <p14:creationId xmlns:p14="http://schemas.microsoft.com/office/powerpoint/2010/main" val="3429583413"/>
       </p:ext>
     </p:extLst>
   </p:cSld>
@@ -7829,7 +6846,7 @@
     <a:masterClrMapping/>
   </p:clrMapOvr>
   <p:transition xmlns:p14="http://schemas.microsoft.com/office/powerpoint/2010/main" spd="slow">
-    <p:wipe dir="d"/>
+    <p:wipe dir="r"/>
   </p:transition>
   <p:timing>
     <p:tnLst>
@@ -7961,6 +6978,1231 @@
           <a:prstGeom prst="roundRect">
             <a:avLst/>
           </a:prstGeom>
+        </p:spPr>
+        <p:style>
+          <a:lnRef idx="1">
+            <a:schemeClr val="accent1"/>
+          </a:lnRef>
+          <a:fillRef idx="3">
+            <a:schemeClr val="accent1"/>
+          </a:fillRef>
+          <a:effectRef idx="2">
+            <a:schemeClr val="accent1"/>
+          </a:effectRef>
+          <a:fontRef idx="minor">
+            <a:schemeClr val="lt1"/>
+          </a:fontRef>
+        </p:style>
+        <p:txBody>
+          <a:bodyPr rtlCol="0" anchor="ctr"/>
+          <a:lstStyle/>
+          <a:p>
+            <a:pPr algn="ctr"/>
+            <a:endParaRPr lang="fr-FR" sz="2400" baseline="30000" dirty="0" smtClean="0">
+              <a:solidFill>
+                <a:schemeClr val="bg1"/>
+              </a:solidFill>
+              <a:latin typeface="Helvetica"/>
+              <a:cs typeface="Helvetica"/>
+            </a:endParaRPr>
+          </a:p>
+          <a:p>
+            <a:pPr algn="ctr"/>
+            <a:r>
+              <a:rPr lang="fr-FR" sz="5400" baseline="30000" dirty="0" err="1" smtClean="0">
+                <a:solidFill>
+                  <a:schemeClr val="bg1"/>
+                </a:solidFill>
+                <a:latin typeface="Helvetica"/>
+                <a:cs typeface="Helvetica"/>
+              </a:rPr>
+              <a:t>contracts</a:t>
+            </a:r>
+            <a:endParaRPr lang="fr-FR" sz="5400" baseline="30000" dirty="0">
+              <a:solidFill>
+                <a:schemeClr val="bg1"/>
+              </a:solidFill>
+              <a:latin typeface="Helvetica"/>
+              <a:cs typeface="Helvetica"/>
+            </a:endParaRPr>
+          </a:p>
+        </p:txBody>
+      </p:sp>
+      <p:sp>
+        <p:nvSpPr>
+          <p:cNvPr id="6" name="ZoneTexte 5"/>
+          <p:cNvSpPr txBox="1"/>
+          <p:nvPr/>
+        </p:nvSpPr>
+        <p:spPr>
+          <a:xfrm>
+            <a:off x="3429000" y="2530614"/>
+            <a:ext cx="484227" cy="707886"/>
+          </a:xfrm>
+          <a:prstGeom prst="rect">
+            <a:avLst/>
+          </a:prstGeom>
+          <a:noFill/>
+        </p:spPr>
+        <p:txBody>
+          <a:bodyPr wrap="none" rtlCol="0">
+            <a:spAutoFit/>
+          </a:bodyPr>
+          <a:lstStyle/>
+          <a:p>
+            <a:r>
+              <a:rPr lang="fr-FR" sz="4000" dirty="0" smtClean="0">
+                <a:latin typeface="Helvetica"/>
+                <a:cs typeface="Helvetica"/>
+              </a:rPr>
+              <a:t>+</a:t>
+            </a:r>
+            <a:endParaRPr lang="fr-FR" sz="4000" dirty="0">
+              <a:latin typeface="Helvetica"/>
+              <a:cs typeface="Helvetica"/>
+            </a:endParaRPr>
+          </a:p>
+        </p:txBody>
+      </p:sp>
+      <p:sp>
+        <p:nvSpPr>
+          <p:cNvPr id="8" name="Flèche vers la droite 7"/>
+          <p:cNvSpPr/>
+          <p:nvPr/>
+        </p:nvSpPr>
+        <p:spPr>
+          <a:xfrm>
+            <a:off x="1524000" y="2095500"/>
+            <a:ext cx="990600" cy="228600"/>
+          </a:xfrm>
+          <a:prstGeom prst="rightArrow">
+            <a:avLst/>
+          </a:prstGeom>
+        </p:spPr>
+        <p:style>
+          <a:lnRef idx="1">
+            <a:schemeClr val="accent1"/>
+          </a:lnRef>
+          <a:fillRef idx="3">
+            <a:schemeClr val="accent1"/>
+          </a:fillRef>
+          <a:effectRef idx="2">
+            <a:schemeClr val="accent1"/>
+          </a:effectRef>
+          <a:fontRef idx="minor">
+            <a:schemeClr val="lt1"/>
+          </a:fontRef>
+        </p:style>
+        <p:txBody>
+          <a:bodyPr rtlCol="0" anchor="ctr"/>
+          <a:lstStyle/>
+          <a:p>
+            <a:pPr algn="ctr"/>
+            <a:endParaRPr lang="fr-FR"/>
+          </a:p>
+        </p:txBody>
+      </p:sp>
+      <p:sp>
+        <p:nvSpPr>
+          <p:cNvPr id="9" name="Rectangle à coins arrondis 8"/>
+          <p:cNvSpPr/>
+          <p:nvPr/>
+        </p:nvSpPr>
+        <p:spPr>
+          <a:xfrm>
+            <a:off x="6324600" y="3162300"/>
+            <a:ext cx="2514600" cy="990600"/>
+          </a:xfrm>
+          <a:prstGeom prst="roundRect">
+            <a:avLst/>
+          </a:prstGeom>
+        </p:spPr>
+        <p:style>
+          <a:lnRef idx="1">
+            <a:schemeClr val="accent1"/>
+          </a:lnRef>
+          <a:fillRef idx="3">
+            <a:schemeClr val="accent1"/>
+          </a:fillRef>
+          <a:effectRef idx="2">
+            <a:schemeClr val="accent1"/>
+          </a:effectRef>
+          <a:fontRef idx="minor">
+            <a:schemeClr val="lt1"/>
+          </a:fontRef>
+        </p:style>
+        <p:txBody>
+          <a:bodyPr rtlCol="0" anchor="ctr"/>
+          <a:lstStyle/>
+          <a:p>
+            <a:pPr algn="ctr"/>
+            <a:endParaRPr lang="fr-FR" sz="2400" baseline="30000" dirty="0" smtClean="0">
+              <a:solidFill>
+                <a:schemeClr val="bg1"/>
+              </a:solidFill>
+              <a:latin typeface="Helvetica"/>
+              <a:cs typeface="Helvetica"/>
+            </a:endParaRPr>
+          </a:p>
+          <a:p>
+            <a:pPr algn="ctr"/>
+            <a:r>
+              <a:rPr lang="fr-FR" sz="5400" baseline="30000" dirty="0" err="1" smtClean="0">
+                <a:solidFill>
+                  <a:schemeClr val="bg1"/>
+                </a:solidFill>
+                <a:latin typeface="Helvetica"/>
+                <a:cs typeface="Helvetica"/>
+              </a:rPr>
+              <a:t>executable</a:t>
+            </a:r>
+            <a:endParaRPr lang="fr-FR" sz="5400" baseline="30000" dirty="0">
+              <a:solidFill>
+                <a:schemeClr val="bg1"/>
+              </a:solidFill>
+              <a:latin typeface="Helvetica"/>
+              <a:cs typeface="Helvetica"/>
+            </a:endParaRPr>
+          </a:p>
+        </p:txBody>
+      </p:sp>
+      <p:sp>
+        <p:nvSpPr>
+          <p:cNvPr id="10" name="Content Placeholder 2"/>
+          <p:cNvSpPr>
+            <a:spLocks noGrp="1"/>
+          </p:cNvSpPr>
+          <p:nvPr>
+            <p:ph idx="1"/>
+          </p:nvPr>
+        </p:nvSpPr>
+        <p:spPr>
+          <a:xfrm>
+            <a:off x="304800" y="1863744"/>
+            <a:ext cx="1295400" cy="1146156"/>
+          </a:xfrm>
+        </p:spPr>
+        <p:txBody>
+          <a:bodyPr>
+            <a:noAutofit/>
+          </a:bodyPr>
+          <a:lstStyle/>
+          <a:p>
+            <a:pPr marL="0" indent="0">
+              <a:buNone/>
+            </a:pPr>
+            <a:r>
+              <a:rPr lang="en-US" dirty="0"/>
+              <a:t>g</a:t>
+            </a:r>
+            <a:r>
+              <a:rPr lang="en-US" dirty="0" smtClean="0"/>
+              <a:t>host </a:t>
+            </a:r>
+          </a:p>
+          <a:p>
+            <a:pPr marL="0" indent="0">
+              <a:buNone/>
+            </a:pPr>
+            <a:r>
+              <a:rPr lang="en-US" dirty="0" smtClean="0"/>
+              <a:t>functions</a:t>
+            </a:r>
+            <a:endParaRPr lang="en-US" dirty="0"/>
+          </a:p>
+        </p:txBody>
+      </p:sp>
+      <p:sp>
+        <p:nvSpPr>
+          <p:cNvPr id="11" name="Flèche vers la droite 10"/>
+          <p:cNvSpPr/>
+          <p:nvPr/>
+        </p:nvSpPr>
+        <p:spPr>
+          <a:xfrm>
+            <a:off x="4419600" y="3543300"/>
+            <a:ext cx="1828800" cy="228600"/>
+          </a:xfrm>
+          <a:prstGeom prst="rightArrow">
+            <a:avLst/>
+          </a:prstGeom>
+        </p:spPr>
+        <p:style>
+          <a:lnRef idx="1">
+            <a:schemeClr val="accent1"/>
+          </a:lnRef>
+          <a:fillRef idx="3">
+            <a:schemeClr val="accent1"/>
+          </a:fillRef>
+          <a:effectRef idx="2">
+            <a:schemeClr val="accent1"/>
+          </a:effectRef>
+          <a:fontRef idx="minor">
+            <a:schemeClr val="lt1"/>
+          </a:fontRef>
+        </p:style>
+        <p:txBody>
+          <a:bodyPr rtlCol="0" anchor="ctr"/>
+          <a:lstStyle/>
+          <a:p>
+            <a:pPr algn="ctr"/>
+            <a:endParaRPr lang="fr-FR"/>
+          </a:p>
+        </p:txBody>
+      </p:sp>
+      <p:sp>
+        <p:nvSpPr>
+          <p:cNvPr id="12" name="Content Placeholder 2"/>
+          <p:cNvSpPr txBox="1">
+            <a:spLocks/>
+          </p:cNvSpPr>
+          <p:nvPr/>
+        </p:nvSpPr>
+        <p:spPr>
+          <a:xfrm>
+            <a:off x="4724400" y="3162300"/>
+            <a:ext cx="1295400" cy="457200"/>
+          </a:xfrm>
+          <a:prstGeom prst="rect">
+            <a:avLst/>
+          </a:prstGeom>
+        </p:spPr>
+        <p:txBody>
+          <a:bodyPr vert="horz" lIns="91440" tIns="45720" rIns="91440" bIns="45720" rtlCol="0">
+            <a:noAutofit/>
+          </a:bodyPr>
+          <a:lstStyle>
+            <a:lvl1pPr marL="342900" indent="-342900" algn="l" defTabSz="914400" rtl="0" eaLnBrk="1" latinLnBrk="0" hangingPunct="1">
+              <a:spcBef>
+                <a:spcPct val="20000"/>
+              </a:spcBef>
+              <a:buFont typeface="Arial" pitchFamily="34" charset="0"/>
+              <a:buChar char="•"/>
+              <a:defRPr sz="2000" kern="1200">
+                <a:solidFill>
+                  <a:schemeClr val="tx1"/>
+                </a:solidFill>
+                <a:latin typeface="Helvetica"/>
+                <a:ea typeface="+mn-ea"/>
+                <a:cs typeface="Helvetica"/>
+              </a:defRPr>
+            </a:lvl1pPr>
+            <a:lvl2pPr marL="742950" indent="-285750" algn="l" defTabSz="914400" rtl="0" eaLnBrk="1" latinLnBrk="0" hangingPunct="1">
+              <a:spcBef>
+                <a:spcPct val="20000"/>
+              </a:spcBef>
+              <a:buFont typeface="Arial" pitchFamily="34" charset="0"/>
+              <a:buChar char="–"/>
+              <a:defRPr sz="2000" kern="1200">
+                <a:solidFill>
+                  <a:schemeClr val="tx1"/>
+                </a:solidFill>
+                <a:latin typeface="Helvetica"/>
+                <a:ea typeface="+mn-ea"/>
+                <a:cs typeface="Helvetica"/>
+              </a:defRPr>
+            </a:lvl2pPr>
+            <a:lvl3pPr marL="1143000" indent="-228600" algn="l" defTabSz="914400" rtl="0" eaLnBrk="1" latinLnBrk="0" hangingPunct="1">
+              <a:spcBef>
+                <a:spcPct val="20000"/>
+              </a:spcBef>
+              <a:buFont typeface="Arial" pitchFamily="34" charset="0"/>
+              <a:buChar char="•"/>
+              <a:defRPr sz="2000" kern="1200">
+                <a:solidFill>
+                  <a:schemeClr val="tx1"/>
+                </a:solidFill>
+                <a:latin typeface="Helvetica"/>
+                <a:ea typeface="+mn-ea"/>
+                <a:cs typeface="Helvetica"/>
+              </a:defRPr>
+            </a:lvl3pPr>
+            <a:lvl4pPr marL="1600200" indent="-228600" algn="l" defTabSz="914400" rtl="0" eaLnBrk="1" latinLnBrk="0" hangingPunct="1">
+              <a:spcBef>
+                <a:spcPct val="20000"/>
+              </a:spcBef>
+              <a:buFont typeface="Arial" pitchFamily="34" charset="0"/>
+              <a:buChar char="–"/>
+              <a:defRPr sz="2000" kern="1200">
+                <a:solidFill>
+                  <a:schemeClr val="tx1"/>
+                </a:solidFill>
+                <a:latin typeface="Helvetica"/>
+                <a:ea typeface="+mn-ea"/>
+                <a:cs typeface="Helvetica"/>
+              </a:defRPr>
+            </a:lvl4pPr>
+            <a:lvl5pPr marL="2057400" indent="-228600" algn="l" defTabSz="914400" rtl="0" eaLnBrk="1" latinLnBrk="0" hangingPunct="1">
+              <a:spcBef>
+                <a:spcPct val="20000"/>
+              </a:spcBef>
+              <a:buFont typeface="Arial" pitchFamily="34" charset="0"/>
+              <a:buChar char="»"/>
+              <a:defRPr sz="2000" kern="1200">
+                <a:solidFill>
+                  <a:schemeClr val="tx1"/>
+                </a:solidFill>
+                <a:latin typeface="Helvetica"/>
+                <a:ea typeface="+mn-ea"/>
+                <a:cs typeface="Helvetica"/>
+              </a:defRPr>
+            </a:lvl5pPr>
+            <a:lvl6pPr marL="2514600" indent="-228600" algn="l" defTabSz="914400" rtl="0" eaLnBrk="1" latinLnBrk="0" hangingPunct="1">
+              <a:spcBef>
+                <a:spcPct val="20000"/>
+              </a:spcBef>
+              <a:buFont typeface="Arial" pitchFamily="34" charset="0"/>
+              <a:buChar char="•"/>
+              <a:defRPr sz="2000" kern="1200">
+                <a:solidFill>
+                  <a:schemeClr val="tx1"/>
+                </a:solidFill>
+                <a:latin typeface="+mn-lt"/>
+                <a:ea typeface="+mn-ea"/>
+                <a:cs typeface="+mn-cs"/>
+              </a:defRPr>
+            </a:lvl6pPr>
+            <a:lvl7pPr marL="2971800" indent="-228600" algn="l" defTabSz="914400" rtl="0" eaLnBrk="1" latinLnBrk="0" hangingPunct="1">
+              <a:spcBef>
+                <a:spcPct val="20000"/>
+              </a:spcBef>
+              <a:buFont typeface="Arial" pitchFamily="34" charset="0"/>
+              <a:buChar char="•"/>
+              <a:defRPr sz="2000" kern="1200">
+                <a:solidFill>
+                  <a:schemeClr val="tx1"/>
+                </a:solidFill>
+                <a:latin typeface="+mn-lt"/>
+                <a:ea typeface="+mn-ea"/>
+                <a:cs typeface="+mn-cs"/>
+              </a:defRPr>
+            </a:lvl7pPr>
+            <a:lvl8pPr marL="3429000" indent="-228600" algn="l" defTabSz="914400" rtl="0" eaLnBrk="1" latinLnBrk="0" hangingPunct="1">
+              <a:spcBef>
+                <a:spcPct val="20000"/>
+              </a:spcBef>
+              <a:buFont typeface="Arial" pitchFamily="34" charset="0"/>
+              <a:buChar char="•"/>
+              <a:defRPr sz="2000" kern="1200">
+                <a:solidFill>
+                  <a:schemeClr val="tx1"/>
+                </a:solidFill>
+                <a:latin typeface="+mn-lt"/>
+                <a:ea typeface="+mn-ea"/>
+                <a:cs typeface="+mn-cs"/>
+              </a:defRPr>
+            </a:lvl8pPr>
+            <a:lvl9pPr marL="3886200" indent="-228600" algn="l" defTabSz="914400" rtl="0" eaLnBrk="1" latinLnBrk="0" hangingPunct="1">
+              <a:spcBef>
+                <a:spcPct val="20000"/>
+              </a:spcBef>
+              <a:buFont typeface="Arial" pitchFamily="34" charset="0"/>
+              <a:buChar char="•"/>
+              <a:defRPr sz="2000" kern="1200">
+                <a:solidFill>
+                  <a:schemeClr val="tx1"/>
+                </a:solidFill>
+                <a:latin typeface="+mn-lt"/>
+                <a:ea typeface="+mn-ea"/>
+                <a:cs typeface="+mn-cs"/>
+              </a:defRPr>
+            </a:lvl9pPr>
+          </a:lstStyle>
+          <a:p>
+            <a:pPr marL="0" indent="0">
+              <a:buFont typeface="Arial" pitchFamily="34" charset="0"/>
+              <a:buNone/>
+            </a:pPr>
+            <a:r>
+              <a:rPr lang="en-US" dirty="0" smtClean="0"/>
+              <a:t>compile</a:t>
+            </a:r>
+            <a:endParaRPr lang="en-US" dirty="0"/>
+          </a:p>
+        </p:txBody>
+      </p:sp>
+      <p:sp>
+        <p:nvSpPr>
+          <p:cNvPr id="13" name="Flèche vers la droite 12"/>
+          <p:cNvSpPr/>
+          <p:nvPr/>
+        </p:nvSpPr>
+        <p:spPr>
+          <a:xfrm rot="1823950">
+            <a:off x="4839668" y="2799152"/>
+            <a:ext cx="1373473" cy="212920"/>
+          </a:xfrm>
+          <a:prstGeom prst="rightArrow">
+            <a:avLst/>
+          </a:prstGeom>
+        </p:spPr>
+        <p:style>
+          <a:lnRef idx="1">
+            <a:schemeClr val="accent1"/>
+          </a:lnRef>
+          <a:fillRef idx="3">
+            <a:schemeClr val="accent1"/>
+          </a:fillRef>
+          <a:effectRef idx="2">
+            <a:schemeClr val="accent1"/>
+          </a:effectRef>
+          <a:fontRef idx="minor">
+            <a:schemeClr val="lt1"/>
+          </a:fontRef>
+        </p:style>
+        <p:txBody>
+          <a:bodyPr rtlCol="0" anchor="ctr"/>
+          <a:lstStyle/>
+          <a:p>
+            <a:pPr algn="ctr"/>
+            <a:endParaRPr lang="fr-FR"/>
+          </a:p>
+        </p:txBody>
+      </p:sp>
+      <p:sp>
+        <p:nvSpPr>
+          <p:cNvPr id="14" name="Content Placeholder 2"/>
+          <p:cNvSpPr txBox="1">
+            <a:spLocks/>
+          </p:cNvSpPr>
+          <p:nvPr/>
+        </p:nvSpPr>
+        <p:spPr>
+          <a:xfrm rot="1799537">
+            <a:off x="4772736" y="2353773"/>
+            <a:ext cx="1981200" cy="457200"/>
+          </a:xfrm>
+          <a:prstGeom prst="rect">
+            <a:avLst/>
+          </a:prstGeom>
+        </p:spPr>
+        <p:txBody>
+          <a:bodyPr vert="horz" lIns="91440" tIns="45720" rIns="91440" bIns="45720" rtlCol="0">
+            <a:noAutofit/>
+          </a:bodyPr>
+          <a:lstStyle>
+            <a:lvl1pPr marL="342900" indent="-342900" algn="l" defTabSz="914400" rtl="0" eaLnBrk="1" latinLnBrk="0" hangingPunct="1">
+              <a:spcBef>
+                <a:spcPct val="20000"/>
+              </a:spcBef>
+              <a:buFont typeface="Arial" pitchFamily="34" charset="0"/>
+              <a:buChar char="•"/>
+              <a:defRPr sz="2000" kern="1200">
+                <a:solidFill>
+                  <a:schemeClr val="tx1"/>
+                </a:solidFill>
+                <a:latin typeface="Helvetica"/>
+                <a:ea typeface="+mn-ea"/>
+                <a:cs typeface="Helvetica"/>
+              </a:defRPr>
+            </a:lvl1pPr>
+            <a:lvl2pPr marL="742950" indent="-285750" algn="l" defTabSz="914400" rtl="0" eaLnBrk="1" latinLnBrk="0" hangingPunct="1">
+              <a:spcBef>
+                <a:spcPct val="20000"/>
+              </a:spcBef>
+              <a:buFont typeface="Arial" pitchFamily="34" charset="0"/>
+              <a:buChar char="–"/>
+              <a:defRPr sz="2000" kern="1200">
+                <a:solidFill>
+                  <a:schemeClr val="tx1"/>
+                </a:solidFill>
+                <a:latin typeface="Helvetica"/>
+                <a:ea typeface="+mn-ea"/>
+                <a:cs typeface="Helvetica"/>
+              </a:defRPr>
+            </a:lvl2pPr>
+            <a:lvl3pPr marL="1143000" indent="-228600" algn="l" defTabSz="914400" rtl="0" eaLnBrk="1" latinLnBrk="0" hangingPunct="1">
+              <a:spcBef>
+                <a:spcPct val="20000"/>
+              </a:spcBef>
+              <a:buFont typeface="Arial" pitchFamily="34" charset="0"/>
+              <a:buChar char="•"/>
+              <a:defRPr sz="2000" kern="1200">
+                <a:solidFill>
+                  <a:schemeClr val="tx1"/>
+                </a:solidFill>
+                <a:latin typeface="Helvetica"/>
+                <a:ea typeface="+mn-ea"/>
+                <a:cs typeface="Helvetica"/>
+              </a:defRPr>
+            </a:lvl3pPr>
+            <a:lvl4pPr marL="1600200" indent="-228600" algn="l" defTabSz="914400" rtl="0" eaLnBrk="1" latinLnBrk="0" hangingPunct="1">
+              <a:spcBef>
+                <a:spcPct val="20000"/>
+              </a:spcBef>
+              <a:buFont typeface="Arial" pitchFamily="34" charset="0"/>
+              <a:buChar char="–"/>
+              <a:defRPr sz="2000" kern="1200">
+                <a:solidFill>
+                  <a:schemeClr val="tx1"/>
+                </a:solidFill>
+                <a:latin typeface="Helvetica"/>
+                <a:ea typeface="+mn-ea"/>
+                <a:cs typeface="Helvetica"/>
+              </a:defRPr>
+            </a:lvl4pPr>
+            <a:lvl5pPr marL="2057400" indent="-228600" algn="l" defTabSz="914400" rtl="0" eaLnBrk="1" latinLnBrk="0" hangingPunct="1">
+              <a:spcBef>
+                <a:spcPct val="20000"/>
+              </a:spcBef>
+              <a:buFont typeface="Arial" pitchFamily="34" charset="0"/>
+              <a:buChar char="»"/>
+              <a:defRPr sz="2000" kern="1200">
+                <a:solidFill>
+                  <a:schemeClr val="tx1"/>
+                </a:solidFill>
+                <a:latin typeface="Helvetica"/>
+                <a:ea typeface="+mn-ea"/>
+                <a:cs typeface="Helvetica"/>
+              </a:defRPr>
+            </a:lvl5pPr>
+            <a:lvl6pPr marL="2514600" indent="-228600" algn="l" defTabSz="914400" rtl="0" eaLnBrk="1" latinLnBrk="0" hangingPunct="1">
+              <a:spcBef>
+                <a:spcPct val="20000"/>
+              </a:spcBef>
+              <a:buFont typeface="Arial" pitchFamily="34" charset="0"/>
+              <a:buChar char="•"/>
+              <a:defRPr sz="2000" kern="1200">
+                <a:solidFill>
+                  <a:schemeClr val="tx1"/>
+                </a:solidFill>
+                <a:latin typeface="+mn-lt"/>
+                <a:ea typeface="+mn-ea"/>
+                <a:cs typeface="+mn-cs"/>
+              </a:defRPr>
+            </a:lvl6pPr>
+            <a:lvl7pPr marL="2971800" indent="-228600" algn="l" defTabSz="914400" rtl="0" eaLnBrk="1" latinLnBrk="0" hangingPunct="1">
+              <a:spcBef>
+                <a:spcPct val="20000"/>
+              </a:spcBef>
+              <a:buFont typeface="Arial" pitchFamily="34" charset="0"/>
+              <a:buChar char="•"/>
+              <a:defRPr sz="2000" kern="1200">
+                <a:solidFill>
+                  <a:schemeClr val="tx1"/>
+                </a:solidFill>
+                <a:latin typeface="+mn-lt"/>
+                <a:ea typeface="+mn-ea"/>
+                <a:cs typeface="+mn-cs"/>
+              </a:defRPr>
+            </a:lvl7pPr>
+            <a:lvl8pPr marL="3429000" indent="-228600" algn="l" defTabSz="914400" rtl="0" eaLnBrk="1" latinLnBrk="0" hangingPunct="1">
+              <a:spcBef>
+                <a:spcPct val="20000"/>
+              </a:spcBef>
+              <a:buFont typeface="Arial" pitchFamily="34" charset="0"/>
+              <a:buChar char="•"/>
+              <a:defRPr sz="2000" kern="1200">
+                <a:solidFill>
+                  <a:schemeClr val="tx1"/>
+                </a:solidFill>
+                <a:latin typeface="+mn-lt"/>
+                <a:ea typeface="+mn-ea"/>
+                <a:cs typeface="+mn-cs"/>
+              </a:defRPr>
+            </a:lvl8pPr>
+            <a:lvl9pPr marL="3886200" indent="-228600" algn="l" defTabSz="914400" rtl="0" eaLnBrk="1" latinLnBrk="0" hangingPunct="1">
+              <a:spcBef>
+                <a:spcPct val="20000"/>
+              </a:spcBef>
+              <a:buFont typeface="Arial" pitchFamily="34" charset="0"/>
+              <a:buChar char="•"/>
+              <a:defRPr sz="2000" kern="1200">
+                <a:solidFill>
+                  <a:schemeClr val="tx1"/>
+                </a:solidFill>
+                <a:latin typeface="+mn-lt"/>
+                <a:ea typeface="+mn-ea"/>
+                <a:cs typeface="+mn-cs"/>
+              </a:defRPr>
+            </a:lvl9pPr>
+          </a:lstStyle>
+          <a:p>
+            <a:pPr marL="0" indent="0">
+              <a:buFont typeface="Arial" pitchFamily="34" charset="0"/>
+              <a:buNone/>
+            </a:pPr>
+            <a:r>
+              <a:rPr lang="en-US" dirty="0"/>
+              <a:t>w</a:t>
+            </a:r>
+            <a:r>
+              <a:rPr lang="en-US" dirty="0" smtClean="0"/>
+              <a:t>ith assertions</a:t>
+            </a:r>
+            <a:endParaRPr lang="en-US" dirty="0"/>
+          </a:p>
+        </p:txBody>
+      </p:sp>
+      <p:sp>
+        <p:nvSpPr>
+          <p:cNvPr id="15" name="Flèche vers la droite 14"/>
+          <p:cNvSpPr/>
+          <p:nvPr/>
+        </p:nvSpPr>
+        <p:spPr>
+          <a:xfrm>
+            <a:off x="1600200" y="3543300"/>
+            <a:ext cx="1295400" cy="231756"/>
+          </a:xfrm>
+          <a:prstGeom prst="rightArrow">
+            <a:avLst/>
+          </a:prstGeom>
+        </p:spPr>
+        <p:style>
+          <a:lnRef idx="1">
+            <a:schemeClr val="accent1"/>
+          </a:lnRef>
+          <a:fillRef idx="3">
+            <a:schemeClr val="accent1"/>
+          </a:fillRef>
+          <a:effectRef idx="2">
+            <a:schemeClr val="accent1"/>
+          </a:effectRef>
+          <a:fontRef idx="minor">
+            <a:schemeClr val="lt1"/>
+          </a:fontRef>
+        </p:style>
+        <p:txBody>
+          <a:bodyPr rtlCol="0" anchor="ctr"/>
+          <a:lstStyle/>
+          <a:p>
+            <a:pPr algn="ctr"/>
+            <a:endParaRPr lang="fr-FR"/>
+          </a:p>
+        </p:txBody>
+      </p:sp>
+      <p:sp>
+        <p:nvSpPr>
+          <p:cNvPr id="16" name="Content Placeholder 2"/>
+          <p:cNvSpPr txBox="1">
+            <a:spLocks/>
+          </p:cNvSpPr>
+          <p:nvPr/>
+        </p:nvSpPr>
+        <p:spPr>
+          <a:xfrm>
+            <a:off x="304800" y="3009900"/>
+            <a:ext cx="1600200" cy="1600200"/>
+          </a:xfrm>
+          <a:prstGeom prst="rect">
+            <a:avLst/>
+          </a:prstGeom>
+        </p:spPr>
+        <p:txBody>
+          <a:bodyPr vert="horz" lIns="91440" tIns="45720" rIns="91440" bIns="45720" rtlCol="0">
+            <a:noAutofit/>
+          </a:bodyPr>
+          <a:lstStyle>
+            <a:lvl1pPr marL="342900" indent="-342900" algn="l" defTabSz="914400" rtl="0" eaLnBrk="1" latinLnBrk="0" hangingPunct="1">
+              <a:spcBef>
+                <a:spcPct val="20000"/>
+              </a:spcBef>
+              <a:buFont typeface="Arial" pitchFamily="34" charset="0"/>
+              <a:buChar char="•"/>
+              <a:defRPr sz="2000" kern="1200">
+                <a:solidFill>
+                  <a:schemeClr val="tx1"/>
+                </a:solidFill>
+                <a:latin typeface="Helvetica"/>
+                <a:ea typeface="+mn-ea"/>
+                <a:cs typeface="Helvetica"/>
+              </a:defRPr>
+            </a:lvl1pPr>
+            <a:lvl2pPr marL="742950" indent="-285750" algn="l" defTabSz="914400" rtl="0" eaLnBrk="1" latinLnBrk="0" hangingPunct="1">
+              <a:spcBef>
+                <a:spcPct val="20000"/>
+              </a:spcBef>
+              <a:buFont typeface="Arial" pitchFamily="34" charset="0"/>
+              <a:buChar char="–"/>
+              <a:defRPr sz="2000" kern="1200">
+                <a:solidFill>
+                  <a:schemeClr val="tx1"/>
+                </a:solidFill>
+                <a:latin typeface="Helvetica"/>
+                <a:ea typeface="+mn-ea"/>
+                <a:cs typeface="Helvetica"/>
+              </a:defRPr>
+            </a:lvl2pPr>
+            <a:lvl3pPr marL="1143000" indent="-228600" algn="l" defTabSz="914400" rtl="0" eaLnBrk="1" latinLnBrk="0" hangingPunct="1">
+              <a:spcBef>
+                <a:spcPct val="20000"/>
+              </a:spcBef>
+              <a:buFont typeface="Arial" pitchFamily="34" charset="0"/>
+              <a:buChar char="•"/>
+              <a:defRPr sz="2000" kern="1200">
+                <a:solidFill>
+                  <a:schemeClr val="tx1"/>
+                </a:solidFill>
+                <a:latin typeface="Helvetica"/>
+                <a:ea typeface="+mn-ea"/>
+                <a:cs typeface="Helvetica"/>
+              </a:defRPr>
+            </a:lvl3pPr>
+            <a:lvl4pPr marL="1600200" indent="-228600" algn="l" defTabSz="914400" rtl="0" eaLnBrk="1" latinLnBrk="0" hangingPunct="1">
+              <a:spcBef>
+                <a:spcPct val="20000"/>
+              </a:spcBef>
+              <a:buFont typeface="Arial" pitchFamily="34" charset="0"/>
+              <a:buChar char="–"/>
+              <a:defRPr sz="2000" kern="1200">
+                <a:solidFill>
+                  <a:schemeClr val="tx1"/>
+                </a:solidFill>
+                <a:latin typeface="Helvetica"/>
+                <a:ea typeface="+mn-ea"/>
+                <a:cs typeface="Helvetica"/>
+              </a:defRPr>
+            </a:lvl4pPr>
+            <a:lvl5pPr marL="2057400" indent="-228600" algn="l" defTabSz="914400" rtl="0" eaLnBrk="1" latinLnBrk="0" hangingPunct="1">
+              <a:spcBef>
+                <a:spcPct val="20000"/>
+              </a:spcBef>
+              <a:buFont typeface="Arial" pitchFamily="34" charset="0"/>
+              <a:buChar char="»"/>
+              <a:defRPr sz="2000" kern="1200">
+                <a:solidFill>
+                  <a:schemeClr val="tx1"/>
+                </a:solidFill>
+                <a:latin typeface="Helvetica"/>
+                <a:ea typeface="+mn-ea"/>
+                <a:cs typeface="Helvetica"/>
+              </a:defRPr>
+            </a:lvl5pPr>
+            <a:lvl6pPr marL="2514600" indent="-228600" algn="l" defTabSz="914400" rtl="0" eaLnBrk="1" latinLnBrk="0" hangingPunct="1">
+              <a:spcBef>
+                <a:spcPct val="20000"/>
+              </a:spcBef>
+              <a:buFont typeface="Arial" pitchFamily="34" charset="0"/>
+              <a:buChar char="•"/>
+              <a:defRPr sz="2000" kern="1200">
+                <a:solidFill>
+                  <a:schemeClr val="tx1"/>
+                </a:solidFill>
+                <a:latin typeface="+mn-lt"/>
+                <a:ea typeface="+mn-ea"/>
+                <a:cs typeface="+mn-cs"/>
+              </a:defRPr>
+            </a:lvl6pPr>
+            <a:lvl7pPr marL="2971800" indent="-228600" algn="l" defTabSz="914400" rtl="0" eaLnBrk="1" latinLnBrk="0" hangingPunct="1">
+              <a:spcBef>
+                <a:spcPct val="20000"/>
+              </a:spcBef>
+              <a:buFont typeface="Arial" pitchFamily="34" charset="0"/>
+              <a:buChar char="•"/>
+              <a:defRPr sz="2000" kern="1200">
+                <a:solidFill>
+                  <a:schemeClr val="tx1"/>
+                </a:solidFill>
+                <a:latin typeface="+mn-lt"/>
+                <a:ea typeface="+mn-ea"/>
+                <a:cs typeface="+mn-cs"/>
+              </a:defRPr>
+            </a:lvl7pPr>
+            <a:lvl8pPr marL="3429000" indent="-228600" algn="l" defTabSz="914400" rtl="0" eaLnBrk="1" latinLnBrk="0" hangingPunct="1">
+              <a:spcBef>
+                <a:spcPct val="20000"/>
+              </a:spcBef>
+              <a:buFont typeface="Arial" pitchFamily="34" charset="0"/>
+              <a:buChar char="•"/>
+              <a:defRPr sz="2000" kern="1200">
+                <a:solidFill>
+                  <a:schemeClr val="tx1"/>
+                </a:solidFill>
+                <a:latin typeface="+mn-lt"/>
+                <a:ea typeface="+mn-ea"/>
+                <a:cs typeface="+mn-cs"/>
+              </a:defRPr>
+            </a:lvl8pPr>
+            <a:lvl9pPr marL="3886200" indent="-228600" algn="l" defTabSz="914400" rtl="0" eaLnBrk="1" latinLnBrk="0" hangingPunct="1">
+              <a:spcBef>
+                <a:spcPct val="20000"/>
+              </a:spcBef>
+              <a:buFont typeface="Arial" pitchFamily="34" charset="0"/>
+              <a:buChar char="•"/>
+              <a:defRPr sz="2000" kern="1200">
+                <a:solidFill>
+                  <a:schemeClr val="tx1"/>
+                </a:solidFill>
+                <a:latin typeface="+mn-lt"/>
+                <a:ea typeface="+mn-ea"/>
+                <a:cs typeface="+mn-cs"/>
+              </a:defRPr>
+            </a:lvl9pPr>
+          </a:lstStyle>
+          <a:p>
+            <a:pPr marL="0" indent="0">
+              <a:buFont typeface="Arial" pitchFamily="34" charset="0"/>
+              <a:buNone/>
+            </a:pPr>
+            <a:r>
+              <a:rPr lang="en-US" dirty="0" smtClean="0"/>
+              <a:t>ghost </a:t>
+            </a:r>
+          </a:p>
+          <a:p>
+            <a:pPr marL="0" indent="0">
+              <a:buFont typeface="Arial" pitchFamily="34" charset="0"/>
+              <a:buNone/>
+            </a:pPr>
+            <a:r>
+              <a:rPr lang="en-US" dirty="0" smtClean="0"/>
+              <a:t>variables,</a:t>
+            </a:r>
+          </a:p>
+          <a:p>
+            <a:pPr marL="0" indent="0">
+              <a:buFont typeface="Arial" pitchFamily="34" charset="0"/>
+              <a:buNone/>
+            </a:pPr>
+            <a:r>
+              <a:rPr lang="en-US" dirty="0"/>
+              <a:t>t</a:t>
+            </a:r>
+            <a:r>
+              <a:rPr lang="en-US" dirty="0" smtClean="0"/>
+              <a:t>ypes,</a:t>
+            </a:r>
+          </a:p>
+          <a:p>
+            <a:pPr marL="0" indent="0">
+              <a:buFont typeface="Arial" pitchFamily="34" charset="0"/>
+              <a:buNone/>
+            </a:pPr>
+            <a:r>
+              <a:rPr lang="en-US" dirty="0" smtClean="0"/>
+              <a:t>procedures</a:t>
+            </a:r>
+            <a:endParaRPr lang="en-US" dirty="0"/>
+          </a:p>
+        </p:txBody>
+      </p:sp>
+      <p:sp>
+        <p:nvSpPr>
+          <p:cNvPr id="17" name="Content Placeholder 2"/>
+          <p:cNvSpPr txBox="1">
+            <a:spLocks/>
+          </p:cNvSpPr>
+          <p:nvPr/>
+        </p:nvSpPr>
+        <p:spPr>
+          <a:xfrm>
+            <a:off x="3200400" y="4568844"/>
+            <a:ext cx="5971674" cy="1146156"/>
+          </a:xfrm>
+          <a:prstGeom prst="rect">
+            <a:avLst/>
+          </a:prstGeom>
+        </p:spPr>
+        <p:txBody>
+          <a:bodyPr vert="horz" lIns="91440" tIns="45720" rIns="91440" bIns="45720" rtlCol="0">
+            <a:noAutofit/>
+          </a:bodyPr>
+          <a:lstStyle>
+            <a:lvl1pPr marL="342900" indent="-342900" algn="l" defTabSz="914400" rtl="0" eaLnBrk="1" latinLnBrk="0" hangingPunct="1">
+              <a:spcBef>
+                <a:spcPct val="20000"/>
+              </a:spcBef>
+              <a:buFont typeface="Arial" pitchFamily="34" charset="0"/>
+              <a:buChar char="•"/>
+              <a:defRPr sz="2000" kern="1200">
+                <a:solidFill>
+                  <a:schemeClr val="tx1"/>
+                </a:solidFill>
+                <a:latin typeface="Helvetica"/>
+                <a:ea typeface="+mn-ea"/>
+                <a:cs typeface="Helvetica"/>
+              </a:defRPr>
+            </a:lvl1pPr>
+            <a:lvl2pPr marL="742950" indent="-285750" algn="l" defTabSz="914400" rtl="0" eaLnBrk="1" latinLnBrk="0" hangingPunct="1">
+              <a:spcBef>
+                <a:spcPct val="20000"/>
+              </a:spcBef>
+              <a:buFont typeface="Arial" pitchFamily="34" charset="0"/>
+              <a:buChar char="–"/>
+              <a:defRPr sz="2000" kern="1200">
+                <a:solidFill>
+                  <a:schemeClr val="tx1"/>
+                </a:solidFill>
+                <a:latin typeface="Helvetica"/>
+                <a:ea typeface="+mn-ea"/>
+                <a:cs typeface="Helvetica"/>
+              </a:defRPr>
+            </a:lvl2pPr>
+            <a:lvl3pPr marL="1143000" indent="-228600" algn="l" defTabSz="914400" rtl="0" eaLnBrk="1" latinLnBrk="0" hangingPunct="1">
+              <a:spcBef>
+                <a:spcPct val="20000"/>
+              </a:spcBef>
+              <a:buFont typeface="Arial" pitchFamily="34" charset="0"/>
+              <a:buChar char="•"/>
+              <a:defRPr sz="2000" kern="1200">
+                <a:solidFill>
+                  <a:schemeClr val="tx1"/>
+                </a:solidFill>
+                <a:latin typeface="Helvetica"/>
+                <a:ea typeface="+mn-ea"/>
+                <a:cs typeface="Helvetica"/>
+              </a:defRPr>
+            </a:lvl3pPr>
+            <a:lvl4pPr marL="1600200" indent="-228600" algn="l" defTabSz="914400" rtl="0" eaLnBrk="1" latinLnBrk="0" hangingPunct="1">
+              <a:spcBef>
+                <a:spcPct val="20000"/>
+              </a:spcBef>
+              <a:buFont typeface="Arial" pitchFamily="34" charset="0"/>
+              <a:buChar char="–"/>
+              <a:defRPr sz="2000" kern="1200">
+                <a:solidFill>
+                  <a:schemeClr val="tx1"/>
+                </a:solidFill>
+                <a:latin typeface="Helvetica"/>
+                <a:ea typeface="+mn-ea"/>
+                <a:cs typeface="Helvetica"/>
+              </a:defRPr>
+            </a:lvl4pPr>
+            <a:lvl5pPr marL="2057400" indent="-228600" algn="l" defTabSz="914400" rtl="0" eaLnBrk="1" latinLnBrk="0" hangingPunct="1">
+              <a:spcBef>
+                <a:spcPct val="20000"/>
+              </a:spcBef>
+              <a:buFont typeface="Arial" pitchFamily="34" charset="0"/>
+              <a:buChar char="»"/>
+              <a:defRPr sz="2000" kern="1200">
+                <a:solidFill>
+                  <a:schemeClr val="tx1"/>
+                </a:solidFill>
+                <a:latin typeface="Helvetica"/>
+                <a:ea typeface="+mn-ea"/>
+                <a:cs typeface="Helvetica"/>
+              </a:defRPr>
+            </a:lvl5pPr>
+            <a:lvl6pPr marL="2514600" indent="-228600" algn="l" defTabSz="914400" rtl="0" eaLnBrk="1" latinLnBrk="0" hangingPunct="1">
+              <a:spcBef>
+                <a:spcPct val="20000"/>
+              </a:spcBef>
+              <a:buFont typeface="Arial" pitchFamily="34" charset="0"/>
+              <a:buChar char="•"/>
+              <a:defRPr sz="2000" kern="1200">
+                <a:solidFill>
+                  <a:schemeClr val="tx1"/>
+                </a:solidFill>
+                <a:latin typeface="+mn-lt"/>
+                <a:ea typeface="+mn-ea"/>
+                <a:cs typeface="+mn-cs"/>
+              </a:defRPr>
+            </a:lvl6pPr>
+            <a:lvl7pPr marL="2971800" indent="-228600" algn="l" defTabSz="914400" rtl="0" eaLnBrk="1" latinLnBrk="0" hangingPunct="1">
+              <a:spcBef>
+                <a:spcPct val="20000"/>
+              </a:spcBef>
+              <a:buFont typeface="Arial" pitchFamily="34" charset="0"/>
+              <a:buChar char="•"/>
+              <a:defRPr sz="2000" kern="1200">
+                <a:solidFill>
+                  <a:schemeClr val="tx1"/>
+                </a:solidFill>
+                <a:latin typeface="+mn-lt"/>
+                <a:ea typeface="+mn-ea"/>
+                <a:cs typeface="+mn-cs"/>
+              </a:defRPr>
+            </a:lvl7pPr>
+            <a:lvl8pPr marL="3429000" indent="-228600" algn="l" defTabSz="914400" rtl="0" eaLnBrk="1" latinLnBrk="0" hangingPunct="1">
+              <a:spcBef>
+                <a:spcPct val="20000"/>
+              </a:spcBef>
+              <a:buFont typeface="Arial" pitchFamily="34" charset="0"/>
+              <a:buChar char="•"/>
+              <a:defRPr sz="2000" kern="1200">
+                <a:solidFill>
+                  <a:schemeClr val="tx1"/>
+                </a:solidFill>
+                <a:latin typeface="+mn-lt"/>
+                <a:ea typeface="+mn-ea"/>
+                <a:cs typeface="+mn-cs"/>
+              </a:defRPr>
+            </a:lvl8pPr>
+            <a:lvl9pPr marL="3886200" indent="-228600" algn="l" defTabSz="914400" rtl="0" eaLnBrk="1" latinLnBrk="0" hangingPunct="1">
+              <a:spcBef>
+                <a:spcPct val="20000"/>
+              </a:spcBef>
+              <a:buFont typeface="Arial" pitchFamily="34" charset="0"/>
+              <a:buChar char="•"/>
+              <a:defRPr sz="2000" kern="1200">
+                <a:solidFill>
+                  <a:schemeClr val="tx1"/>
+                </a:solidFill>
+                <a:latin typeface="+mn-lt"/>
+                <a:ea typeface="+mn-ea"/>
+                <a:cs typeface="+mn-cs"/>
+              </a:defRPr>
+            </a:lvl9pPr>
+          </a:lstStyle>
+          <a:p>
+            <a:pPr marL="0" indent="0">
+              <a:buFont typeface="Arial" pitchFamily="34" charset="0"/>
+              <a:buNone/>
+            </a:pPr>
+            <a:r>
+              <a:rPr lang="en-US" sz="4400" b="1" dirty="0">
+                <a:solidFill>
+                  <a:srgbClr val="2D72AD"/>
+                </a:solidFill>
+              </a:rPr>
+              <a:t>u</a:t>
+            </a:r>
+            <a:r>
+              <a:rPr lang="en-US" sz="4400" b="1" dirty="0" smtClean="0">
+                <a:solidFill>
+                  <a:srgbClr val="2D72AD"/>
+                </a:solidFill>
+              </a:rPr>
+              <a:t>sed in formal + test</a:t>
+            </a:r>
+            <a:endParaRPr lang="en-US" sz="4400" dirty="0"/>
+          </a:p>
+        </p:txBody>
+      </p:sp>
+    </p:spTree>
+    <p:extLst>
+      <p:ext uri="{BB962C8B-B14F-4D97-AF65-F5344CB8AC3E}">
+        <p14:creationId xmlns:p14="http://schemas.microsoft.com/office/powerpoint/2010/main" val="3180114779"/>
+      </p:ext>
+    </p:extLst>
+  </p:cSld>
+  <p:clrMapOvr>
+    <a:masterClrMapping/>
+  </p:clrMapOvr>
+  <p:transition xmlns:p14="http://schemas.microsoft.com/office/powerpoint/2010/main" spd="slow">
+    <p:wipe dir="r"/>
+  </p:transition>
+  <p:timing>
+    <p:tnLst>
+      <p:par>
+        <p:cTn xmlns:p14="http://schemas.microsoft.com/office/powerpoint/2010/main" id="1" dur="indefinite" restart="never" nodeType="tmRoot"/>
+      </p:par>
+    </p:tnLst>
+  </p:timing>
+</p:sld>
+</file>
+
+<file path=ppt/slides/slide18.xml><?xml version="1.0" encoding="utf-8"?>
+<p:sld xmlns:a="http://schemas.openxmlformats.org/drawingml/2006/main" xmlns:r="http://schemas.openxmlformats.org/officeDocument/2006/relationships" xmlns:p="http://schemas.openxmlformats.org/presentationml/2006/main">
+  <p:cSld>
+    <p:spTree>
+      <p:nvGrpSpPr>
+        <p:cNvPr id="1" name=""/>
+        <p:cNvGrpSpPr/>
+        <p:nvPr/>
+      </p:nvGrpSpPr>
+      <p:grpSpPr>
+        <a:xfrm>
+          <a:off x="0" y="0"/>
+          <a:ext cx="0" cy="0"/>
+          <a:chOff x="0" y="0"/>
+          <a:chExt cx="0" cy="0"/>
+        </a:xfrm>
+      </p:grpSpPr>
+      <p:sp>
+        <p:nvSpPr>
+          <p:cNvPr id="2" name="Title 1"/>
+          <p:cNvSpPr>
+            <a:spLocks noGrp="1"/>
+          </p:cNvSpPr>
+          <p:nvPr>
+            <p:ph type="title"/>
+          </p:nvPr>
+        </p:nvSpPr>
+        <p:spPr/>
+        <p:txBody>
+          <a:bodyPr>
+            <a:normAutofit/>
+          </a:bodyPr>
+          <a:lstStyle/>
+          <a:p>
+            <a:r>
+              <a:rPr lang="en-US" dirty="0" smtClean="0"/>
+              <a:t>Support for Ghost Code</a:t>
+            </a:r>
+            <a:endParaRPr lang="en-US" dirty="0"/>
+          </a:p>
+        </p:txBody>
+      </p:sp>
+      <p:sp>
+        <p:nvSpPr>
+          <p:cNvPr id="4" name="Rectangle à coins arrondis 3"/>
+          <p:cNvSpPr/>
+          <p:nvPr/>
+        </p:nvSpPr>
+        <p:spPr>
+          <a:xfrm>
+            <a:off x="2971800" y="3162300"/>
+            <a:ext cx="1371600" cy="990600"/>
+          </a:xfrm>
+          <a:prstGeom prst="roundRect">
+            <a:avLst/>
+          </a:prstGeom>
+        </p:spPr>
+        <p:style>
+          <a:lnRef idx="1">
+            <a:schemeClr val="accent1"/>
+          </a:lnRef>
+          <a:fillRef idx="3">
+            <a:schemeClr val="accent1"/>
+          </a:fillRef>
+          <a:effectRef idx="2">
+            <a:schemeClr val="accent1"/>
+          </a:effectRef>
+          <a:fontRef idx="minor">
+            <a:schemeClr val="lt1"/>
+          </a:fontRef>
+        </p:style>
+        <p:txBody>
+          <a:bodyPr rtlCol="0" anchor="ctr"/>
+          <a:lstStyle/>
+          <a:p>
+            <a:pPr algn="ctr"/>
+            <a:endParaRPr lang="fr-FR" sz="2400" baseline="30000" dirty="0" smtClean="0">
+              <a:solidFill>
+                <a:schemeClr val="bg1"/>
+              </a:solidFill>
+              <a:latin typeface="Helvetica"/>
+              <a:cs typeface="Helvetica"/>
+            </a:endParaRPr>
+          </a:p>
+          <a:p>
+            <a:pPr algn="ctr"/>
+            <a:r>
+              <a:rPr lang="fr-FR" sz="5400" baseline="30000" dirty="0" smtClean="0">
+                <a:solidFill>
+                  <a:schemeClr val="bg1"/>
+                </a:solidFill>
+                <a:latin typeface="Helvetica"/>
+                <a:cs typeface="Helvetica"/>
+              </a:rPr>
+              <a:t>code</a:t>
+            </a:r>
+            <a:endParaRPr lang="fr-FR" sz="5400" baseline="30000" dirty="0">
+              <a:solidFill>
+                <a:schemeClr val="bg1"/>
+              </a:solidFill>
+              <a:latin typeface="Helvetica"/>
+              <a:cs typeface="Helvetica"/>
+            </a:endParaRPr>
+          </a:p>
+        </p:txBody>
+      </p:sp>
+      <p:sp>
+        <p:nvSpPr>
+          <p:cNvPr id="5" name="Rectangle à coins arrondis 4"/>
+          <p:cNvSpPr/>
+          <p:nvPr/>
+        </p:nvSpPr>
+        <p:spPr>
+          <a:xfrm>
+            <a:off x="2590800" y="1714500"/>
+            <a:ext cx="2209800" cy="990600"/>
+          </a:xfrm>
+          <a:prstGeom prst="roundRect">
+            <a:avLst/>
+          </a:prstGeom>
           <a:solidFill>
             <a:srgbClr val="2D72AD">
               <a:alpha val="30000"/>
@@ -9133,9 +9375,18 @@
   <p:clrMapOvr>
     <a:masterClrMapping/>
   </p:clrMapOvr>
-  <p:transition xmlns:p14="http://schemas.microsoft.com/office/powerpoint/2010/main" spd="slow">
-    <p:wipe dir="d"/>
-  </p:transition>
+  <mc:AlternateContent xmlns:mc="http://schemas.openxmlformats.org/markup-compatibility/2006">
+    <mc:Choice xmlns:p14="http://schemas.microsoft.com/office/powerpoint/2010/main" Requires="p14">
+      <p:transition spd="med" p14:dur="700">
+        <p:fade/>
+      </p:transition>
+    </mc:Choice>
+    <mc:Fallback>
+      <p:transition xmlns:p14="http://schemas.microsoft.com/office/powerpoint/2010/main" spd="med">
+        <p:fade/>
+      </p:transition>
+    </mc:Fallback>
+  </mc:AlternateContent>
   <p:timing>
     <p:tnLst>
       <p:par>
@@ -9146,7 +9397,7 @@
 </p:sld>
 </file>
 
-<file path=ppt/slides/slide18.xml><?xml version="1.0" encoding="utf-8"?>
+<file path=ppt/slides/slide19.xml><?xml version="1.0" encoding="utf-8"?>
 <p:sld xmlns:a="http://schemas.openxmlformats.org/drawingml/2006/main" xmlns:r="http://schemas.openxmlformats.org/officeDocument/2006/relationships" xmlns:p="http://schemas.openxmlformats.org/presentationml/2006/main">
   <p:cSld>
     <p:spTree>
@@ -9249,7 +9500,131 @@
 </p:sld>
 </file>
 
-<file path=ppt/slides/slide19.xml><?xml version="1.0" encoding="utf-8"?>
+<file path=ppt/slides/slide2.xml><?xml version="1.0" encoding="utf-8"?>
+<p:sld xmlns:a="http://schemas.openxmlformats.org/drawingml/2006/main" xmlns:r="http://schemas.openxmlformats.org/officeDocument/2006/relationships" xmlns:p="http://schemas.openxmlformats.org/presentationml/2006/main">
+  <p:cSld>
+    <p:spTree>
+      <p:nvGrpSpPr>
+        <p:cNvPr id="1" name=""/>
+        <p:cNvGrpSpPr/>
+        <p:nvPr/>
+      </p:nvGrpSpPr>
+      <p:grpSpPr>
+        <a:xfrm>
+          <a:off x="0" y="0"/>
+          <a:ext cx="0" cy="0"/>
+          <a:chOff x="0" y="0"/>
+          <a:chExt cx="0" cy="0"/>
+        </a:xfrm>
+      </p:grpSpPr>
+      <p:sp>
+        <p:nvSpPr>
+          <p:cNvPr id="2" name="Title 1"/>
+          <p:cNvSpPr>
+            <a:spLocks noGrp="1"/>
+          </p:cNvSpPr>
+          <p:nvPr>
+            <p:ph type="ctrTitle"/>
+            <p:custDataLst>
+              <p:tags r:id="rId2"/>
+            </p:custDataLst>
+          </p:nvPr>
+        </p:nvSpPr>
+        <p:spPr/>
+        <p:txBody>
+          <a:bodyPr>
+            <a:normAutofit/>
+          </a:bodyPr>
+          <a:lstStyle/>
+          <a:p>
+            <a:r>
+              <a:rPr lang="en-US" dirty="0" smtClean="0"/>
+              <a:t>SPARK 2014 – Formal Verification Made Easy</a:t>
+            </a:r>
+            <a:endParaRPr lang="en-US" dirty="0"/>
+          </a:p>
+        </p:txBody>
+      </p:sp>
+      <p:sp>
+        <p:nvSpPr>
+          <p:cNvPr id="3" name="Subtitle 2"/>
+          <p:cNvSpPr>
+            <a:spLocks noGrp="1"/>
+          </p:cNvSpPr>
+          <p:nvPr>
+            <p:ph type="subTitle" idx="1"/>
+            <p:custDataLst>
+              <p:tags r:id="rId3"/>
+            </p:custDataLst>
+          </p:nvPr>
+        </p:nvSpPr>
+        <p:spPr/>
+        <p:txBody>
+          <a:bodyPr>
+            <a:normAutofit fontScale="92500" lnSpcReduction="10000"/>
+          </a:bodyPr>
+          <a:lstStyle/>
+          <a:p>
+            <a:r>
+              <a:rPr lang="en-US" sz="2400" dirty="0" err="1" smtClean="0">
+                <a:latin typeface="+mn-lt"/>
+              </a:rPr>
+              <a:t>Yannick</a:t>
+            </a:r>
+            <a:r>
+              <a:rPr lang="en-US" sz="2400" dirty="0" smtClean="0">
+                <a:latin typeface="+mn-lt"/>
+              </a:rPr>
+              <a:t> Moy</a:t>
+            </a:r>
+          </a:p>
+          <a:p>
+            <a:r>
+              <a:rPr lang="en-US" sz="2400" dirty="0" smtClean="0">
+                <a:latin typeface="+mn-lt"/>
+              </a:rPr>
+              <a:t>October 1</a:t>
+            </a:r>
+            <a:r>
+              <a:rPr lang="en-US" sz="2400" baseline="30000" dirty="0" smtClean="0">
+                <a:latin typeface="+mn-lt"/>
+              </a:rPr>
+              <a:t>st</a:t>
+            </a:r>
+            <a:r>
+              <a:rPr lang="en-US" sz="2400" dirty="0" smtClean="0">
+                <a:latin typeface="+mn-lt"/>
+              </a:rPr>
+              <a:t> 2015</a:t>
+            </a:r>
+            <a:endParaRPr lang="en-US" sz="2400" dirty="0">
+              <a:latin typeface="+mn-lt"/>
+            </a:endParaRPr>
+          </a:p>
+        </p:txBody>
+      </p:sp>
+    </p:spTree>
+    <p:custDataLst>
+      <p:tags r:id="rId1"/>
+    </p:custDataLst>
+  </p:cSld>
+  <p:clrMapOvr>
+    <a:masterClrMapping/>
+  </p:clrMapOvr>
+  <p:transition xmlns:p14="http://schemas.microsoft.com/office/powerpoint/2010/main" spd="slow">
+    <p:fade/>
+  </p:transition>
+  <p:timing>
+    <p:tnLst>
+      <p:par>
+        <p:cTn xmlns:p14="http://schemas.microsoft.com/office/powerpoint/2010/main" id="1" dur="indefinite" restart="never" nodeType="tmRoot"/>
+      </p:par>
+    </p:tnLst>
+  </p:timing>
+</p:sld>
+</file>
+
+<file path=ppt/slides/slide20.xml><?xml version="1.0" encoding="utf-8"?>
 <p:sld xmlns:a="http://schemas.openxmlformats.org/drawingml/2006/main" xmlns:r="http://schemas.openxmlformats.org/officeDocument/2006/relationships" xmlns:p="http://schemas.openxmlformats.org/presentationml/2006/main">
   <p:cSld>
     <p:spTree>
@@ -9374,9 +9749,18 @@
   <p:clrMapOvr>
     <a:masterClrMapping/>
   </p:clrMapOvr>
-  <p:transition xmlns:p14="http://schemas.microsoft.com/office/powerpoint/2010/main" spd="slow">
-    <p:wipe dir="d"/>
-  </p:transition>
+  <mc:AlternateContent xmlns:mc="http://schemas.openxmlformats.org/markup-compatibility/2006">
+    <mc:Choice xmlns:p14="http://schemas.microsoft.com/office/powerpoint/2010/main" Requires="p14">
+      <p:transition spd="med" p14:dur="700">
+        <p:fade/>
+      </p:transition>
+    </mc:Choice>
+    <mc:Fallback>
+      <p:transition xmlns:p14="http://schemas.microsoft.com/office/powerpoint/2010/main" spd="med">
+        <p:fade/>
+      </p:transition>
+    </mc:Fallback>
+  </mc:AlternateContent>
   <p:timing>
     <p:tnLst>
       <p:par>
@@ -9387,131 +9771,7 @@
 </p:sld>
 </file>
 
-<file path=ppt/slides/slide2.xml><?xml version="1.0" encoding="utf-8"?>
-<p:sld xmlns:a="http://schemas.openxmlformats.org/drawingml/2006/main" xmlns:r="http://schemas.openxmlformats.org/officeDocument/2006/relationships" xmlns:p="http://schemas.openxmlformats.org/presentationml/2006/main">
-  <p:cSld>
-    <p:spTree>
-      <p:nvGrpSpPr>
-        <p:cNvPr id="1" name=""/>
-        <p:cNvGrpSpPr/>
-        <p:nvPr/>
-      </p:nvGrpSpPr>
-      <p:grpSpPr>
-        <a:xfrm>
-          <a:off x="0" y="0"/>
-          <a:ext cx="0" cy="0"/>
-          <a:chOff x="0" y="0"/>
-          <a:chExt cx="0" cy="0"/>
-        </a:xfrm>
-      </p:grpSpPr>
-      <p:sp>
-        <p:nvSpPr>
-          <p:cNvPr id="2" name="Title 1"/>
-          <p:cNvSpPr>
-            <a:spLocks noGrp="1"/>
-          </p:cNvSpPr>
-          <p:nvPr>
-            <p:ph type="ctrTitle"/>
-            <p:custDataLst>
-              <p:tags r:id="rId2"/>
-            </p:custDataLst>
-          </p:nvPr>
-        </p:nvSpPr>
-        <p:spPr/>
-        <p:txBody>
-          <a:bodyPr>
-            <a:normAutofit/>
-          </a:bodyPr>
-          <a:lstStyle/>
-          <a:p>
-            <a:r>
-              <a:rPr lang="en-US" dirty="0" smtClean="0"/>
-              <a:t>SPARK 2014 – Formal Verification Made Easy</a:t>
-            </a:r>
-            <a:endParaRPr lang="en-US" dirty="0"/>
-          </a:p>
-        </p:txBody>
-      </p:sp>
-      <p:sp>
-        <p:nvSpPr>
-          <p:cNvPr id="3" name="Subtitle 2"/>
-          <p:cNvSpPr>
-            <a:spLocks noGrp="1"/>
-          </p:cNvSpPr>
-          <p:nvPr>
-            <p:ph type="subTitle" idx="1"/>
-            <p:custDataLst>
-              <p:tags r:id="rId3"/>
-            </p:custDataLst>
-          </p:nvPr>
-        </p:nvSpPr>
-        <p:spPr/>
-        <p:txBody>
-          <a:bodyPr>
-            <a:normAutofit fontScale="92500" lnSpcReduction="10000"/>
-          </a:bodyPr>
-          <a:lstStyle/>
-          <a:p>
-            <a:r>
-              <a:rPr lang="en-US" sz="2400" dirty="0" err="1" smtClean="0">
-                <a:latin typeface="+mn-lt"/>
-              </a:rPr>
-              <a:t>Yannick</a:t>
-            </a:r>
-            <a:r>
-              <a:rPr lang="en-US" sz="2400" dirty="0" smtClean="0">
-                <a:latin typeface="+mn-lt"/>
-              </a:rPr>
-              <a:t> Moy</a:t>
-            </a:r>
-          </a:p>
-          <a:p>
-            <a:r>
-              <a:rPr lang="en-US" sz="2400" dirty="0" smtClean="0">
-                <a:latin typeface="+mn-lt"/>
-              </a:rPr>
-              <a:t>October 1</a:t>
-            </a:r>
-            <a:r>
-              <a:rPr lang="en-US" sz="2400" baseline="30000" dirty="0" smtClean="0">
-                <a:latin typeface="+mn-lt"/>
-              </a:rPr>
-              <a:t>st</a:t>
-            </a:r>
-            <a:r>
-              <a:rPr lang="en-US" sz="2400" dirty="0" smtClean="0">
-                <a:latin typeface="+mn-lt"/>
-              </a:rPr>
-              <a:t> 2015</a:t>
-            </a:r>
-            <a:endParaRPr lang="en-US" sz="2400" dirty="0">
-              <a:latin typeface="+mn-lt"/>
-            </a:endParaRPr>
-          </a:p>
-        </p:txBody>
-      </p:sp>
-    </p:spTree>
-    <p:custDataLst>
-      <p:tags r:id="rId1"/>
-    </p:custDataLst>
-  </p:cSld>
-  <p:clrMapOvr>
-    <a:masterClrMapping/>
-  </p:clrMapOvr>
-  <p:transition xmlns:p14="http://schemas.microsoft.com/office/powerpoint/2010/main" spd="slow">
-    <p:fade/>
-  </p:transition>
-  <p:timing>
-    <p:tnLst>
-      <p:par>
-        <p:cTn xmlns:p14="http://schemas.microsoft.com/office/powerpoint/2010/main" id="1" dur="indefinite" restart="never" nodeType="tmRoot"/>
-      </p:par>
-    </p:tnLst>
-  </p:timing>
-</p:sld>
-</file>
-
-<file path=ppt/slides/slide20.xml><?xml version="1.0" encoding="utf-8"?>
+<file path=ppt/slides/slide21.xml><?xml version="1.0" encoding="utf-8"?>
 <p:sld xmlns:a="http://schemas.openxmlformats.org/drawingml/2006/main" xmlns:r="http://schemas.openxmlformats.org/officeDocument/2006/relationships" xmlns:p="http://schemas.openxmlformats.org/presentationml/2006/main">
   <p:cSld>
     <p:spTree>
@@ -9666,9 +9926,18 @@
   <p:clrMapOvr>
     <a:masterClrMapping/>
   </p:clrMapOvr>
-  <p:transition xmlns:p14="http://schemas.microsoft.com/office/powerpoint/2010/main" spd="slow">
-    <p:wipe dir="d"/>
-  </p:transition>
+  <mc:AlternateContent xmlns:mc="http://schemas.openxmlformats.org/markup-compatibility/2006">
+    <mc:Choice xmlns:p14="http://schemas.microsoft.com/office/powerpoint/2010/main" Requires="p14">
+      <p:transition spd="med" p14:dur="700">
+        <p:fade/>
+      </p:transition>
+    </mc:Choice>
+    <mc:Fallback>
+      <p:transition xmlns:p14="http://schemas.microsoft.com/office/powerpoint/2010/main" spd="med">
+        <p:fade/>
+      </p:transition>
+    </mc:Fallback>
+  </mc:AlternateContent>
   <p:timing>
     <p:tnLst>
       <p:par>
@@ -9679,7 +9948,7 @@
 </p:sld>
 </file>
 
-<file path=ppt/slides/slide21.xml><?xml version="1.0" encoding="utf-8"?>
+<file path=ppt/slides/slide22.xml><?xml version="1.0" encoding="utf-8"?>
 <p:sld xmlns:a="http://schemas.openxmlformats.org/drawingml/2006/main" xmlns:r="http://schemas.openxmlformats.org/officeDocument/2006/relationships" xmlns:p="http://schemas.openxmlformats.org/presentationml/2006/main">
   <p:cSld>
     <p:spTree>
@@ -9825,9 +10094,18 @@
   <p:clrMapOvr>
     <a:masterClrMapping/>
   </p:clrMapOvr>
-  <p:transition xmlns:p14="http://schemas.microsoft.com/office/powerpoint/2010/main" spd="slow">
-    <p:wipe dir="d"/>
-  </p:transition>
+  <mc:AlternateContent xmlns:mc="http://schemas.openxmlformats.org/markup-compatibility/2006">
+    <mc:Choice xmlns:p14="http://schemas.microsoft.com/office/powerpoint/2010/main" Requires="p14">
+      <p:transition spd="med" p14:dur="700">
+        <p:fade/>
+      </p:transition>
+    </mc:Choice>
+    <mc:Fallback>
+      <p:transition xmlns:p14="http://schemas.microsoft.com/office/powerpoint/2010/main" spd="med">
+        <p:fade/>
+      </p:transition>
+    </mc:Fallback>
+  </mc:AlternateContent>
   <p:timing>
     <p:tnLst>
       <p:par>
@@ -9838,7 +10116,7 @@
 </p:sld>
 </file>
 
-<file path=ppt/slides/slide22.xml><?xml version="1.0" encoding="utf-8"?>
+<file path=ppt/slides/slide23.xml><?xml version="1.0" encoding="utf-8"?>
 <p:sld xmlns:a="http://schemas.openxmlformats.org/drawingml/2006/main" xmlns:r="http://schemas.openxmlformats.org/officeDocument/2006/relationships" xmlns:p="http://schemas.openxmlformats.org/presentationml/2006/main">
   <p:cSld>
     <p:spTree>
@@ -10014,9 +10292,18 @@
   <p:clrMapOvr>
     <a:masterClrMapping/>
   </p:clrMapOvr>
-  <p:transition xmlns:p14="http://schemas.microsoft.com/office/powerpoint/2010/main" spd="slow">
-    <p:wipe dir="d"/>
-  </p:transition>
+  <mc:AlternateContent xmlns:mc="http://schemas.openxmlformats.org/markup-compatibility/2006">
+    <mc:Choice xmlns:p14="http://schemas.microsoft.com/office/powerpoint/2010/main" Requires="p14">
+      <p:transition spd="med" p14:dur="700">
+        <p:fade/>
+      </p:transition>
+    </mc:Choice>
+    <mc:Fallback>
+      <p:transition xmlns:p14="http://schemas.microsoft.com/office/powerpoint/2010/main" spd="med">
+        <p:fade/>
+      </p:transition>
+    </mc:Fallback>
+  </mc:AlternateContent>
   <p:timing>
     <p:tnLst>
       <p:par>
@@ -10027,7 +10314,7 @@
 </p:sld>
 </file>
 
-<file path=ppt/slides/slide23.xml><?xml version="1.0" encoding="utf-8"?>
+<file path=ppt/slides/slide24.xml><?xml version="1.0" encoding="utf-8"?>
 <p:sld xmlns:a="http://schemas.openxmlformats.org/drawingml/2006/main" xmlns:r="http://schemas.openxmlformats.org/officeDocument/2006/relationships" xmlns:p="http://schemas.openxmlformats.org/presentationml/2006/main">
   <p:cSld>
     <p:spTree>
@@ -10230,7 +10517,7 @@
 </p:sld>
 </file>
 
-<file path=ppt/slides/slide24.xml><?xml version="1.0" encoding="utf-8"?>
+<file path=ppt/slides/slide25.xml><?xml version="1.0" encoding="utf-8"?>
 <p:sld xmlns:a="http://schemas.openxmlformats.org/drawingml/2006/main" xmlns:r="http://schemas.openxmlformats.org/officeDocument/2006/relationships" xmlns:p="http://schemas.openxmlformats.org/presentationml/2006/main">
   <p:cSld>
     <p:spTree>
@@ -10857,121 +11144,6 @@
                       </p:childTnLst>
                     </p:cTn>
                   </p:par>
-                  <p:par>
-                    <p:cTn id="31" fill="hold">
-                      <p:stCondLst>
-                        <p:cond delay="indefinite"/>
-                      </p:stCondLst>
-                      <p:childTnLst>
-                        <p:par>
-                          <p:cTn id="32" fill="hold">
-                            <p:stCondLst>
-                              <p:cond delay="0"/>
-                            </p:stCondLst>
-                            <p:childTnLst>
-                              <p:par>
-                                <p:cTn id="33" presetID="42" presetClass="entr" presetSubtype="0" fill="hold" grpId="0" nodeType="clickEffect">
-                                  <p:stCondLst>
-                                    <p:cond delay="0"/>
-                                  </p:stCondLst>
-                                  <p:childTnLst>
-                                    <p:set>
-                                      <p:cBhvr>
-                                        <p:cTn id="34" dur="1" fill="hold">
-                                          <p:stCondLst>
-                                            <p:cond delay="0"/>
-                                          </p:stCondLst>
-                                        </p:cTn>
-                                        <p:tgtEl>
-                                          <p:spTgt spid="3">
-                                            <p:txEl>
-                                              <p:pRg st="7" end="7"/>
-                                            </p:txEl>
-                                          </p:spTgt>
-                                        </p:tgtEl>
-                                        <p:attrNameLst>
-                                          <p:attrName>style.visibility</p:attrName>
-                                        </p:attrNameLst>
-                                      </p:cBhvr>
-                                      <p:to>
-                                        <p:strVal val="visible"/>
-                                      </p:to>
-                                    </p:set>
-                                    <p:animEffect transition="in" filter="fade">
-                                      <p:cBhvr>
-                                        <p:cTn id="35" dur="1000"/>
-                                        <p:tgtEl>
-                                          <p:spTgt spid="3">
-                                            <p:txEl>
-                                              <p:pRg st="7" end="7"/>
-                                            </p:txEl>
-                                          </p:spTgt>
-                                        </p:tgtEl>
-                                      </p:cBhvr>
-                                    </p:animEffect>
-                                    <p:anim calcmode="lin" valueType="num">
-                                      <p:cBhvr>
-                                        <p:cTn id="36" dur="1000" fill="hold"/>
-                                        <p:tgtEl>
-                                          <p:spTgt spid="3">
-                                            <p:txEl>
-                                              <p:pRg st="7" end="7"/>
-                                            </p:txEl>
-                                          </p:spTgt>
-                                        </p:tgtEl>
-                                        <p:attrNameLst>
-                                          <p:attrName>ppt_x</p:attrName>
-                                        </p:attrNameLst>
-                                      </p:cBhvr>
-                                      <p:tavLst>
-                                        <p:tav tm="0">
-                                          <p:val>
-                                            <p:strVal val="#ppt_x"/>
-                                          </p:val>
-                                        </p:tav>
-                                        <p:tav tm="100000">
-                                          <p:val>
-                                            <p:strVal val="#ppt_x"/>
-                                          </p:val>
-                                        </p:tav>
-                                      </p:tavLst>
-                                    </p:anim>
-                                    <p:anim calcmode="lin" valueType="num">
-                                      <p:cBhvr>
-                                        <p:cTn id="37" dur="1000" fill="hold"/>
-                                        <p:tgtEl>
-                                          <p:spTgt spid="3">
-                                            <p:txEl>
-                                              <p:pRg st="7" end="7"/>
-                                            </p:txEl>
-                                          </p:spTgt>
-                                        </p:tgtEl>
-                                        <p:attrNameLst>
-                                          <p:attrName>ppt_y</p:attrName>
-                                        </p:attrNameLst>
-                                      </p:cBhvr>
-                                      <p:tavLst>
-                                        <p:tav tm="0">
-                                          <p:val>
-                                            <p:strVal val="#ppt_y+.1"/>
-                                          </p:val>
-                                        </p:tav>
-                                        <p:tav tm="100000">
-                                          <p:val>
-                                            <p:strVal val="#ppt_y"/>
-                                          </p:val>
-                                        </p:tav>
-                                      </p:tavLst>
-                                    </p:anim>
-                                  </p:childTnLst>
-                                </p:cTn>
-                              </p:par>
-                            </p:childTnLst>
-                          </p:cTn>
-                        </p:par>
-                      </p:childTnLst>
-                    </p:cTn>
-                  </p:par>
                 </p:childTnLst>
               </p:cTn>
               <p:prevCondLst>
@@ -11000,7 +11172,7 @@
 </p:sld>
 </file>
 
-<file path=ppt/slides/slide25.xml><?xml version="1.0" encoding="utf-8"?>
+<file path=ppt/slides/slide26.xml><?xml version="1.0" encoding="utf-8"?>
 <p:sld xmlns:a="http://schemas.openxmlformats.org/drawingml/2006/main" xmlns:r="http://schemas.openxmlformats.org/officeDocument/2006/relationships" xmlns:p="http://schemas.openxmlformats.org/presentationml/2006/main">
   <p:cSld>
     <p:spTree>
@@ -11632,7 +11804,19 @@
             </a:r>
             <a:r>
               <a:rPr lang="en-US" dirty="0" smtClean="0"/>
-              <a:t> navigation in C</a:t>
+              <a:t> </a:t>
+            </a:r>
+            <a:r>
+              <a:rPr lang="en-US" dirty="0" smtClean="0"/>
+              <a:t>stabilization</a:t>
+            </a:r>
+            <a:r>
+              <a:rPr lang="en-US" dirty="0" smtClean="0"/>
+              <a:t> </a:t>
+            </a:r>
+            <a:r>
+              <a:rPr lang="en-US" dirty="0" smtClean="0"/>
+              <a:t>in C</a:t>
             </a:r>
           </a:p>
           <a:p>
@@ -11819,7 +12003,15 @@
             </a:r>
             <a:r>
               <a:rPr lang="en-US" dirty="0" smtClean="0"/>
-              <a:t> navigation in C</a:t>
+              <a:t> </a:t>
+            </a:r>
+            <a:r>
+              <a:rPr lang="en-US" dirty="0" smtClean="0"/>
+              <a:t>stabilization in </a:t>
+            </a:r>
+            <a:r>
+              <a:rPr lang="en-US" dirty="0" smtClean="0"/>
+              <a:t>C</a:t>
             </a:r>
           </a:p>
           <a:p>
@@ -12081,7 +12273,15 @@
             </a:r>
             <a:r>
               <a:rPr lang="en-US" dirty="0" smtClean="0"/>
-              <a:t> navigation in SPARK</a:t>
+              <a:t> </a:t>
+            </a:r>
+            <a:r>
+              <a:rPr lang="en-US" dirty="0" smtClean="0"/>
+              <a:t>stabilization in </a:t>
+            </a:r>
+            <a:r>
+              <a:rPr lang="en-US" dirty="0" smtClean="0"/>
+              <a:t>SPARK</a:t>
             </a:r>
           </a:p>
           <a:p>
@@ -12318,7 +12518,7 @@
     <a:masterClrMapping/>
   </p:clrMapOvr>
   <p:transition xmlns:p14="http://schemas.microsoft.com/office/powerpoint/2010/main" spd="slow">
-    <p:wipe dir="d"/>
+    <p:wipe dir="r"/>
   </p:transition>
   <p:timing>
     <p:tnLst>
@@ -12640,7 +12840,15 @@
             </a:r>
             <a:r>
               <a:rPr lang="en-US" dirty="0" smtClean="0"/>
-              <a:t> navigation in SPARK</a:t>
+              <a:t> </a:t>
+            </a:r>
+            <a:r>
+              <a:rPr lang="en-US" dirty="0" smtClean="0"/>
+              <a:t>stabilization </a:t>
+            </a:r>
+            <a:r>
+              <a:rPr lang="en-US" dirty="0" smtClean="0"/>
+              <a:t>in SPARK</a:t>
             </a:r>
           </a:p>
           <a:p>
@@ -12689,15 +12897,7 @@
             </a:pPr>
             <a:r>
               <a:rPr lang="en-US" b="1" dirty="0" smtClean="0"/>
-              <a:t>no concurrency </a:t>
-            </a:r>
-            <a:r>
-              <a:rPr lang="en-US" b="1" dirty="0" smtClean="0"/>
-              <a:t>errors</a:t>
-            </a:r>
-            <a:r>
-              <a:rPr lang="en-US" b="1" dirty="0" smtClean="0"/>
-              <a:t>!</a:t>
+              <a:t>no concurrency errors!</a:t>
             </a:r>
           </a:p>
           <a:p>
@@ -12940,7 +13140,15 @@
             </a:r>
             <a:r>
               <a:rPr lang="en-US" dirty="0" smtClean="0"/>
-              <a:t> navigation in C</a:t>
+              <a:t> </a:t>
+            </a:r>
+            <a:r>
+              <a:rPr lang="en-US" dirty="0" smtClean="0"/>
+              <a:t>stabilization in </a:t>
+            </a:r>
+            <a:r>
+              <a:rPr lang="en-US" dirty="0" smtClean="0"/>
+              <a:t>C</a:t>
             </a:r>
           </a:p>
           <a:p>
@@ -13277,11 +13485,7 @@
             </a:r>
             <a:r>
               <a:rPr lang="en-US" smtClean="0"/>
-              <a:t>, </a:t>
-            </a:r>
-            <a:r>
-              <a:rPr lang="en-US" smtClean="0"/>
-              <a:t>counterexamples</a:t>
+              <a:t>, counterexamples</a:t>
             </a:r>
             <a:r>
               <a:rPr lang="en-US" dirty="0" smtClean="0"/>
@@ -13350,7 +13554,11 @@
           <a:p>
             <a:r>
               <a:rPr lang="en-US" dirty="0" smtClean="0"/>
-              <a:t>Multiple Use Cases</a:t>
+              <a:t>Multiple Use </a:t>
+            </a:r>
+            <a:r>
+              <a:rPr lang="en-US" dirty="0" smtClean="0"/>
+              <a:t>Cases (1/2)</a:t>
             </a:r>
             <a:endParaRPr lang="en-US" dirty="0"/>
           </a:p>
@@ -13369,7 +13577,7 @@
         <p:spPr/>
         <p:txBody>
           <a:bodyPr>
-            <a:normAutofit fontScale="92500" lnSpcReduction="10000"/>
+            <a:normAutofit/>
           </a:bodyPr>
           <a:lstStyle/>
           <a:p>
@@ -13394,8 +13602,16 @@
             <a:pPr lvl="1"/>
             <a:r>
               <a:rPr lang="en-US" dirty="0" smtClean="0"/>
-              <a:t>Increases portability across compilers/platforms</a:t>
-            </a:r>
+              <a:t>Increases portability across compilers/</a:t>
+            </a:r>
+            <a:r>
+              <a:rPr lang="en-US" dirty="0" smtClean="0"/>
+              <a:t>platforms</a:t>
+            </a:r>
+          </a:p>
+          <a:p>
+            <a:pPr lvl="1"/>
+            <a:endParaRPr lang="en-US" dirty="0" smtClean="0"/>
           </a:p>
           <a:p>
             <a:pPr marL="457200" indent="-457200">
@@ -13412,7 +13628,15 @@
                   <a:srgbClr val="2D72AD"/>
                 </a:solidFill>
               </a:rPr>
-              <a:t>data and control coupling</a:t>
+              <a:t>data and control </a:t>
+            </a:r>
+            <a:r>
+              <a:rPr lang="en-US" b="1" dirty="0" smtClean="0">
+                <a:solidFill>
+                  <a:srgbClr val="2D72AD"/>
+                </a:solidFill>
+              </a:rPr>
+              <a:t>coupling</a:t>
             </a:r>
           </a:p>
           <a:p>
@@ -13420,51 +13644,11 @@
               <a:buFont typeface="+mj-lt"/>
               <a:buAutoNum type="arabicPeriod"/>
             </a:pPr>
-            <a:r>
-              <a:rPr lang="en-US" dirty="0" smtClean="0"/>
-              <a:t>Prove </a:t>
-            </a:r>
-            <a:r>
-              <a:rPr lang="en-US" b="1" dirty="0" smtClean="0">
-                <a:solidFill>
-                  <a:srgbClr val="2D72AD"/>
-                </a:solidFill>
-              </a:rPr>
-              <a:t>absence of run-time errors </a:t>
-            </a:r>
-            <a:r>
-              <a:rPr lang="en-US" dirty="0" smtClean="0"/>
-              <a:t>(</a:t>
-            </a:r>
-            <a:r>
-              <a:rPr lang="en-US" dirty="0" err="1" smtClean="0"/>
-              <a:t>AoRTE</a:t>
-            </a:r>
-            <a:r>
-              <a:rPr lang="en-US" dirty="0" smtClean="0"/>
-              <a:t>)</a:t>
-            </a:r>
-          </a:p>
-          <a:p>
-            <a:pPr lvl="1"/>
-            <a:r>
-              <a:rPr lang="en-US" dirty="0" smtClean="0"/>
-              <a:t>Few contracts required</a:t>
-            </a:r>
-          </a:p>
-          <a:p>
-            <a:pPr lvl="1"/>
-            <a:r>
-              <a:rPr lang="en-US" dirty="0" smtClean="0"/>
-              <a:t>Typically 95% - 98% of RTE proved</a:t>
-            </a:r>
-          </a:p>
-          <a:p>
-            <a:pPr lvl="1"/>
-            <a:r>
-              <a:rPr lang="en-US" dirty="0" smtClean="0"/>
-              <a:t>Proof can be completed by testing</a:t>
-            </a:r>
+            <a:endParaRPr lang="en-US" b="1" dirty="0" smtClean="0">
+              <a:solidFill>
+                <a:srgbClr val="2D72AD"/>
+              </a:solidFill>
+            </a:endParaRPr>
           </a:p>
           <a:p>
             <a:pPr marL="457200" indent="-457200">
@@ -13481,49 +13665,50 @@
                   <a:srgbClr val="2D72AD"/>
                 </a:solidFill>
               </a:rPr>
-              <a:t>correct integration </a:t>
-            </a:r>
-            <a:r>
-              <a:rPr lang="en-US" dirty="0" smtClean="0"/>
-              <a:t>between components</a:t>
+              <a:t>absence of run-time errors </a:t>
+            </a:r>
+            <a:r>
+              <a:rPr lang="en-US" dirty="0" smtClean="0"/>
+              <a:t>(</a:t>
+            </a:r>
+            <a:r>
+              <a:rPr lang="en-US" dirty="0" err="1" smtClean="0"/>
+              <a:t>AoRTE</a:t>
+            </a:r>
+            <a:r>
+              <a:rPr lang="en-US" dirty="0" smtClean="0"/>
+              <a:t>)</a:t>
             </a:r>
           </a:p>
           <a:p>
             <a:pPr lvl="1"/>
             <a:r>
               <a:rPr lang="en-US" dirty="0" smtClean="0"/>
-              <a:t>Simple contracts required</a:t>
-            </a:r>
-          </a:p>
-          <a:p>
-            <a:pPr marL="457200" indent="-457200">
-              <a:buFont typeface="+mj-lt"/>
-              <a:buAutoNum type="arabicPeriod"/>
-            </a:pPr>
-            <a:r>
-              <a:rPr lang="en-US" dirty="0" smtClean="0"/>
-              <a:t>Prove </a:t>
-            </a:r>
-            <a:r>
-              <a:rPr lang="en-US" b="1" dirty="0" smtClean="0">
-                <a:solidFill>
-                  <a:srgbClr val="2D72AD"/>
-                </a:solidFill>
-              </a:rPr>
-              <a:t>functional correctness </a:t>
-            </a:r>
-            <a:r>
-              <a:rPr lang="en-US" dirty="0" smtClean="0"/>
-              <a:t>(including input partitioning)</a:t>
+              <a:t>Few contracts required</a:t>
             </a:r>
           </a:p>
           <a:p>
             <a:pPr lvl="1"/>
             <a:r>
               <a:rPr lang="en-US" dirty="0" smtClean="0"/>
-              <a:t>More complex contracts required</a:t>
-            </a:r>
-            <a:endParaRPr lang="en-US" dirty="0"/>
+              <a:t>Typically 95% - 98% of RTE proved</a:t>
+            </a:r>
+          </a:p>
+          <a:p>
+            <a:pPr lvl="1"/>
+            <a:r>
+              <a:rPr lang="en-US" dirty="0" smtClean="0"/>
+              <a:t>Proof can be completed by </a:t>
+            </a:r>
+            <a:r>
+              <a:rPr lang="en-US" dirty="0" smtClean="0"/>
+              <a:t>testing</a:t>
+            </a:r>
+            <a:endParaRPr lang="en-US" b="1" dirty="0" smtClean="0">
+              <a:solidFill>
+                <a:srgbClr val="2D72AD"/>
+              </a:solidFill>
+            </a:endParaRPr>
           </a:p>
         </p:txBody>
       </p:sp>
@@ -13586,7 +13771,11 @@
           <a:p>
             <a:r>
               <a:rPr lang="en-US" dirty="0" smtClean="0"/>
-              <a:t>Multiple Use Cases</a:t>
+              <a:t>Multiple Use </a:t>
+            </a:r>
+            <a:r>
+              <a:rPr lang="en-US" dirty="0" smtClean="0"/>
+              <a:t>Cases (1/2)</a:t>
             </a:r>
             <a:endParaRPr lang="en-US" dirty="0"/>
           </a:p>
@@ -13605,7 +13794,7 @@
         <p:spPr/>
         <p:txBody>
           <a:bodyPr>
-            <a:normAutofit fontScale="92500" lnSpcReduction="10000"/>
+            <a:normAutofit/>
           </a:bodyPr>
           <a:lstStyle/>
           <a:p>
@@ -13630,8 +13819,16 @@
             <a:pPr lvl="1"/>
             <a:r>
               <a:rPr lang="en-US" dirty="0" smtClean="0"/>
-              <a:t>Increases portability across compilers/platforms</a:t>
-            </a:r>
+              <a:t>Increases portability across compilers/</a:t>
+            </a:r>
+            <a:r>
+              <a:rPr lang="en-US" dirty="0" smtClean="0"/>
+              <a:t>platforms</a:t>
+            </a:r>
+          </a:p>
+          <a:p>
+            <a:pPr lvl="1"/>
+            <a:endParaRPr lang="en-US" dirty="0" smtClean="0"/>
           </a:p>
           <a:p>
             <a:pPr marL="457200" indent="-457200">
@@ -13648,7 +13845,15 @@
                   <a:srgbClr val="2D72AD"/>
                 </a:solidFill>
               </a:rPr>
-              <a:t>data and control coupling</a:t>
+              <a:t>data and control </a:t>
+            </a:r>
+            <a:r>
+              <a:rPr lang="en-US" b="1" dirty="0" smtClean="0">
+                <a:solidFill>
+                  <a:srgbClr val="2D72AD"/>
+                </a:solidFill>
+              </a:rPr>
+              <a:t>coupling</a:t>
             </a:r>
           </a:p>
           <a:p>
@@ -13656,51 +13861,11 @@
               <a:buFont typeface="+mj-lt"/>
               <a:buAutoNum type="arabicPeriod"/>
             </a:pPr>
-            <a:r>
-              <a:rPr lang="en-US" dirty="0" smtClean="0"/>
-              <a:t>Prove </a:t>
-            </a:r>
-            <a:r>
-              <a:rPr lang="en-US" b="1" dirty="0" smtClean="0">
-                <a:solidFill>
-                  <a:srgbClr val="2D72AD"/>
-                </a:solidFill>
-              </a:rPr>
-              <a:t>absence of run-time errors </a:t>
-            </a:r>
-            <a:r>
-              <a:rPr lang="en-US" dirty="0" smtClean="0"/>
-              <a:t>(</a:t>
-            </a:r>
-            <a:r>
-              <a:rPr lang="en-US" dirty="0" err="1" smtClean="0"/>
-              <a:t>AoRTE</a:t>
-            </a:r>
-            <a:r>
-              <a:rPr lang="en-US" dirty="0" smtClean="0"/>
-              <a:t>)</a:t>
-            </a:r>
-          </a:p>
-          <a:p>
-            <a:pPr lvl="1"/>
-            <a:r>
-              <a:rPr lang="en-US" dirty="0" smtClean="0"/>
-              <a:t>Few contracts required</a:t>
-            </a:r>
-          </a:p>
-          <a:p>
-            <a:pPr lvl="1"/>
-            <a:r>
-              <a:rPr lang="en-US" dirty="0" smtClean="0"/>
-              <a:t>Typically 95% - 98% of RTE proved</a:t>
-            </a:r>
-          </a:p>
-          <a:p>
-            <a:pPr lvl="1"/>
-            <a:r>
-              <a:rPr lang="en-US" b="1" dirty="0" smtClean="0"/>
-              <a:t>Proof can be completed by testing</a:t>
-            </a:r>
+            <a:endParaRPr lang="en-US" b="1" dirty="0" smtClean="0">
+              <a:solidFill>
+                <a:srgbClr val="2D72AD"/>
+              </a:solidFill>
+            </a:endParaRPr>
           </a:p>
           <a:p>
             <a:pPr marL="457200" indent="-457200">
@@ -13717,65 +13882,75 @@
                   <a:srgbClr val="2D72AD"/>
                 </a:solidFill>
               </a:rPr>
-              <a:t>correct integration </a:t>
-            </a:r>
-            <a:r>
-              <a:rPr lang="en-US" dirty="0" smtClean="0"/>
-              <a:t>between components</a:t>
+              <a:t>absence of run-time errors </a:t>
+            </a:r>
+            <a:r>
+              <a:rPr lang="en-US" dirty="0" smtClean="0"/>
+              <a:t>(</a:t>
+            </a:r>
+            <a:r>
+              <a:rPr lang="en-US" dirty="0" err="1" smtClean="0"/>
+              <a:t>AoRTE</a:t>
+            </a:r>
+            <a:r>
+              <a:rPr lang="en-US" dirty="0" smtClean="0"/>
+              <a:t>)</a:t>
             </a:r>
           </a:p>
           <a:p>
             <a:pPr lvl="1"/>
             <a:r>
               <a:rPr lang="en-US" dirty="0" smtClean="0"/>
-              <a:t>Simple contracts required</a:t>
-            </a:r>
-          </a:p>
-          <a:p>
-            <a:pPr marL="457200" indent="-457200">
-              <a:buFont typeface="+mj-lt"/>
-              <a:buAutoNum type="arabicPeriod"/>
-            </a:pPr>
-            <a:r>
-              <a:rPr lang="en-US" dirty="0" smtClean="0"/>
-              <a:t>Prove </a:t>
-            </a:r>
-            <a:r>
-              <a:rPr lang="en-US" b="1" dirty="0" smtClean="0">
-                <a:solidFill>
-                  <a:srgbClr val="2D72AD"/>
-                </a:solidFill>
-              </a:rPr>
-              <a:t>functional correctness </a:t>
-            </a:r>
-            <a:r>
-              <a:rPr lang="en-US" dirty="0" smtClean="0"/>
-              <a:t>(including input partitioning)</a:t>
+              <a:t>Few contracts required</a:t>
             </a:r>
           </a:p>
           <a:p>
             <a:pPr lvl="1"/>
             <a:r>
               <a:rPr lang="en-US" dirty="0" smtClean="0"/>
-              <a:t>More complex contracts required</a:t>
-            </a:r>
-            <a:endParaRPr lang="en-US" dirty="0"/>
+              <a:t>Typically 95% - 98% of RTE proved</a:t>
+            </a:r>
+          </a:p>
+          <a:p>
+            <a:pPr lvl="1"/>
+            <a:r>
+              <a:rPr lang="en-US" b="1" dirty="0" smtClean="0"/>
+              <a:t>Proof can be completed by </a:t>
+            </a:r>
+            <a:r>
+              <a:rPr lang="en-US" b="1" dirty="0" smtClean="0"/>
+              <a:t>testing</a:t>
+            </a:r>
+            <a:endParaRPr lang="en-US" b="1" dirty="0" smtClean="0">
+              <a:solidFill>
+                <a:srgbClr val="2D72AD"/>
+              </a:solidFill>
+            </a:endParaRPr>
           </a:p>
         </p:txBody>
       </p:sp>
     </p:spTree>
     <p:extLst>
       <p:ext uri="{BB962C8B-B14F-4D97-AF65-F5344CB8AC3E}">
-        <p14:creationId xmlns:p14="http://schemas.microsoft.com/office/powerpoint/2010/main" val="2269882722"/>
+        <p14:creationId xmlns:p14="http://schemas.microsoft.com/office/powerpoint/2010/main" val="130732942"/>
       </p:ext>
     </p:extLst>
   </p:cSld>
   <p:clrMapOvr>
     <a:masterClrMapping/>
   </p:clrMapOvr>
-  <p:transition xmlns:p14="http://schemas.microsoft.com/office/powerpoint/2010/main" spd="slow">
-    <p:wipe dir="d"/>
-  </p:transition>
+  <mc:AlternateContent xmlns:mc="http://schemas.openxmlformats.org/markup-compatibility/2006">
+    <mc:Choice xmlns:p14="http://schemas.microsoft.com/office/powerpoint/2010/main" Requires="p14">
+      <p:transition spd="med" p14:dur="700">
+        <p:fade/>
+      </p:transition>
+    </mc:Choice>
+    <mc:Fallback>
+      <p:transition xmlns:p14="http://schemas.microsoft.com/office/powerpoint/2010/main" spd="med">
+        <p:fade/>
+      </p:transition>
+    </mc:Fallback>
+  </mc:AlternateContent>
   <p:timing>
     <p:tnLst>
       <p:par>

--- a/slides/AdaCore_Tech_Days_2015/AdaCore Tech Days SPARK 2014.pptx
+++ b/slides/AdaCore_Tech_Days_2015/AdaCore Tech Days SPARK 2014.pptx
@@ -277,7 +277,7 @@
             <a:fld id="{D83FDC75-7F73-4A4A-A77C-09AADF00E0EA}" type="datetimeFigureOut">
               <a:rPr lang="en-US" smtClean="0"/>
               <a:pPr/>
-              <a:t>02/09/15</a:t>
+              <a:t>04/09/15</a:t>
             </a:fld>
             <a:endParaRPr lang="en-US" dirty="0"/>
           </a:p>
@@ -444,7 +444,7 @@
             <a:fld id="{48AEF76B-3757-4A0B-AF93-28494465C1DD}" type="datetimeFigureOut">
               <a:rPr lang="en-US" smtClean="0"/>
               <a:pPr/>
-              <a:t>02/09/15</a:t>
+              <a:t>04/09/15</a:t>
             </a:fld>
             <a:endParaRPr lang="en-US" dirty="0"/>
           </a:p>
@@ -1490,7 +1490,7 @@
             <a:fld id="{757B281C-5159-4971-8228-52B9A72E9ED2}" type="datetimeFigureOut">
               <a:rPr lang="en-US" smtClean="0"/>
               <a:pPr/>
-              <a:t>02/09/15</a:t>
+              <a:t>04/09/15</a:t>
             </a:fld>
             <a:endParaRPr lang="en-US" dirty="0"/>
           </a:p>
@@ -1608,7 +1608,7 @@
             <a:fld id="{757B281C-5159-4971-8228-52B9A72E9ED2}" type="datetimeFigureOut">
               <a:rPr lang="en-US" smtClean="0"/>
               <a:pPr/>
-              <a:t>02/09/15</a:t>
+              <a:t>04/09/15</a:t>
             </a:fld>
             <a:endParaRPr lang="en-US" dirty="0"/>
           </a:p>
@@ -1710,7 +1710,7 @@
             <a:fld id="{757B281C-5159-4971-8228-52B9A72E9ED2}" type="datetimeFigureOut">
               <a:rPr lang="en-US" smtClean="0"/>
               <a:pPr/>
-              <a:t>02/09/15</a:t>
+              <a:t>04/09/15</a:t>
             </a:fld>
             <a:endParaRPr lang="en-US" dirty="0"/>
           </a:p>
@@ -1817,7 +1817,7 @@
             <a:fld id="{757B281C-5159-4971-8228-52B9A72E9ED2}" type="datetimeFigureOut">
               <a:rPr lang="en-US" smtClean="0"/>
               <a:pPr/>
-              <a:t>02/09/15</a:t>
+              <a:t>04/09/15</a:t>
             </a:fld>
             <a:endParaRPr lang="en-US" dirty="0"/>
           </a:p>
@@ -1929,7 +1929,7 @@
             <a:fld id="{757B281C-5159-4971-8228-52B9A72E9ED2}" type="datetimeFigureOut">
               <a:rPr lang="en-US" smtClean="0"/>
               <a:pPr/>
-              <a:t>02/09/15</a:t>
+              <a:t>04/09/15</a:t>
             </a:fld>
             <a:endParaRPr lang="en-US" dirty="0"/>
           </a:p>
@@ -2069,7 +2069,7 @@
             <a:fld id="{757B281C-5159-4971-8228-52B9A72E9ED2}" type="datetimeFigureOut">
               <a:rPr lang="en-US" smtClean="0"/>
               <a:pPr/>
-              <a:t>02/09/15</a:t>
+              <a:t>04/09/15</a:t>
             </a:fld>
             <a:endParaRPr lang="en-US" dirty="0"/>
           </a:p>
@@ -2341,7 +2341,7 @@
             <a:fld id="{757B281C-5159-4971-8228-52B9A72E9ED2}" type="datetimeFigureOut">
               <a:rPr lang="en-US" smtClean="0"/>
               <a:pPr/>
-              <a:t>02/09/15</a:t>
+              <a:t>04/09/15</a:t>
             </a:fld>
             <a:endParaRPr lang="en-US" dirty="0"/>
           </a:p>
@@ -2657,7 +2657,7 @@
             <a:fld id="{757B281C-5159-4971-8228-52B9A72E9ED2}" type="datetimeFigureOut">
               <a:rPr lang="en-US" smtClean="0"/>
               <a:pPr/>
-              <a:t>02/09/15</a:t>
+              <a:t>04/09/15</a:t>
             </a:fld>
             <a:endParaRPr lang="en-US" dirty="0"/>
           </a:p>
@@ -3102,7 +3102,7 @@
             <a:fld id="{757B281C-5159-4971-8228-52B9A72E9ED2}" type="datetimeFigureOut">
               <a:rPr lang="en-US" smtClean="0"/>
               <a:pPr/>
-              <a:t>02/09/15</a:t>
+              <a:t>04/09/15</a:t>
             </a:fld>
             <a:endParaRPr lang="en-US" dirty="0"/>
           </a:p>
@@ -3381,7 +3381,7 @@
             <a:fld id="{757B281C-5159-4971-8228-52B9A72E9ED2}" type="datetimeFigureOut">
               <a:rPr lang="en-US" smtClean="0"/>
               <a:pPr/>
-              <a:t>02/09/15</a:t>
+              <a:t>04/09/15</a:t>
             </a:fld>
             <a:endParaRPr lang="en-US" dirty="0"/>
           </a:p>
@@ -3645,7 +3645,7 @@
             <a:fld id="{757B281C-5159-4971-8228-52B9A72E9ED2}" type="datetimeFigureOut">
               <a:rPr lang="en-US" smtClean="0"/>
               <a:pPr/>
-              <a:t>02/09/15</a:t>
+              <a:t>04/09/15</a:t>
             </a:fld>
             <a:endParaRPr lang="en-US" dirty="0"/>
           </a:p>
@@ -3815,7 +3815,7 @@
             <a:fld id="{757B281C-5159-4971-8228-52B9A72E9ED2}" type="datetimeFigureOut">
               <a:rPr lang="en-US" smtClean="0"/>
               <a:pPr/>
-              <a:t>02/09/15</a:t>
+              <a:t>04/09/15</a:t>
             </a:fld>
             <a:endParaRPr lang="en-US" dirty="0"/>
           </a:p>
@@ -4028,7 +4028,7 @@
             <a:fld id="{757B281C-5159-4971-8228-52B9A72E9ED2}" type="datetimeFigureOut">
               <a:rPr lang="en-US" smtClean="0"/>
               <a:pPr/>
-              <a:t>02/09/15</a:t>
+              <a:t>04/09/15</a:t>
             </a:fld>
             <a:endParaRPr lang="en-US" dirty="0"/>
           </a:p>
@@ -4500,11 +4500,7 @@
           <a:p>
             <a:r>
               <a:rPr lang="en-US" dirty="0" smtClean="0"/>
-              <a:t>Multiple Use </a:t>
-            </a:r>
-            <a:r>
-              <a:rPr lang="en-US" dirty="0" smtClean="0"/>
-              <a:t>Cases (2/2)</a:t>
+              <a:t>Multiple Use Cases (2/2)</a:t>
             </a:r>
             <a:endParaRPr lang="en-US" dirty="0"/>
           </a:p>
@@ -4561,7 +4557,6 @@
               <a:rPr lang="en-US" dirty="0" smtClean="0"/>
               <a:t>Simple contracts are needed</a:t>
             </a:r>
-            <a:endParaRPr lang="en-US" dirty="0" smtClean="0"/>
           </a:p>
           <a:p>
             <a:pPr lvl="1"/>
@@ -4632,11 +4627,6 @@
               </a:rPr>
               <a:t>optimization of run-time checks</a:t>
             </a:r>
-            <a:endParaRPr lang="en-US" b="1" dirty="0" smtClean="0">
-              <a:solidFill>
-                <a:srgbClr val="2D72AD"/>
-              </a:solidFill>
-            </a:endParaRPr>
           </a:p>
         </p:txBody>
       </p:sp>
@@ -4765,6 +4755,71 @@
             <a:pPr marL="0" indent="0">
               <a:buNone/>
             </a:pPr>
+            <a:endParaRPr lang="en-US" b="1" dirty="0" smtClean="0">
+              <a:solidFill>
+                <a:srgbClr val="2D72AD"/>
+              </a:solidFill>
+            </a:endParaRPr>
+          </a:p>
+          <a:p>
+            <a:pPr marL="0" indent="0">
+              <a:buNone/>
+            </a:pPr>
+            <a:r>
+              <a:rPr lang="en-US" b="1" dirty="0" smtClean="0">
+                <a:solidFill>
+                  <a:srgbClr val="2D72AD"/>
+                </a:solidFill>
+              </a:rPr>
+              <a:t>Between </a:t>
+            </a:r>
+            <a:r>
+              <a:rPr lang="en-US" b="1" dirty="0">
+                <a:solidFill>
+                  <a:srgbClr val="2D72AD"/>
+                </a:solidFill>
+              </a:rPr>
+              <a:t>proof and integration testing</a:t>
+            </a:r>
+          </a:p>
+          <a:p>
+            <a:pPr lvl="1"/>
+            <a:r>
+              <a:rPr lang="en-US" dirty="0"/>
+              <a:t>Contract used for </a:t>
+            </a:r>
+            <a:r>
+              <a:rPr lang="en-US" dirty="0" err="1"/>
+              <a:t>AoRTE</a:t>
+            </a:r>
+            <a:r>
+              <a:rPr lang="en-US" dirty="0"/>
+              <a:t> at unit level</a:t>
+            </a:r>
+          </a:p>
+          <a:p>
+            <a:pPr lvl="1"/>
+            <a:r>
+              <a:rPr lang="en-US" u="sng" dirty="0"/>
+              <a:t>Same</a:t>
+            </a:r>
+            <a:r>
+              <a:rPr lang="en-US" dirty="0"/>
+              <a:t> contract used for integration testing (</a:t>
+            </a:r>
+            <a:r>
+              <a:rPr lang="en-US" u="sng" dirty="0"/>
+              <a:t>no unit tests</a:t>
+            </a:r>
+            <a:r>
+              <a:rPr lang="en-US" dirty="0"/>
+              <a:t>)</a:t>
+            </a:r>
+          </a:p>
+          <a:p>
+            <a:pPr marL="0" indent="0">
+              <a:buNone/>
+            </a:pPr>
             <a:endParaRPr lang="en-US" dirty="0"/>
           </a:p>
           <a:p>
@@ -4816,66 +4871,6 @@
                 <a:srgbClr val="2D72AD"/>
               </a:solidFill>
             </a:endParaRPr>
-          </a:p>
-          <a:p>
-            <a:pPr marL="0" indent="0">
-              <a:buNone/>
-            </a:pPr>
-            <a:r>
-              <a:rPr lang="en-US" b="1" dirty="0" smtClean="0">
-                <a:solidFill>
-                  <a:srgbClr val="2D72AD"/>
-                </a:solidFill>
-              </a:rPr>
-              <a:t>Between proof </a:t>
-            </a:r>
-            <a:r>
-              <a:rPr lang="en-US" b="1" dirty="0" smtClean="0">
-                <a:solidFill>
-                  <a:srgbClr val="2D72AD"/>
-                </a:solidFill>
-              </a:rPr>
-              <a:t>and integration testing</a:t>
-            </a:r>
-          </a:p>
-          <a:p>
-            <a:pPr lvl="1"/>
-            <a:r>
-              <a:rPr lang="en-US" dirty="0" smtClean="0"/>
-              <a:t>Contract used for </a:t>
-            </a:r>
-            <a:r>
-              <a:rPr lang="en-US" dirty="0" err="1" smtClean="0"/>
-              <a:t>AoRTE</a:t>
-            </a:r>
-            <a:r>
-              <a:rPr lang="en-US" dirty="0" smtClean="0"/>
-              <a:t> at unit level</a:t>
-            </a:r>
-          </a:p>
-          <a:p>
-            <a:pPr lvl="1"/>
-            <a:r>
-              <a:rPr lang="en-US" u="sng" dirty="0" smtClean="0"/>
-              <a:t>Same</a:t>
-            </a:r>
-            <a:r>
-              <a:rPr lang="en-US" dirty="0" smtClean="0"/>
-              <a:t> contract used for integration testing (</a:t>
-            </a:r>
-            <a:r>
-              <a:rPr lang="en-US" u="sng" dirty="0" smtClean="0"/>
-              <a:t>no unit </a:t>
-            </a:r>
-            <a:r>
-              <a:rPr lang="en-US" u="sng" dirty="0" smtClean="0"/>
-              <a:t>tests</a:t>
-            </a:r>
-            <a:r>
-              <a:rPr lang="en-US" dirty="0" smtClean="0"/>
-              <a:t>)</a:t>
-            </a:r>
-            <a:endParaRPr lang="en-US" dirty="0" smtClean="0"/>
           </a:p>
         </p:txBody>
       </p:sp>
@@ -5854,13 +5849,13 @@
   <p:clrMapOvr>
     <a:masterClrMapping/>
   </p:clrMapOvr>
-  <mc:AlternateContent xmlns:mc="http://schemas.openxmlformats.org/markup-compatibility/2006">
-    <mc:Choice xmlns:p14="http://schemas.microsoft.com/office/powerpoint/2010/main" Requires="p14">
+  <mc:AlternateContent xmlns:mc="http://schemas.openxmlformats.org/markup-compatibility/2006" xmlns:p14="http://schemas.microsoft.com/office/powerpoint/2010/main">
+    <mc:Choice Requires="p14">
       <p:transition spd="med" p14:dur="700">
         <p:fade/>
       </p:transition>
     </mc:Choice>
-    <mc:Fallback>
+    <mc:Fallback xmlns="">
       <p:transition xmlns:p14="http://schemas.microsoft.com/office/powerpoint/2010/main" spd="med">
         <p:fade/>
       </p:transition>
@@ -9375,13 +9370,13 @@
   <p:clrMapOvr>
     <a:masterClrMapping/>
   </p:clrMapOvr>
-  <mc:AlternateContent xmlns:mc="http://schemas.openxmlformats.org/markup-compatibility/2006">
-    <mc:Choice xmlns:p14="http://schemas.microsoft.com/office/powerpoint/2010/main" Requires="p14">
+  <mc:AlternateContent xmlns:mc="http://schemas.openxmlformats.org/markup-compatibility/2006" xmlns:p14="http://schemas.microsoft.com/office/powerpoint/2010/main">
+    <mc:Choice Requires="p14">
       <p:transition spd="med" p14:dur="700">
         <p:fade/>
       </p:transition>
     </mc:Choice>
-    <mc:Fallback>
+    <mc:Fallback xmlns="">
       <p:transition xmlns:p14="http://schemas.microsoft.com/office/powerpoint/2010/main" spd="med">
         <p:fade/>
       </p:transition>
@@ -9749,13 +9744,13 @@
   <p:clrMapOvr>
     <a:masterClrMapping/>
   </p:clrMapOvr>
-  <mc:AlternateContent xmlns:mc="http://schemas.openxmlformats.org/markup-compatibility/2006">
-    <mc:Choice xmlns:p14="http://schemas.microsoft.com/office/powerpoint/2010/main" Requires="p14">
+  <mc:AlternateContent xmlns:mc="http://schemas.openxmlformats.org/markup-compatibility/2006" xmlns:p14="http://schemas.microsoft.com/office/powerpoint/2010/main">
+    <mc:Choice Requires="p14">
       <p:transition spd="med" p14:dur="700">
         <p:fade/>
       </p:transition>
     </mc:Choice>
-    <mc:Fallback>
+    <mc:Fallback xmlns="">
       <p:transition xmlns:p14="http://schemas.microsoft.com/office/powerpoint/2010/main" spd="med">
         <p:fade/>
       </p:transition>
@@ -9926,13 +9921,13 @@
   <p:clrMapOvr>
     <a:masterClrMapping/>
   </p:clrMapOvr>
-  <mc:AlternateContent xmlns:mc="http://schemas.openxmlformats.org/markup-compatibility/2006">
-    <mc:Choice xmlns:p14="http://schemas.microsoft.com/office/powerpoint/2010/main" Requires="p14">
+  <mc:AlternateContent xmlns:mc="http://schemas.openxmlformats.org/markup-compatibility/2006" xmlns:p14="http://schemas.microsoft.com/office/powerpoint/2010/main">
+    <mc:Choice Requires="p14">
       <p:transition spd="med" p14:dur="700">
         <p:fade/>
       </p:transition>
     </mc:Choice>
-    <mc:Fallback>
+    <mc:Fallback xmlns="">
       <p:transition xmlns:p14="http://schemas.microsoft.com/office/powerpoint/2010/main" spd="med">
         <p:fade/>
       </p:transition>
@@ -10094,13 +10089,13 @@
   <p:clrMapOvr>
     <a:masterClrMapping/>
   </p:clrMapOvr>
-  <mc:AlternateContent xmlns:mc="http://schemas.openxmlformats.org/markup-compatibility/2006">
-    <mc:Choice xmlns:p14="http://schemas.microsoft.com/office/powerpoint/2010/main" Requires="p14">
+  <mc:AlternateContent xmlns:mc="http://schemas.openxmlformats.org/markup-compatibility/2006" xmlns:p14="http://schemas.microsoft.com/office/powerpoint/2010/main">
+    <mc:Choice Requires="p14">
       <p:transition spd="med" p14:dur="700">
         <p:fade/>
       </p:transition>
     </mc:Choice>
-    <mc:Fallback>
+    <mc:Fallback xmlns="">
       <p:transition xmlns:p14="http://schemas.microsoft.com/office/powerpoint/2010/main" spd="med">
         <p:fade/>
       </p:transition>
@@ -10292,13 +10287,13 @@
   <p:clrMapOvr>
     <a:masterClrMapping/>
   </p:clrMapOvr>
-  <mc:AlternateContent xmlns:mc="http://schemas.openxmlformats.org/markup-compatibility/2006">
-    <mc:Choice xmlns:p14="http://schemas.microsoft.com/office/powerpoint/2010/main" Requires="p14">
+  <mc:AlternateContent xmlns:mc="http://schemas.openxmlformats.org/markup-compatibility/2006" xmlns:p14="http://schemas.microsoft.com/office/powerpoint/2010/main">
+    <mc:Choice Requires="p14">
       <p:transition spd="med" p14:dur="700">
         <p:fade/>
       </p:transition>
     </mc:Choice>
-    <mc:Fallback>
+    <mc:Fallback xmlns="">
       <p:transition xmlns:p14="http://schemas.microsoft.com/office/powerpoint/2010/main" spd="med">
         <p:fade/>
       </p:transition>
@@ -11804,19 +11799,7 @@
             </a:r>
             <a:r>
               <a:rPr lang="en-US" dirty="0" smtClean="0"/>
-              <a:t> </a:t>
-            </a:r>
-            <a:r>
-              <a:rPr lang="en-US" dirty="0" smtClean="0"/>
-              <a:t>stabilization</a:t>
-            </a:r>
-            <a:r>
-              <a:rPr lang="en-US" dirty="0" smtClean="0"/>
-              <a:t> </a:t>
-            </a:r>
-            <a:r>
-              <a:rPr lang="en-US" dirty="0" smtClean="0"/>
-              <a:t>in C</a:t>
+              <a:t> stabilization in C</a:t>
             </a:r>
           </a:p>
           <a:p>
@@ -12003,15 +11986,7 @@
             </a:r>
             <a:r>
               <a:rPr lang="en-US" dirty="0" smtClean="0"/>
-              <a:t> </a:t>
-            </a:r>
-            <a:r>
-              <a:rPr lang="en-US" dirty="0" smtClean="0"/>
-              <a:t>stabilization in </a:t>
-            </a:r>
-            <a:r>
-              <a:rPr lang="en-US" dirty="0" smtClean="0"/>
-              <a:t>C</a:t>
+              <a:t> stabilization in C</a:t>
             </a:r>
           </a:p>
           <a:p>
@@ -12273,15 +12248,7 @@
             </a:r>
             <a:r>
               <a:rPr lang="en-US" dirty="0" smtClean="0"/>
-              <a:t> </a:t>
-            </a:r>
-            <a:r>
-              <a:rPr lang="en-US" dirty="0" smtClean="0"/>
-              <a:t>stabilization in </a:t>
-            </a:r>
-            <a:r>
-              <a:rPr lang="en-US" dirty="0" smtClean="0"/>
-              <a:t>SPARK</a:t>
+              <a:t> stabilization in SPARK</a:t>
             </a:r>
           </a:p>
           <a:p>
@@ -12840,15 +12807,7 @@
             </a:r>
             <a:r>
               <a:rPr lang="en-US" dirty="0" smtClean="0"/>
-              <a:t> </a:t>
-            </a:r>
-            <a:r>
-              <a:rPr lang="en-US" dirty="0" smtClean="0"/>
-              <a:t>stabilization </a:t>
-            </a:r>
-            <a:r>
-              <a:rPr lang="en-US" dirty="0" smtClean="0"/>
-              <a:t>in SPARK</a:t>
+              <a:t> stabilization in SPARK</a:t>
             </a:r>
           </a:p>
           <a:p>
@@ -13140,15 +13099,7 @@
             </a:r>
             <a:r>
               <a:rPr lang="en-US" dirty="0" smtClean="0"/>
-              <a:t> </a:t>
-            </a:r>
-            <a:r>
-              <a:rPr lang="en-US" dirty="0" smtClean="0"/>
-              <a:t>stabilization in </a:t>
-            </a:r>
-            <a:r>
-              <a:rPr lang="en-US" dirty="0" smtClean="0"/>
-              <a:t>C</a:t>
+              <a:t> stabilization in C</a:t>
             </a:r>
           </a:p>
           <a:p>
@@ -13554,11 +13505,7 @@
           <a:p>
             <a:r>
               <a:rPr lang="en-US" dirty="0" smtClean="0"/>
-              <a:t>Multiple Use </a:t>
-            </a:r>
-            <a:r>
-              <a:rPr lang="en-US" dirty="0" smtClean="0"/>
-              <a:t>Cases (1/2)</a:t>
+              <a:t>Multiple Use Cases (1/2)</a:t>
             </a:r>
             <a:endParaRPr lang="en-US" dirty="0"/>
           </a:p>
@@ -13602,11 +13549,7 @@
             <a:pPr lvl="1"/>
             <a:r>
               <a:rPr lang="en-US" dirty="0" smtClean="0"/>
-              <a:t>Increases portability across compilers/</a:t>
-            </a:r>
-            <a:r>
-              <a:rPr lang="en-US" dirty="0" smtClean="0"/>
-              <a:t>platforms</a:t>
+              <a:t>Increases portability across compilers/platforms</a:t>
             </a:r>
           </a:p>
           <a:p>
@@ -13628,15 +13571,7 @@
                   <a:srgbClr val="2D72AD"/>
                 </a:solidFill>
               </a:rPr>
-              <a:t>data and control </a:t>
-            </a:r>
-            <a:r>
-              <a:rPr lang="en-US" b="1" dirty="0" smtClean="0">
-                <a:solidFill>
-                  <a:srgbClr val="2D72AD"/>
-                </a:solidFill>
-              </a:rPr>
-              <a:t>coupling</a:t>
+              <a:t>data and control coupling</a:t>
             </a:r>
           </a:p>
           <a:p>
@@ -13698,11 +13633,7 @@
             <a:pPr lvl="1"/>
             <a:r>
               <a:rPr lang="en-US" dirty="0" smtClean="0"/>
-              <a:t>Proof can be completed by </a:t>
-            </a:r>
-            <a:r>
-              <a:rPr lang="en-US" dirty="0" smtClean="0"/>
-              <a:t>testing</a:t>
+              <a:t>Proof can be completed by testing</a:t>
             </a:r>
             <a:endParaRPr lang="en-US" b="1" dirty="0" smtClean="0">
               <a:solidFill>
@@ -13771,11 +13702,7 @@
           <a:p>
             <a:r>
               <a:rPr lang="en-US" dirty="0" smtClean="0"/>
-              <a:t>Multiple Use </a:t>
-            </a:r>
-            <a:r>
-              <a:rPr lang="en-US" dirty="0" smtClean="0"/>
-              <a:t>Cases (1/2)</a:t>
+              <a:t>Multiple Use Cases (1/2)</a:t>
             </a:r>
             <a:endParaRPr lang="en-US" dirty="0"/>
           </a:p>
@@ -13819,11 +13746,7 @@
             <a:pPr lvl="1"/>
             <a:r>
               <a:rPr lang="en-US" dirty="0" smtClean="0"/>
-              <a:t>Increases portability across compilers/</a:t>
-            </a:r>
-            <a:r>
-              <a:rPr lang="en-US" dirty="0" smtClean="0"/>
-              <a:t>platforms</a:t>
+              <a:t>Increases portability across compilers/platforms</a:t>
             </a:r>
           </a:p>
           <a:p>
@@ -13845,15 +13768,7 @@
                   <a:srgbClr val="2D72AD"/>
                 </a:solidFill>
               </a:rPr>
-              <a:t>data and control </a:t>
-            </a:r>
-            <a:r>
-              <a:rPr lang="en-US" b="1" dirty="0" smtClean="0">
-                <a:solidFill>
-                  <a:srgbClr val="2D72AD"/>
-                </a:solidFill>
-              </a:rPr>
-              <a:t>coupling</a:t>
+              <a:t>data and control coupling</a:t>
             </a:r>
           </a:p>
           <a:p>
@@ -13915,11 +13830,7 @@
             <a:pPr lvl="1"/>
             <a:r>
               <a:rPr lang="en-US" b="1" dirty="0" smtClean="0"/>
-              <a:t>Proof can be completed by </a:t>
-            </a:r>
-            <a:r>
-              <a:rPr lang="en-US" b="1" dirty="0" smtClean="0"/>
-              <a:t>testing</a:t>
+              <a:t>Proof can be completed by testing</a:t>
             </a:r>
             <a:endParaRPr lang="en-US" b="1" dirty="0" smtClean="0">
               <a:solidFill>
@@ -13939,13 +13850,13 @@
   <p:clrMapOvr>
     <a:masterClrMapping/>
   </p:clrMapOvr>
-  <mc:AlternateContent xmlns:mc="http://schemas.openxmlformats.org/markup-compatibility/2006">
-    <mc:Choice xmlns:p14="http://schemas.microsoft.com/office/powerpoint/2010/main" Requires="p14">
+  <mc:AlternateContent xmlns:mc="http://schemas.openxmlformats.org/markup-compatibility/2006" xmlns:p14="http://schemas.microsoft.com/office/powerpoint/2010/main">
+    <mc:Choice Requires="p14">
       <p:transition spd="med" p14:dur="700">
         <p:fade/>
       </p:transition>
     </mc:Choice>
-    <mc:Fallback>
+    <mc:Fallback xmlns="">
       <p:transition xmlns:p14="http://schemas.microsoft.com/office/powerpoint/2010/main" spd="med">
         <p:fade/>
       </p:transition>

--- a/slides/AdaCore_Tech_Days_2015/AdaCore Tech Days SPARK 2014.pptx
+++ b/slides/AdaCore_Tech_Days_2015/AdaCore Tech Days SPARK 2014.pptx
@@ -277,7 +277,7 @@
             <a:fld id="{D83FDC75-7F73-4A4A-A77C-09AADF00E0EA}" type="datetimeFigureOut">
               <a:rPr lang="en-US" smtClean="0"/>
               <a:pPr/>
-              <a:t>04/09/15</a:t>
+              <a:t>10/09/15</a:t>
             </a:fld>
             <a:endParaRPr lang="en-US" dirty="0"/>
           </a:p>
@@ -444,7 +444,7 @@
             <a:fld id="{48AEF76B-3757-4A0B-AF93-28494465C1DD}" type="datetimeFigureOut">
               <a:rPr lang="en-US" smtClean="0"/>
               <a:pPr/>
-              <a:t>04/09/15</a:t>
+              <a:t>10/09/15</a:t>
             </a:fld>
             <a:endParaRPr lang="en-US" dirty="0"/>
           </a:p>
@@ -764,9 +764,60 @@
           </a:bodyPr>
           <a:lstStyle/>
           <a:p>
+            <a:r>
+              <a:rPr lang="en-US" baseline="0" dirty="0" smtClean="0"/>
+              <a:t>SPARK 2014 is the new version of SPARK, a subset of Ada designed for formal verification.</a:t>
+            </a:r>
+          </a:p>
+          <a:p>
+            <a:r>
+              <a:rPr lang="en-US" dirty="0" smtClean="0"/>
+              <a:t>The past two releases of the SPARK product were</a:t>
+            </a:r>
+            <a:r>
+              <a:rPr lang="en-US" baseline="0" dirty="0" smtClean="0"/>
+              <a:t> based on this new version, so many of you know a lot about what SPARK is.</a:t>
+            </a:r>
+          </a:p>
+          <a:p>
+            <a:r>
+              <a:rPr lang="en-US" baseline="0" dirty="0" smtClean="0"/>
+              <a:t>Intro SPARK + contracts  + plan (</a:t>
+            </a:r>
+            <a:r>
+              <a:rPr lang="en-US" baseline="0" dirty="0" err="1" smtClean="0"/>
+              <a:t>certif</a:t>
+            </a:r>
+            <a:r>
+              <a:rPr lang="en-US" baseline="0" dirty="0" smtClean="0"/>
+              <a:t> </a:t>
+            </a:r>
+            <a:r>
+              <a:rPr lang="en-US" baseline="0" dirty="0" err="1" smtClean="0"/>
+              <a:t>ou</a:t>
+            </a:r>
+            <a:r>
+              <a:rPr lang="en-US" baseline="0" smtClean="0"/>
+              <a:t> pas)</a:t>
+            </a:r>
+            <a:endParaRPr lang="en-US" baseline="0" dirty="0" smtClean="0"/>
+          </a:p>
+          <a:p>
+            <a:r>
+              <a:rPr lang="en-US" baseline="0" dirty="0" smtClean="0"/>
+              <a:t>This presentation is not so much about what SPARK is, but about why and how to use it. And in particular, how it can be easily adopted in an your processes, and easily used by your teams.</a:t>
+            </a:r>
             <a:endParaRPr lang="en-US" dirty="0" smtClean="0"/>
           </a:p>
           <a:p>
+            <a:r>
+              <a:rPr lang="en-US" dirty="0" smtClean="0"/>
+              <a:t>Hence this bold claim: formal</a:t>
+            </a:r>
+            <a:r>
+              <a:rPr lang="en-US" baseline="0" dirty="0" smtClean="0"/>
+              <a:t> verification IS easy with SPARK 2014.</a:t>
+            </a:r>
             <a:endParaRPr lang="en-US" dirty="0"/>
           </a:p>
         </p:txBody>
@@ -792,6 +843,158 @@
               <a:t>2</a:t>
             </a:fld>
             <a:endParaRPr lang="en-US"/>
+          </a:p>
+        </p:txBody>
+      </p:sp>
+    </p:spTree>
+  </p:cSld>
+  <p:clrMapOvr>
+    <a:masterClrMapping/>
+  </p:clrMapOvr>
+</p:notes>
+</file>
+
+<file path=ppt/notesSlides/notesSlide10.xml><?xml version="1.0" encoding="utf-8"?>
+<p:notes xmlns:a="http://schemas.openxmlformats.org/drawingml/2006/main" xmlns:r="http://schemas.openxmlformats.org/officeDocument/2006/relationships" xmlns:p="http://schemas.openxmlformats.org/presentationml/2006/main">
+  <p:cSld>
+    <p:spTree>
+      <p:nvGrpSpPr>
+        <p:cNvPr id="1" name=""/>
+        <p:cNvGrpSpPr/>
+        <p:nvPr/>
+      </p:nvGrpSpPr>
+      <p:grpSpPr>
+        <a:xfrm>
+          <a:off x="0" y="0"/>
+          <a:ext cx="0" cy="0"/>
+          <a:chOff x="0" y="0"/>
+          <a:chExt cx="0" cy="0"/>
+        </a:xfrm>
+      </p:grpSpPr>
+      <p:sp>
+        <p:nvSpPr>
+          <p:cNvPr id="40962" name="Rectangle 23"/>
+          <p:cNvSpPr>
+            <a:spLocks noGrp="1" noChangeArrowheads="1"/>
+          </p:cNvSpPr>
+          <p:nvPr>
+            <p:ph type="hdr" sz="quarter"/>
+          </p:nvPr>
+        </p:nvSpPr>
+        <p:spPr>
+          <a:noFill/>
+        </p:spPr>
+        <p:txBody>
+          <a:bodyPr/>
+          <a:lstStyle/>
+          <a:p>
+            <a:r>
+              <a:rPr lang="en-US" dirty="0" smtClean="0"/>
+              <a:t>Microsoft </a:t>
+            </a:r>
+            <a:r>
+              <a:rPr lang="en-US" b="1" dirty="0" smtClean="0"/>
+              <a:t>Engineering Excellence</a:t>
+            </a:r>
+            <a:endParaRPr lang="en-US" dirty="0" smtClean="0"/>
+          </a:p>
+        </p:txBody>
+      </p:sp>
+      <p:sp>
+        <p:nvSpPr>
+          <p:cNvPr id="40963" name="Rectangle 25"/>
+          <p:cNvSpPr>
+            <a:spLocks noGrp="1" noChangeArrowheads="1"/>
+          </p:cNvSpPr>
+          <p:nvPr>
+            <p:ph type="ftr" sz="quarter" idx="4"/>
+          </p:nvPr>
+        </p:nvSpPr>
+        <p:spPr>
+          <a:noFill/>
+        </p:spPr>
+        <p:txBody>
+          <a:bodyPr/>
+          <a:lstStyle/>
+          <a:p>
+            <a:r>
+              <a:rPr lang="en-US" dirty="0" smtClean="0"/>
+              <a:t>Microsoft Confidential</a:t>
+            </a:r>
+          </a:p>
+        </p:txBody>
+      </p:sp>
+      <p:sp>
+        <p:nvSpPr>
+          <p:cNvPr id="40964" name="Rectangle 26"/>
+          <p:cNvSpPr>
+            <a:spLocks noGrp="1" noChangeArrowheads="1"/>
+          </p:cNvSpPr>
+          <p:nvPr>
+            <p:ph type="sldNum" sz="quarter" idx="5"/>
+          </p:nvPr>
+        </p:nvSpPr>
+        <p:spPr>
+          <a:noFill/>
+        </p:spPr>
+        <p:txBody>
+          <a:bodyPr/>
+          <a:lstStyle/>
+          <a:p>
+            <a:fld id="{85CEDE57-F8FE-4B43-B511-2E9F76624F74}" type="slidenum">
+              <a:rPr lang="en-US" smtClean="0"/>
+              <a:pPr/>
+              <a:t>26</a:t>
+            </a:fld>
+            <a:endParaRPr lang="en-US" dirty="0" smtClean="0"/>
+          </a:p>
+        </p:txBody>
+      </p:sp>
+      <p:sp>
+        <p:nvSpPr>
+          <p:cNvPr id="40965" name="Rectangle 2"/>
+          <p:cNvSpPr>
+            <a:spLocks noGrp="1" noRot="1" noChangeAspect="1" noChangeArrowheads="1" noTextEdit="1"/>
+          </p:cNvSpPr>
+          <p:nvPr>
+            <p:ph type="sldImg"/>
+          </p:nvPr>
+        </p:nvSpPr>
+        <p:spPr>
+          <a:xfrm>
+            <a:off x="701675" y="449263"/>
+            <a:ext cx="5453063" cy="3408362"/>
+          </a:xfrm>
+          <a:ln/>
+        </p:spPr>
+      </p:sp>
+      <p:sp>
+        <p:nvSpPr>
+          <p:cNvPr id="40966" name="Rectangle 3"/>
+          <p:cNvSpPr>
+            <a:spLocks noGrp="1" noChangeArrowheads="1"/>
+          </p:cNvSpPr>
+          <p:nvPr>
+            <p:ph type="body" idx="1"/>
+          </p:nvPr>
+        </p:nvSpPr>
+        <p:spPr>
+          <a:xfrm>
+            <a:off x="307492" y="4139472"/>
+            <a:ext cx="6261652" cy="4593861"/>
+          </a:xfrm>
+          <a:noFill/>
+          <a:ln/>
+        </p:spPr>
+        <p:txBody>
+          <a:bodyPr/>
+          <a:lstStyle/>
+          <a:p>
+            <a:pPr>
+              <a:buFontTx/>
+              <a:buNone/>
+            </a:pPr>
+            <a:endParaRPr lang="en-US" dirty="0" smtClean="0"/>
           </a:p>
         </p:txBody>
       </p:sp>
@@ -846,6 +1049,126 @@
         <p:txBody>
           <a:bodyPr/>
           <a:lstStyle/>
+          <a:p>
+            <a:r>
+              <a:rPr lang="fr-FR" dirty="0" smtClean="0"/>
+              <a:t>Start</a:t>
+            </a:r>
+            <a:r>
+              <a:rPr lang="fr-FR" baseline="0" dirty="0" smtClean="0"/>
+              <a:t> </a:t>
+            </a:r>
+            <a:r>
+              <a:rPr lang="fr-FR" baseline="0" dirty="0" err="1" smtClean="0"/>
+              <a:t>with</a:t>
+            </a:r>
+            <a:r>
+              <a:rPr lang="fr-FR" baseline="0" dirty="0" smtClean="0"/>
+              <a:t> story </a:t>
+            </a:r>
+            <a:r>
+              <a:rPr lang="fr-FR" baseline="0" dirty="0" err="1" smtClean="0"/>
+              <a:t>that</a:t>
+            </a:r>
+            <a:r>
+              <a:rPr lang="fr-FR" baseline="0" dirty="0" smtClean="0"/>
+              <a:t> supports </a:t>
+            </a:r>
+            <a:r>
+              <a:rPr lang="fr-FR" baseline="0" dirty="0" err="1" smtClean="0"/>
+              <a:t>my</a:t>
+            </a:r>
+            <a:r>
+              <a:rPr lang="fr-FR" baseline="0" dirty="0" smtClean="0"/>
+              <a:t> </a:t>
+            </a:r>
+            <a:r>
+              <a:rPr lang="fr-FR" baseline="0" dirty="0" err="1" smtClean="0"/>
+              <a:t>bold</a:t>
+            </a:r>
+            <a:r>
+              <a:rPr lang="fr-FR" baseline="0" dirty="0" smtClean="0"/>
+              <a:t> claim.</a:t>
+            </a:r>
+          </a:p>
+          <a:p>
+            <a:r>
+              <a:rPr lang="fr-FR" baseline="0" dirty="0" smtClean="0"/>
+              <a:t>This </a:t>
+            </a:r>
+            <a:r>
+              <a:rPr lang="fr-FR" baseline="0" dirty="0" err="1" smtClean="0"/>
+              <a:t>is</a:t>
+            </a:r>
+            <a:r>
+              <a:rPr lang="fr-FR" baseline="0" dirty="0" smtClean="0"/>
+              <a:t> the </a:t>
+            </a:r>
+            <a:r>
+              <a:rPr lang="fr-FR" baseline="0" dirty="0" err="1" smtClean="0"/>
+              <a:t>Crazyflie</a:t>
+            </a:r>
+            <a:r>
+              <a:rPr lang="fr-FR" baseline="0" dirty="0" smtClean="0"/>
+              <a:t>, a </a:t>
+            </a:r>
+            <a:r>
+              <a:rPr lang="fr-FR" baseline="0" dirty="0" err="1" smtClean="0"/>
+              <a:t>small</a:t>
+            </a:r>
+            <a:r>
+              <a:rPr lang="fr-FR" baseline="0" dirty="0" smtClean="0"/>
+              <a:t> </a:t>
+            </a:r>
+            <a:r>
+              <a:rPr lang="fr-FR" baseline="0" dirty="0" err="1" smtClean="0"/>
+              <a:t>leisure</a:t>
+            </a:r>
+            <a:r>
+              <a:rPr lang="fr-FR" baseline="0" dirty="0" smtClean="0"/>
+              <a:t> drone, </a:t>
+            </a:r>
+            <a:r>
+              <a:rPr lang="fr-FR" baseline="0" dirty="0" err="1" smtClean="0"/>
+              <a:t>originally</a:t>
+            </a:r>
+            <a:r>
+              <a:rPr lang="fr-FR" baseline="0" dirty="0" smtClean="0"/>
+              <a:t> </a:t>
+            </a:r>
+            <a:r>
+              <a:rPr lang="fr-FR" baseline="0" dirty="0" err="1" smtClean="0"/>
+              <a:t>programmed</a:t>
+            </a:r>
+            <a:r>
+              <a:rPr lang="fr-FR" baseline="0" dirty="0" smtClean="0"/>
+              <a:t> in C on top of </a:t>
+            </a:r>
+            <a:r>
+              <a:rPr lang="fr-FR" baseline="0" dirty="0" err="1" smtClean="0"/>
+              <a:t>FreeRTOS</a:t>
+            </a:r>
+            <a:r>
+              <a:rPr lang="fr-FR" baseline="0" dirty="0" smtClean="0"/>
+              <a:t> + </a:t>
+            </a:r>
+            <a:r>
+              <a:rPr lang="fr-FR" baseline="0" dirty="0" err="1" smtClean="0"/>
+              <a:t>libraries</a:t>
+            </a:r>
+            <a:r>
+              <a:rPr lang="fr-FR" baseline="0" dirty="0" smtClean="0"/>
+              <a:t>/drivers/</a:t>
+            </a:r>
+            <a:r>
+              <a:rPr lang="fr-FR" baseline="0" dirty="0" err="1" smtClean="0"/>
+              <a:t>etc</a:t>
+            </a:r>
+            <a:r>
+              <a:rPr lang="fr-FR" baseline="0" dirty="0" smtClean="0"/>
+              <a:t> all in C.</a:t>
+            </a:r>
+          </a:p>
           <a:p>
             <a:endParaRPr lang="fr-FR" dirty="0"/>
           </a:p>
@@ -907,7 +1230,7 @@
       </p:grpSpPr>
       <p:sp>
         <p:nvSpPr>
-          <p:cNvPr id="2" name="Slide Image Placeholder 1"/>
+          <p:cNvPr id="2" name="Espace réservé de l'image des diapositives 1"/>
           <p:cNvSpPr>
             <a:spLocks noGrp="1" noRot="1" noChangeAspect="1"/>
           </p:cNvSpPr>
@@ -915,16 +1238,11 @@
             <p:ph type="sldImg"/>
           </p:nvPr>
         </p:nvSpPr>
-        <p:spPr>
-          <a:xfrm>
-            <a:off x="685800" y="685800"/>
-            <a:ext cx="5486400" cy="3429000"/>
-          </a:xfrm>
-        </p:spPr>
-      </p:sp>
-      <p:sp>
-        <p:nvSpPr>
-          <p:cNvPr id="3" name="Notes Placeholder 2"/>
+        <p:spPr/>
+      </p:sp>
+      <p:sp>
+        <p:nvSpPr>
+          <p:cNvPr id="3" name="Espace réservé des commentaires 2"/>
           <p:cNvSpPr>
             <a:spLocks noGrp="1"/>
           </p:cNvSpPr>
@@ -934,32 +1252,278 @@
         </p:nvSpPr>
         <p:spPr/>
         <p:txBody>
-          <a:bodyPr>
-            <a:normAutofit/>
-          </a:bodyPr>
+          <a:bodyPr/>
           <a:lstStyle/>
           <a:p>
             <a:r>
-              <a:rPr lang="en-US" dirty="0" smtClean="0"/>
-              <a:t>Summarize presentation content by restating the important points from the lessons.</a:t>
-            </a:r>
-          </a:p>
-          <a:p>
-            <a:r>
-              <a:rPr lang="en-US" dirty="0" smtClean="0"/>
-              <a:t>What do you want the audience to remember when they leave your </a:t>
-            </a:r>
-            <a:r>
-              <a:rPr lang="en-US" smtClean="0"/>
-              <a:t>presentation?</a:t>
-            </a:r>
-            <a:endParaRPr lang="en-US" dirty="0" smtClean="0"/>
-          </a:p>
-        </p:txBody>
-      </p:sp>
-      <p:sp>
-        <p:nvSpPr>
-          <p:cNvPr id="4" name="Slide Number Placeholder 3"/>
+              <a:rPr lang="fr-FR" dirty="0" smtClean="0"/>
+              <a:t>This </a:t>
+            </a:r>
+            <a:r>
+              <a:rPr lang="fr-FR" dirty="0" err="1" smtClean="0"/>
+              <a:t>is</a:t>
+            </a:r>
+            <a:r>
+              <a:rPr lang="fr-FR" dirty="0" smtClean="0"/>
+              <a:t> </a:t>
+            </a:r>
+            <a:r>
+              <a:rPr lang="fr-FR" dirty="0" err="1" smtClean="0"/>
+              <a:t>our</a:t>
+            </a:r>
+            <a:r>
+              <a:rPr lang="fr-FR" dirty="0" smtClean="0"/>
+              <a:t> </a:t>
+            </a:r>
+            <a:r>
+              <a:rPr lang="fr-FR" dirty="0" err="1" smtClean="0"/>
+              <a:t>intern</a:t>
+            </a:r>
+            <a:r>
+              <a:rPr lang="fr-FR" dirty="0" smtClean="0"/>
+              <a:t> Anthony Leonardo </a:t>
+            </a:r>
+            <a:r>
+              <a:rPr lang="fr-FR" dirty="0" err="1" smtClean="0"/>
+              <a:t>Gracio</a:t>
+            </a:r>
+            <a:r>
+              <a:rPr lang="fr-FR" dirty="0" smtClean="0"/>
+              <a:t>.</a:t>
+            </a:r>
+          </a:p>
+          <a:p>
+            <a:r>
+              <a:rPr lang="fr-FR" dirty="0" smtClean="0"/>
+              <a:t>Anthony </a:t>
+            </a:r>
+            <a:r>
+              <a:rPr lang="fr-FR" dirty="0" err="1" smtClean="0"/>
+              <a:t>had</a:t>
+            </a:r>
+            <a:r>
+              <a:rPr lang="fr-FR" dirty="0" smtClean="0"/>
+              <a:t> </a:t>
+            </a:r>
+            <a:r>
+              <a:rPr lang="fr-FR" dirty="0" err="1" smtClean="0"/>
+              <a:t>little</a:t>
+            </a:r>
+            <a:r>
+              <a:rPr lang="fr-FR" dirty="0" smtClean="0"/>
+              <a:t> </a:t>
+            </a:r>
+            <a:r>
+              <a:rPr lang="fr-FR" dirty="0" err="1" smtClean="0"/>
+              <a:t>knowledge</a:t>
+            </a:r>
+            <a:r>
+              <a:rPr lang="fr-FR" dirty="0" smtClean="0"/>
+              <a:t> of Ada and no </a:t>
+            </a:r>
+            <a:r>
+              <a:rPr lang="fr-FR" dirty="0" err="1" smtClean="0"/>
+              <a:t>knowledge</a:t>
+            </a:r>
+            <a:r>
+              <a:rPr lang="fr-FR" dirty="0" smtClean="0"/>
+              <a:t> of SPARK or</a:t>
+            </a:r>
+            <a:r>
+              <a:rPr lang="fr-FR" baseline="0" dirty="0" smtClean="0"/>
+              <a:t> of </a:t>
+            </a:r>
+            <a:r>
+              <a:rPr lang="fr-FR" baseline="0" dirty="0" err="1" smtClean="0"/>
+              <a:t>any</a:t>
+            </a:r>
+            <a:r>
+              <a:rPr lang="fr-FR" baseline="0" dirty="0" smtClean="0"/>
+              <a:t> </a:t>
+            </a:r>
+            <a:r>
+              <a:rPr lang="fr-FR" baseline="0" dirty="0" err="1" smtClean="0"/>
+              <a:t>static</a:t>
+            </a:r>
+            <a:r>
+              <a:rPr lang="fr-FR" baseline="0" dirty="0" smtClean="0"/>
+              <a:t> </a:t>
+            </a:r>
+            <a:r>
+              <a:rPr lang="fr-FR" baseline="0" dirty="0" err="1" smtClean="0"/>
+              <a:t>analysis</a:t>
+            </a:r>
+            <a:r>
+              <a:rPr lang="fr-FR" baseline="0" dirty="0" smtClean="0"/>
+              <a:t> </a:t>
+            </a:r>
+            <a:r>
+              <a:rPr lang="fr-FR" baseline="0" dirty="0" err="1" smtClean="0"/>
+              <a:t>tools</a:t>
+            </a:r>
+            <a:r>
+              <a:rPr lang="fr-FR" baseline="0" dirty="0" smtClean="0"/>
+              <a:t> </a:t>
+            </a:r>
+            <a:r>
+              <a:rPr lang="fr-FR" baseline="0" dirty="0" err="1" smtClean="0"/>
+              <a:t>prior</a:t>
+            </a:r>
+            <a:r>
+              <a:rPr lang="fr-FR" baseline="0" dirty="0" smtClean="0"/>
+              <a:t> to </a:t>
+            </a:r>
+            <a:r>
+              <a:rPr lang="fr-FR" baseline="0" dirty="0" err="1" smtClean="0"/>
+              <a:t>his</a:t>
+            </a:r>
+            <a:r>
+              <a:rPr lang="fr-FR" baseline="0" dirty="0" smtClean="0"/>
+              <a:t> </a:t>
+            </a:r>
+            <a:r>
+              <a:rPr lang="fr-FR" baseline="0" dirty="0" err="1" smtClean="0"/>
+              <a:t>internship</a:t>
+            </a:r>
+            <a:r>
+              <a:rPr lang="fr-FR" baseline="0" dirty="0" smtClean="0"/>
+              <a:t>.</a:t>
+            </a:r>
+          </a:p>
+          <a:p>
+            <a:r>
+              <a:rPr lang="fr-FR" baseline="0" dirty="0" err="1" smtClean="0"/>
+              <a:t>Yet</a:t>
+            </a:r>
+            <a:r>
+              <a:rPr lang="fr-FR" baseline="0" dirty="0" smtClean="0"/>
+              <a:t>, in 2 </a:t>
+            </a:r>
+            <a:r>
+              <a:rPr lang="fr-FR" baseline="0" dirty="0" err="1" smtClean="0"/>
+              <a:t>months</a:t>
+            </a:r>
+            <a:r>
+              <a:rPr lang="fr-FR" baseline="0" dirty="0" smtClean="0"/>
+              <a:t>, Anthony </a:t>
+            </a:r>
+            <a:r>
+              <a:rPr lang="fr-FR" baseline="0" dirty="0" err="1" smtClean="0"/>
+              <a:t>rewrote</a:t>
+            </a:r>
+            <a:r>
+              <a:rPr lang="fr-FR" baseline="0" dirty="0" smtClean="0"/>
+              <a:t> </a:t>
+            </a:r>
+            <a:r>
+              <a:rPr lang="fr-FR" baseline="0" dirty="0" err="1" smtClean="0"/>
+              <a:t>completely</a:t>
+            </a:r>
+            <a:r>
+              <a:rPr lang="fr-FR" baseline="0" dirty="0" smtClean="0"/>
+              <a:t> the </a:t>
+            </a:r>
+            <a:r>
+              <a:rPr lang="fr-FR" baseline="0" dirty="0" err="1" smtClean="0"/>
+              <a:t>stabilization</a:t>
+            </a:r>
+            <a:r>
+              <a:rPr lang="fr-FR" baseline="0" dirty="0" smtClean="0"/>
+              <a:t> code of the </a:t>
+            </a:r>
+            <a:r>
+              <a:rPr lang="fr-FR" baseline="0" dirty="0" err="1" smtClean="0"/>
+              <a:t>Crazyflie</a:t>
+            </a:r>
+            <a:r>
+              <a:rPr lang="fr-FR" baseline="0" dirty="0" smtClean="0"/>
+              <a:t> in SPARK, and </a:t>
+            </a:r>
+            <a:r>
+              <a:rPr lang="fr-FR" baseline="0" dirty="0" err="1" smtClean="0"/>
+              <a:t>he</a:t>
+            </a:r>
+            <a:r>
+              <a:rPr lang="fr-FR" baseline="0" dirty="0" smtClean="0"/>
+              <a:t> </a:t>
+            </a:r>
+            <a:r>
+              <a:rPr lang="fr-FR" baseline="0" dirty="0" err="1" smtClean="0"/>
+              <a:t>proved</a:t>
+            </a:r>
+            <a:r>
+              <a:rPr lang="fr-FR" baseline="0" dirty="0" smtClean="0"/>
+              <a:t> absence of </a:t>
+            </a:r>
+            <a:r>
+              <a:rPr lang="fr-FR" baseline="0" dirty="0" err="1" smtClean="0"/>
+              <a:t>run</a:t>
+            </a:r>
+            <a:r>
+              <a:rPr lang="fr-FR" baseline="0" dirty="0" smtClean="0"/>
+              <a:t>-time </a:t>
+            </a:r>
+            <a:r>
+              <a:rPr lang="fr-FR" baseline="0" dirty="0" err="1" smtClean="0"/>
+              <a:t>errors</a:t>
+            </a:r>
+            <a:r>
+              <a:rPr lang="fr-FR" baseline="0" dirty="0" smtClean="0"/>
+              <a:t> on the SPARK code.</a:t>
+            </a:r>
+          </a:p>
+          <a:p>
+            <a:r>
+              <a:rPr lang="fr-FR" baseline="0" dirty="0" smtClean="0"/>
+              <a:t>And the drone </a:t>
+            </a:r>
+            <a:r>
+              <a:rPr lang="fr-FR" baseline="0" dirty="0" err="1" smtClean="0"/>
+              <a:t>was</a:t>
+            </a:r>
+            <a:r>
+              <a:rPr lang="fr-FR" baseline="0" dirty="0" smtClean="0"/>
+              <a:t> </a:t>
+            </a:r>
+            <a:r>
+              <a:rPr lang="fr-FR" baseline="0" dirty="0" err="1" smtClean="0"/>
+              <a:t>flying</a:t>
+            </a:r>
+            <a:r>
+              <a:rPr lang="fr-FR" baseline="0" dirty="0" smtClean="0"/>
+              <a:t> </a:t>
+            </a:r>
+            <a:r>
+              <a:rPr lang="fr-FR" baseline="0" dirty="0" err="1" smtClean="0"/>
+              <a:t>better</a:t>
+            </a:r>
+            <a:r>
+              <a:rPr lang="fr-FR" baseline="0" dirty="0" smtClean="0"/>
+              <a:t> </a:t>
+            </a:r>
+            <a:r>
+              <a:rPr lang="fr-FR" baseline="0" dirty="0" err="1" smtClean="0"/>
+              <a:t>at</a:t>
+            </a:r>
+            <a:r>
+              <a:rPr lang="fr-FR" baseline="0" dirty="0" smtClean="0"/>
+              <a:t> </a:t>
+            </a:r>
+            <a:r>
+              <a:rPr lang="fr-FR" baseline="0" dirty="0" err="1" smtClean="0"/>
+              <a:t>this</a:t>
+            </a:r>
+            <a:r>
+              <a:rPr lang="fr-FR" baseline="0" dirty="0" smtClean="0"/>
+              <a:t> stage.</a:t>
+            </a:r>
+            <a:endParaRPr lang="fr-FR" dirty="0"/>
+          </a:p>
+        </p:txBody>
+      </p:sp>
+      <p:sp>
+        <p:nvSpPr>
+          <p:cNvPr id="4" name="Espace réservé du numéro de diapositive 3"/>
           <p:cNvSpPr>
             <a:spLocks noGrp="1"/>
           </p:cNvSpPr>
@@ -972,16 +1536,21 @@
           <a:bodyPr/>
           <a:lstStyle/>
           <a:p>
-            <a:fld id="{EC6EAC7D-5A89-47C2-8ABA-56C9C2DEF7A4}" type="slidenum">
+            <a:fld id="{75693FD4-8F83-4EF7-AC3F-0DC0388986B0}" type="slidenum">
               <a:rPr lang="en-US" smtClean="0"/>
               <a:pPr/>
-              <a:t>25</a:t>
+              <a:t>4</a:t>
             </a:fld>
             <a:endParaRPr lang="en-US" dirty="0"/>
           </a:p>
         </p:txBody>
       </p:sp>
     </p:spTree>
+    <p:extLst>
+      <p:ext uri="{BB962C8B-B14F-4D97-AF65-F5344CB8AC3E}">
+        <p14:creationId xmlns:p14="http://schemas.microsoft.com/office/powerpoint/2010/main" val="1876144363"/>
+      </p:ext>
+    </p:extLst>
   </p:cSld>
   <p:clrMapOvr>
     <a:masterClrMapping/>
@@ -1008,128 +1577,1012 @@
       </p:grpSpPr>
       <p:sp>
         <p:nvSpPr>
-          <p:cNvPr id="40962" name="Rectangle 23"/>
+          <p:cNvPr id="2" name="Espace réservé de l'image des diapositives 1"/>
           <p:cNvSpPr>
-            <a:spLocks noGrp="1" noChangeArrowheads="1"/>
-          </p:cNvSpPr>
-          <p:nvPr>
-            <p:ph type="hdr" sz="quarter"/>
-          </p:nvPr>
-        </p:nvSpPr>
-        <p:spPr>
-          <a:noFill/>
-        </p:spPr>
-        <p:txBody>
-          <a:bodyPr/>
-          <a:lstStyle/>
-          <a:p>
-            <a:r>
-              <a:rPr lang="en-US" dirty="0" smtClean="0"/>
-              <a:t>Microsoft </a:t>
-            </a:r>
-            <a:r>
-              <a:rPr lang="en-US" b="1" dirty="0" smtClean="0"/>
-              <a:t>Engineering Excellence</a:t>
-            </a:r>
-            <a:endParaRPr lang="en-US" dirty="0" smtClean="0"/>
-          </a:p>
-        </p:txBody>
-      </p:sp>
-      <p:sp>
-        <p:nvSpPr>
-          <p:cNvPr id="40963" name="Rectangle 25"/>
-          <p:cNvSpPr>
-            <a:spLocks noGrp="1" noChangeArrowheads="1"/>
-          </p:cNvSpPr>
-          <p:nvPr>
-            <p:ph type="ftr" sz="quarter" idx="4"/>
-          </p:nvPr>
-        </p:nvSpPr>
-        <p:spPr>
-          <a:noFill/>
-        </p:spPr>
-        <p:txBody>
-          <a:bodyPr/>
-          <a:lstStyle/>
-          <a:p>
-            <a:r>
-              <a:rPr lang="en-US" dirty="0" smtClean="0"/>
-              <a:t>Microsoft Confidential</a:t>
-            </a:r>
-          </a:p>
-        </p:txBody>
-      </p:sp>
-      <p:sp>
-        <p:nvSpPr>
-          <p:cNvPr id="40964" name="Rectangle 26"/>
-          <p:cNvSpPr>
-            <a:spLocks noGrp="1" noChangeArrowheads="1"/>
-          </p:cNvSpPr>
-          <p:nvPr>
-            <p:ph type="sldNum" sz="quarter" idx="5"/>
-          </p:nvPr>
-        </p:nvSpPr>
-        <p:spPr>
-          <a:noFill/>
-        </p:spPr>
-        <p:txBody>
-          <a:bodyPr/>
-          <a:lstStyle/>
-          <a:p>
-            <a:fld id="{85CEDE57-F8FE-4B43-B511-2E9F76624F74}" type="slidenum">
-              <a:rPr lang="en-US" smtClean="0"/>
-              <a:pPr/>
-              <a:t>26</a:t>
-            </a:fld>
-            <a:endParaRPr lang="en-US" dirty="0" smtClean="0"/>
-          </a:p>
-        </p:txBody>
-      </p:sp>
-      <p:sp>
-        <p:nvSpPr>
-          <p:cNvPr id="40965" name="Rectangle 2"/>
-          <p:cNvSpPr>
-            <a:spLocks noGrp="1" noRot="1" noChangeAspect="1" noChangeArrowheads="1" noTextEdit="1"/>
+            <a:spLocks noGrp="1" noRot="1" noChangeAspect="1"/>
           </p:cNvSpPr>
           <p:nvPr>
             <p:ph type="sldImg"/>
           </p:nvPr>
         </p:nvSpPr>
-        <p:spPr>
-          <a:xfrm>
-            <a:off x="701675" y="449263"/>
-            <a:ext cx="5453063" cy="3408362"/>
-          </a:xfrm>
-          <a:ln/>
-        </p:spPr>
-      </p:sp>
-      <p:sp>
-        <p:nvSpPr>
-          <p:cNvPr id="40966" name="Rectangle 3"/>
+        <p:spPr/>
+      </p:sp>
+      <p:sp>
+        <p:nvSpPr>
+          <p:cNvPr id="3" name="Espace réservé des commentaires 2"/>
           <p:cNvSpPr>
-            <a:spLocks noGrp="1" noChangeArrowheads="1"/>
+            <a:spLocks noGrp="1"/>
           </p:cNvSpPr>
           <p:nvPr>
             <p:ph type="body" idx="1"/>
           </p:nvPr>
         </p:nvSpPr>
+        <p:spPr/>
+        <p:txBody>
+          <a:bodyPr/>
+          <a:lstStyle/>
+          <a:p>
+            <a:r>
+              <a:rPr lang="fr-FR" dirty="0" smtClean="0"/>
+              <a:t>Just </a:t>
+            </a:r>
+            <a:r>
+              <a:rPr lang="fr-FR" dirty="0" err="1" smtClean="0"/>
+              <a:t>give</a:t>
+            </a:r>
+            <a:r>
+              <a:rPr lang="fr-FR" dirty="0" smtClean="0"/>
+              <a:t> </a:t>
+            </a:r>
+            <a:r>
+              <a:rPr lang="fr-FR" dirty="0" err="1" smtClean="0"/>
+              <a:t>him</a:t>
+            </a:r>
+            <a:r>
+              <a:rPr lang="fr-FR" dirty="0" smtClean="0"/>
+              <a:t> 3 more </a:t>
+            </a:r>
+            <a:r>
+              <a:rPr lang="fr-FR" dirty="0" err="1" smtClean="0"/>
+              <a:t>months</a:t>
+            </a:r>
+            <a:r>
+              <a:rPr lang="fr-FR" dirty="0" smtClean="0"/>
+              <a:t>, and </a:t>
+            </a:r>
+            <a:r>
+              <a:rPr lang="fr-FR" dirty="0" err="1" smtClean="0"/>
+              <a:t>he</a:t>
+            </a:r>
+            <a:r>
+              <a:rPr lang="fr-FR" dirty="0" smtClean="0"/>
+              <a:t> </a:t>
+            </a:r>
+            <a:r>
+              <a:rPr lang="fr-FR" dirty="0" err="1" smtClean="0"/>
+              <a:t>rewrote</a:t>
+            </a:r>
+            <a:r>
+              <a:rPr lang="fr-FR" dirty="0" smtClean="0"/>
+              <a:t> the </a:t>
+            </a:r>
+            <a:r>
+              <a:rPr lang="fr-FR" dirty="0" err="1" smtClean="0"/>
+              <a:t>complete</a:t>
+            </a:r>
+            <a:r>
+              <a:rPr lang="fr-FR" dirty="0" smtClean="0"/>
+              <a:t> </a:t>
+            </a:r>
+            <a:r>
+              <a:rPr lang="fr-FR" dirty="0" err="1" smtClean="0"/>
+              <a:t>firmware</a:t>
+            </a:r>
+            <a:r>
+              <a:rPr lang="fr-FR" baseline="0" dirty="0" smtClean="0"/>
+              <a:t> in SPARK and Ada.</a:t>
+            </a:r>
+          </a:p>
+          <a:p>
+            <a:r>
+              <a:rPr lang="fr-FR" baseline="0" dirty="0" smtClean="0"/>
+              <a:t>And </a:t>
+            </a:r>
+            <a:r>
+              <a:rPr lang="fr-FR" baseline="0" dirty="0" err="1" smtClean="0"/>
+              <a:t>now</a:t>
+            </a:r>
+            <a:r>
+              <a:rPr lang="fr-FR" baseline="0" dirty="0" smtClean="0"/>
+              <a:t> </a:t>
+            </a:r>
+            <a:r>
+              <a:rPr lang="fr-FR" baseline="0" dirty="0" err="1" smtClean="0"/>
+              <a:t>we</a:t>
+            </a:r>
+            <a:r>
+              <a:rPr lang="fr-FR" baseline="0" dirty="0" smtClean="0"/>
+              <a:t> </a:t>
+            </a:r>
+            <a:r>
+              <a:rPr lang="fr-FR" baseline="0" dirty="0" err="1" smtClean="0"/>
+              <a:t>expect</a:t>
+            </a:r>
+            <a:r>
+              <a:rPr lang="fr-FR" baseline="0" dirty="0" smtClean="0"/>
+              <a:t> to </a:t>
+            </a:r>
+            <a:r>
+              <a:rPr lang="fr-FR" baseline="0" dirty="0" err="1" smtClean="0"/>
+              <a:t>prove</a:t>
+            </a:r>
+            <a:r>
+              <a:rPr lang="fr-FR" baseline="0" dirty="0" smtClean="0"/>
+              <a:t> absence of </a:t>
+            </a:r>
+            <a:r>
+              <a:rPr lang="fr-FR" baseline="0" dirty="0" err="1" smtClean="0"/>
+              <a:t>concurrency</a:t>
+            </a:r>
+            <a:r>
+              <a:rPr lang="fr-FR" baseline="0" dirty="0" smtClean="0"/>
+              <a:t> </a:t>
+            </a:r>
+            <a:r>
+              <a:rPr lang="fr-FR" baseline="0" dirty="0" err="1" smtClean="0"/>
+              <a:t>errors</a:t>
+            </a:r>
+            <a:r>
+              <a:rPr lang="fr-FR" baseline="0" dirty="0" smtClean="0"/>
+              <a:t> </a:t>
+            </a:r>
+            <a:r>
+              <a:rPr lang="fr-FR" baseline="0" dirty="0" err="1" smtClean="0"/>
+              <a:t>with</a:t>
+            </a:r>
+            <a:r>
+              <a:rPr lang="fr-FR" baseline="0" dirty="0" smtClean="0"/>
+              <a:t> the </a:t>
+            </a:r>
+            <a:r>
+              <a:rPr lang="fr-FR" baseline="0" dirty="0" err="1" smtClean="0"/>
+              <a:t>upcoming</a:t>
+            </a:r>
+            <a:r>
+              <a:rPr lang="fr-FR" baseline="0" dirty="0" smtClean="0"/>
+              <a:t> version of SPARK </a:t>
+            </a:r>
+            <a:r>
+              <a:rPr lang="fr-FR" baseline="0" dirty="0" err="1" smtClean="0"/>
+              <a:t>that</a:t>
+            </a:r>
+            <a:r>
+              <a:rPr lang="fr-FR" baseline="0" dirty="0" smtClean="0"/>
+              <a:t> supports </a:t>
+            </a:r>
+            <a:r>
+              <a:rPr lang="fr-FR" baseline="0" dirty="0" err="1" smtClean="0"/>
+              <a:t>Ravenscar</a:t>
+            </a:r>
+            <a:r>
+              <a:rPr lang="fr-FR" baseline="0" dirty="0" smtClean="0"/>
+              <a:t> (</a:t>
+            </a:r>
+            <a:r>
+              <a:rPr lang="fr-FR" baseline="0" dirty="0" err="1" smtClean="0"/>
+              <a:t>safe</a:t>
+            </a:r>
+            <a:r>
+              <a:rPr lang="fr-FR" baseline="0" dirty="0" smtClean="0"/>
+              <a:t> </a:t>
+            </a:r>
+            <a:r>
+              <a:rPr lang="fr-FR" baseline="0" dirty="0" err="1" smtClean="0"/>
+              <a:t>tasking</a:t>
+            </a:r>
+            <a:r>
+              <a:rPr lang="fr-FR" baseline="0" dirty="0" smtClean="0"/>
+              <a:t> in Ada)</a:t>
+            </a:r>
+          </a:p>
+          <a:p>
+            <a:r>
+              <a:rPr lang="fr-FR" baseline="0" dirty="0" err="1" smtClean="0"/>
+              <a:t>Anthony’s</a:t>
+            </a:r>
+            <a:r>
+              <a:rPr lang="fr-FR" baseline="0" dirty="0" smtClean="0"/>
+              <a:t> </a:t>
+            </a:r>
+            <a:r>
+              <a:rPr lang="fr-FR" baseline="0" dirty="0" err="1" smtClean="0"/>
+              <a:t>assessment</a:t>
+            </a:r>
+            <a:r>
+              <a:rPr lang="fr-FR" baseline="0" dirty="0" smtClean="0"/>
+              <a:t> of </a:t>
+            </a:r>
+            <a:r>
+              <a:rPr lang="fr-FR" baseline="0" dirty="0" err="1" smtClean="0"/>
+              <a:t>using</a:t>
+            </a:r>
+            <a:r>
+              <a:rPr lang="fr-FR" baseline="0" dirty="0" smtClean="0"/>
+              <a:t> SPARK </a:t>
+            </a:r>
+            <a:r>
+              <a:rPr lang="fr-FR" baseline="0" dirty="0" err="1" smtClean="0"/>
+              <a:t>was</a:t>
+            </a:r>
+            <a:r>
+              <a:rPr lang="fr-FR" baseline="0" dirty="0" smtClean="0"/>
+              <a:t> </a:t>
+            </a:r>
+            <a:r>
+              <a:rPr lang="fr-FR" baseline="0" dirty="0" err="1" smtClean="0"/>
+              <a:t>that</a:t>
+            </a:r>
+            <a:r>
+              <a:rPr lang="fr-FR" baseline="0" dirty="0" smtClean="0"/>
+              <a:t> </a:t>
+            </a:r>
+            <a:r>
+              <a:rPr lang="fr-FR" baseline="0" dirty="0" err="1" smtClean="0"/>
+              <a:t>it</a:t>
+            </a:r>
+            <a:r>
+              <a:rPr lang="fr-FR" baseline="0" dirty="0" smtClean="0"/>
+              <a:t> </a:t>
+            </a:r>
+            <a:r>
+              <a:rPr lang="fr-FR" baseline="0" dirty="0" err="1" smtClean="0"/>
+              <a:t>was</a:t>
+            </a:r>
+            <a:r>
+              <a:rPr lang="fr-FR" baseline="0" dirty="0" smtClean="0"/>
+              <a:t> intuitive! Not the </a:t>
+            </a:r>
+            <a:r>
+              <a:rPr lang="fr-FR" baseline="0" dirty="0" err="1" smtClean="0"/>
+              <a:t>typical</a:t>
+            </a:r>
+            <a:r>
+              <a:rPr lang="fr-FR" baseline="0" dirty="0" smtClean="0"/>
+              <a:t> feedback </a:t>
+            </a:r>
+            <a:r>
+              <a:rPr lang="fr-FR" baseline="0" dirty="0" err="1" smtClean="0"/>
+              <a:t>from</a:t>
+            </a:r>
+            <a:r>
+              <a:rPr lang="fr-FR" baseline="0" dirty="0" smtClean="0"/>
+              <a:t> people </a:t>
+            </a:r>
+            <a:r>
+              <a:rPr lang="fr-FR" baseline="0" dirty="0" err="1" smtClean="0"/>
+              <a:t>who</a:t>
+            </a:r>
+            <a:r>
+              <a:rPr lang="fr-FR" baseline="0" dirty="0" smtClean="0"/>
+              <a:t> use </a:t>
+            </a:r>
+            <a:r>
+              <a:rPr lang="fr-FR" baseline="0" dirty="0" err="1" smtClean="0"/>
+              <a:t>formal</a:t>
+            </a:r>
+            <a:r>
+              <a:rPr lang="fr-FR" baseline="0" dirty="0" smtClean="0"/>
+              <a:t> </a:t>
+            </a:r>
+            <a:r>
+              <a:rPr lang="fr-FR" baseline="0" dirty="0" err="1" smtClean="0"/>
+              <a:t>methods</a:t>
+            </a:r>
+            <a:r>
+              <a:rPr lang="fr-FR" baseline="0" dirty="0" smtClean="0"/>
+              <a:t> </a:t>
+            </a:r>
+            <a:r>
+              <a:rPr lang="fr-FR" baseline="0" dirty="0" err="1" smtClean="0"/>
+              <a:t>tools</a:t>
+            </a:r>
+            <a:r>
+              <a:rPr lang="fr-FR" baseline="0" dirty="0" smtClean="0"/>
+              <a:t>.</a:t>
+            </a:r>
+          </a:p>
+          <a:p>
+            <a:r>
+              <a:rPr lang="fr-FR" baseline="0" dirty="0" err="1" smtClean="0"/>
+              <a:t>See</a:t>
+            </a:r>
+            <a:r>
+              <a:rPr lang="fr-FR" baseline="0" dirty="0" smtClean="0"/>
+              <a:t> </a:t>
+            </a:r>
+            <a:r>
+              <a:rPr lang="fr-FR" baseline="0" dirty="0" err="1" smtClean="0"/>
+              <a:t>demo</a:t>
+            </a:r>
+            <a:endParaRPr lang="fr-FR" dirty="0"/>
+          </a:p>
+        </p:txBody>
+      </p:sp>
+      <p:sp>
+        <p:nvSpPr>
+          <p:cNvPr id="4" name="Espace réservé du numéro de diapositive 3"/>
+          <p:cNvSpPr>
+            <a:spLocks noGrp="1"/>
+          </p:cNvSpPr>
+          <p:nvPr>
+            <p:ph type="sldNum" sz="quarter" idx="10"/>
+          </p:nvPr>
+        </p:nvSpPr>
+        <p:spPr/>
+        <p:txBody>
+          <a:bodyPr/>
+          <a:lstStyle/>
+          <a:p>
+            <a:fld id="{75693FD4-8F83-4EF7-AC3F-0DC0388986B0}" type="slidenum">
+              <a:rPr lang="en-US" smtClean="0"/>
+              <a:pPr/>
+              <a:t>5</a:t>
+            </a:fld>
+            <a:endParaRPr lang="en-US" dirty="0"/>
+          </a:p>
+        </p:txBody>
+      </p:sp>
+    </p:spTree>
+    <p:extLst>
+      <p:ext uri="{BB962C8B-B14F-4D97-AF65-F5344CB8AC3E}">
+        <p14:creationId xmlns:p14="http://schemas.microsoft.com/office/powerpoint/2010/main" val="832336551"/>
+      </p:ext>
+    </p:extLst>
+  </p:cSld>
+  <p:clrMapOvr>
+    <a:masterClrMapping/>
+  </p:clrMapOvr>
+</p:notes>
+</file>
+
+<file path=ppt/notesSlides/notesSlide5.xml><?xml version="1.0" encoding="utf-8"?>
+<p:notes xmlns:a="http://schemas.openxmlformats.org/drawingml/2006/main" xmlns:r="http://schemas.openxmlformats.org/officeDocument/2006/relationships" xmlns:p="http://schemas.openxmlformats.org/presentationml/2006/main">
+  <p:cSld>
+    <p:spTree>
+      <p:nvGrpSpPr>
+        <p:cNvPr id="1" name=""/>
+        <p:cNvGrpSpPr/>
+        <p:nvPr/>
+      </p:nvGrpSpPr>
+      <p:grpSpPr>
+        <a:xfrm>
+          <a:off x="0" y="0"/>
+          <a:ext cx="0" cy="0"/>
+          <a:chOff x="0" y="0"/>
+          <a:chExt cx="0" cy="0"/>
+        </a:xfrm>
+      </p:grpSpPr>
+      <p:sp>
+        <p:nvSpPr>
+          <p:cNvPr id="2" name="Espace réservé de l'image des diapositives 1"/>
+          <p:cNvSpPr>
+            <a:spLocks noGrp="1" noRot="1" noChangeAspect="1"/>
+          </p:cNvSpPr>
+          <p:nvPr>
+            <p:ph type="sldImg"/>
+          </p:nvPr>
+        </p:nvSpPr>
+        <p:spPr/>
+      </p:sp>
+      <p:sp>
+        <p:nvSpPr>
+          <p:cNvPr id="3" name="Espace réservé des commentaires 2"/>
+          <p:cNvSpPr>
+            <a:spLocks noGrp="1"/>
+          </p:cNvSpPr>
+          <p:nvPr>
+            <p:ph type="body" idx="1"/>
+          </p:nvPr>
+        </p:nvSpPr>
+        <p:spPr/>
+        <p:txBody>
+          <a:bodyPr/>
+          <a:lstStyle/>
+          <a:p>
+            <a:r>
+              <a:rPr lang="fr-FR" dirty="0" err="1" smtClean="0"/>
+              <a:t>Two</a:t>
+            </a:r>
+            <a:r>
+              <a:rPr lang="fr-FR" dirty="0" smtClean="0"/>
+              <a:t> </a:t>
+            </a:r>
+            <a:r>
+              <a:rPr lang="fr-FR" dirty="0" err="1" smtClean="0"/>
+              <a:t>features</a:t>
+            </a:r>
+            <a:r>
+              <a:rPr lang="fr-FR" baseline="0" dirty="0" smtClean="0"/>
+              <a:t> </a:t>
+            </a:r>
+            <a:r>
+              <a:rPr lang="fr-FR" baseline="0" dirty="0" err="1" smtClean="0"/>
+              <a:t>make</a:t>
+            </a:r>
+            <a:r>
+              <a:rPr lang="fr-FR" baseline="0" dirty="0" smtClean="0"/>
+              <a:t> SPARK </a:t>
+            </a:r>
+            <a:r>
+              <a:rPr lang="fr-FR" baseline="0" dirty="0" err="1" smtClean="0"/>
+              <a:t>easy</a:t>
+            </a:r>
+            <a:r>
+              <a:rPr lang="fr-FR" baseline="0" dirty="0" smtClean="0"/>
+              <a:t> to </a:t>
+            </a:r>
+            <a:r>
+              <a:rPr lang="fr-FR" baseline="0" dirty="0" err="1" smtClean="0"/>
+              <a:t>adopt</a:t>
+            </a:r>
+            <a:r>
+              <a:rPr lang="fr-FR" baseline="0" dirty="0" smtClean="0"/>
+              <a:t> in </a:t>
+            </a:r>
+            <a:r>
+              <a:rPr lang="fr-FR" baseline="0" dirty="0" err="1" smtClean="0"/>
+              <a:t>your</a:t>
+            </a:r>
+            <a:r>
+              <a:rPr lang="fr-FR" baseline="0" dirty="0" smtClean="0"/>
+              <a:t> </a:t>
+            </a:r>
+            <a:r>
+              <a:rPr lang="fr-FR" baseline="0" dirty="0" err="1" smtClean="0"/>
+              <a:t>processes</a:t>
+            </a:r>
+            <a:r>
+              <a:rPr lang="fr-FR" baseline="0" dirty="0" smtClean="0"/>
+              <a:t>:</a:t>
+            </a:r>
+          </a:p>
+          <a:p>
+            <a:pPr marL="171450" indent="-171450">
+              <a:buFont typeface="Arial"/>
+              <a:buChar char="•"/>
+            </a:pPr>
+            <a:r>
+              <a:rPr lang="fr-FR" baseline="0" dirty="0" smtClean="0"/>
+              <a:t>SPARK </a:t>
+            </a:r>
+            <a:r>
+              <a:rPr lang="fr-FR" baseline="0" dirty="0" err="1" smtClean="0"/>
+              <a:t>is</a:t>
+            </a:r>
+            <a:r>
+              <a:rPr lang="fr-FR" baseline="0" dirty="0" smtClean="0"/>
+              <a:t> Ada! </a:t>
+            </a:r>
+          </a:p>
+          <a:p>
+            <a:pPr marL="171450" indent="-171450">
+              <a:buFont typeface="Arial"/>
+              <a:buChar char="•"/>
+            </a:pPr>
+            <a:r>
+              <a:rPr lang="fr-FR" baseline="0" dirty="0" smtClean="0"/>
+              <a:t>SPARK </a:t>
+            </a:r>
+            <a:r>
+              <a:rPr lang="fr-FR" baseline="0" dirty="0" err="1" smtClean="0"/>
+              <a:t>is</a:t>
+            </a:r>
+            <a:r>
+              <a:rPr lang="fr-FR" baseline="0" dirty="0" smtClean="0"/>
+              <a:t> AdaCore </a:t>
+            </a:r>
+            <a:r>
+              <a:rPr lang="fr-FR" baseline="0" dirty="0" err="1" smtClean="0"/>
+              <a:t>technology</a:t>
+            </a:r>
+            <a:r>
+              <a:rPr lang="fr-FR" baseline="0" dirty="0" smtClean="0"/>
+              <a:t>!</a:t>
+            </a:r>
+            <a:endParaRPr lang="fr-FR" dirty="0"/>
+          </a:p>
+        </p:txBody>
+      </p:sp>
+      <p:sp>
+        <p:nvSpPr>
+          <p:cNvPr id="4" name="Espace réservé du numéro de diapositive 3"/>
+          <p:cNvSpPr>
+            <a:spLocks noGrp="1"/>
+          </p:cNvSpPr>
+          <p:nvPr>
+            <p:ph type="sldNum" sz="quarter" idx="10"/>
+          </p:nvPr>
+        </p:nvSpPr>
+        <p:spPr/>
+        <p:txBody>
+          <a:bodyPr/>
+          <a:lstStyle/>
+          <a:p>
+            <a:fld id="{75693FD4-8F83-4EF7-AC3F-0DC0388986B0}" type="slidenum">
+              <a:rPr lang="en-US" smtClean="0"/>
+              <a:pPr/>
+              <a:t>6</a:t>
+            </a:fld>
+            <a:endParaRPr lang="en-US" dirty="0"/>
+          </a:p>
+        </p:txBody>
+      </p:sp>
+    </p:spTree>
+    <p:extLst>
+      <p:ext uri="{BB962C8B-B14F-4D97-AF65-F5344CB8AC3E}">
+        <p14:creationId xmlns:p14="http://schemas.microsoft.com/office/powerpoint/2010/main" val="1037072626"/>
+      </p:ext>
+    </p:extLst>
+  </p:cSld>
+  <p:clrMapOvr>
+    <a:masterClrMapping/>
+  </p:clrMapOvr>
+</p:notes>
+</file>
+
+<file path=ppt/notesSlides/notesSlide6.xml><?xml version="1.0" encoding="utf-8"?>
+<p:notes xmlns:a="http://schemas.openxmlformats.org/drawingml/2006/main" xmlns:r="http://schemas.openxmlformats.org/officeDocument/2006/relationships" xmlns:p="http://schemas.openxmlformats.org/presentationml/2006/main">
+  <p:cSld>
+    <p:spTree>
+      <p:nvGrpSpPr>
+        <p:cNvPr id="1" name=""/>
+        <p:cNvGrpSpPr/>
+        <p:nvPr/>
+      </p:nvGrpSpPr>
+      <p:grpSpPr>
+        <a:xfrm>
+          <a:off x="0" y="0"/>
+          <a:ext cx="0" cy="0"/>
+          <a:chOff x="0" y="0"/>
+          <a:chExt cx="0" cy="0"/>
+        </a:xfrm>
+      </p:grpSpPr>
+      <p:sp>
+        <p:nvSpPr>
+          <p:cNvPr id="2" name="Espace réservé de l'image des diapositives 1"/>
+          <p:cNvSpPr>
+            <a:spLocks noGrp="1" noRot="1" noChangeAspect="1"/>
+          </p:cNvSpPr>
+          <p:nvPr>
+            <p:ph type="sldImg"/>
+          </p:nvPr>
+        </p:nvSpPr>
+        <p:spPr/>
+      </p:sp>
+      <p:sp>
+        <p:nvSpPr>
+          <p:cNvPr id="3" name="Espace réservé des commentaires 2"/>
+          <p:cNvSpPr>
+            <a:spLocks noGrp="1"/>
+          </p:cNvSpPr>
+          <p:nvPr>
+            <p:ph type="body" idx="1"/>
+          </p:nvPr>
+        </p:nvSpPr>
+        <p:spPr/>
+        <p:txBody>
+          <a:bodyPr/>
+          <a:lstStyle/>
+          <a:p>
+            <a:r>
+              <a:rPr lang="fr-FR" dirty="0" err="1" smtClean="0"/>
+              <a:t>Two</a:t>
+            </a:r>
+            <a:r>
+              <a:rPr lang="fr-FR" dirty="0" smtClean="0"/>
+              <a:t> </a:t>
+            </a:r>
+            <a:r>
+              <a:rPr lang="fr-FR" dirty="0" err="1" smtClean="0"/>
+              <a:t>features</a:t>
+            </a:r>
+            <a:r>
+              <a:rPr lang="fr-FR" dirty="0" smtClean="0"/>
+              <a:t> of SPARK </a:t>
+            </a:r>
+            <a:r>
+              <a:rPr lang="fr-FR" dirty="0" err="1" smtClean="0"/>
+              <a:t>make</a:t>
+            </a:r>
+            <a:r>
+              <a:rPr lang="fr-FR" dirty="0" smtClean="0"/>
+              <a:t> </a:t>
+            </a:r>
+            <a:r>
+              <a:rPr lang="fr-FR" dirty="0" err="1" smtClean="0"/>
+              <a:t>it</a:t>
+            </a:r>
+            <a:r>
+              <a:rPr lang="fr-FR" baseline="0" dirty="0" smtClean="0"/>
+              <a:t> </a:t>
+            </a:r>
+            <a:r>
+              <a:rPr lang="fr-FR" baseline="0" dirty="0" err="1" smtClean="0"/>
+              <a:t>easy</a:t>
+            </a:r>
+            <a:r>
+              <a:rPr lang="fr-FR" baseline="0" dirty="0" smtClean="0"/>
+              <a:t> to use:</a:t>
+            </a:r>
+          </a:p>
+          <a:p>
+            <a:pPr marL="171450" indent="-171450">
+              <a:buFont typeface="Arial"/>
+              <a:buChar char="•"/>
+            </a:pPr>
+            <a:r>
+              <a:rPr lang="fr-FR" dirty="0" smtClean="0"/>
+              <a:t>SPARK </a:t>
+            </a:r>
+            <a:r>
+              <a:rPr lang="fr-FR" dirty="0" err="1" smtClean="0"/>
+              <a:t>listens</a:t>
+            </a:r>
+            <a:r>
+              <a:rPr lang="fr-FR" baseline="0" dirty="0" smtClean="0"/>
+              <a:t> to </a:t>
+            </a:r>
+            <a:r>
+              <a:rPr lang="fr-FR" baseline="0" dirty="0" err="1" smtClean="0"/>
+              <a:t>you</a:t>
+            </a:r>
+            <a:r>
+              <a:rPr lang="fr-FR" baseline="0" dirty="0" smtClean="0"/>
+              <a:t>!</a:t>
+            </a:r>
+          </a:p>
+          <a:p>
+            <a:pPr marL="171450" indent="-171450">
+              <a:buFont typeface="Arial"/>
+              <a:buChar char="•"/>
+            </a:pPr>
+            <a:r>
+              <a:rPr lang="fr-FR" dirty="0" smtClean="0"/>
+              <a:t>SPARK</a:t>
+            </a:r>
+            <a:r>
+              <a:rPr lang="fr-FR" baseline="0" dirty="0" smtClean="0"/>
+              <a:t> </a:t>
+            </a:r>
+            <a:r>
+              <a:rPr lang="fr-FR" baseline="0" dirty="0" err="1" smtClean="0"/>
+              <a:t>talks</a:t>
+            </a:r>
+            <a:r>
+              <a:rPr lang="fr-FR" baseline="0" dirty="0" smtClean="0"/>
+              <a:t> to </a:t>
+            </a:r>
+            <a:r>
+              <a:rPr lang="fr-FR" baseline="0" dirty="0" err="1" smtClean="0"/>
+              <a:t>you</a:t>
+            </a:r>
+            <a:r>
+              <a:rPr lang="fr-FR" baseline="0" dirty="0" smtClean="0"/>
+              <a:t>!</a:t>
+            </a:r>
+            <a:endParaRPr lang="fr-FR" dirty="0"/>
+          </a:p>
+        </p:txBody>
+      </p:sp>
+      <p:sp>
+        <p:nvSpPr>
+          <p:cNvPr id="4" name="Espace réservé du numéro de diapositive 3"/>
+          <p:cNvSpPr>
+            <a:spLocks noGrp="1"/>
+          </p:cNvSpPr>
+          <p:nvPr>
+            <p:ph type="sldNum" sz="quarter" idx="10"/>
+          </p:nvPr>
+        </p:nvSpPr>
+        <p:spPr/>
+        <p:txBody>
+          <a:bodyPr/>
+          <a:lstStyle/>
+          <a:p>
+            <a:fld id="{75693FD4-8F83-4EF7-AC3F-0DC0388986B0}" type="slidenum">
+              <a:rPr lang="en-US" smtClean="0"/>
+              <a:pPr/>
+              <a:t>7</a:t>
+            </a:fld>
+            <a:endParaRPr lang="en-US" dirty="0"/>
+          </a:p>
+        </p:txBody>
+      </p:sp>
+    </p:spTree>
+    <p:extLst>
+      <p:ext uri="{BB962C8B-B14F-4D97-AF65-F5344CB8AC3E}">
+        <p14:creationId xmlns:p14="http://schemas.microsoft.com/office/powerpoint/2010/main" val="366163572"/>
+      </p:ext>
+    </p:extLst>
+  </p:cSld>
+  <p:clrMapOvr>
+    <a:masterClrMapping/>
+  </p:clrMapOvr>
+</p:notes>
+</file>
+
+<file path=ppt/notesSlides/notesSlide7.xml><?xml version="1.0" encoding="utf-8"?>
+<p:notes xmlns:a="http://schemas.openxmlformats.org/drawingml/2006/main" xmlns:r="http://schemas.openxmlformats.org/officeDocument/2006/relationships" xmlns:p="http://schemas.openxmlformats.org/presentationml/2006/main">
+  <p:cSld>
+    <p:spTree>
+      <p:nvGrpSpPr>
+        <p:cNvPr id="1" name=""/>
+        <p:cNvGrpSpPr/>
+        <p:nvPr/>
+      </p:nvGrpSpPr>
+      <p:grpSpPr>
+        <a:xfrm>
+          <a:off x="0" y="0"/>
+          <a:ext cx="0" cy="0"/>
+          <a:chOff x="0" y="0"/>
+          <a:chExt cx="0" cy="0"/>
+        </a:xfrm>
+      </p:grpSpPr>
+      <p:sp>
+        <p:nvSpPr>
+          <p:cNvPr id="2" name="Espace réservé de l'image des diapositives 1"/>
+          <p:cNvSpPr>
+            <a:spLocks noGrp="1" noRot="1" noChangeAspect="1"/>
+          </p:cNvSpPr>
+          <p:nvPr>
+            <p:ph type="sldImg"/>
+          </p:nvPr>
+        </p:nvSpPr>
+        <p:spPr/>
+      </p:sp>
+      <p:sp>
+        <p:nvSpPr>
+          <p:cNvPr id="3" name="Espace réservé des commentaires 2"/>
+          <p:cNvSpPr>
+            <a:spLocks noGrp="1"/>
+          </p:cNvSpPr>
+          <p:nvPr>
+            <p:ph type="body" idx="1"/>
+          </p:nvPr>
+        </p:nvSpPr>
+        <p:spPr/>
+        <p:txBody>
+          <a:bodyPr/>
+          <a:lstStyle/>
+          <a:p>
+            <a:r>
+              <a:rPr lang="fr-FR" dirty="0" err="1" smtClean="0"/>
+              <a:t>See</a:t>
+            </a:r>
+            <a:r>
+              <a:rPr lang="fr-FR" dirty="0" smtClean="0"/>
+              <a:t> change for </a:t>
+            </a:r>
+            <a:r>
+              <a:rPr lang="fr-FR" dirty="0" err="1" smtClean="0"/>
+              <a:t>fix</a:t>
+            </a:r>
+            <a:endParaRPr lang="fr-FR" dirty="0"/>
+          </a:p>
+        </p:txBody>
+      </p:sp>
+      <p:sp>
+        <p:nvSpPr>
+          <p:cNvPr id="4" name="Espace réservé du numéro de diapositive 3"/>
+          <p:cNvSpPr>
+            <a:spLocks noGrp="1"/>
+          </p:cNvSpPr>
+          <p:nvPr>
+            <p:ph type="sldNum" sz="quarter" idx="10"/>
+          </p:nvPr>
+        </p:nvSpPr>
+        <p:spPr/>
+        <p:txBody>
+          <a:bodyPr/>
+          <a:lstStyle/>
+          <a:p>
+            <a:fld id="{75693FD4-8F83-4EF7-AC3F-0DC0388986B0}" type="slidenum">
+              <a:rPr lang="en-US" smtClean="0"/>
+              <a:pPr/>
+              <a:t>23</a:t>
+            </a:fld>
+            <a:endParaRPr lang="en-US" dirty="0"/>
+          </a:p>
+        </p:txBody>
+      </p:sp>
+    </p:spTree>
+    <p:extLst>
+      <p:ext uri="{BB962C8B-B14F-4D97-AF65-F5344CB8AC3E}">
+        <p14:creationId xmlns:p14="http://schemas.microsoft.com/office/powerpoint/2010/main" val="2731003155"/>
+      </p:ext>
+    </p:extLst>
+  </p:cSld>
+  <p:clrMapOvr>
+    <a:masterClrMapping/>
+  </p:clrMapOvr>
+</p:notes>
+</file>
+
+<file path=ppt/notesSlides/notesSlide8.xml><?xml version="1.0" encoding="utf-8"?>
+<p:notes xmlns:a="http://schemas.openxmlformats.org/drawingml/2006/main" xmlns:r="http://schemas.openxmlformats.org/officeDocument/2006/relationships" xmlns:p="http://schemas.openxmlformats.org/presentationml/2006/main">
+  <p:cSld>
+    <p:spTree>
+      <p:nvGrpSpPr>
+        <p:cNvPr id="1" name=""/>
+        <p:cNvGrpSpPr/>
+        <p:nvPr/>
+      </p:nvGrpSpPr>
+      <p:grpSpPr>
+        <a:xfrm>
+          <a:off x="0" y="0"/>
+          <a:ext cx="0" cy="0"/>
+          <a:chOff x="0" y="0"/>
+          <a:chExt cx="0" cy="0"/>
+        </a:xfrm>
+      </p:grpSpPr>
+      <p:sp>
+        <p:nvSpPr>
+          <p:cNvPr id="2" name="Espace réservé de l'image des diapositives 1"/>
+          <p:cNvSpPr>
+            <a:spLocks noGrp="1" noRot="1" noChangeAspect="1"/>
+          </p:cNvSpPr>
+          <p:nvPr>
+            <p:ph type="sldImg"/>
+          </p:nvPr>
+        </p:nvSpPr>
+        <p:spPr/>
+      </p:sp>
+      <p:sp>
+        <p:nvSpPr>
+          <p:cNvPr id="3" name="Espace réservé des commentaires 2"/>
+          <p:cNvSpPr>
+            <a:spLocks noGrp="1"/>
+          </p:cNvSpPr>
+          <p:nvPr>
+            <p:ph type="body" idx="1"/>
+          </p:nvPr>
+        </p:nvSpPr>
+        <p:spPr/>
+        <p:txBody>
+          <a:bodyPr/>
+          <a:lstStyle/>
+          <a:p>
+            <a:r>
+              <a:rPr lang="fr-FR" dirty="0" err="1" smtClean="0"/>
+              <a:t>Explain</a:t>
+            </a:r>
+            <a:r>
+              <a:rPr lang="fr-FR" dirty="0" smtClean="0"/>
+              <a:t> </a:t>
+            </a:r>
+            <a:r>
+              <a:rPr lang="fr-FR" dirty="0" err="1" smtClean="0"/>
+              <a:t>benefit</a:t>
+            </a:r>
+            <a:r>
+              <a:rPr lang="fr-FR" dirty="0" smtClean="0"/>
+              <a:t> of </a:t>
+            </a:r>
+            <a:r>
+              <a:rPr lang="fr-FR" dirty="0" err="1" smtClean="0"/>
+              <a:t>CodePeer</a:t>
+            </a:r>
+            <a:endParaRPr lang="fr-FR" dirty="0"/>
+          </a:p>
+        </p:txBody>
+      </p:sp>
+      <p:sp>
+        <p:nvSpPr>
+          <p:cNvPr id="4" name="Espace réservé du numéro de diapositive 3"/>
+          <p:cNvSpPr>
+            <a:spLocks noGrp="1"/>
+          </p:cNvSpPr>
+          <p:nvPr>
+            <p:ph type="sldNum" sz="quarter" idx="10"/>
+          </p:nvPr>
+        </p:nvSpPr>
+        <p:spPr/>
+        <p:txBody>
+          <a:bodyPr/>
+          <a:lstStyle/>
+          <a:p>
+            <a:fld id="{75693FD4-8F83-4EF7-AC3F-0DC0388986B0}" type="slidenum">
+              <a:rPr lang="en-US" smtClean="0"/>
+              <a:pPr/>
+              <a:t>24</a:t>
+            </a:fld>
+            <a:endParaRPr lang="en-US" dirty="0"/>
+          </a:p>
+        </p:txBody>
+      </p:sp>
+    </p:spTree>
+    <p:extLst>
+      <p:ext uri="{BB962C8B-B14F-4D97-AF65-F5344CB8AC3E}">
+        <p14:creationId xmlns:p14="http://schemas.microsoft.com/office/powerpoint/2010/main" val="3410565617"/>
+      </p:ext>
+    </p:extLst>
+  </p:cSld>
+  <p:clrMapOvr>
+    <a:masterClrMapping/>
+  </p:clrMapOvr>
+</p:notes>
+</file>
+
+<file path=ppt/notesSlides/notesSlide9.xml><?xml version="1.0" encoding="utf-8"?>
+<p:notes xmlns:a="http://schemas.openxmlformats.org/drawingml/2006/main" xmlns:r="http://schemas.openxmlformats.org/officeDocument/2006/relationships" xmlns:p="http://schemas.openxmlformats.org/presentationml/2006/main">
+  <p:cSld>
+    <p:spTree>
+      <p:nvGrpSpPr>
+        <p:cNvPr id="1" name=""/>
+        <p:cNvGrpSpPr/>
+        <p:nvPr/>
+      </p:nvGrpSpPr>
+      <p:grpSpPr>
+        <a:xfrm>
+          <a:off x="0" y="0"/>
+          <a:ext cx="0" cy="0"/>
+          <a:chOff x="0" y="0"/>
+          <a:chExt cx="0" cy="0"/>
+        </a:xfrm>
+      </p:grpSpPr>
+      <p:sp>
+        <p:nvSpPr>
+          <p:cNvPr id="2" name="Slide Image Placeholder 1"/>
+          <p:cNvSpPr>
+            <a:spLocks noGrp="1" noRot="1" noChangeAspect="1"/>
+          </p:cNvSpPr>
+          <p:nvPr>
+            <p:ph type="sldImg"/>
+          </p:nvPr>
+        </p:nvSpPr>
         <p:spPr>
           <a:xfrm>
-            <a:off x="307492" y="4139472"/>
-            <a:ext cx="6261652" cy="4593861"/>
+            <a:off x="685800" y="685800"/>
+            <a:ext cx="5486400" cy="3429000"/>
           </a:xfrm>
-          <a:noFill/>
-          <a:ln/>
         </p:spPr>
+      </p:sp>
+      <p:sp>
+        <p:nvSpPr>
+          <p:cNvPr id="3" name="Notes Placeholder 2"/>
+          <p:cNvSpPr>
+            <a:spLocks noGrp="1"/>
+          </p:cNvSpPr>
+          <p:nvPr>
+            <p:ph type="body" idx="1"/>
+          </p:nvPr>
+        </p:nvSpPr>
+        <p:spPr/>
+        <p:txBody>
+          <a:bodyPr>
+            <a:normAutofit/>
+          </a:bodyPr>
+          <a:lstStyle/>
+          <a:p>
+            <a:r>
+              <a:rPr lang="en-US" dirty="0" smtClean="0"/>
+              <a:t>Summarize presentation content by restating the important points from the lessons.</a:t>
+            </a:r>
+          </a:p>
+          <a:p>
+            <a:r>
+              <a:rPr lang="en-US" dirty="0" smtClean="0"/>
+              <a:t>What do you want the audience to remember when they leave your </a:t>
+            </a:r>
+            <a:r>
+              <a:rPr lang="en-US" smtClean="0"/>
+              <a:t>presentation?</a:t>
+            </a:r>
+            <a:endParaRPr lang="en-US" dirty="0" smtClean="0"/>
+          </a:p>
+        </p:txBody>
+      </p:sp>
+      <p:sp>
+        <p:nvSpPr>
+          <p:cNvPr id="4" name="Slide Number Placeholder 3"/>
+          <p:cNvSpPr>
+            <a:spLocks noGrp="1"/>
+          </p:cNvSpPr>
+          <p:nvPr>
+            <p:ph type="sldNum" sz="quarter" idx="10"/>
+          </p:nvPr>
+        </p:nvSpPr>
+        <p:spPr/>
         <p:txBody>
           <a:bodyPr/>
           <a:lstStyle/>
           <a:p>
-            <a:pPr>
-              <a:buFontTx/>
-              <a:buNone/>
-            </a:pPr>
-            <a:endParaRPr lang="en-US" dirty="0" smtClean="0"/>
+            <a:fld id="{EC6EAC7D-5A89-47C2-8ABA-56C9C2DEF7A4}" type="slidenum">
+              <a:rPr lang="en-US" smtClean="0"/>
+              <a:pPr/>
+              <a:t>25</a:t>
+            </a:fld>
+            <a:endParaRPr lang="en-US" dirty="0"/>
           </a:p>
         </p:txBody>
       </p:sp>
@@ -1490,7 +2943,7 @@
             <a:fld id="{757B281C-5159-4971-8228-52B9A72E9ED2}" type="datetimeFigureOut">
               <a:rPr lang="en-US" smtClean="0"/>
               <a:pPr/>
-              <a:t>04/09/15</a:t>
+              <a:t>10/09/15</a:t>
             </a:fld>
             <a:endParaRPr lang="en-US" dirty="0"/>
           </a:p>
@@ -1608,7 +3061,7 @@
             <a:fld id="{757B281C-5159-4971-8228-52B9A72E9ED2}" type="datetimeFigureOut">
               <a:rPr lang="en-US" smtClean="0"/>
               <a:pPr/>
-              <a:t>04/09/15</a:t>
+              <a:t>10/09/15</a:t>
             </a:fld>
             <a:endParaRPr lang="en-US" dirty="0"/>
           </a:p>
@@ -1710,7 +3163,7 @@
             <a:fld id="{757B281C-5159-4971-8228-52B9A72E9ED2}" type="datetimeFigureOut">
               <a:rPr lang="en-US" smtClean="0"/>
               <a:pPr/>
-              <a:t>04/09/15</a:t>
+              <a:t>10/09/15</a:t>
             </a:fld>
             <a:endParaRPr lang="en-US" dirty="0"/>
           </a:p>
@@ -1817,7 +3270,7 @@
             <a:fld id="{757B281C-5159-4971-8228-52B9A72E9ED2}" type="datetimeFigureOut">
               <a:rPr lang="en-US" smtClean="0"/>
               <a:pPr/>
-              <a:t>04/09/15</a:t>
+              <a:t>10/09/15</a:t>
             </a:fld>
             <a:endParaRPr lang="en-US" dirty="0"/>
           </a:p>
@@ -1929,7 +3382,7 @@
             <a:fld id="{757B281C-5159-4971-8228-52B9A72E9ED2}" type="datetimeFigureOut">
               <a:rPr lang="en-US" smtClean="0"/>
               <a:pPr/>
-              <a:t>04/09/15</a:t>
+              <a:t>10/09/15</a:t>
             </a:fld>
             <a:endParaRPr lang="en-US" dirty="0"/>
           </a:p>
@@ -2069,7 +3522,7 @@
             <a:fld id="{757B281C-5159-4971-8228-52B9A72E9ED2}" type="datetimeFigureOut">
               <a:rPr lang="en-US" smtClean="0"/>
               <a:pPr/>
-              <a:t>04/09/15</a:t>
+              <a:t>10/09/15</a:t>
             </a:fld>
             <a:endParaRPr lang="en-US" dirty="0"/>
           </a:p>
@@ -2341,7 +3794,7 @@
             <a:fld id="{757B281C-5159-4971-8228-52B9A72E9ED2}" type="datetimeFigureOut">
               <a:rPr lang="en-US" smtClean="0"/>
               <a:pPr/>
-              <a:t>04/09/15</a:t>
+              <a:t>10/09/15</a:t>
             </a:fld>
             <a:endParaRPr lang="en-US" dirty="0"/>
           </a:p>
@@ -2657,7 +4110,7 @@
             <a:fld id="{757B281C-5159-4971-8228-52B9A72E9ED2}" type="datetimeFigureOut">
               <a:rPr lang="en-US" smtClean="0"/>
               <a:pPr/>
-              <a:t>04/09/15</a:t>
+              <a:t>10/09/15</a:t>
             </a:fld>
             <a:endParaRPr lang="en-US" dirty="0"/>
           </a:p>
@@ -3102,7 +4555,7 @@
             <a:fld id="{757B281C-5159-4971-8228-52B9A72E9ED2}" type="datetimeFigureOut">
               <a:rPr lang="en-US" smtClean="0"/>
               <a:pPr/>
-              <a:t>04/09/15</a:t>
+              <a:t>10/09/15</a:t>
             </a:fld>
             <a:endParaRPr lang="en-US" dirty="0"/>
           </a:p>
@@ -3381,7 +4834,7 @@
             <a:fld id="{757B281C-5159-4971-8228-52B9A72E9ED2}" type="datetimeFigureOut">
               <a:rPr lang="en-US" smtClean="0"/>
               <a:pPr/>
-              <a:t>04/09/15</a:t>
+              <a:t>10/09/15</a:t>
             </a:fld>
             <a:endParaRPr lang="en-US" dirty="0"/>
           </a:p>
@@ -3645,7 +5098,7 @@
             <a:fld id="{757B281C-5159-4971-8228-52B9A72E9ED2}" type="datetimeFigureOut">
               <a:rPr lang="en-US" smtClean="0"/>
               <a:pPr/>
-              <a:t>04/09/15</a:t>
+              <a:t>10/09/15</a:t>
             </a:fld>
             <a:endParaRPr lang="en-US" dirty="0"/>
           </a:p>
@@ -3815,7 +5268,7 @@
             <a:fld id="{757B281C-5159-4971-8228-52B9A72E9ED2}" type="datetimeFigureOut">
               <a:rPr lang="en-US" smtClean="0"/>
               <a:pPr/>
-              <a:t>04/09/15</a:t>
+              <a:t>10/09/15</a:t>
             </a:fld>
             <a:endParaRPr lang="en-US" dirty="0"/>
           </a:p>
@@ -4028,7 +5481,7 @@
             <a:fld id="{757B281C-5159-4971-8228-52B9A72E9ED2}" type="datetimeFigureOut">
               <a:rPr lang="en-US" smtClean="0"/>
               <a:pPr/>
-              <a:t>04/09/15</a:t>
+              <a:t>10/09/15</a:t>
             </a:fld>
             <a:endParaRPr lang="en-US" dirty="0"/>
           </a:p>
@@ -10170,7 +11623,7 @@
           <p:nvPr/>
         </p:nvPicPr>
         <p:blipFill>
-          <a:blip r:embed="rId2">
+          <a:blip r:embed="rId3">
             <a:extLst>
               <a:ext uri="{28A0092B-C50C-407E-A947-70E740481C1C}">
                 <a14:useLocalDpi xmlns:a14="http://schemas.microsoft.com/office/drawing/2010/main" val="0"/>
@@ -10200,7 +11653,7 @@
           <p:nvPr/>
         </p:nvPicPr>
         <p:blipFill>
-          <a:blip r:embed="rId3">
+          <a:blip r:embed="rId4">
             <a:extLst>
               <a:ext uri="{28A0092B-C50C-407E-A947-70E740481C1C}">
                 <a14:useLocalDpi xmlns:a14="http://schemas.microsoft.com/office/drawing/2010/main" val="0"/>
@@ -11879,7 +13332,7 @@
           <p:nvPr/>
         </p:nvPicPr>
         <p:blipFill>
-          <a:blip r:embed="rId2">
+          <a:blip r:embed="rId3">
             <a:extLst>
               <a:ext uri="{28A0092B-C50C-407E-A947-70E740481C1C}">
                 <a14:useLocalDpi xmlns:a14="http://schemas.microsoft.com/office/drawing/2010/main" val="0"/>
@@ -11909,7 +13362,7 @@
           <p:nvPr/>
         </p:nvPicPr>
         <p:blipFill>
-          <a:blip r:embed="rId3">
+          <a:blip r:embed="rId4">
             <a:extLst>
               <a:ext uri="{28A0092B-C50C-407E-A947-70E740481C1C}">
                 <a14:useLocalDpi xmlns:a14="http://schemas.microsoft.com/office/drawing/2010/main" val="0"/>
@@ -12523,7 +13976,7 @@
           <p:nvPr/>
         </p:nvPicPr>
         <p:blipFill>
-          <a:blip r:embed="rId2">
+          <a:blip r:embed="rId3">
             <a:extLst>
               <a:ext uri="{28A0092B-C50C-407E-A947-70E740481C1C}">
                 <a14:useLocalDpi xmlns:a14="http://schemas.microsoft.com/office/drawing/2010/main" val="0"/>
@@ -12553,7 +14006,7 @@
           <p:nvPr/>
         </p:nvPicPr>
         <p:blipFill>
-          <a:blip r:embed="rId3">
+          <a:blip r:embed="rId4">
             <a:extLst>
               <a:ext uri="{28A0092B-C50C-407E-A947-70E740481C1C}">
                 <a14:useLocalDpi xmlns:a14="http://schemas.microsoft.com/office/drawing/2010/main" val="0"/>
@@ -13553,31 +15006,8 @@
             </a:r>
           </a:p>
           <a:p>
-            <a:pPr lvl="1"/>
-            <a:endParaRPr lang="en-US" dirty="0" smtClean="0"/>
-          </a:p>
-          <a:p>
-            <a:pPr marL="457200" indent="-457200">
-              <a:buFont typeface="+mj-lt"/>
-              <a:buAutoNum type="arabicPeriod"/>
-            </a:pPr>
-            <a:r>
-              <a:rPr lang="en-US" dirty="0" smtClean="0"/>
-              <a:t>Address </a:t>
-            </a:r>
-            <a:r>
-              <a:rPr lang="en-US" b="1" dirty="0" smtClean="0">
-                <a:solidFill>
-                  <a:srgbClr val="2D72AD"/>
-                </a:solidFill>
-              </a:rPr>
-              <a:t>data and control coupling</a:t>
-            </a:r>
-          </a:p>
-          <a:p>
-            <a:pPr marL="457200" indent="-457200">
-              <a:buFont typeface="+mj-lt"/>
-              <a:buAutoNum type="arabicPeriod"/>
+            <a:pPr marL="0" indent="0">
+              <a:buNone/>
             </a:pPr>
             <a:endParaRPr lang="en-US" b="1" dirty="0" smtClean="0">
               <a:solidFill>

--- a/slides/AdaCore_Tech_Days_2015/AdaCore Tech Days SPARK 2014.pptx
+++ b/slides/AdaCore_Tech_Days_2015/AdaCore Tech Days SPARK 2014.pptx
@@ -5,38 +5,40 @@
     <p:sldMasterId id="2147483648" r:id="rId1"/>
   </p:sldMasterIdLst>
   <p:notesMasterIdLst>
-    <p:notesMasterId r:id="rId28"/>
+    <p:notesMasterId r:id="rId30"/>
   </p:notesMasterIdLst>
   <p:handoutMasterIdLst>
-    <p:handoutMasterId r:id="rId29"/>
+    <p:handoutMasterId r:id="rId31"/>
   </p:handoutMasterIdLst>
   <p:sldIdLst>
     <p:sldId id="277" r:id="rId2"/>
     <p:sldId id="259" r:id="rId3"/>
-    <p:sldId id="290" r:id="rId4"/>
-    <p:sldId id="291" r:id="rId5"/>
-    <p:sldId id="292" r:id="rId6"/>
-    <p:sldId id="278" r:id="rId7"/>
-    <p:sldId id="280" r:id="rId8"/>
-    <p:sldId id="279" r:id="rId9"/>
-    <p:sldId id="301" r:id="rId10"/>
-    <p:sldId id="300" r:id="rId11"/>
-    <p:sldId id="281" r:id="rId12"/>
-    <p:sldId id="283" r:id="rId13"/>
-    <p:sldId id="284" r:id="rId14"/>
-    <p:sldId id="285" r:id="rId15"/>
-    <p:sldId id="286" r:id="rId16"/>
-    <p:sldId id="287" r:id="rId17"/>
-    <p:sldId id="293" r:id="rId18"/>
-    <p:sldId id="294" r:id="rId19"/>
-    <p:sldId id="288" r:id="rId20"/>
-    <p:sldId id="295" r:id="rId21"/>
-    <p:sldId id="297" r:id="rId22"/>
-    <p:sldId id="296" r:id="rId23"/>
-    <p:sldId id="298" r:id="rId24"/>
-    <p:sldId id="289" r:id="rId25"/>
-    <p:sldId id="275" r:id="rId26"/>
-    <p:sldId id="276" r:id="rId27"/>
+    <p:sldId id="303" r:id="rId4"/>
+    <p:sldId id="290" r:id="rId5"/>
+    <p:sldId id="291" r:id="rId6"/>
+    <p:sldId id="292" r:id="rId7"/>
+    <p:sldId id="278" r:id="rId8"/>
+    <p:sldId id="280" r:id="rId9"/>
+    <p:sldId id="279" r:id="rId10"/>
+    <p:sldId id="301" r:id="rId11"/>
+    <p:sldId id="300" r:id="rId12"/>
+    <p:sldId id="281" r:id="rId13"/>
+    <p:sldId id="283" r:id="rId14"/>
+    <p:sldId id="284" r:id="rId15"/>
+    <p:sldId id="285" r:id="rId16"/>
+    <p:sldId id="286" r:id="rId17"/>
+    <p:sldId id="287" r:id="rId18"/>
+    <p:sldId id="293" r:id="rId19"/>
+    <p:sldId id="294" r:id="rId20"/>
+    <p:sldId id="288" r:id="rId21"/>
+    <p:sldId id="295" r:id="rId22"/>
+    <p:sldId id="297" r:id="rId23"/>
+    <p:sldId id="296" r:id="rId24"/>
+    <p:sldId id="298" r:id="rId25"/>
+    <p:sldId id="302" r:id="rId26"/>
+    <p:sldId id="289" r:id="rId27"/>
+    <p:sldId id="275" r:id="rId28"/>
+    <p:sldId id="276" r:id="rId29"/>
   </p:sldIdLst>
   <p:sldSz cx="9144000" cy="5715000" type="screen16x10"/>
   <p:notesSz cx="6858000" cy="9144000"/>
@@ -142,6 +144,7 @@
           <p14:sldIdLst>
             <p14:sldId id="277"/>
             <p14:sldId id="259"/>
+            <p14:sldId id="303"/>
             <p14:sldId id="290"/>
             <p14:sldId id="291"/>
             <p14:sldId id="292"/>
@@ -179,6 +182,7 @@
             <p14:sldId id="297"/>
             <p14:sldId id="296"/>
             <p14:sldId id="298"/>
+            <p14:sldId id="302"/>
             <p14:sldId id="289"/>
           </p14:sldIdLst>
         </p14:section>
@@ -873,6 +877,212 @@
       </p:grpSpPr>
       <p:sp>
         <p:nvSpPr>
+          <p:cNvPr id="2" name="Espace réservé de l'image des diapositives 1"/>
+          <p:cNvSpPr>
+            <a:spLocks noGrp="1" noRot="1" noChangeAspect="1"/>
+          </p:cNvSpPr>
+          <p:nvPr>
+            <p:ph type="sldImg"/>
+          </p:nvPr>
+        </p:nvSpPr>
+        <p:spPr/>
+      </p:sp>
+      <p:sp>
+        <p:nvSpPr>
+          <p:cNvPr id="3" name="Espace réservé des commentaires 2"/>
+          <p:cNvSpPr>
+            <a:spLocks noGrp="1"/>
+          </p:cNvSpPr>
+          <p:nvPr>
+            <p:ph type="body" idx="1"/>
+          </p:nvPr>
+        </p:nvSpPr>
+        <p:spPr/>
+        <p:txBody>
+          <a:bodyPr/>
+          <a:lstStyle/>
+          <a:p>
+            <a:r>
+              <a:rPr lang="fr-FR" dirty="0" err="1" smtClean="0"/>
+              <a:t>Explain</a:t>
+            </a:r>
+            <a:r>
+              <a:rPr lang="fr-FR" dirty="0" smtClean="0"/>
+              <a:t> </a:t>
+            </a:r>
+            <a:r>
+              <a:rPr lang="fr-FR" dirty="0" err="1" smtClean="0"/>
+              <a:t>benefit</a:t>
+            </a:r>
+            <a:r>
+              <a:rPr lang="fr-FR" dirty="0" smtClean="0"/>
+              <a:t> of </a:t>
+            </a:r>
+            <a:r>
+              <a:rPr lang="fr-FR" dirty="0" err="1" smtClean="0"/>
+              <a:t>CodePeer</a:t>
+            </a:r>
+            <a:endParaRPr lang="fr-FR" dirty="0"/>
+          </a:p>
+        </p:txBody>
+      </p:sp>
+      <p:sp>
+        <p:nvSpPr>
+          <p:cNvPr id="4" name="Espace réservé du numéro de diapositive 3"/>
+          <p:cNvSpPr>
+            <a:spLocks noGrp="1"/>
+          </p:cNvSpPr>
+          <p:nvPr>
+            <p:ph type="sldNum" sz="quarter" idx="10"/>
+          </p:nvPr>
+        </p:nvSpPr>
+        <p:spPr/>
+        <p:txBody>
+          <a:bodyPr/>
+          <a:lstStyle/>
+          <a:p>
+            <a:fld id="{75693FD4-8F83-4EF7-AC3F-0DC0388986B0}" type="slidenum">
+              <a:rPr lang="en-US" smtClean="0"/>
+              <a:pPr/>
+              <a:t>26</a:t>
+            </a:fld>
+            <a:endParaRPr lang="en-US" dirty="0"/>
+          </a:p>
+        </p:txBody>
+      </p:sp>
+    </p:spTree>
+    <p:extLst>
+      <p:ext uri="{BB962C8B-B14F-4D97-AF65-F5344CB8AC3E}">
+        <p14:creationId xmlns:p14="http://schemas.microsoft.com/office/powerpoint/2010/main" val="3410565617"/>
+      </p:ext>
+    </p:extLst>
+  </p:cSld>
+  <p:clrMapOvr>
+    <a:masterClrMapping/>
+  </p:clrMapOvr>
+</p:notes>
+</file>
+
+<file path=ppt/notesSlides/notesSlide11.xml><?xml version="1.0" encoding="utf-8"?>
+<p:notes xmlns:a="http://schemas.openxmlformats.org/drawingml/2006/main" xmlns:r="http://schemas.openxmlformats.org/officeDocument/2006/relationships" xmlns:p="http://schemas.openxmlformats.org/presentationml/2006/main">
+  <p:cSld>
+    <p:spTree>
+      <p:nvGrpSpPr>
+        <p:cNvPr id="1" name=""/>
+        <p:cNvGrpSpPr/>
+        <p:nvPr/>
+      </p:nvGrpSpPr>
+      <p:grpSpPr>
+        <a:xfrm>
+          <a:off x="0" y="0"/>
+          <a:ext cx="0" cy="0"/>
+          <a:chOff x="0" y="0"/>
+          <a:chExt cx="0" cy="0"/>
+        </a:xfrm>
+      </p:grpSpPr>
+      <p:sp>
+        <p:nvSpPr>
+          <p:cNvPr id="2" name="Slide Image Placeholder 1"/>
+          <p:cNvSpPr>
+            <a:spLocks noGrp="1" noRot="1" noChangeAspect="1"/>
+          </p:cNvSpPr>
+          <p:nvPr>
+            <p:ph type="sldImg"/>
+          </p:nvPr>
+        </p:nvSpPr>
+        <p:spPr>
+          <a:xfrm>
+            <a:off x="685800" y="685800"/>
+            <a:ext cx="5486400" cy="3429000"/>
+          </a:xfrm>
+        </p:spPr>
+      </p:sp>
+      <p:sp>
+        <p:nvSpPr>
+          <p:cNvPr id="3" name="Notes Placeholder 2"/>
+          <p:cNvSpPr>
+            <a:spLocks noGrp="1"/>
+          </p:cNvSpPr>
+          <p:nvPr>
+            <p:ph type="body" idx="1"/>
+          </p:nvPr>
+        </p:nvSpPr>
+        <p:spPr/>
+        <p:txBody>
+          <a:bodyPr>
+            <a:normAutofit/>
+          </a:bodyPr>
+          <a:lstStyle/>
+          <a:p>
+            <a:r>
+              <a:rPr lang="en-US" dirty="0" smtClean="0"/>
+              <a:t>Summarize presentation content by restating the important points from the lessons.</a:t>
+            </a:r>
+          </a:p>
+          <a:p>
+            <a:r>
+              <a:rPr lang="en-US" dirty="0" smtClean="0"/>
+              <a:t>What do you want the audience to remember when they leave your </a:t>
+            </a:r>
+            <a:r>
+              <a:rPr lang="en-US" smtClean="0"/>
+              <a:t>presentation?</a:t>
+            </a:r>
+            <a:endParaRPr lang="en-US" dirty="0" smtClean="0"/>
+          </a:p>
+        </p:txBody>
+      </p:sp>
+      <p:sp>
+        <p:nvSpPr>
+          <p:cNvPr id="4" name="Slide Number Placeholder 3"/>
+          <p:cNvSpPr>
+            <a:spLocks noGrp="1"/>
+          </p:cNvSpPr>
+          <p:nvPr>
+            <p:ph type="sldNum" sz="quarter" idx="10"/>
+          </p:nvPr>
+        </p:nvSpPr>
+        <p:spPr/>
+        <p:txBody>
+          <a:bodyPr/>
+          <a:lstStyle/>
+          <a:p>
+            <a:fld id="{EC6EAC7D-5A89-47C2-8ABA-56C9C2DEF7A4}" type="slidenum">
+              <a:rPr lang="en-US" smtClean="0"/>
+              <a:pPr/>
+              <a:t>27</a:t>
+            </a:fld>
+            <a:endParaRPr lang="en-US" dirty="0"/>
+          </a:p>
+        </p:txBody>
+      </p:sp>
+    </p:spTree>
+  </p:cSld>
+  <p:clrMapOvr>
+    <a:masterClrMapping/>
+  </p:clrMapOvr>
+</p:notes>
+</file>
+
+<file path=ppt/notesSlides/notesSlide12.xml><?xml version="1.0" encoding="utf-8"?>
+<p:notes xmlns:a="http://schemas.openxmlformats.org/drawingml/2006/main" xmlns:r="http://schemas.openxmlformats.org/officeDocument/2006/relationships" xmlns:p="http://schemas.openxmlformats.org/presentationml/2006/main">
+  <p:cSld>
+    <p:spTree>
+      <p:nvGrpSpPr>
+        <p:cNvPr id="1" name=""/>
+        <p:cNvGrpSpPr/>
+        <p:nvPr/>
+      </p:nvGrpSpPr>
+      <p:grpSpPr>
+        <a:xfrm>
+          <a:off x="0" y="0"/>
+          <a:ext cx="0" cy="0"/>
+          <a:chOff x="0" y="0"/>
+          <a:chExt cx="0" cy="0"/>
+        </a:xfrm>
+      </p:grpSpPr>
+      <p:sp>
+        <p:nvSpPr>
           <p:cNvPr id="40962" name="Rectangle 23"/>
           <p:cNvSpPr>
             <a:spLocks noGrp="1" noChangeArrowheads="1"/>
@@ -944,7 +1154,7 @@
             <a:fld id="{85CEDE57-F8FE-4B43-B511-2E9F76624F74}" type="slidenum">
               <a:rPr lang="en-US" smtClean="0"/>
               <a:pPr/>
-              <a:t>26</a:t>
+              <a:t>28</a:t>
             </a:fld>
             <a:endParaRPr lang="en-US" dirty="0" smtClean="0"/>
           </a:p>
@@ -1050,126 +1260,6 @@
           <a:bodyPr/>
           <a:lstStyle/>
           <a:p>
-            <a:r>
-              <a:rPr lang="fr-FR" dirty="0" smtClean="0"/>
-              <a:t>Start</a:t>
-            </a:r>
-            <a:r>
-              <a:rPr lang="fr-FR" baseline="0" dirty="0" smtClean="0"/>
-              <a:t> </a:t>
-            </a:r>
-            <a:r>
-              <a:rPr lang="fr-FR" baseline="0" dirty="0" err="1" smtClean="0"/>
-              <a:t>with</a:t>
-            </a:r>
-            <a:r>
-              <a:rPr lang="fr-FR" baseline="0" dirty="0" smtClean="0"/>
-              <a:t> story </a:t>
-            </a:r>
-            <a:r>
-              <a:rPr lang="fr-FR" baseline="0" dirty="0" err="1" smtClean="0"/>
-              <a:t>that</a:t>
-            </a:r>
-            <a:r>
-              <a:rPr lang="fr-FR" baseline="0" dirty="0" smtClean="0"/>
-              <a:t> supports </a:t>
-            </a:r>
-            <a:r>
-              <a:rPr lang="fr-FR" baseline="0" dirty="0" err="1" smtClean="0"/>
-              <a:t>my</a:t>
-            </a:r>
-            <a:r>
-              <a:rPr lang="fr-FR" baseline="0" dirty="0" smtClean="0"/>
-              <a:t> </a:t>
-            </a:r>
-            <a:r>
-              <a:rPr lang="fr-FR" baseline="0" dirty="0" err="1" smtClean="0"/>
-              <a:t>bold</a:t>
-            </a:r>
-            <a:r>
-              <a:rPr lang="fr-FR" baseline="0" dirty="0" smtClean="0"/>
-              <a:t> claim.</a:t>
-            </a:r>
-          </a:p>
-          <a:p>
-            <a:r>
-              <a:rPr lang="fr-FR" baseline="0" dirty="0" smtClean="0"/>
-              <a:t>This </a:t>
-            </a:r>
-            <a:r>
-              <a:rPr lang="fr-FR" baseline="0" dirty="0" err="1" smtClean="0"/>
-              <a:t>is</a:t>
-            </a:r>
-            <a:r>
-              <a:rPr lang="fr-FR" baseline="0" dirty="0" smtClean="0"/>
-              <a:t> the </a:t>
-            </a:r>
-            <a:r>
-              <a:rPr lang="fr-FR" baseline="0" dirty="0" err="1" smtClean="0"/>
-              <a:t>Crazyflie</a:t>
-            </a:r>
-            <a:r>
-              <a:rPr lang="fr-FR" baseline="0" dirty="0" smtClean="0"/>
-              <a:t>, a </a:t>
-            </a:r>
-            <a:r>
-              <a:rPr lang="fr-FR" baseline="0" dirty="0" err="1" smtClean="0"/>
-              <a:t>small</a:t>
-            </a:r>
-            <a:r>
-              <a:rPr lang="fr-FR" baseline="0" dirty="0" smtClean="0"/>
-              <a:t> </a:t>
-            </a:r>
-            <a:r>
-              <a:rPr lang="fr-FR" baseline="0" dirty="0" err="1" smtClean="0"/>
-              <a:t>leisure</a:t>
-            </a:r>
-            <a:r>
-              <a:rPr lang="fr-FR" baseline="0" dirty="0" smtClean="0"/>
-              <a:t> drone, </a:t>
-            </a:r>
-            <a:r>
-              <a:rPr lang="fr-FR" baseline="0" dirty="0" err="1" smtClean="0"/>
-              <a:t>originally</a:t>
-            </a:r>
-            <a:r>
-              <a:rPr lang="fr-FR" baseline="0" dirty="0" smtClean="0"/>
-              <a:t> </a:t>
-            </a:r>
-            <a:r>
-              <a:rPr lang="fr-FR" baseline="0" dirty="0" err="1" smtClean="0"/>
-              <a:t>programmed</a:t>
-            </a:r>
-            <a:r>
-              <a:rPr lang="fr-FR" baseline="0" dirty="0" smtClean="0"/>
-              <a:t> in C on top of </a:t>
-            </a:r>
-            <a:r>
-              <a:rPr lang="fr-FR" baseline="0" dirty="0" err="1" smtClean="0"/>
-              <a:t>FreeRTOS</a:t>
-            </a:r>
-            <a:r>
-              <a:rPr lang="fr-FR" baseline="0" dirty="0" smtClean="0"/>
-              <a:t> + </a:t>
-            </a:r>
-            <a:r>
-              <a:rPr lang="fr-FR" baseline="0" dirty="0" err="1" smtClean="0"/>
-              <a:t>libraries</a:t>
-            </a:r>
-            <a:r>
-              <a:rPr lang="fr-FR" baseline="0" dirty="0" smtClean="0"/>
-              <a:t>/drivers/</a:t>
-            </a:r>
-            <a:r>
-              <a:rPr lang="fr-FR" baseline="0" dirty="0" err="1" smtClean="0"/>
-              <a:t>etc</a:t>
-            </a:r>
-            <a:r>
-              <a:rPr lang="fr-FR" baseline="0" dirty="0" smtClean="0"/>
-              <a:t> all in C.</a:t>
-            </a:r>
-          </a:p>
-          <a:p>
             <a:endParaRPr lang="fr-FR" dirty="0"/>
           </a:p>
         </p:txBody>
@@ -1201,7 +1291,7 @@
     </p:spTree>
     <p:extLst>
       <p:ext uri="{BB962C8B-B14F-4D97-AF65-F5344CB8AC3E}">
-        <p14:creationId xmlns:p14="http://schemas.microsoft.com/office/powerpoint/2010/main" val="2852743328"/>
+        <p14:creationId xmlns:p14="http://schemas.microsoft.com/office/powerpoint/2010/main" val="1037072626"/>
       </p:ext>
     </p:extLst>
   </p:cSld>
@@ -1257,85 +1347,7 @@
           <a:p>
             <a:r>
               <a:rPr lang="fr-FR" dirty="0" smtClean="0"/>
-              <a:t>This </a:t>
-            </a:r>
-            <a:r>
-              <a:rPr lang="fr-FR" dirty="0" err="1" smtClean="0"/>
-              <a:t>is</a:t>
-            </a:r>
-            <a:r>
-              <a:rPr lang="fr-FR" dirty="0" smtClean="0"/>
-              <a:t> </a:t>
-            </a:r>
-            <a:r>
-              <a:rPr lang="fr-FR" dirty="0" err="1" smtClean="0"/>
-              <a:t>our</a:t>
-            </a:r>
-            <a:r>
-              <a:rPr lang="fr-FR" dirty="0" smtClean="0"/>
-              <a:t> </a:t>
-            </a:r>
-            <a:r>
-              <a:rPr lang="fr-FR" dirty="0" err="1" smtClean="0"/>
-              <a:t>intern</a:t>
-            </a:r>
-            <a:r>
-              <a:rPr lang="fr-FR" dirty="0" smtClean="0"/>
-              <a:t> Anthony Leonardo </a:t>
-            </a:r>
-            <a:r>
-              <a:rPr lang="fr-FR" dirty="0" err="1" smtClean="0"/>
-              <a:t>Gracio</a:t>
-            </a:r>
-            <a:r>
-              <a:rPr lang="fr-FR" dirty="0" smtClean="0"/>
-              <a:t>.</a:t>
-            </a:r>
-          </a:p>
-          <a:p>
-            <a:r>
-              <a:rPr lang="fr-FR" dirty="0" smtClean="0"/>
-              <a:t>Anthony </a:t>
-            </a:r>
-            <a:r>
-              <a:rPr lang="fr-FR" dirty="0" err="1" smtClean="0"/>
-              <a:t>had</a:t>
-            </a:r>
-            <a:r>
-              <a:rPr lang="fr-FR" dirty="0" smtClean="0"/>
-              <a:t> </a:t>
-            </a:r>
-            <a:r>
-              <a:rPr lang="fr-FR" dirty="0" err="1" smtClean="0"/>
-              <a:t>little</a:t>
-            </a:r>
-            <a:r>
-              <a:rPr lang="fr-FR" dirty="0" smtClean="0"/>
-              <a:t> </a:t>
-            </a:r>
-            <a:r>
-              <a:rPr lang="fr-FR" dirty="0" err="1" smtClean="0"/>
-              <a:t>knowledge</a:t>
-            </a:r>
-            <a:r>
-              <a:rPr lang="fr-FR" dirty="0" smtClean="0"/>
-              <a:t> of Ada and no </a:t>
-            </a:r>
-            <a:r>
-              <a:rPr lang="fr-FR" dirty="0" err="1" smtClean="0"/>
-              <a:t>knowledge</a:t>
-            </a:r>
-            <a:r>
-              <a:rPr lang="fr-FR" dirty="0" smtClean="0"/>
-              <a:t> of SPARK or</a:t>
-            </a:r>
-            <a:r>
-              <a:rPr lang="fr-FR" baseline="0" dirty="0" smtClean="0"/>
-              <a:t> of </a:t>
-            </a:r>
-            <a:r>
-              <a:rPr lang="fr-FR" baseline="0" dirty="0" err="1" smtClean="0"/>
-              <a:t>any</a:t>
+              <a:t>Start</a:t>
             </a:r>
             <a:r>
               <a:rPr lang="fr-FR" baseline="0" dirty="0" smtClean="0"/>
@@ -1343,7 +1355,23 @@
             </a:r>
             <a:r>
               <a:rPr lang="fr-FR" baseline="0" dirty="0" err="1" smtClean="0"/>
-              <a:t>static</a:t>
+              <a:t>with</a:t>
+            </a:r>
+            <a:r>
+              <a:rPr lang="fr-FR" baseline="0" dirty="0" smtClean="0"/>
+              <a:t> story </a:t>
+            </a:r>
+            <a:r>
+              <a:rPr lang="fr-FR" baseline="0" dirty="0" err="1" smtClean="0"/>
+              <a:t>that</a:t>
+            </a:r>
+            <a:r>
+              <a:rPr lang="fr-FR" baseline="0" dirty="0" smtClean="0"/>
+              <a:t> supports </a:t>
+            </a:r>
+            <a:r>
+              <a:rPr lang="fr-FR" baseline="0" dirty="0" err="1" smtClean="0"/>
+              <a:t>my</a:t>
             </a:r>
             <a:r>
               <a:rPr lang="fr-FR" baseline="0" dirty="0" smtClean="0"/>
@@ -1351,7 +1379,37 @@
             </a:r>
             <a:r>
               <a:rPr lang="fr-FR" baseline="0" dirty="0" err="1" smtClean="0"/>
-              <a:t>analysis</a:t>
+              <a:t>bold</a:t>
+            </a:r>
+            <a:r>
+              <a:rPr lang="fr-FR" baseline="0" dirty="0" smtClean="0"/>
+              <a:t> claim.</a:t>
+            </a:r>
+          </a:p>
+          <a:p>
+            <a:r>
+              <a:rPr lang="fr-FR" baseline="0" dirty="0" smtClean="0"/>
+              <a:t>This </a:t>
+            </a:r>
+            <a:r>
+              <a:rPr lang="fr-FR" baseline="0" dirty="0" err="1" smtClean="0"/>
+              <a:t>is</a:t>
+            </a:r>
+            <a:r>
+              <a:rPr lang="fr-FR" baseline="0" dirty="0" smtClean="0"/>
+              <a:t> the </a:t>
+            </a:r>
+            <a:r>
+              <a:rPr lang="fr-FR" baseline="0" dirty="0" err="1" smtClean="0"/>
+              <a:t>Crazyflie</a:t>
+            </a:r>
+            <a:r>
+              <a:rPr lang="fr-FR" baseline="0" dirty="0" smtClean="0"/>
+              <a:t>, a </a:t>
+            </a:r>
+            <a:r>
+              <a:rPr lang="fr-FR" baseline="0" dirty="0" err="1" smtClean="0"/>
+              <a:t>small</a:t>
             </a:r>
             <a:r>
               <a:rPr lang="fr-FR" baseline="0" dirty="0" smtClean="0"/>
@@ -1359,7 +1417,15 @@
             </a:r>
             <a:r>
               <a:rPr lang="fr-FR" baseline="0" dirty="0" err="1" smtClean="0"/>
-              <a:t>tools</a:t>
+              <a:t>leisure</a:t>
+            </a:r>
+            <a:r>
+              <a:rPr lang="fr-FR" baseline="0" dirty="0" smtClean="0"/>
+              <a:t> drone, </a:t>
+            </a:r>
+            <a:r>
+              <a:rPr lang="fr-FR" baseline="0" dirty="0" err="1" smtClean="0"/>
+              <a:t>originally</a:t>
             </a:r>
             <a:r>
               <a:rPr lang="fr-FR" baseline="0" dirty="0" smtClean="0"/>
@@ -1367,156 +1433,38 @@
             </a:r>
             <a:r>
               <a:rPr lang="fr-FR" baseline="0" dirty="0" err="1" smtClean="0"/>
-              <a:t>prior</a:t>
+              <a:t>programmed</a:t>
             </a:r>
             <a:r>
               <a:rPr lang="fr-FR" baseline="0" dirty="0" smtClean="0"/>
-              <a:t> to </a:t>
+              <a:t> in C on top of </a:t>
             </a:r>
             <a:r>
               <a:rPr lang="fr-FR" baseline="0" dirty="0" err="1" smtClean="0"/>
-              <a:t>his</a:t>
+              <a:t>FreeRTOS</a:t>
             </a:r>
             <a:r>
               <a:rPr lang="fr-FR" baseline="0" dirty="0" smtClean="0"/>
-              <a:t> </a:t>
+              <a:t> + </a:t>
             </a:r>
             <a:r>
               <a:rPr lang="fr-FR" baseline="0" dirty="0" err="1" smtClean="0"/>
-              <a:t>internship</a:t>
+              <a:t>libraries</a:t>
             </a:r>
             <a:r>
               <a:rPr lang="fr-FR" baseline="0" dirty="0" smtClean="0"/>
-              <a:t>.</a:t>
-            </a:r>
-          </a:p>
-          <a:p>
+              <a:t>/drivers/</a:t>
+            </a:r>
             <a:r>
               <a:rPr lang="fr-FR" baseline="0" dirty="0" err="1" smtClean="0"/>
-              <a:t>Yet</a:t>
+              <a:t>etc</a:t>
             </a:r>
             <a:r>
               <a:rPr lang="fr-FR" baseline="0" dirty="0" smtClean="0"/>
-              <a:t>, in 2 </a:t>
-            </a:r>
-            <a:r>
-              <a:rPr lang="fr-FR" baseline="0" dirty="0" err="1" smtClean="0"/>
-              <a:t>months</a:t>
-            </a:r>
-            <a:r>
-              <a:rPr lang="fr-FR" baseline="0" dirty="0" smtClean="0"/>
-              <a:t>, Anthony </a:t>
-            </a:r>
-            <a:r>
-              <a:rPr lang="fr-FR" baseline="0" dirty="0" err="1" smtClean="0"/>
-              <a:t>rewrote</a:t>
-            </a:r>
-            <a:r>
-              <a:rPr lang="fr-FR" baseline="0" dirty="0" smtClean="0"/>
-              <a:t> </a:t>
-            </a:r>
-            <a:r>
-              <a:rPr lang="fr-FR" baseline="0" dirty="0" err="1" smtClean="0"/>
-              <a:t>completely</a:t>
-            </a:r>
-            <a:r>
-              <a:rPr lang="fr-FR" baseline="0" dirty="0" smtClean="0"/>
-              <a:t> the </a:t>
-            </a:r>
-            <a:r>
-              <a:rPr lang="fr-FR" baseline="0" dirty="0" err="1" smtClean="0"/>
-              <a:t>stabilization</a:t>
-            </a:r>
-            <a:r>
-              <a:rPr lang="fr-FR" baseline="0" dirty="0" smtClean="0"/>
-              <a:t> code of the </a:t>
-            </a:r>
-            <a:r>
-              <a:rPr lang="fr-FR" baseline="0" dirty="0" err="1" smtClean="0"/>
-              <a:t>Crazyflie</a:t>
-            </a:r>
-            <a:r>
-              <a:rPr lang="fr-FR" baseline="0" dirty="0" smtClean="0"/>
-              <a:t> in SPARK, and </a:t>
-            </a:r>
-            <a:r>
-              <a:rPr lang="fr-FR" baseline="0" dirty="0" err="1" smtClean="0"/>
-              <a:t>he</a:t>
-            </a:r>
-            <a:r>
-              <a:rPr lang="fr-FR" baseline="0" dirty="0" smtClean="0"/>
-              <a:t> </a:t>
-            </a:r>
-            <a:r>
-              <a:rPr lang="fr-FR" baseline="0" dirty="0" err="1" smtClean="0"/>
-              <a:t>proved</a:t>
-            </a:r>
-            <a:r>
-              <a:rPr lang="fr-FR" baseline="0" dirty="0" smtClean="0"/>
-              <a:t> absence of </a:t>
-            </a:r>
-            <a:r>
-              <a:rPr lang="fr-FR" baseline="0" dirty="0" err="1" smtClean="0"/>
-              <a:t>run</a:t>
-            </a:r>
-            <a:r>
-              <a:rPr lang="fr-FR" baseline="0" dirty="0" smtClean="0"/>
-              <a:t>-time </a:t>
-            </a:r>
-            <a:r>
-              <a:rPr lang="fr-FR" baseline="0" dirty="0" err="1" smtClean="0"/>
-              <a:t>errors</a:t>
-            </a:r>
-            <a:r>
-              <a:rPr lang="fr-FR" baseline="0" dirty="0" smtClean="0"/>
-              <a:t> on the SPARK code.</a:t>
-            </a:r>
-          </a:p>
-          <a:p>
-            <a:r>
-              <a:rPr lang="fr-FR" baseline="0" dirty="0" smtClean="0"/>
-              <a:t>And the drone </a:t>
-            </a:r>
-            <a:r>
-              <a:rPr lang="fr-FR" baseline="0" dirty="0" err="1" smtClean="0"/>
-              <a:t>was</a:t>
-            </a:r>
-            <a:r>
-              <a:rPr lang="fr-FR" baseline="0" dirty="0" smtClean="0"/>
-              <a:t> </a:t>
-            </a:r>
-            <a:r>
-              <a:rPr lang="fr-FR" baseline="0" dirty="0" err="1" smtClean="0"/>
-              <a:t>flying</a:t>
-            </a:r>
-            <a:r>
-              <a:rPr lang="fr-FR" baseline="0" dirty="0" smtClean="0"/>
-              <a:t> </a:t>
-            </a:r>
-            <a:r>
-              <a:rPr lang="fr-FR" baseline="0" dirty="0" err="1" smtClean="0"/>
-              <a:t>better</a:t>
-            </a:r>
-            <a:r>
-              <a:rPr lang="fr-FR" baseline="0" dirty="0" smtClean="0"/>
-              <a:t> </a:t>
-            </a:r>
-            <a:r>
-              <a:rPr lang="fr-FR" baseline="0" dirty="0" err="1" smtClean="0"/>
-              <a:t>at</a:t>
-            </a:r>
-            <a:r>
-              <a:rPr lang="fr-FR" baseline="0" dirty="0" smtClean="0"/>
-              <a:t> </a:t>
-            </a:r>
-            <a:r>
-              <a:rPr lang="fr-FR" baseline="0" dirty="0" err="1" smtClean="0"/>
-              <a:t>this</a:t>
-            </a:r>
-            <a:r>
-              <a:rPr lang="fr-FR" baseline="0" dirty="0" smtClean="0"/>
-              <a:t> stage.</a:t>
-            </a:r>
+              <a:t> all in C.</a:t>
+            </a:r>
+          </a:p>
+          <a:p>
             <a:endParaRPr lang="fr-FR" dirty="0"/>
           </a:p>
         </p:txBody>
@@ -1548,7 +1496,7 @@
     </p:spTree>
     <p:extLst>
       <p:ext uri="{BB962C8B-B14F-4D97-AF65-F5344CB8AC3E}">
-        <p14:creationId xmlns:p14="http://schemas.microsoft.com/office/powerpoint/2010/main" val="1876144363"/>
+        <p14:creationId xmlns:p14="http://schemas.microsoft.com/office/powerpoint/2010/main" val="2852743328"/>
       </p:ext>
     </p:extLst>
   </p:cSld>
@@ -1604,11 +1552,11 @@
           <a:p>
             <a:r>
               <a:rPr lang="fr-FR" dirty="0" smtClean="0"/>
-              <a:t>Just </a:t>
+              <a:t>This </a:t>
             </a:r>
             <a:r>
               <a:rPr lang="fr-FR" dirty="0" err="1" smtClean="0"/>
-              <a:t>give</a:t>
+              <a:t>is</a:t>
             </a:r>
             <a:r>
               <a:rPr lang="fr-FR" dirty="0" smtClean="0"/>
@@ -1616,23 +1564,7 @@
             </a:r>
             <a:r>
               <a:rPr lang="fr-FR" dirty="0" err="1" smtClean="0"/>
-              <a:t>him</a:t>
-            </a:r>
-            <a:r>
-              <a:rPr lang="fr-FR" dirty="0" smtClean="0"/>
-              <a:t> 3 more </a:t>
-            </a:r>
-            <a:r>
-              <a:rPr lang="fr-FR" dirty="0" err="1" smtClean="0"/>
-              <a:t>months</a:t>
-            </a:r>
-            <a:r>
-              <a:rPr lang="fr-FR" dirty="0" smtClean="0"/>
-              <a:t>, and </a:t>
-            </a:r>
-            <a:r>
-              <a:rPr lang="fr-FR" dirty="0" err="1" smtClean="0"/>
-              <a:t>he</a:t>
+              <a:t>our</a:t>
             </a:r>
             <a:r>
               <a:rPr lang="fr-FR" dirty="0" smtClean="0"/>
@@ -1640,15 +1572,29 @@
             </a:r>
             <a:r>
               <a:rPr lang="fr-FR" dirty="0" err="1" smtClean="0"/>
-              <a:t>rewrote</a:t>
+              <a:t>intern</a:t>
             </a:r>
             <a:r>
               <a:rPr lang="fr-FR" dirty="0" smtClean="0"/>
-              <a:t> the </a:t>
+              <a:t> Anthony Leonardo </a:t>
             </a:r>
             <a:r>
               <a:rPr lang="fr-FR" dirty="0" err="1" smtClean="0"/>
-              <a:t>complete</a:t>
+              <a:t>Gracio</a:t>
+            </a:r>
+            <a:r>
+              <a:rPr lang="fr-FR" dirty="0" smtClean="0"/>
+              <a:t>.</a:t>
+            </a:r>
+          </a:p>
+          <a:p>
+            <a:r>
+              <a:rPr lang="fr-FR" dirty="0" smtClean="0"/>
+              <a:t>Anthony </a:t>
+            </a:r>
+            <a:r>
+              <a:rPr lang="fr-FR" dirty="0" err="1" smtClean="0"/>
+              <a:t>had</a:t>
             </a:r>
             <a:r>
               <a:rPr lang="fr-FR" dirty="0" smtClean="0"/>
@@ -1656,21 +1602,35 @@
             </a:r>
             <a:r>
               <a:rPr lang="fr-FR" dirty="0" err="1" smtClean="0"/>
-              <a:t>firmware</a:t>
+              <a:t>little</a:t>
+            </a:r>
+            <a:r>
+              <a:rPr lang="fr-FR" dirty="0" smtClean="0"/>
+              <a:t> </a:t>
+            </a:r>
+            <a:r>
+              <a:rPr lang="fr-FR" dirty="0" err="1" smtClean="0"/>
+              <a:t>knowledge</a:t>
+            </a:r>
+            <a:r>
+              <a:rPr lang="fr-FR" dirty="0" smtClean="0"/>
+              <a:t> of Ada and no </a:t>
+            </a:r>
+            <a:r>
+              <a:rPr lang="fr-FR" dirty="0" err="1" smtClean="0"/>
+              <a:t>knowledge</a:t>
+            </a:r>
+            <a:r>
+              <a:rPr lang="fr-FR" dirty="0" smtClean="0"/>
+              <a:t> of SPARK or</a:t>
             </a:r>
             <a:r>
               <a:rPr lang="fr-FR" baseline="0" dirty="0" smtClean="0"/>
-              <a:t> in SPARK and Ada.</a:t>
-            </a:r>
-          </a:p>
-          <a:p>
-            <a:r>
-              <a:rPr lang="fr-FR" baseline="0" dirty="0" smtClean="0"/>
-              <a:t>And </a:t>
+              <a:t> of </a:t>
             </a:r>
             <a:r>
               <a:rPr lang="fr-FR" baseline="0" dirty="0" err="1" smtClean="0"/>
-              <a:t>now</a:t>
+              <a:t>any</a:t>
             </a:r>
             <a:r>
               <a:rPr lang="fr-FR" baseline="0" dirty="0" smtClean="0"/>
@@ -1678,7 +1638,7 @@
             </a:r>
             <a:r>
               <a:rPr lang="fr-FR" baseline="0" dirty="0" err="1" smtClean="0"/>
-              <a:t>we</a:t>
+              <a:t>static</a:t>
             </a:r>
             <a:r>
               <a:rPr lang="fr-FR" baseline="0" dirty="0" smtClean="0"/>
@@ -1686,7 +1646,23 @@
             </a:r>
             <a:r>
               <a:rPr lang="fr-FR" baseline="0" dirty="0" err="1" smtClean="0"/>
-              <a:t>expect</a:t>
+              <a:t>analysis</a:t>
+            </a:r>
+            <a:r>
+              <a:rPr lang="fr-FR" baseline="0" dirty="0" smtClean="0"/>
+              <a:t> </a:t>
+            </a:r>
+            <a:r>
+              <a:rPr lang="fr-FR" baseline="0" dirty="0" err="1" smtClean="0"/>
+              <a:t>tools</a:t>
+            </a:r>
+            <a:r>
+              <a:rPr lang="fr-FR" baseline="0" dirty="0" smtClean="0"/>
+              <a:t> </a:t>
+            </a:r>
+            <a:r>
+              <a:rPr lang="fr-FR" baseline="0" dirty="0" err="1" smtClean="0"/>
+              <a:t>prior</a:t>
             </a:r>
             <a:r>
               <a:rPr lang="fr-FR" baseline="0" dirty="0" smtClean="0"/>
@@ -1694,7 +1670,81 @@
             </a:r>
             <a:r>
               <a:rPr lang="fr-FR" baseline="0" dirty="0" err="1" smtClean="0"/>
-              <a:t>prove</a:t>
+              <a:t>his</a:t>
+            </a:r>
+            <a:r>
+              <a:rPr lang="fr-FR" baseline="0" dirty="0" smtClean="0"/>
+              <a:t> </a:t>
+            </a:r>
+            <a:r>
+              <a:rPr lang="fr-FR" baseline="0" dirty="0" err="1" smtClean="0"/>
+              <a:t>internship</a:t>
+            </a:r>
+            <a:r>
+              <a:rPr lang="fr-FR" baseline="0" dirty="0" smtClean="0"/>
+              <a:t>.</a:t>
+            </a:r>
+          </a:p>
+          <a:p>
+            <a:r>
+              <a:rPr lang="fr-FR" baseline="0" dirty="0" err="1" smtClean="0"/>
+              <a:t>Yet</a:t>
+            </a:r>
+            <a:r>
+              <a:rPr lang="fr-FR" baseline="0" dirty="0" smtClean="0"/>
+              <a:t>, in 2 </a:t>
+            </a:r>
+            <a:r>
+              <a:rPr lang="fr-FR" baseline="0" dirty="0" err="1" smtClean="0"/>
+              <a:t>months</a:t>
+            </a:r>
+            <a:r>
+              <a:rPr lang="fr-FR" baseline="0" dirty="0" smtClean="0"/>
+              <a:t>, Anthony </a:t>
+            </a:r>
+            <a:r>
+              <a:rPr lang="fr-FR" baseline="0" dirty="0" err="1" smtClean="0"/>
+              <a:t>rewrote</a:t>
+            </a:r>
+            <a:r>
+              <a:rPr lang="fr-FR" baseline="0" dirty="0" smtClean="0"/>
+              <a:t> </a:t>
+            </a:r>
+            <a:r>
+              <a:rPr lang="fr-FR" baseline="0" dirty="0" err="1" smtClean="0"/>
+              <a:t>completely</a:t>
+            </a:r>
+            <a:r>
+              <a:rPr lang="fr-FR" baseline="0" dirty="0" smtClean="0"/>
+              <a:t> the </a:t>
+            </a:r>
+            <a:r>
+              <a:rPr lang="fr-FR" baseline="0" dirty="0" err="1" smtClean="0"/>
+              <a:t>stabilization</a:t>
+            </a:r>
+            <a:r>
+              <a:rPr lang="fr-FR" baseline="0" dirty="0" smtClean="0"/>
+              <a:t> code of the </a:t>
+            </a:r>
+            <a:r>
+              <a:rPr lang="fr-FR" baseline="0" dirty="0" err="1" smtClean="0"/>
+              <a:t>Crazyflie</a:t>
+            </a:r>
+            <a:r>
+              <a:rPr lang="fr-FR" baseline="0" dirty="0" smtClean="0"/>
+              <a:t> in SPARK, and </a:t>
+            </a:r>
+            <a:r>
+              <a:rPr lang="fr-FR" baseline="0" dirty="0" err="1" smtClean="0"/>
+              <a:t>he</a:t>
+            </a:r>
+            <a:r>
+              <a:rPr lang="fr-FR" baseline="0" dirty="0" smtClean="0"/>
+              <a:t> </a:t>
+            </a:r>
+            <a:r>
+              <a:rPr lang="fr-FR" baseline="0" dirty="0" err="1" smtClean="0"/>
+              <a:t>proved</a:t>
             </a:r>
             <a:r>
               <a:rPr lang="fr-FR" baseline="0" dirty="0" smtClean="0"/>
@@ -1702,7 +1752,29 @@
             </a:r>
             <a:r>
               <a:rPr lang="fr-FR" baseline="0" dirty="0" err="1" smtClean="0"/>
-              <a:t>concurrency</a:t>
+              <a:t>run</a:t>
+            </a:r>
+            <a:r>
+              <a:rPr lang="fr-FR" baseline="0" dirty="0" smtClean="0"/>
+              <a:t>-time </a:t>
+            </a:r>
+            <a:r>
+              <a:rPr lang="fr-FR" baseline="0" dirty="0" err="1" smtClean="0"/>
+              <a:t>errors</a:t>
+            </a:r>
+            <a:r>
+              <a:rPr lang="fr-FR" baseline="0" dirty="0" smtClean="0"/>
+              <a:t> on the SPARK code.</a:t>
+            </a:r>
+          </a:p>
+          <a:p>
+            <a:r>
+              <a:rPr lang="fr-FR" baseline="0" dirty="0" smtClean="0"/>
+              <a:t>And the drone </a:t>
+            </a:r>
+            <a:r>
+              <a:rPr lang="fr-FR" baseline="0" dirty="0" err="1" smtClean="0"/>
+              <a:t>was</a:t>
             </a:r>
             <a:r>
               <a:rPr lang="fr-FR" baseline="0" dirty="0" smtClean="0"/>
@@ -1710,7 +1782,7 @@
             </a:r>
             <a:r>
               <a:rPr lang="fr-FR" baseline="0" dirty="0" err="1" smtClean="0"/>
-              <a:t>errors</a:t>
+              <a:t>flying</a:t>
             </a:r>
             <a:r>
               <a:rPr lang="fr-FR" baseline="0" dirty="0" smtClean="0"/>
@@ -1718,39 +1790,7 @@
             </a:r>
             <a:r>
               <a:rPr lang="fr-FR" baseline="0" dirty="0" err="1" smtClean="0"/>
-              <a:t>with</a:t>
-            </a:r>
-            <a:r>
-              <a:rPr lang="fr-FR" baseline="0" dirty="0" smtClean="0"/>
-              <a:t> the </a:t>
-            </a:r>
-            <a:r>
-              <a:rPr lang="fr-FR" baseline="0" dirty="0" err="1" smtClean="0"/>
-              <a:t>upcoming</a:t>
-            </a:r>
-            <a:r>
-              <a:rPr lang="fr-FR" baseline="0" dirty="0" smtClean="0"/>
-              <a:t> version of SPARK </a:t>
-            </a:r>
-            <a:r>
-              <a:rPr lang="fr-FR" baseline="0" dirty="0" err="1" smtClean="0"/>
-              <a:t>that</a:t>
-            </a:r>
-            <a:r>
-              <a:rPr lang="fr-FR" baseline="0" dirty="0" smtClean="0"/>
-              <a:t> supports </a:t>
-            </a:r>
-            <a:r>
-              <a:rPr lang="fr-FR" baseline="0" dirty="0" err="1" smtClean="0"/>
-              <a:t>Ravenscar</a:t>
-            </a:r>
-            <a:r>
-              <a:rPr lang="fr-FR" baseline="0" dirty="0" smtClean="0"/>
-              <a:t> (</a:t>
-            </a:r>
-            <a:r>
-              <a:rPr lang="fr-FR" baseline="0" dirty="0" err="1" smtClean="0"/>
-              <a:t>safe</a:t>
+              <a:t>better</a:t>
             </a:r>
             <a:r>
               <a:rPr lang="fr-FR" baseline="0" dirty="0" smtClean="0"/>
@@ -1758,17 +1798,7 @@
             </a:r>
             <a:r>
               <a:rPr lang="fr-FR" baseline="0" dirty="0" err="1" smtClean="0"/>
-              <a:t>tasking</a:t>
-            </a:r>
-            <a:r>
-              <a:rPr lang="fr-FR" baseline="0" dirty="0" smtClean="0"/>
-              <a:t> in Ada)</a:t>
-            </a:r>
-          </a:p>
-          <a:p>
-            <a:r>
-              <a:rPr lang="fr-FR" baseline="0" dirty="0" err="1" smtClean="0"/>
-              <a:t>Anthony’s</a:t>
+              <a:t>at</a:t>
             </a:r>
             <a:r>
               <a:rPr lang="fr-FR" baseline="0" dirty="0" smtClean="0"/>
@@ -1776,113 +1806,11 @@
             </a:r>
             <a:r>
               <a:rPr lang="fr-FR" baseline="0" dirty="0" err="1" smtClean="0"/>
-              <a:t>assessment</a:t>
+              <a:t>this</a:t>
             </a:r>
             <a:r>
               <a:rPr lang="fr-FR" baseline="0" dirty="0" smtClean="0"/>
-              <a:t> of </a:t>
-            </a:r>
-            <a:r>
-              <a:rPr lang="fr-FR" baseline="0" dirty="0" err="1" smtClean="0"/>
-              <a:t>using</a:t>
-            </a:r>
-            <a:r>
-              <a:rPr lang="fr-FR" baseline="0" dirty="0" smtClean="0"/>
-              <a:t> SPARK </a:t>
-            </a:r>
-            <a:r>
-              <a:rPr lang="fr-FR" baseline="0" dirty="0" err="1" smtClean="0"/>
-              <a:t>was</a:t>
-            </a:r>
-            <a:r>
-              <a:rPr lang="fr-FR" baseline="0" dirty="0" smtClean="0"/>
-              <a:t> </a:t>
-            </a:r>
-            <a:r>
-              <a:rPr lang="fr-FR" baseline="0" dirty="0" err="1" smtClean="0"/>
-              <a:t>that</a:t>
-            </a:r>
-            <a:r>
-              <a:rPr lang="fr-FR" baseline="0" dirty="0" smtClean="0"/>
-              <a:t> </a:t>
-            </a:r>
-            <a:r>
-              <a:rPr lang="fr-FR" baseline="0" dirty="0" err="1" smtClean="0"/>
-              <a:t>it</a:t>
-            </a:r>
-            <a:r>
-              <a:rPr lang="fr-FR" baseline="0" dirty="0" smtClean="0"/>
-              <a:t> </a:t>
-            </a:r>
-            <a:r>
-              <a:rPr lang="fr-FR" baseline="0" dirty="0" err="1" smtClean="0"/>
-              <a:t>was</a:t>
-            </a:r>
-            <a:r>
-              <a:rPr lang="fr-FR" baseline="0" dirty="0" smtClean="0"/>
-              <a:t> intuitive! Not the </a:t>
-            </a:r>
-            <a:r>
-              <a:rPr lang="fr-FR" baseline="0" dirty="0" err="1" smtClean="0"/>
-              <a:t>typical</a:t>
-            </a:r>
-            <a:r>
-              <a:rPr lang="fr-FR" baseline="0" dirty="0" smtClean="0"/>
-              <a:t> feedback </a:t>
-            </a:r>
-            <a:r>
-              <a:rPr lang="fr-FR" baseline="0" dirty="0" err="1" smtClean="0"/>
-              <a:t>from</a:t>
-            </a:r>
-            <a:r>
-              <a:rPr lang="fr-FR" baseline="0" dirty="0" smtClean="0"/>
-              <a:t> people </a:t>
-            </a:r>
-            <a:r>
-              <a:rPr lang="fr-FR" baseline="0" dirty="0" err="1" smtClean="0"/>
-              <a:t>who</a:t>
-            </a:r>
-            <a:r>
-              <a:rPr lang="fr-FR" baseline="0" dirty="0" smtClean="0"/>
-              <a:t> use </a:t>
-            </a:r>
-            <a:r>
-              <a:rPr lang="fr-FR" baseline="0" dirty="0" err="1" smtClean="0"/>
-              <a:t>formal</a:t>
-            </a:r>
-            <a:r>
-              <a:rPr lang="fr-FR" baseline="0" dirty="0" smtClean="0"/>
-              <a:t> </a:t>
-            </a:r>
-            <a:r>
-              <a:rPr lang="fr-FR" baseline="0" dirty="0" err="1" smtClean="0"/>
-              <a:t>methods</a:t>
-            </a:r>
-            <a:r>
-              <a:rPr lang="fr-FR" baseline="0" dirty="0" smtClean="0"/>
-              <a:t> </a:t>
-            </a:r>
-            <a:r>
-              <a:rPr lang="fr-FR" baseline="0" dirty="0" err="1" smtClean="0"/>
-              <a:t>tools</a:t>
-            </a:r>
-            <a:r>
-              <a:rPr lang="fr-FR" baseline="0" dirty="0" smtClean="0"/>
-              <a:t>.</a:t>
-            </a:r>
-          </a:p>
-          <a:p>
-            <a:r>
-              <a:rPr lang="fr-FR" baseline="0" dirty="0" err="1" smtClean="0"/>
-              <a:t>See</a:t>
-            </a:r>
-            <a:r>
-              <a:rPr lang="fr-FR" baseline="0" dirty="0" smtClean="0"/>
-              <a:t> </a:t>
-            </a:r>
-            <a:r>
-              <a:rPr lang="fr-FR" baseline="0" dirty="0" err="1" smtClean="0"/>
-              <a:t>demo</a:t>
+              <a:t> stage.</a:t>
             </a:r>
             <a:endParaRPr lang="fr-FR" dirty="0"/>
           </a:p>
@@ -1915,7 +1843,7 @@
     </p:spTree>
     <p:extLst>
       <p:ext uri="{BB962C8B-B14F-4D97-AF65-F5344CB8AC3E}">
-        <p14:creationId xmlns:p14="http://schemas.microsoft.com/office/powerpoint/2010/main" val="832336551"/>
+        <p14:creationId xmlns:p14="http://schemas.microsoft.com/office/powerpoint/2010/main" val="1876144363"/>
       </p:ext>
     </p:extLst>
   </p:cSld>
@@ -1970,8 +1898,12 @@
           <a:lstStyle/>
           <a:p>
             <a:r>
+              <a:rPr lang="fr-FR" dirty="0" smtClean="0"/>
+              <a:t>Just </a:t>
+            </a:r>
+            <a:r>
               <a:rPr lang="fr-FR" dirty="0" err="1" smtClean="0"/>
-              <a:t>Two</a:t>
+              <a:t>give</a:t>
             </a:r>
             <a:r>
               <a:rPr lang="fr-FR" dirty="0" smtClean="0"/>
@@ -1979,7 +1911,61 @@
             </a:r>
             <a:r>
               <a:rPr lang="fr-FR" dirty="0" err="1" smtClean="0"/>
-              <a:t>features</a:t>
+              <a:t>him</a:t>
+            </a:r>
+            <a:r>
+              <a:rPr lang="fr-FR" dirty="0" smtClean="0"/>
+              <a:t> 3 more </a:t>
+            </a:r>
+            <a:r>
+              <a:rPr lang="fr-FR" dirty="0" err="1" smtClean="0"/>
+              <a:t>months</a:t>
+            </a:r>
+            <a:r>
+              <a:rPr lang="fr-FR" dirty="0" smtClean="0"/>
+              <a:t>, and </a:t>
+            </a:r>
+            <a:r>
+              <a:rPr lang="fr-FR" dirty="0" err="1" smtClean="0"/>
+              <a:t>he</a:t>
+            </a:r>
+            <a:r>
+              <a:rPr lang="fr-FR" dirty="0" smtClean="0"/>
+              <a:t> </a:t>
+            </a:r>
+            <a:r>
+              <a:rPr lang="fr-FR" dirty="0" err="1" smtClean="0"/>
+              <a:t>rewrote</a:t>
+            </a:r>
+            <a:r>
+              <a:rPr lang="fr-FR" dirty="0" smtClean="0"/>
+              <a:t> the </a:t>
+            </a:r>
+            <a:r>
+              <a:rPr lang="fr-FR" dirty="0" err="1" smtClean="0"/>
+              <a:t>complete</a:t>
+            </a:r>
+            <a:r>
+              <a:rPr lang="fr-FR" dirty="0" smtClean="0"/>
+              <a:t> </a:t>
+            </a:r>
+            <a:r>
+              <a:rPr lang="fr-FR" dirty="0" err="1" smtClean="0"/>
+              <a:t>firmware</a:t>
+            </a:r>
+            <a:r>
+              <a:rPr lang="fr-FR" baseline="0" dirty="0" smtClean="0"/>
+              <a:t> in SPARK and Ada.</a:t>
+            </a:r>
+          </a:p>
+          <a:p>
+            <a:r>
+              <a:rPr lang="fr-FR" baseline="0" dirty="0" smtClean="0"/>
+              <a:t>And </a:t>
+            </a:r>
+            <a:r>
+              <a:rPr lang="fr-FR" baseline="0" dirty="0" err="1" smtClean="0"/>
+              <a:t>now</a:t>
             </a:r>
             <a:r>
               <a:rPr lang="fr-FR" baseline="0" dirty="0" smtClean="0"/>
@@ -1987,7 +1973,113 @@
             </a:r>
             <a:r>
               <a:rPr lang="fr-FR" baseline="0" dirty="0" err="1" smtClean="0"/>
-              <a:t>make</a:t>
+              <a:t>we</a:t>
+            </a:r>
+            <a:r>
+              <a:rPr lang="fr-FR" baseline="0" dirty="0" smtClean="0"/>
+              <a:t> </a:t>
+            </a:r>
+            <a:r>
+              <a:rPr lang="fr-FR" baseline="0" dirty="0" err="1" smtClean="0"/>
+              <a:t>expect</a:t>
+            </a:r>
+            <a:r>
+              <a:rPr lang="fr-FR" baseline="0" dirty="0" smtClean="0"/>
+              <a:t> to </a:t>
+            </a:r>
+            <a:r>
+              <a:rPr lang="fr-FR" baseline="0" dirty="0" err="1" smtClean="0"/>
+              <a:t>prove</a:t>
+            </a:r>
+            <a:r>
+              <a:rPr lang="fr-FR" baseline="0" dirty="0" smtClean="0"/>
+              <a:t> absence of </a:t>
+            </a:r>
+            <a:r>
+              <a:rPr lang="fr-FR" baseline="0" dirty="0" err="1" smtClean="0"/>
+              <a:t>concurrency</a:t>
+            </a:r>
+            <a:r>
+              <a:rPr lang="fr-FR" baseline="0" dirty="0" smtClean="0"/>
+              <a:t> </a:t>
+            </a:r>
+            <a:r>
+              <a:rPr lang="fr-FR" baseline="0" dirty="0" err="1" smtClean="0"/>
+              <a:t>errors</a:t>
+            </a:r>
+            <a:r>
+              <a:rPr lang="fr-FR" baseline="0" dirty="0" smtClean="0"/>
+              <a:t> </a:t>
+            </a:r>
+            <a:r>
+              <a:rPr lang="fr-FR" baseline="0" dirty="0" err="1" smtClean="0"/>
+              <a:t>with</a:t>
+            </a:r>
+            <a:r>
+              <a:rPr lang="fr-FR" baseline="0" dirty="0" smtClean="0"/>
+              <a:t> the </a:t>
+            </a:r>
+            <a:r>
+              <a:rPr lang="fr-FR" baseline="0" dirty="0" err="1" smtClean="0"/>
+              <a:t>upcoming</a:t>
+            </a:r>
+            <a:r>
+              <a:rPr lang="fr-FR" baseline="0" dirty="0" smtClean="0"/>
+              <a:t> version of SPARK </a:t>
+            </a:r>
+            <a:r>
+              <a:rPr lang="fr-FR" baseline="0" dirty="0" err="1" smtClean="0"/>
+              <a:t>that</a:t>
+            </a:r>
+            <a:r>
+              <a:rPr lang="fr-FR" baseline="0" dirty="0" smtClean="0"/>
+              <a:t> supports </a:t>
+            </a:r>
+            <a:r>
+              <a:rPr lang="fr-FR" baseline="0" dirty="0" err="1" smtClean="0"/>
+              <a:t>Ravenscar</a:t>
+            </a:r>
+            <a:r>
+              <a:rPr lang="fr-FR" baseline="0" dirty="0" smtClean="0"/>
+              <a:t> (</a:t>
+            </a:r>
+            <a:r>
+              <a:rPr lang="fr-FR" baseline="0" dirty="0" err="1" smtClean="0"/>
+              <a:t>safe</a:t>
+            </a:r>
+            <a:r>
+              <a:rPr lang="fr-FR" baseline="0" dirty="0" smtClean="0"/>
+              <a:t> </a:t>
+            </a:r>
+            <a:r>
+              <a:rPr lang="fr-FR" baseline="0" dirty="0" err="1" smtClean="0"/>
+              <a:t>tasking</a:t>
+            </a:r>
+            <a:r>
+              <a:rPr lang="fr-FR" baseline="0" dirty="0" smtClean="0"/>
+              <a:t> in Ada)</a:t>
+            </a:r>
+          </a:p>
+          <a:p>
+            <a:r>
+              <a:rPr lang="fr-FR" baseline="0" dirty="0" err="1" smtClean="0"/>
+              <a:t>Anthony’s</a:t>
+            </a:r>
+            <a:r>
+              <a:rPr lang="fr-FR" baseline="0" dirty="0" smtClean="0"/>
+              <a:t> </a:t>
+            </a:r>
+            <a:r>
+              <a:rPr lang="fr-FR" baseline="0" dirty="0" err="1" smtClean="0"/>
+              <a:t>assessment</a:t>
+            </a:r>
+            <a:r>
+              <a:rPr lang="fr-FR" baseline="0" dirty="0" smtClean="0"/>
+              <a:t> of </a:t>
+            </a:r>
+            <a:r>
+              <a:rPr lang="fr-FR" baseline="0" dirty="0" err="1" smtClean="0"/>
+              <a:t>using</a:t>
             </a:r>
             <a:r>
               <a:rPr lang="fr-FR" baseline="0" dirty="0" smtClean="0"/>
@@ -1995,23 +2087,7 @@
             </a:r>
             <a:r>
               <a:rPr lang="fr-FR" baseline="0" dirty="0" err="1" smtClean="0"/>
-              <a:t>easy</a:t>
-            </a:r>
-            <a:r>
-              <a:rPr lang="fr-FR" baseline="0" dirty="0" smtClean="0"/>
-              <a:t> to </a:t>
-            </a:r>
-            <a:r>
-              <a:rPr lang="fr-FR" baseline="0" dirty="0" err="1" smtClean="0"/>
-              <a:t>adopt</a:t>
-            </a:r>
-            <a:r>
-              <a:rPr lang="fr-FR" baseline="0" dirty="0" smtClean="0"/>
-              <a:t> in </a:t>
-            </a:r>
-            <a:r>
-              <a:rPr lang="fr-FR" baseline="0" dirty="0" err="1" smtClean="0"/>
-              <a:t>your</a:t>
+              <a:t>was</a:t>
             </a:r>
             <a:r>
               <a:rPr lang="fr-FR" baseline="0" dirty="0" smtClean="0"/>
@@ -2019,55 +2095,89 @@
             </a:r>
             <a:r>
               <a:rPr lang="fr-FR" baseline="0" dirty="0" err="1" smtClean="0"/>
-              <a:t>processes</a:t>
+              <a:t>that</a:t>
             </a:r>
             <a:r>
               <a:rPr lang="fr-FR" baseline="0" dirty="0" smtClean="0"/>
-              <a:t>:</a:t>
-            </a:r>
-          </a:p>
-          <a:p>
-            <a:pPr marL="171450" indent="-171450">
-              <a:buFont typeface="Arial"/>
-              <a:buChar char="•"/>
-            </a:pPr>
+              <a:t> </a:t>
+            </a:r>
+            <a:r>
+              <a:rPr lang="fr-FR" baseline="0" dirty="0" err="1" smtClean="0"/>
+              <a:t>it</a:t>
+            </a:r>
             <a:r>
               <a:rPr lang="fr-FR" baseline="0" dirty="0" smtClean="0"/>
-              <a:t>SPARK </a:t>
+              <a:t> </a:t>
             </a:r>
             <a:r>
               <a:rPr lang="fr-FR" baseline="0" dirty="0" err="1" smtClean="0"/>
-              <a:t>is</a:t>
+              <a:t>was</a:t>
             </a:r>
             <a:r>
               <a:rPr lang="fr-FR" baseline="0" dirty="0" smtClean="0"/>
-              <a:t> Ada! </a:t>
-            </a:r>
-          </a:p>
-          <a:p>
-            <a:pPr marL="171450" indent="-171450">
-              <a:buFont typeface="Arial"/>
-              <a:buChar char="•"/>
-            </a:pPr>
+              <a:t> intuitive! Not the </a:t>
+            </a:r>
+            <a:r>
+              <a:rPr lang="fr-FR" baseline="0" dirty="0" err="1" smtClean="0"/>
+              <a:t>typical</a:t>
+            </a:r>
             <a:r>
               <a:rPr lang="fr-FR" baseline="0" dirty="0" smtClean="0"/>
-              <a:t>SPARK </a:t>
+              <a:t> feedback </a:t>
             </a:r>
             <a:r>
               <a:rPr lang="fr-FR" baseline="0" dirty="0" err="1" smtClean="0"/>
-              <a:t>is</a:t>
+              <a:t>from</a:t>
             </a:r>
             <a:r>
               <a:rPr lang="fr-FR" baseline="0" dirty="0" smtClean="0"/>
-              <a:t> AdaCore </a:t>
+              <a:t> people </a:t>
             </a:r>
             <a:r>
               <a:rPr lang="fr-FR" baseline="0" dirty="0" err="1" smtClean="0"/>
-              <a:t>technology</a:t>
+              <a:t>who</a:t>
             </a:r>
             <a:r>
               <a:rPr lang="fr-FR" baseline="0" dirty="0" smtClean="0"/>
-              <a:t>!</a:t>
+              <a:t> use </a:t>
+            </a:r>
+            <a:r>
+              <a:rPr lang="fr-FR" baseline="0" dirty="0" err="1" smtClean="0"/>
+              <a:t>formal</a:t>
+            </a:r>
+            <a:r>
+              <a:rPr lang="fr-FR" baseline="0" dirty="0" smtClean="0"/>
+              <a:t> </a:t>
+            </a:r>
+            <a:r>
+              <a:rPr lang="fr-FR" baseline="0" dirty="0" err="1" smtClean="0"/>
+              <a:t>methods</a:t>
+            </a:r>
+            <a:r>
+              <a:rPr lang="fr-FR" baseline="0" dirty="0" smtClean="0"/>
+              <a:t> </a:t>
+            </a:r>
+            <a:r>
+              <a:rPr lang="fr-FR" baseline="0" dirty="0" err="1" smtClean="0"/>
+              <a:t>tools</a:t>
+            </a:r>
+            <a:r>
+              <a:rPr lang="fr-FR" baseline="0" dirty="0" smtClean="0"/>
+              <a:t>.</a:t>
+            </a:r>
+          </a:p>
+          <a:p>
+            <a:r>
+              <a:rPr lang="fr-FR" baseline="0" dirty="0" err="1" smtClean="0"/>
+              <a:t>See</a:t>
+            </a:r>
+            <a:r>
+              <a:rPr lang="fr-FR" baseline="0" dirty="0" smtClean="0"/>
+              <a:t> </a:t>
+            </a:r>
+            <a:r>
+              <a:rPr lang="fr-FR" baseline="0" dirty="0" err="1" smtClean="0"/>
+              <a:t>demo</a:t>
             </a:r>
             <a:endParaRPr lang="fr-FR" dirty="0"/>
           </a:p>
@@ -2100,7 +2210,7 @@
     </p:spTree>
     <p:extLst>
       <p:ext uri="{BB962C8B-B14F-4D97-AF65-F5344CB8AC3E}">
-        <p14:creationId xmlns:p14="http://schemas.microsoft.com/office/powerpoint/2010/main" val="1037072626"/>
+        <p14:creationId xmlns:p14="http://schemas.microsoft.com/office/powerpoint/2010/main" val="832336551"/>
       </p:ext>
     </p:extLst>
   </p:cSld>
@@ -2167,32 +2277,48 @@
               <a:t>features</a:t>
             </a:r>
             <a:r>
-              <a:rPr lang="fr-FR" dirty="0" smtClean="0"/>
-              <a:t> of SPARK </a:t>
-            </a:r>
-            <a:r>
-              <a:rPr lang="fr-FR" dirty="0" err="1" smtClean="0"/>
-              <a:t>make</a:t>
-            </a:r>
-            <a:r>
-              <a:rPr lang="fr-FR" dirty="0" smtClean="0"/>
-              <a:t> </a:t>
-            </a:r>
-            <a:r>
-              <a:rPr lang="fr-FR" dirty="0" err="1" smtClean="0"/>
-              <a:t>it</a:t>
-            </a:r>
-            <a:r>
               <a:rPr lang="fr-FR" baseline="0" dirty="0" smtClean="0"/>
               <a:t> </a:t>
             </a:r>
             <a:r>
               <a:rPr lang="fr-FR" baseline="0" dirty="0" err="1" smtClean="0"/>
+              <a:t>make</a:t>
+            </a:r>
+            <a:r>
+              <a:rPr lang="fr-FR" baseline="0" dirty="0" smtClean="0"/>
+              <a:t> SPARK </a:t>
+            </a:r>
+            <a:r>
+              <a:rPr lang="fr-FR" baseline="0" dirty="0" err="1" smtClean="0"/>
               <a:t>easy</a:t>
             </a:r>
             <a:r>
               <a:rPr lang="fr-FR" baseline="0" dirty="0" smtClean="0"/>
-              <a:t> to use:</a:t>
+              <a:t> to </a:t>
+            </a:r>
+            <a:r>
+              <a:rPr lang="fr-FR" baseline="0" dirty="0" err="1" smtClean="0"/>
+              <a:t>adopt</a:t>
+            </a:r>
+            <a:r>
+              <a:rPr lang="fr-FR" baseline="0" dirty="0" smtClean="0"/>
+              <a:t> in </a:t>
+            </a:r>
+            <a:r>
+              <a:rPr lang="fr-FR" baseline="0" dirty="0" err="1" smtClean="0"/>
+              <a:t>your</a:t>
+            </a:r>
+            <a:r>
+              <a:rPr lang="fr-FR" baseline="0" dirty="0" smtClean="0"/>
+              <a:t> </a:t>
+            </a:r>
+            <a:r>
+              <a:rPr lang="fr-FR" baseline="0" dirty="0" err="1" smtClean="0"/>
+              <a:t>processes</a:t>
+            </a:r>
+            <a:r>
+              <a:rPr lang="fr-FR" baseline="0" dirty="0" smtClean="0"/>
+              <a:t>:</a:t>
             </a:r>
           </a:p>
           <a:p>
@@ -2201,24 +2327,16 @@
               <a:buChar char="•"/>
             </a:pPr>
             <a:r>
-              <a:rPr lang="fr-FR" dirty="0" smtClean="0"/>
+              <a:rPr lang="fr-FR" baseline="0" dirty="0" smtClean="0"/>
               <a:t>SPARK </a:t>
             </a:r>
             <a:r>
-              <a:rPr lang="fr-FR" dirty="0" err="1" smtClean="0"/>
-              <a:t>listens</a:t>
+              <a:rPr lang="fr-FR" baseline="0" dirty="0" err="1" smtClean="0"/>
+              <a:t>is</a:t>
             </a:r>
             <a:r>
               <a:rPr lang="fr-FR" baseline="0" dirty="0" smtClean="0"/>
-              <a:t> to </a:t>
-            </a:r>
-            <a:r>
-              <a:rPr lang="fr-FR" baseline="0" dirty="0" err="1" smtClean="0"/>
-              <a:t>you</a:t>
-            </a:r>
-            <a:r>
-              <a:rPr lang="fr-FR" baseline="0" dirty="0" smtClean="0"/>
-              <a:t>!</a:t>
+              <a:t> Ada! </a:t>
             </a:r>
           </a:p>
           <a:p>
@@ -2227,24 +2345,20 @@
               <a:buChar char="•"/>
             </a:pPr>
             <a:r>
-              <a:rPr lang="fr-FR" dirty="0" smtClean="0"/>
-              <a:t>SPARK</a:t>
-            </a:r>
-            <a:r>
               <a:rPr lang="fr-FR" baseline="0" dirty="0" smtClean="0"/>
-              <a:t> </a:t>
+              <a:t>SPARK </a:t>
             </a:r>
             <a:r>
               <a:rPr lang="fr-FR" baseline="0" dirty="0" err="1" smtClean="0"/>
-              <a:t>talks</a:t>
+              <a:t>is</a:t>
             </a:r>
             <a:r>
               <a:rPr lang="fr-FR" baseline="0" dirty="0" smtClean="0"/>
-              <a:t> to </a:t>
+              <a:t> AdaCore </a:t>
             </a:r>
             <a:r>
               <a:rPr lang="fr-FR" baseline="0" dirty="0" err="1" smtClean="0"/>
-              <a:t>you</a:t>
+              <a:t>technology</a:t>
             </a:r>
             <a:r>
               <a:rPr lang="fr-FR" baseline="0" dirty="0" smtClean="0"/>
@@ -2281,7 +2395,7 @@
     </p:spTree>
     <p:extLst>
       <p:ext uri="{BB962C8B-B14F-4D97-AF65-F5344CB8AC3E}">
-        <p14:creationId xmlns:p14="http://schemas.microsoft.com/office/powerpoint/2010/main" val="366163572"/>
+        <p14:creationId xmlns:p14="http://schemas.microsoft.com/office/powerpoint/2010/main" val="1037072626"/>
       </p:ext>
     </p:extLst>
   </p:cSld>
@@ -2337,15 +2451,99 @@
           <a:p>
             <a:r>
               <a:rPr lang="fr-FR" dirty="0" err="1" smtClean="0"/>
-              <a:t>See</a:t>
+              <a:t>Two</a:t>
             </a:r>
             <a:r>
               <a:rPr lang="fr-FR" dirty="0" smtClean="0"/>
-              <a:t> change for </a:t>
+              <a:t> </a:t>
             </a:r>
             <a:r>
               <a:rPr lang="fr-FR" dirty="0" err="1" smtClean="0"/>
-              <a:t>fix</a:t>
+              <a:t>features</a:t>
+            </a:r>
+            <a:r>
+              <a:rPr lang="fr-FR" dirty="0" smtClean="0"/>
+              <a:t> of SPARK </a:t>
+            </a:r>
+            <a:r>
+              <a:rPr lang="fr-FR" dirty="0" err="1" smtClean="0"/>
+              <a:t>make</a:t>
+            </a:r>
+            <a:r>
+              <a:rPr lang="fr-FR" dirty="0" smtClean="0"/>
+              <a:t> </a:t>
+            </a:r>
+            <a:r>
+              <a:rPr lang="fr-FR" dirty="0" err="1" smtClean="0"/>
+              <a:t>it</a:t>
+            </a:r>
+            <a:r>
+              <a:rPr lang="fr-FR" baseline="0" dirty="0" smtClean="0"/>
+              <a:t> </a:t>
+            </a:r>
+            <a:r>
+              <a:rPr lang="fr-FR" baseline="0" dirty="0" err="1" smtClean="0"/>
+              <a:t>easy</a:t>
+            </a:r>
+            <a:r>
+              <a:rPr lang="fr-FR" baseline="0" dirty="0" smtClean="0"/>
+              <a:t> to use:</a:t>
+            </a:r>
+          </a:p>
+          <a:p>
+            <a:pPr marL="171450" indent="-171450">
+              <a:buFont typeface="Arial"/>
+              <a:buChar char="•"/>
+            </a:pPr>
+            <a:r>
+              <a:rPr lang="fr-FR" dirty="0" smtClean="0"/>
+              <a:t>SPARK </a:t>
+            </a:r>
+            <a:r>
+              <a:rPr lang="fr-FR" dirty="0" err="1" smtClean="0"/>
+              <a:t>listens</a:t>
+            </a:r>
+            <a:r>
+              <a:rPr lang="fr-FR" baseline="0" dirty="0" smtClean="0"/>
+              <a:t> to </a:t>
+            </a:r>
+            <a:r>
+              <a:rPr lang="fr-FR" baseline="0" dirty="0" err="1" smtClean="0"/>
+              <a:t>you</a:t>
+            </a:r>
+            <a:r>
+              <a:rPr lang="fr-FR" baseline="0" dirty="0" smtClean="0"/>
+              <a:t>!</a:t>
+            </a:r>
+          </a:p>
+          <a:p>
+            <a:pPr marL="171450" indent="-171450">
+              <a:buFont typeface="Arial"/>
+              <a:buChar char="•"/>
+            </a:pPr>
+            <a:r>
+              <a:rPr lang="fr-FR" dirty="0" smtClean="0"/>
+              <a:t>SPARK</a:t>
+            </a:r>
+            <a:r>
+              <a:rPr lang="fr-FR" baseline="0" dirty="0" smtClean="0"/>
+              <a:t> </a:t>
+            </a:r>
+            <a:r>
+              <a:rPr lang="fr-FR" baseline="0" dirty="0" err="1" smtClean="0"/>
+              <a:t>talks</a:t>
+            </a:r>
+            <a:r>
+              <a:rPr lang="fr-FR" baseline="0" dirty="0" smtClean="0"/>
+              <a:t> to </a:t>
+            </a:r>
+            <a:r>
+              <a:rPr lang="fr-FR" baseline="0" dirty="0" err="1" smtClean="0"/>
+              <a:t>you</a:t>
+            </a:r>
+            <a:r>
+              <a:rPr lang="fr-FR" baseline="0" dirty="0" smtClean="0"/>
+              <a:t>!</a:t>
             </a:r>
             <a:endParaRPr lang="fr-FR" dirty="0"/>
           </a:p>
@@ -2369,7 +2567,7 @@
             <a:fld id="{75693FD4-8F83-4EF7-AC3F-0DC0388986B0}" type="slidenum">
               <a:rPr lang="en-US" smtClean="0"/>
               <a:pPr/>
-              <a:t>23</a:t>
+              <a:t>8</a:t>
             </a:fld>
             <a:endParaRPr lang="en-US" dirty="0"/>
           </a:p>
@@ -2378,7 +2576,7 @@
     </p:spTree>
     <p:extLst>
       <p:ext uri="{BB962C8B-B14F-4D97-AF65-F5344CB8AC3E}">
-        <p14:creationId xmlns:p14="http://schemas.microsoft.com/office/powerpoint/2010/main" val="2731003155"/>
+        <p14:creationId xmlns:p14="http://schemas.microsoft.com/office/powerpoint/2010/main" val="366163572"/>
       </p:ext>
     </p:extLst>
   </p:cSld>
@@ -2434,23 +2632,15 @@
           <a:p>
             <a:r>
               <a:rPr lang="fr-FR" dirty="0" err="1" smtClean="0"/>
-              <a:t>Explain</a:t>
+              <a:t>See</a:t>
             </a:r>
             <a:r>
               <a:rPr lang="fr-FR" dirty="0" smtClean="0"/>
-              <a:t> </a:t>
+              <a:t> change for </a:t>
             </a:r>
             <a:r>
               <a:rPr lang="fr-FR" dirty="0" err="1" smtClean="0"/>
-              <a:t>benefit</a:t>
-            </a:r>
-            <a:r>
-              <a:rPr lang="fr-FR" dirty="0" smtClean="0"/>
-              <a:t> of </a:t>
-            </a:r>
-            <a:r>
-              <a:rPr lang="fr-FR" dirty="0" err="1" smtClean="0"/>
-              <a:t>CodePeer</a:t>
+              <a:t>fix</a:t>
             </a:r>
             <a:endParaRPr lang="fr-FR" dirty="0"/>
           </a:p>
@@ -2483,7 +2673,7 @@
     </p:spTree>
     <p:extLst>
       <p:ext uri="{BB962C8B-B14F-4D97-AF65-F5344CB8AC3E}">
-        <p14:creationId xmlns:p14="http://schemas.microsoft.com/office/powerpoint/2010/main" val="3410565617"/>
+        <p14:creationId xmlns:p14="http://schemas.microsoft.com/office/powerpoint/2010/main" val="2731003155"/>
       </p:ext>
     </p:extLst>
   </p:cSld>
@@ -2512,7 +2702,7 @@
       </p:grpSpPr>
       <p:sp>
         <p:nvSpPr>
-          <p:cNvPr id="2" name="Slide Image Placeholder 1"/>
+          <p:cNvPr id="2" name="Espace réservé de l'image des diapositives 1"/>
           <p:cNvSpPr>
             <a:spLocks noGrp="1" noRot="1" noChangeAspect="1"/>
           </p:cNvSpPr>
@@ -2520,16 +2710,11 @@
             <p:ph type="sldImg"/>
           </p:nvPr>
         </p:nvSpPr>
-        <p:spPr>
-          <a:xfrm>
-            <a:off x="685800" y="685800"/>
-            <a:ext cx="5486400" cy="3429000"/>
-          </a:xfrm>
-        </p:spPr>
-      </p:sp>
-      <p:sp>
-        <p:nvSpPr>
-          <p:cNvPr id="3" name="Notes Placeholder 2"/>
+        <p:spPr/>
+      </p:sp>
+      <p:sp>
+        <p:nvSpPr>
+          <p:cNvPr id="3" name="Espace réservé des commentaires 2"/>
           <p:cNvSpPr>
             <a:spLocks noGrp="1"/>
           </p:cNvSpPr>
@@ -2539,32 +2724,28 @@
         </p:nvSpPr>
         <p:spPr/>
         <p:txBody>
-          <a:bodyPr>
-            <a:normAutofit/>
-          </a:bodyPr>
+          <a:bodyPr/>
           <a:lstStyle/>
           <a:p>
             <a:r>
-              <a:rPr lang="en-US" dirty="0" smtClean="0"/>
-              <a:t>Summarize presentation content by restating the important points from the lessons.</a:t>
-            </a:r>
-          </a:p>
-          <a:p>
-            <a:r>
-              <a:rPr lang="en-US" dirty="0" smtClean="0"/>
-              <a:t>What do you want the audience to remember when they leave your </a:t>
-            </a:r>
-            <a:r>
-              <a:rPr lang="en-US" smtClean="0"/>
-              <a:t>presentation?</a:t>
-            </a:r>
-            <a:endParaRPr lang="en-US" dirty="0" smtClean="0"/>
-          </a:p>
-        </p:txBody>
-      </p:sp>
-      <p:sp>
-        <p:nvSpPr>
-          <p:cNvPr id="4" name="Slide Number Placeholder 3"/>
+              <a:rPr lang="fr-FR" dirty="0" err="1" smtClean="0"/>
+              <a:t>See</a:t>
+            </a:r>
+            <a:r>
+              <a:rPr lang="fr-FR" dirty="0" smtClean="0"/>
+              <a:t> change for </a:t>
+            </a:r>
+            <a:r>
+              <a:rPr lang="fr-FR" dirty="0" err="1" smtClean="0"/>
+              <a:t>fix</a:t>
+            </a:r>
+            <a:endParaRPr lang="fr-FR" dirty="0"/>
+          </a:p>
+        </p:txBody>
+      </p:sp>
+      <p:sp>
+        <p:nvSpPr>
+          <p:cNvPr id="4" name="Espace réservé du numéro de diapositive 3"/>
           <p:cNvSpPr>
             <a:spLocks noGrp="1"/>
           </p:cNvSpPr>
@@ -2577,7 +2758,7 @@
           <a:bodyPr/>
           <a:lstStyle/>
           <a:p>
-            <a:fld id="{EC6EAC7D-5A89-47C2-8ABA-56C9C2DEF7A4}" type="slidenum">
+            <a:fld id="{75693FD4-8F83-4EF7-AC3F-0DC0388986B0}" type="slidenum">
               <a:rPr lang="en-US" smtClean="0"/>
               <a:pPr/>
               <a:t>25</a:t>
@@ -2587,6 +2768,11 @@
         </p:txBody>
       </p:sp>
     </p:spTree>
+    <p:extLst>
+      <p:ext uri="{BB962C8B-B14F-4D97-AF65-F5344CB8AC3E}">
+        <p14:creationId xmlns:p14="http://schemas.microsoft.com/office/powerpoint/2010/main" val="2731003155"/>
+      </p:ext>
+    </p:extLst>
   </p:cSld>
   <p:clrMapOvr>
     <a:masterClrMapping/>
@@ -5953,7 +6139,7 @@
           <a:p>
             <a:r>
               <a:rPr lang="en-US" dirty="0" smtClean="0"/>
-              <a:t>Multiple Use Cases (2/2)</a:t>
+              <a:t>Multiple Use Cases (1/2)</a:t>
             </a:r>
             <a:endParaRPr lang="en-US" dirty="0"/>
           </a:p>
@@ -5978,47 +6164,42 @@
           <a:p>
             <a:pPr marL="457200" indent="-457200">
               <a:buFont typeface="+mj-lt"/>
-              <a:buAutoNum type="arabicPeriod" startAt="4"/>
+              <a:buAutoNum type="arabicPeriod"/>
             </a:pPr>
             <a:r>
-              <a:rPr lang="en-US" dirty="0" smtClean="0"/>
-              <a:t>Prove </a:t>
-            </a:r>
-            <a:r>
               <a:rPr lang="en-US" b="1" dirty="0" smtClean="0">
                 <a:solidFill>
                   <a:srgbClr val="2D72AD"/>
                 </a:solidFill>
               </a:rPr>
-              <a:t>correct integration </a:t>
-            </a:r>
-            <a:r>
-              <a:rPr lang="en-US" dirty="0" smtClean="0"/>
-              <a:t>between components</a:t>
+              <a:t>Safe coding standard </a:t>
+            </a:r>
+            <a:r>
+              <a:rPr lang="en-US" dirty="0" smtClean="0"/>
+              <a:t>for critical (embedded) software</a:t>
             </a:r>
           </a:p>
           <a:p>
             <a:pPr lvl="1"/>
             <a:r>
               <a:rPr lang="en-US" dirty="0" smtClean="0"/>
-              <a:t>In replacement of defensive coding</a:t>
-            </a:r>
-          </a:p>
-          <a:p>
-            <a:pPr lvl="1"/>
-            <a:r>
-              <a:rPr lang="en-US" dirty="0" smtClean="0"/>
-              <a:t>Simple contracts are needed</a:t>
-            </a:r>
-          </a:p>
-          <a:p>
-            <a:pPr lvl="1"/>
-            <a:endParaRPr lang="en-US" dirty="0" smtClean="0"/>
+              <a:t>Increases portability across compilers/platforms</a:t>
+            </a:r>
+          </a:p>
+          <a:p>
+            <a:pPr marL="0" indent="0">
+              <a:buNone/>
+            </a:pPr>
+            <a:endParaRPr lang="en-US" b="1" dirty="0" smtClean="0">
+              <a:solidFill>
+                <a:srgbClr val="2D72AD"/>
+              </a:solidFill>
+            </a:endParaRPr>
           </a:p>
           <a:p>
             <a:pPr marL="457200" indent="-457200">
               <a:buFont typeface="+mj-lt"/>
-              <a:buAutoNum type="arabicPeriod" startAt="4"/>
+              <a:buAutoNum type="arabicPeriod"/>
             </a:pPr>
             <a:r>
               <a:rPr lang="en-US" dirty="0" smtClean="0"/>
@@ -6030,63 +6211,72 @@
                   <a:srgbClr val="2D72AD"/>
                 </a:solidFill>
               </a:rPr>
-              <a:t>functional correctness </a:t>
-            </a:r>
-            <a:r>
-              <a:rPr lang="en-US" dirty="0" smtClean="0"/>
-              <a:t>(including input partitioning</a:t>
-            </a:r>
-            <a:r>
-              <a:rPr lang="en-US" dirty="0"/>
+              <a:t>absence of run-time errors </a:t>
+            </a:r>
+            <a:r>
+              <a:rPr lang="en-US" dirty="0" smtClean="0"/>
+              <a:t>(</a:t>
+            </a:r>
+            <a:r>
+              <a:rPr lang="en-US" dirty="0" err="1" smtClean="0"/>
+              <a:t>AoRTE</a:t>
+            </a:r>
+            <a:r>
+              <a:rPr lang="en-US" dirty="0" smtClean="0"/>
               <a:t>)</a:t>
             </a:r>
           </a:p>
           <a:p>
             <a:pPr lvl="1"/>
             <a:r>
-              <a:rPr lang="en-US" dirty="0"/>
-              <a:t>In replacement of unit </a:t>
-            </a:r>
-            <a:r>
-              <a:rPr lang="en-US" dirty="0" smtClean="0"/>
-              <a:t>testing</a:t>
+              <a:rPr lang="en-US" dirty="0" smtClean="0"/>
+              <a:t>In replacement of robustness testing</a:t>
             </a:r>
           </a:p>
           <a:p>
             <a:pPr lvl="1"/>
             <a:r>
               <a:rPr lang="en-US" dirty="0" smtClean="0"/>
-              <a:t>More complex contracts are needed</a:t>
-            </a:r>
+              <a:t>Equivalent to exhaustive testing</a:t>
+            </a:r>
+            <a:endParaRPr lang="en-US" dirty="0" smtClean="0"/>
           </a:p>
           <a:p>
             <a:pPr lvl="1"/>
-            <a:endParaRPr lang="en-US" dirty="0" smtClean="0"/>
-          </a:p>
-          <a:p>
-            <a:pPr marL="457200" indent="-457200">
-              <a:buFont typeface="+mj-lt"/>
-              <a:buAutoNum type="arabicPeriod" startAt="4"/>
-            </a:pPr>
-            <a:r>
-              <a:rPr lang="en-US" dirty="0" smtClean="0"/>
-              <a:t>Safe </a:t>
-            </a:r>
-            <a:r>
-              <a:rPr lang="en-US" b="1" dirty="0" smtClean="0">
-                <a:solidFill>
-                  <a:srgbClr val="2D72AD"/>
-                </a:solidFill>
-              </a:rPr>
-              <a:t>optimization of run-time checks</a:t>
-            </a:r>
+            <a:r>
+              <a:rPr lang="en-US" dirty="0" smtClean="0"/>
+              <a:t>Few </a:t>
+            </a:r>
+            <a:r>
+              <a:rPr lang="en-US" dirty="0" smtClean="0"/>
+              <a:t>contracts required</a:t>
+            </a:r>
+          </a:p>
+          <a:p>
+            <a:pPr lvl="1"/>
+            <a:r>
+              <a:rPr lang="en-US" dirty="0" smtClean="0"/>
+              <a:t>Typically 95% - 98% of RTE proved</a:t>
+            </a:r>
+          </a:p>
+          <a:p>
+            <a:pPr lvl="1"/>
+            <a:r>
+              <a:rPr lang="en-US" b="1" dirty="0" smtClean="0"/>
+              <a:t>Proof can be completed by testing</a:t>
+            </a:r>
+            <a:endParaRPr lang="en-US" b="1" dirty="0" smtClean="0">
+              <a:solidFill>
+                <a:srgbClr val="2D72AD"/>
+              </a:solidFill>
+            </a:endParaRPr>
           </a:p>
         </p:txBody>
       </p:sp>
     </p:spTree>
     <p:extLst>
       <p:ext uri="{BB962C8B-B14F-4D97-AF65-F5344CB8AC3E}">
-        <p14:creationId xmlns:p14="http://schemas.microsoft.com/office/powerpoint/2010/main" val="3342662918"/>
+        <p14:creationId xmlns:p14="http://schemas.microsoft.com/office/powerpoint/2010/main" val="157406028"/>
       </p:ext>
     </p:extLst>
   </p:cSld>
@@ -6142,6 +6332,195 @@
           <a:p>
             <a:r>
               <a:rPr lang="en-US" dirty="0" smtClean="0"/>
+              <a:t>Multiple Use Cases (2/2)</a:t>
+            </a:r>
+            <a:endParaRPr lang="en-US" dirty="0"/>
+          </a:p>
+        </p:txBody>
+      </p:sp>
+      <p:sp>
+        <p:nvSpPr>
+          <p:cNvPr id="3" name="Content Placeholder 2"/>
+          <p:cNvSpPr>
+            <a:spLocks noGrp="1"/>
+          </p:cNvSpPr>
+          <p:nvPr>
+            <p:ph idx="1"/>
+          </p:nvPr>
+        </p:nvSpPr>
+        <p:spPr/>
+        <p:txBody>
+          <a:bodyPr>
+            <a:normAutofit/>
+          </a:bodyPr>
+          <a:lstStyle/>
+          <a:p>
+            <a:pPr marL="457200" indent="-457200">
+              <a:buFont typeface="+mj-lt"/>
+              <a:buAutoNum type="arabicPeriod" startAt="3"/>
+            </a:pPr>
+            <a:r>
+              <a:rPr lang="en-US" dirty="0" smtClean="0"/>
+              <a:t>Prove </a:t>
+            </a:r>
+            <a:r>
+              <a:rPr lang="en-US" b="1" dirty="0" smtClean="0">
+                <a:solidFill>
+                  <a:srgbClr val="2D72AD"/>
+                </a:solidFill>
+              </a:rPr>
+              <a:t>correct integration </a:t>
+            </a:r>
+            <a:r>
+              <a:rPr lang="en-US" dirty="0" smtClean="0"/>
+              <a:t>between components</a:t>
+            </a:r>
+          </a:p>
+          <a:p>
+            <a:pPr lvl="1"/>
+            <a:r>
+              <a:rPr lang="en-US" dirty="0" smtClean="0"/>
+              <a:t>In replacement of defensive coding</a:t>
+            </a:r>
+          </a:p>
+          <a:p>
+            <a:pPr lvl="1"/>
+            <a:r>
+              <a:rPr lang="en-US" dirty="0" smtClean="0"/>
+              <a:t>Simple contracts are needed</a:t>
+            </a:r>
+          </a:p>
+          <a:p>
+            <a:pPr lvl="1"/>
+            <a:endParaRPr lang="en-US" dirty="0" smtClean="0"/>
+          </a:p>
+          <a:p>
+            <a:pPr marL="457200" indent="-457200">
+              <a:buFont typeface="+mj-lt"/>
+              <a:buAutoNum type="arabicPeriod" startAt="3"/>
+            </a:pPr>
+            <a:r>
+              <a:rPr lang="en-US" dirty="0" smtClean="0"/>
+              <a:t>Prove </a:t>
+            </a:r>
+            <a:r>
+              <a:rPr lang="en-US" b="1" dirty="0" smtClean="0">
+                <a:solidFill>
+                  <a:srgbClr val="2D72AD"/>
+                </a:solidFill>
+              </a:rPr>
+              <a:t>functional correctness </a:t>
+            </a:r>
+            <a:r>
+              <a:rPr lang="en-US" dirty="0" smtClean="0"/>
+              <a:t>(including input partitioning</a:t>
+            </a:r>
+            <a:r>
+              <a:rPr lang="en-US" dirty="0"/>
+              <a:t>)</a:t>
+            </a:r>
+          </a:p>
+          <a:p>
+            <a:pPr lvl="1"/>
+            <a:r>
+              <a:rPr lang="en-US" dirty="0"/>
+              <a:t>In replacement of unit </a:t>
+            </a:r>
+            <a:r>
+              <a:rPr lang="en-US" dirty="0" smtClean="0"/>
+              <a:t>testing</a:t>
+            </a:r>
+          </a:p>
+          <a:p>
+            <a:pPr lvl="1"/>
+            <a:r>
+              <a:rPr lang="en-US" dirty="0" smtClean="0"/>
+              <a:t>More complex contracts are needed</a:t>
+            </a:r>
+          </a:p>
+          <a:p>
+            <a:pPr lvl="1"/>
+            <a:endParaRPr lang="en-US" dirty="0" smtClean="0"/>
+          </a:p>
+          <a:p>
+            <a:pPr marL="457200" indent="-457200">
+              <a:buFont typeface="+mj-lt"/>
+              <a:buAutoNum type="arabicPeriod" startAt="3"/>
+            </a:pPr>
+            <a:r>
+              <a:rPr lang="en-US" dirty="0" smtClean="0"/>
+              <a:t>Safe </a:t>
+            </a:r>
+            <a:r>
+              <a:rPr lang="en-US" b="1" dirty="0" smtClean="0">
+                <a:solidFill>
+                  <a:srgbClr val="2D72AD"/>
+                </a:solidFill>
+              </a:rPr>
+              <a:t>optimization of run-time checks</a:t>
+            </a:r>
+          </a:p>
+        </p:txBody>
+      </p:sp>
+    </p:spTree>
+    <p:extLst>
+      <p:ext uri="{BB962C8B-B14F-4D97-AF65-F5344CB8AC3E}">
+        <p14:creationId xmlns:p14="http://schemas.microsoft.com/office/powerpoint/2010/main" val="3342662918"/>
+      </p:ext>
+    </p:extLst>
+  </p:cSld>
+  <p:clrMapOvr>
+    <a:masterClrMapping/>
+  </p:clrMapOvr>
+  <p:transition xmlns:p14="http://schemas.microsoft.com/office/powerpoint/2010/main" spd="slow">
+    <p:wipe dir="d"/>
+  </p:transition>
+  <p:timing>
+    <p:tnLst>
+      <p:par>
+        <p:cTn xmlns:p14="http://schemas.microsoft.com/office/powerpoint/2010/main" id="1" dur="indefinite" restart="never" nodeType="tmRoot"/>
+      </p:par>
+    </p:tnLst>
+  </p:timing>
+</p:sld>
+</file>
+
+<file path=ppt/slides/slide12.xml><?xml version="1.0" encoding="utf-8"?>
+<p:sld xmlns:a="http://schemas.openxmlformats.org/drawingml/2006/main" xmlns:r="http://schemas.openxmlformats.org/officeDocument/2006/relationships" xmlns:p="http://schemas.openxmlformats.org/presentationml/2006/main">
+  <p:cSld>
+    <p:spTree>
+      <p:nvGrpSpPr>
+        <p:cNvPr id="1" name=""/>
+        <p:cNvGrpSpPr/>
+        <p:nvPr/>
+      </p:nvGrpSpPr>
+      <p:grpSpPr>
+        <a:xfrm>
+          <a:off x="0" y="0"/>
+          <a:ext cx="0" cy="0"/>
+          <a:chOff x="0" y="0"/>
+          <a:chExt cx="0" cy="0"/>
+        </a:xfrm>
+      </p:grpSpPr>
+      <p:sp>
+        <p:nvSpPr>
+          <p:cNvPr id="2" name="Title 1"/>
+          <p:cNvSpPr>
+            <a:spLocks noGrp="1"/>
+          </p:cNvSpPr>
+          <p:nvPr>
+            <p:ph type="title"/>
+          </p:nvPr>
+        </p:nvSpPr>
+        <p:spPr/>
+        <p:txBody>
+          <a:bodyPr>
+            <a:normAutofit/>
+          </a:bodyPr>
+          <a:lstStyle/>
+          <a:p>
+            <a:r>
+              <a:rPr lang="en-US" dirty="0" smtClean="0"/>
               <a:t>Combining Proof and Test</a:t>
             </a:r>
             <a:endParaRPr lang="en-US" dirty="0"/>
@@ -6350,7 +6729,7 @@
 </p:sld>
 </file>
 
-<file path=ppt/slides/slide12.xml><?xml version="1.0" encoding="utf-8"?>
+<file path=ppt/slides/slide13.xml><?xml version="1.0" encoding="utf-8"?>
 <p:sld xmlns:a="http://schemas.openxmlformats.org/drawingml/2006/main" xmlns:r="http://schemas.openxmlformats.org/officeDocument/2006/relationships" xmlns:p="http://schemas.openxmlformats.org/presentationml/2006/main">
   <p:cSld>
     <p:spTree>
@@ -6627,7 +7006,7 @@
 </p:sld>
 </file>
 
-<file path=ppt/slides/slide13.xml><?xml version="1.0" encoding="utf-8"?>
+<file path=ppt/slides/slide14.xml><?xml version="1.0" encoding="utf-8"?>
 <p:sld xmlns:a="http://schemas.openxmlformats.org/drawingml/2006/main" xmlns:r="http://schemas.openxmlformats.org/officeDocument/2006/relationships" xmlns:p="http://schemas.openxmlformats.org/presentationml/2006/main">
   <p:cSld>
     <p:spTree>
@@ -6897,7 +7276,7 @@
 </p:sld>
 </file>
 
-<file path=ppt/slides/slide14.xml><?xml version="1.0" encoding="utf-8"?>
+<file path=ppt/slides/slide15.xml><?xml version="1.0" encoding="utf-8"?>
 <p:sld xmlns:a="http://schemas.openxmlformats.org/drawingml/2006/main" xmlns:r="http://schemas.openxmlformats.org/officeDocument/2006/relationships" xmlns:p="http://schemas.openxmlformats.org/presentationml/2006/main">
   <p:cSld>
     <p:spTree>
@@ -7106,7 +7485,7 @@
 </p:sld>
 </file>
 
-<file path=ppt/slides/slide15.xml><?xml version="1.0" encoding="utf-8"?>
+<file path=ppt/slides/slide16.xml><?xml version="1.0" encoding="utf-8"?>
 <p:sld xmlns:a="http://schemas.openxmlformats.org/drawingml/2006/main" xmlns:r="http://schemas.openxmlformats.org/officeDocument/2006/relationships" xmlns:p="http://schemas.openxmlformats.org/presentationml/2006/main">
   <p:cSld>
     <p:spTree>
@@ -7324,7 +7703,7 @@
 </p:sld>
 </file>
 
-<file path=ppt/slides/slide16.xml><?xml version="1.0" encoding="utf-8"?>
+<file path=ppt/slides/slide17.xml><?xml version="1.0" encoding="utf-8"?>
 <p:sld xmlns:a="http://schemas.openxmlformats.org/drawingml/2006/main" xmlns:r="http://schemas.openxmlformats.org/officeDocument/2006/relationships" xmlns:p="http://schemas.openxmlformats.org/presentationml/2006/main">
   <p:cSld>
     <p:spTree>
@@ -8287,1231 +8666,6 @@
     <p:extLst>
       <p:ext uri="{BB962C8B-B14F-4D97-AF65-F5344CB8AC3E}">
         <p14:creationId xmlns:p14="http://schemas.microsoft.com/office/powerpoint/2010/main" val="3429583413"/>
-      </p:ext>
-    </p:extLst>
-  </p:cSld>
-  <p:clrMapOvr>
-    <a:masterClrMapping/>
-  </p:clrMapOvr>
-  <p:transition xmlns:p14="http://schemas.microsoft.com/office/powerpoint/2010/main" spd="slow">
-    <p:wipe dir="r"/>
-  </p:transition>
-  <p:timing>
-    <p:tnLst>
-      <p:par>
-        <p:cTn xmlns:p14="http://schemas.microsoft.com/office/powerpoint/2010/main" id="1" dur="indefinite" restart="never" nodeType="tmRoot"/>
-      </p:par>
-    </p:tnLst>
-  </p:timing>
-</p:sld>
-</file>
-
-<file path=ppt/slides/slide17.xml><?xml version="1.0" encoding="utf-8"?>
-<p:sld xmlns:a="http://schemas.openxmlformats.org/drawingml/2006/main" xmlns:r="http://schemas.openxmlformats.org/officeDocument/2006/relationships" xmlns:p="http://schemas.openxmlformats.org/presentationml/2006/main">
-  <p:cSld>
-    <p:spTree>
-      <p:nvGrpSpPr>
-        <p:cNvPr id="1" name=""/>
-        <p:cNvGrpSpPr/>
-        <p:nvPr/>
-      </p:nvGrpSpPr>
-      <p:grpSpPr>
-        <a:xfrm>
-          <a:off x="0" y="0"/>
-          <a:ext cx="0" cy="0"/>
-          <a:chOff x="0" y="0"/>
-          <a:chExt cx="0" cy="0"/>
-        </a:xfrm>
-      </p:grpSpPr>
-      <p:sp>
-        <p:nvSpPr>
-          <p:cNvPr id="2" name="Title 1"/>
-          <p:cNvSpPr>
-            <a:spLocks noGrp="1"/>
-          </p:cNvSpPr>
-          <p:nvPr>
-            <p:ph type="title"/>
-          </p:nvPr>
-        </p:nvSpPr>
-        <p:spPr/>
-        <p:txBody>
-          <a:bodyPr>
-            <a:normAutofit/>
-          </a:bodyPr>
-          <a:lstStyle/>
-          <a:p>
-            <a:r>
-              <a:rPr lang="en-US" dirty="0" smtClean="0"/>
-              <a:t>Support for Ghost Code</a:t>
-            </a:r>
-            <a:endParaRPr lang="en-US" dirty="0"/>
-          </a:p>
-        </p:txBody>
-      </p:sp>
-      <p:sp>
-        <p:nvSpPr>
-          <p:cNvPr id="4" name="Rectangle à coins arrondis 3"/>
-          <p:cNvSpPr/>
-          <p:nvPr/>
-        </p:nvSpPr>
-        <p:spPr>
-          <a:xfrm>
-            <a:off x="2971800" y="3162300"/>
-            <a:ext cx="1371600" cy="990600"/>
-          </a:xfrm>
-          <a:prstGeom prst="roundRect">
-            <a:avLst/>
-          </a:prstGeom>
-        </p:spPr>
-        <p:style>
-          <a:lnRef idx="1">
-            <a:schemeClr val="accent1"/>
-          </a:lnRef>
-          <a:fillRef idx="3">
-            <a:schemeClr val="accent1"/>
-          </a:fillRef>
-          <a:effectRef idx="2">
-            <a:schemeClr val="accent1"/>
-          </a:effectRef>
-          <a:fontRef idx="minor">
-            <a:schemeClr val="lt1"/>
-          </a:fontRef>
-        </p:style>
-        <p:txBody>
-          <a:bodyPr rtlCol="0" anchor="ctr"/>
-          <a:lstStyle/>
-          <a:p>
-            <a:pPr algn="ctr"/>
-            <a:endParaRPr lang="fr-FR" sz="2400" baseline="30000" dirty="0" smtClean="0">
-              <a:solidFill>
-                <a:schemeClr val="bg1"/>
-              </a:solidFill>
-              <a:latin typeface="Helvetica"/>
-              <a:cs typeface="Helvetica"/>
-            </a:endParaRPr>
-          </a:p>
-          <a:p>
-            <a:pPr algn="ctr"/>
-            <a:r>
-              <a:rPr lang="fr-FR" sz="5400" baseline="30000" dirty="0" smtClean="0">
-                <a:solidFill>
-                  <a:schemeClr val="bg1"/>
-                </a:solidFill>
-                <a:latin typeface="Helvetica"/>
-                <a:cs typeface="Helvetica"/>
-              </a:rPr>
-              <a:t>code</a:t>
-            </a:r>
-            <a:endParaRPr lang="fr-FR" sz="5400" baseline="30000" dirty="0">
-              <a:solidFill>
-                <a:schemeClr val="bg1"/>
-              </a:solidFill>
-              <a:latin typeface="Helvetica"/>
-              <a:cs typeface="Helvetica"/>
-            </a:endParaRPr>
-          </a:p>
-        </p:txBody>
-      </p:sp>
-      <p:sp>
-        <p:nvSpPr>
-          <p:cNvPr id="5" name="Rectangle à coins arrondis 4"/>
-          <p:cNvSpPr/>
-          <p:nvPr/>
-        </p:nvSpPr>
-        <p:spPr>
-          <a:xfrm>
-            <a:off x="2590800" y="1714500"/>
-            <a:ext cx="2209800" cy="990600"/>
-          </a:xfrm>
-          <a:prstGeom prst="roundRect">
-            <a:avLst/>
-          </a:prstGeom>
-        </p:spPr>
-        <p:style>
-          <a:lnRef idx="1">
-            <a:schemeClr val="accent1"/>
-          </a:lnRef>
-          <a:fillRef idx="3">
-            <a:schemeClr val="accent1"/>
-          </a:fillRef>
-          <a:effectRef idx="2">
-            <a:schemeClr val="accent1"/>
-          </a:effectRef>
-          <a:fontRef idx="minor">
-            <a:schemeClr val="lt1"/>
-          </a:fontRef>
-        </p:style>
-        <p:txBody>
-          <a:bodyPr rtlCol="0" anchor="ctr"/>
-          <a:lstStyle/>
-          <a:p>
-            <a:pPr algn="ctr"/>
-            <a:endParaRPr lang="fr-FR" sz="2400" baseline="30000" dirty="0" smtClean="0">
-              <a:solidFill>
-                <a:schemeClr val="bg1"/>
-              </a:solidFill>
-              <a:latin typeface="Helvetica"/>
-              <a:cs typeface="Helvetica"/>
-            </a:endParaRPr>
-          </a:p>
-          <a:p>
-            <a:pPr algn="ctr"/>
-            <a:r>
-              <a:rPr lang="fr-FR" sz="5400" baseline="30000" dirty="0" err="1" smtClean="0">
-                <a:solidFill>
-                  <a:schemeClr val="bg1"/>
-                </a:solidFill>
-                <a:latin typeface="Helvetica"/>
-                <a:cs typeface="Helvetica"/>
-              </a:rPr>
-              <a:t>contracts</a:t>
-            </a:r>
-            <a:endParaRPr lang="fr-FR" sz="5400" baseline="30000" dirty="0">
-              <a:solidFill>
-                <a:schemeClr val="bg1"/>
-              </a:solidFill>
-              <a:latin typeface="Helvetica"/>
-              <a:cs typeface="Helvetica"/>
-            </a:endParaRPr>
-          </a:p>
-        </p:txBody>
-      </p:sp>
-      <p:sp>
-        <p:nvSpPr>
-          <p:cNvPr id="6" name="ZoneTexte 5"/>
-          <p:cNvSpPr txBox="1"/>
-          <p:nvPr/>
-        </p:nvSpPr>
-        <p:spPr>
-          <a:xfrm>
-            <a:off x="3429000" y="2530614"/>
-            <a:ext cx="484227" cy="707886"/>
-          </a:xfrm>
-          <a:prstGeom prst="rect">
-            <a:avLst/>
-          </a:prstGeom>
-          <a:noFill/>
-        </p:spPr>
-        <p:txBody>
-          <a:bodyPr wrap="none" rtlCol="0">
-            <a:spAutoFit/>
-          </a:bodyPr>
-          <a:lstStyle/>
-          <a:p>
-            <a:r>
-              <a:rPr lang="fr-FR" sz="4000" dirty="0" smtClean="0">
-                <a:latin typeface="Helvetica"/>
-                <a:cs typeface="Helvetica"/>
-              </a:rPr>
-              <a:t>+</a:t>
-            </a:r>
-            <a:endParaRPr lang="fr-FR" sz="4000" dirty="0">
-              <a:latin typeface="Helvetica"/>
-              <a:cs typeface="Helvetica"/>
-            </a:endParaRPr>
-          </a:p>
-        </p:txBody>
-      </p:sp>
-      <p:sp>
-        <p:nvSpPr>
-          <p:cNvPr id="8" name="Flèche vers la droite 7"/>
-          <p:cNvSpPr/>
-          <p:nvPr/>
-        </p:nvSpPr>
-        <p:spPr>
-          <a:xfrm>
-            <a:off x="1524000" y="2095500"/>
-            <a:ext cx="990600" cy="228600"/>
-          </a:xfrm>
-          <a:prstGeom prst="rightArrow">
-            <a:avLst/>
-          </a:prstGeom>
-        </p:spPr>
-        <p:style>
-          <a:lnRef idx="1">
-            <a:schemeClr val="accent1"/>
-          </a:lnRef>
-          <a:fillRef idx="3">
-            <a:schemeClr val="accent1"/>
-          </a:fillRef>
-          <a:effectRef idx="2">
-            <a:schemeClr val="accent1"/>
-          </a:effectRef>
-          <a:fontRef idx="minor">
-            <a:schemeClr val="lt1"/>
-          </a:fontRef>
-        </p:style>
-        <p:txBody>
-          <a:bodyPr rtlCol="0" anchor="ctr"/>
-          <a:lstStyle/>
-          <a:p>
-            <a:pPr algn="ctr"/>
-            <a:endParaRPr lang="fr-FR"/>
-          </a:p>
-        </p:txBody>
-      </p:sp>
-      <p:sp>
-        <p:nvSpPr>
-          <p:cNvPr id="9" name="Rectangle à coins arrondis 8"/>
-          <p:cNvSpPr/>
-          <p:nvPr/>
-        </p:nvSpPr>
-        <p:spPr>
-          <a:xfrm>
-            <a:off x="6324600" y="3162300"/>
-            <a:ext cx="2514600" cy="990600"/>
-          </a:xfrm>
-          <a:prstGeom prst="roundRect">
-            <a:avLst/>
-          </a:prstGeom>
-        </p:spPr>
-        <p:style>
-          <a:lnRef idx="1">
-            <a:schemeClr val="accent1"/>
-          </a:lnRef>
-          <a:fillRef idx="3">
-            <a:schemeClr val="accent1"/>
-          </a:fillRef>
-          <a:effectRef idx="2">
-            <a:schemeClr val="accent1"/>
-          </a:effectRef>
-          <a:fontRef idx="minor">
-            <a:schemeClr val="lt1"/>
-          </a:fontRef>
-        </p:style>
-        <p:txBody>
-          <a:bodyPr rtlCol="0" anchor="ctr"/>
-          <a:lstStyle/>
-          <a:p>
-            <a:pPr algn="ctr"/>
-            <a:endParaRPr lang="fr-FR" sz="2400" baseline="30000" dirty="0" smtClean="0">
-              <a:solidFill>
-                <a:schemeClr val="bg1"/>
-              </a:solidFill>
-              <a:latin typeface="Helvetica"/>
-              <a:cs typeface="Helvetica"/>
-            </a:endParaRPr>
-          </a:p>
-          <a:p>
-            <a:pPr algn="ctr"/>
-            <a:r>
-              <a:rPr lang="fr-FR" sz="5400" baseline="30000" dirty="0" err="1" smtClean="0">
-                <a:solidFill>
-                  <a:schemeClr val="bg1"/>
-                </a:solidFill>
-                <a:latin typeface="Helvetica"/>
-                <a:cs typeface="Helvetica"/>
-              </a:rPr>
-              <a:t>executable</a:t>
-            </a:r>
-            <a:endParaRPr lang="fr-FR" sz="5400" baseline="30000" dirty="0">
-              <a:solidFill>
-                <a:schemeClr val="bg1"/>
-              </a:solidFill>
-              <a:latin typeface="Helvetica"/>
-              <a:cs typeface="Helvetica"/>
-            </a:endParaRPr>
-          </a:p>
-        </p:txBody>
-      </p:sp>
-      <p:sp>
-        <p:nvSpPr>
-          <p:cNvPr id="10" name="Content Placeholder 2"/>
-          <p:cNvSpPr>
-            <a:spLocks noGrp="1"/>
-          </p:cNvSpPr>
-          <p:nvPr>
-            <p:ph idx="1"/>
-          </p:nvPr>
-        </p:nvSpPr>
-        <p:spPr>
-          <a:xfrm>
-            <a:off x="304800" y="1863744"/>
-            <a:ext cx="1295400" cy="1146156"/>
-          </a:xfrm>
-        </p:spPr>
-        <p:txBody>
-          <a:bodyPr>
-            <a:noAutofit/>
-          </a:bodyPr>
-          <a:lstStyle/>
-          <a:p>
-            <a:pPr marL="0" indent="0">
-              <a:buNone/>
-            </a:pPr>
-            <a:r>
-              <a:rPr lang="en-US" dirty="0"/>
-              <a:t>g</a:t>
-            </a:r>
-            <a:r>
-              <a:rPr lang="en-US" dirty="0" smtClean="0"/>
-              <a:t>host </a:t>
-            </a:r>
-          </a:p>
-          <a:p>
-            <a:pPr marL="0" indent="0">
-              <a:buNone/>
-            </a:pPr>
-            <a:r>
-              <a:rPr lang="en-US" dirty="0" smtClean="0"/>
-              <a:t>functions</a:t>
-            </a:r>
-            <a:endParaRPr lang="en-US" dirty="0"/>
-          </a:p>
-        </p:txBody>
-      </p:sp>
-      <p:sp>
-        <p:nvSpPr>
-          <p:cNvPr id="11" name="Flèche vers la droite 10"/>
-          <p:cNvSpPr/>
-          <p:nvPr/>
-        </p:nvSpPr>
-        <p:spPr>
-          <a:xfrm>
-            <a:off x="4419600" y="3543300"/>
-            <a:ext cx="1828800" cy="228600"/>
-          </a:xfrm>
-          <a:prstGeom prst="rightArrow">
-            <a:avLst/>
-          </a:prstGeom>
-        </p:spPr>
-        <p:style>
-          <a:lnRef idx="1">
-            <a:schemeClr val="accent1"/>
-          </a:lnRef>
-          <a:fillRef idx="3">
-            <a:schemeClr val="accent1"/>
-          </a:fillRef>
-          <a:effectRef idx="2">
-            <a:schemeClr val="accent1"/>
-          </a:effectRef>
-          <a:fontRef idx="minor">
-            <a:schemeClr val="lt1"/>
-          </a:fontRef>
-        </p:style>
-        <p:txBody>
-          <a:bodyPr rtlCol="0" anchor="ctr"/>
-          <a:lstStyle/>
-          <a:p>
-            <a:pPr algn="ctr"/>
-            <a:endParaRPr lang="fr-FR"/>
-          </a:p>
-        </p:txBody>
-      </p:sp>
-      <p:sp>
-        <p:nvSpPr>
-          <p:cNvPr id="12" name="Content Placeholder 2"/>
-          <p:cNvSpPr txBox="1">
-            <a:spLocks/>
-          </p:cNvSpPr>
-          <p:nvPr/>
-        </p:nvSpPr>
-        <p:spPr>
-          <a:xfrm>
-            <a:off x="4724400" y="3162300"/>
-            <a:ext cx="1295400" cy="457200"/>
-          </a:xfrm>
-          <a:prstGeom prst="rect">
-            <a:avLst/>
-          </a:prstGeom>
-        </p:spPr>
-        <p:txBody>
-          <a:bodyPr vert="horz" lIns="91440" tIns="45720" rIns="91440" bIns="45720" rtlCol="0">
-            <a:noAutofit/>
-          </a:bodyPr>
-          <a:lstStyle>
-            <a:lvl1pPr marL="342900" indent="-342900" algn="l" defTabSz="914400" rtl="0" eaLnBrk="1" latinLnBrk="0" hangingPunct="1">
-              <a:spcBef>
-                <a:spcPct val="20000"/>
-              </a:spcBef>
-              <a:buFont typeface="Arial" pitchFamily="34" charset="0"/>
-              <a:buChar char="•"/>
-              <a:defRPr sz="2000" kern="1200">
-                <a:solidFill>
-                  <a:schemeClr val="tx1"/>
-                </a:solidFill>
-                <a:latin typeface="Helvetica"/>
-                <a:ea typeface="+mn-ea"/>
-                <a:cs typeface="Helvetica"/>
-              </a:defRPr>
-            </a:lvl1pPr>
-            <a:lvl2pPr marL="742950" indent="-285750" algn="l" defTabSz="914400" rtl="0" eaLnBrk="1" latinLnBrk="0" hangingPunct="1">
-              <a:spcBef>
-                <a:spcPct val="20000"/>
-              </a:spcBef>
-              <a:buFont typeface="Arial" pitchFamily="34" charset="0"/>
-              <a:buChar char="–"/>
-              <a:defRPr sz="2000" kern="1200">
-                <a:solidFill>
-                  <a:schemeClr val="tx1"/>
-                </a:solidFill>
-                <a:latin typeface="Helvetica"/>
-                <a:ea typeface="+mn-ea"/>
-                <a:cs typeface="Helvetica"/>
-              </a:defRPr>
-            </a:lvl2pPr>
-            <a:lvl3pPr marL="1143000" indent="-228600" algn="l" defTabSz="914400" rtl="0" eaLnBrk="1" latinLnBrk="0" hangingPunct="1">
-              <a:spcBef>
-                <a:spcPct val="20000"/>
-              </a:spcBef>
-              <a:buFont typeface="Arial" pitchFamily="34" charset="0"/>
-              <a:buChar char="•"/>
-              <a:defRPr sz="2000" kern="1200">
-                <a:solidFill>
-                  <a:schemeClr val="tx1"/>
-                </a:solidFill>
-                <a:latin typeface="Helvetica"/>
-                <a:ea typeface="+mn-ea"/>
-                <a:cs typeface="Helvetica"/>
-              </a:defRPr>
-            </a:lvl3pPr>
-            <a:lvl4pPr marL="1600200" indent="-228600" algn="l" defTabSz="914400" rtl="0" eaLnBrk="1" latinLnBrk="0" hangingPunct="1">
-              <a:spcBef>
-                <a:spcPct val="20000"/>
-              </a:spcBef>
-              <a:buFont typeface="Arial" pitchFamily="34" charset="0"/>
-              <a:buChar char="–"/>
-              <a:defRPr sz="2000" kern="1200">
-                <a:solidFill>
-                  <a:schemeClr val="tx1"/>
-                </a:solidFill>
-                <a:latin typeface="Helvetica"/>
-                <a:ea typeface="+mn-ea"/>
-                <a:cs typeface="Helvetica"/>
-              </a:defRPr>
-            </a:lvl4pPr>
-            <a:lvl5pPr marL="2057400" indent="-228600" algn="l" defTabSz="914400" rtl="0" eaLnBrk="1" latinLnBrk="0" hangingPunct="1">
-              <a:spcBef>
-                <a:spcPct val="20000"/>
-              </a:spcBef>
-              <a:buFont typeface="Arial" pitchFamily="34" charset="0"/>
-              <a:buChar char="»"/>
-              <a:defRPr sz="2000" kern="1200">
-                <a:solidFill>
-                  <a:schemeClr val="tx1"/>
-                </a:solidFill>
-                <a:latin typeface="Helvetica"/>
-                <a:ea typeface="+mn-ea"/>
-                <a:cs typeface="Helvetica"/>
-              </a:defRPr>
-            </a:lvl5pPr>
-            <a:lvl6pPr marL="2514600" indent="-228600" algn="l" defTabSz="914400" rtl="0" eaLnBrk="1" latinLnBrk="0" hangingPunct="1">
-              <a:spcBef>
-                <a:spcPct val="20000"/>
-              </a:spcBef>
-              <a:buFont typeface="Arial" pitchFamily="34" charset="0"/>
-              <a:buChar char="•"/>
-              <a:defRPr sz="2000" kern="1200">
-                <a:solidFill>
-                  <a:schemeClr val="tx1"/>
-                </a:solidFill>
-                <a:latin typeface="+mn-lt"/>
-                <a:ea typeface="+mn-ea"/>
-                <a:cs typeface="+mn-cs"/>
-              </a:defRPr>
-            </a:lvl6pPr>
-            <a:lvl7pPr marL="2971800" indent="-228600" algn="l" defTabSz="914400" rtl="0" eaLnBrk="1" latinLnBrk="0" hangingPunct="1">
-              <a:spcBef>
-                <a:spcPct val="20000"/>
-              </a:spcBef>
-              <a:buFont typeface="Arial" pitchFamily="34" charset="0"/>
-              <a:buChar char="•"/>
-              <a:defRPr sz="2000" kern="1200">
-                <a:solidFill>
-                  <a:schemeClr val="tx1"/>
-                </a:solidFill>
-                <a:latin typeface="+mn-lt"/>
-                <a:ea typeface="+mn-ea"/>
-                <a:cs typeface="+mn-cs"/>
-              </a:defRPr>
-            </a:lvl7pPr>
-            <a:lvl8pPr marL="3429000" indent="-228600" algn="l" defTabSz="914400" rtl="0" eaLnBrk="1" latinLnBrk="0" hangingPunct="1">
-              <a:spcBef>
-                <a:spcPct val="20000"/>
-              </a:spcBef>
-              <a:buFont typeface="Arial" pitchFamily="34" charset="0"/>
-              <a:buChar char="•"/>
-              <a:defRPr sz="2000" kern="1200">
-                <a:solidFill>
-                  <a:schemeClr val="tx1"/>
-                </a:solidFill>
-                <a:latin typeface="+mn-lt"/>
-                <a:ea typeface="+mn-ea"/>
-                <a:cs typeface="+mn-cs"/>
-              </a:defRPr>
-            </a:lvl8pPr>
-            <a:lvl9pPr marL="3886200" indent="-228600" algn="l" defTabSz="914400" rtl="0" eaLnBrk="1" latinLnBrk="0" hangingPunct="1">
-              <a:spcBef>
-                <a:spcPct val="20000"/>
-              </a:spcBef>
-              <a:buFont typeface="Arial" pitchFamily="34" charset="0"/>
-              <a:buChar char="•"/>
-              <a:defRPr sz="2000" kern="1200">
-                <a:solidFill>
-                  <a:schemeClr val="tx1"/>
-                </a:solidFill>
-                <a:latin typeface="+mn-lt"/>
-                <a:ea typeface="+mn-ea"/>
-                <a:cs typeface="+mn-cs"/>
-              </a:defRPr>
-            </a:lvl9pPr>
-          </a:lstStyle>
-          <a:p>
-            <a:pPr marL="0" indent="0">
-              <a:buFont typeface="Arial" pitchFamily="34" charset="0"/>
-              <a:buNone/>
-            </a:pPr>
-            <a:r>
-              <a:rPr lang="en-US" dirty="0" smtClean="0"/>
-              <a:t>compile</a:t>
-            </a:r>
-            <a:endParaRPr lang="en-US" dirty="0"/>
-          </a:p>
-        </p:txBody>
-      </p:sp>
-      <p:sp>
-        <p:nvSpPr>
-          <p:cNvPr id="13" name="Flèche vers la droite 12"/>
-          <p:cNvSpPr/>
-          <p:nvPr/>
-        </p:nvSpPr>
-        <p:spPr>
-          <a:xfrm rot="1823950">
-            <a:off x="4839668" y="2799152"/>
-            <a:ext cx="1373473" cy="212920"/>
-          </a:xfrm>
-          <a:prstGeom prst="rightArrow">
-            <a:avLst/>
-          </a:prstGeom>
-        </p:spPr>
-        <p:style>
-          <a:lnRef idx="1">
-            <a:schemeClr val="accent1"/>
-          </a:lnRef>
-          <a:fillRef idx="3">
-            <a:schemeClr val="accent1"/>
-          </a:fillRef>
-          <a:effectRef idx="2">
-            <a:schemeClr val="accent1"/>
-          </a:effectRef>
-          <a:fontRef idx="minor">
-            <a:schemeClr val="lt1"/>
-          </a:fontRef>
-        </p:style>
-        <p:txBody>
-          <a:bodyPr rtlCol="0" anchor="ctr"/>
-          <a:lstStyle/>
-          <a:p>
-            <a:pPr algn="ctr"/>
-            <a:endParaRPr lang="fr-FR"/>
-          </a:p>
-        </p:txBody>
-      </p:sp>
-      <p:sp>
-        <p:nvSpPr>
-          <p:cNvPr id="14" name="Content Placeholder 2"/>
-          <p:cNvSpPr txBox="1">
-            <a:spLocks/>
-          </p:cNvSpPr>
-          <p:nvPr/>
-        </p:nvSpPr>
-        <p:spPr>
-          <a:xfrm rot="1799537">
-            <a:off x="4772736" y="2353773"/>
-            <a:ext cx="1981200" cy="457200"/>
-          </a:xfrm>
-          <a:prstGeom prst="rect">
-            <a:avLst/>
-          </a:prstGeom>
-        </p:spPr>
-        <p:txBody>
-          <a:bodyPr vert="horz" lIns="91440" tIns="45720" rIns="91440" bIns="45720" rtlCol="0">
-            <a:noAutofit/>
-          </a:bodyPr>
-          <a:lstStyle>
-            <a:lvl1pPr marL="342900" indent="-342900" algn="l" defTabSz="914400" rtl="0" eaLnBrk="1" latinLnBrk="0" hangingPunct="1">
-              <a:spcBef>
-                <a:spcPct val="20000"/>
-              </a:spcBef>
-              <a:buFont typeface="Arial" pitchFamily="34" charset="0"/>
-              <a:buChar char="•"/>
-              <a:defRPr sz="2000" kern="1200">
-                <a:solidFill>
-                  <a:schemeClr val="tx1"/>
-                </a:solidFill>
-                <a:latin typeface="Helvetica"/>
-                <a:ea typeface="+mn-ea"/>
-                <a:cs typeface="Helvetica"/>
-              </a:defRPr>
-            </a:lvl1pPr>
-            <a:lvl2pPr marL="742950" indent="-285750" algn="l" defTabSz="914400" rtl="0" eaLnBrk="1" latinLnBrk="0" hangingPunct="1">
-              <a:spcBef>
-                <a:spcPct val="20000"/>
-              </a:spcBef>
-              <a:buFont typeface="Arial" pitchFamily="34" charset="0"/>
-              <a:buChar char="–"/>
-              <a:defRPr sz="2000" kern="1200">
-                <a:solidFill>
-                  <a:schemeClr val="tx1"/>
-                </a:solidFill>
-                <a:latin typeface="Helvetica"/>
-                <a:ea typeface="+mn-ea"/>
-                <a:cs typeface="Helvetica"/>
-              </a:defRPr>
-            </a:lvl2pPr>
-            <a:lvl3pPr marL="1143000" indent="-228600" algn="l" defTabSz="914400" rtl="0" eaLnBrk="1" latinLnBrk="0" hangingPunct="1">
-              <a:spcBef>
-                <a:spcPct val="20000"/>
-              </a:spcBef>
-              <a:buFont typeface="Arial" pitchFamily="34" charset="0"/>
-              <a:buChar char="•"/>
-              <a:defRPr sz="2000" kern="1200">
-                <a:solidFill>
-                  <a:schemeClr val="tx1"/>
-                </a:solidFill>
-                <a:latin typeface="Helvetica"/>
-                <a:ea typeface="+mn-ea"/>
-                <a:cs typeface="Helvetica"/>
-              </a:defRPr>
-            </a:lvl3pPr>
-            <a:lvl4pPr marL="1600200" indent="-228600" algn="l" defTabSz="914400" rtl="0" eaLnBrk="1" latinLnBrk="0" hangingPunct="1">
-              <a:spcBef>
-                <a:spcPct val="20000"/>
-              </a:spcBef>
-              <a:buFont typeface="Arial" pitchFamily="34" charset="0"/>
-              <a:buChar char="–"/>
-              <a:defRPr sz="2000" kern="1200">
-                <a:solidFill>
-                  <a:schemeClr val="tx1"/>
-                </a:solidFill>
-                <a:latin typeface="Helvetica"/>
-                <a:ea typeface="+mn-ea"/>
-                <a:cs typeface="Helvetica"/>
-              </a:defRPr>
-            </a:lvl4pPr>
-            <a:lvl5pPr marL="2057400" indent="-228600" algn="l" defTabSz="914400" rtl="0" eaLnBrk="1" latinLnBrk="0" hangingPunct="1">
-              <a:spcBef>
-                <a:spcPct val="20000"/>
-              </a:spcBef>
-              <a:buFont typeface="Arial" pitchFamily="34" charset="0"/>
-              <a:buChar char="»"/>
-              <a:defRPr sz="2000" kern="1200">
-                <a:solidFill>
-                  <a:schemeClr val="tx1"/>
-                </a:solidFill>
-                <a:latin typeface="Helvetica"/>
-                <a:ea typeface="+mn-ea"/>
-                <a:cs typeface="Helvetica"/>
-              </a:defRPr>
-            </a:lvl5pPr>
-            <a:lvl6pPr marL="2514600" indent="-228600" algn="l" defTabSz="914400" rtl="0" eaLnBrk="1" latinLnBrk="0" hangingPunct="1">
-              <a:spcBef>
-                <a:spcPct val="20000"/>
-              </a:spcBef>
-              <a:buFont typeface="Arial" pitchFamily="34" charset="0"/>
-              <a:buChar char="•"/>
-              <a:defRPr sz="2000" kern="1200">
-                <a:solidFill>
-                  <a:schemeClr val="tx1"/>
-                </a:solidFill>
-                <a:latin typeface="+mn-lt"/>
-                <a:ea typeface="+mn-ea"/>
-                <a:cs typeface="+mn-cs"/>
-              </a:defRPr>
-            </a:lvl6pPr>
-            <a:lvl7pPr marL="2971800" indent="-228600" algn="l" defTabSz="914400" rtl="0" eaLnBrk="1" latinLnBrk="0" hangingPunct="1">
-              <a:spcBef>
-                <a:spcPct val="20000"/>
-              </a:spcBef>
-              <a:buFont typeface="Arial" pitchFamily="34" charset="0"/>
-              <a:buChar char="•"/>
-              <a:defRPr sz="2000" kern="1200">
-                <a:solidFill>
-                  <a:schemeClr val="tx1"/>
-                </a:solidFill>
-                <a:latin typeface="+mn-lt"/>
-                <a:ea typeface="+mn-ea"/>
-                <a:cs typeface="+mn-cs"/>
-              </a:defRPr>
-            </a:lvl7pPr>
-            <a:lvl8pPr marL="3429000" indent="-228600" algn="l" defTabSz="914400" rtl="0" eaLnBrk="1" latinLnBrk="0" hangingPunct="1">
-              <a:spcBef>
-                <a:spcPct val="20000"/>
-              </a:spcBef>
-              <a:buFont typeface="Arial" pitchFamily="34" charset="0"/>
-              <a:buChar char="•"/>
-              <a:defRPr sz="2000" kern="1200">
-                <a:solidFill>
-                  <a:schemeClr val="tx1"/>
-                </a:solidFill>
-                <a:latin typeface="+mn-lt"/>
-                <a:ea typeface="+mn-ea"/>
-                <a:cs typeface="+mn-cs"/>
-              </a:defRPr>
-            </a:lvl8pPr>
-            <a:lvl9pPr marL="3886200" indent="-228600" algn="l" defTabSz="914400" rtl="0" eaLnBrk="1" latinLnBrk="0" hangingPunct="1">
-              <a:spcBef>
-                <a:spcPct val="20000"/>
-              </a:spcBef>
-              <a:buFont typeface="Arial" pitchFamily="34" charset="0"/>
-              <a:buChar char="•"/>
-              <a:defRPr sz="2000" kern="1200">
-                <a:solidFill>
-                  <a:schemeClr val="tx1"/>
-                </a:solidFill>
-                <a:latin typeface="+mn-lt"/>
-                <a:ea typeface="+mn-ea"/>
-                <a:cs typeface="+mn-cs"/>
-              </a:defRPr>
-            </a:lvl9pPr>
-          </a:lstStyle>
-          <a:p>
-            <a:pPr marL="0" indent="0">
-              <a:buFont typeface="Arial" pitchFamily="34" charset="0"/>
-              <a:buNone/>
-            </a:pPr>
-            <a:r>
-              <a:rPr lang="en-US" dirty="0"/>
-              <a:t>w</a:t>
-            </a:r>
-            <a:r>
-              <a:rPr lang="en-US" dirty="0" smtClean="0"/>
-              <a:t>ith assertions</a:t>
-            </a:r>
-            <a:endParaRPr lang="en-US" dirty="0"/>
-          </a:p>
-        </p:txBody>
-      </p:sp>
-      <p:sp>
-        <p:nvSpPr>
-          <p:cNvPr id="15" name="Flèche vers la droite 14"/>
-          <p:cNvSpPr/>
-          <p:nvPr/>
-        </p:nvSpPr>
-        <p:spPr>
-          <a:xfrm>
-            <a:off x="1600200" y="3543300"/>
-            <a:ext cx="1295400" cy="231756"/>
-          </a:xfrm>
-          <a:prstGeom prst="rightArrow">
-            <a:avLst/>
-          </a:prstGeom>
-        </p:spPr>
-        <p:style>
-          <a:lnRef idx="1">
-            <a:schemeClr val="accent1"/>
-          </a:lnRef>
-          <a:fillRef idx="3">
-            <a:schemeClr val="accent1"/>
-          </a:fillRef>
-          <a:effectRef idx="2">
-            <a:schemeClr val="accent1"/>
-          </a:effectRef>
-          <a:fontRef idx="minor">
-            <a:schemeClr val="lt1"/>
-          </a:fontRef>
-        </p:style>
-        <p:txBody>
-          <a:bodyPr rtlCol="0" anchor="ctr"/>
-          <a:lstStyle/>
-          <a:p>
-            <a:pPr algn="ctr"/>
-            <a:endParaRPr lang="fr-FR"/>
-          </a:p>
-        </p:txBody>
-      </p:sp>
-      <p:sp>
-        <p:nvSpPr>
-          <p:cNvPr id="16" name="Content Placeholder 2"/>
-          <p:cNvSpPr txBox="1">
-            <a:spLocks/>
-          </p:cNvSpPr>
-          <p:nvPr/>
-        </p:nvSpPr>
-        <p:spPr>
-          <a:xfrm>
-            <a:off x="304800" y="3009900"/>
-            <a:ext cx="1600200" cy="1600200"/>
-          </a:xfrm>
-          <a:prstGeom prst="rect">
-            <a:avLst/>
-          </a:prstGeom>
-        </p:spPr>
-        <p:txBody>
-          <a:bodyPr vert="horz" lIns="91440" tIns="45720" rIns="91440" bIns="45720" rtlCol="0">
-            <a:noAutofit/>
-          </a:bodyPr>
-          <a:lstStyle>
-            <a:lvl1pPr marL="342900" indent="-342900" algn="l" defTabSz="914400" rtl="0" eaLnBrk="1" latinLnBrk="0" hangingPunct="1">
-              <a:spcBef>
-                <a:spcPct val="20000"/>
-              </a:spcBef>
-              <a:buFont typeface="Arial" pitchFamily="34" charset="0"/>
-              <a:buChar char="•"/>
-              <a:defRPr sz="2000" kern="1200">
-                <a:solidFill>
-                  <a:schemeClr val="tx1"/>
-                </a:solidFill>
-                <a:latin typeface="Helvetica"/>
-                <a:ea typeface="+mn-ea"/>
-                <a:cs typeface="Helvetica"/>
-              </a:defRPr>
-            </a:lvl1pPr>
-            <a:lvl2pPr marL="742950" indent="-285750" algn="l" defTabSz="914400" rtl="0" eaLnBrk="1" latinLnBrk="0" hangingPunct="1">
-              <a:spcBef>
-                <a:spcPct val="20000"/>
-              </a:spcBef>
-              <a:buFont typeface="Arial" pitchFamily="34" charset="0"/>
-              <a:buChar char="–"/>
-              <a:defRPr sz="2000" kern="1200">
-                <a:solidFill>
-                  <a:schemeClr val="tx1"/>
-                </a:solidFill>
-                <a:latin typeface="Helvetica"/>
-                <a:ea typeface="+mn-ea"/>
-                <a:cs typeface="Helvetica"/>
-              </a:defRPr>
-            </a:lvl2pPr>
-            <a:lvl3pPr marL="1143000" indent="-228600" algn="l" defTabSz="914400" rtl="0" eaLnBrk="1" latinLnBrk="0" hangingPunct="1">
-              <a:spcBef>
-                <a:spcPct val="20000"/>
-              </a:spcBef>
-              <a:buFont typeface="Arial" pitchFamily="34" charset="0"/>
-              <a:buChar char="•"/>
-              <a:defRPr sz="2000" kern="1200">
-                <a:solidFill>
-                  <a:schemeClr val="tx1"/>
-                </a:solidFill>
-                <a:latin typeface="Helvetica"/>
-                <a:ea typeface="+mn-ea"/>
-                <a:cs typeface="Helvetica"/>
-              </a:defRPr>
-            </a:lvl3pPr>
-            <a:lvl4pPr marL="1600200" indent="-228600" algn="l" defTabSz="914400" rtl="0" eaLnBrk="1" latinLnBrk="0" hangingPunct="1">
-              <a:spcBef>
-                <a:spcPct val="20000"/>
-              </a:spcBef>
-              <a:buFont typeface="Arial" pitchFamily="34" charset="0"/>
-              <a:buChar char="–"/>
-              <a:defRPr sz="2000" kern="1200">
-                <a:solidFill>
-                  <a:schemeClr val="tx1"/>
-                </a:solidFill>
-                <a:latin typeface="Helvetica"/>
-                <a:ea typeface="+mn-ea"/>
-                <a:cs typeface="Helvetica"/>
-              </a:defRPr>
-            </a:lvl4pPr>
-            <a:lvl5pPr marL="2057400" indent="-228600" algn="l" defTabSz="914400" rtl="0" eaLnBrk="1" latinLnBrk="0" hangingPunct="1">
-              <a:spcBef>
-                <a:spcPct val="20000"/>
-              </a:spcBef>
-              <a:buFont typeface="Arial" pitchFamily="34" charset="0"/>
-              <a:buChar char="»"/>
-              <a:defRPr sz="2000" kern="1200">
-                <a:solidFill>
-                  <a:schemeClr val="tx1"/>
-                </a:solidFill>
-                <a:latin typeface="Helvetica"/>
-                <a:ea typeface="+mn-ea"/>
-                <a:cs typeface="Helvetica"/>
-              </a:defRPr>
-            </a:lvl5pPr>
-            <a:lvl6pPr marL="2514600" indent="-228600" algn="l" defTabSz="914400" rtl="0" eaLnBrk="1" latinLnBrk="0" hangingPunct="1">
-              <a:spcBef>
-                <a:spcPct val="20000"/>
-              </a:spcBef>
-              <a:buFont typeface="Arial" pitchFamily="34" charset="0"/>
-              <a:buChar char="•"/>
-              <a:defRPr sz="2000" kern="1200">
-                <a:solidFill>
-                  <a:schemeClr val="tx1"/>
-                </a:solidFill>
-                <a:latin typeface="+mn-lt"/>
-                <a:ea typeface="+mn-ea"/>
-                <a:cs typeface="+mn-cs"/>
-              </a:defRPr>
-            </a:lvl6pPr>
-            <a:lvl7pPr marL="2971800" indent="-228600" algn="l" defTabSz="914400" rtl="0" eaLnBrk="1" latinLnBrk="0" hangingPunct="1">
-              <a:spcBef>
-                <a:spcPct val="20000"/>
-              </a:spcBef>
-              <a:buFont typeface="Arial" pitchFamily="34" charset="0"/>
-              <a:buChar char="•"/>
-              <a:defRPr sz="2000" kern="1200">
-                <a:solidFill>
-                  <a:schemeClr val="tx1"/>
-                </a:solidFill>
-                <a:latin typeface="+mn-lt"/>
-                <a:ea typeface="+mn-ea"/>
-                <a:cs typeface="+mn-cs"/>
-              </a:defRPr>
-            </a:lvl7pPr>
-            <a:lvl8pPr marL="3429000" indent="-228600" algn="l" defTabSz="914400" rtl="0" eaLnBrk="1" latinLnBrk="0" hangingPunct="1">
-              <a:spcBef>
-                <a:spcPct val="20000"/>
-              </a:spcBef>
-              <a:buFont typeface="Arial" pitchFamily="34" charset="0"/>
-              <a:buChar char="•"/>
-              <a:defRPr sz="2000" kern="1200">
-                <a:solidFill>
-                  <a:schemeClr val="tx1"/>
-                </a:solidFill>
-                <a:latin typeface="+mn-lt"/>
-                <a:ea typeface="+mn-ea"/>
-                <a:cs typeface="+mn-cs"/>
-              </a:defRPr>
-            </a:lvl8pPr>
-            <a:lvl9pPr marL="3886200" indent="-228600" algn="l" defTabSz="914400" rtl="0" eaLnBrk="1" latinLnBrk="0" hangingPunct="1">
-              <a:spcBef>
-                <a:spcPct val="20000"/>
-              </a:spcBef>
-              <a:buFont typeface="Arial" pitchFamily="34" charset="0"/>
-              <a:buChar char="•"/>
-              <a:defRPr sz="2000" kern="1200">
-                <a:solidFill>
-                  <a:schemeClr val="tx1"/>
-                </a:solidFill>
-                <a:latin typeface="+mn-lt"/>
-                <a:ea typeface="+mn-ea"/>
-                <a:cs typeface="+mn-cs"/>
-              </a:defRPr>
-            </a:lvl9pPr>
-          </a:lstStyle>
-          <a:p>
-            <a:pPr marL="0" indent="0">
-              <a:buFont typeface="Arial" pitchFamily="34" charset="0"/>
-              <a:buNone/>
-            </a:pPr>
-            <a:r>
-              <a:rPr lang="en-US" dirty="0" smtClean="0"/>
-              <a:t>ghost </a:t>
-            </a:r>
-          </a:p>
-          <a:p>
-            <a:pPr marL="0" indent="0">
-              <a:buFont typeface="Arial" pitchFamily="34" charset="0"/>
-              <a:buNone/>
-            </a:pPr>
-            <a:r>
-              <a:rPr lang="en-US" dirty="0" smtClean="0"/>
-              <a:t>variables,</a:t>
-            </a:r>
-          </a:p>
-          <a:p>
-            <a:pPr marL="0" indent="0">
-              <a:buFont typeface="Arial" pitchFamily="34" charset="0"/>
-              <a:buNone/>
-            </a:pPr>
-            <a:r>
-              <a:rPr lang="en-US" dirty="0"/>
-              <a:t>t</a:t>
-            </a:r>
-            <a:r>
-              <a:rPr lang="en-US" dirty="0" smtClean="0"/>
-              <a:t>ypes,</a:t>
-            </a:r>
-          </a:p>
-          <a:p>
-            <a:pPr marL="0" indent="0">
-              <a:buFont typeface="Arial" pitchFamily="34" charset="0"/>
-              <a:buNone/>
-            </a:pPr>
-            <a:r>
-              <a:rPr lang="en-US" dirty="0" smtClean="0"/>
-              <a:t>procedures</a:t>
-            </a:r>
-            <a:endParaRPr lang="en-US" dirty="0"/>
-          </a:p>
-        </p:txBody>
-      </p:sp>
-      <p:sp>
-        <p:nvSpPr>
-          <p:cNvPr id="17" name="Content Placeholder 2"/>
-          <p:cNvSpPr txBox="1">
-            <a:spLocks/>
-          </p:cNvSpPr>
-          <p:nvPr/>
-        </p:nvSpPr>
-        <p:spPr>
-          <a:xfrm>
-            <a:off x="3200400" y="4568844"/>
-            <a:ext cx="5971674" cy="1146156"/>
-          </a:xfrm>
-          <a:prstGeom prst="rect">
-            <a:avLst/>
-          </a:prstGeom>
-        </p:spPr>
-        <p:txBody>
-          <a:bodyPr vert="horz" lIns="91440" tIns="45720" rIns="91440" bIns="45720" rtlCol="0">
-            <a:noAutofit/>
-          </a:bodyPr>
-          <a:lstStyle>
-            <a:lvl1pPr marL="342900" indent="-342900" algn="l" defTabSz="914400" rtl="0" eaLnBrk="1" latinLnBrk="0" hangingPunct="1">
-              <a:spcBef>
-                <a:spcPct val="20000"/>
-              </a:spcBef>
-              <a:buFont typeface="Arial" pitchFamily="34" charset="0"/>
-              <a:buChar char="•"/>
-              <a:defRPr sz="2000" kern="1200">
-                <a:solidFill>
-                  <a:schemeClr val="tx1"/>
-                </a:solidFill>
-                <a:latin typeface="Helvetica"/>
-                <a:ea typeface="+mn-ea"/>
-                <a:cs typeface="Helvetica"/>
-              </a:defRPr>
-            </a:lvl1pPr>
-            <a:lvl2pPr marL="742950" indent="-285750" algn="l" defTabSz="914400" rtl="0" eaLnBrk="1" latinLnBrk="0" hangingPunct="1">
-              <a:spcBef>
-                <a:spcPct val="20000"/>
-              </a:spcBef>
-              <a:buFont typeface="Arial" pitchFamily="34" charset="0"/>
-              <a:buChar char="–"/>
-              <a:defRPr sz="2000" kern="1200">
-                <a:solidFill>
-                  <a:schemeClr val="tx1"/>
-                </a:solidFill>
-                <a:latin typeface="Helvetica"/>
-                <a:ea typeface="+mn-ea"/>
-                <a:cs typeface="Helvetica"/>
-              </a:defRPr>
-            </a:lvl2pPr>
-            <a:lvl3pPr marL="1143000" indent="-228600" algn="l" defTabSz="914400" rtl="0" eaLnBrk="1" latinLnBrk="0" hangingPunct="1">
-              <a:spcBef>
-                <a:spcPct val="20000"/>
-              </a:spcBef>
-              <a:buFont typeface="Arial" pitchFamily="34" charset="0"/>
-              <a:buChar char="•"/>
-              <a:defRPr sz="2000" kern="1200">
-                <a:solidFill>
-                  <a:schemeClr val="tx1"/>
-                </a:solidFill>
-                <a:latin typeface="Helvetica"/>
-                <a:ea typeface="+mn-ea"/>
-                <a:cs typeface="Helvetica"/>
-              </a:defRPr>
-            </a:lvl3pPr>
-            <a:lvl4pPr marL="1600200" indent="-228600" algn="l" defTabSz="914400" rtl="0" eaLnBrk="1" latinLnBrk="0" hangingPunct="1">
-              <a:spcBef>
-                <a:spcPct val="20000"/>
-              </a:spcBef>
-              <a:buFont typeface="Arial" pitchFamily="34" charset="0"/>
-              <a:buChar char="–"/>
-              <a:defRPr sz="2000" kern="1200">
-                <a:solidFill>
-                  <a:schemeClr val="tx1"/>
-                </a:solidFill>
-                <a:latin typeface="Helvetica"/>
-                <a:ea typeface="+mn-ea"/>
-                <a:cs typeface="Helvetica"/>
-              </a:defRPr>
-            </a:lvl4pPr>
-            <a:lvl5pPr marL="2057400" indent="-228600" algn="l" defTabSz="914400" rtl="0" eaLnBrk="1" latinLnBrk="0" hangingPunct="1">
-              <a:spcBef>
-                <a:spcPct val="20000"/>
-              </a:spcBef>
-              <a:buFont typeface="Arial" pitchFamily="34" charset="0"/>
-              <a:buChar char="»"/>
-              <a:defRPr sz="2000" kern="1200">
-                <a:solidFill>
-                  <a:schemeClr val="tx1"/>
-                </a:solidFill>
-                <a:latin typeface="Helvetica"/>
-                <a:ea typeface="+mn-ea"/>
-                <a:cs typeface="Helvetica"/>
-              </a:defRPr>
-            </a:lvl5pPr>
-            <a:lvl6pPr marL="2514600" indent="-228600" algn="l" defTabSz="914400" rtl="0" eaLnBrk="1" latinLnBrk="0" hangingPunct="1">
-              <a:spcBef>
-                <a:spcPct val="20000"/>
-              </a:spcBef>
-              <a:buFont typeface="Arial" pitchFamily="34" charset="0"/>
-              <a:buChar char="•"/>
-              <a:defRPr sz="2000" kern="1200">
-                <a:solidFill>
-                  <a:schemeClr val="tx1"/>
-                </a:solidFill>
-                <a:latin typeface="+mn-lt"/>
-                <a:ea typeface="+mn-ea"/>
-                <a:cs typeface="+mn-cs"/>
-              </a:defRPr>
-            </a:lvl6pPr>
-            <a:lvl7pPr marL="2971800" indent="-228600" algn="l" defTabSz="914400" rtl="0" eaLnBrk="1" latinLnBrk="0" hangingPunct="1">
-              <a:spcBef>
-                <a:spcPct val="20000"/>
-              </a:spcBef>
-              <a:buFont typeface="Arial" pitchFamily="34" charset="0"/>
-              <a:buChar char="•"/>
-              <a:defRPr sz="2000" kern="1200">
-                <a:solidFill>
-                  <a:schemeClr val="tx1"/>
-                </a:solidFill>
-                <a:latin typeface="+mn-lt"/>
-                <a:ea typeface="+mn-ea"/>
-                <a:cs typeface="+mn-cs"/>
-              </a:defRPr>
-            </a:lvl7pPr>
-            <a:lvl8pPr marL="3429000" indent="-228600" algn="l" defTabSz="914400" rtl="0" eaLnBrk="1" latinLnBrk="0" hangingPunct="1">
-              <a:spcBef>
-                <a:spcPct val="20000"/>
-              </a:spcBef>
-              <a:buFont typeface="Arial" pitchFamily="34" charset="0"/>
-              <a:buChar char="•"/>
-              <a:defRPr sz="2000" kern="1200">
-                <a:solidFill>
-                  <a:schemeClr val="tx1"/>
-                </a:solidFill>
-                <a:latin typeface="+mn-lt"/>
-                <a:ea typeface="+mn-ea"/>
-                <a:cs typeface="+mn-cs"/>
-              </a:defRPr>
-            </a:lvl8pPr>
-            <a:lvl9pPr marL="3886200" indent="-228600" algn="l" defTabSz="914400" rtl="0" eaLnBrk="1" latinLnBrk="0" hangingPunct="1">
-              <a:spcBef>
-                <a:spcPct val="20000"/>
-              </a:spcBef>
-              <a:buFont typeface="Arial" pitchFamily="34" charset="0"/>
-              <a:buChar char="•"/>
-              <a:defRPr sz="2000" kern="1200">
-                <a:solidFill>
-                  <a:schemeClr val="tx1"/>
-                </a:solidFill>
-                <a:latin typeface="+mn-lt"/>
-                <a:ea typeface="+mn-ea"/>
-                <a:cs typeface="+mn-cs"/>
-              </a:defRPr>
-            </a:lvl9pPr>
-          </a:lstStyle>
-          <a:p>
-            <a:pPr marL="0" indent="0">
-              <a:buFont typeface="Arial" pitchFamily="34" charset="0"/>
-              <a:buNone/>
-            </a:pPr>
-            <a:r>
-              <a:rPr lang="en-US" sz="4400" b="1" dirty="0">
-                <a:solidFill>
-                  <a:srgbClr val="2D72AD"/>
-                </a:solidFill>
-              </a:rPr>
-              <a:t>u</a:t>
-            </a:r>
-            <a:r>
-              <a:rPr lang="en-US" sz="4400" b="1" dirty="0" smtClean="0">
-                <a:solidFill>
-                  <a:srgbClr val="2D72AD"/>
-                </a:solidFill>
-              </a:rPr>
-              <a:t>sed in formal + test</a:t>
-            </a:r>
-            <a:endParaRPr lang="en-US" sz="4400" dirty="0"/>
-          </a:p>
-        </p:txBody>
-      </p:sp>
-    </p:spTree>
-    <p:extLst>
-      <p:ext uri="{BB962C8B-B14F-4D97-AF65-F5344CB8AC3E}">
-        <p14:creationId xmlns:p14="http://schemas.microsoft.com/office/powerpoint/2010/main" val="3180114779"/>
       </p:ext>
     </p:extLst>
   </p:cSld>
@@ -9651,6 +8805,1231 @@
           <a:prstGeom prst="roundRect">
             <a:avLst/>
           </a:prstGeom>
+        </p:spPr>
+        <p:style>
+          <a:lnRef idx="1">
+            <a:schemeClr val="accent1"/>
+          </a:lnRef>
+          <a:fillRef idx="3">
+            <a:schemeClr val="accent1"/>
+          </a:fillRef>
+          <a:effectRef idx="2">
+            <a:schemeClr val="accent1"/>
+          </a:effectRef>
+          <a:fontRef idx="minor">
+            <a:schemeClr val="lt1"/>
+          </a:fontRef>
+        </p:style>
+        <p:txBody>
+          <a:bodyPr rtlCol="0" anchor="ctr"/>
+          <a:lstStyle/>
+          <a:p>
+            <a:pPr algn="ctr"/>
+            <a:endParaRPr lang="fr-FR" sz="2400" baseline="30000" dirty="0" smtClean="0">
+              <a:solidFill>
+                <a:schemeClr val="bg1"/>
+              </a:solidFill>
+              <a:latin typeface="Helvetica"/>
+              <a:cs typeface="Helvetica"/>
+            </a:endParaRPr>
+          </a:p>
+          <a:p>
+            <a:pPr algn="ctr"/>
+            <a:r>
+              <a:rPr lang="fr-FR" sz="5400" baseline="30000" dirty="0" err="1" smtClean="0">
+                <a:solidFill>
+                  <a:schemeClr val="bg1"/>
+                </a:solidFill>
+                <a:latin typeface="Helvetica"/>
+                <a:cs typeface="Helvetica"/>
+              </a:rPr>
+              <a:t>contracts</a:t>
+            </a:r>
+            <a:endParaRPr lang="fr-FR" sz="5400" baseline="30000" dirty="0">
+              <a:solidFill>
+                <a:schemeClr val="bg1"/>
+              </a:solidFill>
+              <a:latin typeface="Helvetica"/>
+              <a:cs typeface="Helvetica"/>
+            </a:endParaRPr>
+          </a:p>
+        </p:txBody>
+      </p:sp>
+      <p:sp>
+        <p:nvSpPr>
+          <p:cNvPr id="6" name="ZoneTexte 5"/>
+          <p:cNvSpPr txBox="1"/>
+          <p:nvPr/>
+        </p:nvSpPr>
+        <p:spPr>
+          <a:xfrm>
+            <a:off x="3429000" y="2530614"/>
+            <a:ext cx="484227" cy="707886"/>
+          </a:xfrm>
+          <a:prstGeom prst="rect">
+            <a:avLst/>
+          </a:prstGeom>
+          <a:noFill/>
+        </p:spPr>
+        <p:txBody>
+          <a:bodyPr wrap="none" rtlCol="0">
+            <a:spAutoFit/>
+          </a:bodyPr>
+          <a:lstStyle/>
+          <a:p>
+            <a:r>
+              <a:rPr lang="fr-FR" sz="4000" dirty="0" smtClean="0">
+                <a:latin typeface="Helvetica"/>
+                <a:cs typeface="Helvetica"/>
+              </a:rPr>
+              <a:t>+</a:t>
+            </a:r>
+            <a:endParaRPr lang="fr-FR" sz="4000" dirty="0">
+              <a:latin typeface="Helvetica"/>
+              <a:cs typeface="Helvetica"/>
+            </a:endParaRPr>
+          </a:p>
+        </p:txBody>
+      </p:sp>
+      <p:sp>
+        <p:nvSpPr>
+          <p:cNvPr id="8" name="Flèche vers la droite 7"/>
+          <p:cNvSpPr/>
+          <p:nvPr/>
+        </p:nvSpPr>
+        <p:spPr>
+          <a:xfrm>
+            <a:off x="1524000" y="2095500"/>
+            <a:ext cx="990600" cy="228600"/>
+          </a:xfrm>
+          <a:prstGeom prst="rightArrow">
+            <a:avLst/>
+          </a:prstGeom>
+        </p:spPr>
+        <p:style>
+          <a:lnRef idx="1">
+            <a:schemeClr val="accent1"/>
+          </a:lnRef>
+          <a:fillRef idx="3">
+            <a:schemeClr val="accent1"/>
+          </a:fillRef>
+          <a:effectRef idx="2">
+            <a:schemeClr val="accent1"/>
+          </a:effectRef>
+          <a:fontRef idx="minor">
+            <a:schemeClr val="lt1"/>
+          </a:fontRef>
+        </p:style>
+        <p:txBody>
+          <a:bodyPr rtlCol="0" anchor="ctr"/>
+          <a:lstStyle/>
+          <a:p>
+            <a:pPr algn="ctr"/>
+            <a:endParaRPr lang="fr-FR"/>
+          </a:p>
+        </p:txBody>
+      </p:sp>
+      <p:sp>
+        <p:nvSpPr>
+          <p:cNvPr id="9" name="Rectangle à coins arrondis 8"/>
+          <p:cNvSpPr/>
+          <p:nvPr/>
+        </p:nvSpPr>
+        <p:spPr>
+          <a:xfrm>
+            <a:off x="6324600" y="3162300"/>
+            <a:ext cx="2514600" cy="990600"/>
+          </a:xfrm>
+          <a:prstGeom prst="roundRect">
+            <a:avLst/>
+          </a:prstGeom>
+        </p:spPr>
+        <p:style>
+          <a:lnRef idx="1">
+            <a:schemeClr val="accent1"/>
+          </a:lnRef>
+          <a:fillRef idx="3">
+            <a:schemeClr val="accent1"/>
+          </a:fillRef>
+          <a:effectRef idx="2">
+            <a:schemeClr val="accent1"/>
+          </a:effectRef>
+          <a:fontRef idx="minor">
+            <a:schemeClr val="lt1"/>
+          </a:fontRef>
+        </p:style>
+        <p:txBody>
+          <a:bodyPr rtlCol="0" anchor="ctr"/>
+          <a:lstStyle/>
+          <a:p>
+            <a:pPr algn="ctr"/>
+            <a:endParaRPr lang="fr-FR" sz="2400" baseline="30000" dirty="0" smtClean="0">
+              <a:solidFill>
+                <a:schemeClr val="bg1"/>
+              </a:solidFill>
+              <a:latin typeface="Helvetica"/>
+              <a:cs typeface="Helvetica"/>
+            </a:endParaRPr>
+          </a:p>
+          <a:p>
+            <a:pPr algn="ctr"/>
+            <a:r>
+              <a:rPr lang="fr-FR" sz="5400" baseline="30000" dirty="0" err="1" smtClean="0">
+                <a:solidFill>
+                  <a:schemeClr val="bg1"/>
+                </a:solidFill>
+                <a:latin typeface="Helvetica"/>
+                <a:cs typeface="Helvetica"/>
+              </a:rPr>
+              <a:t>executable</a:t>
+            </a:r>
+            <a:endParaRPr lang="fr-FR" sz="5400" baseline="30000" dirty="0">
+              <a:solidFill>
+                <a:schemeClr val="bg1"/>
+              </a:solidFill>
+              <a:latin typeface="Helvetica"/>
+              <a:cs typeface="Helvetica"/>
+            </a:endParaRPr>
+          </a:p>
+        </p:txBody>
+      </p:sp>
+      <p:sp>
+        <p:nvSpPr>
+          <p:cNvPr id="10" name="Content Placeholder 2"/>
+          <p:cNvSpPr>
+            <a:spLocks noGrp="1"/>
+          </p:cNvSpPr>
+          <p:nvPr>
+            <p:ph idx="1"/>
+          </p:nvPr>
+        </p:nvSpPr>
+        <p:spPr>
+          <a:xfrm>
+            <a:off x="304800" y="1863744"/>
+            <a:ext cx="1295400" cy="1146156"/>
+          </a:xfrm>
+        </p:spPr>
+        <p:txBody>
+          <a:bodyPr>
+            <a:noAutofit/>
+          </a:bodyPr>
+          <a:lstStyle/>
+          <a:p>
+            <a:pPr marL="0" indent="0">
+              <a:buNone/>
+            </a:pPr>
+            <a:r>
+              <a:rPr lang="en-US" dirty="0"/>
+              <a:t>g</a:t>
+            </a:r>
+            <a:r>
+              <a:rPr lang="en-US" dirty="0" smtClean="0"/>
+              <a:t>host </a:t>
+            </a:r>
+          </a:p>
+          <a:p>
+            <a:pPr marL="0" indent="0">
+              <a:buNone/>
+            </a:pPr>
+            <a:r>
+              <a:rPr lang="en-US" dirty="0" smtClean="0"/>
+              <a:t>functions</a:t>
+            </a:r>
+            <a:endParaRPr lang="en-US" dirty="0"/>
+          </a:p>
+        </p:txBody>
+      </p:sp>
+      <p:sp>
+        <p:nvSpPr>
+          <p:cNvPr id="11" name="Flèche vers la droite 10"/>
+          <p:cNvSpPr/>
+          <p:nvPr/>
+        </p:nvSpPr>
+        <p:spPr>
+          <a:xfrm>
+            <a:off x="4419600" y="3543300"/>
+            <a:ext cx="1828800" cy="228600"/>
+          </a:xfrm>
+          <a:prstGeom prst="rightArrow">
+            <a:avLst/>
+          </a:prstGeom>
+        </p:spPr>
+        <p:style>
+          <a:lnRef idx="1">
+            <a:schemeClr val="accent1"/>
+          </a:lnRef>
+          <a:fillRef idx="3">
+            <a:schemeClr val="accent1"/>
+          </a:fillRef>
+          <a:effectRef idx="2">
+            <a:schemeClr val="accent1"/>
+          </a:effectRef>
+          <a:fontRef idx="minor">
+            <a:schemeClr val="lt1"/>
+          </a:fontRef>
+        </p:style>
+        <p:txBody>
+          <a:bodyPr rtlCol="0" anchor="ctr"/>
+          <a:lstStyle/>
+          <a:p>
+            <a:pPr algn="ctr"/>
+            <a:endParaRPr lang="fr-FR"/>
+          </a:p>
+        </p:txBody>
+      </p:sp>
+      <p:sp>
+        <p:nvSpPr>
+          <p:cNvPr id="12" name="Content Placeholder 2"/>
+          <p:cNvSpPr txBox="1">
+            <a:spLocks/>
+          </p:cNvSpPr>
+          <p:nvPr/>
+        </p:nvSpPr>
+        <p:spPr>
+          <a:xfrm>
+            <a:off x="4724400" y="3162300"/>
+            <a:ext cx="1295400" cy="457200"/>
+          </a:xfrm>
+          <a:prstGeom prst="rect">
+            <a:avLst/>
+          </a:prstGeom>
+        </p:spPr>
+        <p:txBody>
+          <a:bodyPr vert="horz" lIns="91440" tIns="45720" rIns="91440" bIns="45720" rtlCol="0">
+            <a:noAutofit/>
+          </a:bodyPr>
+          <a:lstStyle>
+            <a:lvl1pPr marL="342900" indent="-342900" algn="l" defTabSz="914400" rtl="0" eaLnBrk="1" latinLnBrk="0" hangingPunct="1">
+              <a:spcBef>
+                <a:spcPct val="20000"/>
+              </a:spcBef>
+              <a:buFont typeface="Arial" pitchFamily="34" charset="0"/>
+              <a:buChar char="•"/>
+              <a:defRPr sz="2000" kern="1200">
+                <a:solidFill>
+                  <a:schemeClr val="tx1"/>
+                </a:solidFill>
+                <a:latin typeface="Helvetica"/>
+                <a:ea typeface="+mn-ea"/>
+                <a:cs typeface="Helvetica"/>
+              </a:defRPr>
+            </a:lvl1pPr>
+            <a:lvl2pPr marL="742950" indent="-285750" algn="l" defTabSz="914400" rtl="0" eaLnBrk="1" latinLnBrk="0" hangingPunct="1">
+              <a:spcBef>
+                <a:spcPct val="20000"/>
+              </a:spcBef>
+              <a:buFont typeface="Arial" pitchFamily="34" charset="0"/>
+              <a:buChar char="–"/>
+              <a:defRPr sz="2000" kern="1200">
+                <a:solidFill>
+                  <a:schemeClr val="tx1"/>
+                </a:solidFill>
+                <a:latin typeface="Helvetica"/>
+                <a:ea typeface="+mn-ea"/>
+                <a:cs typeface="Helvetica"/>
+              </a:defRPr>
+            </a:lvl2pPr>
+            <a:lvl3pPr marL="1143000" indent="-228600" algn="l" defTabSz="914400" rtl="0" eaLnBrk="1" latinLnBrk="0" hangingPunct="1">
+              <a:spcBef>
+                <a:spcPct val="20000"/>
+              </a:spcBef>
+              <a:buFont typeface="Arial" pitchFamily="34" charset="0"/>
+              <a:buChar char="•"/>
+              <a:defRPr sz="2000" kern="1200">
+                <a:solidFill>
+                  <a:schemeClr val="tx1"/>
+                </a:solidFill>
+                <a:latin typeface="Helvetica"/>
+                <a:ea typeface="+mn-ea"/>
+                <a:cs typeface="Helvetica"/>
+              </a:defRPr>
+            </a:lvl3pPr>
+            <a:lvl4pPr marL="1600200" indent="-228600" algn="l" defTabSz="914400" rtl="0" eaLnBrk="1" latinLnBrk="0" hangingPunct="1">
+              <a:spcBef>
+                <a:spcPct val="20000"/>
+              </a:spcBef>
+              <a:buFont typeface="Arial" pitchFamily="34" charset="0"/>
+              <a:buChar char="–"/>
+              <a:defRPr sz="2000" kern="1200">
+                <a:solidFill>
+                  <a:schemeClr val="tx1"/>
+                </a:solidFill>
+                <a:latin typeface="Helvetica"/>
+                <a:ea typeface="+mn-ea"/>
+                <a:cs typeface="Helvetica"/>
+              </a:defRPr>
+            </a:lvl4pPr>
+            <a:lvl5pPr marL="2057400" indent="-228600" algn="l" defTabSz="914400" rtl="0" eaLnBrk="1" latinLnBrk="0" hangingPunct="1">
+              <a:spcBef>
+                <a:spcPct val="20000"/>
+              </a:spcBef>
+              <a:buFont typeface="Arial" pitchFamily="34" charset="0"/>
+              <a:buChar char="»"/>
+              <a:defRPr sz="2000" kern="1200">
+                <a:solidFill>
+                  <a:schemeClr val="tx1"/>
+                </a:solidFill>
+                <a:latin typeface="Helvetica"/>
+                <a:ea typeface="+mn-ea"/>
+                <a:cs typeface="Helvetica"/>
+              </a:defRPr>
+            </a:lvl5pPr>
+            <a:lvl6pPr marL="2514600" indent="-228600" algn="l" defTabSz="914400" rtl="0" eaLnBrk="1" latinLnBrk="0" hangingPunct="1">
+              <a:spcBef>
+                <a:spcPct val="20000"/>
+              </a:spcBef>
+              <a:buFont typeface="Arial" pitchFamily="34" charset="0"/>
+              <a:buChar char="•"/>
+              <a:defRPr sz="2000" kern="1200">
+                <a:solidFill>
+                  <a:schemeClr val="tx1"/>
+                </a:solidFill>
+                <a:latin typeface="+mn-lt"/>
+                <a:ea typeface="+mn-ea"/>
+                <a:cs typeface="+mn-cs"/>
+              </a:defRPr>
+            </a:lvl6pPr>
+            <a:lvl7pPr marL="2971800" indent="-228600" algn="l" defTabSz="914400" rtl="0" eaLnBrk="1" latinLnBrk="0" hangingPunct="1">
+              <a:spcBef>
+                <a:spcPct val="20000"/>
+              </a:spcBef>
+              <a:buFont typeface="Arial" pitchFamily="34" charset="0"/>
+              <a:buChar char="•"/>
+              <a:defRPr sz="2000" kern="1200">
+                <a:solidFill>
+                  <a:schemeClr val="tx1"/>
+                </a:solidFill>
+                <a:latin typeface="+mn-lt"/>
+                <a:ea typeface="+mn-ea"/>
+                <a:cs typeface="+mn-cs"/>
+              </a:defRPr>
+            </a:lvl7pPr>
+            <a:lvl8pPr marL="3429000" indent="-228600" algn="l" defTabSz="914400" rtl="0" eaLnBrk="1" latinLnBrk="0" hangingPunct="1">
+              <a:spcBef>
+                <a:spcPct val="20000"/>
+              </a:spcBef>
+              <a:buFont typeface="Arial" pitchFamily="34" charset="0"/>
+              <a:buChar char="•"/>
+              <a:defRPr sz="2000" kern="1200">
+                <a:solidFill>
+                  <a:schemeClr val="tx1"/>
+                </a:solidFill>
+                <a:latin typeface="+mn-lt"/>
+                <a:ea typeface="+mn-ea"/>
+                <a:cs typeface="+mn-cs"/>
+              </a:defRPr>
+            </a:lvl8pPr>
+            <a:lvl9pPr marL="3886200" indent="-228600" algn="l" defTabSz="914400" rtl="0" eaLnBrk="1" latinLnBrk="0" hangingPunct="1">
+              <a:spcBef>
+                <a:spcPct val="20000"/>
+              </a:spcBef>
+              <a:buFont typeface="Arial" pitchFamily="34" charset="0"/>
+              <a:buChar char="•"/>
+              <a:defRPr sz="2000" kern="1200">
+                <a:solidFill>
+                  <a:schemeClr val="tx1"/>
+                </a:solidFill>
+                <a:latin typeface="+mn-lt"/>
+                <a:ea typeface="+mn-ea"/>
+                <a:cs typeface="+mn-cs"/>
+              </a:defRPr>
+            </a:lvl9pPr>
+          </a:lstStyle>
+          <a:p>
+            <a:pPr marL="0" indent="0">
+              <a:buFont typeface="Arial" pitchFamily="34" charset="0"/>
+              <a:buNone/>
+            </a:pPr>
+            <a:r>
+              <a:rPr lang="en-US" dirty="0" smtClean="0"/>
+              <a:t>compile</a:t>
+            </a:r>
+            <a:endParaRPr lang="en-US" dirty="0"/>
+          </a:p>
+        </p:txBody>
+      </p:sp>
+      <p:sp>
+        <p:nvSpPr>
+          <p:cNvPr id="13" name="Flèche vers la droite 12"/>
+          <p:cNvSpPr/>
+          <p:nvPr/>
+        </p:nvSpPr>
+        <p:spPr>
+          <a:xfrm rot="1823950">
+            <a:off x="4839668" y="2799152"/>
+            <a:ext cx="1373473" cy="212920"/>
+          </a:xfrm>
+          <a:prstGeom prst="rightArrow">
+            <a:avLst/>
+          </a:prstGeom>
+        </p:spPr>
+        <p:style>
+          <a:lnRef idx="1">
+            <a:schemeClr val="accent1"/>
+          </a:lnRef>
+          <a:fillRef idx="3">
+            <a:schemeClr val="accent1"/>
+          </a:fillRef>
+          <a:effectRef idx="2">
+            <a:schemeClr val="accent1"/>
+          </a:effectRef>
+          <a:fontRef idx="minor">
+            <a:schemeClr val="lt1"/>
+          </a:fontRef>
+        </p:style>
+        <p:txBody>
+          <a:bodyPr rtlCol="0" anchor="ctr"/>
+          <a:lstStyle/>
+          <a:p>
+            <a:pPr algn="ctr"/>
+            <a:endParaRPr lang="fr-FR"/>
+          </a:p>
+        </p:txBody>
+      </p:sp>
+      <p:sp>
+        <p:nvSpPr>
+          <p:cNvPr id="14" name="Content Placeholder 2"/>
+          <p:cNvSpPr txBox="1">
+            <a:spLocks/>
+          </p:cNvSpPr>
+          <p:nvPr/>
+        </p:nvSpPr>
+        <p:spPr>
+          <a:xfrm rot="1799537">
+            <a:off x="4772736" y="2353773"/>
+            <a:ext cx="1981200" cy="457200"/>
+          </a:xfrm>
+          <a:prstGeom prst="rect">
+            <a:avLst/>
+          </a:prstGeom>
+        </p:spPr>
+        <p:txBody>
+          <a:bodyPr vert="horz" lIns="91440" tIns="45720" rIns="91440" bIns="45720" rtlCol="0">
+            <a:noAutofit/>
+          </a:bodyPr>
+          <a:lstStyle>
+            <a:lvl1pPr marL="342900" indent="-342900" algn="l" defTabSz="914400" rtl="0" eaLnBrk="1" latinLnBrk="0" hangingPunct="1">
+              <a:spcBef>
+                <a:spcPct val="20000"/>
+              </a:spcBef>
+              <a:buFont typeface="Arial" pitchFamily="34" charset="0"/>
+              <a:buChar char="•"/>
+              <a:defRPr sz="2000" kern="1200">
+                <a:solidFill>
+                  <a:schemeClr val="tx1"/>
+                </a:solidFill>
+                <a:latin typeface="Helvetica"/>
+                <a:ea typeface="+mn-ea"/>
+                <a:cs typeface="Helvetica"/>
+              </a:defRPr>
+            </a:lvl1pPr>
+            <a:lvl2pPr marL="742950" indent="-285750" algn="l" defTabSz="914400" rtl="0" eaLnBrk="1" latinLnBrk="0" hangingPunct="1">
+              <a:spcBef>
+                <a:spcPct val="20000"/>
+              </a:spcBef>
+              <a:buFont typeface="Arial" pitchFamily="34" charset="0"/>
+              <a:buChar char="–"/>
+              <a:defRPr sz="2000" kern="1200">
+                <a:solidFill>
+                  <a:schemeClr val="tx1"/>
+                </a:solidFill>
+                <a:latin typeface="Helvetica"/>
+                <a:ea typeface="+mn-ea"/>
+                <a:cs typeface="Helvetica"/>
+              </a:defRPr>
+            </a:lvl2pPr>
+            <a:lvl3pPr marL="1143000" indent="-228600" algn="l" defTabSz="914400" rtl="0" eaLnBrk="1" latinLnBrk="0" hangingPunct="1">
+              <a:spcBef>
+                <a:spcPct val="20000"/>
+              </a:spcBef>
+              <a:buFont typeface="Arial" pitchFamily="34" charset="0"/>
+              <a:buChar char="•"/>
+              <a:defRPr sz="2000" kern="1200">
+                <a:solidFill>
+                  <a:schemeClr val="tx1"/>
+                </a:solidFill>
+                <a:latin typeface="Helvetica"/>
+                <a:ea typeface="+mn-ea"/>
+                <a:cs typeface="Helvetica"/>
+              </a:defRPr>
+            </a:lvl3pPr>
+            <a:lvl4pPr marL="1600200" indent="-228600" algn="l" defTabSz="914400" rtl="0" eaLnBrk="1" latinLnBrk="0" hangingPunct="1">
+              <a:spcBef>
+                <a:spcPct val="20000"/>
+              </a:spcBef>
+              <a:buFont typeface="Arial" pitchFamily="34" charset="0"/>
+              <a:buChar char="–"/>
+              <a:defRPr sz="2000" kern="1200">
+                <a:solidFill>
+                  <a:schemeClr val="tx1"/>
+                </a:solidFill>
+                <a:latin typeface="Helvetica"/>
+                <a:ea typeface="+mn-ea"/>
+                <a:cs typeface="Helvetica"/>
+              </a:defRPr>
+            </a:lvl4pPr>
+            <a:lvl5pPr marL="2057400" indent="-228600" algn="l" defTabSz="914400" rtl="0" eaLnBrk="1" latinLnBrk="0" hangingPunct="1">
+              <a:spcBef>
+                <a:spcPct val="20000"/>
+              </a:spcBef>
+              <a:buFont typeface="Arial" pitchFamily="34" charset="0"/>
+              <a:buChar char="»"/>
+              <a:defRPr sz="2000" kern="1200">
+                <a:solidFill>
+                  <a:schemeClr val="tx1"/>
+                </a:solidFill>
+                <a:latin typeface="Helvetica"/>
+                <a:ea typeface="+mn-ea"/>
+                <a:cs typeface="Helvetica"/>
+              </a:defRPr>
+            </a:lvl5pPr>
+            <a:lvl6pPr marL="2514600" indent="-228600" algn="l" defTabSz="914400" rtl="0" eaLnBrk="1" latinLnBrk="0" hangingPunct="1">
+              <a:spcBef>
+                <a:spcPct val="20000"/>
+              </a:spcBef>
+              <a:buFont typeface="Arial" pitchFamily="34" charset="0"/>
+              <a:buChar char="•"/>
+              <a:defRPr sz="2000" kern="1200">
+                <a:solidFill>
+                  <a:schemeClr val="tx1"/>
+                </a:solidFill>
+                <a:latin typeface="+mn-lt"/>
+                <a:ea typeface="+mn-ea"/>
+                <a:cs typeface="+mn-cs"/>
+              </a:defRPr>
+            </a:lvl6pPr>
+            <a:lvl7pPr marL="2971800" indent="-228600" algn="l" defTabSz="914400" rtl="0" eaLnBrk="1" latinLnBrk="0" hangingPunct="1">
+              <a:spcBef>
+                <a:spcPct val="20000"/>
+              </a:spcBef>
+              <a:buFont typeface="Arial" pitchFamily="34" charset="0"/>
+              <a:buChar char="•"/>
+              <a:defRPr sz="2000" kern="1200">
+                <a:solidFill>
+                  <a:schemeClr val="tx1"/>
+                </a:solidFill>
+                <a:latin typeface="+mn-lt"/>
+                <a:ea typeface="+mn-ea"/>
+                <a:cs typeface="+mn-cs"/>
+              </a:defRPr>
+            </a:lvl7pPr>
+            <a:lvl8pPr marL="3429000" indent="-228600" algn="l" defTabSz="914400" rtl="0" eaLnBrk="1" latinLnBrk="0" hangingPunct="1">
+              <a:spcBef>
+                <a:spcPct val="20000"/>
+              </a:spcBef>
+              <a:buFont typeface="Arial" pitchFamily="34" charset="0"/>
+              <a:buChar char="•"/>
+              <a:defRPr sz="2000" kern="1200">
+                <a:solidFill>
+                  <a:schemeClr val="tx1"/>
+                </a:solidFill>
+                <a:latin typeface="+mn-lt"/>
+                <a:ea typeface="+mn-ea"/>
+                <a:cs typeface="+mn-cs"/>
+              </a:defRPr>
+            </a:lvl8pPr>
+            <a:lvl9pPr marL="3886200" indent="-228600" algn="l" defTabSz="914400" rtl="0" eaLnBrk="1" latinLnBrk="0" hangingPunct="1">
+              <a:spcBef>
+                <a:spcPct val="20000"/>
+              </a:spcBef>
+              <a:buFont typeface="Arial" pitchFamily="34" charset="0"/>
+              <a:buChar char="•"/>
+              <a:defRPr sz="2000" kern="1200">
+                <a:solidFill>
+                  <a:schemeClr val="tx1"/>
+                </a:solidFill>
+                <a:latin typeface="+mn-lt"/>
+                <a:ea typeface="+mn-ea"/>
+                <a:cs typeface="+mn-cs"/>
+              </a:defRPr>
+            </a:lvl9pPr>
+          </a:lstStyle>
+          <a:p>
+            <a:pPr marL="0" indent="0">
+              <a:buFont typeface="Arial" pitchFamily="34" charset="0"/>
+              <a:buNone/>
+            </a:pPr>
+            <a:r>
+              <a:rPr lang="en-US" dirty="0"/>
+              <a:t>w</a:t>
+            </a:r>
+            <a:r>
+              <a:rPr lang="en-US" dirty="0" smtClean="0"/>
+              <a:t>ith assertions</a:t>
+            </a:r>
+            <a:endParaRPr lang="en-US" dirty="0"/>
+          </a:p>
+        </p:txBody>
+      </p:sp>
+      <p:sp>
+        <p:nvSpPr>
+          <p:cNvPr id="15" name="Flèche vers la droite 14"/>
+          <p:cNvSpPr/>
+          <p:nvPr/>
+        </p:nvSpPr>
+        <p:spPr>
+          <a:xfrm>
+            <a:off x="1600200" y="3543300"/>
+            <a:ext cx="1295400" cy="231756"/>
+          </a:xfrm>
+          <a:prstGeom prst="rightArrow">
+            <a:avLst/>
+          </a:prstGeom>
+        </p:spPr>
+        <p:style>
+          <a:lnRef idx="1">
+            <a:schemeClr val="accent1"/>
+          </a:lnRef>
+          <a:fillRef idx="3">
+            <a:schemeClr val="accent1"/>
+          </a:fillRef>
+          <a:effectRef idx="2">
+            <a:schemeClr val="accent1"/>
+          </a:effectRef>
+          <a:fontRef idx="minor">
+            <a:schemeClr val="lt1"/>
+          </a:fontRef>
+        </p:style>
+        <p:txBody>
+          <a:bodyPr rtlCol="0" anchor="ctr"/>
+          <a:lstStyle/>
+          <a:p>
+            <a:pPr algn="ctr"/>
+            <a:endParaRPr lang="fr-FR"/>
+          </a:p>
+        </p:txBody>
+      </p:sp>
+      <p:sp>
+        <p:nvSpPr>
+          <p:cNvPr id="16" name="Content Placeholder 2"/>
+          <p:cNvSpPr txBox="1">
+            <a:spLocks/>
+          </p:cNvSpPr>
+          <p:nvPr/>
+        </p:nvSpPr>
+        <p:spPr>
+          <a:xfrm>
+            <a:off x="304800" y="3009900"/>
+            <a:ext cx="1600200" cy="1600200"/>
+          </a:xfrm>
+          <a:prstGeom prst="rect">
+            <a:avLst/>
+          </a:prstGeom>
+        </p:spPr>
+        <p:txBody>
+          <a:bodyPr vert="horz" lIns="91440" tIns="45720" rIns="91440" bIns="45720" rtlCol="0">
+            <a:noAutofit/>
+          </a:bodyPr>
+          <a:lstStyle>
+            <a:lvl1pPr marL="342900" indent="-342900" algn="l" defTabSz="914400" rtl="0" eaLnBrk="1" latinLnBrk="0" hangingPunct="1">
+              <a:spcBef>
+                <a:spcPct val="20000"/>
+              </a:spcBef>
+              <a:buFont typeface="Arial" pitchFamily="34" charset="0"/>
+              <a:buChar char="•"/>
+              <a:defRPr sz="2000" kern="1200">
+                <a:solidFill>
+                  <a:schemeClr val="tx1"/>
+                </a:solidFill>
+                <a:latin typeface="Helvetica"/>
+                <a:ea typeface="+mn-ea"/>
+                <a:cs typeface="Helvetica"/>
+              </a:defRPr>
+            </a:lvl1pPr>
+            <a:lvl2pPr marL="742950" indent="-285750" algn="l" defTabSz="914400" rtl="0" eaLnBrk="1" latinLnBrk="0" hangingPunct="1">
+              <a:spcBef>
+                <a:spcPct val="20000"/>
+              </a:spcBef>
+              <a:buFont typeface="Arial" pitchFamily="34" charset="0"/>
+              <a:buChar char="–"/>
+              <a:defRPr sz="2000" kern="1200">
+                <a:solidFill>
+                  <a:schemeClr val="tx1"/>
+                </a:solidFill>
+                <a:latin typeface="Helvetica"/>
+                <a:ea typeface="+mn-ea"/>
+                <a:cs typeface="Helvetica"/>
+              </a:defRPr>
+            </a:lvl2pPr>
+            <a:lvl3pPr marL="1143000" indent="-228600" algn="l" defTabSz="914400" rtl="0" eaLnBrk="1" latinLnBrk="0" hangingPunct="1">
+              <a:spcBef>
+                <a:spcPct val="20000"/>
+              </a:spcBef>
+              <a:buFont typeface="Arial" pitchFamily="34" charset="0"/>
+              <a:buChar char="•"/>
+              <a:defRPr sz="2000" kern="1200">
+                <a:solidFill>
+                  <a:schemeClr val="tx1"/>
+                </a:solidFill>
+                <a:latin typeface="Helvetica"/>
+                <a:ea typeface="+mn-ea"/>
+                <a:cs typeface="Helvetica"/>
+              </a:defRPr>
+            </a:lvl3pPr>
+            <a:lvl4pPr marL="1600200" indent="-228600" algn="l" defTabSz="914400" rtl="0" eaLnBrk="1" latinLnBrk="0" hangingPunct="1">
+              <a:spcBef>
+                <a:spcPct val="20000"/>
+              </a:spcBef>
+              <a:buFont typeface="Arial" pitchFamily="34" charset="0"/>
+              <a:buChar char="–"/>
+              <a:defRPr sz="2000" kern="1200">
+                <a:solidFill>
+                  <a:schemeClr val="tx1"/>
+                </a:solidFill>
+                <a:latin typeface="Helvetica"/>
+                <a:ea typeface="+mn-ea"/>
+                <a:cs typeface="Helvetica"/>
+              </a:defRPr>
+            </a:lvl4pPr>
+            <a:lvl5pPr marL="2057400" indent="-228600" algn="l" defTabSz="914400" rtl="0" eaLnBrk="1" latinLnBrk="0" hangingPunct="1">
+              <a:spcBef>
+                <a:spcPct val="20000"/>
+              </a:spcBef>
+              <a:buFont typeface="Arial" pitchFamily="34" charset="0"/>
+              <a:buChar char="»"/>
+              <a:defRPr sz="2000" kern="1200">
+                <a:solidFill>
+                  <a:schemeClr val="tx1"/>
+                </a:solidFill>
+                <a:latin typeface="Helvetica"/>
+                <a:ea typeface="+mn-ea"/>
+                <a:cs typeface="Helvetica"/>
+              </a:defRPr>
+            </a:lvl5pPr>
+            <a:lvl6pPr marL="2514600" indent="-228600" algn="l" defTabSz="914400" rtl="0" eaLnBrk="1" latinLnBrk="0" hangingPunct="1">
+              <a:spcBef>
+                <a:spcPct val="20000"/>
+              </a:spcBef>
+              <a:buFont typeface="Arial" pitchFamily="34" charset="0"/>
+              <a:buChar char="•"/>
+              <a:defRPr sz="2000" kern="1200">
+                <a:solidFill>
+                  <a:schemeClr val="tx1"/>
+                </a:solidFill>
+                <a:latin typeface="+mn-lt"/>
+                <a:ea typeface="+mn-ea"/>
+                <a:cs typeface="+mn-cs"/>
+              </a:defRPr>
+            </a:lvl6pPr>
+            <a:lvl7pPr marL="2971800" indent="-228600" algn="l" defTabSz="914400" rtl="0" eaLnBrk="1" latinLnBrk="0" hangingPunct="1">
+              <a:spcBef>
+                <a:spcPct val="20000"/>
+              </a:spcBef>
+              <a:buFont typeface="Arial" pitchFamily="34" charset="0"/>
+              <a:buChar char="•"/>
+              <a:defRPr sz="2000" kern="1200">
+                <a:solidFill>
+                  <a:schemeClr val="tx1"/>
+                </a:solidFill>
+                <a:latin typeface="+mn-lt"/>
+                <a:ea typeface="+mn-ea"/>
+                <a:cs typeface="+mn-cs"/>
+              </a:defRPr>
+            </a:lvl7pPr>
+            <a:lvl8pPr marL="3429000" indent="-228600" algn="l" defTabSz="914400" rtl="0" eaLnBrk="1" latinLnBrk="0" hangingPunct="1">
+              <a:spcBef>
+                <a:spcPct val="20000"/>
+              </a:spcBef>
+              <a:buFont typeface="Arial" pitchFamily="34" charset="0"/>
+              <a:buChar char="•"/>
+              <a:defRPr sz="2000" kern="1200">
+                <a:solidFill>
+                  <a:schemeClr val="tx1"/>
+                </a:solidFill>
+                <a:latin typeface="+mn-lt"/>
+                <a:ea typeface="+mn-ea"/>
+                <a:cs typeface="+mn-cs"/>
+              </a:defRPr>
+            </a:lvl8pPr>
+            <a:lvl9pPr marL="3886200" indent="-228600" algn="l" defTabSz="914400" rtl="0" eaLnBrk="1" latinLnBrk="0" hangingPunct="1">
+              <a:spcBef>
+                <a:spcPct val="20000"/>
+              </a:spcBef>
+              <a:buFont typeface="Arial" pitchFamily="34" charset="0"/>
+              <a:buChar char="•"/>
+              <a:defRPr sz="2000" kern="1200">
+                <a:solidFill>
+                  <a:schemeClr val="tx1"/>
+                </a:solidFill>
+                <a:latin typeface="+mn-lt"/>
+                <a:ea typeface="+mn-ea"/>
+                <a:cs typeface="+mn-cs"/>
+              </a:defRPr>
+            </a:lvl9pPr>
+          </a:lstStyle>
+          <a:p>
+            <a:pPr marL="0" indent="0">
+              <a:buFont typeface="Arial" pitchFamily="34" charset="0"/>
+              <a:buNone/>
+            </a:pPr>
+            <a:r>
+              <a:rPr lang="en-US" dirty="0" smtClean="0"/>
+              <a:t>ghost </a:t>
+            </a:r>
+          </a:p>
+          <a:p>
+            <a:pPr marL="0" indent="0">
+              <a:buFont typeface="Arial" pitchFamily="34" charset="0"/>
+              <a:buNone/>
+            </a:pPr>
+            <a:r>
+              <a:rPr lang="en-US" dirty="0" smtClean="0"/>
+              <a:t>variables,</a:t>
+            </a:r>
+          </a:p>
+          <a:p>
+            <a:pPr marL="0" indent="0">
+              <a:buFont typeface="Arial" pitchFamily="34" charset="0"/>
+              <a:buNone/>
+            </a:pPr>
+            <a:r>
+              <a:rPr lang="en-US" dirty="0"/>
+              <a:t>t</a:t>
+            </a:r>
+            <a:r>
+              <a:rPr lang="en-US" dirty="0" smtClean="0"/>
+              <a:t>ypes,</a:t>
+            </a:r>
+          </a:p>
+          <a:p>
+            <a:pPr marL="0" indent="0">
+              <a:buFont typeface="Arial" pitchFamily="34" charset="0"/>
+              <a:buNone/>
+            </a:pPr>
+            <a:r>
+              <a:rPr lang="en-US" dirty="0" smtClean="0"/>
+              <a:t>procedures</a:t>
+            </a:r>
+            <a:endParaRPr lang="en-US" dirty="0"/>
+          </a:p>
+        </p:txBody>
+      </p:sp>
+      <p:sp>
+        <p:nvSpPr>
+          <p:cNvPr id="17" name="Content Placeholder 2"/>
+          <p:cNvSpPr txBox="1">
+            <a:spLocks/>
+          </p:cNvSpPr>
+          <p:nvPr/>
+        </p:nvSpPr>
+        <p:spPr>
+          <a:xfrm>
+            <a:off x="3200400" y="4568844"/>
+            <a:ext cx="5971674" cy="1146156"/>
+          </a:xfrm>
+          <a:prstGeom prst="rect">
+            <a:avLst/>
+          </a:prstGeom>
+        </p:spPr>
+        <p:txBody>
+          <a:bodyPr vert="horz" lIns="91440" tIns="45720" rIns="91440" bIns="45720" rtlCol="0">
+            <a:noAutofit/>
+          </a:bodyPr>
+          <a:lstStyle>
+            <a:lvl1pPr marL="342900" indent="-342900" algn="l" defTabSz="914400" rtl="0" eaLnBrk="1" latinLnBrk="0" hangingPunct="1">
+              <a:spcBef>
+                <a:spcPct val="20000"/>
+              </a:spcBef>
+              <a:buFont typeface="Arial" pitchFamily="34" charset="0"/>
+              <a:buChar char="•"/>
+              <a:defRPr sz="2000" kern="1200">
+                <a:solidFill>
+                  <a:schemeClr val="tx1"/>
+                </a:solidFill>
+                <a:latin typeface="Helvetica"/>
+                <a:ea typeface="+mn-ea"/>
+                <a:cs typeface="Helvetica"/>
+              </a:defRPr>
+            </a:lvl1pPr>
+            <a:lvl2pPr marL="742950" indent="-285750" algn="l" defTabSz="914400" rtl="0" eaLnBrk="1" latinLnBrk="0" hangingPunct="1">
+              <a:spcBef>
+                <a:spcPct val="20000"/>
+              </a:spcBef>
+              <a:buFont typeface="Arial" pitchFamily="34" charset="0"/>
+              <a:buChar char="–"/>
+              <a:defRPr sz="2000" kern="1200">
+                <a:solidFill>
+                  <a:schemeClr val="tx1"/>
+                </a:solidFill>
+                <a:latin typeface="Helvetica"/>
+                <a:ea typeface="+mn-ea"/>
+                <a:cs typeface="Helvetica"/>
+              </a:defRPr>
+            </a:lvl2pPr>
+            <a:lvl3pPr marL="1143000" indent="-228600" algn="l" defTabSz="914400" rtl="0" eaLnBrk="1" latinLnBrk="0" hangingPunct="1">
+              <a:spcBef>
+                <a:spcPct val="20000"/>
+              </a:spcBef>
+              <a:buFont typeface="Arial" pitchFamily="34" charset="0"/>
+              <a:buChar char="•"/>
+              <a:defRPr sz="2000" kern="1200">
+                <a:solidFill>
+                  <a:schemeClr val="tx1"/>
+                </a:solidFill>
+                <a:latin typeface="Helvetica"/>
+                <a:ea typeface="+mn-ea"/>
+                <a:cs typeface="Helvetica"/>
+              </a:defRPr>
+            </a:lvl3pPr>
+            <a:lvl4pPr marL="1600200" indent="-228600" algn="l" defTabSz="914400" rtl="0" eaLnBrk="1" latinLnBrk="0" hangingPunct="1">
+              <a:spcBef>
+                <a:spcPct val="20000"/>
+              </a:spcBef>
+              <a:buFont typeface="Arial" pitchFamily="34" charset="0"/>
+              <a:buChar char="–"/>
+              <a:defRPr sz="2000" kern="1200">
+                <a:solidFill>
+                  <a:schemeClr val="tx1"/>
+                </a:solidFill>
+                <a:latin typeface="Helvetica"/>
+                <a:ea typeface="+mn-ea"/>
+                <a:cs typeface="Helvetica"/>
+              </a:defRPr>
+            </a:lvl4pPr>
+            <a:lvl5pPr marL="2057400" indent="-228600" algn="l" defTabSz="914400" rtl="0" eaLnBrk="1" latinLnBrk="0" hangingPunct="1">
+              <a:spcBef>
+                <a:spcPct val="20000"/>
+              </a:spcBef>
+              <a:buFont typeface="Arial" pitchFamily="34" charset="0"/>
+              <a:buChar char="»"/>
+              <a:defRPr sz="2000" kern="1200">
+                <a:solidFill>
+                  <a:schemeClr val="tx1"/>
+                </a:solidFill>
+                <a:latin typeface="Helvetica"/>
+                <a:ea typeface="+mn-ea"/>
+                <a:cs typeface="Helvetica"/>
+              </a:defRPr>
+            </a:lvl5pPr>
+            <a:lvl6pPr marL="2514600" indent="-228600" algn="l" defTabSz="914400" rtl="0" eaLnBrk="1" latinLnBrk="0" hangingPunct="1">
+              <a:spcBef>
+                <a:spcPct val="20000"/>
+              </a:spcBef>
+              <a:buFont typeface="Arial" pitchFamily="34" charset="0"/>
+              <a:buChar char="•"/>
+              <a:defRPr sz="2000" kern="1200">
+                <a:solidFill>
+                  <a:schemeClr val="tx1"/>
+                </a:solidFill>
+                <a:latin typeface="+mn-lt"/>
+                <a:ea typeface="+mn-ea"/>
+                <a:cs typeface="+mn-cs"/>
+              </a:defRPr>
+            </a:lvl6pPr>
+            <a:lvl7pPr marL="2971800" indent="-228600" algn="l" defTabSz="914400" rtl="0" eaLnBrk="1" latinLnBrk="0" hangingPunct="1">
+              <a:spcBef>
+                <a:spcPct val="20000"/>
+              </a:spcBef>
+              <a:buFont typeface="Arial" pitchFamily="34" charset="0"/>
+              <a:buChar char="•"/>
+              <a:defRPr sz="2000" kern="1200">
+                <a:solidFill>
+                  <a:schemeClr val="tx1"/>
+                </a:solidFill>
+                <a:latin typeface="+mn-lt"/>
+                <a:ea typeface="+mn-ea"/>
+                <a:cs typeface="+mn-cs"/>
+              </a:defRPr>
+            </a:lvl7pPr>
+            <a:lvl8pPr marL="3429000" indent="-228600" algn="l" defTabSz="914400" rtl="0" eaLnBrk="1" latinLnBrk="0" hangingPunct="1">
+              <a:spcBef>
+                <a:spcPct val="20000"/>
+              </a:spcBef>
+              <a:buFont typeface="Arial" pitchFamily="34" charset="0"/>
+              <a:buChar char="•"/>
+              <a:defRPr sz="2000" kern="1200">
+                <a:solidFill>
+                  <a:schemeClr val="tx1"/>
+                </a:solidFill>
+                <a:latin typeface="+mn-lt"/>
+                <a:ea typeface="+mn-ea"/>
+                <a:cs typeface="+mn-cs"/>
+              </a:defRPr>
+            </a:lvl8pPr>
+            <a:lvl9pPr marL="3886200" indent="-228600" algn="l" defTabSz="914400" rtl="0" eaLnBrk="1" latinLnBrk="0" hangingPunct="1">
+              <a:spcBef>
+                <a:spcPct val="20000"/>
+              </a:spcBef>
+              <a:buFont typeface="Arial" pitchFamily="34" charset="0"/>
+              <a:buChar char="•"/>
+              <a:defRPr sz="2000" kern="1200">
+                <a:solidFill>
+                  <a:schemeClr val="tx1"/>
+                </a:solidFill>
+                <a:latin typeface="+mn-lt"/>
+                <a:ea typeface="+mn-ea"/>
+                <a:cs typeface="+mn-cs"/>
+              </a:defRPr>
+            </a:lvl9pPr>
+          </a:lstStyle>
+          <a:p>
+            <a:pPr marL="0" indent="0">
+              <a:buFont typeface="Arial" pitchFamily="34" charset="0"/>
+              <a:buNone/>
+            </a:pPr>
+            <a:r>
+              <a:rPr lang="en-US" sz="4400" b="1" dirty="0">
+                <a:solidFill>
+                  <a:srgbClr val="2D72AD"/>
+                </a:solidFill>
+              </a:rPr>
+              <a:t>u</a:t>
+            </a:r>
+            <a:r>
+              <a:rPr lang="en-US" sz="4400" b="1" dirty="0" smtClean="0">
+                <a:solidFill>
+                  <a:srgbClr val="2D72AD"/>
+                </a:solidFill>
+              </a:rPr>
+              <a:t>sed in formal + test</a:t>
+            </a:r>
+            <a:endParaRPr lang="en-US" sz="4400" dirty="0"/>
+          </a:p>
+        </p:txBody>
+      </p:sp>
+    </p:spTree>
+    <p:extLst>
+      <p:ext uri="{BB962C8B-B14F-4D97-AF65-F5344CB8AC3E}">
+        <p14:creationId xmlns:p14="http://schemas.microsoft.com/office/powerpoint/2010/main" val="3180114779"/>
+      </p:ext>
+    </p:extLst>
+  </p:cSld>
+  <p:clrMapOvr>
+    <a:masterClrMapping/>
+  </p:clrMapOvr>
+  <p:transition xmlns:p14="http://schemas.microsoft.com/office/powerpoint/2010/main" spd="slow">
+    <p:wipe dir="r"/>
+  </p:transition>
+  <p:timing>
+    <p:tnLst>
+      <p:par>
+        <p:cTn xmlns:p14="http://schemas.microsoft.com/office/powerpoint/2010/main" id="1" dur="indefinite" restart="never" nodeType="tmRoot"/>
+      </p:par>
+    </p:tnLst>
+  </p:timing>
+</p:sld>
+</file>
+
+<file path=ppt/slides/slide19.xml><?xml version="1.0" encoding="utf-8"?>
+<p:sld xmlns:a="http://schemas.openxmlformats.org/drawingml/2006/main" xmlns:r="http://schemas.openxmlformats.org/officeDocument/2006/relationships" xmlns:p="http://schemas.openxmlformats.org/presentationml/2006/main">
+  <p:cSld>
+    <p:spTree>
+      <p:nvGrpSpPr>
+        <p:cNvPr id="1" name=""/>
+        <p:cNvGrpSpPr/>
+        <p:nvPr/>
+      </p:nvGrpSpPr>
+      <p:grpSpPr>
+        <a:xfrm>
+          <a:off x="0" y="0"/>
+          <a:ext cx="0" cy="0"/>
+          <a:chOff x="0" y="0"/>
+          <a:chExt cx="0" cy="0"/>
+        </a:xfrm>
+      </p:grpSpPr>
+      <p:sp>
+        <p:nvSpPr>
+          <p:cNvPr id="2" name="Title 1"/>
+          <p:cNvSpPr>
+            <a:spLocks noGrp="1"/>
+          </p:cNvSpPr>
+          <p:nvPr>
+            <p:ph type="title"/>
+          </p:nvPr>
+        </p:nvSpPr>
+        <p:spPr/>
+        <p:txBody>
+          <a:bodyPr>
+            <a:normAutofit/>
+          </a:bodyPr>
+          <a:lstStyle/>
+          <a:p>
+            <a:r>
+              <a:rPr lang="en-US" dirty="0" smtClean="0"/>
+              <a:t>Support for Ghost Code</a:t>
+            </a:r>
+            <a:endParaRPr lang="en-US" dirty="0"/>
+          </a:p>
+        </p:txBody>
+      </p:sp>
+      <p:sp>
+        <p:nvSpPr>
+          <p:cNvPr id="4" name="Rectangle à coins arrondis 3"/>
+          <p:cNvSpPr/>
+          <p:nvPr/>
+        </p:nvSpPr>
+        <p:spPr>
+          <a:xfrm>
+            <a:off x="2971800" y="3162300"/>
+            <a:ext cx="1371600" cy="990600"/>
+          </a:xfrm>
+          <a:prstGeom prst="roundRect">
+            <a:avLst/>
+          </a:prstGeom>
+        </p:spPr>
+        <p:style>
+          <a:lnRef idx="1">
+            <a:schemeClr val="accent1"/>
+          </a:lnRef>
+          <a:fillRef idx="3">
+            <a:schemeClr val="accent1"/>
+          </a:fillRef>
+          <a:effectRef idx="2">
+            <a:schemeClr val="accent1"/>
+          </a:effectRef>
+          <a:fontRef idx="minor">
+            <a:schemeClr val="lt1"/>
+          </a:fontRef>
+        </p:style>
+        <p:txBody>
+          <a:bodyPr rtlCol="0" anchor="ctr"/>
+          <a:lstStyle/>
+          <a:p>
+            <a:pPr algn="ctr"/>
+            <a:endParaRPr lang="fr-FR" sz="2400" baseline="30000" dirty="0" smtClean="0">
+              <a:solidFill>
+                <a:schemeClr val="bg1"/>
+              </a:solidFill>
+              <a:latin typeface="Helvetica"/>
+              <a:cs typeface="Helvetica"/>
+            </a:endParaRPr>
+          </a:p>
+          <a:p>
+            <a:pPr algn="ctr"/>
+            <a:r>
+              <a:rPr lang="fr-FR" sz="5400" baseline="30000" dirty="0" smtClean="0">
+                <a:solidFill>
+                  <a:schemeClr val="bg1"/>
+                </a:solidFill>
+                <a:latin typeface="Helvetica"/>
+                <a:cs typeface="Helvetica"/>
+              </a:rPr>
+              <a:t>code</a:t>
+            </a:r>
+            <a:endParaRPr lang="fr-FR" sz="5400" baseline="30000" dirty="0">
+              <a:solidFill>
+                <a:schemeClr val="bg1"/>
+              </a:solidFill>
+              <a:latin typeface="Helvetica"/>
+              <a:cs typeface="Helvetica"/>
+            </a:endParaRPr>
+          </a:p>
+        </p:txBody>
+      </p:sp>
+      <p:sp>
+        <p:nvSpPr>
+          <p:cNvPr id="5" name="Rectangle à coins arrondis 4"/>
+          <p:cNvSpPr/>
+          <p:nvPr/>
+        </p:nvSpPr>
+        <p:spPr>
+          <a:xfrm>
+            <a:off x="2590800" y="1714500"/>
+            <a:ext cx="2209800" cy="990600"/>
+          </a:xfrm>
+          <a:prstGeom prst="roundRect">
+            <a:avLst/>
+          </a:prstGeom>
           <a:solidFill>
             <a:srgbClr val="2D72AD">
               <a:alpha val="30000"/>
@@ -10835,109 +11214,6 @@
       </p:transition>
     </mc:Fallback>
   </mc:AlternateContent>
-  <p:timing>
-    <p:tnLst>
-      <p:par>
-        <p:cTn xmlns:p14="http://schemas.microsoft.com/office/powerpoint/2010/main" id="1" dur="indefinite" restart="never" nodeType="tmRoot"/>
-      </p:par>
-    </p:tnLst>
-  </p:timing>
-</p:sld>
-</file>
-
-<file path=ppt/slides/slide19.xml><?xml version="1.0" encoding="utf-8"?>
-<p:sld xmlns:a="http://schemas.openxmlformats.org/drawingml/2006/main" xmlns:r="http://schemas.openxmlformats.org/officeDocument/2006/relationships" xmlns:p="http://schemas.openxmlformats.org/presentationml/2006/main">
-  <p:cSld>
-    <p:spTree>
-      <p:nvGrpSpPr>
-        <p:cNvPr id="1" name=""/>
-        <p:cNvGrpSpPr/>
-        <p:nvPr/>
-      </p:nvGrpSpPr>
-      <p:grpSpPr>
-        <a:xfrm>
-          <a:off x="0" y="0"/>
-          <a:ext cx="0" cy="0"/>
-          <a:chOff x="0" y="0"/>
-          <a:chExt cx="0" cy="0"/>
-        </a:xfrm>
-      </p:grpSpPr>
-      <p:sp>
-        <p:nvSpPr>
-          <p:cNvPr id="2" name="Title 1"/>
-          <p:cNvSpPr>
-            <a:spLocks noGrp="1"/>
-          </p:cNvSpPr>
-          <p:nvPr>
-            <p:ph type="title"/>
-          </p:nvPr>
-        </p:nvSpPr>
-        <p:spPr/>
-        <p:txBody>
-          <a:bodyPr>
-            <a:normAutofit/>
-          </a:bodyPr>
-          <a:lstStyle/>
-          <a:p>
-            <a:r>
-              <a:rPr lang="en-US" dirty="0" smtClean="0"/>
-              <a:t>Generation of Counter</a:t>
-            </a:r>
-            <a:r>
-              <a:rPr lang="en-US" dirty="0"/>
-              <a:t>e</a:t>
-            </a:r>
-            <a:r>
-              <a:rPr lang="en-US" dirty="0" smtClean="0"/>
-              <a:t>xamples</a:t>
-            </a:r>
-            <a:endParaRPr lang="en-US" dirty="0"/>
-          </a:p>
-        </p:txBody>
-      </p:sp>
-      <p:pic>
-        <p:nvPicPr>
-          <p:cNvPr id="4" name="Image 3" descr="saturate_initial.png"/>
-          <p:cNvPicPr>
-            <a:picLocks noChangeAspect="1"/>
-          </p:cNvPicPr>
-          <p:nvPr/>
-        </p:nvPicPr>
-        <p:blipFill>
-          <a:blip r:embed="rId2">
-            <a:extLst>
-              <a:ext uri="{28A0092B-C50C-407E-A947-70E740481C1C}">
-                <a14:useLocalDpi xmlns:a14="http://schemas.microsoft.com/office/drawing/2010/main" val="0"/>
-              </a:ext>
-            </a:extLst>
-          </a:blip>
-          <a:stretch>
-            <a:fillRect/>
-          </a:stretch>
-        </p:blipFill>
-        <p:spPr>
-          <a:xfrm>
-            <a:off x="1244600" y="1295400"/>
-            <a:ext cx="6642100" cy="3111500"/>
-          </a:xfrm>
-          <a:prstGeom prst="rect">
-            <a:avLst/>
-          </a:prstGeom>
-        </p:spPr>
-      </p:pic>
-    </p:spTree>
-    <p:extLst>
-      <p:ext uri="{BB962C8B-B14F-4D97-AF65-F5344CB8AC3E}">
-        <p14:creationId xmlns:p14="http://schemas.microsoft.com/office/powerpoint/2010/main" val="3329850554"/>
-      </p:ext>
-    </p:extLst>
-  </p:cSld>
-  <p:clrMapOvr>
-    <a:masterClrMapping/>
-  </p:clrMapOvr>
-  <p:transition xmlns:p14="http://schemas.microsoft.com/office/powerpoint/2010/main" spd="slow">
-    <p:wipe dir="d"/>
-  </p:transition>
   <p:timing>
     <p:tnLst>
       <p:par>
@@ -11124,6 +11400,109 @@
       </p:sp>
       <p:pic>
         <p:nvPicPr>
+          <p:cNvPr id="4" name="Image 3" descr="saturate_initial.png"/>
+          <p:cNvPicPr>
+            <a:picLocks noChangeAspect="1"/>
+          </p:cNvPicPr>
+          <p:nvPr/>
+        </p:nvPicPr>
+        <p:blipFill>
+          <a:blip r:embed="rId2">
+            <a:extLst>
+              <a:ext uri="{28A0092B-C50C-407E-A947-70E740481C1C}">
+                <a14:useLocalDpi xmlns:a14="http://schemas.microsoft.com/office/drawing/2010/main" val="0"/>
+              </a:ext>
+            </a:extLst>
+          </a:blip>
+          <a:stretch>
+            <a:fillRect/>
+          </a:stretch>
+        </p:blipFill>
+        <p:spPr>
+          <a:xfrm>
+            <a:off x="1295400" y="1257300"/>
+            <a:ext cx="6642100" cy="3111500"/>
+          </a:xfrm>
+          <a:prstGeom prst="rect">
+            <a:avLst/>
+          </a:prstGeom>
+        </p:spPr>
+      </p:pic>
+    </p:spTree>
+    <p:extLst>
+      <p:ext uri="{BB962C8B-B14F-4D97-AF65-F5344CB8AC3E}">
+        <p14:creationId xmlns:p14="http://schemas.microsoft.com/office/powerpoint/2010/main" val="3329850554"/>
+      </p:ext>
+    </p:extLst>
+  </p:cSld>
+  <p:clrMapOvr>
+    <a:masterClrMapping/>
+  </p:clrMapOvr>
+  <p:transition xmlns:p14="http://schemas.microsoft.com/office/powerpoint/2010/main" spd="slow">
+    <p:wipe dir="d"/>
+  </p:transition>
+  <p:timing>
+    <p:tnLst>
+      <p:par>
+        <p:cTn xmlns:p14="http://schemas.microsoft.com/office/powerpoint/2010/main" id="1" dur="indefinite" restart="never" nodeType="tmRoot"/>
+      </p:par>
+    </p:tnLst>
+  </p:timing>
+</p:sld>
+</file>
+
+<file path=ppt/slides/slide21.xml><?xml version="1.0" encoding="utf-8"?>
+<p:sld xmlns:a="http://schemas.openxmlformats.org/drawingml/2006/main" xmlns:r="http://schemas.openxmlformats.org/officeDocument/2006/relationships" xmlns:p="http://schemas.openxmlformats.org/presentationml/2006/main">
+  <p:cSld>
+    <p:spTree>
+      <p:nvGrpSpPr>
+        <p:cNvPr id="1" name=""/>
+        <p:cNvGrpSpPr/>
+        <p:nvPr/>
+      </p:nvGrpSpPr>
+      <p:grpSpPr>
+        <a:xfrm>
+          <a:off x="0" y="0"/>
+          <a:ext cx="0" cy="0"/>
+          <a:chOff x="0" y="0"/>
+          <a:chExt cx="0" cy="0"/>
+        </a:xfrm>
+      </p:grpSpPr>
+      <p:sp>
+        <p:nvSpPr>
+          <p:cNvPr id="2" name="Title 1"/>
+          <p:cNvSpPr>
+            <a:spLocks noGrp="1"/>
+          </p:cNvSpPr>
+          <p:nvPr>
+            <p:ph type="title"/>
+          </p:nvPr>
+        </p:nvSpPr>
+        <p:spPr/>
+        <p:txBody>
+          <a:bodyPr>
+            <a:normAutofit/>
+          </a:bodyPr>
+          <a:lstStyle/>
+          <a:p>
+            <a:r>
+              <a:rPr lang="en-US" dirty="0" smtClean="0"/>
+              <a:t>Generation of Counter</a:t>
+            </a:r>
+            <a:r>
+              <a:rPr lang="en-US" dirty="0"/>
+              <a:t>e</a:t>
+            </a:r>
+            <a:r>
+              <a:rPr lang="en-US" dirty="0" smtClean="0"/>
+              <a:t>xamples</a:t>
+            </a:r>
+            <a:endParaRPr lang="en-US" dirty="0"/>
+          </a:p>
+        </p:txBody>
+      </p:sp>
+      <p:pic>
+        <p:nvPicPr>
           <p:cNvPr id="3" name="Image 2" descr="saturate_step1.png"/>
           <p:cNvPicPr>
             <a:picLocks noChangeAspect="1"/>
@@ -11144,7 +11523,7 @@
         </p:blipFill>
         <p:spPr>
           <a:xfrm>
-            <a:off x="1231900" y="1219200"/>
+            <a:off x="1295400" y="1181100"/>
             <a:ext cx="6680200" cy="3276600"/>
           </a:xfrm>
           <a:prstGeom prst="rect">
@@ -11219,7 +11598,7 @@
 </p:sld>
 </file>
 
-<file path=ppt/slides/slide21.xml><?xml version="1.0" encoding="utf-8"?>
+<file path=ppt/slides/slide22.xml><?xml version="1.0" encoding="utf-8"?>
 <p:sld xmlns:a="http://schemas.openxmlformats.org/drawingml/2006/main" xmlns:r="http://schemas.openxmlformats.org/officeDocument/2006/relationships" xmlns:p="http://schemas.openxmlformats.org/presentationml/2006/main">
   <p:cSld>
     <p:spTree>
@@ -11291,7 +11670,7 @@
         </p:blipFill>
         <p:spPr>
           <a:xfrm>
-            <a:off x="1231900" y="1219200"/>
+            <a:off x="1295400" y="1181100"/>
             <a:ext cx="6680200" cy="3276600"/>
           </a:xfrm>
           <a:prstGeom prst="rect">
@@ -11396,7 +11775,7 @@
 </p:sld>
 </file>
 
-<file path=ppt/slides/slide22.xml><?xml version="1.0" encoding="utf-8"?>
+<file path=ppt/slides/slide23.xml><?xml version="1.0" encoding="utf-8"?>
 <p:sld xmlns:a="http://schemas.openxmlformats.org/drawingml/2006/main" xmlns:r="http://schemas.openxmlformats.org/officeDocument/2006/relationships" xmlns:p="http://schemas.openxmlformats.org/presentationml/2006/main">
   <p:cSld>
     <p:spTree>
@@ -11468,7 +11847,7 @@
         </p:blipFill>
         <p:spPr>
           <a:xfrm>
-            <a:off x="1231900" y="1143000"/>
+            <a:off x="1295400" y="1181100"/>
             <a:ext cx="6680200" cy="3416300"/>
           </a:xfrm>
           <a:prstGeom prst="rect">
@@ -11536,204 +11915,6 @@
     <p:extLst>
       <p:ext uri="{BB962C8B-B14F-4D97-AF65-F5344CB8AC3E}">
         <p14:creationId xmlns:p14="http://schemas.microsoft.com/office/powerpoint/2010/main" val="3669936171"/>
-      </p:ext>
-    </p:extLst>
-  </p:cSld>
-  <p:clrMapOvr>
-    <a:masterClrMapping/>
-  </p:clrMapOvr>
-  <mc:AlternateContent xmlns:mc="http://schemas.openxmlformats.org/markup-compatibility/2006" xmlns:p14="http://schemas.microsoft.com/office/powerpoint/2010/main">
-    <mc:Choice Requires="p14">
-      <p:transition spd="med" p14:dur="700">
-        <p:fade/>
-      </p:transition>
-    </mc:Choice>
-    <mc:Fallback xmlns="">
-      <p:transition xmlns:p14="http://schemas.microsoft.com/office/powerpoint/2010/main" spd="med">
-        <p:fade/>
-      </p:transition>
-    </mc:Fallback>
-  </mc:AlternateContent>
-  <p:timing>
-    <p:tnLst>
-      <p:par>
-        <p:cTn xmlns:p14="http://schemas.microsoft.com/office/powerpoint/2010/main" id="1" dur="indefinite" restart="never" nodeType="tmRoot"/>
-      </p:par>
-    </p:tnLst>
-  </p:timing>
-</p:sld>
-</file>
-
-<file path=ppt/slides/slide23.xml><?xml version="1.0" encoding="utf-8"?>
-<p:sld xmlns:a="http://schemas.openxmlformats.org/drawingml/2006/main" xmlns:r="http://schemas.openxmlformats.org/officeDocument/2006/relationships" xmlns:p="http://schemas.openxmlformats.org/presentationml/2006/main">
-  <p:cSld>
-    <p:spTree>
-      <p:nvGrpSpPr>
-        <p:cNvPr id="1" name=""/>
-        <p:cNvGrpSpPr/>
-        <p:nvPr/>
-      </p:nvGrpSpPr>
-      <p:grpSpPr>
-        <a:xfrm>
-          <a:off x="0" y="0"/>
-          <a:ext cx="0" cy="0"/>
-          <a:chOff x="0" y="0"/>
-          <a:chExt cx="0" cy="0"/>
-        </a:xfrm>
-      </p:grpSpPr>
-      <p:sp>
-        <p:nvSpPr>
-          <p:cNvPr id="2" name="Title 1"/>
-          <p:cNvSpPr>
-            <a:spLocks noGrp="1"/>
-          </p:cNvSpPr>
-          <p:nvPr>
-            <p:ph type="title"/>
-          </p:nvPr>
-        </p:nvSpPr>
-        <p:spPr/>
-        <p:txBody>
-          <a:bodyPr>
-            <a:normAutofit/>
-          </a:bodyPr>
-          <a:lstStyle/>
-          <a:p>
-            <a:r>
-              <a:rPr lang="en-US" dirty="0" smtClean="0"/>
-              <a:t>Generation of Counter</a:t>
-            </a:r>
-            <a:r>
-              <a:rPr lang="en-US" dirty="0"/>
-              <a:t>e</a:t>
-            </a:r>
-            <a:r>
-              <a:rPr lang="en-US" dirty="0" smtClean="0"/>
-              <a:t>xamples</a:t>
-            </a:r>
-            <a:endParaRPr lang="en-US" dirty="0"/>
-          </a:p>
-        </p:txBody>
-      </p:sp>
-      <p:pic>
-        <p:nvPicPr>
-          <p:cNvPr id="4" name="Image 3" descr="saturate_step2.png"/>
-          <p:cNvPicPr>
-            <a:picLocks noChangeAspect="1"/>
-          </p:cNvPicPr>
-          <p:nvPr/>
-        </p:nvPicPr>
-        <p:blipFill>
-          <a:blip r:embed="rId3">
-            <a:extLst>
-              <a:ext uri="{28A0092B-C50C-407E-A947-70E740481C1C}">
-                <a14:useLocalDpi xmlns:a14="http://schemas.microsoft.com/office/drawing/2010/main" val="0"/>
-              </a:ext>
-            </a:extLst>
-          </a:blip>
-          <a:stretch>
-            <a:fillRect/>
-          </a:stretch>
-        </p:blipFill>
-        <p:spPr>
-          <a:xfrm>
-            <a:off x="1231900" y="1143000"/>
-            <a:ext cx="6680200" cy="3416300"/>
-          </a:xfrm>
-          <a:prstGeom prst="rect">
-            <a:avLst/>
-          </a:prstGeom>
-        </p:spPr>
-      </p:pic>
-      <p:pic>
-        <p:nvPicPr>
-          <p:cNvPr id="5" name="Image 4" descr="magnify-glass00-5152582.gif"/>
-          <p:cNvPicPr>
-            <a:picLocks noChangeAspect="1"/>
-          </p:cNvPicPr>
-          <p:nvPr/>
-        </p:nvPicPr>
-        <p:blipFill>
-          <a:blip r:embed="rId4">
-            <a:extLst>
-              <a:ext uri="{28A0092B-C50C-407E-A947-70E740481C1C}">
-                <a14:useLocalDpi xmlns:a14="http://schemas.microsoft.com/office/drawing/2010/main" val="0"/>
-              </a:ext>
-            </a:extLst>
-          </a:blip>
-          <a:stretch>
-            <a:fillRect/>
-          </a:stretch>
-        </p:blipFill>
-        <p:spPr>
-          <a:xfrm>
-            <a:off x="3886200" y="1409700"/>
-            <a:ext cx="2781300" cy="2781300"/>
-          </a:xfrm>
-          <a:prstGeom prst="rect">
-            <a:avLst/>
-          </a:prstGeom>
-        </p:spPr>
-      </p:pic>
-      <p:sp>
-        <p:nvSpPr>
-          <p:cNvPr id="6" name="Content Placeholder 2"/>
-          <p:cNvSpPr>
-            <a:spLocks noGrp="1"/>
-          </p:cNvSpPr>
-          <p:nvPr>
-            <p:ph idx="1"/>
-          </p:nvPr>
-        </p:nvSpPr>
-        <p:spPr>
-          <a:xfrm>
-            <a:off x="1981200" y="4686300"/>
-            <a:ext cx="7162800" cy="536556"/>
-          </a:xfrm>
-        </p:spPr>
-        <p:txBody>
-          <a:bodyPr>
-            <a:normAutofit fontScale="85000" lnSpcReduction="10000"/>
-          </a:bodyPr>
-          <a:lstStyle/>
-          <a:p>
-            <a:pPr marL="0" indent="0">
-              <a:buNone/>
-            </a:pPr>
-            <a:r>
-              <a:rPr lang="en-US" dirty="0">
-                <a:latin typeface="Courier New"/>
-                <a:cs typeface="Courier New"/>
-              </a:rPr>
-              <a:t>saturate.adb:4:16: medium: </a:t>
-            </a:r>
-            <a:r>
-              <a:rPr lang="en-US" dirty="0" err="1" smtClean="0">
-                <a:latin typeface="Courier New"/>
-                <a:cs typeface="Courier New"/>
-              </a:rPr>
-              <a:t>postcondition</a:t>
-            </a:r>
-            <a:r>
-              <a:rPr lang="en-US" dirty="0" smtClean="0">
-                <a:latin typeface="Courier New"/>
-                <a:cs typeface="Courier New"/>
-              </a:rPr>
-              <a:t> might </a:t>
-            </a:r>
-            <a:r>
-              <a:rPr lang="en-US" dirty="0">
-                <a:latin typeface="Courier New"/>
-                <a:cs typeface="Courier New"/>
-              </a:rPr>
-              <a:t>fail</a:t>
-            </a:r>
-          </a:p>
-        </p:txBody>
-      </p:sp>
-    </p:spTree>
-    <p:extLst>
-      <p:ext uri="{BB962C8B-B14F-4D97-AF65-F5344CB8AC3E}">
-        <p14:creationId xmlns:p14="http://schemas.microsoft.com/office/powerpoint/2010/main" val="3444690730"/>
       </p:ext>
     </p:extLst>
   </p:cSld>
@@ -11798,6 +11979,402 @@
           <a:p>
             <a:r>
               <a:rPr lang="en-US" dirty="0" smtClean="0"/>
+              <a:t>Generation of Counter</a:t>
+            </a:r>
+            <a:r>
+              <a:rPr lang="en-US" dirty="0"/>
+              <a:t>e</a:t>
+            </a:r>
+            <a:r>
+              <a:rPr lang="en-US" dirty="0" smtClean="0"/>
+              <a:t>xamples</a:t>
+            </a:r>
+            <a:endParaRPr lang="en-US" dirty="0"/>
+          </a:p>
+        </p:txBody>
+      </p:sp>
+      <p:pic>
+        <p:nvPicPr>
+          <p:cNvPr id="4" name="Image 3" descr="saturate_step2.png"/>
+          <p:cNvPicPr>
+            <a:picLocks noChangeAspect="1"/>
+          </p:cNvPicPr>
+          <p:nvPr/>
+        </p:nvPicPr>
+        <p:blipFill>
+          <a:blip r:embed="rId3">
+            <a:extLst>
+              <a:ext uri="{28A0092B-C50C-407E-A947-70E740481C1C}">
+                <a14:useLocalDpi xmlns:a14="http://schemas.microsoft.com/office/drawing/2010/main" val="0"/>
+              </a:ext>
+            </a:extLst>
+          </a:blip>
+          <a:stretch>
+            <a:fillRect/>
+          </a:stretch>
+        </p:blipFill>
+        <p:spPr>
+          <a:xfrm>
+            <a:off x="1295400" y="1181100"/>
+            <a:ext cx="6680200" cy="3416300"/>
+          </a:xfrm>
+          <a:prstGeom prst="rect">
+            <a:avLst/>
+          </a:prstGeom>
+        </p:spPr>
+      </p:pic>
+      <p:pic>
+        <p:nvPicPr>
+          <p:cNvPr id="5" name="Image 4" descr="magnify-glass00-5152582.gif"/>
+          <p:cNvPicPr>
+            <a:picLocks noChangeAspect="1"/>
+          </p:cNvPicPr>
+          <p:nvPr/>
+        </p:nvPicPr>
+        <p:blipFill>
+          <a:blip r:embed="rId4">
+            <a:extLst>
+              <a:ext uri="{28A0092B-C50C-407E-A947-70E740481C1C}">
+                <a14:useLocalDpi xmlns:a14="http://schemas.microsoft.com/office/drawing/2010/main" val="0"/>
+              </a:ext>
+            </a:extLst>
+          </a:blip>
+          <a:stretch>
+            <a:fillRect/>
+          </a:stretch>
+        </p:blipFill>
+        <p:spPr>
+          <a:xfrm>
+            <a:off x="3886200" y="1409700"/>
+            <a:ext cx="2781300" cy="2781300"/>
+          </a:xfrm>
+          <a:prstGeom prst="rect">
+            <a:avLst/>
+          </a:prstGeom>
+        </p:spPr>
+      </p:pic>
+      <p:sp>
+        <p:nvSpPr>
+          <p:cNvPr id="6" name="Content Placeholder 2"/>
+          <p:cNvSpPr>
+            <a:spLocks noGrp="1"/>
+          </p:cNvSpPr>
+          <p:nvPr>
+            <p:ph idx="1"/>
+          </p:nvPr>
+        </p:nvSpPr>
+        <p:spPr>
+          <a:xfrm>
+            <a:off x="1981200" y="4686300"/>
+            <a:ext cx="7162800" cy="536556"/>
+          </a:xfrm>
+        </p:spPr>
+        <p:txBody>
+          <a:bodyPr>
+            <a:normAutofit fontScale="85000" lnSpcReduction="10000"/>
+          </a:bodyPr>
+          <a:lstStyle/>
+          <a:p>
+            <a:pPr marL="0" indent="0">
+              <a:buNone/>
+            </a:pPr>
+            <a:r>
+              <a:rPr lang="en-US" dirty="0">
+                <a:latin typeface="Courier New"/>
+                <a:cs typeface="Courier New"/>
+              </a:rPr>
+              <a:t>saturate.adb:4:16: medium: </a:t>
+            </a:r>
+            <a:r>
+              <a:rPr lang="en-US" dirty="0" err="1" smtClean="0">
+                <a:latin typeface="Courier New"/>
+                <a:cs typeface="Courier New"/>
+              </a:rPr>
+              <a:t>postcondition</a:t>
+            </a:r>
+            <a:r>
+              <a:rPr lang="en-US" dirty="0" smtClean="0">
+                <a:latin typeface="Courier New"/>
+                <a:cs typeface="Courier New"/>
+              </a:rPr>
+              <a:t> might </a:t>
+            </a:r>
+            <a:r>
+              <a:rPr lang="en-US" dirty="0">
+                <a:latin typeface="Courier New"/>
+                <a:cs typeface="Courier New"/>
+              </a:rPr>
+              <a:t>fail</a:t>
+            </a:r>
+          </a:p>
+        </p:txBody>
+      </p:sp>
+    </p:spTree>
+    <p:extLst>
+      <p:ext uri="{BB962C8B-B14F-4D97-AF65-F5344CB8AC3E}">
+        <p14:creationId xmlns:p14="http://schemas.microsoft.com/office/powerpoint/2010/main" val="3444690730"/>
+      </p:ext>
+    </p:extLst>
+  </p:cSld>
+  <p:clrMapOvr>
+    <a:masterClrMapping/>
+  </p:clrMapOvr>
+  <mc:AlternateContent xmlns:mc="http://schemas.openxmlformats.org/markup-compatibility/2006" xmlns:p14="http://schemas.microsoft.com/office/powerpoint/2010/main">
+    <mc:Choice Requires="p14">
+      <p:transition spd="med" p14:dur="700">
+        <p:fade/>
+      </p:transition>
+    </mc:Choice>
+    <mc:Fallback xmlns="">
+      <p:transition xmlns:p14="http://schemas.microsoft.com/office/powerpoint/2010/main" spd="med">
+        <p:fade/>
+      </p:transition>
+    </mc:Fallback>
+  </mc:AlternateContent>
+  <p:timing>
+    <p:tnLst>
+      <p:par>
+        <p:cTn xmlns:p14="http://schemas.microsoft.com/office/powerpoint/2010/main" id="1" dur="indefinite" restart="never" nodeType="tmRoot"/>
+      </p:par>
+    </p:tnLst>
+  </p:timing>
+</p:sld>
+</file>
+
+<file path=ppt/slides/slide25.xml><?xml version="1.0" encoding="utf-8"?>
+<p:sld xmlns:a="http://schemas.openxmlformats.org/drawingml/2006/main" xmlns:r="http://schemas.openxmlformats.org/officeDocument/2006/relationships" xmlns:p="http://schemas.openxmlformats.org/presentationml/2006/main">
+  <p:cSld>
+    <p:spTree>
+      <p:nvGrpSpPr>
+        <p:cNvPr id="1" name=""/>
+        <p:cNvGrpSpPr/>
+        <p:nvPr/>
+      </p:nvGrpSpPr>
+      <p:grpSpPr>
+        <a:xfrm>
+          <a:off x="0" y="0"/>
+          <a:ext cx="0" cy="0"/>
+          <a:chOff x="0" y="0"/>
+          <a:chExt cx="0" cy="0"/>
+        </a:xfrm>
+      </p:grpSpPr>
+      <p:pic>
+        <p:nvPicPr>
+          <p:cNvPr id="3" name="Image 2" descr="counter.png"/>
+          <p:cNvPicPr>
+            <a:picLocks noChangeAspect="1"/>
+          </p:cNvPicPr>
+          <p:nvPr/>
+        </p:nvPicPr>
+        <p:blipFill>
+          <a:blip r:embed="rId3">
+            <a:extLst>
+              <a:ext uri="{28A0092B-C50C-407E-A947-70E740481C1C}">
+                <a14:useLocalDpi xmlns:a14="http://schemas.microsoft.com/office/drawing/2010/main" val="0"/>
+              </a:ext>
+            </a:extLst>
+          </a:blip>
+          <a:stretch>
+            <a:fillRect/>
+          </a:stretch>
+        </p:blipFill>
+        <p:spPr>
+          <a:xfrm>
+            <a:off x="1295400" y="1181100"/>
+            <a:ext cx="6681216" cy="3419856"/>
+          </a:xfrm>
+          <a:prstGeom prst="rect">
+            <a:avLst/>
+          </a:prstGeom>
+        </p:spPr>
+      </p:pic>
+      <p:sp>
+        <p:nvSpPr>
+          <p:cNvPr id="2" name="Title 1"/>
+          <p:cNvSpPr>
+            <a:spLocks noGrp="1"/>
+          </p:cNvSpPr>
+          <p:nvPr>
+            <p:ph type="title"/>
+          </p:nvPr>
+        </p:nvSpPr>
+        <p:spPr/>
+        <p:txBody>
+          <a:bodyPr>
+            <a:normAutofit/>
+          </a:bodyPr>
+          <a:lstStyle/>
+          <a:p>
+            <a:r>
+              <a:rPr lang="en-US" dirty="0" smtClean="0"/>
+              <a:t>Generation of Counter</a:t>
+            </a:r>
+            <a:r>
+              <a:rPr lang="en-US" dirty="0"/>
+              <a:t>e</a:t>
+            </a:r>
+            <a:r>
+              <a:rPr lang="en-US" dirty="0" smtClean="0"/>
+              <a:t>xamples</a:t>
+            </a:r>
+            <a:endParaRPr lang="en-US" dirty="0"/>
+          </a:p>
+        </p:txBody>
+      </p:sp>
+      <p:pic>
+        <p:nvPicPr>
+          <p:cNvPr id="5" name="Image 4" descr="magnify-glass00-5152582.gif"/>
+          <p:cNvPicPr>
+            <a:picLocks noChangeAspect="1"/>
+          </p:cNvPicPr>
+          <p:nvPr/>
+        </p:nvPicPr>
+        <p:blipFill>
+          <a:blip r:embed="rId4">
+            <a:extLst>
+              <a:ext uri="{28A0092B-C50C-407E-A947-70E740481C1C}">
+                <a14:useLocalDpi xmlns:a14="http://schemas.microsoft.com/office/drawing/2010/main" val="0"/>
+              </a:ext>
+            </a:extLst>
+          </a:blip>
+          <a:stretch>
+            <a:fillRect/>
+          </a:stretch>
+        </p:blipFill>
+        <p:spPr>
+          <a:xfrm>
+            <a:off x="3886200" y="1409700"/>
+            <a:ext cx="2781300" cy="2781300"/>
+          </a:xfrm>
+          <a:prstGeom prst="rect">
+            <a:avLst/>
+          </a:prstGeom>
+        </p:spPr>
+      </p:pic>
+      <p:sp>
+        <p:nvSpPr>
+          <p:cNvPr id="6" name="Content Placeholder 2"/>
+          <p:cNvSpPr>
+            <a:spLocks noGrp="1"/>
+          </p:cNvSpPr>
+          <p:nvPr>
+            <p:ph idx="1"/>
+          </p:nvPr>
+        </p:nvSpPr>
+        <p:spPr>
+          <a:xfrm>
+            <a:off x="1981200" y="4686300"/>
+            <a:ext cx="7162800" cy="536556"/>
+          </a:xfrm>
+        </p:spPr>
+        <p:txBody>
+          <a:bodyPr>
+            <a:normAutofit fontScale="85000" lnSpcReduction="10000"/>
+          </a:bodyPr>
+          <a:lstStyle/>
+          <a:p>
+            <a:pPr marL="0" indent="0">
+              <a:buNone/>
+            </a:pPr>
+            <a:r>
+              <a:rPr lang="en-US" dirty="0">
+                <a:latin typeface="Courier New"/>
+                <a:cs typeface="Courier New"/>
+              </a:rPr>
+              <a:t>saturate.adb:4:16: medium: </a:t>
+            </a:r>
+            <a:r>
+              <a:rPr lang="en-US" dirty="0" err="1" smtClean="0">
+                <a:latin typeface="Courier New"/>
+                <a:cs typeface="Courier New"/>
+              </a:rPr>
+              <a:t>postcondition</a:t>
+            </a:r>
+            <a:r>
+              <a:rPr lang="en-US" dirty="0" smtClean="0">
+                <a:latin typeface="Courier New"/>
+                <a:cs typeface="Courier New"/>
+              </a:rPr>
+              <a:t> might </a:t>
+            </a:r>
+            <a:r>
+              <a:rPr lang="en-US" dirty="0">
+                <a:latin typeface="Courier New"/>
+                <a:cs typeface="Courier New"/>
+              </a:rPr>
+              <a:t>fail</a:t>
+            </a:r>
+          </a:p>
+        </p:txBody>
+      </p:sp>
+    </p:spTree>
+    <p:extLst>
+      <p:ext uri="{BB962C8B-B14F-4D97-AF65-F5344CB8AC3E}">
+        <p14:creationId xmlns:p14="http://schemas.microsoft.com/office/powerpoint/2010/main" val="3056922202"/>
+      </p:ext>
+    </p:extLst>
+  </p:cSld>
+  <p:clrMapOvr>
+    <a:masterClrMapping/>
+  </p:clrMapOvr>
+  <mc:AlternateContent xmlns:mc="http://schemas.openxmlformats.org/markup-compatibility/2006" xmlns:p14="http://schemas.microsoft.com/office/powerpoint/2010/main">
+    <mc:Choice Requires="p14">
+      <p:transition spd="med" p14:dur="700">
+        <p:fade/>
+      </p:transition>
+    </mc:Choice>
+    <mc:Fallback xmlns="">
+      <p:transition xmlns:p14="http://schemas.microsoft.com/office/powerpoint/2010/main" spd="med">
+        <p:fade/>
+      </p:transition>
+    </mc:Fallback>
+  </mc:AlternateContent>
+  <p:timing>
+    <p:tnLst>
+      <p:par>
+        <p:cTn xmlns:p14="http://schemas.microsoft.com/office/powerpoint/2010/main" id="1" dur="indefinite" restart="never" nodeType="tmRoot"/>
+      </p:par>
+    </p:tnLst>
+  </p:timing>
+</p:sld>
+</file>
+
+<file path=ppt/slides/slide26.xml><?xml version="1.0" encoding="utf-8"?>
+<p:sld xmlns:a="http://schemas.openxmlformats.org/drawingml/2006/main" xmlns:r="http://schemas.openxmlformats.org/officeDocument/2006/relationships" xmlns:p="http://schemas.openxmlformats.org/presentationml/2006/main">
+  <p:cSld>
+    <p:spTree>
+      <p:nvGrpSpPr>
+        <p:cNvPr id="1" name=""/>
+        <p:cNvGrpSpPr/>
+        <p:nvPr/>
+      </p:nvGrpSpPr>
+      <p:grpSpPr>
+        <a:xfrm>
+          <a:off x="0" y="0"/>
+          <a:ext cx="0" cy="0"/>
+          <a:chOff x="0" y="0"/>
+          <a:chExt cx="0" cy="0"/>
+        </a:xfrm>
+      </p:grpSpPr>
+      <p:sp>
+        <p:nvSpPr>
+          <p:cNvPr id="2" name="Title 1"/>
+          <p:cNvSpPr>
+            <a:spLocks noGrp="1"/>
+          </p:cNvSpPr>
+          <p:nvPr>
+            <p:ph type="title"/>
+          </p:nvPr>
+        </p:nvSpPr>
+        <p:spPr/>
+        <p:txBody>
+          <a:bodyPr>
+            <a:normAutofit/>
+          </a:bodyPr>
+          <a:lstStyle/>
+          <a:p>
+            <a:r>
+              <a:rPr lang="en-US" dirty="0" smtClean="0"/>
               <a:t>Beyond The Next </a:t>
             </a:r>
             <a:r>
@@ -11965,7 +12542,7 @@
 </p:sld>
 </file>
 
-<file path=ppt/slides/slide25.xml><?xml version="1.0" encoding="utf-8"?>
+<file path=ppt/slides/slide27.xml><?xml version="1.0" encoding="utf-8"?>
 <p:sld xmlns:a="http://schemas.openxmlformats.org/drawingml/2006/main" xmlns:r="http://schemas.openxmlformats.org/officeDocument/2006/relationships" xmlns:p="http://schemas.openxmlformats.org/presentationml/2006/main">
   <p:cSld>
     <p:spTree>
@@ -12620,7 +13197,7 @@
 </p:sld>
 </file>
 
-<file path=ppt/slides/slide26.xml><?xml version="1.0" encoding="utf-8"?>
+<file path=ppt/slides/slide28.xml><?xml version="1.0" encoding="utf-8"?>
 <p:sld xmlns:a="http://schemas.openxmlformats.org/drawingml/2006/main" xmlns:r="http://schemas.openxmlformats.org/officeDocument/2006/relationships" xmlns:p="http://schemas.openxmlformats.org/presentationml/2006/main">
   <p:cSld>
     <p:spTree>
@@ -13027,257 +13604,81 @@
           <a:chExt cx="0" cy="0"/>
         </a:xfrm>
       </p:grpSpPr>
-      <p:pic>
-        <p:nvPicPr>
-          <p:cNvPr id="9" name="Image 8" descr="crazyflize 001.jpg"/>
-          <p:cNvPicPr>
-            <a:picLocks noChangeAspect="1"/>
-          </p:cNvPicPr>
-          <p:nvPr/>
-        </p:nvPicPr>
-        <p:blipFill>
-          <a:blip r:embed="rId3">
-            <a:extLst>
-              <a:ext uri="{28A0092B-C50C-407E-A947-70E740481C1C}">
-                <a14:useLocalDpi xmlns:a14="http://schemas.microsoft.com/office/drawing/2010/main" val="0"/>
-              </a:ext>
-            </a:extLst>
-          </a:blip>
-          <a:stretch>
-            <a:fillRect/>
-          </a:stretch>
-        </p:blipFill>
+      <p:sp>
+        <p:nvSpPr>
+          <p:cNvPr id="2" name="Title 1"/>
+          <p:cNvSpPr>
+            <a:spLocks noGrp="1"/>
+          </p:cNvSpPr>
+          <p:nvPr>
+            <p:ph type="title"/>
+          </p:nvPr>
+        </p:nvSpPr>
         <p:spPr>
           <a:xfrm>
-            <a:off x="2209800" y="647700"/>
-            <a:ext cx="4521200" cy="3390900"/>
+            <a:off x="762000" y="529493"/>
+            <a:ext cx="8077200" cy="4309207"/>
           </a:xfrm>
-          <a:prstGeom prst="rect">
-            <a:avLst/>
-          </a:prstGeom>
         </p:spPr>
-      </p:pic>
-      <p:sp>
-        <p:nvSpPr>
-          <p:cNvPr id="5" name="Content Placeholder 2"/>
-          <p:cNvSpPr txBox="1">
-            <a:spLocks/>
-          </p:cNvSpPr>
-          <p:nvPr/>
-        </p:nvSpPr>
-        <p:spPr>
-          <a:xfrm>
-            <a:off x="457200" y="3314700"/>
-            <a:ext cx="3886200" cy="1676400"/>
-          </a:xfrm>
-          <a:prstGeom prst="rect">
-            <a:avLst/>
-          </a:prstGeom>
-        </p:spPr>
-        <p:txBody>
-          <a:bodyPr vert="horz" lIns="91440" tIns="45720" rIns="91440" bIns="45720" rtlCol="0">
+        <p:txBody>
+          <a:bodyPr>
             <a:normAutofit/>
           </a:bodyPr>
-          <a:lstStyle>
-            <a:lvl1pPr marL="342900" indent="-342900" algn="l" defTabSz="914400" rtl="0" eaLnBrk="1" latinLnBrk="0" hangingPunct="1">
-              <a:spcBef>
-                <a:spcPct val="20000"/>
-              </a:spcBef>
-              <a:buFont typeface="Arial" pitchFamily="34" charset="0"/>
-              <a:buChar char="•"/>
-              <a:defRPr sz="2000" kern="1200">
-                <a:solidFill>
-                  <a:schemeClr val="tx1"/>
-                </a:solidFill>
-                <a:latin typeface="Helvetica"/>
-                <a:ea typeface="+mn-ea"/>
-                <a:cs typeface="Helvetica"/>
-              </a:defRPr>
-            </a:lvl1pPr>
-            <a:lvl2pPr marL="742950" indent="-285750" algn="l" defTabSz="914400" rtl="0" eaLnBrk="1" latinLnBrk="0" hangingPunct="1">
-              <a:spcBef>
-                <a:spcPct val="20000"/>
-              </a:spcBef>
-              <a:buFont typeface="Arial" pitchFamily="34" charset="0"/>
-              <a:buChar char="–"/>
-              <a:defRPr sz="2000" kern="1200">
-                <a:solidFill>
-                  <a:schemeClr val="tx1"/>
-                </a:solidFill>
-                <a:latin typeface="Helvetica"/>
-                <a:ea typeface="+mn-ea"/>
-                <a:cs typeface="Helvetica"/>
-              </a:defRPr>
-            </a:lvl2pPr>
-            <a:lvl3pPr marL="1143000" indent="-228600" algn="l" defTabSz="914400" rtl="0" eaLnBrk="1" latinLnBrk="0" hangingPunct="1">
-              <a:spcBef>
-                <a:spcPct val="20000"/>
-              </a:spcBef>
-              <a:buFont typeface="Arial" pitchFamily="34" charset="0"/>
-              <a:buChar char="•"/>
-              <a:defRPr sz="2000" kern="1200">
-                <a:solidFill>
-                  <a:schemeClr val="tx1"/>
-                </a:solidFill>
-                <a:latin typeface="Helvetica"/>
-                <a:ea typeface="+mn-ea"/>
-                <a:cs typeface="Helvetica"/>
-              </a:defRPr>
-            </a:lvl3pPr>
-            <a:lvl4pPr marL="1600200" indent="-228600" algn="l" defTabSz="914400" rtl="0" eaLnBrk="1" latinLnBrk="0" hangingPunct="1">
-              <a:spcBef>
-                <a:spcPct val="20000"/>
-              </a:spcBef>
-              <a:buFont typeface="Arial" pitchFamily="34" charset="0"/>
-              <a:buChar char="–"/>
-              <a:defRPr sz="2000" kern="1200">
-                <a:solidFill>
-                  <a:schemeClr val="tx1"/>
-                </a:solidFill>
-                <a:latin typeface="Helvetica"/>
-                <a:ea typeface="+mn-ea"/>
-                <a:cs typeface="Helvetica"/>
-              </a:defRPr>
-            </a:lvl4pPr>
-            <a:lvl5pPr marL="2057400" indent="-228600" algn="l" defTabSz="914400" rtl="0" eaLnBrk="1" latinLnBrk="0" hangingPunct="1">
-              <a:spcBef>
-                <a:spcPct val="20000"/>
-              </a:spcBef>
-              <a:buFont typeface="Arial" pitchFamily="34" charset="0"/>
-              <a:buChar char="»"/>
-              <a:defRPr sz="2000" kern="1200">
-                <a:solidFill>
-                  <a:schemeClr val="tx1"/>
-                </a:solidFill>
-                <a:latin typeface="Helvetica"/>
-                <a:ea typeface="+mn-ea"/>
-                <a:cs typeface="Helvetica"/>
-              </a:defRPr>
-            </a:lvl5pPr>
-            <a:lvl6pPr marL="2514600" indent="-228600" algn="l" defTabSz="914400" rtl="0" eaLnBrk="1" latinLnBrk="0" hangingPunct="1">
-              <a:spcBef>
-                <a:spcPct val="20000"/>
-              </a:spcBef>
-              <a:buFont typeface="Arial" pitchFamily="34" charset="0"/>
-              <a:buChar char="•"/>
-              <a:defRPr sz="2000" kern="1200">
-                <a:solidFill>
-                  <a:schemeClr val="tx1"/>
-                </a:solidFill>
-                <a:latin typeface="+mn-lt"/>
-                <a:ea typeface="+mn-ea"/>
-                <a:cs typeface="+mn-cs"/>
-              </a:defRPr>
-            </a:lvl6pPr>
-            <a:lvl7pPr marL="2971800" indent="-228600" algn="l" defTabSz="914400" rtl="0" eaLnBrk="1" latinLnBrk="0" hangingPunct="1">
-              <a:spcBef>
-                <a:spcPct val="20000"/>
-              </a:spcBef>
-              <a:buFont typeface="Arial" pitchFamily="34" charset="0"/>
-              <a:buChar char="•"/>
-              <a:defRPr sz="2000" kern="1200">
-                <a:solidFill>
-                  <a:schemeClr val="tx1"/>
-                </a:solidFill>
-                <a:latin typeface="+mn-lt"/>
-                <a:ea typeface="+mn-ea"/>
-                <a:cs typeface="+mn-cs"/>
-              </a:defRPr>
-            </a:lvl7pPr>
-            <a:lvl8pPr marL="3429000" indent="-228600" algn="l" defTabSz="914400" rtl="0" eaLnBrk="1" latinLnBrk="0" hangingPunct="1">
-              <a:spcBef>
-                <a:spcPct val="20000"/>
-              </a:spcBef>
-              <a:buFont typeface="Arial" pitchFamily="34" charset="0"/>
-              <a:buChar char="•"/>
-              <a:defRPr sz="2000" kern="1200">
-                <a:solidFill>
-                  <a:schemeClr val="tx1"/>
-                </a:solidFill>
-                <a:latin typeface="+mn-lt"/>
-                <a:ea typeface="+mn-ea"/>
-                <a:cs typeface="+mn-cs"/>
-              </a:defRPr>
-            </a:lvl8pPr>
-            <a:lvl9pPr marL="3886200" indent="-228600" algn="l" defTabSz="914400" rtl="0" eaLnBrk="1" latinLnBrk="0" hangingPunct="1">
-              <a:spcBef>
-                <a:spcPct val="20000"/>
-              </a:spcBef>
-              <a:buFont typeface="Arial" pitchFamily="34" charset="0"/>
-              <a:buChar char="•"/>
-              <a:defRPr sz="2000" kern="1200">
-                <a:solidFill>
-                  <a:schemeClr val="tx1"/>
-                </a:solidFill>
-                <a:latin typeface="+mn-lt"/>
-                <a:ea typeface="+mn-ea"/>
-                <a:cs typeface="+mn-cs"/>
-              </a:defRPr>
-            </a:lvl9pPr>
-          </a:lstStyle>
-          <a:p>
-            <a:pPr marL="0" indent="0">
-              <a:buFont typeface="Arial" pitchFamily="34" charset="0"/>
-              <a:buNone/>
-            </a:pPr>
-            <a:r>
-              <a:rPr lang="en-US" b="1" dirty="0" err="1" smtClean="0">
-                <a:solidFill>
-                  <a:srgbClr val="2D72AD"/>
-                </a:solidFill>
-              </a:rPr>
-              <a:t>Crazyflie</a:t>
-            </a:r>
-            <a:r>
-              <a:rPr lang="en-US" b="1" dirty="0" smtClean="0">
-                <a:solidFill>
-                  <a:srgbClr val="2D72AD"/>
-                </a:solidFill>
-              </a:rPr>
-              <a:t> 2.0</a:t>
-            </a:r>
-          </a:p>
-          <a:p>
-            <a:pPr marL="0" indent="0">
-              <a:buFont typeface="Arial" pitchFamily="34" charset="0"/>
-              <a:buNone/>
-            </a:pPr>
-            <a:r>
-              <a:rPr lang="en-US" dirty="0" smtClean="0"/>
-              <a:t>1800 </a:t>
-            </a:r>
-            <a:r>
-              <a:rPr lang="en-US" dirty="0" err="1" smtClean="0"/>
-              <a:t>sloc</a:t>
-            </a:r>
-            <a:r>
-              <a:rPr lang="en-US" dirty="0" smtClean="0"/>
-              <a:t> stabilization in C</a:t>
-            </a:r>
-          </a:p>
-          <a:p>
-            <a:pPr marL="0" indent="0">
-              <a:buFont typeface="Arial" pitchFamily="34" charset="0"/>
-              <a:buNone/>
-            </a:pPr>
-            <a:r>
-              <a:rPr lang="en-US" dirty="0" smtClean="0"/>
-              <a:t>+ </a:t>
-            </a:r>
-            <a:r>
-              <a:rPr lang="en-US" dirty="0" err="1" smtClean="0"/>
-              <a:t>FreeRTOS</a:t>
-            </a:r>
-            <a:endParaRPr lang="en-US" dirty="0" smtClean="0"/>
-          </a:p>
-          <a:p>
-            <a:pPr marL="0" indent="0">
-              <a:buFont typeface="Arial" pitchFamily="34" charset="0"/>
-              <a:buNone/>
-            </a:pPr>
-            <a:r>
-              <a:rPr lang="en-US" dirty="0" smtClean="0"/>
-              <a:t>+ …</a:t>
+          <a:lstStyle/>
+          <a:p>
+            <a:r>
+              <a:rPr lang="en-US" dirty="0" smtClean="0"/>
+              <a:t>Easy to </a:t>
+            </a:r>
+            <a:r>
+              <a:rPr lang="en-US" dirty="0"/>
+              <a:t>a</a:t>
+            </a:r>
+            <a:r>
+              <a:rPr lang="en-US" dirty="0" smtClean="0"/>
+              <a:t>dopt, easy to use</a:t>
+            </a:r>
+            <a:br>
+              <a:rPr lang="en-US" dirty="0" smtClean="0"/>
+            </a:br>
+            <a:r>
+              <a:rPr lang="en-US" dirty="0"/>
+              <a:t/>
+            </a:r>
+            <a:br>
+              <a:rPr lang="en-US" dirty="0"/>
+            </a:br>
+            <a:r>
+              <a:rPr lang="en-US" dirty="0" smtClean="0"/>
+              <a:t>Multiple use cases</a:t>
+            </a:r>
+            <a:br>
+              <a:rPr lang="en-US" dirty="0" smtClean="0"/>
+            </a:br>
+            <a:r>
+              <a:rPr lang="en-US" dirty="0"/>
+              <a:t/>
+            </a:r>
+            <a:br>
+              <a:rPr lang="en-US" dirty="0"/>
+            </a:br>
+            <a:r>
+              <a:rPr lang="en-US" dirty="0" smtClean="0"/>
+              <a:t>Learning SPARK</a:t>
+            </a:r>
+            <a:br>
+              <a:rPr lang="en-US" dirty="0" smtClean="0"/>
+            </a:br>
+            <a:r>
+              <a:rPr lang="en-US" dirty="0"/>
+              <a:t/>
+            </a:r>
+            <a:br>
+              <a:rPr lang="en-US" dirty="0"/>
+            </a:br>
+            <a:r>
+              <a:rPr lang="en-US" dirty="0" smtClean="0"/>
+              <a:t>Technical roadmap</a:t>
             </a:r>
             <a:endParaRPr lang="en-US" dirty="0"/>
           </a:p>
@@ -13286,7 +13687,7 @@
     </p:spTree>
     <p:extLst>
       <p:ext uri="{BB962C8B-B14F-4D97-AF65-F5344CB8AC3E}">
-        <p14:creationId xmlns:p14="http://schemas.microsoft.com/office/powerpoint/2010/main" val="1603626775"/>
+        <p14:creationId xmlns:p14="http://schemas.microsoft.com/office/powerpoint/2010/main" val="1242903962"/>
       </p:ext>
     </p:extLst>
   </p:cSld>
@@ -13353,171 +13754,18 @@
           </a:prstGeom>
         </p:spPr>
       </p:pic>
-      <p:pic>
-        <p:nvPicPr>
-          <p:cNvPr id="10" name="Image 9" descr="viadeo.jpg"/>
-          <p:cNvPicPr>
-            <a:picLocks noChangeAspect="1"/>
-          </p:cNvPicPr>
+      <p:sp>
+        <p:nvSpPr>
+          <p:cNvPr id="5" name="Content Placeholder 2"/>
+          <p:cNvSpPr txBox="1">
+            <a:spLocks/>
+          </p:cNvSpPr>
           <p:nvPr/>
-        </p:nvPicPr>
-        <p:blipFill>
-          <a:blip r:embed="rId4">
-            <a:extLst>
-              <a:ext uri="{28A0092B-C50C-407E-A947-70E740481C1C}">
-                <a14:useLocalDpi xmlns:a14="http://schemas.microsoft.com/office/drawing/2010/main" val="0"/>
-              </a:ext>
-            </a:extLst>
-          </a:blip>
-          <a:stretch>
-            <a:fillRect/>
-          </a:stretch>
-        </p:blipFill>
-        <p:spPr>
-          <a:xfrm>
-            <a:off x="3733800" y="4229100"/>
-            <a:ext cx="1320800" cy="1320800"/>
-          </a:xfrm>
-          <a:prstGeom prst="rect">
-            <a:avLst/>
-          </a:prstGeom>
-        </p:spPr>
-      </p:pic>
-      <p:sp>
-        <p:nvSpPr>
-          <p:cNvPr id="14" name="Content Placeholder 2"/>
-          <p:cNvSpPr>
-            <a:spLocks noGrp="1"/>
-          </p:cNvSpPr>
-          <p:nvPr>
-            <p:ph idx="1"/>
-          </p:nvPr>
         </p:nvSpPr>
         <p:spPr>
           <a:xfrm>
             <a:off x="457200" y="3314700"/>
             <a:ext cx="3886200" cy="1676400"/>
-          </a:xfrm>
-        </p:spPr>
-        <p:txBody>
-          <a:bodyPr>
-            <a:normAutofit/>
-          </a:bodyPr>
-          <a:lstStyle/>
-          <a:p>
-            <a:pPr marL="0" indent="0">
-              <a:buNone/>
-            </a:pPr>
-            <a:r>
-              <a:rPr lang="en-US" b="1" dirty="0" err="1" smtClean="0">
-                <a:solidFill>
-                  <a:srgbClr val="2D72AD"/>
-                </a:solidFill>
-              </a:rPr>
-              <a:t>Crazyflie</a:t>
-            </a:r>
-            <a:r>
-              <a:rPr lang="en-US" b="1" dirty="0" smtClean="0">
-                <a:solidFill>
-                  <a:srgbClr val="2D72AD"/>
-                </a:solidFill>
-              </a:rPr>
-              <a:t> 2.0</a:t>
-            </a:r>
-          </a:p>
-          <a:p>
-            <a:pPr marL="0" indent="0">
-              <a:buNone/>
-            </a:pPr>
-            <a:r>
-              <a:rPr lang="en-US" dirty="0" smtClean="0"/>
-              <a:t>1800 </a:t>
-            </a:r>
-            <a:r>
-              <a:rPr lang="en-US" dirty="0" err="1" smtClean="0"/>
-              <a:t>sloc</a:t>
-            </a:r>
-            <a:r>
-              <a:rPr lang="en-US" dirty="0" smtClean="0"/>
-              <a:t> stabilization in C</a:t>
-            </a:r>
-          </a:p>
-          <a:p>
-            <a:pPr marL="0" indent="0">
-              <a:buNone/>
-            </a:pPr>
-            <a:r>
-              <a:rPr lang="en-US" dirty="0" smtClean="0"/>
-              <a:t>+ </a:t>
-            </a:r>
-            <a:r>
-              <a:rPr lang="en-US" dirty="0" err="1" smtClean="0"/>
-              <a:t>FreeRTOS</a:t>
-            </a:r>
-            <a:endParaRPr lang="en-US" dirty="0" smtClean="0"/>
-          </a:p>
-          <a:p>
-            <a:pPr marL="0" indent="0">
-              <a:buNone/>
-            </a:pPr>
-            <a:r>
-              <a:rPr lang="en-US" dirty="0" smtClean="0"/>
-              <a:t>+ …</a:t>
-            </a:r>
-            <a:endParaRPr lang="en-US" dirty="0"/>
-          </a:p>
-        </p:txBody>
-      </p:sp>
-      <p:sp>
-        <p:nvSpPr>
-          <p:cNvPr id="15" name="Flèche vers la droite 14"/>
-          <p:cNvSpPr/>
-          <p:nvPr/>
-        </p:nvSpPr>
-        <p:spPr>
-          <a:xfrm>
-            <a:off x="3581400" y="3619500"/>
-            <a:ext cx="1600200" cy="381000"/>
-          </a:xfrm>
-          <a:prstGeom prst="rightArrow">
-            <a:avLst/>
-          </a:prstGeom>
-        </p:spPr>
-        <p:style>
-          <a:lnRef idx="1">
-            <a:schemeClr val="accent1"/>
-          </a:lnRef>
-          <a:fillRef idx="3">
-            <a:schemeClr val="accent1"/>
-          </a:fillRef>
-          <a:effectRef idx="2">
-            <a:schemeClr val="accent1"/>
-          </a:effectRef>
-          <a:fontRef idx="minor">
-            <a:schemeClr val="lt1"/>
-          </a:fontRef>
-        </p:style>
-        <p:txBody>
-          <a:bodyPr rtlCol="0" anchor="ctr"/>
-          <a:lstStyle/>
-          <a:p>
-            <a:pPr algn="ctr"/>
-            <a:endParaRPr lang="fr-FR"/>
-          </a:p>
-        </p:txBody>
-      </p:sp>
-      <p:sp>
-        <p:nvSpPr>
-          <p:cNvPr id="17" name="Content Placeholder 2"/>
-          <p:cNvSpPr txBox="1">
-            <a:spLocks/>
-          </p:cNvSpPr>
-          <p:nvPr/>
-        </p:nvSpPr>
-        <p:spPr>
-          <a:xfrm>
-            <a:off x="5410200" y="3314700"/>
-            <a:ext cx="3886200" cy="2209800"/>
           </a:xfrm>
           <a:prstGeom prst="rect">
             <a:avLst/>
@@ -13683,7 +13931,7 @@
                   <a:srgbClr val="2D72AD"/>
                 </a:solidFill>
               </a:rPr>
-              <a:t> in Ada/SPARK</a:t>
+              <a:t> 2.0</a:t>
             </a:r>
           </a:p>
           <a:p>
@@ -13693,7 +13941,7 @@
             </a:pPr>
             <a:r>
               <a:rPr lang="en-US" dirty="0" smtClean="0"/>
-              <a:t>2100 </a:t>
+              <a:t>1800 </a:t>
             </a:r>
             <a:r>
               <a:rPr lang="en-US" dirty="0" err="1" smtClean="0"/>
@@ -13701,7 +13949,7 @@
             </a:r>
             <a:r>
               <a:rPr lang="en-US" dirty="0" smtClean="0"/>
-              <a:t> stabilization in SPARK</a:t>
+              <a:t> stabilization in C</a:t>
             </a:r>
           </a:p>
           <a:p>
@@ -13710,13 +13958,14 @@
               <a:buNone/>
             </a:pPr>
             <a:r>
-              <a:rPr lang="en-US" b="1" dirty="0"/>
-              <a:t>p</a:t>
-            </a:r>
-            <a:r>
-              <a:rPr lang="en-US" b="1" dirty="0" smtClean="0"/>
-              <a:t>roved no run-time errors!</a:t>
-            </a:r>
+              <a:rPr lang="en-US" dirty="0" smtClean="0"/>
+              <a:t>+ </a:t>
+            </a:r>
+            <a:r>
+              <a:rPr lang="en-US" dirty="0" err="1" smtClean="0"/>
+              <a:t>FreeRTOS</a:t>
+            </a:r>
+            <a:endParaRPr lang="en-US" dirty="0" smtClean="0"/>
           </a:p>
           <a:p>
             <a:pPr marL="0" indent="0">
@@ -13725,212 +13974,16 @@
             </a:pPr>
             <a:r>
               <a:rPr lang="en-US" dirty="0" smtClean="0"/>
-              <a:t>+ </a:t>
-            </a:r>
-            <a:r>
-              <a:rPr lang="en-US" dirty="0" err="1" smtClean="0"/>
-              <a:t>FreeRTOS</a:t>
-            </a:r>
-            <a:endParaRPr lang="en-US" dirty="0" smtClean="0"/>
-          </a:p>
-          <a:p>
-            <a:pPr marL="0" indent="0">
-              <a:buFont typeface="Arial" pitchFamily="34" charset="0"/>
-              <a:buNone/>
-            </a:pPr>
-            <a:r>
-              <a:rPr lang="en-US" dirty="0" smtClean="0"/>
               <a:t>+ …</a:t>
             </a:r>
-          </a:p>
-          <a:p>
-            <a:pPr marL="0" indent="0">
-              <a:buFont typeface="Arial" pitchFamily="34" charset="0"/>
-              <a:buNone/>
-            </a:pPr>
             <a:endParaRPr lang="en-US" dirty="0"/>
-          </a:p>
-        </p:txBody>
-      </p:sp>
-      <p:sp>
-        <p:nvSpPr>
-          <p:cNvPr id="7" name="Content Placeholder 2"/>
-          <p:cNvSpPr txBox="1">
-            <a:spLocks/>
-          </p:cNvSpPr>
-          <p:nvPr/>
-        </p:nvSpPr>
-        <p:spPr>
-          <a:xfrm>
-            <a:off x="4419600" y="0"/>
-            <a:ext cx="4727074" cy="1146156"/>
-          </a:xfrm>
-          <a:prstGeom prst="rect">
-            <a:avLst/>
-          </a:prstGeom>
-        </p:spPr>
-        <p:txBody>
-          <a:bodyPr vert="horz" lIns="91440" tIns="45720" rIns="91440" bIns="45720" rtlCol="0">
-            <a:noAutofit/>
-          </a:bodyPr>
-          <a:lstStyle>
-            <a:lvl1pPr marL="342900" indent="-342900" algn="l" defTabSz="914400" rtl="0" eaLnBrk="1" latinLnBrk="0" hangingPunct="1">
-              <a:spcBef>
-                <a:spcPct val="20000"/>
-              </a:spcBef>
-              <a:buFont typeface="Arial" pitchFamily="34" charset="0"/>
-              <a:buChar char="•"/>
-              <a:defRPr sz="2000" kern="1200">
-                <a:solidFill>
-                  <a:schemeClr val="tx1"/>
-                </a:solidFill>
-                <a:latin typeface="Helvetica"/>
-                <a:ea typeface="+mn-ea"/>
-                <a:cs typeface="Helvetica"/>
-              </a:defRPr>
-            </a:lvl1pPr>
-            <a:lvl2pPr marL="742950" indent="-285750" algn="l" defTabSz="914400" rtl="0" eaLnBrk="1" latinLnBrk="0" hangingPunct="1">
-              <a:spcBef>
-                <a:spcPct val="20000"/>
-              </a:spcBef>
-              <a:buFont typeface="Arial" pitchFamily="34" charset="0"/>
-              <a:buChar char="–"/>
-              <a:defRPr sz="2000" kern="1200">
-                <a:solidFill>
-                  <a:schemeClr val="tx1"/>
-                </a:solidFill>
-                <a:latin typeface="Helvetica"/>
-                <a:ea typeface="+mn-ea"/>
-                <a:cs typeface="Helvetica"/>
-              </a:defRPr>
-            </a:lvl2pPr>
-            <a:lvl3pPr marL="1143000" indent="-228600" algn="l" defTabSz="914400" rtl="0" eaLnBrk="1" latinLnBrk="0" hangingPunct="1">
-              <a:spcBef>
-                <a:spcPct val="20000"/>
-              </a:spcBef>
-              <a:buFont typeface="Arial" pitchFamily="34" charset="0"/>
-              <a:buChar char="•"/>
-              <a:defRPr sz="2000" kern="1200">
-                <a:solidFill>
-                  <a:schemeClr val="tx1"/>
-                </a:solidFill>
-                <a:latin typeface="Helvetica"/>
-                <a:ea typeface="+mn-ea"/>
-                <a:cs typeface="Helvetica"/>
-              </a:defRPr>
-            </a:lvl3pPr>
-            <a:lvl4pPr marL="1600200" indent="-228600" algn="l" defTabSz="914400" rtl="0" eaLnBrk="1" latinLnBrk="0" hangingPunct="1">
-              <a:spcBef>
-                <a:spcPct val="20000"/>
-              </a:spcBef>
-              <a:buFont typeface="Arial" pitchFamily="34" charset="0"/>
-              <a:buChar char="–"/>
-              <a:defRPr sz="2000" kern="1200">
-                <a:solidFill>
-                  <a:schemeClr val="tx1"/>
-                </a:solidFill>
-                <a:latin typeface="Helvetica"/>
-                <a:ea typeface="+mn-ea"/>
-                <a:cs typeface="Helvetica"/>
-              </a:defRPr>
-            </a:lvl4pPr>
-            <a:lvl5pPr marL="2057400" indent="-228600" algn="l" defTabSz="914400" rtl="0" eaLnBrk="1" latinLnBrk="0" hangingPunct="1">
-              <a:spcBef>
-                <a:spcPct val="20000"/>
-              </a:spcBef>
-              <a:buFont typeface="Arial" pitchFamily="34" charset="0"/>
-              <a:buChar char="»"/>
-              <a:defRPr sz="2000" kern="1200">
-                <a:solidFill>
-                  <a:schemeClr val="tx1"/>
-                </a:solidFill>
-                <a:latin typeface="Helvetica"/>
-                <a:ea typeface="+mn-ea"/>
-                <a:cs typeface="Helvetica"/>
-              </a:defRPr>
-            </a:lvl5pPr>
-            <a:lvl6pPr marL="2514600" indent="-228600" algn="l" defTabSz="914400" rtl="0" eaLnBrk="1" latinLnBrk="0" hangingPunct="1">
-              <a:spcBef>
-                <a:spcPct val="20000"/>
-              </a:spcBef>
-              <a:buFont typeface="Arial" pitchFamily="34" charset="0"/>
-              <a:buChar char="•"/>
-              <a:defRPr sz="2000" kern="1200">
-                <a:solidFill>
-                  <a:schemeClr val="tx1"/>
-                </a:solidFill>
-                <a:latin typeface="+mn-lt"/>
-                <a:ea typeface="+mn-ea"/>
-                <a:cs typeface="+mn-cs"/>
-              </a:defRPr>
-            </a:lvl6pPr>
-            <a:lvl7pPr marL="2971800" indent="-228600" algn="l" defTabSz="914400" rtl="0" eaLnBrk="1" latinLnBrk="0" hangingPunct="1">
-              <a:spcBef>
-                <a:spcPct val="20000"/>
-              </a:spcBef>
-              <a:buFont typeface="Arial" pitchFamily="34" charset="0"/>
-              <a:buChar char="•"/>
-              <a:defRPr sz="2000" kern="1200">
-                <a:solidFill>
-                  <a:schemeClr val="tx1"/>
-                </a:solidFill>
-                <a:latin typeface="+mn-lt"/>
-                <a:ea typeface="+mn-ea"/>
-                <a:cs typeface="+mn-cs"/>
-              </a:defRPr>
-            </a:lvl7pPr>
-            <a:lvl8pPr marL="3429000" indent="-228600" algn="l" defTabSz="914400" rtl="0" eaLnBrk="1" latinLnBrk="0" hangingPunct="1">
-              <a:spcBef>
-                <a:spcPct val="20000"/>
-              </a:spcBef>
-              <a:buFont typeface="Arial" pitchFamily="34" charset="0"/>
-              <a:buChar char="•"/>
-              <a:defRPr sz="2000" kern="1200">
-                <a:solidFill>
-                  <a:schemeClr val="tx1"/>
-                </a:solidFill>
-                <a:latin typeface="+mn-lt"/>
-                <a:ea typeface="+mn-ea"/>
-                <a:cs typeface="+mn-cs"/>
-              </a:defRPr>
-            </a:lvl8pPr>
-            <a:lvl9pPr marL="3886200" indent="-228600" algn="l" defTabSz="914400" rtl="0" eaLnBrk="1" latinLnBrk="0" hangingPunct="1">
-              <a:spcBef>
-                <a:spcPct val="20000"/>
-              </a:spcBef>
-              <a:buFont typeface="Arial" pitchFamily="34" charset="0"/>
-              <a:buChar char="•"/>
-              <a:defRPr sz="2000" kern="1200">
-                <a:solidFill>
-                  <a:schemeClr val="tx1"/>
-                </a:solidFill>
-                <a:latin typeface="+mn-lt"/>
-                <a:ea typeface="+mn-ea"/>
-                <a:cs typeface="+mn-cs"/>
-              </a:defRPr>
-            </a:lvl9pPr>
-          </a:lstStyle>
-          <a:p>
-            <a:pPr marL="0" indent="0">
-              <a:buFont typeface="Arial" pitchFamily="34" charset="0"/>
-              <a:buNone/>
-            </a:pPr>
-            <a:r>
-              <a:rPr lang="en-US" sz="4400" b="1" dirty="0" smtClean="0">
-                <a:solidFill>
-                  <a:srgbClr val="2D72AD"/>
-                </a:solidFill>
-              </a:rPr>
-              <a:t>2 months later…</a:t>
-            </a:r>
-            <a:endParaRPr lang="en-US" sz="4400" dirty="0"/>
           </a:p>
         </p:txBody>
       </p:sp>
     </p:spTree>
     <p:extLst>
       <p:ext uri="{BB962C8B-B14F-4D97-AF65-F5344CB8AC3E}">
-        <p14:creationId xmlns:p14="http://schemas.microsoft.com/office/powerpoint/2010/main" val="2094122871"/>
+        <p14:creationId xmlns:p14="http://schemas.microsoft.com/office/powerpoint/2010/main" val="1603626775"/>
       </p:ext>
     </p:extLst>
   </p:cSld>
@@ -13938,7 +13991,7 @@
     <a:masterClrMapping/>
   </p:clrMapOvr>
   <p:transition xmlns:p14="http://schemas.microsoft.com/office/powerpoint/2010/main" spd="slow">
-    <p:wipe dir="r"/>
+    <p:wipe dir="d"/>
   </p:transition>
   <p:timing>
     <p:tnLst>
@@ -14029,6 +14082,91 @@
       </p:pic>
       <p:sp>
         <p:nvSpPr>
+          <p:cNvPr id="14" name="Content Placeholder 2"/>
+          <p:cNvSpPr>
+            <a:spLocks noGrp="1"/>
+          </p:cNvSpPr>
+          <p:nvPr>
+            <p:ph idx="1"/>
+          </p:nvPr>
+        </p:nvSpPr>
+        <p:spPr>
+          <a:xfrm>
+            <a:off x="457200" y="3314700"/>
+            <a:ext cx="3886200" cy="1676400"/>
+          </a:xfrm>
+        </p:spPr>
+        <p:txBody>
+          <a:bodyPr>
+            <a:normAutofit/>
+          </a:bodyPr>
+          <a:lstStyle/>
+          <a:p>
+            <a:pPr marL="0" indent="0">
+              <a:buNone/>
+            </a:pPr>
+            <a:r>
+              <a:rPr lang="en-US" b="1" dirty="0" err="1" smtClean="0">
+                <a:solidFill>
+                  <a:srgbClr val="2D72AD"/>
+                </a:solidFill>
+              </a:rPr>
+              <a:t>Crazyflie</a:t>
+            </a:r>
+            <a:r>
+              <a:rPr lang="en-US" b="1" dirty="0" smtClean="0">
+                <a:solidFill>
+                  <a:srgbClr val="2D72AD"/>
+                </a:solidFill>
+              </a:rPr>
+              <a:t> 2.0</a:t>
+            </a:r>
+          </a:p>
+          <a:p>
+            <a:pPr marL="0" indent="0">
+              <a:buNone/>
+            </a:pPr>
+            <a:r>
+              <a:rPr lang="en-US" dirty="0" smtClean="0"/>
+              <a:t>1800 </a:t>
+            </a:r>
+            <a:r>
+              <a:rPr lang="en-US" dirty="0" err="1" smtClean="0"/>
+              <a:t>sloc</a:t>
+            </a:r>
+            <a:r>
+              <a:rPr lang="en-US" dirty="0" smtClean="0"/>
+              <a:t> stabilization in C</a:t>
+            </a:r>
+          </a:p>
+          <a:p>
+            <a:pPr marL="0" indent="0">
+              <a:buNone/>
+            </a:pPr>
+            <a:r>
+              <a:rPr lang="en-US" dirty="0" smtClean="0"/>
+              <a:t>+ </a:t>
+            </a:r>
+            <a:r>
+              <a:rPr lang="en-US" dirty="0" err="1" smtClean="0"/>
+              <a:t>FreeRTOS</a:t>
+            </a:r>
+            <a:endParaRPr lang="en-US" dirty="0" smtClean="0"/>
+          </a:p>
+          <a:p>
+            <a:pPr marL="0" indent="0">
+              <a:buNone/>
+            </a:pPr>
+            <a:r>
+              <a:rPr lang="en-US" dirty="0" smtClean="0"/>
+              <a:t>+ …</a:t>
+            </a:r>
+            <a:endParaRPr lang="en-US" dirty="0"/>
+          </a:p>
+        </p:txBody>
+      </p:sp>
+      <p:sp>
+        <p:nvSpPr>
           <p:cNvPr id="15" name="Flèche vers la droite 14"/>
           <p:cNvSpPr/>
           <p:nvPr/>
@@ -14076,7 +14214,7 @@
         <p:spPr>
           <a:xfrm>
             <a:off x="5410200" y="3314700"/>
-            <a:ext cx="4191000" cy="2400300"/>
+            <a:ext cx="3886200" cy="2209800"/>
           </a:xfrm>
           <a:prstGeom prst="rect">
             <a:avLst/>
@@ -14269,11 +14407,11 @@
               <a:buNone/>
             </a:pPr>
             <a:r>
-              <a:rPr lang="en-US" dirty="0"/>
+              <a:rPr lang="en-US" b="1" dirty="0"/>
               <a:t>p</a:t>
             </a:r>
             <a:r>
-              <a:rPr lang="en-US" dirty="0" smtClean="0"/>
+              <a:rPr lang="en-US" b="1" dirty="0" smtClean="0"/>
               <a:t>roved no run-time errors!</a:t>
             </a:r>
           </a:p>
@@ -14288,7 +14426,7 @@
             </a:r>
             <a:r>
               <a:rPr lang="en-US" dirty="0" err="1" smtClean="0"/>
-              <a:t>Ravenscar</a:t>
+              <a:t>FreeRTOS</a:t>
             </a:r>
             <a:endParaRPr lang="en-US" dirty="0" smtClean="0"/>
           </a:p>
@@ -14298,8 +14436,8 @@
               <a:buNone/>
             </a:pPr>
             <a:r>
-              <a:rPr lang="en-US" b="1" dirty="0" smtClean="0"/>
-              <a:t>will prove </a:t>
+              <a:rPr lang="en-US" dirty="0" smtClean="0"/>
+              <a:t>+ …</a:t>
             </a:r>
           </a:p>
           <a:p>
@@ -14307,17 +14445,7 @@
               <a:buFont typeface="Arial" pitchFamily="34" charset="0"/>
               <a:buNone/>
             </a:pPr>
-            <a:r>
-              <a:rPr lang="en-US" b="1" dirty="0" smtClean="0"/>
-              <a:t>no concurrency errors!</a:t>
-            </a:r>
-          </a:p>
-          <a:p>
-            <a:pPr marL="0" indent="0">
-              <a:buFont typeface="Arial" pitchFamily="34" charset="0"/>
-              <a:buNone/>
-            </a:pPr>
-            <a:endParaRPr lang="en-US" b="1" dirty="0"/>
+            <a:endParaRPr lang="en-US" dirty="0"/>
           </a:p>
         </p:txBody>
       </p:sp>
@@ -14490,101 +14618,16 @@
                   <a:srgbClr val="2D72AD"/>
                 </a:solidFill>
               </a:rPr>
-              <a:t>5 months later…</a:t>
+              <a:t>2 months later…</a:t>
             </a:r>
             <a:endParaRPr lang="en-US" sz="4400" dirty="0"/>
-          </a:p>
-        </p:txBody>
-      </p:sp>
-      <p:sp>
-        <p:nvSpPr>
-          <p:cNvPr id="11" name="Content Placeholder 2"/>
-          <p:cNvSpPr>
-            <a:spLocks noGrp="1"/>
-          </p:cNvSpPr>
-          <p:nvPr>
-            <p:ph idx="1"/>
-          </p:nvPr>
-        </p:nvSpPr>
-        <p:spPr>
-          <a:xfrm>
-            <a:off x="457200" y="3314700"/>
-            <a:ext cx="3886200" cy="1676400"/>
-          </a:xfrm>
-        </p:spPr>
-        <p:txBody>
-          <a:bodyPr>
-            <a:normAutofit/>
-          </a:bodyPr>
-          <a:lstStyle/>
-          <a:p>
-            <a:pPr marL="0" indent="0">
-              <a:buNone/>
-            </a:pPr>
-            <a:r>
-              <a:rPr lang="en-US" b="1" dirty="0" err="1" smtClean="0">
-                <a:solidFill>
-                  <a:srgbClr val="2D72AD"/>
-                </a:solidFill>
-              </a:rPr>
-              <a:t>Crazyflie</a:t>
-            </a:r>
-            <a:r>
-              <a:rPr lang="en-US" b="1" dirty="0" smtClean="0">
-                <a:solidFill>
-                  <a:srgbClr val="2D72AD"/>
-                </a:solidFill>
-              </a:rPr>
-              <a:t> 2.0</a:t>
-            </a:r>
-          </a:p>
-          <a:p>
-            <a:pPr marL="0" indent="0">
-              <a:buNone/>
-            </a:pPr>
-            <a:r>
-              <a:rPr lang="en-US" dirty="0" smtClean="0"/>
-              <a:t>1800 </a:t>
-            </a:r>
-            <a:r>
-              <a:rPr lang="en-US" dirty="0" err="1" smtClean="0"/>
-              <a:t>sloc</a:t>
-            </a:r>
-            <a:r>
-              <a:rPr lang="en-US" dirty="0" smtClean="0"/>
-              <a:t> stabilization in C</a:t>
-            </a:r>
-          </a:p>
-          <a:p>
-            <a:pPr marL="0" indent="0">
-              <a:buNone/>
-            </a:pPr>
-            <a:r>
-              <a:rPr lang="en-US" dirty="0" smtClean="0"/>
-              <a:t>+ </a:t>
-            </a:r>
-            <a:r>
-              <a:rPr lang="en-US" dirty="0" err="1" smtClean="0"/>
-              <a:t>FreeRTOS</a:t>
-            </a:r>
-            <a:endParaRPr lang="en-US" dirty="0" smtClean="0"/>
-          </a:p>
-          <a:p>
-            <a:pPr marL="0" indent="0">
-              <a:buNone/>
-            </a:pPr>
-            <a:r>
-              <a:rPr lang="en-US" dirty="0" smtClean="0"/>
-              <a:t>+ …</a:t>
-            </a:r>
-            <a:endParaRPr lang="en-US" dirty="0"/>
           </a:p>
         </p:txBody>
       </p:sp>
     </p:spTree>
     <p:extLst>
       <p:ext uri="{BB962C8B-B14F-4D97-AF65-F5344CB8AC3E}">
-        <p14:creationId xmlns:p14="http://schemas.microsoft.com/office/powerpoint/2010/main" val="1135396626"/>
+        <p14:creationId xmlns:p14="http://schemas.microsoft.com/office/powerpoint/2010/main" val="2094122871"/>
       </p:ext>
     </p:extLst>
   </p:cSld>
@@ -14592,7 +14635,7 @@
     <a:masterClrMapping/>
   </p:clrMapOvr>
   <p:transition xmlns:p14="http://schemas.microsoft.com/office/powerpoint/2010/main" spd="slow">
-    <p:wipe dir="d"/>
+    <p:wipe dir="r"/>
   </p:transition>
   <p:timing>
     <p:tnLst>
@@ -14621,112 +14664,615 @@
           <a:chExt cx="0" cy="0"/>
         </a:xfrm>
       </p:grpSpPr>
-      <p:sp>
-        <p:nvSpPr>
-          <p:cNvPr id="2" name="Title 1"/>
+      <p:pic>
+        <p:nvPicPr>
+          <p:cNvPr id="9" name="Image 8" descr="crazyflize 001.jpg"/>
+          <p:cNvPicPr>
+            <a:picLocks noChangeAspect="1"/>
+          </p:cNvPicPr>
+          <p:nvPr/>
+        </p:nvPicPr>
+        <p:blipFill>
+          <a:blip r:embed="rId3">
+            <a:extLst>
+              <a:ext uri="{28A0092B-C50C-407E-A947-70E740481C1C}">
+                <a14:useLocalDpi xmlns:a14="http://schemas.microsoft.com/office/drawing/2010/main" val="0"/>
+              </a:ext>
+            </a:extLst>
+          </a:blip>
+          <a:stretch>
+            <a:fillRect/>
+          </a:stretch>
+        </p:blipFill>
+        <p:spPr>
+          <a:xfrm>
+            <a:off x="2209800" y="647700"/>
+            <a:ext cx="4521200" cy="3390900"/>
+          </a:xfrm>
+          <a:prstGeom prst="rect">
+            <a:avLst/>
+          </a:prstGeom>
+        </p:spPr>
+      </p:pic>
+      <p:pic>
+        <p:nvPicPr>
+          <p:cNvPr id="10" name="Image 9" descr="viadeo.jpg"/>
+          <p:cNvPicPr>
+            <a:picLocks noChangeAspect="1"/>
+          </p:cNvPicPr>
+          <p:nvPr/>
+        </p:nvPicPr>
+        <p:blipFill>
+          <a:blip r:embed="rId4">
+            <a:extLst>
+              <a:ext uri="{28A0092B-C50C-407E-A947-70E740481C1C}">
+                <a14:useLocalDpi xmlns:a14="http://schemas.microsoft.com/office/drawing/2010/main" val="0"/>
+              </a:ext>
+            </a:extLst>
+          </a:blip>
+          <a:stretch>
+            <a:fillRect/>
+          </a:stretch>
+        </p:blipFill>
+        <p:spPr>
+          <a:xfrm>
+            <a:off x="3733800" y="4229100"/>
+            <a:ext cx="1320800" cy="1320800"/>
+          </a:xfrm>
+          <a:prstGeom prst="rect">
+            <a:avLst/>
+          </a:prstGeom>
+        </p:spPr>
+      </p:pic>
+      <p:sp>
+        <p:nvSpPr>
+          <p:cNvPr id="15" name="Flèche vers la droite 14"/>
+          <p:cNvSpPr/>
+          <p:nvPr/>
+        </p:nvSpPr>
+        <p:spPr>
+          <a:xfrm>
+            <a:off x="3581400" y="3619500"/>
+            <a:ext cx="1600200" cy="381000"/>
+          </a:xfrm>
+          <a:prstGeom prst="rightArrow">
+            <a:avLst/>
+          </a:prstGeom>
+        </p:spPr>
+        <p:style>
+          <a:lnRef idx="1">
+            <a:schemeClr val="accent1"/>
+          </a:lnRef>
+          <a:fillRef idx="3">
+            <a:schemeClr val="accent1"/>
+          </a:fillRef>
+          <a:effectRef idx="2">
+            <a:schemeClr val="accent1"/>
+          </a:effectRef>
+          <a:fontRef idx="minor">
+            <a:schemeClr val="lt1"/>
+          </a:fontRef>
+        </p:style>
+        <p:txBody>
+          <a:bodyPr rtlCol="0" anchor="ctr"/>
+          <a:lstStyle/>
+          <a:p>
+            <a:pPr algn="ctr"/>
+            <a:endParaRPr lang="fr-FR"/>
+          </a:p>
+        </p:txBody>
+      </p:sp>
+      <p:sp>
+        <p:nvSpPr>
+          <p:cNvPr id="17" name="Content Placeholder 2"/>
+          <p:cNvSpPr txBox="1">
+            <a:spLocks/>
+          </p:cNvSpPr>
+          <p:nvPr/>
+        </p:nvSpPr>
+        <p:spPr>
+          <a:xfrm>
+            <a:off x="5410200" y="3314700"/>
+            <a:ext cx="4191000" cy="2400300"/>
+          </a:xfrm>
+          <a:prstGeom prst="rect">
+            <a:avLst/>
+          </a:prstGeom>
+        </p:spPr>
+        <p:txBody>
+          <a:bodyPr vert="horz" lIns="91440" tIns="45720" rIns="91440" bIns="45720" rtlCol="0">
+            <a:normAutofit/>
+          </a:bodyPr>
+          <a:lstStyle>
+            <a:lvl1pPr marL="342900" indent="-342900" algn="l" defTabSz="914400" rtl="0" eaLnBrk="1" latinLnBrk="0" hangingPunct="1">
+              <a:spcBef>
+                <a:spcPct val="20000"/>
+              </a:spcBef>
+              <a:buFont typeface="Arial" pitchFamily="34" charset="0"/>
+              <a:buChar char="•"/>
+              <a:defRPr sz="2000" kern="1200">
+                <a:solidFill>
+                  <a:schemeClr val="tx1"/>
+                </a:solidFill>
+                <a:latin typeface="Helvetica"/>
+                <a:ea typeface="+mn-ea"/>
+                <a:cs typeface="Helvetica"/>
+              </a:defRPr>
+            </a:lvl1pPr>
+            <a:lvl2pPr marL="742950" indent="-285750" algn="l" defTabSz="914400" rtl="0" eaLnBrk="1" latinLnBrk="0" hangingPunct="1">
+              <a:spcBef>
+                <a:spcPct val="20000"/>
+              </a:spcBef>
+              <a:buFont typeface="Arial" pitchFamily="34" charset="0"/>
+              <a:buChar char="–"/>
+              <a:defRPr sz="2000" kern="1200">
+                <a:solidFill>
+                  <a:schemeClr val="tx1"/>
+                </a:solidFill>
+                <a:latin typeface="Helvetica"/>
+                <a:ea typeface="+mn-ea"/>
+                <a:cs typeface="Helvetica"/>
+              </a:defRPr>
+            </a:lvl2pPr>
+            <a:lvl3pPr marL="1143000" indent="-228600" algn="l" defTabSz="914400" rtl="0" eaLnBrk="1" latinLnBrk="0" hangingPunct="1">
+              <a:spcBef>
+                <a:spcPct val="20000"/>
+              </a:spcBef>
+              <a:buFont typeface="Arial" pitchFamily="34" charset="0"/>
+              <a:buChar char="•"/>
+              <a:defRPr sz="2000" kern="1200">
+                <a:solidFill>
+                  <a:schemeClr val="tx1"/>
+                </a:solidFill>
+                <a:latin typeface="Helvetica"/>
+                <a:ea typeface="+mn-ea"/>
+                <a:cs typeface="Helvetica"/>
+              </a:defRPr>
+            </a:lvl3pPr>
+            <a:lvl4pPr marL="1600200" indent="-228600" algn="l" defTabSz="914400" rtl="0" eaLnBrk="1" latinLnBrk="0" hangingPunct="1">
+              <a:spcBef>
+                <a:spcPct val="20000"/>
+              </a:spcBef>
+              <a:buFont typeface="Arial" pitchFamily="34" charset="0"/>
+              <a:buChar char="–"/>
+              <a:defRPr sz="2000" kern="1200">
+                <a:solidFill>
+                  <a:schemeClr val="tx1"/>
+                </a:solidFill>
+                <a:latin typeface="Helvetica"/>
+                <a:ea typeface="+mn-ea"/>
+                <a:cs typeface="Helvetica"/>
+              </a:defRPr>
+            </a:lvl4pPr>
+            <a:lvl5pPr marL="2057400" indent="-228600" algn="l" defTabSz="914400" rtl="0" eaLnBrk="1" latinLnBrk="0" hangingPunct="1">
+              <a:spcBef>
+                <a:spcPct val="20000"/>
+              </a:spcBef>
+              <a:buFont typeface="Arial" pitchFamily="34" charset="0"/>
+              <a:buChar char="»"/>
+              <a:defRPr sz="2000" kern="1200">
+                <a:solidFill>
+                  <a:schemeClr val="tx1"/>
+                </a:solidFill>
+                <a:latin typeface="Helvetica"/>
+                <a:ea typeface="+mn-ea"/>
+                <a:cs typeface="Helvetica"/>
+              </a:defRPr>
+            </a:lvl5pPr>
+            <a:lvl6pPr marL="2514600" indent="-228600" algn="l" defTabSz="914400" rtl="0" eaLnBrk="1" latinLnBrk="0" hangingPunct="1">
+              <a:spcBef>
+                <a:spcPct val="20000"/>
+              </a:spcBef>
+              <a:buFont typeface="Arial" pitchFamily="34" charset="0"/>
+              <a:buChar char="•"/>
+              <a:defRPr sz="2000" kern="1200">
+                <a:solidFill>
+                  <a:schemeClr val="tx1"/>
+                </a:solidFill>
+                <a:latin typeface="+mn-lt"/>
+                <a:ea typeface="+mn-ea"/>
+                <a:cs typeface="+mn-cs"/>
+              </a:defRPr>
+            </a:lvl6pPr>
+            <a:lvl7pPr marL="2971800" indent="-228600" algn="l" defTabSz="914400" rtl="0" eaLnBrk="1" latinLnBrk="0" hangingPunct="1">
+              <a:spcBef>
+                <a:spcPct val="20000"/>
+              </a:spcBef>
+              <a:buFont typeface="Arial" pitchFamily="34" charset="0"/>
+              <a:buChar char="•"/>
+              <a:defRPr sz="2000" kern="1200">
+                <a:solidFill>
+                  <a:schemeClr val="tx1"/>
+                </a:solidFill>
+                <a:latin typeface="+mn-lt"/>
+                <a:ea typeface="+mn-ea"/>
+                <a:cs typeface="+mn-cs"/>
+              </a:defRPr>
+            </a:lvl7pPr>
+            <a:lvl8pPr marL="3429000" indent="-228600" algn="l" defTabSz="914400" rtl="0" eaLnBrk="1" latinLnBrk="0" hangingPunct="1">
+              <a:spcBef>
+                <a:spcPct val="20000"/>
+              </a:spcBef>
+              <a:buFont typeface="Arial" pitchFamily="34" charset="0"/>
+              <a:buChar char="•"/>
+              <a:defRPr sz="2000" kern="1200">
+                <a:solidFill>
+                  <a:schemeClr val="tx1"/>
+                </a:solidFill>
+                <a:latin typeface="+mn-lt"/>
+                <a:ea typeface="+mn-ea"/>
+                <a:cs typeface="+mn-cs"/>
+              </a:defRPr>
+            </a:lvl8pPr>
+            <a:lvl9pPr marL="3886200" indent="-228600" algn="l" defTabSz="914400" rtl="0" eaLnBrk="1" latinLnBrk="0" hangingPunct="1">
+              <a:spcBef>
+                <a:spcPct val="20000"/>
+              </a:spcBef>
+              <a:buFont typeface="Arial" pitchFamily="34" charset="0"/>
+              <a:buChar char="•"/>
+              <a:defRPr sz="2000" kern="1200">
+                <a:solidFill>
+                  <a:schemeClr val="tx1"/>
+                </a:solidFill>
+                <a:latin typeface="+mn-lt"/>
+                <a:ea typeface="+mn-ea"/>
+                <a:cs typeface="+mn-cs"/>
+              </a:defRPr>
+            </a:lvl9pPr>
+          </a:lstStyle>
+          <a:p>
+            <a:pPr marL="0" indent="0">
+              <a:buFont typeface="Arial" pitchFamily="34" charset="0"/>
+              <a:buNone/>
+            </a:pPr>
+            <a:r>
+              <a:rPr lang="en-US" b="1" dirty="0" err="1" smtClean="0">
+                <a:solidFill>
+                  <a:srgbClr val="2D72AD"/>
+                </a:solidFill>
+              </a:rPr>
+              <a:t>Crazyflie</a:t>
+            </a:r>
+            <a:r>
+              <a:rPr lang="en-US" b="1" dirty="0" smtClean="0">
+                <a:solidFill>
+                  <a:srgbClr val="2D72AD"/>
+                </a:solidFill>
+              </a:rPr>
+              <a:t> in Ada/SPARK</a:t>
+            </a:r>
+          </a:p>
+          <a:p>
+            <a:pPr marL="0" indent="0">
+              <a:buFont typeface="Arial" pitchFamily="34" charset="0"/>
+              <a:buNone/>
+            </a:pPr>
+            <a:r>
+              <a:rPr lang="en-US" dirty="0" smtClean="0"/>
+              <a:t>2100 </a:t>
+            </a:r>
+            <a:r>
+              <a:rPr lang="en-US" dirty="0" err="1" smtClean="0"/>
+              <a:t>sloc</a:t>
+            </a:r>
+            <a:r>
+              <a:rPr lang="en-US" dirty="0" smtClean="0"/>
+              <a:t> stabilization in SPARK</a:t>
+            </a:r>
+          </a:p>
+          <a:p>
+            <a:pPr marL="0" indent="0">
+              <a:buFont typeface="Arial" pitchFamily="34" charset="0"/>
+              <a:buNone/>
+            </a:pPr>
+            <a:r>
+              <a:rPr lang="en-US" dirty="0"/>
+              <a:t>p</a:t>
+            </a:r>
+            <a:r>
+              <a:rPr lang="en-US" dirty="0" smtClean="0"/>
+              <a:t>roved no run-time errors!</a:t>
+            </a:r>
+          </a:p>
+          <a:p>
+            <a:pPr marL="0" indent="0">
+              <a:buFont typeface="Arial" pitchFamily="34" charset="0"/>
+              <a:buNone/>
+            </a:pPr>
+            <a:r>
+              <a:rPr lang="en-US" dirty="0" smtClean="0"/>
+              <a:t>+ </a:t>
+            </a:r>
+            <a:r>
+              <a:rPr lang="en-US" dirty="0" err="1" smtClean="0"/>
+              <a:t>Ravenscar</a:t>
+            </a:r>
+            <a:endParaRPr lang="en-US" dirty="0" smtClean="0"/>
+          </a:p>
+          <a:p>
+            <a:pPr marL="0" indent="0">
+              <a:buFont typeface="Arial" pitchFamily="34" charset="0"/>
+              <a:buNone/>
+            </a:pPr>
+            <a:r>
+              <a:rPr lang="en-US" b="1" dirty="0" smtClean="0"/>
+              <a:t>will prove </a:t>
+            </a:r>
+          </a:p>
+          <a:p>
+            <a:pPr marL="0" indent="0">
+              <a:buFont typeface="Arial" pitchFamily="34" charset="0"/>
+              <a:buNone/>
+            </a:pPr>
+            <a:r>
+              <a:rPr lang="en-US" b="1" dirty="0" smtClean="0"/>
+              <a:t>no concurrency errors!</a:t>
+            </a:r>
+          </a:p>
+          <a:p>
+            <a:pPr marL="0" indent="0">
+              <a:buFont typeface="Arial" pitchFamily="34" charset="0"/>
+              <a:buNone/>
+            </a:pPr>
+            <a:endParaRPr lang="en-US" b="1" dirty="0"/>
+          </a:p>
+        </p:txBody>
+      </p:sp>
+      <p:sp>
+        <p:nvSpPr>
+          <p:cNvPr id="7" name="Content Placeholder 2"/>
+          <p:cNvSpPr txBox="1">
+            <a:spLocks/>
+          </p:cNvSpPr>
+          <p:nvPr/>
+        </p:nvSpPr>
+        <p:spPr>
+          <a:xfrm>
+            <a:off x="4419600" y="0"/>
+            <a:ext cx="4727074" cy="1146156"/>
+          </a:xfrm>
+          <a:prstGeom prst="rect">
+            <a:avLst/>
+          </a:prstGeom>
+        </p:spPr>
+        <p:txBody>
+          <a:bodyPr vert="horz" lIns="91440" tIns="45720" rIns="91440" bIns="45720" rtlCol="0">
+            <a:noAutofit/>
+          </a:bodyPr>
+          <a:lstStyle>
+            <a:lvl1pPr marL="342900" indent="-342900" algn="l" defTabSz="914400" rtl="0" eaLnBrk="1" latinLnBrk="0" hangingPunct="1">
+              <a:spcBef>
+                <a:spcPct val="20000"/>
+              </a:spcBef>
+              <a:buFont typeface="Arial" pitchFamily="34" charset="0"/>
+              <a:buChar char="•"/>
+              <a:defRPr sz="2000" kern="1200">
+                <a:solidFill>
+                  <a:schemeClr val="tx1"/>
+                </a:solidFill>
+                <a:latin typeface="Helvetica"/>
+                <a:ea typeface="+mn-ea"/>
+                <a:cs typeface="Helvetica"/>
+              </a:defRPr>
+            </a:lvl1pPr>
+            <a:lvl2pPr marL="742950" indent="-285750" algn="l" defTabSz="914400" rtl="0" eaLnBrk="1" latinLnBrk="0" hangingPunct="1">
+              <a:spcBef>
+                <a:spcPct val="20000"/>
+              </a:spcBef>
+              <a:buFont typeface="Arial" pitchFamily="34" charset="0"/>
+              <a:buChar char="–"/>
+              <a:defRPr sz="2000" kern="1200">
+                <a:solidFill>
+                  <a:schemeClr val="tx1"/>
+                </a:solidFill>
+                <a:latin typeface="Helvetica"/>
+                <a:ea typeface="+mn-ea"/>
+                <a:cs typeface="Helvetica"/>
+              </a:defRPr>
+            </a:lvl2pPr>
+            <a:lvl3pPr marL="1143000" indent="-228600" algn="l" defTabSz="914400" rtl="0" eaLnBrk="1" latinLnBrk="0" hangingPunct="1">
+              <a:spcBef>
+                <a:spcPct val="20000"/>
+              </a:spcBef>
+              <a:buFont typeface="Arial" pitchFamily="34" charset="0"/>
+              <a:buChar char="•"/>
+              <a:defRPr sz="2000" kern="1200">
+                <a:solidFill>
+                  <a:schemeClr val="tx1"/>
+                </a:solidFill>
+                <a:latin typeface="Helvetica"/>
+                <a:ea typeface="+mn-ea"/>
+                <a:cs typeface="Helvetica"/>
+              </a:defRPr>
+            </a:lvl3pPr>
+            <a:lvl4pPr marL="1600200" indent="-228600" algn="l" defTabSz="914400" rtl="0" eaLnBrk="1" latinLnBrk="0" hangingPunct="1">
+              <a:spcBef>
+                <a:spcPct val="20000"/>
+              </a:spcBef>
+              <a:buFont typeface="Arial" pitchFamily="34" charset="0"/>
+              <a:buChar char="–"/>
+              <a:defRPr sz="2000" kern="1200">
+                <a:solidFill>
+                  <a:schemeClr val="tx1"/>
+                </a:solidFill>
+                <a:latin typeface="Helvetica"/>
+                <a:ea typeface="+mn-ea"/>
+                <a:cs typeface="Helvetica"/>
+              </a:defRPr>
+            </a:lvl4pPr>
+            <a:lvl5pPr marL="2057400" indent="-228600" algn="l" defTabSz="914400" rtl="0" eaLnBrk="1" latinLnBrk="0" hangingPunct="1">
+              <a:spcBef>
+                <a:spcPct val="20000"/>
+              </a:spcBef>
+              <a:buFont typeface="Arial" pitchFamily="34" charset="0"/>
+              <a:buChar char="»"/>
+              <a:defRPr sz="2000" kern="1200">
+                <a:solidFill>
+                  <a:schemeClr val="tx1"/>
+                </a:solidFill>
+                <a:latin typeface="Helvetica"/>
+                <a:ea typeface="+mn-ea"/>
+                <a:cs typeface="Helvetica"/>
+              </a:defRPr>
+            </a:lvl5pPr>
+            <a:lvl6pPr marL="2514600" indent="-228600" algn="l" defTabSz="914400" rtl="0" eaLnBrk="1" latinLnBrk="0" hangingPunct="1">
+              <a:spcBef>
+                <a:spcPct val="20000"/>
+              </a:spcBef>
+              <a:buFont typeface="Arial" pitchFamily="34" charset="0"/>
+              <a:buChar char="•"/>
+              <a:defRPr sz="2000" kern="1200">
+                <a:solidFill>
+                  <a:schemeClr val="tx1"/>
+                </a:solidFill>
+                <a:latin typeface="+mn-lt"/>
+                <a:ea typeface="+mn-ea"/>
+                <a:cs typeface="+mn-cs"/>
+              </a:defRPr>
+            </a:lvl6pPr>
+            <a:lvl7pPr marL="2971800" indent="-228600" algn="l" defTabSz="914400" rtl="0" eaLnBrk="1" latinLnBrk="0" hangingPunct="1">
+              <a:spcBef>
+                <a:spcPct val="20000"/>
+              </a:spcBef>
+              <a:buFont typeface="Arial" pitchFamily="34" charset="0"/>
+              <a:buChar char="•"/>
+              <a:defRPr sz="2000" kern="1200">
+                <a:solidFill>
+                  <a:schemeClr val="tx1"/>
+                </a:solidFill>
+                <a:latin typeface="+mn-lt"/>
+                <a:ea typeface="+mn-ea"/>
+                <a:cs typeface="+mn-cs"/>
+              </a:defRPr>
+            </a:lvl7pPr>
+            <a:lvl8pPr marL="3429000" indent="-228600" algn="l" defTabSz="914400" rtl="0" eaLnBrk="1" latinLnBrk="0" hangingPunct="1">
+              <a:spcBef>
+                <a:spcPct val="20000"/>
+              </a:spcBef>
+              <a:buFont typeface="Arial" pitchFamily="34" charset="0"/>
+              <a:buChar char="•"/>
+              <a:defRPr sz="2000" kern="1200">
+                <a:solidFill>
+                  <a:schemeClr val="tx1"/>
+                </a:solidFill>
+                <a:latin typeface="+mn-lt"/>
+                <a:ea typeface="+mn-ea"/>
+                <a:cs typeface="+mn-cs"/>
+              </a:defRPr>
+            </a:lvl8pPr>
+            <a:lvl9pPr marL="3886200" indent="-228600" algn="l" defTabSz="914400" rtl="0" eaLnBrk="1" latinLnBrk="0" hangingPunct="1">
+              <a:spcBef>
+                <a:spcPct val="20000"/>
+              </a:spcBef>
+              <a:buFont typeface="Arial" pitchFamily="34" charset="0"/>
+              <a:buChar char="•"/>
+              <a:defRPr sz="2000" kern="1200">
+                <a:solidFill>
+                  <a:schemeClr val="tx1"/>
+                </a:solidFill>
+                <a:latin typeface="+mn-lt"/>
+                <a:ea typeface="+mn-ea"/>
+                <a:cs typeface="+mn-cs"/>
+              </a:defRPr>
+            </a:lvl9pPr>
+          </a:lstStyle>
+          <a:p>
+            <a:pPr marL="0" indent="0">
+              <a:buFont typeface="Arial" pitchFamily="34" charset="0"/>
+              <a:buNone/>
+            </a:pPr>
+            <a:r>
+              <a:rPr lang="en-US" sz="4400" b="1" dirty="0" smtClean="0">
+                <a:solidFill>
+                  <a:srgbClr val="2D72AD"/>
+                </a:solidFill>
+              </a:rPr>
+              <a:t>5 months later…</a:t>
+            </a:r>
+            <a:endParaRPr lang="en-US" sz="4400" dirty="0"/>
+          </a:p>
+        </p:txBody>
+      </p:sp>
+      <p:sp>
+        <p:nvSpPr>
+          <p:cNvPr id="11" name="Content Placeholder 2"/>
           <p:cNvSpPr>
             <a:spLocks noGrp="1"/>
           </p:cNvSpPr>
           <p:nvPr>
-            <p:ph type="title"/>
+            <p:ph idx="1"/>
           </p:nvPr>
         </p:nvSpPr>
-        <p:spPr/>
+        <p:spPr>
+          <a:xfrm>
+            <a:off x="457200" y="3314700"/>
+            <a:ext cx="3886200" cy="1676400"/>
+          </a:xfrm>
+        </p:spPr>
         <p:txBody>
           <a:bodyPr>
             <a:normAutofit/>
           </a:bodyPr>
           <a:lstStyle/>
           <a:p>
-            <a:r>
-              <a:rPr lang="en-US" dirty="0" smtClean="0"/>
-              <a:t>Easy to Adopt</a:t>
-            </a:r>
-            <a:endParaRPr lang="en-US" dirty="0"/>
-          </a:p>
-        </p:txBody>
-      </p:sp>
-      <p:sp>
-        <p:nvSpPr>
-          <p:cNvPr id="3" name="Content Placeholder 2"/>
-          <p:cNvSpPr>
-            <a:spLocks noGrp="1"/>
-          </p:cNvSpPr>
-          <p:nvPr>
-            <p:ph idx="1"/>
-          </p:nvPr>
-        </p:nvSpPr>
-        <p:spPr/>
-        <p:txBody>
-          <a:bodyPr/>
-          <a:lstStyle/>
-          <a:p>
             <a:pPr marL="0" indent="0">
               <a:buNone/>
             </a:pPr>
             <a:r>
+              <a:rPr lang="en-US" b="1" dirty="0" err="1" smtClean="0">
+                <a:solidFill>
+                  <a:srgbClr val="2D72AD"/>
+                </a:solidFill>
+              </a:rPr>
+              <a:t>Crazyflie</a:t>
+            </a:r>
+            <a:r>
               <a:rPr lang="en-US" b="1" dirty="0" smtClean="0">
                 <a:solidFill>
                   <a:srgbClr val="2D72AD"/>
                 </a:solidFill>
               </a:rPr>
-              <a:t>Gradual adoption</a:t>
-            </a:r>
-          </a:p>
-          <a:p>
-            <a:pPr lvl="1"/>
-            <a:r>
-              <a:rPr lang="en-US" dirty="0" smtClean="0"/>
-              <a:t>SPARK is just Ada!</a:t>
-            </a:r>
-          </a:p>
-          <a:p>
-            <a:pPr lvl="1"/>
-            <a:r>
-              <a:rPr lang="en-US" dirty="0" smtClean="0"/>
-              <a:t>Some units in SPARK, others in Ada</a:t>
-            </a:r>
-          </a:p>
-          <a:p>
-            <a:pPr lvl="1"/>
-            <a:r>
-              <a:rPr lang="en-US" dirty="0" smtClean="0"/>
-              <a:t>Inside units, parts in SPARK and parts in Ada</a:t>
-            </a:r>
-          </a:p>
-          <a:p>
-            <a:pPr lvl="1"/>
-            <a:endParaRPr lang="en-US" dirty="0"/>
+              <a:t> 2.0</a:t>
+            </a:r>
           </a:p>
           <a:p>
             <a:pPr marL="0" indent="0">
               <a:buNone/>
             </a:pPr>
             <a:r>
-              <a:rPr lang="en-US" b="1" dirty="0" smtClean="0">
-                <a:solidFill>
-                  <a:srgbClr val="2D72AD"/>
-                </a:solidFill>
-              </a:rPr>
-              <a:t>Integrated in developer’s toolbox</a:t>
-            </a:r>
-          </a:p>
-          <a:p>
-            <a:pPr lvl="1"/>
-            <a:r>
-              <a:rPr lang="en-US" dirty="0" smtClean="0"/>
-              <a:t>Based on GNAT projects</a:t>
-            </a:r>
-          </a:p>
-          <a:p>
-            <a:pPr lvl="1"/>
-            <a:r>
-              <a:rPr lang="en-US" dirty="0" smtClean="0"/>
-              <a:t>SPARK tools integrated in GPS and Eclipse </a:t>
+              <a:rPr lang="en-US" dirty="0" smtClean="0"/>
+              <a:t>1800 </a:t>
             </a:r>
             <a:r>
               <a:rPr lang="en-US" dirty="0" err="1" smtClean="0"/>
-              <a:t>GNATbench</a:t>
+              <a:t>sloc</a:t>
+            </a:r>
+            <a:r>
+              <a:rPr lang="en-US" dirty="0" smtClean="0"/>
+              <a:t> stabilization in C</a:t>
+            </a:r>
+          </a:p>
+          <a:p>
+            <a:pPr marL="0" indent="0">
+              <a:buNone/>
+            </a:pPr>
+            <a:r>
+              <a:rPr lang="en-US" dirty="0" smtClean="0"/>
+              <a:t>+ </a:t>
+            </a:r>
+            <a:r>
+              <a:rPr lang="en-US" dirty="0" err="1" smtClean="0"/>
+              <a:t>FreeRTOS</a:t>
+            </a:r>
+            <a:endParaRPr lang="en-US" dirty="0" smtClean="0"/>
+          </a:p>
+          <a:p>
+            <a:pPr marL="0" indent="0">
+              <a:buNone/>
+            </a:pPr>
+            <a:r>
+              <a:rPr lang="en-US" dirty="0" smtClean="0"/>
+              <a:t>+ …</a:t>
             </a:r>
             <a:endParaRPr lang="en-US" dirty="0"/>
           </a:p>
@@ -14735,7 +15281,7 @@
     </p:spTree>
     <p:extLst>
       <p:ext uri="{BB962C8B-B14F-4D97-AF65-F5344CB8AC3E}">
-        <p14:creationId xmlns:p14="http://schemas.microsoft.com/office/powerpoint/2010/main" val="227260878"/>
+        <p14:creationId xmlns:p14="http://schemas.microsoft.com/office/powerpoint/2010/main" val="1135396626"/>
       </p:ext>
     </p:extLst>
   </p:cSld>
@@ -14791,7 +15337,7 @@
           <a:p>
             <a:r>
               <a:rPr lang="en-US" dirty="0" smtClean="0"/>
-              <a:t>Easy to Use</a:t>
+              <a:t>Easy to Adopt</a:t>
             </a:r>
             <a:endParaRPr lang="en-US" dirty="0"/>
           </a:p>
@@ -14821,21 +15367,28 @@
                   <a:srgbClr val="2D72AD"/>
                 </a:solidFill>
               </a:rPr>
-              <a:t>Incremental benefits</a:t>
+              <a:t>Gradual adoption</a:t>
             </a:r>
           </a:p>
           <a:p>
             <a:pPr lvl="1"/>
             <a:r>
               <a:rPr lang="en-US" dirty="0" smtClean="0"/>
-              <a:t>Usable without upfront work (no contracts)</a:t>
+              <a:t>SPARK is just Ada!</a:t>
             </a:r>
           </a:p>
           <a:p>
             <a:pPr lvl="1"/>
             <a:r>
               <a:rPr lang="en-US" dirty="0" smtClean="0"/>
-              <a:t>Increasing benefits with more contracts</a:t>
+              <a:t>Some units in SPARK, others in Ada</a:t>
+            </a:r>
+          </a:p>
+          <a:p>
+            <a:pPr lvl="1"/>
+            <a:r>
+              <a:rPr lang="en-US" dirty="0" smtClean="0"/>
+              <a:t>Inside units, parts in SPARK and parts in Ada</a:t>
             </a:r>
           </a:p>
           <a:p>
@@ -14852,48 +15405,25 @@
                   <a:srgbClr val="2D72AD"/>
                 </a:solidFill>
               </a:rPr>
-              <a:t>Highly interactive</a:t>
+              <a:t>Integrated in developer’s toolbox</a:t>
             </a:r>
           </a:p>
           <a:p>
             <a:pPr lvl="1"/>
             <a:r>
               <a:rPr lang="en-US" dirty="0" smtClean="0"/>
-              <a:t>Run at different levels of granularity (down to single line)</a:t>
+              <a:t>Based on GNAT projects</a:t>
             </a:r>
           </a:p>
           <a:p>
             <a:pPr lvl="1"/>
             <a:r>
               <a:rPr lang="en-US" dirty="0" smtClean="0"/>
-              <a:t>Run at different levels of power</a:t>
-            </a:r>
-          </a:p>
-          <a:p>
-            <a:pPr lvl="1"/>
-            <a:r>
-              <a:rPr lang="en-US" dirty="0" smtClean="0"/>
-              <a:t>Get precise results in GPS or </a:t>
+              <a:t>SPARK tools integrated in GPS and Eclipse </a:t>
             </a:r>
             <a:r>
               <a:rPr lang="en-US" dirty="0" err="1" smtClean="0"/>
               <a:t>GNATbench</a:t>
-            </a:r>
-            <a:endParaRPr lang="en-US" dirty="0" smtClean="0"/>
-          </a:p>
-          <a:p>
-            <a:pPr lvl="1"/>
-            <a:r>
-              <a:rPr lang="en-US" dirty="0" smtClean="0"/>
-              <a:t>Features to query results (paths</a:t>
-            </a:r>
-            <a:r>
-              <a:rPr lang="en-US" smtClean="0"/>
-              <a:t>, counterexamples</a:t>
-            </a:r>
-            <a:r>
-              <a:rPr lang="en-US" dirty="0" smtClean="0"/>
-              <a:t>)</a:t>
             </a:r>
             <a:endParaRPr lang="en-US" dirty="0"/>
           </a:p>
@@ -14902,7 +15432,7 @@
     </p:spTree>
     <p:extLst>
       <p:ext uri="{BB962C8B-B14F-4D97-AF65-F5344CB8AC3E}">
-        <p14:creationId xmlns:p14="http://schemas.microsoft.com/office/powerpoint/2010/main" val="3774893753"/>
+        <p14:creationId xmlns:p14="http://schemas.microsoft.com/office/powerpoint/2010/main" val="227260878"/>
       </p:ext>
     </p:extLst>
   </p:cSld>
@@ -14958,7 +15488,7 @@
           <a:p>
             <a:r>
               <a:rPr lang="en-US" dirty="0" smtClean="0"/>
-              <a:t>Multiple Use Cases (1/2)</a:t>
+              <a:t>Easy to Use</a:t>
             </a:r>
             <a:endParaRPr lang="en-US" dirty="0"/>
           </a:p>
@@ -14976,107 +15506,100 @@
         </p:nvSpPr>
         <p:spPr/>
         <p:txBody>
-          <a:bodyPr>
-            <a:normAutofit/>
-          </a:bodyPr>
+          <a:bodyPr/>
           <a:lstStyle/>
-          <a:p>
-            <a:pPr marL="457200" indent="-457200">
-              <a:buFont typeface="+mj-lt"/>
-              <a:buAutoNum type="arabicPeriod"/>
-            </a:pPr>
-            <a:r>
-              <a:rPr lang="en-US" b="1" dirty="0" smtClean="0">
-                <a:solidFill>
-                  <a:srgbClr val="2D72AD"/>
-                </a:solidFill>
-              </a:rPr>
-              <a:t>Safe coding standard </a:t>
-            </a:r>
-            <a:r>
-              <a:rPr lang="en-US" dirty="0" smtClean="0"/>
-              <a:t>for critical (embedded) software</a:t>
-            </a:r>
-          </a:p>
-          <a:p>
-            <a:pPr lvl="1"/>
-            <a:r>
-              <a:rPr lang="en-US" dirty="0" smtClean="0"/>
-              <a:t>Increases portability across compilers/platforms</a:t>
-            </a:r>
-          </a:p>
           <a:p>
             <a:pPr marL="0" indent="0">
               <a:buNone/>
             </a:pPr>
-            <a:endParaRPr lang="en-US" b="1" dirty="0" smtClean="0">
-              <a:solidFill>
-                <a:srgbClr val="2D72AD"/>
-              </a:solidFill>
-            </a:endParaRPr>
-          </a:p>
-          <a:p>
-            <a:pPr marL="457200" indent="-457200">
-              <a:buFont typeface="+mj-lt"/>
-              <a:buAutoNum type="arabicPeriod"/>
+            <a:r>
+              <a:rPr lang="en-US" b="1" dirty="0" smtClean="0">
+                <a:solidFill>
+                  <a:srgbClr val="2D72AD"/>
+                </a:solidFill>
+              </a:rPr>
+              <a:t>Incremental benefits</a:t>
+            </a:r>
+          </a:p>
+          <a:p>
+            <a:pPr lvl="1"/>
+            <a:r>
+              <a:rPr lang="en-US" dirty="0" smtClean="0"/>
+              <a:t>Usable without upfront work (no contracts)</a:t>
+            </a:r>
+          </a:p>
+          <a:p>
+            <a:pPr lvl="1"/>
+            <a:r>
+              <a:rPr lang="en-US" dirty="0" smtClean="0"/>
+              <a:t>Increasing benefits with more contracts</a:t>
+            </a:r>
+          </a:p>
+          <a:p>
+            <a:pPr lvl="1"/>
+            <a:endParaRPr lang="en-US" dirty="0"/>
+          </a:p>
+          <a:p>
+            <a:pPr marL="0" indent="0">
+              <a:buNone/>
             </a:pPr>
             <a:r>
-              <a:rPr lang="en-US" dirty="0" smtClean="0"/>
-              <a:t>Prove </a:t>
-            </a:r>
-            <a:r>
               <a:rPr lang="en-US" b="1" dirty="0" smtClean="0">
                 <a:solidFill>
                   <a:srgbClr val="2D72AD"/>
                 </a:solidFill>
               </a:rPr>
-              <a:t>absence of run-time errors </a:t>
-            </a:r>
-            <a:r>
-              <a:rPr lang="en-US" dirty="0" smtClean="0"/>
-              <a:t>(</a:t>
+              <a:t>Highly interactive</a:t>
+            </a:r>
+          </a:p>
+          <a:p>
+            <a:pPr lvl="1"/>
+            <a:r>
+              <a:rPr lang="en-US" dirty="0" smtClean="0"/>
+              <a:t>Run at different levels of granularity (down to single line)</a:t>
+            </a:r>
+          </a:p>
+          <a:p>
+            <a:pPr lvl="1"/>
+            <a:r>
+              <a:rPr lang="en-US" dirty="0" smtClean="0"/>
+              <a:t>Run at different levels of power</a:t>
+            </a:r>
+          </a:p>
+          <a:p>
+            <a:pPr lvl="1"/>
+            <a:r>
+              <a:rPr lang="en-US" dirty="0" smtClean="0"/>
+              <a:t>Get precise results in GPS or </a:t>
             </a:r>
             <a:r>
               <a:rPr lang="en-US" dirty="0" err="1" smtClean="0"/>
-              <a:t>AoRTE</a:t>
+              <a:t>GNATbench</a:t>
+            </a:r>
+            <a:endParaRPr lang="en-US" dirty="0" smtClean="0"/>
+          </a:p>
+          <a:p>
+            <a:pPr lvl="1"/>
+            <a:r>
+              <a:rPr lang="en-US" dirty="0" smtClean="0"/>
+              <a:t>Features to query results (paths</a:t>
+            </a:r>
+            <a:r>
+              <a:rPr lang="en-US" smtClean="0"/>
+              <a:t>, counterexamples</a:t>
             </a:r>
             <a:r>
               <a:rPr lang="en-US" dirty="0" smtClean="0"/>
               <a:t>)</a:t>
             </a:r>
-          </a:p>
-          <a:p>
-            <a:pPr lvl="1"/>
-            <a:r>
-              <a:rPr lang="en-US" dirty="0" smtClean="0"/>
-              <a:t>Few contracts required</a:t>
-            </a:r>
-          </a:p>
-          <a:p>
-            <a:pPr lvl="1"/>
-            <a:r>
-              <a:rPr lang="en-US" dirty="0" smtClean="0"/>
-              <a:t>Typically 95% - 98% of RTE proved</a:t>
-            </a:r>
-          </a:p>
-          <a:p>
-            <a:pPr lvl="1"/>
-            <a:r>
-              <a:rPr lang="en-US" dirty="0" smtClean="0"/>
-              <a:t>Proof can be completed by testing</a:t>
-            </a:r>
-            <a:endParaRPr lang="en-US" b="1" dirty="0" smtClean="0">
-              <a:solidFill>
-                <a:srgbClr val="2D72AD"/>
-              </a:solidFill>
-            </a:endParaRPr>
+            <a:endParaRPr lang="en-US" dirty="0"/>
           </a:p>
         </p:txBody>
       </p:sp>
     </p:spTree>
     <p:extLst>
       <p:ext uri="{BB962C8B-B14F-4D97-AF65-F5344CB8AC3E}">
-        <p14:creationId xmlns:p14="http://schemas.microsoft.com/office/powerpoint/2010/main" val="500934929"/>
+        <p14:creationId xmlns:p14="http://schemas.microsoft.com/office/powerpoint/2010/main" val="3774893753"/>
       </p:ext>
     </p:extLst>
   </p:cSld>
@@ -15180,31 +15703,8 @@
             </a:r>
           </a:p>
           <a:p>
-            <a:pPr lvl="1"/>
-            <a:endParaRPr lang="en-US" dirty="0" smtClean="0"/>
-          </a:p>
-          <a:p>
-            <a:pPr marL="457200" indent="-457200">
-              <a:buFont typeface="+mj-lt"/>
-              <a:buAutoNum type="arabicPeriod"/>
-            </a:pPr>
-            <a:r>
-              <a:rPr lang="en-US" dirty="0" smtClean="0"/>
-              <a:t>Address </a:t>
-            </a:r>
-            <a:r>
-              <a:rPr lang="en-US" b="1" dirty="0" smtClean="0">
-                <a:solidFill>
-                  <a:srgbClr val="2D72AD"/>
-                </a:solidFill>
-              </a:rPr>
-              <a:t>data and control coupling</a:t>
-            </a:r>
-          </a:p>
-          <a:p>
-            <a:pPr marL="457200" indent="-457200">
-              <a:buFont typeface="+mj-lt"/>
-              <a:buAutoNum type="arabicPeriod"/>
+            <a:pPr marL="0" indent="0">
+              <a:buNone/>
             </a:pPr>
             <a:endParaRPr lang="en-US" b="1" dirty="0" smtClean="0">
               <a:solidFill>
@@ -15246,20 +15746,39 @@
             <a:pPr lvl="1"/>
             <a:r>
               <a:rPr lang="en-US" dirty="0" smtClean="0"/>
-              <a:t>Few contracts required</a:t>
+              <a:t>In replacement of robustness testing</a:t>
             </a:r>
           </a:p>
           <a:p>
             <a:pPr lvl="1"/>
             <a:r>
               <a:rPr lang="en-US" dirty="0" smtClean="0"/>
+              <a:t>Equivalent to exhaustive testing</a:t>
+            </a:r>
+            <a:endParaRPr lang="en-US" dirty="0" smtClean="0"/>
+          </a:p>
+          <a:p>
+            <a:pPr lvl="1"/>
+            <a:r>
+              <a:rPr lang="en-US" dirty="0" smtClean="0"/>
+              <a:t>Few </a:t>
+            </a:r>
+            <a:r>
+              <a:rPr lang="en-US" dirty="0" smtClean="0"/>
+              <a:t>contracts required</a:t>
+            </a:r>
+          </a:p>
+          <a:p>
+            <a:pPr lvl="1"/>
+            <a:r>
+              <a:rPr lang="en-US" dirty="0" smtClean="0"/>
               <a:t>Typically 95% - 98% of RTE proved</a:t>
             </a:r>
           </a:p>
           <a:p>
             <a:pPr lvl="1"/>
             <a:r>
-              <a:rPr lang="en-US" b="1" dirty="0" smtClean="0"/>
+              <a:rPr lang="en-US" dirty="0" smtClean="0"/>
               <a:t>Proof can be completed by testing</a:t>
             </a:r>
             <a:endParaRPr lang="en-US" b="1" dirty="0" smtClean="0">
@@ -15273,25 +15792,16 @@
     </p:spTree>
     <p:extLst>
       <p:ext uri="{BB962C8B-B14F-4D97-AF65-F5344CB8AC3E}">
-        <p14:creationId xmlns:p14="http://schemas.microsoft.com/office/powerpoint/2010/main" val="130732942"/>
+        <p14:creationId xmlns:p14="http://schemas.microsoft.com/office/powerpoint/2010/main" val="500934929"/>
       </p:ext>
     </p:extLst>
   </p:cSld>
   <p:clrMapOvr>
     <a:masterClrMapping/>
   </p:clrMapOvr>
-  <mc:AlternateContent xmlns:mc="http://schemas.openxmlformats.org/markup-compatibility/2006" xmlns:p14="http://schemas.microsoft.com/office/powerpoint/2010/main">
-    <mc:Choice Requires="p14">
-      <p:transition spd="med" p14:dur="700">
-        <p:fade/>
-      </p:transition>
-    </mc:Choice>
-    <mc:Fallback xmlns="">
-      <p:transition xmlns:p14="http://schemas.microsoft.com/office/powerpoint/2010/main" spd="med">
-        <p:fade/>
-      </p:transition>
-    </mc:Fallback>
-  </mc:AlternateContent>
+  <p:transition xmlns:p14="http://schemas.microsoft.com/office/powerpoint/2010/main" spd="slow">
+    <p:wipe dir="d"/>
+  </p:transition>
   <p:timing>
     <p:tnLst>
       <p:par>

--- a/slides/AdaCore_Tech_Days_2015/AdaCore Tech Days SPARK 2014.pptx
+++ b/slides/AdaCore_Tech_Days_2015/AdaCore Tech Days SPARK 2014.pptx
@@ -281,7 +281,7 @@
             <a:fld id="{D83FDC75-7F73-4A4A-A77C-09AADF00E0EA}" type="datetimeFigureOut">
               <a:rPr lang="en-US" smtClean="0"/>
               <a:pPr/>
-              <a:t>10/09/15</a:t>
+              <a:t>29/09/15</a:t>
             </a:fld>
             <a:endParaRPr lang="en-US" dirty="0"/>
           </a:p>
@@ -448,7 +448,7 @@
             <a:fld id="{48AEF76B-3757-4A0B-AF93-28494465C1DD}" type="datetimeFigureOut">
               <a:rPr lang="en-US" smtClean="0"/>
               <a:pPr/>
-              <a:t>10/09/15</a:t>
+              <a:t>29/09/15</a:t>
             </a:fld>
             <a:endParaRPr lang="en-US" dirty="0"/>
           </a:p>
@@ -780,36 +780,35 @@
             </a:r>
             <a:r>
               <a:rPr lang="en-US" baseline="0" dirty="0" smtClean="0"/>
-              <a:t> based on this new version, so many of you know a lot about what SPARK is.</a:t>
-            </a:r>
-          </a:p>
-          <a:p>
+              <a:t> based on this new version, so many of </a:t>
+            </a:r>
             <a:r>
               <a:rPr lang="en-US" baseline="0" dirty="0" smtClean="0"/>
-              <a:t>Intro SPARK + contracts  + plan (</a:t>
-            </a:r>
-            <a:r>
-              <a:rPr lang="en-US" baseline="0" dirty="0" err="1" smtClean="0"/>
-              <a:t>certif</a:t>
-            </a:r>
+              <a:t>you have heard about SPARK.</a:t>
+            </a:r>
+          </a:p>
+          <a:p>
             <a:r>
               <a:rPr lang="en-US" baseline="0" dirty="0" smtClean="0"/>
-              <a:t> </a:t>
-            </a:r>
-            <a:r>
-              <a:rPr lang="en-US" baseline="0" dirty="0" err="1" smtClean="0"/>
-              <a:t>ou</a:t>
-            </a:r>
-            <a:r>
-              <a:rPr lang="en-US" baseline="0" smtClean="0"/>
-              <a:t> pas)</a:t>
-            </a:r>
-            <a:endParaRPr lang="en-US" baseline="0" dirty="0" smtClean="0"/>
+              <a:t>If you’ve never heard of it, in a sentence SPARK is Ada with contracts + powerful analysis tools. And you can use it whether or not you’re in certification, whether or not you want to combine it with testing.</a:t>
+            </a:r>
           </a:p>
           <a:p>
             <a:r>
               <a:rPr lang="en-US" baseline="0" dirty="0" smtClean="0"/>
-              <a:t>This presentation is not so much about what SPARK is, but about why and how to use it. And in particular, how it can be easily adopted in an your processes, and easily used by your teams.</a:t>
+              <a:t>This </a:t>
+            </a:r>
+            <a:r>
+              <a:rPr lang="en-US" baseline="0" dirty="0" smtClean="0"/>
+              <a:t>presentation is not so much about what SPARK is, but about why and how to use it. And in particular, how it can be easily adopted in </a:t>
+            </a:r>
+            <a:r>
+              <a:rPr lang="en-US" baseline="0" dirty="0" smtClean="0"/>
+              <a:t>your </a:t>
+            </a:r>
+            <a:r>
+              <a:rPr lang="en-US" baseline="0" dirty="0" smtClean="0"/>
+              <a:t>processes, and easily used by your teams.</a:t>
             </a:r>
             <a:endParaRPr lang="en-US" dirty="0" smtClean="0"/>
           </a:p>
@@ -903,8 +902,12 @@
           <a:lstStyle/>
           <a:p>
             <a:r>
+              <a:rPr lang="fr-FR" dirty="0" smtClean="0"/>
+              <a:t>There are </a:t>
+            </a:r>
+            <a:r>
               <a:rPr lang="fr-FR" dirty="0" err="1" smtClean="0"/>
-              <a:t>Explain</a:t>
+              <a:t>two</a:t>
             </a:r>
             <a:r>
               <a:rPr lang="fr-FR" dirty="0" smtClean="0"/>
@@ -912,15 +915,80 @@
             </a:r>
             <a:r>
               <a:rPr lang="fr-FR" dirty="0" err="1" smtClean="0"/>
-              <a:t>benefit</a:t>
+              <a:t>things</a:t>
             </a:r>
             <a:r>
               <a:rPr lang="fr-FR" dirty="0" smtClean="0"/>
-              <a:t> of </a:t>
+              <a:t> to </a:t>
             </a:r>
             <a:r>
               <a:rPr lang="fr-FR" dirty="0" err="1" smtClean="0"/>
-              <a:t>CodePeer</a:t>
+              <a:t>learn</a:t>
+            </a:r>
+            <a:r>
+              <a:rPr lang="fr-FR" dirty="0" smtClean="0"/>
+              <a:t> to use SPARK:</a:t>
+            </a:r>
+          </a:p>
+          <a:p>
+            <a:pPr marL="171450" indent="-171450">
+              <a:buFontTx/>
+              <a:buChar char="-"/>
+            </a:pPr>
+            <a:r>
+              <a:rPr lang="fr-FR" baseline="0" dirty="0" smtClean="0"/>
+              <a:t>How to </a:t>
+            </a:r>
+            <a:r>
+              <a:rPr lang="fr-FR" baseline="0" dirty="0" err="1" smtClean="0"/>
+              <a:t>write</a:t>
+            </a:r>
+            <a:r>
+              <a:rPr lang="fr-FR" baseline="0" dirty="0" smtClean="0"/>
+              <a:t> </a:t>
+            </a:r>
+            <a:r>
+              <a:rPr lang="fr-FR" baseline="0" dirty="0" err="1" smtClean="0"/>
+              <a:t>contracts</a:t>
+            </a:r>
+            <a:endParaRPr lang="fr-FR" baseline="0" dirty="0" smtClean="0"/>
+          </a:p>
+          <a:p>
+            <a:pPr marL="171450" indent="-171450">
+              <a:buFontTx/>
+              <a:buChar char="-"/>
+            </a:pPr>
+            <a:r>
+              <a:rPr lang="fr-FR" baseline="0" dirty="0" smtClean="0"/>
+              <a:t>How to use the </a:t>
+            </a:r>
+            <a:r>
+              <a:rPr lang="fr-FR" baseline="0" dirty="0" err="1" smtClean="0"/>
+              <a:t>analysis</a:t>
+            </a:r>
+            <a:r>
+              <a:rPr lang="fr-FR" baseline="0" dirty="0" smtClean="0"/>
+              <a:t> </a:t>
+            </a:r>
+            <a:r>
+              <a:rPr lang="fr-FR" baseline="0" dirty="0" err="1" smtClean="0"/>
+              <a:t>tool</a:t>
+            </a:r>
+            <a:r>
+              <a:rPr lang="fr-FR" baseline="0" dirty="0" smtClean="0"/>
+              <a:t> </a:t>
+            </a:r>
+            <a:r>
+              <a:rPr lang="fr-FR" baseline="0" dirty="0" err="1" smtClean="0"/>
+              <a:t>called</a:t>
+            </a:r>
+            <a:r>
+              <a:rPr lang="fr-FR" baseline="0" dirty="0" smtClean="0"/>
+              <a:t> </a:t>
+            </a:r>
+            <a:r>
+              <a:rPr lang="fr-FR" baseline="0" dirty="0" err="1" smtClean="0"/>
+              <a:t>GNATprove</a:t>
             </a:r>
             <a:endParaRPr lang="fr-FR" dirty="0"/>
           </a:p>
@@ -944,7 +1012,7 @@
             <a:fld id="{75693FD4-8F83-4EF7-AC3F-0DC0388986B0}" type="slidenum">
               <a:rPr lang="en-US" smtClean="0"/>
               <a:pPr/>
-              <a:t>26</a:t>
+              <a:t>13</a:t>
             </a:fld>
             <a:endParaRPr lang="en-US" dirty="0"/>
           </a:p>
@@ -953,7 +1021,7 @@
     </p:spTree>
     <p:extLst>
       <p:ext uri="{BB962C8B-B14F-4D97-AF65-F5344CB8AC3E}">
-        <p14:creationId xmlns:p14="http://schemas.microsoft.com/office/powerpoint/2010/main" val="3410565617"/>
+        <p14:creationId xmlns:p14="http://schemas.microsoft.com/office/powerpoint/2010/main" val="225480635"/>
       </p:ext>
     </p:extLst>
   </p:cSld>
@@ -982,7 +1050,7 @@
       </p:grpSpPr>
       <p:sp>
         <p:nvSpPr>
-          <p:cNvPr id="2" name="Slide Image Placeholder 1"/>
+          <p:cNvPr id="2" name="Espace réservé de l'image des diapositives 1"/>
           <p:cNvSpPr>
             <a:spLocks noGrp="1" noRot="1" noChangeAspect="1"/>
           </p:cNvSpPr>
@@ -990,16 +1058,11 @@
             <p:ph type="sldImg"/>
           </p:nvPr>
         </p:nvSpPr>
-        <p:spPr>
-          <a:xfrm>
-            <a:off x="685800" y="685800"/>
-            <a:ext cx="5486400" cy="3429000"/>
-          </a:xfrm>
-        </p:spPr>
-      </p:sp>
-      <p:sp>
-        <p:nvSpPr>
-          <p:cNvPr id="3" name="Notes Placeholder 2"/>
+        <p:spPr/>
+      </p:sp>
+      <p:sp>
+        <p:nvSpPr>
+          <p:cNvPr id="3" name="Espace réservé des commentaires 2"/>
           <p:cNvSpPr>
             <a:spLocks noGrp="1"/>
           </p:cNvSpPr>
@@ -1009,32 +1072,715 @@
         </p:nvSpPr>
         <p:spPr/>
         <p:txBody>
-          <a:bodyPr>
-            <a:normAutofit/>
-          </a:bodyPr>
+          <a:bodyPr/>
           <a:lstStyle/>
           <a:p>
             <a:r>
-              <a:rPr lang="en-US" dirty="0" smtClean="0"/>
-              <a:t>Summarize presentation content by restating the important points from the lessons.</a:t>
-            </a:r>
-          </a:p>
-          <a:p>
-            <a:r>
-              <a:rPr lang="en-US" dirty="0" smtClean="0"/>
-              <a:t>What do you want the audience to remember when they leave your </a:t>
-            </a:r>
-            <a:r>
-              <a:rPr lang="en-US" smtClean="0"/>
-              <a:t>presentation?</a:t>
-            </a:r>
-            <a:endParaRPr lang="en-US" dirty="0" smtClean="0"/>
-          </a:p>
-        </p:txBody>
-      </p:sp>
-      <p:sp>
-        <p:nvSpPr>
-          <p:cNvPr id="4" name="Slide Number Placeholder 3"/>
+              <a:rPr lang="fr-FR" dirty="0" err="1" smtClean="0"/>
+              <a:t>Here</a:t>
+            </a:r>
+            <a:r>
+              <a:rPr lang="fr-FR" dirty="0" smtClean="0"/>
+              <a:t> are the main</a:t>
+            </a:r>
+            <a:r>
+              <a:rPr lang="fr-FR" baseline="0" dirty="0" smtClean="0"/>
+              <a:t> new </a:t>
+            </a:r>
+            <a:r>
+              <a:rPr lang="fr-FR" baseline="0" dirty="0" err="1" smtClean="0"/>
+              <a:t>features</a:t>
+            </a:r>
+            <a:r>
+              <a:rPr lang="fr-FR" baseline="0" dirty="0" smtClean="0"/>
+              <a:t> in the </a:t>
+            </a:r>
+            <a:r>
+              <a:rPr lang="fr-FR" baseline="0" dirty="0" err="1" smtClean="0"/>
+              <a:t>next</a:t>
+            </a:r>
+            <a:r>
+              <a:rPr lang="fr-FR" baseline="0" dirty="0" smtClean="0"/>
+              <a:t> release, SPARK Pro 16:</a:t>
+            </a:r>
+          </a:p>
+          <a:p>
+            <a:pPr marL="171450" indent="-171450">
+              <a:buFontTx/>
+              <a:buChar char="-"/>
+            </a:pPr>
+            <a:r>
+              <a:rPr lang="fr-FR" baseline="0" dirty="0" smtClean="0"/>
+              <a:t>There are </a:t>
+            </a:r>
+            <a:r>
+              <a:rPr lang="fr-FR" baseline="0" dirty="0" err="1" smtClean="0"/>
+              <a:t>very</a:t>
+            </a:r>
+            <a:r>
+              <a:rPr lang="fr-FR" baseline="0" dirty="0" smtClean="0"/>
+              <a:t> important new </a:t>
+            </a:r>
+            <a:r>
+              <a:rPr lang="fr-FR" baseline="0" dirty="0" err="1" smtClean="0"/>
+              <a:t>language</a:t>
+            </a:r>
+            <a:r>
+              <a:rPr lang="fr-FR" baseline="0" dirty="0" smtClean="0"/>
+              <a:t> </a:t>
+            </a:r>
+            <a:r>
+              <a:rPr lang="fr-FR" baseline="0" dirty="0" err="1" smtClean="0"/>
+              <a:t>features</a:t>
+            </a:r>
+            <a:endParaRPr lang="fr-FR" baseline="0" dirty="0" smtClean="0"/>
+          </a:p>
+          <a:p>
+            <a:pPr marL="628650" lvl="1" indent="-171450">
+              <a:buFontTx/>
+              <a:buChar char="-"/>
+            </a:pPr>
+            <a:r>
+              <a:rPr lang="fr-FR" baseline="0" dirty="0" smtClean="0"/>
+              <a:t>The </a:t>
+            </a:r>
+            <a:r>
+              <a:rPr lang="fr-FR" baseline="0" dirty="0" err="1" smtClean="0"/>
+              <a:t>largest</a:t>
+            </a:r>
+            <a:r>
+              <a:rPr lang="fr-FR" baseline="0" dirty="0" smtClean="0"/>
+              <a:t> one </a:t>
+            </a:r>
+            <a:r>
+              <a:rPr lang="fr-FR" baseline="0" dirty="0" err="1" smtClean="0"/>
+              <a:t>being</a:t>
+            </a:r>
+            <a:r>
+              <a:rPr lang="fr-FR" baseline="0" dirty="0" smtClean="0"/>
+              <a:t> the support for the </a:t>
+            </a:r>
+            <a:r>
+              <a:rPr lang="fr-FR" baseline="0" dirty="0" err="1" smtClean="0"/>
+              <a:t>Ravenscar</a:t>
+            </a:r>
+            <a:r>
+              <a:rPr lang="fr-FR" baseline="0" dirty="0" smtClean="0"/>
+              <a:t> </a:t>
+            </a:r>
+            <a:r>
+              <a:rPr lang="fr-FR" baseline="0" dirty="0" err="1" smtClean="0"/>
+              <a:t>tasking</a:t>
+            </a:r>
+            <a:r>
+              <a:rPr lang="fr-FR" baseline="0" dirty="0" smtClean="0"/>
+              <a:t> profile, </a:t>
+            </a:r>
+            <a:r>
+              <a:rPr lang="fr-FR" baseline="0" dirty="0" err="1" smtClean="0"/>
+              <a:t>that</a:t>
+            </a:r>
+            <a:r>
+              <a:rPr lang="fr-FR" baseline="0" dirty="0" smtClean="0"/>
+              <a:t> </a:t>
+            </a:r>
+            <a:r>
+              <a:rPr lang="fr-FR" baseline="0" dirty="0" err="1" smtClean="0"/>
+              <a:t>is</a:t>
+            </a:r>
+            <a:r>
+              <a:rPr lang="fr-FR" baseline="0" dirty="0" smtClean="0"/>
+              <a:t>, </a:t>
+            </a:r>
+            <a:r>
+              <a:rPr lang="fr-FR" baseline="0" dirty="0" err="1" smtClean="0"/>
+              <a:t>safe</a:t>
+            </a:r>
+            <a:r>
+              <a:rPr lang="fr-FR" baseline="0" dirty="0" smtClean="0"/>
+              <a:t> </a:t>
+            </a:r>
+            <a:r>
+              <a:rPr lang="fr-FR" baseline="0" dirty="0" err="1" smtClean="0"/>
+              <a:t>tasking</a:t>
+            </a:r>
+            <a:r>
+              <a:rPr lang="fr-FR" baseline="0" dirty="0" smtClean="0"/>
+              <a:t> in Ada</a:t>
+            </a:r>
+          </a:p>
+          <a:p>
+            <a:pPr marL="628650" lvl="1" indent="-171450">
+              <a:buFontTx/>
+              <a:buChar char="-"/>
+            </a:pPr>
+            <a:r>
+              <a:rPr lang="fr-FR" baseline="0" dirty="0" err="1" smtClean="0"/>
+              <a:t>Ghost</a:t>
+            </a:r>
+            <a:r>
+              <a:rPr lang="fr-FR" baseline="0" dirty="0" smtClean="0"/>
+              <a:t> code </a:t>
+            </a:r>
+            <a:r>
+              <a:rPr lang="fr-FR" baseline="0" dirty="0" err="1" smtClean="0"/>
+              <a:t>is</a:t>
+            </a:r>
+            <a:r>
+              <a:rPr lang="fr-FR" baseline="0" dirty="0" smtClean="0"/>
+              <a:t> a unique </a:t>
+            </a:r>
+            <a:r>
+              <a:rPr lang="fr-FR" baseline="0" dirty="0" err="1" smtClean="0"/>
+              <a:t>feature</a:t>
+            </a:r>
+            <a:r>
+              <a:rPr lang="fr-FR" baseline="0" dirty="0" smtClean="0"/>
+              <a:t> of SPARK, </a:t>
+            </a:r>
+            <a:r>
+              <a:rPr lang="fr-FR" baseline="0" dirty="0" err="1" smtClean="0"/>
+              <a:t>which</a:t>
+            </a:r>
+            <a:r>
+              <a:rPr lang="fr-FR" baseline="0" dirty="0" smtClean="0"/>
+              <a:t> </a:t>
+            </a:r>
+            <a:r>
+              <a:rPr lang="fr-FR" baseline="0" dirty="0" err="1" smtClean="0"/>
+              <a:t>allows</a:t>
+            </a:r>
+            <a:r>
+              <a:rPr lang="fr-FR" baseline="0" dirty="0" smtClean="0"/>
+              <a:t> </a:t>
+            </a:r>
+            <a:r>
+              <a:rPr lang="fr-FR" baseline="0" dirty="0" err="1" smtClean="0"/>
+              <a:t>nonintrusive</a:t>
+            </a:r>
+            <a:r>
+              <a:rPr lang="fr-FR" baseline="0" dirty="0" smtClean="0"/>
+              <a:t> instrumentation of code for </a:t>
+            </a:r>
+            <a:r>
+              <a:rPr lang="fr-FR" baseline="0" dirty="0" err="1" smtClean="0"/>
+              <a:t>verification</a:t>
+            </a:r>
+            <a:r>
+              <a:rPr lang="fr-FR" baseline="0" dirty="0" smtClean="0"/>
+              <a:t> </a:t>
+            </a:r>
+            <a:r>
+              <a:rPr lang="fr-FR" baseline="0" dirty="0" err="1" smtClean="0"/>
+              <a:t>purposes</a:t>
+            </a:r>
+            <a:r>
+              <a:rPr lang="fr-FR" baseline="0" dirty="0" smtClean="0"/>
+              <a:t>. That </a:t>
+            </a:r>
+            <a:r>
+              <a:rPr lang="fr-FR" baseline="0" dirty="0" err="1" smtClean="0"/>
+              <a:t>can</a:t>
+            </a:r>
+            <a:r>
+              <a:rPr lang="fr-FR" baseline="0" dirty="0" smtClean="0"/>
+              <a:t> </a:t>
+            </a:r>
+            <a:r>
+              <a:rPr lang="fr-FR" baseline="0" dirty="0" err="1" smtClean="0"/>
+              <a:t>be</a:t>
+            </a:r>
+            <a:r>
+              <a:rPr lang="fr-FR" baseline="0" dirty="0" smtClean="0"/>
+              <a:t> </a:t>
+            </a:r>
+            <a:r>
+              <a:rPr lang="fr-FR" baseline="0" dirty="0" err="1" smtClean="0"/>
+              <a:t>static</a:t>
+            </a:r>
+            <a:r>
+              <a:rPr lang="fr-FR" baseline="0" dirty="0" smtClean="0"/>
+              <a:t> </a:t>
+            </a:r>
+            <a:r>
+              <a:rPr lang="fr-FR" baseline="0" dirty="0" err="1" smtClean="0"/>
+              <a:t>verification</a:t>
+            </a:r>
+            <a:r>
+              <a:rPr lang="fr-FR" baseline="0" dirty="0" smtClean="0"/>
+              <a:t>, but </a:t>
+            </a:r>
+            <a:r>
+              <a:rPr lang="fr-FR" baseline="0" dirty="0" err="1" smtClean="0"/>
+              <a:t>also</a:t>
+            </a:r>
+            <a:r>
+              <a:rPr lang="fr-FR" baseline="0" dirty="0" smtClean="0"/>
+              <a:t> </a:t>
+            </a:r>
+            <a:r>
+              <a:rPr lang="fr-FR" baseline="0" dirty="0" err="1" smtClean="0"/>
+              <a:t>dynamic</a:t>
+            </a:r>
+            <a:r>
+              <a:rPr lang="fr-FR" baseline="0" dirty="0" smtClean="0"/>
+              <a:t> </a:t>
+            </a:r>
+            <a:r>
+              <a:rPr lang="fr-FR" baseline="0" dirty="0" err="1" smtClean="0"/>
+              <a:t>verification</a:t>
+            </a:r>
+            <a:r>
+              <a:rPr lang="fr-FR" baseline="0" dirty="0" smtClean="0"/>
+              <a:t>. It </a:t>
+            </a:r>
+            <a:r>
+              <a:rPr lang="fr-FR" baseline="0" dirty="0" err="1" smtClean="0"/>
+              <a:t>is</a:t>
+            </a:r>
+            <a:r>
+              <a:rPr lang="fr-FR" baseline="0" dirty="0" smtClean="0"/>
+              <a:t> </a:t>
+            </a:r>
+            <a:r>
+              <a:rPr lang="fr-FR" baseline="0" dirty="0" err="1" smtClean="0"/>
+              <a:t>fully</a:t>
+            </a:r>
+            <a:r>
+              <a:rPr lang="fr-FR" baseline="0" dirty="0" smtClean="0"/>
+              <a:t> </a:t>
+            </a:r>
+            <a:r>
+              <a:rPr lang="fr-FR" baseline="0" dirty="0" err="1" smtClean="0"/>
+              <a:t>supported</a:t>
+            </a:r>
+            <a:r>
+              <a:rPr lang="fr-FR" baseline="0" dirty="0" smtClean="0"/>
+              <a:t> in the </a:t>
+            </a:r>
+            <a:r>
+              <a:rPr lang="fr-FR" baseline="0" dirty="0" err="1" smtClean="0"/>
+              <a:t>next</a:t>
+            </a:r>
+            <a:r>
+              <a:rPr lang="fr-FR" baseline="0" dirty="0" smtClean="0"/>
+              <a:t> GNAT release, </a:t>
+            </a:r>
+            <a:r>
+              <a:rPr lang="fr-FR" baseline="0" dirty="0" err="1" smtClean="0"/>
+              <a:t>so</a:t>
+            </a:r>
+            <a:r>
+              <a:rPr lang="fr-FR" baseline="0" dirty="0" smtClean="0"/>
+              <a:t> </a:t>
+            </a:r>
+            <a:r>
+              <a:rPr lang="fr-FR" baseline="0" dirty="0" err="1" smtClean="0"/>
+              <a:t>it</a:t>
+            </a:r>
+            <a:r>
+              <a:rPr lang="fr-FR" baseline="0" dirty="0" smtClean="0"/>
+              <a:t> </a:t>
+            </a:r>
+            <a:r>
+              <a:rPr lang="fr-FR" baseline="0" dirty="0" err="1" smtClean="0"/>
+              <a:t>may</a:t>
+            </a:r>
+            <a:r>
+              <a:rPr lang="fr-FR" baseline="0" dirty="0" smtClean="0"/>
+              <a:t> </a:t>
+            </a:r>
+            <a:r>
+              <a:rPr lang="fr-FR" baseline="0" dirty="0" err="1" smtClean="0"/>
+              <a:t>be</a:t>
+            </a:r>
+            <a:r>
+              <a:rPr lang="fr-FR" baseline="0" dirty="0" smtClean="0"/>
+              <a:t> </a:t>
+            </a:r>
+            <a:r>
+              <a:rPr lang="fr-FR" baseline="0" dirty="0" err="1" smtClean="0"/>
+              <a:t>interesting</a:t>
+            </a:r>
+            <a:r>
+              <a:rPr lang="fr-FR" baseline="0" dirty="0" smtClean="0"/>
+              <a:t> </a:t>
+            </a:r>
+            <a:r>
+              <a:rPr lang="fr-FR" baseline="0" dirty="0" err="1" smtClean="0"/>
+              <a:t>even</a:t>
+            </a:r>
+            <a:r>
+              <a:rPr lang="fr-FR" baseline="0" dirty="0" smtClean="0"/>
+              <a:t> if </a:t>
+            </a:r>
+            <a:r>
+              <a:rPr lang="fr-FR" baseline="0" dirty="0" err="1" smtClean="0"/>
+              <a:t>you’re</a:t>
+            </a:r>
+            <a:r>
+              <a:rPr lang="fr-FR" baseline="0" dirty="0" smtClean="0"/>
+              <a:t> not a SPARK user.</a:t>
+            </a:r>
+          </a:p>
+          <a:p>
+            <a:pPr marL="628650" lvl="1" indent="-171450">
+              <a:buFontTx/>
+              <a:buChar char="-"/>
+            </a:pPr>
+            <a:r>
+              <a:rPr lang="fr-FR" baseline="0" dirty="0" smtClean="0"/>
+              <a:t>Type </a:t>
+            </a:r>
+            <a:r>
+              <a:rPr lang="fr-FR" baseline="0" dirty="0" err="1" smtClean="0"/>
+              <a:t>predicates</a:t>
+            </a:r>
+            <a:r>
+              <a:rPr lang="fr-FR" baseline="0" dirty="0" smtClean="0"/>
+              <a:t> </a:t>
+            </a:r>
+            <a:r>
+              <a:rPr lang="fr-FR" baseline="0" dirty="0" err="1" smtClean="0"/>
+              <a:t>provide</a:t>
+            </a:r>
+            <a:r>
+              <a:rPr lang="fr-FR" baseline="0" dirty="0" smtClean="0"/>
+              <a:t> a </a:t>
+            </a:r>
+            <a:r>
+              <a:rPr lang="fr-FR" baseline="0" dirty="0" err="1" smtClean="0"/>
+              <a:t>very</a:t>
+            </a:r>
+            <a:r>
+              <a:rPr lang="fr-FR" baseline="0" dirty="0" smtClean="0"/>
+              <a:t> fine-grain </a:t>
+            </a:r>
+            <a:r>
+              <a:rPr lang="fr-FR" baseline="0" dirty="0" err="1" smtClean="0"/>
+              <a:t>mechanism</a:t>
+            </a:r>
+            <a:r>
+              <a:rPr lang="fr-FR" baseline="0" dirty="0" smtClean="0"/>
+              <a:t> for </a:t>
+            </a:r>
+            <a:r>
+              <a:rPr lang="fr-FR" baseline="0" dirty="0" err="1" smtClean="0"/>
+              <a:t>stating</a:t>
+            </a:r>
+            <a:r>
+              <a:rPr lang="fr-FR" baseline="0" dirty="0" smtClean="0"/>
+              <a:t> invariants of </a:t>
+            </a:r>
+            <a:r>
+              <a:rPr lang="fr-FR" baseline="0" dirty="0" err="1" smtClean="0"/>
+              <a:t>your</a:t>
+            </a:r>
+            <a:r>
+              <a:rPr lang="fr-FR" baseline="0" dirty="0" smtClean="0"/>
+              <a:t> data. </a:t>
+            </a:r>
+            <a:r>
+              <a:rPr lang="fr-FR" baseline="0" dirty="0" err="1" smtClean="0"/>
+              <a:t>They</a:t>
+            </a:r>
+            <a:r>
+              <a:rPr lang="fr-FR" baseline="0" dirty="0" smtClean="0"/>
+              <a:t> are </a:t>
+            </a:r>
+            <a:r>
+              <a:rPr lang="fr-FR" baseline="0" dirty="0" err="1" smtClean="0"/>
+              <a:t>now</a:t>
+            </a:r>
+            <a:r>
+              <a:rPr lang="fr-FR" baseline="0" dirty="0" smtClean="0"/>
+              <a:t> </a:t>
+            </a:r>
+            <a:r>
+              <a:rPr lang="fr-FR" baseline="0" dirty="0" err="1" smtClean="0"/>
+              <a:t>supported</a:t>
+            </a:r>
+            <a:r>
+              <a:rPr lang="fr-FR" baseline="0" dirty="0" smtClean="0"/>
+              <a:t> in SPARK, </a:t>
+            </a:r>
+            <a:r>
+              <a:rPr lang="fr-FR" baseline="0" dirty="0" err="1" smtClean="0"/>
+              <a:t>so</a:t>
+            </a:r>
+            <a:r>
+              <a:rPr lang="fr-FR" baseline="0" dirty="0" smtClean="0"/>
+              <a:t> </a:t>
+            </a:r>
+            <a:r>
+              <a:rPr lang="fr-FR" baseline="0" dirty="0" err="1" smtClean="0"/>
+              <a:t>you</a:t>
+            </a:r>
+            <a:r>
+              <a:rPr lang="fr-FR" baseline="0" dirty="0" smtClean="0"/>
+              <a:t> </a:t>
+            </a:r>
+            <a:r>
+              <a:rPr lang="fr-FR" baseline="0" dirty="0" err="1" smtClean="0"/>
+              <a:t>can</a:t>
+            </a:r>
+            <a:r>
+              <a:rPr lang="fr-FR" baseline="0" dirty="0" smtClean="0"/>
+              <a:t> </a:t>
+            </a:r>
+            <a:r>
+              <a:rPr lang="fr-FR" baseline="0" dirty="0" err="1" smtClean="0"/>
+              <a:t>prove</a:t>
+            </a:r>
+            <a:r>
+              <a:rPr lang="fr-FR" baseline="0" dirty="0" smtClean="0"/>
+              <a:t> </a:t>
+            </a:r>
+            <a:r>
+              <a:rPr lang="fr-FR" baseline="0" dirty="0" err="1" smtClean="0"/>
+              <a:t>your</a:t>
+            </a:r>
+            <a:r>
+              <a:rPr lang="fr-FR" baseline="0" dirty="0" smtClean="0"/>
+              <a:t> data invariants are </a:t>
+            </a:r>
+            <a:r>
+              <a:rPr lang="fr-FR" baseline="0" dirty="0" err="1" smtClean="0"/>
+              <a:t>never</a:t>
+            </a:r>
+            <a:r>
+              <a:rPr lang="fr-FR" baseline="0" dirty="0" smtClean="0"/>
+              <a:t> </a:t>
+            </a:r>
+            <a:r>
+              <a:rPr lang="fr-FR" baseline="0" dirty="0" err="1" smtClean="0"/>
+              <a:t>violated</a:t>
+            </a:r>
+            <a:r>
+              <a:rPr lang="fr-FR" baseline="0" dirty="0" smtClean="0"/>
+              <a:t>.</a:t>
+            </a:r>
+          </a:p>
+          <a:p>
+            <a:pPr marL="171450" indent="-171450">
+              <a:buFontTx/>
+              <a:buChar char="-"/>
+            </a:pPr>
+            <a:r>
+              <a:rPr lang="fr-FR" baseline="0" dirty="0" err="1" smtClean="0"/>
+              <a:t>We</a:t>
+            </a:r>
+            <a:r>
+              <a:rPr lang="fr-FR" baseline="0" dirty="0" smtClean="0"/>
+              <a:t> have </a:t>
+            </a:r>
+            <a:r>
+              <a:rPr lang="fr-FR" baseline="0" dirty="0" err="1" smtClean="0"/>
+              <a:t>notably</a:t>
+            </a:r>
+            <a:r>
+              <a:rPr lang="fr-FR" baseline="0" dirty="0" smtClean="0"/>
+              <a:t> </a:t>
+            </a:r>
+            <a:r>
+              <a:rPr lang="fr-FR" baseline="0" dirty="0" err="1" smtClean="0"/>
+              <a:t>improved</a:t>
+            </a:r>
+            <a:r>
+              <a:rPr lang="fr-FR" baseline="0" dirty="0" smtClean="0"/>
+              <a:t> proof </a:t>
+            </a:r>
+            <a:r>
+              <a:rPr lang="fr-FR" baseline="0" dirty="0" err="1" smtClean="0"/>
+              <a:t>results</a:t>
+            </a:r>
+            <a:endParaRPr lang="fr-FR" baseline="0" dirty="0" smtClean="0"/>
+          </a:p>
+          <a:p>
+            <a:pPr marL="628650" lvl="1" indent="-171450">
+              <a:buFontTx/>
+              <a:buChar char="-"/>
+            </a:pPr>
+            <a:r>
+              <a:rPr lang="fr-FR" baseline="0" dirty="0" smtClean="0"/>
+              <a:t>In </a:t>
+            </a:r>
+            <a:r>
+              <a:rPr lang="fr-FR" baseline="0" dirty="0" err="1" smtClean="0"/>
+              <a:t>particular</a:t>
+            </a:r>
+            <a:r>
+              <a:rPr lang="fr-FR" baseline="0" dirty="0" smtClean="0"/>
+              <a:t> </a:t>
+            </a:r>
+            <a:r>
+              <a:rPr lang="fr-FR" baseline="0" dirty="0" err="1" smtClean="0"/>
+              <a:t>through</a:t>
+            </a:r>
+            <a:r>
+              <a:rPr lang="fr-FR" baseline="0" dirty="0" smtClean="0"/>
+              <a:t> the addition of </a:t>
+            </a:r>
+            <a:r>
+              <a:rPr lang="fr-FR" baseline="0" dirty="0" err="1" smtClean="0"/>
+              <a:t>two</a:t>
+            </a:r>
+            <a:r>
+              <a:rPr lang="fr-FR" baseline="0" dirty="0" smtClean="0"/>
+              <a:t> new </a:t>
+            </a:r>
+            <a:r>
+              <a:rPr lang="fr-FR" baseline="0" dirty="0" err="1" smtClean="0"/>
+              <a:t>provers</a:t>
+            </a:r>
+            <a:r>
+              <a:rPr lang="fr-FR" baseline="0" dirty="0" smtClean="0"/>
+              <a:t>, CVC4 and Z3.</a:t>
+            </a:r>
+          </a:p>
+          <a:p>
+            <a:pPr marL="628650" lvl="1" indent="-171450">
+              <a:buFontTx/>
+              <a:buChar char="-"/>
+            </a:pPr>
+            <a:r>
+              <a:rPr lang="fr-FR" baseline="0" dirty="0" smtClean="0"/>
+              <a:t>But </a:t>
+            </a:r>
+            <a:r>
+              <a:rPr lang="fr-FR" baseline="0" dirty="0" err="1" smtClean="0"/>
+              <a:t>also</a:t>
+            </a:r>
+            <a:r>
+              <a:rPr lang="fr-FR" baseline="0" dirty="0" smtClean="0"/>
+              <a:t> by </a:t>
+            </a:r>
+            <a:r>
+              <a:rPr lang="fr-FR" baseline="0" dirty="0" err="1" smtClean="0"/>
+              <a:t>better</a:t>
+            </a:r>
+            <a:r>
+              <a:rPr lang="fr-FR" baseline="0" dirty="0" smtClean="0"/>
+              <a:t> </a:t>
+            </a:r>
+            <a:r>
+              <a:rPr lang="fr-FR" baseline="0" dirty="0" err="1" smtClean="0"/>
+              <a:t>handling</a:t>
+            </a:r>
+            <a:r>
+              <a:rPr lang="fr-FR" baseline="0" dirty="0" smtClean="0"/>
+              <a:t> </a:t>
+            </a:r>
+            <a:r>
+              <a:rPr lang="fr-FR" baseline="0" dirty="0" err="1" smtClean="0"/>
+              <a:t>modular</a:t>
+            </a:r>
+            <a:r>
+              <a:rPr lang="fr-FR" baseline="0" dirty="0" smtClean="0"/>
+              <a:t> </a:t>
+            </a:r>
+            <a:r>
+              <a:rPr lang="fr-FR" baseline="0" dirty="0" err="1" smtClean="0"/>
+              <a:t>integers</a:t>
+            </a:r>
+            <a:r>
+              <a:rPr lang="fr-FR" baseline="0" dirty="0" smtClean="0"/>
+              <a:t> and </a:t>
+            </a:r>
+            <a:r>
+              <a:rPr lang="fr-FR" baseline="0" dirty="0" err="1" smtClean="0"/>
+              <a:t>bitwise</a:t>
+            </a:r>
+            <a:r>
+              <a:rPr lang="fr-FR" baseline="0" dirty="0" smtClean="0"/>
+              <a:t> </a:t>
+            </a:r>
+            <a:r>
+              <a:rPr lang="fr-FR" baseline="0" dirty="0" err="1" smtClean="0"/>
+              <a:t>arithmetic</a:t>
+            </a:r>
+            <a:endParaRPr lang="fr-FR" baseline="0" dirty="0" smtClean="0"/>
+          </a:p>
+          <a:p>
+            <a:pPr marL="171450" indent="-171450">
+              <a:buFontTx/>
+              <a:buChar char="-"/>
+            </a:pPr>
+            <a:r>
+              <a:rPr lang="fr-FR" baseline="0" dirty="0" err="1" smtClean="0"/>
+              <a:t>We</a:t>
+            </a:r>
+            <a:r>
+              <a:rPr lang="fr-FR" baseline="0" dirty="0" smtClean="0"/>
+              <a:t> have </a:t>
+            </a:r>
+            <a:r>
+              <a:rPr lang="fr-FR" baseline="0" dirty="0" err="1" smtClean="0"/>
+              <a:t>finally</a:t>
+            </a:r>
+            <a:r>
+              <a:rPr lang="fr-FR" baseline="0" dirty="0" smtClean="0"/>
+              <a:t> </a:t>
+            </a:r>
+            <a:r>
+              <a:rPr lang="fr-FR" baseline="0" dirty="0" err="1" smtClean="0"/>
+              <a:t>implemented</a:t>
+            </a:r>
+            <a:r>
+              <a:rPr lang="fr-FR" baseline="0" dirty="0" smtClean="0"/>
+              <a:t> an important interaction </a:t>
+            </a:r>
+            <a:r>
+              <a:rPr lang="fr-FR" baseline="0" dirty="0" err="1" smtClean="0"/>
+              <a:t>feature</a:t>
+            </a:r>
+            <a:r>
+              <a:rPr lang="fr-FR" baseline="0" dirty="0" smtClean="0"/>
+              <a:t> </a:t>
+            </a:r>
+            <a:r>
+              <a:rPr lang="fr-FR" baseline="0" dirty="0" err="1" smtClean="0"/>
+              <a:t>that</a:t>
+            </a:r>
+            <a:r>
+              <a:rPr lang="fr-FR" baseline="0" dirty="0" smtClean="0"/>
+              <a:t> </a:t>
+            </a:r>
+            <a:r>
+              <a:rPr lang="fr-FR" baseline="0" dirty="0" err="1" smtClean="0"/>
+              <a:t>users</a:t>
+            </a:r>
+            <a:r>
+              <a:rPr lang="fr-FR" baseline="0" dirty="0" smtClean="0"/>
+              <a:t> </a:t>
+            </a:r>
+            <a:r>
+              <a:rPr lang="fr-FR" baseline="0" dirty="0" err="1" smtClean="0"/>
+              <a:t>always</a:t>
+            </a:r>
+            <a:r>
+              <a:rPr lang="fr-FR" baseline="0" dirty="0" smtClean="0"/>
+              <a:t> </a:t>
+            </a:r>
+            <a:r>
+              <a:rPr lang="fr-FR" baseline="0" dirty="0" err="1" smtClean="0"/>
+              <a:t>wanted</a:t>
+            </a:r>
+            <a:r>
+              <a:rPr lang="fr-FR" baseline="0" dirty="0" smtClean="0"/>
+              <a:t>: </a:t>
+            </a:r>
+            <a:r>
+              <a:rPr lang="fr-FR" baseline="0" dirty="0" err="1" smtClean="0"/>
+              <a:t>counterexamples</a:t>
+            </a:r>
+            <a:endParaRPr lang="fr-FR" dirty="0"/>
+          </a:p>
+        </p:txBody>
+      </p:sp>
+      <p:sp>
+        <p:nvSpPr>
+          <p:cNvPr id="4" name="Espace réservé du numéro de diapositive 3"/>
           <p:cNvSpPr>
             <a:spLocks noGrp="1"/>
           </p:cNvSpPr>
@@ -1047,16 +1793,21 @@
           <a:bodyPr/>
           <a:lstStyle/>
           <a:p>
-            <a:fld id="{EC6EAC7D-5A89-47C2-8ABA-56C9C2DEF7A4}" type="slidenum">
+            <a:fld id="{75693FD4-8F83-4EF7-AC3F-0DC0388986B0}" type="slidenum">
               <a:rPr lang="en-US" smtClean="0"/>
               <a:pPr/>
-              <a:t>27</a:t>
+              <a:t>15</a:t>
             </a:fld>
             <a:endParaRPr lang="en-US" dirty="0"/>
           </a:p>
         </p:txBody>
       </p:sp>
     </p:spTree>
+    <p:extLst>
+      <p:ext uri="{BB962C8B-B14F-4D97-AF65-F5344CB8AC3E}">
+        <p14:creationId xmlns:p14="http://schemas.microsoft.com/office/powerpoint/2010/main" val="905822367"/>
+      </p:ext>
+    </p:extLst>
   </p:cSld>
   <p:clrMapOvr>
     <a:masterClrMapping/>
@@ -1083,132 +1834,2345 @@
       </p:grpSpPr>
       <p:sp>
         <p:nvSpPr>
-          <p:cNvPr id="40962" name="Rectangle 23"/>
+          <p:cNvPr id="2" name="Espace réservé de l'image des diapositives 1"/>
           <p:cNvSpPr>
-            <a:spLocks noGrp="1" noChangeArrowheads="1"/>
-          </p:cNvSpPr>
-          <p:nvPr>
-            <p:ph type="hdr" sz="quarter"/>
-          </p:nvPr>
-        </p:nvSpPr>
-        <p:spPr>
-          <a:noFill/>
-        </p:spPr>
-        <p:txBody>
-          <a:bodyPr/>
-          <a:lstStyle/>
-          <a:p>
-            <a:r>
-              <a:rPr lang="en-US" dirty="0" smtClean="0"/>
-              <a:t>Microsoft </a:t>
-            </a:r>
-            <a:r>
-              <a:rPr lang="en-US" b="1" dirty="0" smtClean="0"/>
-              <a:t>Engineering Excellence</a:t>
-            </a:r>
-            <a:endParaRPr lang="en-US" dirty="0" smtClean="0"/>
-          </a:p>
-        </p:txBody>
-      </p:sp>
-      <p:sp>
-        <p:nvSpPr>
-          <p:cNvPr id="40963" name="Rectangle 25"/>
-          <p:cNvSpPr>
-            <a:spLocks noGrp="1" noChangeArrowheads="1"/>
-          </p:cNvSpPr>
-          <p:nvPr>
-            <p:ph type="ftr" sz="quarter" idx="4"/>
-          </p:nvPr>
-        </p:nvSpPr>
-        <p:spPr>
-          <a:noFill/>
-        </p:spPr>
-        <p:txBody>
-          <a:bodyPr/>
-          <a:lstStyle/>
-          <a:p>
-            <a:r>
-              <a:rPr lang="en-US" dirty="0" smtClean="0"/>
-              <a:t>Microsoft Confidential</a:t>
-            </a:r>
-          </a:p>
-        </p:txBody>
-      </p:sp>
-      <p:sp>
-        <p:nvSpPr>
-          <p:cNvPr id="40964" name="Rectangle 26"/>
-          <p:cNvSpPr>
-            <a:spLocks noGrp="1" noChangeArrowheads="1"/>
-          </p:cNvSpPr>
-          <p:nvPr>
-            <p:ph type="sldNum" sz="quarter" idx="5"/>
-          </p:nvPr>
-        </p:nvSpPr>
-        <p:spPr>
-          <a:noFill/>
-        </p:spPr>
-        <p:txBody>
-          <a:bodyPr/>
-          <a:lstStyle/>
-          <a:p>
-            <a:fld id="{85CEDE57-F8FE-4B43-B511-2E9F76624F74}" type="slidenum">
-              <a:rPr lang="en-US" smtClean="0"/>
-              <a:pPr/>
-              <a:t>28</a:t>
-            </a:fld>
-            <a:endParaRPr lang="en-US" dirty="0" smtClean="0"/>
-          </a:p>
-        </p:txBody>
-      </p:sp>
-      <p:sp>
-        <p:nvSpPr>
-          <p:cNvPr id="40965" name="Rectangle 2"/>
-          <p:cNvSpPr>
-            <a:spLocks noGrp="1" noRot="1" noChangeAspect="1" noChangeArrowheads="1" noTextEdit="1"/>
+            <a:spLocks noGrp="1" noRot="1" noChangeAspect="1"/>
           </p:cNvSpPr>
           <p:nvPr>
             <p:ph type="sldImg"/>
           </p:nvPr>
         </p:nvSpPr>
-        <p:spPr>
-          <a:xfrm>
-            <a:off x="701675" y="449263"/>
-            <a:ext cx="5453063" cy="3408362"/>
-          </a:xfrm>
-          <a:ln/>
-        </p:spPr>
-      </p:sp>
-      <p:sp>
-        <p:nvSpPr>
-          <p:cNvPr id="40966" name="Rectangle 3"/>
+        <p:spPr/>
+      </p:sp>
+      <p:sp>
+        <p:nvSpPr>
+          <p:cNvPr id="3" name="Espace réservé des commentaires 2"/>
           <p:cNvSpPr>
-            <a:spLocks noGrp="1" noChangeArrowheads="1"/>
+            <a:spLocks noGrp="1"/>
           </p:cNvSpPr>
           <p:nvPr>
             <p:ph type="body" idx="1"/>
           </p:nvPr>
         </p:nvSpPr>
-        <p:spPr>
-          <a:xfrm>
-            <a:off x="307492" y="4139472"/>
-            <a:ext cx="6261652" cy="4593861"/>
-          </a:xfrm>
-          <a:noFill/>
-          <a:ln/>
-        </p:spPr>
+        <p:spPr/>
         <p:txBody>
           <a:bodyPr/>
           <a:lstStyle/>
           <a:p>
-            <a:pPr>
+            <a:r>
+              <a:rPr lang="fr-FR" dirty="0" smtClean="0"/>
+              <a:t>And </a:t>
+            </a:r>
+            <a:r>
+              <a:rPr lang="fr-FR" dirty="0" err="1" smtClean="0"/>
+              <a:t>I’m</a:t>
+            </a:r>
+            <a:r>
+              <a:rPr lang="fr-FR" dirty="0" smtClean="0"/>
+              <a:t> </a:t>
+            </a:r>
+            <a:r>
+              <a:rPr lang="fr-FR" dirty="0" err="1" smtClean="0"/>
+              <a:t>going</a:t>
+            </a:r>
+            <a:r>
+              <a:rPr lang="fr-FR" dirty="0" smtClean="0"/>
+              <a:t> to focus </a:t>
+            </a:r>
+            <a:r>
+              <a:rPr lang="fr-FR" dirty="0" err="1" smtClean="0"/>
+              <a:t>now</a:t>
+            </a:r>
+            <a:r>
+              <a:rPr lang="fr-FR" dirty="0" smtClean="0"/>
+              <a:t> on </a:t>
+            </a:r>
+            <a:r>
+              <a:rPr lang="fr-FR" dirty="0" err="1" smtClean="0"/>
+              <a:t>two</a:t>
+            </a:r>
+            <a:r>
+              <a:rPr lang="fr-FR" dirty="0" smtClean="0"/>
+              <a:t> of</a:t>
+            </a:r>
+            <a:r>
+              <a:rPr lang="fr-FR" baseline="0" dirty="0" smtClean="0"/>
+              <a:t> </a:t>
+            </a:r>
+            <a:r>
+              <a:rPr lang="fr-FR" baseline="0" dirty="0" err="1" smtClean="0"/>
+              <a:t>these</a:t>
+            </a:r>
+            <a:r>
+              <a:rPr lang="fr-FR" baseline="0" dirty="0" smtClean="0"/>
+              <a:t> </a:t>
+            </a:r>
+            <a:r>
+              <a:rPr lang="fr-FR" baseline="0" dirty="0" err="1" smtClean="0"/>
+              <a:t>features</a:t>
+            </a:r>
+            <a:r>
+              <a:rPr lang="fr-FR" baseline="0" dirty="0" smtClean="0"/>
+              <a:t>:</a:t>
+            </a:r>
+          </a:p>
+          <a:p>
+            <a:r>
+              <a:rPr lang="fr-FR" baseline="0" dirty="0" err="1" smtClean="0"/>
+              <a:t>Ghost</a:t>
+            </a:r>
+            <a:r>
+              <a:rPr lang="fr-FR" baseline="0" dirty="0" smtClean="0"/>
+              <a:t> code</a:t>
+            </a:r>
+          </a:p>
+          <a:p>
+            <a:r>
+              <a:rPr lang="fr-FR" baseline="0" dirty="0" smtClean="0"/>
+              <a:t>And </a:t>
+            </a:r>
+            <a:r>
+              <a:rPr lang="fr-FR" baseline="0" dirty="0" err="1" smtClean="0"/>
+              <a:t>counterexamples</a:t>
+            </a:r>
+            <a:endParaRPr lang="fr-FR" dirty="0"/>
+          </a:p>
+        </p:txBody>
+      </p:sp>
+      <p:sp>
+        <p:nvSpPr>
+          <p:cNvPr id="4" name="Espace réservé du numéro de diapositive 3"/>
+          <p:cNvSpPr>
+            <a:spLocks noGrp="1"/>
+          </p:cNvSpPr>
+          <p:nvPr>
+            <p:ph type="sldNum" sz="quarter" idx="10"/>
+          </p:nvPr>
+        </p:nvSpPr>
+        <p:spPr/>
+        <p:txBody>
+          <a:bodyPr/>
+          <a:lstStyle/>
+          <a:p>
+            <a:fld id="{75693FD4-8F83-4EF7-AC3F-0DC0388986B0}" type="slidenum">
+              <a:rPr lang="en-US" smtClean="0"/>
+              <a:pPr/>
+              <a:t>16</a:t>
+            </a:fld>
+            <a:endParaRPr lang="en-US" dirty="0"/>
+          </a:p>
+        </p:txBody>
+      </p:sp>
+    </p:spTree>
+    <p:extLst>
+      <p:ext uri="{BB962C8B-B14F-4D97-AF65-F5344CB8AC3E}">
+        <p14:creationId xmlns:p14="http://schemas.microsoft.com/office/powerpoint/2010/main" val="1391771518"/>
+      </p:ext>
+    </p:extLst>
+  </p:cSld>
+  <p:clrMapOvr>
+    <a:masterClrMapping/>
+  </p:clrMapOvr>
+</p:notes>
+</file>
+
+<file path=ppt/notesSlides/notesSlide13.xml><?xml version="1.0" encoding="utf-8"?>
+<p:notes xmlns:a="http://schemas.openxmlformats.org/drawingml/2006/main" xmlns:r="http://schemas.openxmlformats.org/officeDocument/2006/relationships" xmlns:p="http://schemas.openxmlformats.org/presentationml/2006/main">
+  <p:cSld>
+    <p:spTree>
+      <p:nvGrpSpPr>
+        <p:cNvPr id="1" name=""/>
+        <p:cNvGrpSpPr/>
+        <p:nvPr/>
+      </p:nvGrpSpPr>
+      <p:grpSpPr>
+        <a:xfrm>
+          <a:off x="0" y="0"/>
+          <a:ext cx="0" cy="0"/>
+          <a:chOff x="0" y="0"/>
+          <a:chExt cx="0" cy="0"/>
+        </a:xfrm>
+      </p:grpSpPr>
+      <p:sp>
+        <p:nvSpPr>
+          <p:cNvPr id="2" name="Espace réservé de l'image des diapositives 1"/>
+          <p:cNvSpPr>
+            <a:spLocks noGrp="1" noRot="1" noChangeAspect="1"/>
+          </p:cNvSpPr>
+          <p:nvPr>
+            <p:ph type="sldImg"/>
+          </p:nvPr>
+        </p:nvSpPr>
+        <p:spPr/>
+      </p:sp>
+      <p:sp>
+        <p:nvSpPr>
+          <p:cNvPr id="3" name="Espace réservé des commentaires 2"/>
+          <p:cNvSpPr>
+            <a:spLocks noGrp="1"/>
+          </p:cNvSpPr>
+          <p:nvPr>
+            <p:ph type="body" idx="1"/>
+          </p:nvPr>
+        </p:nvSpPr>
+        <p:spPr/>
+        <p:txBody>
+          <a:bodyPr/>
+          <a:lstStyle/>
+          <a:p>
+            <a:r>
+              <a:rPr lang="fr-FR" dirty="0" err="1" smtClean="0"/>
+              <a:t>Here</a:t>
+            </a:r>
+            <a:r>
+              <a:rPr lang="fr-FR" dirty="0" smtClean="0"/>
+              <a:t> </a:t>
+            </a:r>
+            <a:r>
+              <a:rPr lang="fr-FR" dirty="0" err="1" smtClean="0"/>
+              <a:t>is</a:t>
+            </a:r>
+            <a:r>
+              <a:rPr lang="fr-FR" baseline="0" dirty="0" smtClean="0"/>
+              <a:t> </a:t>
+            </a:r>
+            <a:r>
+              <a:rPr lang="fr-FR" baseline="0" dirty="0" err="1" smtClean="0"/>
+              <a:t>some</a:t>
+            </a:r>
+            <a:r>
+              <a:rPr lang="fr-FR" baseline="0" dirty="0" smtClean="0"/>
+              <a:t> code </a:t>
+            </a:r>
+            <a:r>
+              <a:rPr lang="fr-FR" baseline="0" dirty="0" err="1" smtClean="0"/>
+              <a:t>with</a:t>
+            </a:r>
+            <a:r>
+              <a:rPr lang="fr-FR" baseline="0" dirty="0" smtClean="0"/>
+              <a:t> </a:t>
+            </a:r>
+            <a:r>
+              <a:rPr lang="fr-FR" baseline="0" dirty="0" err="1" smtClean="0"/>
+              <a:t>contracts</a:t>
+            </a:r>
+            <a:r>
+              <a:rPr lang="fr-FR" baseline="0" dirty="0" smtClean="0"/>
+              <a:t>, </a:t>
+            </a:r>
+            <a:r>
+              <a:rPr lang="fr-FR" baseline="0" dirty="0" err="1" smtClean="0"/>
+              <a:t>which</a:t>
+            </a:r>
+            <a:r>
+              <a:rPr lang="fr-FR" baseline="0" dirty="0" smtClean="0"/>
+              <a:t> </a:t>
+            </a:r>
+            <a:r>
+              <a:rPr lang="fr-FR" baseline="0" dirty="0" err="1" smtClean="0"/>
+              <a:t>is</a:t>
+            </a:r>
+            <a:r>
+              <a:rPr lang="fr-FR" baseline="0" dirty="0" smtClean="0"/>
+              <a:t> </a:t>
+            </a:r>
+            <a:r>
+              <a:rPr lang="fr-FR" baseline="0" dirty="0" err="1" smtClean="0"/>
+              <a:t>compiled</a:t>
+            </a:r>
+            <a:r>
+              <a:rPr lang="fr-FR" baseline="0" dirty="0" smtClean="0"/>
+              <a:t> </a:t>
+            </a:r>
+            <a:r>
+              <a:rPr lang="fr-FR" baseline="0" dirty="0" err="1" smtClean="0"/>
+              <a:t>together</a:t>
+            </a:r>
+            <a:r>
+              <a:rPr lang="fr-FR" baseline="0" dirty="0" smtClean="0"/>
+              <a:t> to </a:t>
+            </a:r>
+            <a:r>
+              <a:rPr lang="fr-FR" baseline="0" dirty="0" err="1" smtClean="0"/>
+              <a:t>produce</a:t>
+            </a:r>
+            <a:r>
+              <a:rPr lang="fr-FR" baseline="0" dirty="0" smtClean="0"/>
+              <a:t> an </a:t>
+            </a:r>
+            <a:r>
+              <a:rPr lang="fr-FR" baseline="0" dirty="0" err="1" smtClean="0"/>
+              <a:t>executable</a:t>
+            </a:r>
+            <a:r>
+              <a:rPr lang="fr-FR" baseline="0" dirty="0" smtClean="0"/>
+              <a:t> </a:t>
+            </a:r>
+            <a:r>
+              <a:rPr lang="fr-FR" baseline="0" dirty="0" err="1" smtClean="0"/>
+              <a:t>when</a:t>
+            </a:r>
+            <a:r>
+              <a:rPr lang="fr-FR" baseline="0" dirty="0" smtClean="0"/>
+              <a:t> assertions are </a:t>
+            </a:r>
+            <a:r>
+              <a:rPr lang="fr-FR" baseline="0" dirty="0" err="1" smtClean="0"/>
+              <a:t>enabled</a:t>
+            </a:r>
+            <a:r>
+              <a:rPr lang="fr-FR" baseline="0" dirty="0" smtClean="0"/>
+              <a:t>.</a:t>
+            </a:r>
+          </a:p>
+          <a:p>
+            <a:r>
+              <a:rPr lang="fr-FR" baseline="0" dirty="0" err="1" smtClean="0"/>
+              <a:t>Ghost</a:t>
+            </a:r>
+            <a:r>
+              <a:rPr lang="fr-FR" baseline="0" dirty="0" smtClean="0"/>
+              <a:t> </a:t>
+            </a:r>
+            <a:r>
+              <a:rPr lang="fr-FR" baseline="0" dirty="0" err="1" smtClean="0"/>
+              <a:t>functions</a:t>
+            </a:r>
+            <a:r>
+              <a:rPr lang="fr-FR" baseline="0" dirty="0" smtClean="0"/>
+              <a:t> </a:t>
+            </a:r>
+            <a:r>
+              <a:rPr lang="fr-FR" baseline="0" dirty="0" err="1" smtClean="0"/>
+              <a:t>can</a:t>
+            </a:r>
+            <a:r>
+              <a:rPr lang="fr-FR" baseline="0" dirty="0" smtClean="0"/>
+              <a:t> </a:t>
+            </a:r>
+            <a:r>
+              <a:rPr lang="fr-FR" baseline="0" dirty="0" err="1" smtClean="0"/>
+              <a:t>be</a:t>
+            </a:r>
+            <a:r>
+              <a:rPr lang="fr-FR" baseline="0" dirty="0" smtClean="0"/>
+              <a:t> </a:t>
+            </a:r>
+            <a:r>
+              <a:rPr lang="fr-FR" baseline="0" dirty="0" err="1" smtClean="0"/>
+              <a:t>used</a:t>
+            </a:r>
+            <a:r>
+              <a:rPr lang="fr-FR" baseline="0" dirty="0" smtClean="0"/>
+              <a:t> in </a:t>
+            </a:r>
+            <a:r>
+              <a:rPr lang="fr-FR" baseline="0" dirty="0" err="1" smtClean="0"/>
+              <a:t>contracts</a:t>
+            </a:r>
+            <a:r>
+              <a:rPr lang="fr-FR" baseline="0" dirty="0" smtClean="0"/>
+              <a:t> </a:t>
+            </a:r>
+            <a:r>
+              <a:rPr lang="fr-FR" baseline="0" dirty="0" err="1" smtClean="0"/>
+              <a:t>only</a:t>
+            </a:r>
+            <a:r>
+              <a:rPr lang="fr-FR" baseline="0" dirty="0" smtClean="0"/>
+              <a:t>, </a:t>
+            </a:r>
+            <a:r>
+              <a:rPr lang="fr-FR" baseline="0" dirty="0" err="1" smtClean="0"/>
+              <a:t>typically</a:t>
+            </a:r>
+            <a:r>
+              <a:rPr lang="fr-FR" baseline="0" dirty="0" smtClean="0"/>
+              <a:t> to </a:t>
+            </a:r>
+            <a:r>
+              <a:rPr lang="fr-FR" baseline="0" dirty="0" err="1" smtClean="0"/>
+              <a:t>define</a:t>
+            </a:r>
+            <a:r>
+              <a:rPr lang="fr-FR" baseline="0" dirty="0" smtClean="0"/>
+              <a:t> </a:t>
+            </a:r>
+            <a:r>
+              <a:rPr lang="fr-FR" baseline="0" dirty="0" err="1" smtClean="0"/>
+              <a:t>queries</a:t>
+            </a:r>
+            <a:r>
+              <a:rPr lang="fr-FR" baseline="0" dirty="0" smtClean="0"/>
+              <a:t> </a:t>
+            </a:r>
+            <a:r>
+              <a:rPr lang="fr-FR" baseline="0" dirty="0" err="1" smtClean="0"/>
+              <a:t>only</a:t>
+            </a:r>
+            <a:r>
+              <a:rPr lang="fr-FR" baseline="0" dirty="0" smtClean="0"/>
+              <a:t> </a:t>
+            </a:r>
+            <a:r>
+              <a:rPr lang="fr-FR" baseline="0" dirty="0" err="1" smtClean="0"/>
+              <a:t>useful</a:t>
+            </a:r>
+            <a:r>
+              <a:rPr lang="fr-FR" baseline="0" dirty="0" smtClean="0"/>
+              <a:t> in </a:t>
+            </a:r>
+            <a:r>
+              <a:rPr lang="fr-FR" baseline="0" dirty="0" err="1" smtClean="0"/>
+              <a:t>verification</a:t>
+            </a:r>
+            <a:r>
+              <a:rPr lang="fr-FR" baseline="0" dirty="0" smtClean="0"/>
+              <a:t>.</a:t>
+            </a:r>
+          </a:p>
+          <a:p>
+            <a:r>
+              <a:rPr lang="fr-FR" baseline="0" dirty="0" smtClean="0"/>
+              <a:t>This </a:t>
+            </a:r>
+            <a:r>
+              <a:rPr lang="fr-FR" baseline="0" dirty="0" err="1" smtClean="0"/>
+              <a:t>is</a:t>
+            </a:r>
+            <a:r>
+              <a:rPr lang="fr-FR" baseline="0" dirty="0" smtClean="0"/>
+              <a:t> </a:t>
+            </a:r>
+            <a:r>
+              <a:rPr lang="fr-FR" baseline="0" dirty="0" err="1" smtClean="0"/>
+              <a:t>useful</a:t>
+            </a:r>
+            <a:r>
+              <a:rPr lang="fr-FR" baseline="0" dirty="0" smtClean="0"/>
+              <a:t> for </a:t>
+            </a:r>
+            <a:r>
+              <a:rPr lang="fr-FR" baseline="0" dirty="0" err="1" smtClean="0"/>
+              <a:t>both</a:t>
+            </a:r>
+            <a:r>
+              <a:rPr lang="fr-FR" baseline="0" dirty="0" smtClean="0"/>
+              <a:t> </a:t>
+            </a:r>
+            <a:r>
+              <a:rPr lang="fr-FR" baseline="0" dirty="0" err="1" smtClean="0"/>
+              <a:t>formal</a:t>
+            </a:r>
+            <a:r>
+              <a:rPr lang="fr-FR" baseline="0" dirty="0" smtClean="0"/>
+              <a:t> </a:t>
+            </a:r>
+            <a:r>
+              <a:rPr lang="fr-FR" baseline="0" dirty="0" err="1" smtClean="0"/>
+              <a:t>verification</a:t>
+            </a:r>
+            <a:r>
+              <a:rPr lang="fr-FR" baseline="0" dirty="0" smtClean="0"/>
+              <a:t> and for </a:t>
+            </a:r>
+            <a:r>
+              <a:rPr lang="fr-FR" baseline="0" dirty="0" err="1" smtClean="0"/>
+              <a:t>testing</a:t>
+            </a:r>
+            <a:r>
+              <a:rPr lang="fr-FR" baseline="0" dirty="0" smtClean="0"/>
+              <a:t>.</a:t>
+            </a:r>
+            <a:endParaRPr lang="fr-FR" dirty="0"/>
+          </a:p>
+        </p:txBody>
+      </p:sp>
+      <p:sp>
+        <p:nvSpPr>
+          <p:cNvPr id="4" name="Espace réservé du numéro de diapositive 3"/>
+          <p:cNvSpPr>
+            <a:spLocks noGrp="1"/>
+          </p:cNvSpPr>
+          <p:nvPr>
+            <p:ph type="sldNum" sz="quarter" idx="10"/>
+          </p:nvPr>
+        </p:nvSpPr>
+        <p:spPr/>
+        <p:txBody>
+          <a:bodyPr/>
+          <a:lstStyle/>
+          <a:p>
+            <a:fld id="{75693FD4-8F83-4EF7-AC3F-0DC0388986B0}" type="slidenum">
+              <a:rPr lang="en-US" smtClean="0"/>
+              <a:pPr/>
+              <a:t>17</a:t>
+            </a:fld>
+            <a:endParaRPr lang="en-US" dirty="0"/>
+          </a:p>
+        </p:txBody>
+      </p:sp>
+    </p:spTree>
+    <p:extLst>
+      <p:ext uri="{BB962C8B-B14F-4D97-AF65-F5344CB8AC3E}">
+        <p14:creationId xmlns:p14="http://schemas.microsoft.com/office/powerpoint/2010/main" val="1209172146"/>
+      </p:ext>
+    </p:extLst>
+  </p:cSld>
+  <p:clrMapOvr>
+    <a:masterClrMapping/>
+  </p:clrMapOvr>
+</p:notes>
+</file>
+
+<file path=ppt/notesSlides/notesSlide14.xml><?xml version="1.0" encoding="utf-8"?>
+<p:notes xmlns:a="http://schemas.openxmlformats.org/drawingml/2006/main" xmlns:r="http://schemas.openxmlformats.org/officeDocument/2006/relationships" xmlns:p="http://schemas.openxmlformats.org/presentationml/2006/main">
+  <p:cSld>
+    <p:spTree>
+      <p:nvGrpSpPr>
+        <p:cNvPr id="1" name=""/>
+        <p:cNvGrpSpPr/>
+        <p:nvPr/>
+      </p:nvGrpSpPr>
+      <p:grpSpPr>
+        <a:xfrm>
+          <a:off x="0" y="0"/>
+          <a:ext cx="0" cy="0"/>
+          <a:chOff x="0" y="0"/>
+          <a:chExt cx="0" cy="0"/>
+        </a:xfrm>
+      </p:grpSpPr>
+      <p:sp>
+        <p:nvSpPr>
+          <p:cNvPr id="2" name="Espace réservé de l'image des diapositives 1"/>
+          <p:cNvSpPr>
+            <a:spLocks noGrp="1" noRot="1" noChangeAspect="1"/>
+          </p:cNvSpPr>
+          <p:nvPr>
+            <p:ph type="sldImg"/>
+          </p:nvPr>
+        </p:nvSpPr>
+        <p:spPr/>
+      </p:sp>
+      <p:sp>
+        <p:nvSpPr>
+          <p:cNvPr id="3" name="Espace réservé des commentaires 2"/>
+          <p:cNvSpPr>
+            <a:spLocks noGrp="1"/>
+          </p:cNvSpPr>
+          <p:nvPr>
+            <p:ph type="body" idx="1"/>
+          </p:nvPr>
+        </p:nvSpPr>
+        <p:spPr/>
+        <p:txBody>
+          <a:bodyPr/>
+          <a:lstStyle/>
+          <a:p>
+            <a:r>
+              <a:rPr lang="fr-FR" dirty="0" err="1" smtClean="0"/>
+              <a:t>That’s</a:t>
+            </a:r>
+            <a:r>
+              <a:rPr lang="fr-FR" dirty="0" smtClean="0"/>
+              <a:t> not</a:t>
+            </a:r>
+            <a:r>
+              <a:rPr lang="fr-FR" baseline="0" dirty="0" smtClean="0"/>
+              <a:t> all.</a:t>
+            </a:r>
+          </a:p>
+          <a:p>
+            <a:r>
+              <a:rPr lang="fr-FR" baseline="0" dirty="0" err="1" smtClean="0"/>
+              <a:t>Ghost</a:t>
+            </a:r>
+            <a:r>
+              <a:rPr lang="fr-FR" baseline="0" dirty="0" smtClean="0"/>
+              <a:t> variables, types and </a:t>
+            </a:r>
+            <a:r>
+              <a:rPr lang="fr-FR" baseline="0" dirty="0" err="1" smtClean="0"/>
+              <a:t>procedures</a:t>
+            </a:r>
+            <a:r>
+              <a:rPr lang="fr-FR" baseline="0" dirty="0" smtClean="0"/>
+              <a:t> </a:t>
+            </a:r>
+            <a:r>
+              <a:rPr lang="fr-FR" baseline="0" dirty="0" err="1" smtClean="0"/>
+              <a:t>can</a:t>
+            </a:r>
+            <a:r>
+              <a:rPr lang="fr-FR" baseline="0" dirty="0" smtClean="0"/>
+              <a:t> </a:t>
+            </a:r>
+            <a:r>
+              <a:rPr lang="fr-FR" baseline="0" dirty="0" err="1" smtClean="0"/>
+              <a:t>be</a:t>
+            </a:r>
+            <a:r>
+              <a:rPr lang="fr-FR" baseline="0" dirty="0" smtClean="0"/>
+              <a:t> </a:t>
+            </a:r>
+            <a:r>
+              <a:rPr lang="fr-FR" baseline="0" dirty="0" err="1" smtClean="0"/>
+              <a:t>used</a:t>
+            </a:r>
+            <a:r>
+              <a:rPr lang="fr-FR" baseline="0" dirty="0" smtClean="0"/>
+              <a:t> </a:t>
+            </a:r>
+            <a:r>
+              <a:rPr lang="fr-FR" baseline="0" dirty="0" err="1" smtClean="0"/>
+              <a:t>directly</a:t>
+            </a:r>
+            <a:r>
+              <a:rPr lang="fr-FR" baseline="0" dirty="0" smtClean="0"/>
+              <a:t> in the code, </a:t>
+            </a:r>
+            <a:r>
+              <a:rPr lang="fr-FR" baseline="0" dirty="0" err="1" smtClean="0"/>
+              <a:t>also</a:t>
+            </a:r>
+            <a:r>
+              <a:rPr lang="fr-FR" baseline="0" dirty="0" smtClean="0"/>
+              <a:t> to </a:t>
+            </a:r>
+            <a:r>
+              <a:rPr lang="fr-FR" baseline="0" dirty="0" err="1" smtClean="0"/>
+              <a:t>compute</a:t>
+            </a:r>
+            <a:r>
+              <a:rPr lang="fr-FR" baseline="0" dirty="0" smtClean="0"/>
+              <a:t> data </a:t>
+            </a:r>
+            <a:r>
+              <a:rPr lang="fr-FR" baseline="0" dirty="0" err="1" smtClean="0"/>
+              <a:t>only</a:t>
+            </a:r>
+            <a:r>
+              <a:rPr lang="fr-FR" baseline="0" dirty="0" smtClean="0"/>
+              <a:t> </a:t>
+            </a:r>
+            <a:r>
+              <a:rPr lang="fr-FR" baseline="0" dirty="0" err="1" smtClean="0"/>
+              <a:t>useful</a:t>
+            </a:r>
+            <a:r>
+              <a:rPr lang="fr-FR" baseline="0" dirty="0" smtClean="0"/>
+              <a:t> for </a:t>
+            </a:r>
+            <a:r>
+              <a:rPr lang="fr-FR" baseline="0" dirty="0" err="1" smtClean="0"/>
+              <a:t>verification</a:t>
+            </a:r>
+            <a:r>
+              <a:rPr lang="fr-FR" baseline="0" dirty="0" smtClean="0"/>
+              <a:t>.</a:t>
+            </a:r>
+            <a:endParaRPr lang="fr-FR" dirty="0"/>
+          </a:p>
+        </p:txBody>
+      </p:sp>
+      <p:sp>
+        <p:nvSpPr>
+          <p:cNvPr id="4" name="Espace réservé du numéro de diapositive 3"/>
+          <p:cNvSpPr>
+            <a:spLocks noGrp="1"/>
+          </p:cNvSpPr>
+          <p:nvPr>
+            <p:ph type="sldNum" sz="quarter" idx="10"/>
+          </p:nvPr>
+        </p:nvSpPr>
+        <p:spPr/>
+        <p:txBody>
+          <a:bodyPr/>
+          <a:lstStyle/>
+          <a:p>
+            <a:fld id="{75693FD4-8F83-4EF7-AC3F-0DC0388986B0}" type="slidenum">
+              <a:rPr lang="en-US" smtClean="0"/>
+              <a:pPr/>
+              <a:t>18</a:t>
+            </a:fld>
+            <a:endParaRPr lang="en-US" dirty="0"/>
+          </a:p>
+        </p:txBody>
+      </p:sp>
+    </p:spTree>
+    <p:extLst>
+      <p:ext uri="{BB962C8B-B14F-4D97-AF65-F5344CB8AC3E}">
+        <p14:creationId xmlns:p14="http://schemas.microsoft.com/office/powerpoint/2010/main" val="4213910067"/>
+      </p:ext>
+    </p:extLst>
+  </p:cSld>
+  <p:clrMapOvr>
+    <a:masterClrMapping/>
+  </p:clrMapOvr>
+</p:notes>
+</file>
+
+<file path=ppt/notesSlides/notesSlide15.xml><?xml version="1.0" encoding="utf-8"?>
+<p:notes xmlns:a="http://schemas.openxmlformats.org/drawingml/2006/main" xmlns:r="http://schemas.openxmlformats.org/officeDocument/2006/relationships" xmlns:p="http://schemas.openxmlformats.org/presentationml/2006/main">
+  <p:cSld>
+    <p:spTree>
+      <p:nvGrpSpPr>
+        <p:cNvPr id="1" name=""/>
+        <p:cNvGrpSpPr/>
+        <p:nvPr/>
+      </p:nvGrpSpPr>
+      <p:grpSpPr>
+        <a:xfrm>
+          <a:off x="0" y="0"/>
+          <a:ext cx="0" cy="0"/>
+          <a:chOff x="0" y="0"/>
+          <a:chExt cx="0" cy="0"/>
+        </a:xfrm>
+      </p:grpSpPr>
+      <p:sp>
+        <p:nvSpPr>
+          <p:cNvPr id="2" name="Espace réservé de l'image des diapositives 1"/>
+          <p:cNvSpPr>
+            <a:spLocks noGrp="1" noRot="1" noChangeAspect="1"/>
+          </p:cNvSpPr>
+          <p:nvPr>
+            <p:ph type="sldImg"/>
+          </p:nvPr>
+        </p:nvSpPr>
+        <p:spPr/>
+      </p:sp>
+      <p:sp>
+        <p:nvSpPr>
+          <p:cNvPr id="3" name="Espace réservé des commentaires 2"/>
+          <p:cNvSpPr>
+            <a:spLocks noGrp="1"/>
+          </p:cNvSpPr>
+          <p:nvPr>
+            <p:ph type="body" idx="1"/>
+          </p:nvPr>
+        </p:nvSpPr>
+        <p:spPr/>
+        <p:txBody>
+          <a:bodyPr/>
+          <a:lstStyle/>
+          <a:p>
+            <a:r>
+              <a:rPr lang="fr-FR" dirty="0" err="1" smtClean="0"/>
+              <a:t>What’s</a:t>
+            </a:r>
+            <a:r>
+              <a:rPr lang="fr-FR" dirty="0" smtClean="0"/>
+              <a:t> </a:t>
+            </a:r>
+            <a:r>
+              <a:rPr lang="fr-FR" dirty="0" err="1" smtClean="0"/>
+              <a:t>critical</a:t>
+            </a:r>
+            <a:r>
+              <a:rPr lang="fr-FR" dirty="0" smtClean="0"/>
+              <a:t> </a:t>
+            </a:r>
+            <a:r>
+              <a:rPr lang="fr-FR" dirty="0" err="1" smtClean="0"/>
+              <a:t>is</a:t>
+            </a:r>
+            <a:r>
+              <a:rPr lang="fr-FR" dirty="0" smtClean="0"/>
+              <a:t> </a:t>
+            </a:r>
+            <a:r>
+              <a:rPr lang="fr-FR" dirty="0" err="1" smtClean="0"/>
+              <a:t>that</a:t>
+            </a:r>
+            <a:r>
+              <a:rPr lang="fr-FR" dirty="0" smtClean="0"/>
+              <a:t>,</a:t>
+            </a:r>
+            <a:r>
+              <a:rPr lang="fr-FR" baseline="0" dirty="0" smtClean="0"/>
+              <a:t> </a:t>
+            </a:r>
+            <a:r>
+              <a:rPr lang="fr-FR" baseline="0" dirty="0" err="1" smtClean="0"/>
+              <a:t>after</a:t>
+            </a:r>
+            <a:r>
+              <a:rPr lang="fr-FR" baseline="0" dirty="0" smtClean="0"/>
+              <a:t> </a:t>
+            </a:r>
+            <a:r>
+              <a:rPr lang="fr-FR" baseline="0" dirty="0" err="1" smtClean="0"/>
+              <a:t>verification</a:t>
+            </a:r>
+            <a:r>
+              <a:rPr lang="fr-FR" baseline="0" dirty="0" smtClean="0"/>
+              <a:t>, all the </a:t>
+            </a:r>
+            <a:r>
+              <a:rPr lang="fr-FR" baseline="0" dirty="0" err="1" smtClean="0"/>
+              <a:t>ghost</a:t>
+            </a:r>
+            <a:r>
+              <a:rPr lang="fr-FR" baseline="0" dirty="0" smtClean="0"/>
+              <a:t> code </a:t>
+            </a:r>
+            <a:r>
+              <a:rPr lang="fr-FR" baseline="0" dirty="0" err="1" smtClean="0"/>
+              <a:t>disappears</a:t>
+            </a:r>
+            <a:r>
+              <a:rPr lang="fr-FR" baseline="0" dirty="0" smtClean="0"/>
+              <a:t> </a:t>
+            </a:r>
+            <a:r>
+              <a:rPr lang="fr-FR" baseline="0" dirty="0" err="1" smtClean="0"/>
+              <a:t>from</a:t>
+            </a:r>
+            <a:r>
+              <a:rPr lang="fr-FR" baseline="0" dirty="0" smtClean="0"/>
+              <a:t> the final </a:t>
+            </a:r>
+            <a:r>
+              <a:rPr lang="fr-FR" baseline="0" dirty="0" err="1" smtClean="0"/>
+              <a:t>executable</a:t>
+            </a:r>
+            <a:r>
+              <a:rPr lang="fr-FR" baseline="0" dirty="0" smtClean="0"/>
+              <a:t> </a:t>
+            </a:r>
+            <a:r>
+              <a:rPr lang="fr-FR" baseline="0" dirty="0" err="1" smtClean="0"/>
+              <a:t>when</a:t>
+            </a:r>
+            <a:r>
+              <a:rPr lang="fr-FR" baseline="0" dirty="0" smtClean="0"/>
+              <a:t> </a:t>
+            </a:r>
+            <a:r>
+              <a:rPr lang="fr-FR" baseline="0" dirty="0" err="1" smtClean="0"/>
+              <a:t>you</a:t>
+            </a:r>
+            <a:r>
+              <a:rPr lang="fr-FR" baseline="0" dirty="0" smtClean="0"/>
+              <a:t> compile </a:t>
+            </a:r>
+            <a:r>
+              <a:rPr lang="fr-FR" baseline="0" dirty="0" err="1" smtClean="0"/>
+              <a:t>without</a:t>
+            </a:r>
+            <a:r>
+              <a:rPr lang="fr-FR" baseline="0" dirty="0" smtClean="0"/>
+              <a:t> assertions.</a:t>
+            </a:r>
+          </a:p>
+          <a:p>
+            <a:r>
+              <a:rPr lang="fr-FR" baseline="0" dirty="0" smtClean="0"/>
+              <a:t>This </a:t>
+            </a:r>
+            <a:r>
+              <a:rPr lang="fr-FR" baseline="0" dirty="0" err="1" smtClean="0"/>
+              <a:t>is</a:t>
+            </a:r>
+            <a:r>
+              <a:rPr lang="fr-FR" baseline="0" dirty="0" smtClean="0"/>
+              <a:t> how </a:t>
+            </a:r>
+            <a:r>
+              <a:rPr lang="fr-FR" baseline="0" dirty="0" err="1" smtClean="0"/>
+              <a:t>ghost</a:t>
+            </a:r>
+            <a:r>
+              <a:rPr lang="fr-FR" baseline="0" dirty="0" smtClean="0"/>
+              <a:t> code </a:t>
+            </a:r>
+            <a:r>
+              <a:rPr lang="fr-FR" baseline="0" dirty="0" err="1" smtClean="0"/>
+              <a:t>provides</a:t>
+            </a:r>
+            <a:r>
+              <a:rPr lang="fr-FR" baseline="0" dirty="0" smtClean="0"/>
+              <a:t> </a:t>
+            </a:r>
+            <a:r>
+              <a:rPr lang="fr-FR" baseline="0" dirty="0" err="1" smtClean="0"/>
+              <a:t>nonintrusive</a:t>
+            </a:r>
+            <a:r>
+              <a:rPr lang="fr-FR" baseline="0" dirty="0" smtClean="0"/>
+              <a:t> instrumentation of code, </a:t>
+            </a:r>
+            <a:r>
+              <a:rPr lang="fr-FR" baseline="0" dirty="0" err="1" smtClean="0"/>
+              <a:t>which</a:t>
+            </a:r>
+            <a:r>
+              <a:rPr lang="fr-FR" baseline="0" dirty="0" smtClean="0"/>
+              <a:t> </a:t>
+            </a:r>
+            <a:r>
+              <a:rPr lang="fr-FR" baseline="0" dirty="0" err="1" smtClean="0"/>
+              <a:t>may</a:t>
+            </a:r>
+            <a:r>
+              <a:rPr lang="fr-FR" baseline="0" dirty="0" smtClean="0"/>
+              <a:t> </a:t>
+            </a:r>
+            <a:r>
+              <a:rPr lang="fr-FR" baseline="0" dirty="0" err="1" smtClean="0"/>
+              <a:t>be</a:t>
+            </a:r>
+            <a:r>
+              <a:rPr lang="fr-FR" baseline="0" dirty="0" smtClean="0"/>
+              <a:t> </a:t>
+            </a:r>
+            <a:r>
+              <a:rPr lang="fr-FR" baseline="0" dirty="0" err="1" smtClean="0"/>
+              <a:t>useful</a:t>
+            </a:r>
+            <a:r>
+              <a:rPr lang="fr-FR" baseline="0" dirty="0" smtClean="0"/>
+              <a:t> </a:t>
+            </a:r>
+            <a:r>
+              <a:rPr lang="fr-FR" baseline="0" dirty="0" err="1" smtClean="0"/>
+              <a:t>even</a:t>
+            </a:r>
+            <a:r>
+              <a:rPr lang="fr-FR" baseline="0" dirty="0" smtClean="0"/>
+              <a:t> if </a:t>
+            </a:r>
+            <a:r>
+              <a:rPr lang="fr-FR" baseline="0" dirty="0" err="1" smtClean="0"/>
+              <a:t>you</a:t>
+            </a:r>
+            <a:r>
+              <a:rPr lang="fr-FR" baseline="0" dirty="0" smtClean="0"/>
+              <a:t> </a:t>
+            </a:r>
+            <a:r>
+              <a:rPr lang="fr-FR" baseline="0" dirty="0" err="1" smtClean="0"/>
+              <a:t>don’t</a:t>
+            </a:r>
+            <a:r>
+              <a:rPr lang="fr-FR" baseline="0" dirty="0" smtClean="0"/>
+              <a:t> use SPARK.</a:t>
+            </a:r>
+            <a:endParaRPr lang="fr-FR" dirty="0"/>
+          </a:p>
+        </p:txBody>
+      </p:sp>
+      <p:sp>
+        <p:nvSpPr>
+          <p:cNvPr id="4" name="Espace réservé du numéro de diapositive 3"/>
+          <p:cNvSpPr>
+            <a:spLocks noGrp="1"/>
+          </p:cNvSpPr>
+          <p:nvPr>
+            <p:ph type="sldNum" sz="quarter" idx="10"/>
+          </p:nvPr>
+        </p:nvSpPr>
+        <p:spPr/>
+        <p:txBody>
+          <a:bodyPr/>
+          <a:lstStyle/>
+          <a:p>
+            <a:fld id="{75693FD4-8F83-4EF7-AC3F-0DC0388986B0}" type="slidenum">
+              <a:rPr lang="en-US" smtClean="0"/>
+              <a:pPr/>
+              <a:t>19</a:t>
+            </a:fld>
+            <a:endParaRPr lang="en-US" dirty="0"/>
+          </a:p>
+        </p:txBody>
+      </p:sp>
+    </p:spTree>
+    <p:extLst>
+      <p:ext uri="{BB962C8B-B14F-4D97-AF65-F5344CB8AC3E}">
+        <p14:creationId xmlns:p14="http://schemas.microsoft.com/office/powerpoint/2010/main" val="355913000"/>
+      </p:ext>
+    </p:extLst>
+  </p:cSld>
+  <p:clrMapOvr>
+    <a:masterClrMapping/>
+  </p:clrMapOvr>
+</p:notes>
+</file>
+
+<file path=ppt/notesSlides/notesSlide16.xml><?xml version="1.0" encoding="utf-8"?>
+<p:notes xmlns:a="http://schemas.openxmlformats.org/drawingml/2006/main" xmlns:r="http://schemas.openxmlformats.org/officeDocument/2006/relationships" xmlns:p="http://schemas.openxmlformats.org/presentationml/2006/main">
+  <p:cSld>
+    <p:spTree>
+      <p:nvGrpSpPr>
+        <p:cNvPr id="1" name=""/>
+        <p:cNvGrpSpPr/>
+        <p:nvPr/>
+      </p:nvGrpSpPr>
+      <p:grpSpPr>
+        <a:xfrm>
+          <a:off x="0" y="0"/>
+          <a:ext cx="0" cy="0"/>
+          <a:chOff x="0" y="0"/>
+          <a:chExt cx="0" cy="0"/>
+        </a:xfrm>
+      </p:grpSpPr>
+      <p:sp>
+        <p:nvSpPr>
+          <p:cNvPr id="2" name="Espace réservé de l'image des diapositives 1"/>
+          <p:cNvSpPr>
+            <a:spLocks noGrp="1" noRot="1" noChangeAspect="1"/>
+          </p:cNvSpPr>
+          <p:nvPr>
+            <p:ph type="sldImg"/>
+          </p:nvPr>
+        </p:nvSpPr>
+        <p:spPr/>
+      </p:sp>
+      <p:sp>
+        <p:nvSpPr>
+          <p:cNvPr id="3" name="Espace réservé des commentaires 2"/>
+          <p:cNvSpPr>
+            <a:spLocks noGrp="1"/>
+          </p:cNvSpPr>
+          <p:nvPr>
+            <p:ph type="body" idx="1"/>
+          </p:nvPr>
+        </p:nvSpPr>
+        <p:spPr/>
+        <p:txBody>
+          <a:bodyPr/>
+          <a:lstStyle/>
+          <a:p>
+            <a:r>
+              <a:rPr lang="fr-FR" dirty="0" err="1" smtClean="0"/>
+              <a:t>Turning</a:t>
+            </a:r>
+            <a:r>
+              <a:rPr lang="fr-FR" dirty="0" smtClean="0"/>
+              <a:t> to </a:t>
+            </a:r>
+            <a:r>
+              <a:rPr lang="fr-FR" dirty="0" err="1" smtClean="0"/>
+              <a:t>counterexamples</a:t>
+            </a:r>
+            <a:r>
+              <a:rPr lang="fr-FR" dirty="0" smtClean="0"/>
+              <a:t>,</a:t>
+            </a:r>
+            <a:r>
+              <a:rPr lang="fr-FR" baseline="0" dirty="0" smtClean="0"/>
+              <a:t> </a:t>
+            </a:r>
+            <a:r>
+              <a:rPr lang="fr-FR" baseline="0" dirty="0" err="1" smtClean="0"/>
+              <a:t>here</a:t>
+            </a:r>
+            <a:r>
+              <a:rPr lang="fr-FR" baseline="0" dirty="0" smtClean="0"/>
+              <a:t> </a:t>
+            </a:r>
+            <a:r>
+              <a:rPr lang="fr-FR" baseline="0" dirty="0" err="1" smtClean="0"/>
+              <a:t>is</a:t>
+            </a:r>
+            <a:r>
+              <a:rPr lang="fr-FR" baseline="0" dirty="0" smtClean="0"/>
+              <a:t> an </a:t>
+            </a:r>
+            <a:r>
+              <a:rPr lang="fr-FR" baseline="0" dirty="0" err="1" smtClean="0"/>
+              <a:t>example</a:t>
+            </a:r>
+            <a:r>
+              <a:rPr lang="fr-FR" baseline="0" dirty="0" smtClean="0"/>
+              <a:t> of code </a:t>
+            </a:r>
+            <a:r>
+              <a:rPr lang="fr-FR" baseline="0" dirty="0" err="1" smtClean="0"/>
+              <a:t>which</a:t>
+            </a:r>
+            <a:r>
+              <a:rPr lang="fr-FR" baseline="0" dirty="0" smtClean="0"/>
+              <a:t> </a:t>
+            </a:r>
+            <a:r>
+              <a:rPr lang="fr-FR" baseline="0" dirty="0" err="1" smtClean="0"/>
+              <a:t>returns</a:t>
+            </a:r>
+            <a:r>
+              <a:rPr lang="fr-FR" baseline="0" dirty="0" smtClean="0"/>
+              <a:t> the </a:t>
+            </a:r>
+            <a:r>
+              <a:rPr lang="fr-FR" baseline="0" dirty="0" err="1" smtClean="0"/>
+              <a:t>saturated</a:t>
+            </a:r>
+            <a:r>
+              <a:rPr lang="fr-FR" baseline="0" dirty="0" smtClean="0"/>
+              <a:t> value of </a:t>
+            </a:r>
+            <a:r>
+              <a:rPr lang="fr-FR" baseline="0" dirty="0" err="1" smtClean="0"/>
+              <a:t>its</a:t>
+            </a:r>
+            <a:r>
+              <a:rPr lang="fr-FR" baseline="0" dirty="0" smtClean="0"/>
+              <a:t> argument:</a:t>
+            </a:r>
+          </a:p>
+          <a:p>
+            <a:pPr marL="171450" indent="-171450">
+              <a:buFontTx/>
+              <a:buChar char="-"/>
+            </a:pPr>
+            <a:r>
+              <a:rPr lang="fr-FR" baseline="0" dirty="0" smtClean="0"/>
+              <a:t>If the argument </a:t>
+            </a:r>
+            <a:r>
+              <a:rPr lang="fr-FR" baseline="0" dirty="0" err="1" smtClean="0"/>
+              <a:t>is</a:t>
+            </a:r>
+            <a:r>
+              <a:rPr lang="fr-FR" baseline="0" dirty="0" smtClean="0"/>
+              <a:t> </a:t>
+            </a:r>
+            <a:r>
+              <a:rPr lang="fr-FR" baseline="0" dirty="0" err="1" smtClean="0"/>
+              <a:t>between</a:t>
+            </a:r>
+            <a:r>
+              <a:rPr lang="fr-FR" baseline="0" dirty="0" smtClean="0"/>
+              <a:t> -256 and 256, </a:t>
+            </a:r>
+            <a:r>
+              <a:rPr lang="fr-FR" baseline="0" dirty="0" err="1" smtClean="0"/>
+              <a:t>it</a:t>
+            </a:r>
+            <a:r>
+              <a:rPr lang="fr-FR" baseline="0" dirty="0" smtClean="0"/>
+              <a:t> </a:t>
+            </a:r>
+            <a:r>
+              <a:rPr lang="fr-FR" baseline="0" dirty="0" err="1" smtClean="0"/>
+              <a:t>is</a:t>
+            </a:r>
+            <a:r>
+              <a:rPr lang="fr-FR" baseline="0" dirty="0" smtClean="0"/>
+              <a:t> </a:t>
+            </a:r>
+            <a:r>
+              <a:rPr lang="fr-FR" baseline="0" dirty="0" err="1" smtClean="0"/>
+              <a:t>returned</a:t>
+            </a:r>
+            <a:r>
+              <a:rPr lang="fr-FR" baseline="0" dirty="0" smtClean="0"/>
+              <a:t> </a:t>
+            </a:r>
+            <a:r>
+              <a:rPr lang="fr-FR" baseline="0" dirty="0" err="1" smtClean="0"/>
+              <a:t>unchanged</a:t>
+            </a:r>
+            <a:endParaRPr lang="fr-FR" baseline="0" dirty="0" smtClean="0"/>
+          </a:p>
+          <a:p>
+            <a:pPr marL="171450" indent="-171450">
+              <a:buFontTx/>
+              <a:buChar char="-"/>
+            </a:pPr>
+            <a:r>
+              <a:rPr lang="fr-FR" baseline="0" dirty="0" err="1" smtClean="0"/>
+              <a:t>Otherwise</a:t>
+            </a:r>
+            <a:r>
+              <a:rPr lang="fr-FR" baseline="0" dirty="0" smtClean="0"/>
+              <a:t>, -256 </a:t>
+            </a:r>
+            <a:r>
+              <a:rPr lang="fr-FR" baseline="0" dirty="0" err="1" smtClean="0"/>
+              <a:t>is</a:t>
+            </a:r>
+            <a:r>
+              <a:rPr lang="fr-FR" baseline="0" dirty="0" smtClean="0"/>
+              <a:t> </a:t>
+            </a:r>
+            <a:r>
+              <a:rPr lang="fr-FR" baseline="0" dirty="0" err="1" smtClean="0"/>
+              <a:t>returned</a:t>
+            </a:r>
+            <a:r>
+              <a:rPr lang="fr-FR" baseline="0" dirty="0" smtClean="0"/>
+              <a:t> for </a:t>
+            </a:r>
+            <a:r>
+              <a:rPr lang="fr-FR" baseline="0" dirty="0" err="1" smtClean="0"/>
+              <a:t>negative</a:t>
+            </a:r>
+            <a:r>
+              <a:rPr lang="fr-FR" baseline="0" dirty="0" smtClean="0"/>
+              <a:t> arguments, and 256 </a:t>
+            </a:r>
+            <a:r>
+              <a:rPr lang="fr-FR" baseline="0" dirty="0" err="1" smtClean="0"/>
+              <a:t>is</a:t>
+            </a:r>
+            <a:r>
+              <a:rPr lang="fr-FR" baseline="0" dirty="0" smtClean="0"/>
+              <a:t> </a:t>
+            </a:r>
+            <a:r>
+              <a:rPr lang="fr-FR" baseline="0" dirty="0" err="1" smtClean="0"/>
+              <a:t>returned</a:t>
+            </a:r>
+            <a:r>
+              <a:rPr lang="fr-FR" baseline="0" dirty="0" smtClean="0"/>
+              <a:t> for positive arguments</a:t>
+            </a:r>
+          </a:p>
+          <a:p>
+            <a:pPr marL="171450" indent="-171450">
+              <a:buFontTx/>
+              <a:buChar char="-"/>
+            </a:pPr>
+            <a:endParaRPr lang="fr-FR" baseline="0" dirty="0" smtClean="0"/>
+          </a:p>
+          <a:p>
+            <a:pPr marL="0" indent="0">
               <a:buFontTx/>
               <a:buNone/>
             </a:pPr>
-            <a:endParaRPr lang="en-US" dirty="0" smtClean="0"/>
+            <a:r>
+              <a:rPr lang="fr-FR" baseline="0" dirty="0" smtClean="0"/>
+              <a:t>It </a:t>
+            </a:r>
+            <a:r>
+              <a:rPr lang="fr-FR" baseline="0" dirty="0" err="1" smtClean="0"/>
+              <a:t>turns</a:t>
+            </a:r>
+            <a:r>
+              <a:rPr lang="fr-FR" baseline="0" dirty="0" smtClean="0"/>
+              <a:t> out </a:t>
+            </a:r>
+            <a:r>
+              <a:rPr lang="fr-FR" baseline="0" dirty="0" err="1" smtClean="0"/>
+              <a:t>this</a:t>
+            </a:r>
+            <a:r>
+              <a:rPr lang="fr-FR" baseline="0" dirty="0" smtClean="0"/>
+              <a:t> code </a:t>
+            </a:r>
+            <a:r>
+              <a:rPr lang="fr-FR" baseline="0" dirty="0" err="1" smtClean="0"/>
+              <a:t>is</a:t>
+            </a:r>
+            <a:r>
+              <a:rPr lang="fr-FR" baseline="0" dirty="0" smtClean="0"/>
+              <a:t> full of bugs… </a:t>
+            </a:r>
+            <a:r>
+              <a:rPr lang="fr-FR" baseline="0" dirty="0" err="1" smtClean="0"/>
+              <a:t>so</a:t>
+            </a:r>
+            <a:r>
+              <a:rPr lang="fr-FR" baseline="0" dirty="0" smtClean="0"/>
+              <a:t> </a:t>
+            </a:r>
+            <a:r>
+              <a:rPr lang="fr-FR" baseline="0" dirty="0" err="1" smtClean="0"/>
+              <a:t>let’s</a:t>
+            </a:r>
+            <a:r>
+              <a:rPr lang="fr-FR" baseline="0" dirty="0" smtClean="0"/>
+              <a:t> </a:t>
+            </a:r>
+            <a:r>
+              <a:rPr lang="fr-FR" baseline="0" dirty="0" err="1" smtClean="0"/>
+              <a:t>try</a:t>
+            </a:r>
+            <a:r>
+              <a:rPr lang="fr-FR" baseline="0" dirty="0" smtClean="0"/>
+              <a:t> to </a:t>
+            </a:r>
+            <a:r>
+              <a:rPr lang="fr-FR" baseline="0" dirty="0" err="1" smtClean="0"/>
+              <a:t>prove</a:t>
+            </a:r>
+            <a:r>
+              <a:rPr lang="fr-FR" baseline="0" dirty="0" smtClean="0"/>
+              <a:t> </a:t>
+            </a:r>
+            <a:r>
+              <a:rPr lang="fr-FR" baseline="0" dirty="0" err="1" smtClean="0"/>
+              <a:t>it</a:t>
+            </a:r>
+            <a:r>
+              <a:rPr lang="fr-FR" baseline="0" dirty="0" smtClean="0"/>
+              <a:t>.</a:t>
+            </a:r>
+            <a:endParaRPr lang="fr-FR" dirty="0"/>
+          </a:p>
+        </p:txBody>
+      </p:sp>
+      <p:sp>
+        <p:nvSpPr>
+          <p:cNvPr id="4" name="Espace réservé du numéro de diapositive 3"/>
+          <p:cNvSpPr>
+            <a:spLocks noGrp="1"/>
+          </p:cNvSpPr>
+          <p:nvPr>
+            <p:ph type="sldNum" sz="quarter" idx="10"/>
+          </p:nvPr>
+        </p:nvSpPr>
+        <p:spPr/>
+        <p:txBody>
+          <a:bodyPr/>
+          <a:lstStyle/>
+          <a:p>
+            <a:fld id="{75693FD4-8F83-4EF7-AC3F-0DC0388986B0}" type="slidenum">
+              <a:rPr lang="en-US" smtClean="0"/>
+              <a:pPr/>
+              <a:t>20</a:t>
+            </a:fld>
+            <a:endParaRPr lang="en-US" dirty="0"/>
           </a:p>
         </p:txBody>
       </p:sp>
     </p:spTree>
+    <p:extLst>
+      <p:ext uri="{BB962C8B-B14F-4D97-AF65-F5344CB8AC3E}">
+        <p14:creationId xmlns:p14="http://schemas.microsoft.com/office/powerpoint/2010/main" val="2864697820"/>
+      </p:ext>
+    </p:extLst>
+  </p:cSld>
+  <p:clrMapOvr>
+    <a:masterClrMapping/>
+  </p:clrMapOvr>
+</p:notes>
+</file>
+
+<file path=ppt/notesSlides/notesSlide17.xml><?xml version="1.0" encoding="utf-8"?>
+<p:notes xmlns:a="http://schemas.openxmlformats.org/drawingml/2006/main" xmlns:r="http://schemas.openxmlformats.org/officeDocument/2006/relationships" xmlns:p="http://schemas.openxmlformats.org/presentationml/2006/main">
+  <p:cSld>
+    <p:spTree>
+      <p:nvGrpSpPr>
+        <p:cNvPr id="1" name=""/>
+        <p:cNvGrpSpPr/>
+        <p:nvPr/>
+      </p:nvGrpSpPr>
+      <p:grpSpPr>
+        <a:xfrm>
+          <a:off x="0" y="0"/>
+          <a:ext cx="0" cy="0"/>
+          <a:chOff x="0" y="0"/>
+          <a:chExt cx="0" cy="0"/>
+        </a:xfrm>
+      </p:grpSpPr>
+      <p:sp>
+        <p:nvSpPr>
+          <p:cNvPr id="2" name="Espace réservé de l'image des diapositives 1"/>
+          <p:cNvSpPr>
+            <a:spLocks noGrp="1" noRot="1" noChangeAspect="1"/>
+          </p:cNvSpPr>
+          <p:nvPr>
+            <p:ph type="sldImg"/>
+          </p:nvPr>
+        </p:nvSpPr>
+        <p:spPr/>
+      </p:sp>
+      <p:sp>
+        <p:nvSpPr>
+          <p:cNvPr id="3" name="Espace réservé des commentaires 2"/>
+          <p:cNvSpPr>
+            <a:spLocks noGrp="1"/>
+          </p:cNvSpPr>
+          <p:nvPr>
+            <p:ph type="body" idx="1"/>
+          </p:nvPr>
+        </p:nvSpPr>
+        <p:spPr/>
+        <p:txBody>
+          <a:bodyPr/>
+          <a:lstStyle/>
+          <a:p>
+            <a:r>
+              <a:rPr lang="fr-FR" dirty="0" err="1" smtClean="0"/>
+              <a:t>GNATprove</a:t>
+            </a:r>
+            <a:r>
+              <a:rPr lang="fr-FR" dirty="0" smtClean="0"/>
+              <a:t> issues</a:t>
+            </a:r>
+            <a:r>
+              <a:rPr lang="fr-FR" baseline="0" dirty="0" smtClean="0"/>
+              <a:t> a message </a:t>
+            </a:r>
+            <a:r>
+              <a:rPr lang="fr-FR" baseline="0" dirty="0" err="1" smtClean="0"/>
+              <a:t>that</a:t>
+            </a:r>
+            <a:r>
+              <a:rPr lang="fr-FR" baseline="0" dirty="0" smtClean="0"/>
+              <a:t> tells us the abs </a:t>
+            </a:r>
+            <a:r>
+              <a:rPr lang="fr-FR" baseline="0" dirty="0" err="1" smtClean="0"/>
+              <a:t>operation</a:t>
+            </a:r>
+            <a:r>
+              <a:rPr lang="fr-FR" baseline="0" dirty="0" smtClean="0"/>
+              <a:t> on line 4 (in the </a:t>
+            </a:r>
+            <a:r>
+              <a:rPr lang="fr-FR" baseline="0" dirty="0" err="1" smtClean="0"/>
+              <a:t>postcondition</a:t>
+            </a:r>
+            <a:r>
+              <a:rPr lang="fr-FR" baseline="0" dirty="0" smtClean="0"/>
+              <a:t>) </a:t>
+            </a:r>
+            <a:r>
+              <a:rPr lang="fr-FR" baseline="0" dirty="0" err="1" smtClean="0"/>
+              <a:t>might</a:t>
+            </a:r>
+            <a:r>
+              <a:rPr lang="fr-FR" baseline="0" dirty="0" smtClean="0"/>
+              <a:t> </a:t>
+            </a:r>
+            <a:r>
+              <a:rPr lang="fr-FR" baseline="0" dirty="0" err="1" smtClean="0"/>
+              <a:t>fail</a:t>
+            </a:r>
+            <a:r>
+              <a:rPr lang="fr-FR" baseline="0" dirty="0" smtClean="0"/>
+              <a:t> on </a:t>
+            </a:r>
+            <a:r>
+              <a:rPr lang="fr-FR" baseline="0" dirty="0" err="1" smtClean="0"/>
+              <a:t>overflow</a:t>
+            </a:r>
+            <a:r>
+              <a:rPr lang="fr-FR" baseline="0" dirty="0" smtClean="0"/>
+              <a:t>. </a:t>
+            </a:r>
+            <a:r>
+              <a:rPr lang="fr-FR" baseline="0" dirty="0" err="1" smtClean="0"/>
+              <a:t>That’s</a:t>
+            </a:r>
+            <a:r>
+              <a:rPr lang="fr-FR" baseline="0" dirty="0" smtClean="0"/>
+              <a:t> </a:t>
+            </a:r>
+            <a:r>
+              <a:rPr lang="fr-FR" baseline="0" dirty="0" err="1" smtClean="0"/>
+              <a:t>indeed</a:t>
+            </a:r>
+            <a:r>
+              <a:rPr lang="fr-FR" baseline="0" dirty="0" smtClean="0"/>
+              <a:t> the case </a:t>
+            </a:r>
+            <a:r>
+              <a:rPr lang="fr-FR" baseline="0" dirty="0" err="1" smtClean="0"/>
+              <a:t>when</a:t>
+            </a:r>
+            <a:r>
+              <a:rPr lang="fr-FR" baseline="0" dirty="0" smtClean="0"/>
+              <a:t> the argument of abs </a:t>
+            </a:r>
+            <a:r>
+              <a:rPr lang="fr-FR" baseline="0" dirty="0" err="1" smtClean="0"/>
+              <a:t>is</a:t>
+            </a:r>
+            <a:r>
+              <a:rPr lang="fr-FR" baseline="0" dirty="0" smtClean="0"/>
+              <a:t> the minimal </a:t>
+            </a:r>
+            <a:r>
+              <a:rPr lang="fr-FR" baseline="0" dirty="0" err="1" smtClean="0"/>
+              <a:t>integer</a:t>
+            </a:r>
+            <a:r>
+              <a:rPr lang="fr-FR" baseline="0" dirty="0" smtClean="0"/>
+              <a:t> value.</a:t>
+            </a:r>
+          </a:p>
+          <a:p>
+            <a:r>
+              <a:rPr lang="fr-FR" baseline="0" dirty="0" smtClean="0"/>
+              <a:t>… and </a:t>
+            </a:r>
+            <a:r>
+              <a:rPr lang="fr-FR" baseline="0" dirty="0" err="1" smtClean="0"/>
+              <a:t>that’s</a:t>
+            </a:r>
+            <a:r>
+              <a:rPr lang="fr-FR" baseline="0" dirty="0" smtClean="0"/>
+              <a:t> </a:t>
+            </a:r>
+            <a:r>
+              <a:rPr lang="fr-FR" baseline="0" dirty="0" err="1" smtClean="0"/>
+              <a:t>exactly</a:t>
+            </a:r>
+            <a:r>
+              <a:rPr lang="fr-FR" baseline="0" dirty="0" smtClean="0"/>
+              <a:t> </a:t>
+            </a:r>
+            <a:r>
+              <a:rPr lang="fr-FR" baseline="0" dirty="0" err="1" smtClean="0"/>
+              <a:t>what</a:t>
+            </a:r>
+            <a:r>
+              <a:rPr lang="fr-FR" baseline="0" dirty="0" smtClean="0"/>
+              <a:t> </a:t>
+            </a:r>
+            <a:r>
+              <a:rPr lang="fr-FR" baseline="0" dirty="0" err="1" smtClean="0"/>
+              <a:t>GNATprove</a:t>
+            </a:r>
+            <a:r>
+              <a:rPr lang="fr-FR" baseline="0" dirty="0" smtClean="0"/>
+              <a:t> tells us </a:t>
+            </a:r>
+            <a:r>
+              <a:rPr lang="fr-FR" baseline="0" dirty="0" err="1" smtClean="0"/>
+              <a:t>here</a:t>
+            </a:r>
+            <a:r>
+              <a:rPr lang="fr-FR" baseline="0" dirty="0" smtClean="0"/>
+              <a:t>, </a:t>
+            </a:r>
+            <a:r>
+              <a:rPr lang="fr-FR" baseline="0" dirty="0" err="1" smtClean="0"/>
+              <a:t>with</a:t>
+            </a:r>
+            <a:r>
+              <a:rPr lang="fr-FR" baseline="0" dirty="0" smtClean="0"/>
+              <a:t> the value of </a:t>
+            </a:r>
+            <a:r>
+              <a:rPr lang="fr-FR" baseline="0" dirty="0" err="1" smtClean="0"/>
+              <a:t>counterexample</a:t>
+            </a:r>
+            <a:r>
+              <a:rPr lang="fr-FR" baseline="0" dirty="0" smtClean="0"/>
+              <a:t> </a:t>
+            </a:r>
+            <a:r>
+              <a:rPr lang="fr-FR" baseline="0" dirty="0" err="1" smtClean="0"/>
+              <a:t>that</a:t>
+            </a:r>
+            <a:r>
+              <a:rPr lang="fr-FR" baseline="0" dirty="0" smtClean="0"/>
+              <a:t> </a:t>
+            </a:r>
+            <a:r>
+              <a:rPr lang="fr-FR" baseline="0" dirty="0" err="1" smtClean="0"/>
+              <a:t>it</a:t>
+            </a:r>
+            <a:r>
+              <a:rPr lang="fr-FR" baseline="0" dirty="0" smtClean="0"/>
+              <a:t> displays: Val = -32768</a:t>
+            </a:r>
+          </a:p>
+          <a:p>
+            <a:r>
+              <a:rPr lang="fr-FR" baseline="0" dirty="0" smtClean="0"/>
+              <a:t>If </a:t>
+            </a:r>
+            <a:r>
+              <a:rPr lang="fr-FR" baseline="0" dirty="0" err="1" smtClean="0"/>
+              <a:t>you</a:t>
+            </a:r>
+            <a:r>
+              <a:rPr lang="fr-FR" baseline="0" dirty="0" smtClean="0"/>
+              <a:t> </a:t>
+            </a:r>
+            <a:r>
+              <a:rPr lang="fr-FR" baseline="0" dirty="0" err="1" smtClean="0"/>
+              <a:t>follow</a:t>
+            </a:r>
+            <a:r>
+              <a:rPr lang="fr-FR" baseline="0" dirty="0" smtClean="0"/>
+              <a:t> the </a:t>
+            </a:r>
+            <a:r>
+              <a:rPr lang="fr-FR" baseline="0" dirty="0" err="1" smtClean="0"/>
+              <a:t>program’s</a:t>
+            </a:r>
+            <a:r>
+              <a:rPr lang="fr-FR" baseline="0" dirty="0" smtClean="0"/>
+              <a:t> </a:t>
+            </a:r>
+            <a:r>
+              <a:rPr lang="fr-FR" baseline="0" dirty="0" err="1" smtClean="0"/>
+              <a:t>logic</a:t>
+            </a:r>
+            <a:r>
+              <a:rPr lang="fr-FR" baseline="0" dirty="0" smtClean="0"/>
+              <a:t>, </a:t>
+            </a:r>
+            <a:r>
+              <a:rPr lang="fr-FR" baseline="0" dirty="0" err="1" smtClean="0"/>
+              <a:t>this</a:t>
+            </a:r>
+            <a:r>
+              <a:rPr lang="fr-FR" baseline="0" dirty="0" smtClean="0"/>
+              <a:t> value causes the first </a:t>
+            </a:r>
+            <a:r>
+              <a:rPr lang="fr-FR" baseline="0" dirty="0" err="1" smtClean="0"/>
+              <a:t>branch</a:t>
+            </a:r>
+            <a:r>
+              <a:rPr lang="fr-FR" baseline="0" dirty="0" smtClean="0"/>
+              <a:t> of the if to </a:t>
+            </a:r>
+            <a:r>
+              <a:rPr lang="fr-FR" baseline="0" dirty="0" err="1" smtClean="0"/>
+              <a:t>be</a:t>
+            </a:r>
+            <a:r>
+              <a:rPr lang="fr-FR" baseline="0" dirty="0" smtClean="0"/>
+              <a:t> </a:t>
+            </a:r>
+            <a:r>
+              <a:rPr lang="fr-FR" baseline="0" dirty="0" err="1" smtClean="0"/>
+              <a:t>taken</a:t>
+            </a:r>
+            <a:r>
+              <a:rPr lang="fr-FR" baseline="0" dirty="0" smtClean="0"/>
+              <a:t>, </a:t>
+            </a:r>
+            <a:r>
+              <a:rPr lang="fr-FR" baseline="0" dirty="0" err="1" smtClean="0"/>
+              <a:t>so</a:t>
+            </a:r>
+            <a:r>
+              <a:rPr lang="fr-FR" baseline="0" dirty="0" smtClean="0"/>
+              <a:t> the minimum </a:t>
+            </a:r>
+            <a:r>
+              <a:rPr lang="fr-FR" baseline="0" dirty="0" err="1" smtClean="0"/>
+              <a:t>between</a:t>
+            </a:r>
+            <a:r>
+              <a:rPr lang="fr-FR" baseline="0" dirty="0" smtClean="0"/>
+              <a:t> </a:t>
+            </a:r>
+            <a:r>
+              <a:rPr lang="fr-FR" baseline="0" dirty="0" err="1" smtClean="0"/>
+              <a:t>this</a:t>
+            </a:r>
+            <a:r>
+              <a:rPr lang="fr-FR" baseline="0" dirty="0" smtClean="0"/>
+              <a:t> value and -256 </a:t>
+            </a:r>
+            <a:r>
+              <a:rPr lang="fr-FR" baseline="0" dirty="0" err="1" smtClean="0"/>
+              <a:t>is</a:t>
+            </a:r>
+            <a:r>
+              <a:rPr lang="fr-FR" baseline="0" dirty="0" smtClean="0"/>
+              <a:t> </a:t>
+            </a:r>
+            <a:r>
+              <a:rPr lang="fr-FR" baseline="0" dirty="0" err="1" smtClean="0"/>
+              <a:t>returned</a:t>
+            </a:r>
+            <a:r>
+              <a:rPr lang="fr-FR" baseline="0" dirty="0" smtClean="0"/>
+              <a:t>…</a:t>
+            </a:r>
+          </a:p>
+          <a:p>
+            <a:r>
+              <a:rPr lang="fr-FR" baseline="0" dirty="0" err="1" smtClean="0"/>
+              <a:t>Wait</a:t>
+            </a:r>
+            <a:r>
+              <a:rPr lang="fr-FR" baseline="0" dirty="0" smtClean="0"/>
+              <a:t> </a:t>
+            </a:r>
+            <a:r>
+              <a:rPr lang="fr-FR" baseline="0" dirty="0" err="1" smtClean="0"/>
+              <a:t>there</a:t>
+            </a:r>
+            <a:r>
+              <a:rPr lang="fr-FR" baseline="0" dirty="0" smtClean="0"/>
+              <a:t> </a:t>
+            </a:r>
+            <a:r>
+              <a:rPr lang="fr-FR" baseline="0" dirty="0" err="1" smtClean="0"/>
+              <a:t>is</a:t>
+            </a:r>
+            <a:r>
+              <a:rPr lang="fr-FR" baseline="0" dirty="0" smtClean="0"/>
+              <a:t> an </a:t>
+            </a:r>
+            <a:r>
+              <a:rPr lang="fr-FR" baseline="0" dirty="0" err="1" smtClean="0"/>
+              <a:t>error</a:t>
+            </a:r>
+            <a:r>
+              <a:rPr lang="fr-FR" baseline="0" dirty="0" smtClean="0"/>
+              <a:t> </a:t>
+            </a:r>
+            <a:r>
+              <a:rPr lang="fr-FR" baseline="0" dirty="0" err="1" smtClean="0"/>
+              <a:t>here</a:t>
+            </a:r>
+            <a:r>
+              <a:rPr lang="fr-FR" baseline="0" dirty="0" smtClean="0"/>
+              <a:t>, </a:t>
+            </a:r>
+            <a:r>
+              <a:rPr lang="fr-FR" baseline="0" dirty="0" err="1" smtClean="0"/>
+              <a:t>it</a:t>
+            </a:r>
+            <a:r>
+              <a:rPr lang="fr-FR" baseline="0" dirty="0" smtClean="0"/>
+              <a:t> </a:t>
+            </a:r>
+            <a:r>
+              <a:rPr lang="fr-FR" baseline="0" dirty="0" err="1" smtClean="0"/>
+              <a:t>should</a:t>
+            </a:r>
+            <a:r>
+              <a:rPr lang="fr-FR" baseline="0" dirty="0" smtClean="0"/>
+              <a:t> </a:t>
+            </a:r>
+            <a:r>
+              <a:rPr lang="fr-FR" baseline="0" dirty="0" err="1" smtClean="0"/>
+              <a:t>be</a:t>
+            </a:r>
+            <a:r>
+              <a:rPr lang="fr-FR" baseline="0" dirty="0" smtClean="0"/>
+              <a:t> the maximum! </a:t>
+            </a:r>
+            <a:endParaRPr lang="fr-FR" dirty="0"/>
+          </a:p>
+        </p:txBody>
+      </p:sp>
+      <p:sp>
+        <p:nvSpPr>
+          <p:cNvPr id="4" name="Espace réservé du numéro de diapositive 3"/>
+          <p:cNvSpPr>
+            <a:spLocks noGrp="1"/>
+          </p:cNvSpPr>
+          <p:nvPr>
+            <p:ph type="sldNum" sz="quarter" idx="10"/>
+          </p:nvPr>
+        </p:nvSpPr>
+        <p:spPr/>
+        <p:txBody>
+          <a:bodyPr/>
+          <a:lstStyle/>
+          <a:p>
+            <a:fld id="{75693FD4-8F83-4EF7-AC3F-0DC0388986B0}" type="slidenum">
+              <a:rPr lang="en-US" smtClean="0"/>
+              <a:pPr/>
+              <a:t>21</a:t>
+            </a:fld>
+            <a:endParaRPr lang="en-US" dirty="0"/>
+          </a:p>
+        </p:txBody>
+      </p:sp>
+    </p:spTree>
+    <p:extLst>
+      <p:ext uri="{BB962C8B-B14F-4D97-AF65-F5344CB8AC3E}">
+        <p14:creationId xmlns:p14="http://schemas.microsoft.com/office/powerpoint/2010/main" val="3908463525"/>
+      </p:ext>
+    </p:extLst>
+  </p:cSld>
+  <p:clrMapOvr>
+    <a:masterClrMapping/>
+  </p:clrMapOvr>
+</p:notes>
+</file>
+
+<file path=ppt/notesSlides/notesSlide18.xml><?xml version="1.0" encoding="utf-8"?>
+<p:notes xmlns:a="http://schemas.openxmlformats.org/drawingml/2006/main" xmlns:r="http://schemas.openxmlformats.org/officeDocument/2006/relationships" xmlns:p="http://schemas.openxmlformats.org/presentationml/2006/main">
+  <p:cSld>
+    <p:spTree>
+      <p:nvGrpSpPr>
+        <p:cNvPr id="1" name=""/>
+        <p:cNvGrpSpPr/>
+        <p:nvPr/>
+      </p:nvGrpSpPr>
+      <p:grpSpPr>
+        <a:xfrm>
+          <a:off x="0" y="0"/>
+          <a:ext cx="0" cy="0"/>
+          <a:chOff x="0" y="0"/>
+          <a:chExt cx="0" cy="0"/>
+        </a:xfrm>
+      </p:grpSpPr>
+      <p:sp>
+        <p:nvSpPr>
+          <p:cNvPr id="2" name="Espace réservé de l'image des diapositives 1"/>
+          <p:cNvSpPr>
+            <a:spLocks noGrp="1" noRot="1" noChangeAspect="1"/>
+          </p:cNvSpPr>
+          <p:nvPr>
+            <p:ph type="sldImg"/>
+          </p:nvPr>
+        </p:nvSpPr>
+        <p:spPr/>
+      </p:sp>
+      <p:sp>
+        <p:nvSpPr>
+          <p:cNvPr id="3" name="Espace réservé des commentaires 2"/>
+          <p:cNvSpPr>
+            <a:spLocks noGrp="1"/>
+          </p:cNvSpPr>
+          <p:nvPr>
+            <p:ph type="body" idx="1"/>
+          </p:nvPr>
+        </p:nvSpPr>
+        <p:spPr/>
+        <p:txBody>
+          <a:bodyPr/>
+          <a:lstStyle/>
+          <a:p>
+            <a:r>
+              <a:rPr lang="fr-FR" dirty="0" err="1" smtClean="0"/>
+              <a:t>Indeed</a:t>
+            </a:r>
+            <a:r>
+              <a:rPr lang="fr-FR" dirty="0" smtClean="0"/>
+              <a:t>, the </a:t>
+            </a:r>
+            <a:r>
+              <a:rPr lang="fr-FR" dirty="0" err="1" smtClean="0"/>
+              <a:t>error</a:t>
+            </a:r>
+            <a:r>
+              <a:rPr lang="fr-FR" dirty="0" smtClean="0"/>
+              <a:t> </a:t>
+            </a:r>
+            <a:r>
+              <a:rPr lang="fr-FR" dirty="0" err="1" smtClean="0"/>
+              <a:t>was</a:t>
+            </a:r>
+            <a:r>
+              <a:rPr lang="fr-FR" baseline="0" dirty="0" smtClean="0"/>
+              <a:t> </a:t>
+            </a:r>
+            <a:r>
+              <a:rPr lang="fr-FR" baseline="0" dirty="0" err="1" smtClean="0"/>
+              <a:t>that</a:t>
+            </a:r>
+            <a:r>
+              <a:rPr lang="fr-FR" baseline="0" dirty="0" smtClean="0"/>
+              <a:t> Min and Max </a:t>
+            </a:r>
+            <a:r>
+              <a:rPr lang="fr-FR" baseline="0" dirty="0" err="1" smtClean="0"/>
+              <a:t>were</a:t>
+            </a:r>
+            <a:r>
+              <a:rPr lang="fr-FR" baseline="0" dirty="0" smtClean="0"/>
+              <a:t> </a:t>
+            </a:r>
+            <a:r>
+              <a:rPr lang="fr-FR" baseline="0" dirty="0" err="1" smtClean="0"/>
+              <a:t>switched</a:t>
+            </a:r>
+            <a:r>
+              <a:rPr lang="fr-FR" baseline="0" dirty="0" smtClean="0"/>
+              <a:t> </a:t>
+            </a:r>
+            <a:r>
+              <a:rPr lang="fr-FR" baseline="0" dirty="0" err="1" smtClean="0"/>
+              <a:t>here</a:t>
+            </a:r>
+            <a:r>
+              <a:rPr lang="fr-FR" baseline="0" dirty="0" smtClean="0"/>
+              <a:t>. </a:t>
+            </a:r>
+            <a:r>
+              <a:rPr lang="fr-FR" baseline="0" dirty="0" err="1" smtClean="0"/>
+              <a:t>Let’s</a:t>
+            </a:r>
+            <a:r>
+              <a:rPr lang="fr-FR" baseline="0" dirty="0" smtClean="0"/>
+              <a:t> </a:t>
+            </a:r>
+            <a:r>
+              <a:rPr lang="fr-FR" baseline="0" dirty="0" err="1" smtClean="0"/>
+              <a:t>fix</a:t>
+            </a:r>
+            <a:r>
+              <a:rPr lang="fr-FR" baseline="0" dirty="0" smtClean="0"/>
+              <a:t> </a:t>
+            </a:r>
+            <a:r>
+              <a:rPr lang="fr-FR" baseline="0" dirty="0" err="1" smtClean="0"/>
+              <a:t>that</a:t>
+            </a:r>
+            <a:r>
+              <a:rPr lang="fr-FR" baseline="0" dirty="0" smtClean="0"/>
+              <a:t> and </a:t>
+            </a:r>
+            <a:r>
+              <a:rPr lang="fr-FR" baseline="0" dirty="0" err="1" smtClean="0"/>
+              <a:t>rerun</a:t>
+            </a:r>
+            <a:r>
+              <a:rPr lang="fr-FR" baseline="0" dirty="0" smtClean="0"/>
+              <a:t> </a:t>
+            </a:r>
+            <a:r>
+              <a:rPr lang="fr-FR" baseline="0" dirty="0" err="1" smtClean="0"/>
+              <a:t>GNATprove</a:t>
+            </a:r>
+            <a:r>
+              <a:rPr lang="fr-FR" baseline="0" dirty="0" smtClean="0"/>
+              <a:t>.</a:t>
+            </a:r>
+            <a:endParaRPr lang="fr-FR" dirty="0"/>
+          </a:p>
+        </p:txBody>
+      </p:sp>
+      <p:sp>
+        <p:nvSpPr>
+          <p:cNvPr id="4" name="Espace réservé du numéro de diapositive 3"/>
+          <p:cNvSpPr>
+            <a:spLocks noGrp="1"/>
+          </p:cNvSpPr>
+          <p:nvPr>
+            <p:ph type="sldNum" sz="quarter" idx="10"/>
+          </p:nvPr>
+        </p:nvSpPr>
+        <p:spPr/>
+        <p:txBody>
+          <a:bodyPr/>
+          <a:lstStyle/>
+          <a:p>
+            <a:fld id="{75693FD4-8F83-4EF7-AC3F-0DC0388986B0}" type="slidenum">
+              <a:rPr lang="en-US" smtClean="0"/>
+              <a:pPr/>
+              <a:t>22</a:t>
+            </a:fld>
+            <a:endParaRPr lang="en-US" dirty="0"/>
+          </a:p>
+        </p:txBody>
+      </p:sp>
+    </p:spTree>
+    <p:extLst>
+      <p:ext uri="{BB962C8B-B14F-4D97-AF65-F5344CB8AC3E}">
+        <p14:creationId xmlns:p14="http://schemas.microsoft.com/office/powerpoint/2010/main" val="787985078"/>
+      </p:ext>
+    </p:extLst>
+  </p:cSld>
+  <p:clrMapOvr>
+    <a:masterClrMapping/>
+  </p:clrMapOvr>
+</p:notes>
+</file>
+
+<file path=ppt/notesSlides/notesSlide19.xml><?xml version="1.0" encoding="utf-8"?>
+<p:notes xmlns:a="http://schemas.openxmlformats.org/drawingml/2006/main" xmlns:r="http://schemas.openxmlformats.org/officeDocument/2006/relationships" xmlns:p="http://schemas.openxmlformats.org/presentationml/2006/main">
+  <p:cSld>
+    <p:spTree>
+      <p:nvGrpSpPr>
+        <p:cNvPr id="1" name=""/>
+        <p:cNvGrpSpPr/>
+        <p:nvPr/>
+      </p:nvGrpSpPr>
+      <p:grpSpPr>
+        <a:xfrm>
+          <a:off x="0" y="0"/>
+          <a:ext cx="0" cy="0"/>
+          <a:chOff x="0" y="0"/>
+          <a:chExt cx="0" cy="0"/>
+        </a:xfrm>
+      </p:grpSpPr>
+      <p:sp>
+        <p:nvSpPr>
+          <p:cNvPr id="2" name="Espace réservé de l'image des diapositives 1"/>
+          <p:cNvSpPr>
+            <a:spLocks noGrp="1" noRot="1" noChangeAspect="1"/>
+          </p:cNvSpPr>
+          <p:nvPr>
+            <p:ph type="sldImg"/>
+          </p:nvPr>
+        </p:nvSpPr>
+        <p:spPr/>
+      </p:sp>
+      <p:sp>
+        <p:nvSpPr>
+          <p:cNvPr id="3" name="Espace réservé des commentaires 2"/>
+          <p:cNvSpPr>
+            <a:spLocks noGrp="1"/>
+          </p:cNvSpPr>
+          <p:nvPr>
+            <p:ph type="body" idx="1"/>
+          </p:nvPr>
+        </p:nvSpPr>
+        <p:spPr/>
+        <p:txBody>
+          <a:bodyPr/>
+          <a:lstStyle/>
+          <a:p>
+            <a:r>
+              <a:rPr lang="fr-FR" dirty="0" smtClean="0"/>
+              <a:t>This time, </a:t>
+            </a:r>
+            <a:r>
+              <a:rPr lang="fr-FR" dirty="0" err="1" smtClean="0"/>
+              <a:t>GNATprove</a:t>
+            </a:r>
+            <a:r>
+              <a:rPr lang="fr-FR" dirty="0" smtClean="0"/>
+              <a:t> issues a message </a:t>
+            </a:r>
+            <a:r>
+              <a:rPr lang="fr-FR" dirty="0" err="1" smtClean="0"/>
+              <a:t>that</a:t>
+            </a:r>
+            <a:r>
+              <a:rPr lang="fr-FR" dirty="0" smtClean="0"/>
+              <a:t> tells us </a:t>
+            </a:r>
+            <a:r>
+              <a:rPr lang="fr-FR" dirty="0" err="1" smtClean="0"/>
+              <a:t>that</a:t>
+            </a:r>
+            <a:r>
+              <a:rPr lang="fr-FR" dirty="0" smtClean="0"/>
+              <a:t> the</a:t>
+            </a:r>
+            <a:r>
+              <a:rPr lang="fr-FR" baseline="0" dirty="0" smtClean="0"/>
+              <a:t> </a:t>
+            </a:r>
+            <a:r>
+              <a:rPr lang="fr-FR" baseline="0" dirty="0" err="1" smtClean="0"/>
+              <a:t>postcondition</a:t>
+            </a:r>
+            <a:r>
+              <a:rPr lang="fr-FR" baseline="0" dirty="0" smtClean="0"/>
+              <a:t> on line 4 </a:t>
+            </a:r>
+            <a:r>
+              <a:rPr lang="fr-FR" baseline="0" dirty="0" err="1" smtClean="0"/>
+              <a:t>may</a:t>
+            </a:r>
+            <a:r>
+              <a:rPr lang="fr-FR" baseline="0" dirty="0" smtClean="0"/>
+              <a:t> </a:t>
+            </a:r>
+            <a:r>
+              <a:rPr lang="fr-FR" baseline="0" dirty="0" err="1" smtClean="0"/>
+              <a:t>fail</a:t>
+            </a:r>
+            <a:r>
+              <a:rPr lang="fr-FR" baseline="0" dirty="0" smtClean="0"/>
+              <a:t>.</a:t>
+            </a:r>
+          </a:p>
+          <a:p>
+            <a:r>
+              <a:rPr lang="fr-FR" baseline="0" dirty="0" smtClean="0"/>
+              <a:t>It </a:t>
+            </a:r>
+            <a:r>
+              <a:rPr lang="fr-FR" baseline="0" dirty="0" err="1" smtClean="0"/>
+              <a:t>would</a:t>
+            </a:r>
+            <a:r>
+              <a:rPr lang="fr-FR" baseline="0" dirty="0" smtClean="0"/>
+              <a:t> </a:t>
+            </a:r>
+            <a:r>
+              <a:rPr lang="fr-FR" baseline="0" dirty="0" err="1" smtClean="0"/>
+              <a:t>be</a:t>
+            </a:r>
+            <a:r>
+              <a:rPr lang="fr-FR" baseline="0" dirty="0" smtClean="0"/>
+              <a:t> harder </a:t>
+            </a:r>
+            <a:r>
+              <a:rPr lang="fr-FR" baseline="0" dirty="0" err="1" smtClean="0"/>
+              <a:t>this</a:t>
+            </a:r>
+            <a:r>
+              <a:rPr lang="fr-FR" baseline="0" dirty="0" smtClean="0"/>
+              <a:t> time to know </a:t>
+            </a:r>
+            <a:r>
+              <a:rPr lang="fr-FR" baseline="0" dirty="0" err="1" smtClean="0"/>
+              <a:t>just</a:t>
+            </a:r>
+            <a:r>
+              <a:rPr lang="fr-FR" baseline="0" dirty="0" smtClean="0"/>
+              <a:t> by </a:t>
+            </a:r>
+            <a:r>
+              <a:rPr lang="fr-FR" baseline="0" dirty="0" err="1" smtClean="0"/>
+              <a:t>looking</a:t>
+            </a:r>
+            <a:r>
+              <a:rPr lang="fr-FR" baseline="0" dirty="0" smtClean="0"/>
+              <a:t> </a:t>
+            </a:r>
+            <a:r>
+              <a:rPr lang="fr-FR" baseline="0" dirty="0" err="1" smtClean="0"/>
+              <a:t>at</a:t>
+            </a:r>
+            <a:r>
+              <a:rPr lang="fr-FR" baseline="0" dirty="0" smtClean="0"/>
+              <a:t> the code </a:t>
+            </a:r>
+            <a:r>
+              <a:rPr lang="fr-FR" baseline="0" dirty="0" err="1" smtClean="0"/>
+              <a:t>what</a:t>
+            </a:r>
+            <a:r>
+              <a:rPr lang="fr-FR" baseline="0" dirty="0" smtClean="0"/>
+              <a:t> </a:t>
+            </a:r>
+            <a:r>
+              <a:rPr lang="fr-FR" baseline="0" dirty="0" err="1" smtClean="0"/>
+              <a:t>might</a:t>
+            </a:r>
+            <a:r>
+              <a:rPr lang="fr-FR" baseline="0" dirty="0" smtClean="0"/>
+              <a:t> go </a:t>
+            </a:r>
+            <a:r>
+              <a:rPr lang="fr-FR" baseline="0" dirty="0" err="1" smtClean="0"/>
+              <a:t>wrong</a:t>
+            </a:r>
+            <a:r>
+              <a:rPr lang="fr-FR" baseline="0" dirty="0" smtClean="0"/>
+              <a:t>, but </a:t>
+            </a:r>
+            <a:r>
+              <a:rPr lang="fr-FR" baseline="0" dirty="0" err="1" smtClean="0"/>
+              <a:t>GNATprove</a:t>
+            </a:r>
+            <a:r>
+              <a:rPr lang="fr-FR" baseline="0" dirty="0" smtClean="0"/>
+              <a:t> </a:t>
+            </a:r>
+            <a:r>
+              <a:rPr lang="fr-FR" baseline="0" dirty="0" err="1" smtClean="0"/>
+              <a:t>again</a:t>
+            </a:r>
+            <a:r>
+              <a:rPr lang="fr-FR" baseline="0" dirty="0" smtClean="0"/>
+              <a:t> shows a value of a </a:t>
+            </a:r>
+            <a:r>
+              <a:rPr lang="fr-FR" baseline="0" dirty="0" err="1" smtClean="0"/>
+              <a:t>counterexample</a:t>
+            </a:r>
+            <a:r>
+              <a:rPr lang="fr-FR" baseline="0" dirty="0" smtClean="0"/>
+              <a:t>:</a:t>
+            </a:r>
+          </a:p>
+          <a:p>
+            <a:r>
+              <a:rPr lang="fr-FR" baseline="0" dirty="0" err="1" smtClean="0"/>
+              <a:t>When</a:t>
+            </a:r>
+            <a:r>
+              <a:rPr lang="fr-FR" baseline="0" dirty="0" smtClean="0"/>
+              <a:t> Val </a:t>
+            </a:r>
+            <a:r>
+              <a:rPr lang="fr-FR" baseline="0" dirty="0" err="1" smtClean="0"/>
+              <a:t>is</a:t>
+            </a:r>
+            <a:r>
+              <a:rPr lang="fr-FR" baseline="0" dirty="0" smtClean="0"/>
+              <a:t> -257 on entry, </a:t>
+            </a:r>
+            <a:r>
+              <a:rPr lang="fr-FR" baseline="0" dirty="0" err="1" smtClean="0"/>
+              <a:t>then</a:t>
+            </a:r>
+            <a:r>
+              <a:rPr lang="fr-FR" baseline="0" dirty="0" smtClean="0"/>
+              <a:t> the first </a:t>
+            </a:r>
+            <a:r>
+              <a:rPr lang="fr-FR" baseline="0" dirty="0" err="1" smtClean="0"/>
+              <a:t>branch</a:t>
+            </a:r>
+            <a:r>
+              <a:rPr lang="fr-FR" baseline="0" dirty="0" smtClean="0"/>
+              <a:t> of the if </a:t>
+            </a:r>
+            <a:r>
+              <a:rPr lang="fr-FR" baseline="0" dirty="0" err="1" smtClean="0"/>
+              <a:t>is</a:t>
+            </a:r>
+            <a:r>
+              <a:rPr lang="fr-FR" baseline="0" dirty="0" smtClean="0"/>
+              <a:t> </a:t>
+            </a:r>
+            <a:r>
+              <a:rPr lang="fr-FR" baseline="0" dirty="0" err="1" smtClean="0"/>
+              <a:t>taken</a:t>
+            </a:r>
+            <a:r>
+              <a:rPr lang="fr-FR" baseline="0" dirty="0" smtClean="0"/>
+              <a:t>, and the </a:t>
+            </a:r>
+            <a:r>
+              <a:rPr lang="fr-FR" baseline="0" dirty="0" err="1" smtClean="0"/>
+              <a:t>function</a:t>
+            </a:r>
+            <a:r>
+              <a:rPr lang="fr-FR" baseline="0" dirty="0" smtClean="0"/>
+              <a:t> </a:t>
+            </a:r>
+            <a:r>
+              <a:rPr lang="fr-FR" baseline="0" dirty="0" err="1" smtClean="0"/>
+              <a:t>returns</a:t>
+            </a:r>
+            <a:r>
+              <a:rPr lang="fr-FR" baseline="0" dirty="0" smtClean="0"/>
+              <a:t> -256, as </a:t>
+            </a:r>
+            <a:r>
+              <a:rPr lang="fr-FR" baseline="0" dirty="0" err="1" smtClean="0"/>
+              <a:t>shown</a:t>
+            </a:r>
+            <a:r>
+              <a:rPr lang="fr-FR" baseline="0" dirty="0" smtClean="0"/>
+              <a:t> in the </a:t>
+            </a:r>
+            <a:r>
+              <a:rPr lang="fr-FR" baseline="0" dirty="0" err="1" smtClean="0"/>
+              <a:t>counterexample</a:t>
+            </a:r>
+            <a:r>
+              <a:rPr lang="fr-FR" baseline="0" dirty="0" smtClean="0"/>
+              <a:t> </a:t>
+            </a:r>
+            <a:r>
+              <a:rPr lang="fr-FR" baseline="0" dirty="0" err="1" smtClean="0"/>
+              <a:t>displayed</a:t>
+            </a:r>
+            <a:r>
+              <a:rPr lang="fr-FR" baseline="0" dirty="0" smtClean="0"/>
+              <a:t>, </a:t>
+            </a:r>
+            <a:r>
+              <a:rPr lang="fr-FR" baseline="0" dirty="0" err="1" smtClean="0"/>
+              <a:t>which</a:t>
+            </a:r>
+            <a:r>
+              <a:rPr lang="fr-FR" baseline="0" dirty="0" smtClean="0"/>
+              <a:t> looks correct!</a:t>
+            </a:r>
+          </a:p>
+          <a:p>
+            <a:r>
+              <a:rPr lang="fr-FR" baseline="0" dirty="0" smtClean="0"/>
+              <a:t>But the </a:t>
+            </a:r>
+            <a:r>
+              <a:rPr lang="fr-FR" baseline="0" dirty="0" err="1" smtClean="0"/>
+              <a:t>postcondition</a:t>
+            </a:r>
+            <a:r>
+              <a:rPr lang="fr-FR" baseline="0" dirty="0" smtClean="0"/>
+              <a:t> </a:t>
+            </a:r>
+            <a:r>
+              <a:rPr lang="fr-FR" baseline="0" dirty="0" err="1" smtClean="0"/>
+              <a:t>requires</a:t>
+            </a:r>
+            <a:r>
+              <a:rPr lang="fr-FR" baseline="0" dirty="0" smtClean="0"/>
+              <a:t> </a:t>
+            </a:r>
+            <a:r>
+              <a:rPr lang="fr-FR" baseline="0" dirty="0" err="1" smtClean="0"/>
+              <a:t>that</a:t>
+            </a:r>
+            <a:r>
+              <a:rPr lang="fr-FR" baseline="0" dirty="0" smtClean="0"/>
+              <a:t> </a:t>
+            </a:r>
+            <a:r>
+              <a:rPr lang="fr-FR" baseline="0" dirty="0" err="1" smtClean="0"/>
+              <a:t>this</a:t>
+            </a:r>
+            <a:r>
+              <a:rPr lang="fr-FR" baseline="0" dirty="0" smtClean="0"/>
+              <a:t> value </a:t>
+            </a:r>
+            <a:r>
+              <a:rPr lang="fr-FR" baseline="0" dirty="0" err="1" smtClean="0"/>
+              <a:t>is</a:t>
+            </a:r>
+            <a:r>
+              <a:rPr lang="fr-FR" baseline="0" dirty="0" smtClean="0"/>
+              <a:t> </a:t>
+            </a:r>
+            <a:r>
+              <a:rPr lang="fr-FR" baseline="0" dirty="0" err="1" smtClean="0"/>
+              <a:t>strictly</a:t>
+            </a:r>
+            <a:r>
+              <a:rPr lang="fr-FR" baseline="0" dirty="0" smtClean="0"/>
+              <a:t> </a:t>
+            </a:r>
+            <a:r>
+              <a:rPr lang="fr-FR" baseline="0" dirty="0" err="1" smtClean="0"/>
+              <a:t>less</a:t>
+            </a:r>
+            <a:r>
+              <a:rPr lang="fr-FR" baseline="0" dirty="0" smtClean="0"/>
+              <a:t> </a:t>
+            </a:r>
+            <a:r>
+              <a:rPr lang="fr-FR" baseline="0" dirty="0" err="1" smtClean="0"/>
+              <a:t>than</a:t>
+            </a:r>
+            <a:r>
+              <a:rPr lang="fr-FR" baseline="0" dirty="0" smtClean="0"/>
+              <a:t> -256!</a:t>
+            </a:r>
+          </a:p>
+        </p:txBody>
+      </p:sp>
+      <p:sp>
+        <p:nvSpPr>
+          <p:cNvPr id="4" name="Espace réservé du numéro de diapositive 3"/>
+          <p:cNvSpPr>
+            <a:spLocks noGrp="1"/>
+          </p:cNvSpPr>
+          <p:nvPr>
+            <p:ph type="sldNum" sz="quarter" idx="10"/>
+          </p:nvPr>
+        </p:nvSpPr>
+        <p:spPr/>
+        <p:txBody>
+          <a:bodyPr/>
+          <a:lstStyle/>
+          <a:p>
+            <a:fld id="{75693FD4-8F83-4EF7-AC3F-0DC0388986B0}" type="slidenum">
+              <a:rPr lang="en-US" smtClean="0"/>
+              <a:pPr/>
+              <a:t>23</a:t>
+            </a:fld>
+            <a:endParaRPr lang="en-US" dirty="0"/>
+          </a:p>
+        </p:txBody>
+      </p:sp>
+    </p:spTree>
+    <p:extLst>
+      <p:ext uri="{BB962C8B-B14F-4D97-AF65-F5344CB8AC3E}">
+        <p14:creationId xmlns:p14="http://schemas.microsoft.com/office/powerpoint/2010/main" val="1774351659"/>
+      </p:ext>
+    </p:extLst>
   </p:cSld>
   <p:clrMapOvr>
     <a:masterClrMapping/>
@@ -1260,6 +4224,208 @@
           <a:bodyPr/>
           <a:lstStyle/>
           <a:p>
+            <a:r>
+              <a:rPr lang="fr-FR" dirty="0" err="1" smtClean="0"/>
+              <a:t>I’ll</a:t>
+            </a:r>
+            <a:r>
+              <a:rPr lang="fr-FR" dirty="0" smtClean="0"/>
+              <a:t> </a:t>
+            </a:r>
+            <a:r>
+              <a:rPr lang="fr-FR" dirty="0" err="1" smtClean="0"/>
+              <a:t>present</a:t>
+            </a:r>
+            <a:r>
+              <a:rPr lang="fr-FR" dirty="0" smtClean="0"/>
+              <a:t> first the </a:t>
+            </a:r>
+            <a:r>
+              <a:rPr lang="fr-FR" dirty="0" err="1" smtClean="0"/>
+              <a:t>features</a:t>
+            </a:r>
+            <a:r>
+              <a:rPr lang="fr-FR" dirty="0" smtClean="0"/>
+              <a:t> </a:t>
+            </a:r>
+            <a:r>
+              <a:rPr lang="fr-FR" dirty="0" err="1" smtClean="0"/>
+              <a:t>that</a:t>
+            </a:r>
+            <a:r>
+              <a:rPr lang="fr-FR" dirty="0" smtClean="0"/>
+              <a:t> </a:t>
+            </a:r>
+            <a:r>
+              <a:rPr lang="fr-FR" dirty="0" err="1" smtClean="0"/>
+              <a:t>make</a:t>
+            </a:r>
+            <a:r>
+              <a:rPr lang="fr-FR" dirty="0" smtClean="0"/>
+              <a:t> SPARK</a:t>
+            </a:r>
+            <a:r>
+              <a:rPr lang="fr-FR" baseline="0" dirty="0" smtClean="0"/>
+              <a:t> </a:t>
+            </a:r>
+            <a:r>
+              <a:rPr lang="fr-FR" baseline="0" dirty="0" err="1" smtClean="0"/>
+              <a:t>easy</a:t>
+            </a:r>
+            <a:r>
+              <a:rPr lang="fr-FR" baseline="0" dirty="0" smtClean="0"/>
+              <a:t> to </a:t>
+            </a:r>
+            <a:r>
+              <a:rPr lang="fr-FR" baseline="0" dirty="0" err="1" smtClean="0"/>
+              <a:t>adopt</a:t>
+            </a:r>
+            <a:r>
+              <a:rPr lang="fr-FR" baseline="0" dirty="0" smtClean="0"/>
+              <a:t> and </a:t>
+            </a:r>
+            <a:r>
+              <a:rPr lang="fr-FR" baseline="0" dirty="0" err="1" smtClean="0"/>
+              <a:t>easy</a:t>
+            </a:r>
+            <a:r>
+              <a:rPr lang="fr-FR" baseline="0" dirty="0" smtClean="0"/>
+              <a:t> to use.</a:t>
+            </a:r>
+          </a:p>
+          <a:p>
+            <a:r>
+              <a:rPr lang="fr-FR" baseline="0" dirty="0" err="1" smtClean="0"/>
+              <a:t>Then</a:t>
+            </a:r>
+            <a:r>
+              <a:rPr lang="fr-FR" baseline="0" dirty="0" smtClean="0"/>
+              <a:t> </a:t>
+            </a:r>
+            <a:r>
+              <a:rPr lang="fr-FR" baseline="0" dirty="0" err="1" smtClean="0"/>
+              <a:t>I’ll</a:t>
+            </a:r>
+            <a:r>
+              <a:rPr lang="fr-FR" baseline="0" dirty="0" smtClean="0"/>
+              <a:t> </a:t>
+            </a:r>
+            <a:r>
+              <a:rPr lang="fr-FR" baseline="0" dirty="0" err="1" smtClean="0"/>
+              <a:t>describe</a:t>
+            </a:r>
+            <a:r>
+              <a:rPr lang="fr-FR" baseline="0" dirty="0" smtClean="0"/>
+              <a:t> a </a:t>
+            </a:r>
+            <a:r>
+              <a:rPr lang="fr-FR" baseline="0" dirty="0" err="1" smtClean="0"/>
+              <a:t>number</a:t>
+            </a:r>
+            <a:r>
+              <a:rPr lang="fr-FR" baseline="0" dirty="0" smtClean="0"/>
+              <a:t> of </a:t>
+            </a:r>
+            <a:r>
+              <a:rPr lang="fr-FR" baseline="0" dirty="0" err="1" smtClean="0"/>
+              <a:t>existing</a:t>
+            </a:r>
+            <a:r>
+              <a:rPr lang="fr-FR" baseline="0" dirty="0" smtClean="0"/>
+              <a:t> use cases.</a:t>
+            </a:r>
+          </a:p>
+          <a:p>
+            <a:r>
+              <a:rPr lang="fr-FR" baseline="0" dirty="0" smtClean="0"/>
+              <a:t>I </a:t>
+            </a:r>
+            <a:r>
+              <a:rPr lang="fr-FR" baseline="0" dirty="0" err="1" smtClean="0"/>
+              <a:t>will</a:t>
+            </a:r>
+            <a:r>
+              <a:rPr lang="fr-FR" baseline="0" dirty="0" smtClean="0"/>
+              <a:t> </a:t>
+            </a:r>
+            <a:r>
+              <a:rPr lang="fr-FR" baseline="0" dirty="0" err="1" smtClean="0"/>
+              <a:t>give</a:t>
+            </a:r>
+            <a:r>
+              <a:rPr lang="fr-FR" baseline="0" dirty="0" smtClean="0"/>
+              <a:t> </a:t>
+            </a:r>
+            <a:r>
+              <a:rPr lang="fr-FR" baseline="0" dirty="0" err="1" smtClean="0"/>
+              <a:t>you</a:t>
+            </a:r>
+            <a:r>
+              <a:rPr lang="fr-FR" baseline="0" dirty="0" smtClean="0"/>
+              <a:t> the info on how to </a:t>
+            </a:r>
+            <a:r>
+              <a:rPr lang="fr-FR" baseline="0" dirty="0" err="1" smtClean="0"/>
+              <a:t>learn</a:t>
+            </a:r>
+            <a:r>
+              <a:rPr lang="fr-FR" baseline="0" dirty="0" smtClean="0"/>
+              <a:t> to use SPARK.</a:t>
+            </a:r>
+          </a:p>
+          <a:p>
+            <a:r>
+              <a:rPr lang="fr-FR" baseline="0" dirty="0" smtClean="0"/>
+              <a:t>And </a:t>
+            </a:r>
+            <a:r>
+              <a:rPr lang="fr-FR" baseline="0" dirty="0" err="1" smtClean="0"/>
+              <a:t>we</a:t>
+            </a:r>
+            <a:r>
+              <a:rPr lang="fr-FR" baseline="0" dirty="0" smtClean="0"/>
+              <a:t> </a:t>
+            </a:r>
+            <a:r>
+              <a:rPr lang="fr-FR" baseline="0" dirty="0" err="1" smtClean="0"/>
+              <a:t>will</a:t>
+            </a:r>
+            <a:r>
+              <a:rPr lang="fr-FR" baseline="0" dirty="0" smtClean="0"/>
+              <a:t> finish </a:t>
+            </a:r>
+            <a:r>
+              <a:rPr lang="fr-FR" baseline="0" dirty="0" err="1" smtClean="0"/>
+              <a:t>with</a:t>
+            </a:r>
+            <a:r>
+              <a:rPr lang="fr-FR" baseline="0" dirty="0" smtClean="0"/>
+              <a:t> a focus on </a:t>
+            </a:r>
+            <a:r>
+              <a:rPr lang="fr-FR" baseline="0" dirty="0" err="1" smtClean="0"/>
+              <a:t>what’s</a:t>
+            </a:r>
+            <a:r>
+              <a:rPr lang="fr-FR" baseline="0" dirty="0" smtClean="0"/>
+              <a:t> cooking for the </a:t>
+            </a:r>
+            <a:r>
+              <a:rPr lang="fr-FR" baseline="0" dirty="0" err="1" smtClean="0"/>
+              <a:t>next</a:t>
+            </a:r>
+            <a:r>
+              <a:rPr lang="fr-FR" baseline="0" dirty="0" smtClean="0"/>
+              <a:t> release and </a:t>
+            </a:r>
+            <a:r>
+              <a:rPr lang="fr-FR" baseline="0" dirty="0" err="1" smtClean="0"/>
+              <a:t>beyond</a:t>
+            </a:r>
+            <a:r>
+              <a:rPr lang="fr-FR" baseline="0" dirty="0" smtClean="0"/>
+              <a:t>.</a:t>
+            </a:r>
             <a:endParaRPr lang="fr-FR" dirty="0"/>
           </a:p>
         </p:txBody>
@@ -1294,6 +4460,1178 @@
         <p14:creationId xmlns:p14="http://schemas.microsoft.com/office/powerpoint/2010/main" val="1037072626"/>
       </p:ext>
     </p:extLst>
+  </p:cSld>
+  <p:clrMapOvr>
+    <a:masterClrMapping/>
+  </p:clrMapOvr>
+</p:notes>
+</file>
+
+<file path=ppt/notesSlides/notesSlide20.xml><?xml version="1.0" encoding="utf-8"?>
+<p:notes xmlns:a="http://schemas.openxmlformats.org/drawingml/2006/main" xmlns:r="http://schemas.openxmlformats.org/officeDocument/2006/relationships" xmlns:p="http://schemas.openxmlformats.org/presentationml/2006/main">
+  <p:cSld>
+    <p:spTree>
+      <p:nvGrpSpPr>
+        <p:cNvPr id="1" name=""/>
+        <p:cNvGrpSpPr/>
+        <p:nvPr/>
+      </p:nvGrpSpPr>
+      <p:grpSpPr>
+        <a:xfrm>
+          <a:off x="0" y="0"/>
+          <a:ext cx="0" cy="0"/>
+          <a:chOff x="0" y="0"/>
+          <a:chExt cx="0" cy="0"/>
+        </a:xfrm>
+      </p:grpSpPr>
+      <p:sp>
+        <p:nvSpPr>
+          <p:cNvPr id="2" name="Espace réservé de l'image des diapositives 1"/>
+          <p:cNvSpPr>
+            <a:spLocks noGrp="1" noRot="1" noChangeAspect="1"/>
+          </p:cNvSpPr>
+          <p:nvPr>
+            <p:ph type="sldImg"/>
+          </p:nvPr>
+        </p:nvSpPr>
+        <p:spPr/>
+      </p:sp>
+      <p:sp>
+        <p:nvSpPr>
+          <p:cNvPr id="3" name="Espace réservé des commentaires 2"/>
+          <p:cNvSpPr>
+            <a:spLocks noGrp="1"/>
+          </p:cNvSpPr>
+          <p:nvPr>
+            <p:ph type="body" idx="1"/>
+          </p:nvPr>
+        </p:nvSpPr>
+        <p:spPr/>
+        <p:txBody>
+          <a:bodyPr/>
+          <a:lstStyle/>
+          <a:p>
+            <a:pPr marL="0" marR="0" indent="0" algn="l" defTabSz="914400" rtl="0" eaLnBrk="1" fontAlgn="auto" latinLnBrk="0" hangingPunct="1">
+              <a:lnSpc>
+                <a:spcPct val="100000"/>
+              </a:lnSpc>
+              <a:spcBef>
+                <a:spcPts val="0"/>
+              </a:spcBef>
+              <a:spcAft>
+                <a:spcPts val="0"/>
+              </a:spcAft>
+              <a:buClrTx/>
+              <a:buSzTx/>
+              <a:buFontTx/>
+              <a:buNone/>
+              <a:tabLst/>
+              <a:defRPr/>
+            </a:pPr>
+            <a:r>
+              <a:rPr lang="fr-FR" baseline="0" dirty="0" err="1" smtClean="0"/>
+              <a:t>That’s</a:t>
+            </a:r>
+            <a:r>
+              <a:rPr lang="fr-FR" baseline="0" dirty="0" smtClean="0"/>
+              <a:t> the </a:t>
+            </a:r>
+            <a:r>
+              <a:rPr lang="fr-FR" baseline="0" dirty="0" err="1" smtClean="0"/>
+              <a:t>error</a:t>
+            </a:r>
+            <a:r>
+              <a:rPr lang="fr-FR" baseline="0" dirty="0" smtClean="0"/>
+              <a:t> </a:t>
+            </a:r>
+            <a:r>
+              <a:rPr lang="fr-FR" baseline="0" dirty="0" err="1" smtClean="0"/>
+              <a:t>here</a:t>
+            </a:r>
+            <a:r>
+              <a:rPr lang="fr-FR" baseline="0" dirty="0" smtClean="0"/>
+              <a:t>, the </a:t>
+            </a:r>
+            <a:r>
+              <a:rPr lang="fr-FR" baseline="0" dirty="0" err="1" smtClean="0"/>
+              <a:t>postcondition</a:t>
+            </a:r>
+            <a:r>
+              <a:rPr lang="fr-FR" baseline="0" dirty="0" smtClean="0"/>
+              <a:t> </a:t>
+            </a:r>
+            <a:r>
+              <a:rPr lang="fr-FR" baseline="0" dirty="0" err="1" smtClean="0"/>
+              <a:t>is</a:t>
+            </a:r>
+            <a:r>
+              <a:rPr lang="fr-FR" baseline="0" dirty="0" smtClean="0"/>
+              <a:t> </a:t>
+            </a:r>
+            <a:r>
+              <a:rPr lang="fr-FR" baseline="0" dirty="0" err="1" smtClean="0"/>
+              <a:t>too</a:t>
+            </a:r>
+            <a:r>
+              <a:rPr lang="fr-FR" baseline="0" dirty="0" smtClean="0"/>
+              <a:t> restrictive, </a:t>
+            </a:r>
+            <a:r>
+              <a:rPr lang="fr-FR" baseline="0" dirty="0" err="1" smtClean="0"/>
+              <a:t>it</a:t>
+            </a:r>
+            <a:r>
+              <a:rPr lang="fr-FR" baseline="0" dirty="0" smtClean="0"/>
+              <a:t> </a:t>
+            </a:r>
+            <a:r>
+              <a:rPr lang="fr-FR" baseline="0" dirty="0" err="1" smtClean="0"/>
+              <a:t>should</a:t>
+            </a:r>
+            <a:r>
+              <a:rPr lang="fr-FR" baseline="0" dirty="0" smtClean="0"/>
+              <a:t> </a:t>
+            </a:r>
+            <a:r>
+              <a:rPr lang="fr-FR" baseline="0" dirty="0" err="1" smtClean="0"/>
+              <a:t>be</a:t>
+            </a:r>
+            <a:r>
+              <a:rPr lang="fr-FR" baseline="0" dirty="0" smtClean="0"/>
+              <a:t> </a:t>
+            </a:r>
+            <a:r>
+              <a:rPr lang="fr-FR" baseline="0" dirty="0" err="1" smtClean="0"/>
+              <a:t>less</a:t>
+            </a:r>
+            <a:r>
+              <a:rPr lang="fr-FR" baseline="0" dirty="0" smtClean="0"/>
+              <a:t> </a:t>
+            </a:r>
+            <a:r>
+              <a:rPr lang="fr-FR" baseline="0" dirty="0" err="1" smtClean="0"/>
+              <a:t>than</a:t>
+            </a:r>
+            <a:r>
+              <a:rPr lang="fr-FR" baseline="0" dirty="0" smtClean="0"/>
+              <a:t> or </a:t>
+            </a:r>
+            <a:r>
+              <a:rPr lang="fr-FR" baseline="0" dirty="0" err="1" smtClean="0"/>
+              <a:t>equal</a:t>
+            </a:r>
+            <a:r>
+              <a:rPr lang="fr-FR" baseline="0" dirty="0" smtClean="0"/>
+              <a:t>.</a:t>
+            </a:r>
+            <a:endParaRPr lang="fr-FR" dirty="0" smtClean="0"/>
+          </a:p>
+          <a:p>
+            <a:endParaRPr lang="fr-FR" dirty="0"/>
+          </a:p>
+        </p:txBody>
+      </p:sp>
+      <p:sp>
+        <p:nvSpPr>
+          <p:cNvPr id="4" name="Espace réservé du numéro de diapositive 3"/>
+          <p:cNvSpPr>
+            <a:spLocks noGrp="1"/>
+          </p:cNvSpPr>
+          <p:nvPr>
+            <p:ph type="sldNum" sz="quarter" idx="10"/>
+          </p:nvPr>
+        </p:nvSpPr>
+        <p:spPr/>
+        <p:txBody>
+          <a:bodyPr/>
+          <a:lstStyle/>
+          <a:p>
+            <a:fld id="{75693FD4-8F83-4EF7-AC3F-0DC0388986B0}" type="slidenum">
+              <a:rPr lang="en-US" smtClean="0"/>
+              <a:pPr/>
+              <a:t>24</a:t>
+            </a:fld>
+            <a:endParaRPr lang="en-US" dirty="0"/>
+          </a:p>
+        </p:txBody>
+      </p:sp>
+    </p:spTree>
+    <p:extLst>
+      <p:ext uri="{BB962C8B-B14F-4D97-AF65-F5344CB8AC3E}">
+        <p14:creationId xmlns:p14="http://schemas.microsoft.com/office/powerpoint/2010/main" val="2731003155"/>
+      </p:ext>
+    </p:extLst>
+  </p:cSld>
+  <p:clrMapOvr>
+    <a:masterClrMapping/>
+  </p:clrMapOvr>
+</p:notes>
+</file>
+
+<file path=ppt/notesSlides/notesSlide21.xml><?xml version="1.0" encoding="utf-8"?>
+<p:notes xmlns:a="http://schemas.openxmlformats.org/drawingml/2006/main" xmlns:r="http://schemas.openxmlformats.org/officeDocument/2006/relationships" xmlns:p="http://schemas.openxmlformats.org/presentationml/2006/main">
+  <p:cSld>
+    <p:spTree>
+      <p:nvGrpSpPr>
+        <p:cNvPr id="1" name=""/>
+        <p:cNvGrpSpPr/>
+        <p:nvPr/>
+      </p:nvGrpSpPr>
+      <p:grpSpPr>
+        <a:xfrm>
+          <a:off x="0" y="0"/>
+          <a:ext cx="0" cy="0"/>
+          <a:chOff x="0" y="0"/>
+          <a:chExt cx="0" cy="0"/>
+        </a:xfrm>
+      </p:grpSpPr>
+      <p:sp>
+        <p:nvSpPr>
+          <p:cNvPr id="2" name="Espace réservé de l'image des diapositives 1"/>
+          <p:cNvSpPr>
+            <a:spLocks noGrp="1" noRot="1" noChangeAspect="1"/>
+          </p:cNvSpPr>
+          <p:nvPr>
+            <p:ph type="sldImg"/>
+          </p:nvPr>
+        </p:nvSpPr>
+        <p:spPr/>
+      </p:sp>
+      <p:sp>
+        <p:nvSpPr>
+          <p:cNvPr id="3" name="Espace réservé des commentaires 2"/>
+          <p:cNvSpPr>
+            <a:spLocks noGrp="1"/>
+          </p:cNvSpPr>
+          <p:nvPr>
+            <p:ph type="body" idx="1"/>
+          </p:nvPr>
+        </p:nvSpPr>
+        <p:spPr/>
+        <p:txBody>
+          <a:bodyPr/>
+          <a:lstStyle/>
+          <a:p>
+            <a:r>
+              <a:rPr lang="fr-FR" dirty="0" smtClean="0"/>
+              <a:t>So </a:t>
+            </a:r>
+            <a:r>
+              <a:rPr lang="fr-FR" dirty="0" err="1" smtClean="0"/>
+              <a:t>we</a:t>
+            </a:r>
+            <a:r>
+              <a:rPr lang="fr-FR" dirty="0" smtClean="0"/>
+              <a:t> </a:t>
+            </a:r>
+            <a:r>
+              <a:rPr lang="fr-FR" dirty="0" err="1" smtClean="0"/>
+              <a:t>fix</a:t>
+            </a:r>
+            <a:r>
+              <a:rPr lang="fr-FR" baseline="0" dirty="0" smtClean="0"/>
+              <a:t> </a:t>
+            </a:r>
+            <a:r>
+              <a:rPr lang="fr-FR" baseline="0" dirty="0" err="1" smtClean="0"/>
+              <a:t>that</a:t>
+            </a:r>
+            <a:r>
+              <a:rPr lang="fr-FR" baseline="0" dirty="0" smtClean="0"/>
+              <a:t>, and </a:t>
+            </a:r>
+            <a:r>
+              <a:rPr lang="fr-FR" baseline="0" dirty="0" err="1" smtClean="0"/>
+              <a:t>we</a:t>
+            </a:r>
+            <a:r>
+              <a:rPr lang="fr-FR" baseline="0" dirty="0" smtClean="0"/>
+              <a:t> </a:t>
+            </a:r>
+            <a:r>
+              <a:rPr lang="fr-FR" baseline="0" dirty="0" err="1" smtClean="0"/>
+              <a:t>can</a:t>
+            </a:r>
+            <a:r>
+              <a:rPr lang="fr-FR" baseline="0" dirty="0" smtClean="0"/>
+              <a:t> continue </a:t>
+            </a:r>
+            <a:r>
+              <a:rPr lang="fr-FR" baseline="0" dirty="0" err="1" smtClean="0"/>
+              <a:t>interacting</a:t>
+            </a:r>
+            <a:r>
+              <a:rPr lang="fr-FR" baseline="0" dirty="0" smtClean="0"/>
+              <a:t> </a:t>
+            </a:r>
+            <a:r>
+              <a:rPr lang="fr-FR" baseline="0" dirty="0" err="1" smtClean="0"/>
+              <a:t>this</a:t>
+            </a:r>
+            <a:r>
+              <a:rPr lang="fr-FR" baseline="0" dirty="0" smtClean="0"/>
+              <a:t> </a:t>
+            </a:r>
+            <a:r>
+              <a:rPr lang="fr-FR" baseline="0" dirty="0" err="1" smtClean="0"/>
+              <a:t>way</a:t>
+            </a:r>
+            <a:r>
+              <a:rPr lang="fr-FR" baseline="0" dirty="0" smtClean="0"/>
+              <a:t> to </a:t>
+            </a:r>
+            <a:r>
+              <a:rPr lang="fr-FR" baseline="0" dirty="0" err="1" smtClean="0"/>
+              <a:t>find</a:t>
+            </a:r>
+            <a:r>
+              <a:rPr lang="fr-FR" baseline="0" dirty="0" smtClean="0"/>
+              <a:t> the </a:t>
+            </a:r>
+            <a:r>
+              <a:rPr lang="fr-FR" baseline="0" dirty="0" err="1" smtClean="0"/>
+              <a:t>next</a:t>
+            </a:r>
+            <a:r>
+              <a:rPr lang="fr-FR" baseline="0" dirty="0" smtClean="0"/>
+              <a:t> bug…</a:t>
+            </a:r>
+            <a:endParaRPr lang="fr-FR" dirty="0"/>
+          </a:p>
+        </p:txBody>
+      </p:sp>
+      <p:sp>
+        <p:nvSpPr>
+          <p:cNvPr id="4" name="Espace réservé du numéro de diapositive 3"/>
+          <p:cNvSpPr>
+            <a:spLocks noGrp="1"/>
+          </p:cNvSpPr>
+          <p:nvPr>
+            <p:ph type="sldNum" sz="quarter" idx="10"/>
+          </p:nvPr>
+        </p:nvSpPr>
+        <p:spPr/>
+        <p:txBody>
+          <a:bodyPr/>
+          <a:lstStyle/>
+          <a:p>
+            <a:fld id="{75693FD4-8F83-4EF7-AC3F-0DC0388986B0}" type="slidenum">
+              <a:rPr lang="en-US" smtClean="0"/>
+              <a:pPr/>
+              <a:t>25</a:t>
+            </a:fld>
+            <a:endParaRPr lang="en-US" dirty="0"/>
+          </a:p>
+        </p:txBody>
+      </p:sp>
+    </p:spTree>
+    <p:extLst>
+      <p:ext uri="{BB962C8B-B14F-4D97-AF65-F5344CB8AC3E}">
+        <p14:creationId xmlns:p14="http://schemas.microsoft.com/office/powerpoint/2010/main" val="2731003155"/>
+      </p:ext>
+    </p:extLst>
+  </p:cSld>
+  <p:clrMapOvr>
+    <a:masterClrMapping/>
+  </p:clrMapOvr>
+</p:notes>
+</file>
+
+<file path=ppt/notesSlides/notesSlide22.xml><?xml version="1.0" encoding="utf-8"?>
+<p:notes xmlns:a="http://schemas.openxmlformats.org/drawingml/2006/main" xmlns:r="http://schemas.openxmlformats.org/officeDocument/2006/relationships" xmlns:p="http://schemas.openxmlformats.org/presentationml/2006/main">
+  <p:cSld>
+    <p:spTree>
+      <p:nvGrpSpPr>
+        <p:cNvPr id="1" name=""/>
+        <p:cNvGrpSpPr/>
+        <p:nvPr/>
+      </p:nvGrpSpPr>
+      <p:grpSpPr>
+        <a:xfrm>
+          <a:off x="0" y="0"/>
+          <a:ext cx="0" cy="0"/>
+          <a:chOff x="0" y="0"/>
+          <a:chExt cx="0" cy="0"/>
+        </a:xfrm>
+      </p:grpSpPr>
+      <p:sp>
+        <p:nvSpPr>
+          <p:cNvPr id="2" name="Espace réservé de l'image des diapositives 1"/>
+          <p:cNvSpPr>
+            <a:spLocks noGrp="1" noRot="1" noChangeAspect="1"/>
+          </p:cNvSpPr>
+          <p:nvPr>
+            <p:ph type="sldImg"/>
+          </p:nvPr>
+        </p:nvSpPr>
+        <p:spPr/>
+      </p:sp>
+      <p:sp>
+        <p:nvSpPr>
+          <p:cNvPr id="3" name="Espace réservé des commentaires 2"/>
+          <p:cNvSpPr>
+            <a:spLocks noGrp="1"/>
+          </p:cNvSpPr>
+          <p:nvPr>
+            <p:ph type="body" idx="1"/>
+          </p:nvPr>
+        </p:nvSpPr>
+        <p:spPr/>
+        <p:txBody>
+          <a:bodyPr/>
+          <a:lstStyle/>
+          <a:p>
+            <a:r>
+              <a:rPr lang="fr-FR" dirty="0" err="1" smtClean="0"/>
+              <a:t>What</a:t>
+            </a:r>
+            <a:r>
+              <a:rPr lang="fr-FR" dirty="0" smtClean="0"/>
+              <a:t> are </a:t>
+            </a:r>
+            <a:r>
+              <a:rPr lang="fr-FR" dirty="0" err="1" smtClean="0"/>
+              <a:t>we</a:t>
+            </a:r>
+            <a:r>
+              <a:rPr lang="fr-FR" dirty="0" smtClean="0"/>
+              <a:t> </a:t>
+            </a:r>
+            <a:r>
+              <a:rPr lang="fr-FR" dirty="0" err="1" smtClean="0"/>
+              <a:t>looking</a:t>
+            </a:r>
+            <a:r>
+              <a:rPr lang="fr-FR" baseline="0" dirty="0" smtClean="0"/>
+              <a:t> </a:t>
+            </a:r>
+            <a:r>
+              <a:rPr lang="fr-FR" baseline="0" dirty="0" err="1" smtClean="0"/>
+              <a:t>at</a:t>
+            </a:r>
+            <a:r>
+              <a:rPr lang="fr-FR" baseline="0" dirty="0" smtClean="0"/>
+              <a:t> </a:t>
+            </a:r>
+            <a:r>
+              <a:rPr lang="fr-FR" baseline="0" dirty="0" err="1" smtClean="0"/>
+              <a:t>beyond</a:t>
+            </a:r>
+            <a:r>
+              <a:rPr lang="fr-FR" baseline="0" dirty="0" smtClean="0"/>
+              <a:t> SPARK 16? </a:t>
+            </a:r>
+            <a:r>
+              <a:rPr lang="fr-FR" baseline="0" dirty="0" err="1" smtClean="0"/>
+              <a:t>We’re</a:t>
+            </a:r>
+            <a:r>
+              <a:rPr lang="fr-FR" baseline="0" dirty="0" smtClean="0"/>
+              <a:t> planning </a:t>
+            </a:r>
+            <a:r>
+              <a:rPr lang="fr-FR" baseline="0" dirty="0" err="1" smtClean="0"/>
+              <a:t>improvements</a:t>
+            </a:r>
+            <a:r>
+              <a:rPr lang="fr-FR" baseline="0" dirty="0" smtClean="0"/>
+              <a:t> in all directions:</a:t>
+            </a:r>
+          </a:p>
+          <a:p>
+            <a:pPr marL="171450" indent="-171450">
+              <a:buFont typeface="Arial"/>
+              <a:buChar char="•"/>
+            </a:pPr>
+            <a:r>
+              <a:rPr lang="fr-FR" dirty="0" smtClean="0"/>
+              <a:t>New </a:t>
+            </a:r>
+            <a:r>
+              <a:rPr lang="fr-FR" dirty="0" err="1" smtClean="0"/>
+              <a:t>language</a:t>
+            </a:r>
+            <a:r>
+              <a:rPr lang="fr-FR" dirty="0" smtClean="0"/>
+              <a:t> </a:t>
+            </a:r>
+            <a:r>
+              <a:rPr lang="fr-FR" dirty="0" err="1" smtClean="0"/>
+              <a:t>features</a:t>
+            </a:r>
+            <a:r>
+              <a:rPr lang="fr-FR" dirty="0" smtClean="0"/>
+              <a:t>, to support Ada 2012 type invariants, and </a:t>
+            </a:r>
+            <a:r>
+              <a:rPr lang="fr-FR" dirty="0" err="1" smtClean="0"/>
+              <a:t>some</a:t>
+            </a:r>
+            <a:r>
+              <a:rPr lang="fr-FR" dirty="0" smtClean="0"/>
+              <a:t> simple pointers</a:t>
+            </a:r>
+          </a:p>
+          <a:p>
+            <a:pPr marL="171450" indent="-171450">
+              <a:buFont typeface="Arial"/>
+              <a:buChar char="•"/>
+            </a:pPr>
+            <a:r>
+              <a:rPr lang="fr-FR" dirty="0" smtClean="0"/>
+              <a:t>More</a:t>
+            </a:r>
+            <a:r>
+              <a:rPr lang="fr-FR" baseline="0" dirty="0" smtClean="0"/>
+              <a:t> </a:t>
+            </a:r>
+            <a:r>
+              <a:rPr lang="fr-FR" baseline="0" dirty="0" err="1" smtClean="0"/>
+              <a:t>automatic</a:t>
+            </a:r>
+            <a:r>
+              <a:rPr lang="fr-FR" baseline="0" dirty="0" smtClean="0"/>
+              <a:t> </a:t>
+            </a:r>
+            <a:r>
+              <a:rPr lang="fr-FR" baseline="0" dirty="0" err="1" smtClean="0"/>
+              <a:t>proofs</a:t>
+            </a:r>
+            <a:r>
+              <a:rPr lang="fr-FR" baseline="0" dirty="0" smtClean="0"/>
+              <a:t>, </a:t>
+            </a:r>
+            <a:r>
+              <a:rPr lang="fr-FR" baseline="0" dirty="0" err="1" smtClean="0"/>
+              <a:t>with</a:t>
+            </a:r>
+            <a:r>
+              <a:rPr lang="fr-FR" baseline="0" dirty="0" smtClean="0"/>
+              <a:t> a </a:t>
+            </a:r>
+            <a:r>
+              <a:rPr lang="fr-FR" baseline="0" dirty="0" err="1" smtClean="0"/>
+              <a:t>better</a:t>
+            </a:r>
+            <a:r>
+              <a:rPr lang="fr-FR" baseline="0" dirty="0" smtClean="0"/>
+              <a:t> </a:t>
+            </a:r>
+            <a:r>
+              <a:rPr lang="fr-FR" baseline="0" dirty="0" err="1" smtClean="0"/>
+              <a:t>handling</a:t>
+            </a:r>
+            <a:r>
+              <a:rPr lang="fr-FR" baseline="0" dirty="0" smtClean="0"/>
+              <a:t> of </a:t>
+            </a:r>
+            <a:r>
+              <a:rPr lang="fr-FR" baseline="0" dirty="0" err="1" smtClean="0"/>
+              <a:t>proofs</a:t>
+            </a:r>
+            <a:r>
+              <a:rPr lang="fr-FR" baseline="0" dirty="0" smtClean="0"/>
+              <a:t> and an </a:t>
+            </a:r>
+            <a:r>
+              <a:rPr lang="fr-FR" baseline="0" dirty="0" err="1" smtClean="0"/>
+              <a:t>integration</a:t>
+            </a:r>
+            <a:r>
+              <a:rPr lang="fr-FR" baseline="0" dirty="0" smtClean="0"/>
+              <a:t> of </a:t>
+            </a:r>
+            <a:r>
+              <a:rPr lang="fr-FR" baseline="0" dirty="0" err="1" smtClean="0"/>
+              <a:t>our</a:t>
+            </a:r>
+            <a:r>
+              <a:rPr lang="fr-FR" baseline="0" dirty="0" smtClean="0"/>
+              <a:t> </a:t>
+            </a:r>
+            <a:r>
+              <a:rPr lang="fr-FR" baseline="0" dirty="0" err="1" smtClean="0"/>
+              <a:t>CodePeer</a:t>
+            </a:r>
+            <a:r>
+              <a:rPr lang="fr-FR" baseline="0" dirty="0" smtClean="0"/>
+              <a:t> </a:t>
+            </a:r>
+            <a:r>
+              <a:rPr lang="fr-FR" baseline="0" dirty="0" err="1" smtClean="0"/>
+              <a:t>static</a:t>
+            </a:r>
+            <a:r>
+              <a:rPr lang="fr-FR" baseline="0" dirty="0" smtClean="0"/>
+              <a:t> </a:t>
+            </a:r>
+            <a:r>
+              <a:rPr lang="fr-FR" baseline="0" dirty="0" err="1" smtClean="0"/>
+              <a:t>analyzer</a:t>
+            </a:r>
+            <a:r>
+              <a:rPr lang="fr-FR" baseline="0" dirty="0" smtClean="0"/>
+              <a:t>. The goal of </a:t>
+            </a:r>
+            <a:r>
+              <a:rPr lang="fr-FR" baseline="0" dirty="0" err="1" smtClean="0"/>
+              <a:t>this</a:t>
+            </a:r>
+            <a:r>
+              <a:rPr lang="fr-FR" baseline="0" dirty="0" smtClean="0"/>
+              <a:t> </a:t>
+            </a:r>
+            <a:r>
+              <a:rPr lang="fr-FR" baseline="0" dirty="0" err="1" smtClean="0"/>
+              <a:t>integration</a:t>
+            </a:r>
+            <a:r>
+              <a:rPr lang="fr-FR" baseline="0" dirty="0" smtClean="0"/>
+              <a:t> </a:t>
+            </a:r>
+            <a:r>
+              <a:rPr lang="fr-FR" baseline="0" dirty="0" err="1" smtClean="0"/>
+              <a:t>is</a:t>
+            </a:r>
+            <a:r>
+              <a:rPr lang="fr-FR" baseline="0" dirty="0" smtClean="0"/>
+              <a:t> </a:t>
+            </a:r>
+            <a:r>
+              <a:rPr lang="fr-FR" baseline="0" dirty="0" err="1" smtClean="0"/>
+              <a:t>both</a:t>
+            </a:r>
+            <a:r>
+              <a:rPr lang="fr-FR" baseline="0" dirty="0" smtClean="0"/>
+              <a:t> to</a:t>
+            </a:r>
+          </a:p>
+          <a:p>
+            <a:pPr marL="628650" lvl="1" indent="-171450">
+              <a:buFont typeface="Arial"/>
+              <a:buChar char="•"/>
+            </a:pPr>
+            <a:r>
+              <a:rPr lang="fr-FR" baseline="0" dirty="0" err="1" smtClean="0"/>
+              <a:t>Prove</a:t>
+            </a:r>
+            <a:r>
+              <a:rPr lang="fr-FR" baseline="0" dirty="0" smtClean="0"/>
+              <a:t> </a:t>
+            </a:r>
+            <a:r>
+              <a:rPr lang="fr-FR" baseline="0" dirty="0" err="1" smtClean="0"/>
+              <a:t>checks</a:t>
+            </a:r>
+            <a:r>
+              <a:rPr lang="fr-FR" baseline="0" dirty="0" smtClean="0"/>
+              <a:t> </a:t>
+            </a:r>
+            <a:r>
+              <a:rPr lang="fr-FR" baseline="0" dirty="0" err="1" smtClean="0"/>
+              <a:t>that</a:t>
+            </a:r>
+            <a:r>
+              <a:rPr lang="fr-FR" baseline="0" dirty="0" smtClean="0"/>
+              <a:t> </a:t>
+            </a:r>
+            <a:r>
+              <a:rPr lang="fr-FR" baseline="0" dirty="0" err="1" smtClean="0"/>
+              <a:t>would</a:t>
+            </a:r>
+            <a:r>
+              <a:rPr lang="fr-FR" baseline="0" dirty="0" smtClean="0"/>
+              <a:t> not </a:t>
+            </a:r>
+            <a:r>
+              <a:rPr lang="fr-FR" baseline="0" dirty="0" err="1" smtClean="0"/>
+              <a:t>be</a:t>
+            </a:r>
+            <a:r>
+              <a:rPr lang="fr-FR" baseline="0" dirty="0" smtClean="0"/>
+              <a:t> </a:t>
+            </a:r>
+            <a:r>
+              <a:rPr lang="fr-FR" baseline="0" dirty="0" err="1" smtClean="0"/>
+              <a:t>proved</a:t>
+            </a:r>
+            <a:r>
+              <a:rPr lang="fr-FR" baseline="0" dirty="0" smtClean="0"/>
+              <a:t> by </a:t>
+            </a:r>
+            <a:r>
+              <a:rPr lang="fr-FR" baseline="0" dirty="0" err="1" smtClean="0"/>
+              <a:t>proved</a:t>
+            </a:r>
+            <a:r>
+              <a:rPr lang="fr-FR" baseline="0" dirty="0" smtClean="0"/>
+              <a:t> Alt-Ergo, CVC4 and Z3.</a:t>
+            </a:r>
+          </a:p>
+          <a:p>
+            <a:pPr marL="628650" lvl="1" indent="-171450">
+              <a:buFont typeface="Arial"/>
+              <a:buChar char="•"/>
+            </a:pPr>
+            <a:r>
+              <a:rPr lang="fr-FR" baseline="0" dirty="0" err="1" smtClean="0"/>
+              <a:t>Prove</a:t>
+            </a:r>
+            <a:r>
+              <a:rPr lang="fr-FR" baseline="0" dirty="0" smtClean="0"/>
+              <a:t> the </a:t>
+            </a:r>
+            <a:r>
+              <a:rPr lang="fr-FR" baseline="0" dirty="0" err="1" smtClean="0"/>
+              <a:t>same</a:t>
+            </a:r>
+            <a:r>
+              <a:rPr lang="fr-FR" baseline="0" dirty="0" smtClean="0"/>
+              <a:t> </a:t>
+            </a:r>
+            <a:r>
+              <a:rPr lang="fr-FR" baseline="0" dirty="0" err="1" smtClean="0"/>
+              <a:t>checks</a:t>
+            </a:r>
+            <a:r>
+              <a:rPr lang="fr-FR" baseline="0" dirty="0" smtClean="0"/>
+              <a:t> as Alt-Ergo, CVC4 and Z3 but </a:t>
+            </a:r>
+            <a:r>
+              <a:rPr lang="fr-FR" baseline="0" dirty="0" err="1" smtClean="0"/>
+              <a:t>faster</a:t>
+            </a:r>
+            <a:r>
+              <a:rPr lang="fr-FR" baseline="0" dirty="0" smtClean="0"/>
+              <a:t>! </a:t>
+            </a:r>
+            <a:r>
+              <a:rPr lang="fr-FR" baseline="0" dirty="0" err="1" smtClean="0"/>
+              <a:t>Typically</a:t>
+            </a:r>
+            <a:r>
+              <a:rPr lang="fr-FR" baseline="0" dirty="0" smtClean="0"/>
+              <a:t>, the </a:t>
+            </a:r>
+            <a:r>
+              <a:rPr lang="fr-FR" baseline="0" dirty="0" err="1" smtClean="0"/>
+              <a:t>kind</a:t>
+            </a:r>
+            <a:r>
+              <a:rPr lang="fr-FR" baseline="0" dirty="0" smtClean="0"/>
+              <a:t> of </a:t>
+            </a:r>
+            <a:r>
+              <a:rPr lang="fr-FR" baseline="0" dirty="0" err="1" smtClean="0"/>
+              <a:t>static</a:t>
+            </a:r>
+            <a:r>
+              <a:rPr lang="fr-FR" baseline="0" dirty="0" smtClean="0"/>
+              <a:t> </a:t>
+            </a:r>
+            <a:r>
+              <a:rPr lang="fr-FR" baseline="0" dirty="0" err="1" smtClean="0"/>
+              <a:t>analysis</a:t>
+            </a:r>
+            <a:r>
+              <a:rPr lang="fr-FR" baseline="0" dirty="0" smtClean="0"/>
+              <a:t> </a:t>
+            </a:r>
+            <a:r>
+              <a:rPr lang="fr-FR" baseline="0" dirty="0" err="1" smtClean="0"/>
+              <a:t>done</a:t>
+            </a:r>
+            <a:r>
+              <a:rPr lang="fr-FR" baseline="0" dirty="0" smtClean="0"/>
+              <a:t> in </a:t>
+            </a:r>
+            <a:r>
+              <a:rPr lang="fr-FR" baseline="0" dirty="0" err="1" smtClean="0"/>
+              <a:t>CodePeer</a:t>
+            </a:r>
+            <a:r>
+              <a:rPr lang="fr-FR" baseline="0" dirty="0" smtClean="0"/>
+              <a:t> </a:t>
+            </a:r>
+            <a:r>
+              <a:rPr lang="fr-FR" baseline="0" dirty="0" err="1" smtClean="0"/>
+              <a:t>can</a:t>
+            </a:r>
+            <a:r>
+              <a:rPr lang="fr-FR" baseline="0" dirty="0" smtClean="0"/>
+              <a:t> </a:t>
+            </a:r>
+            <a:r>
+              <a:rPr lang="fr-FR" baseline="0" dirty="0" err="1" smtClean="0"/>
+              <a:t>prove</a:t>
+            </a:r>
+            <a:r>
+              <a:rPr lang="fr-FR" baseline="0" dirty="0" smtClean="0"/>
+              <a:t> range and </a:t>
+            </a:r>
+            <a:r>
+              <a:rPr lang="fr-FR" baseline="0" dirty="0" err="1" smtClean="0"/>
+              <a:t>overflow</a:t>
+            </a:r>
+            <a:r>
+              <a:rPr lang="fr-FR" baseline="0" dirty="0" smtClean="0"/>
+              <a:t> </a:t>
+            </a:r>
+            <a:r>
+              <a:rPr lang="fr-FR" baseline="0" dirty="0" err="1" smtClean="0"/>
+              <a:t>checks</a:t>
+            </a:r>
+            <a:r>
+              <a:rPr lang="fr-FR" baseline="0" dirty="0" smtClean="0"/>
+              <a:t> </a:t>
+            </a:r>
+            <a:r>
+              <a:rPr lang="fr-FR" baseline="0" dirty="0" err="1" smtClean="0"/>
+              <a:t>very</a:t>
+            </a:r>
+            <a:r>
+              <a:rPr lang="fr-FR" baseline="0" dirty="0" smtClean="0"/>
+              <a:t> </a:t>
+            </a:r>
+            <a:r>
+              <a:rPr lang="fr-FR" baseline="0" dirty="0" err="1" smtClean="0"/>
+              <a:t>quickly</a:t>
+            </a:r>
+            <a:r>
+              <a:rPr lang="fr-FR" baseline="0" dirty="0" smtClean="0"/>
+              <a:t>.</a:t>
+            </a:r>
+          </a:p>
+          <a:p>
+            <a:pPr marL="171450" lvl="0" indent="-171450">
+              <a:buFont typeface="Arial"/>
+              <a:buChar char="•"/>
+            </a:pPr>
+            <a:r>
+              <a:rPr lang="fr-FR" baseline="0" dirty="0" err="1" smtClean="0"/>
+              <a:t>Better</a:t>
+            </a:r>
+            <a:r>
+              <a:rPr lang="fr-FR" baseline="0" dirty="0" smtClean="0"/>
+              <a:t> </a:t>
+            </a:r>
+            <a:r>
+              <a:rPr lang="fr-FR" baseline="0" dirty="0" err="1" smtClean="0"/>
+              <a:t>integration</a:t>
+            </a:r>
+            <a:r>
+              <a:rPr lang="fr-FR" baseline="0" dirty="0" smtClean="0"/>
+              <a:t> </a:t>
+            </a:r>
+            <a:r>
+              <a:rPr lang="fr-FR" baseline="0" dirty="0" err="1" smtClean="0"/>
+              <a:t>between</a:t>
+            </a:r>
+            <a:r>
+              <a:rPr lang="fr-FR" baseline="0" dirty="0" smtClean="0"/>
+              <a:t> SPARK and C, and </a:t>
+            </a:r>
+            <a:r>
+              <a:rPr lang="fr-FR" baseline="0" dirty="0" err="1" smtClean="0"/>
+              <a:t>provide</a:t>
+            </a:r>
+            <a:r>
+              <a:rPr lang="fr-FR" baseline="0" dirty="0" smtClean="0"/>
+              <a:t> </a:t>
+            </a:r>
+            <a:r>
+              <a:rPr lang="fr-FR" baseline="0" dirty="0" err="1" smtClean="0"/>
+              <a:t>metrics</a:t>
+            </a:r>
+            <a:r>
+              <a:rPr lang="fr-FR" baseline="0" dirty="0" smtClean="0"/>
+              <a:t> for </a:t>
+            </a:r>
+            <a:r>
+              <a:rPr lang="fr-FR" baseline="0" dirty="0" err="1" smtClean="0"/>
+              <a:t>formal</a:t>
+            </a:r>
+            <a:r>
+              <a:rPr lang="fr-FR" baseline="0" dirty="0" smtClean="0"/>
+              <a:t> </a:t>
+            </a:r>
+            <a:r>
+              <a:rPr lang="fr-FR" baseline="0" dirty="0" err="1" smtClean="0"/>
+              <a:t>developments</a:t>
+            </a:r>
+            <a:endParaRPr lang="fr-FR" dirty="0" smtClean="0"/>
+          </a:p>
+        </p:txBody>
+      </p:sp>
+      <p:sp>
+        <p:nvSpPr>
+          <p:cNvPr id="4" name="Espace réservé du numéro de diapositive 3"/>
+          <p:cNvSpPr>
+            <a:spLocks noGrp="1"/>
+          </p:cNvSpPr>
+          <p:nvPr>
+            <p:ph type="sldNum" sz="quarter" idx="10"/>
+          </p:nvPr>
+        </p:nvSpPr>
+        <p:spPr/>
+        <p:txBody>
+          <a:bodyPr/>
+          <a:lstStyle/>
+          <a:p>
+            <a:fld id="{75693FD4-8F83-4EF7-AC3F-0DC0388986B0}" type="slidenum">
+              <a:rPr lang="en-US" smtClean="0"/>
+              <a:pPr/>
+              <a:t>26</a:t>
+            </a:fld>
+            <a:endParaRPr lang="en-US" dirty="0"/>
+          </a:p>
+        </p:txBody>
+      </p:sp>
+    </p:spTree>
+    <p:extLst>
+      <p:ext uri="{BB962C8B-B14F-4D97-AF65-F5344CB8AC3E}">
+        <p14:creationId xmlns:p14="http://schemas.microsoft.com/office/powerpoint/2010/main" val="3410565617"/>
+      </p:ext>
+    </p:extLst>
+  </p:cSld>
+  <p:clrMapOvr>
+    <a:masterClrMapping/>
+  </p:clrMapOvr>
+</p:notes>
+</file>
+
+<file path=ppt/notesSlides/notesSlide23.xml><?xml version="1.0" encoding="utf-8"?>
+<p:notes xmlns:a="http://schemas.openxmlformats.org/drawingml/2006/main" xmlns:r="http://schemas.openxmlformats.org/officeDocument/2006/relationships" xmlns:p="http://schemas.openxmlformats.org/presentationml/2006/main">
+  <p:cSld>
+    <p:spTree>
+      <p:nvGrpSpPr>
+        <p:cNvPr id="1" name=""/>
+        <p:cNvGrpSpPr/>
+        <p:nvPr/>
+      </p:nvGrpSpPr>
+      <p:grpSpPr>
+        <a:xfrm>
+          <a:off x="0" y="0"/>
+          <a:ext cx="0" cy="0"/>
+          <a:chOff x="0" y="0"/>
+          <a:chExt cx="0" cy="0"/>
+        </a:xfrm>
+      </p:grpSpPr>
+      <p:sp>
+        <p:nvSpPr>
+          <p:cNvPr id="2" name="Slide Image Placeholder 1"/>
+          <p:cNvSpPr>
+            <a:spLocks noGrp="1" noRot="1" noChangeAspect="1"/>
+          </p:cNvSpPr>
+          <p:nvPr>
+            <p:ph type="sldImg"/>
+          </p:nvPr>
+        </p:nvSpPr>
+        <p:spPr>
+          <a:xfrm>
+            <a:off x="685800" y="685800"/>
+            <a:ext cx="5486400" cy="3429000"/>
+          </a:xfrm>
+        </p:spPr>
+      </p:sp>
+      <p:sp>
+        <p:nvSpPr>
+          <p:cNvPr id="3" name="Notes Placeholder 2"/>
+          <p:cNvSpPr>
+            <a:spLocks noGrp="1"/>
+          </p:cNvSpPr>
+          <p:nvPr>
+            <p:ph type="body" idx="1"/>
+          </p:nvPr>
+        </p:nvSpPr>
+        <p:spPr/>
+        <p:txBody>
+          <a:bodyPr>
+            <a:normAutofit/>
+          </a:bodyPr>
+          <a:lstStyle/>
+          <a:p>
+            <a:endParaRPr lang="en-US" dirty="0" smtClean="0"/>
+          </a:p>
+        </p:txBody>
+      </p:sp>
+      <p:sp>
+        <p:nvSpPr>
+          <p:cNvPr id="4" name="Slide Number Placeholder 3"/>
+          <p:cNvSpPr>
+            <a:spLocks noGrp="1"/>
+          </p:cNvSpPr>
+          <p:nvPr>
+            <p:ph type="sldNum" sz="quarter" idx="10"/>
+          </p:nvPr>
+        </p:nvSpPr>
+        <p:spPr/>
+        <p:txBody>
+          <a:bodyPr/>
+          <a:lstStyle/>
+          <a:p>
+            <a:fld id="{EC6EAC7D-5A89-47C2-8ABA-56C9C2DEF7A4}" type="slidenum">
+              <a:rPr lang="en-US" smtClean="0"/>
+              <a:pPr/>
+              <a:t>27</a:t>
+            </a:fld>
+            <a:endParaRPr lang="en-US" dirty="0"/>
+          </a:p>
+        </p:txBody>
+      </p:sp>
+    </p:spTree>
+  </p:cSld>
+  <p:clrMapOvr>
+    <a:masterClrMapping/>
+  </p:clrMapOvr>
+</p:notes>
+</file>
+
+<file path=ppt/notesSlides/notesSlide24.xml><?xml version="1.0" encoding="utf-8"?>
+<p:notes xmlns:a="http://schemas.openxmlformats.org/drawingml/2006/main" xmlns:r="http://schemas.openxmlformats.org/officeDocument/2006/relationships" xmlns:p="http://schemas.openxmlformats.org/presentationml/2006/main">
+  <p:cSld>
+    <p:spTree>
+      <p:nvGrpSpPr>
+        <p:cNvPr id="1" name=""/>
+        <p:cNvGrpSpPr/>
+        <p:nvPr/>
+      </p:nvGrpSpPr>
+      <p:grpSpPr>
+        <a:xfrm>
+          <a:off x="0" y="0"/>
+          <a:ext cx="0" cy="0"/>
+          <a:chOff x="0" y="0"/>
+          <a:chExt cx="0" cy="0"/>
+        </a:xfrm>
+      </p:grpSpPr>
+      <p:sp>
+        <p:nvSpPr>
+          <p:cNvPr id="40962" name="Rectangle 23"/>
+          <p:cNvSpPr>
+            <a:spLocks noGrp="1" noChangeArrowheads="1"/>
+          </p:cNvSpPr>
+          <p:nvPr>
+            <p:ph type="hdr" sz="quarter"/>
+          </p:nvPr>
+        </p:nvSpPr>
+        <p:spPr>
+          <a:noFill/>
+        </p:spPr>
+        <p:txBody>
+          <a:bodyPr/>
+          <a:lstStyle/>
+          <a:p>
+            <a:r>
+              <a:rPr lang="en-US" dirty="0" smtClean="0"/>
+              <a:t>Microsoft </a:t>
+            </a:r>
+            <a:r>
+              <a:rPr lang="en-US" b="1" dirty="0" smtClean="0"/>
+              <a:t>Engineering Excellence</a:t>
+            </a:r>
+            <a:endParaRPr lang="en-US" dirty="0" smtClean="0"/>
+          </a:p>
+        </p:txBody>
+      </p:sp>
+      <p:sp>
+        <p:nvSpPr>
+          <p:cNvPr id="40963" name="Rectangle 25"/>
+          <p:cNvSpPr>
+            <a:spLocks noGrp="1" noChangeArrowheads="1"/>
+          </p:cNvSpPr>
+          <p:nvPr>
+            <p:ph type="ftr" sz="quarter" idx="4"/>
+          </p:nvPr>
+        </p:nvSpPr>
+        <p:spPr>
+          <a:noFill/>
+        </p:spPr>
+        <p:txBody>
+          <a:bodyPr/>
+          <a:lstStyle/>
+          <a:p>
+            <a:r>
+              <a:rPr lang="en-US" dirty="0" smtClean="0"/>
+              <a:t>Microsoft Confidential</a:t>
+            </a:r>
+          </a:p>
+        </p:txBody>
+      </p:sp>
+      <p:sp>
+        <p:nvSpPr>
+          <p:cNvPr id="40964" name="Rectangle 26"/>
+          <p:cNvSpPr>
+            <a:spLocks noGrp="1" noChangeArrowheads="1"/>
+          </p:cNvSpPr>
+          <p:nvPr>
+            <p:ph type="sldNum" sz="quarter" idx="5"/>
+          </p:nvPr>
+        </p:nvSpPr>
+        <p:spPr>
+          <a:noFill/>
+        </p:spPr>
+        <p:txBody>
+          <a:bodyPr/>
+          <a:lstStyle/>
+          <a:p>
+            <a:fld id="{85CEDE57-F8FE-4B43-B511-2E9F76624F74}" type="slidenum">
+              <a:rPr lang="en-US" smtClean="0"/>
+              <a:pPr/>
+              <a:t>28</a:t>
+            </a:fld>
+            <a:endParaRPr lang="en-US" dirty="0" smtClean="0"/>
+          </a:p>
+        </p:txBody>
+      </p:sp>
+      <p:sp>
+        <p:nvSpPr>
+          <p:cNvPr id="40965" name="Rectangle 2"/>
+          <p:cNvSpPr>
+            <a:spLocks noGrp="1" noRot="1" noChangeAspect="1" noChangeArrowheads="1" noTextEdit="1"/>
+          </p:cNvSpPr>
+          <p:nvPr>
+            <p:ph type="sldImg"/>
+          </p:nvPr>
+        </p:nvSpPr>
+        <p:spPr>
+          <a:xfrm>
+            <a:off x="701675" y="449263"/>
+            <a:ext cx="5453063" cy="3408362"/>
+          </a:xfrm>
+          <a:ln/>
+        </p:spPr>
+      </p:sp>
+      <p:sp>
+        <p:nvSpPr>
+          <p:cNvPr id="40966" name="Rectangle 3"/>
+          <p:cNvSpPr>
+            <a:spLocks noGrp="1" noChangeArrowheads="1"/>
+          </p:cNvSpPr>
+          <p:nvPr>
+            <p:ph type="body" idx="1"/>
+          </p:nvPr>
+        </p:nvSpPr>
+        <p:spPr>
+          <a:xfrm>
+            <a:off x="307492" y="4139472"/>
+            <a:ext cx="6261652" cy="4593861"/>
+          </a:xfrm>
+          <a:noFill/>
+          <a:ln/>
+        </p:spPr>
+        <p:txBody>
+          <a:bodyPr/>
+          <a:lstStyle/>
+          <a:p>
+            <a:pPr>
+              <a:buFontTx/>
+              <a:buNone/>
+            </a:pPr>
+            <a:endParaRPr lang="en-US" dirty="0" smtClean="0"/>
+          </a:p>
+        </p:txBody>
+      </p:sp>
+    </p:spTree>
   </p:cSld>
   <p:clrMapOvr>
     <a:masterClrMapping/>
@@ -2169,15 +6507,51 @@
           <a:p>
             <a:r>
               <a:rPr lang="fr-FR" baseline="0" dirty="0" err="1" smtClean="0"/>
-              <a:t>See</a:t>
-            </a:r>
-            <a:r>
-              <a:rPr lang="fr-FR" baseline="0" dirty="0" smtClean="0"/>
-              <a:t> </a:t>
+              <a:t>You’ll</a:t>
+            </a:r>
+            <a:r>
+              <a:rPr lang="fr-FR" baseline="0" dirty="0" smtClean="0"/>
+              <a:t> </a:t>
+            </a:r>
+            <a:r>
+              <a:rPr lang="fr-FR" baseline="0" dirty="0" err="1" smtClean="0"/>
+              <a:t>see</a:t>
+            </a:r>
+            <a:r>
+              <a:rPr lang="fr-FR" baseline="0" dirty="0" smtClean="0"/>
+              <a:t> a </a:t>
             </a:r>
             <a:r>
               <a:rPr lang="fr-FR" baseline="0" dirty="0" err="1" smtClean="0"/>
               <a:t>demo</a:t>
+            </a:r>
+            <a:r>
+              <a:rPr lang="fr-FR" baseline="0" dirty="0" smtClean="0"/>
+              <a:t> of the </a:t>
+            </a:r>
+            <a:r>
+              <a:rPr lang="fr-FR" baseline="0" dirty="0" err="1" smtClean="0"/>
+              <a:t>Crazyflie</a:t>
+            </a:r>
+            <a:r>
+              <a:rPr lang="fr-FR" baseline="0" dirty="0" smtClean="0"/>
+              <a:t> in the </a:t>
+            </a:r>
+            <a:r>
+              <a:rPr lang="fr-FR" baseline="0" dirty="0" err="1" smtClean="0"/>
+              <a:t>next</a:t>
+            </a:r>
+            <a:r>
+              <a:rPr lang="fr-FR" baseline="0" dirty="0" smtClean="0"/>
+              <a:t> talk </a:t>
+            </a:r>
+            <a:r>
+              <a:rPr lang="fr-FR" baseline="0" dirty="0" err="1" smtClean="0"/>
+              <a:t>btw</a:t>
+            </a:r>
+            <a:r>
+              <a:rPr lang="fr-FR" baseline="0" dirty="0" smtClean="0"/>
+              <a:t>.</a:t>
             </a:r>
             <a:endParaRPr lang="fr-FR" dirty="0"/>
           </a:p>
@@ -2632,15 +7006,51 @@
           <a:p>
             <a:r>
               <a:rPr lang="fr-FR" dirty="0" err="1" smtClean="0"/>
-              <a:t>See</a:t>
+              <a:t>We</a:t>
             </a:r>
             <a:r>
               <a:rPr lang="fr-FR" dirty="0" smtClean="0"/>
-              <a:t> change for </a:t>
+              <a:t> have </a:t>
             </a:r>
             <a:r>
               <a:rPr lang="fr-FR" dirty="0" err="1" smtClean="0"/>
-              <a:t>fix</a:t>
+              <a:t>identified</a:t>
+            </a:r>
+            <a:r>
+              <a:rPr lang="fr-FR" dirty="0" smtClean="0"/>
+              <a:t> a </a:t>
+            </a:r>
+            <a:r>
+              <a:rPr lang="fr-FR" dirty="0" err="1" smtClean="0"/>
+              <a:t>number</a:t>
+            </a:r>
+            <a:r>
+              <a:rPr lang="fr-FR" dirty="0" smtClean="0"/>
+              <a:t> of use cases for SPARK. </a:t>
+            </a:r>
+            <a:r>
+              <a:rPr lang="fr-FR" dirty="0" err="1" smtClean="0"/>
+              <a:t>Here</a:t>
+            </a:r>
+            <a:r>
+              <a:rPr lang="fr-FR" dirty="0" smtClean="0"/>
+              <a:t> are the 5 more </a:t>
+            </a:r>
+            <a:r>
+              <a:rPr lang="fr-FR" dirty="0" err="1" smtClean="0"/>
+              <a:t>common</a:t>
+            </a:r>
+            <a:r>
+              <a:rPr lang="fr-FR" dirty="0" smtClean="0"/>
+              <a:t> </a:t>
+            </a:r>
+            <a:r>
+              <a:rPr lang="fr-FR" dirty="0" err="1" smtClean="0"/>
+              <a:t>ones</a:t>
+            </a:r>
+            <a:r>
+              <a:rPr lang="fr-FR" dirty="0" smtClean="0"/>
+              <a:t>.</a:t>
             </a:r>
             <a:endParaRPr lang="fr-FR" dirty="0"/>
           </a:p>
@@ -2664,7 +7074,7 @@
             <a:fld id="{75693FD4-8F83-4EF7-AC3F-0DC0388986B0}" type="slidenum">
               <a:rPr lang="en-US" smtClean="0"/>
               <a:pPr/>
-              <a:t>24</a:t>
+              <a:t>9</a:t>
             </a:fld>
             <a:endParaRPr lang="en-US" dirty="0"/>
           </a:p>
@@ -2673,7 +7083,7 @@
     </p:spTree>
     <p:extLst>
       <p:ext uri="{BB962C8B-B14F-4D97-AF65-F5344CB8AC3E}">
-        <p14:creationId xmlns:p14="http://schemas.microsoft.com/office/powerpoint/2010/main" val="2731003155"/>
+        <p14:creationId xmlns:p14="http://schemas.microsoft.com/office/powerpoint/2010/main" val="3307891871"/>
       </p:ext>
     </p:extLst>
   </p:cSld>
@@ -2728,16 +7138,44 @@
           <a:lstStyle/>
           <a:p>
             <a:r>
-              <a:rPr lang="fr-FR" dirty="0" err="1" smtClean="0"/>
-              <a:t>See</a:t>
-            </a:r>
-            <a:r>
               <a:rPr lang="fr-FR" dirty="0" smtClean="0"/>
-              <a:t> change for </a:t>
-            </a:r>
-            <a:r>
-              <a:rPr lang="fr-FR" dirty="0" err="1" smtClean="0"/>
-              <a:t>fix</a:t>
+              <a:t>Focus</a:t>
+            </a:r>
+            <a:r>
+              <a:rPr lang="fr-FR" baseline="0" dirty="0" smtClean="0"/>
+              <a:t> on how proof and test </a:t>
+            </a:r>
+            <a:r>
+              <a:rPr lang="fr-FR" baseline="0" dirty="0" err="1" smtClean="0"/>
+              <a:t>can</a:t>
+            </a:r>
+            <a:r>
+              <a:rPr lang="fr-FR" baseline="0" dirty="0" smtClean="0"/>
+              <a:t> </a:t>
+            </a:r>
+            <a:r>
+              <a:rPr lang="fr-FR" baseline="0" dirty="0" err="1" smtClean="0"/>
+              <a:t>be</a:t>
+            </a:r>
+            <a:r>
+              <a:rPr lang="fr-FR" baseline="0" dirty="0" smtClean="0"/>
+              <a:t> </a:t>
+            </a:r>
+            <a:r>
+              <a:rPr lang="fr-FR" baseline="0" dirty="0" err="1" smtClean="0"/>
+              <a:t>combined</a:t>
+            </a:r>
+            <a:r>
+              <a:rPr lang="fr-FR" baseline="0" dirty="0" smtClean="0"/>
+              <a:t> in 2 </a:t>
+            </a:r>
+            <a:r>
+              <a:rPr lang="fr-FR" baseline="0" dirty="0" err="1" smtClean="0"/>
+              <a:t>slides</a:t>
+            </a:r>
+            <a:r>
+              <a:rPr lang="fr-FR" baseline="0" dirty="0" smtClean="0"/>
+              <a:t>.</a:t>
             </a:r>
             <a:endParaRPr lang="fr-FR" dirty="0"/>
           </a:p>
@@ -2761,7 +7199,7 @@
             <a:fld id="{75693FD4-8F83-4EF7-AC3F-0DC0388986B0}" type="slidenum">
               <a:rPr lang="en-US" smtClean="0"/>
               <a:pPr/>
-              <a:t>25</a:t>
+              <a:t>10</a:t>
             </a:fld>
             <a:endParaRPr lang="en-US" dirty="0"/>
           </a:p>
@@ -2770,7 +7208,7 @@
     </p:spTree>
     <p:extLst>
       <p:ext uri="{BB962C8B-B14F-4D97-AF65-F5344CB8AC3E}">
-        <p14:creationId xmlns:p14="http://schemas.microsoft.com/office/powerpoint/2010/main" val="2731003155"/>
+        <p14:creationId xmlns:p14="http://schemas.microsoft.com/office/powerpoint/2010/main" val="1997529252"/>
       </p:ext>
     </p:extLst>
   </p:cSld>
@@ -3129,7 +7567,7 @@
             <a:fld id="{757B281C-5159-4971-8228-52B9A72E9ED2}" type="datetimeFigureOut">
               <a:rPr lang="en-US" smtClean="0"/>
               <a:pPr/>
-              <a:t>10/09/15</a:t>
+              <a:t>29/09/15</a:t>
             </a:fld>
             <a:endParaRPr lang="en-US" dirty="0"/>
           </a:p>
@@ -3247,7 +7685,7 @@
             <a:fld id="{757B281C-5159-4971-8228-52B9A72E9ED2}" type="datetimeFigureOut">
               <a:rPr lang="en-US" smtClean="0"/>
               <a:pPr/>
-              <a:t>10/09/15</a:t>
+              <a:t>29/09/15</a:t>
             </a:fld>
             <a:endParaRPr lang="en-US" dirty="0"/>
           </a:p>
@@ -3349,7 +7787,7 @@
             <a:fld id="{757B281C-5159-4971-8228-52B9A72E9ED2}" type="datetimeFigureOut">
               <a:rPr lang="en-US" smtClean="0"/>
               <a:pPr/>
-              <a:t>10/09/15</a:t>
+              <a:t>29/09/15</a:t>
             </a:fld>
             <a:endParaRPr lang="en-US" dirty="0"/>
           </a:p>
@@ -3456,7 +7894,7 @@
             <a:fld id="{757B281C-5159-4971-8228-52B9A72E9ED2}" type="datetimeFigureOut">
               <a:rPr lang="en-US" smtClean="0"/>
               <a:pPr/>
-              <a:t>10/09/15</a:t>
+              <a:t>29/09/15</a:t>
             </a:fld>
             <a:endParaRPr lang="en-US" dirty="0"/>
           </a:p>
@@ -3568,7 +8006,7 @@
             <a:fld id="{757B281C-5159-4971-8228-52B9A72E9ED2}" type="datetimeFigureOut">
               <a:rPr lang="en-US" smtClean="0"/>
               <a:pPr/>
-              <a:t>10/09/15</a:t>
+              <a:t>29/09/15</a:t>
             </a:fld>
             <a:endParaRPr lang="en-US" dirty="0"/>
           </a:p>
@@ -3708,7 +8146,7 @@
             <a:fld id="{757B281C-5159-4971-8228-52B9A72E9ED2}" type="datetimeFigureOut">
               <a:rPr lang="en-US" smtClean="0"/>
               <a:pPr/>
-              <a:t>10/09/15</a:t>
+              <a:t>29/09/15</a:t>
             </a:fld>
             <a:endParaRPr lang="en-US" dirty="0"/>
           </a:p>
@@ -3980,7 +8418,7 @@
             <a:fld id="{757B281C-5159-4971-8228-52B9A72E9ED2}" type="datetimeFigureOut">
               <a:rPr lang="en-US" smtClean="0"/>
               <a:pPr/>
-              <a:t>10/09/15</a:t>
+              <a:t>29/09/15</a:t>
             </a:fld>
             <a:endParaRPr lang="en-US" dirty="0"/>
           </a:p>
@@ -4296,7 +8734,7 @@
             <a:fld id="{757B281C-5159-4971-8228-52B9A72E9ED2}" type="datetimeFigureOut">
               <a:rPr lang="en-US" smtClean="0"/>
               <a:pPr/>
-              <a:t>10/09/15</a:t>
+              <a:t>29/09/15</a:t>
             </a:fld>
             <a:endParaRPr lang="en-US" dirty="0"/>
           </a:p>
@@ -4741,7 +9179,7 @@
             <a:fld id="{757B281C-5159-4971-8228-52B9A72E9ED2}" type="datetimeFigureOut">
               <a:rPr lang="en-US" smtClean="0"/>
               <a:pPr/>
-              <a:t>10/09/15</a:t>
+              <a:t>29/09/15</a:t>
             </a:fld>
             <a:endParaRPr lang="en-US" dirty="0"/>
           </a:p>
@@ -5020,7 +9458,7 @@
             <a:fld id="{757B281C-5159-4971-8228-52B9A72E9ED2}" type="datetimeFigureOut">
               <a:rPr lang="en-US" smtClean="0"/>
               <a:pPr/>
-              <a:t>10/09/15</a:t>
+              <a:t>29/09/15</a:t>
             </a:fld>
             <a:endParaRPr lang="en-US" dirty="0"/>
           </a:p>
@@ -5284,7 +9722,7 @@
             <a:fld id="{757B281C-5159-4971-8228-52B9A72E9ED2}" type="datetimeFigureOut">
               <a:rPr lang="en-US" smtClean="0"/>
               <a:pPr/>
-              <a:t>10/09/15</a:t>
+              <a:t>29/09/15</a:t>
             </a:fld>
             <a:endParaRPr lang="en-US" dirty="0"/>
           </a:p>
@@ -5454,7 +9892,7 @@
             <a:fld id="{757B281C-5159-4971-8228-52B9A72E9ED2}" type="datetimeFigureOut">
               <a:rPr lang="en-US" smtClean="0"/>
               <a:pPr/>
-              <a:t>10/09/15</a:t>
+              <a:t>29/09/15</a:t>
             </a:fld>
             <a:endParaRPr lang="en-US" dirty="0"/>
           </a:p>
@@ -5667,7 +10105,7 @@
             <a:fld id="{757B281C-5159-4971-8228-52B9A72E9ED2}" type="datetimeFigureOut">
               <a:rPr lang="en-US" smtClean="0"/>
               <a:pPr/>
-              <a:t>10/09/15</a:t>
+              <a:t>29/09/15</a:t>
             </a:fld>
             <a:endParaRPr lang="en-US" dirty="0"/>
           </a:p>
@@ -6239,25 +10677,25 @@
               <a:rPr lang="en-US" dirty="0" smtClean="0"/>
               <a:t>Equivalent to exhaustive testing</a:t>
             </a:r>
+          </a:p>
+          <a:p>
+            <a:pPr lvl="1"/>
+            <a:r>
+              <a:rPr lang="en-US" dirty="0" smtClean="0"/>
+              <a:t>Few contracts required</a:t>
+            </a:r>
+          </a:p>
+          <a:p>
+            <a:pPr lvl="1"/>
+            <a:r>
+              <a:rPr lang="en-US" dirty="0" smtClean="0"/>
+              <a:t>Typically 95% - 98% of RTE </a:t>
+            </a:r>
+            <a:r>
+              <a:rPr lang="en-US" dirty="0" smtClean="0"/>
+              <a:t>proved automatically</a:t>
+            </a:r>
             <a:endParaRPr lang="en-US" dirty="0" smtClean="0"/>
-          </a:p>
-          <a:p>
-            <a:pPr lvl="1"/>
-            <a:r>
-              <a:rPr lang="en-US" dirty="0" smtClean="0"/>
-              <a:t>Few </a:t>
-            </a:r>
-            <a:r>
-              <a:rPr lang="en-US" dirty="0" smtClean="0"/>
-              <a:t>contracts required</a:t>
-            </a:r>
-          </a:p>
-          <a:p>
-            <a:pPr lvl="1"/>
-            <a:r>
-              <a:rPr lang="en-US" dirty="0" smtClean="0"/>
-              <a:t>Typically 95% - 98% of RTE proved</a:t>
-            </a:r>
           </a:p>
           <a:p>
             <a:pPr lvl="1"/>
@@ -6932,7 +11370,7 @@
           <p:nvPr/>
         </p:nvPicPr>
         <p:blipFill>
-          <a:blip r:embed="rId2">
+          <a:blip r:embed="rId3">
             <a:extLst>
               <a:ext uri="{28A0092B-C50C-407E-A947-70E740481C1C}">
                 <a14:useLocalDpi xmlns:a14="http://schemas.microsoft.com/office/drawing/2010/main" val="0"/>
@@ -6962,7 +11400,7 @@
           <p:nvPr/>
         </p:nvPicPr>
         <p:blipFill>
-          <a:blip r:embed="rId3">
+          <a:blip r:embed="rId4">
             <a:extLst>
               <a:ext uri="{28A0092B-C50C-407E-A947-70E740481C1C}">
                 <a14:useLocalDpi xmlns:a14="http://schemas.microsoft.com/office/drawing/2010/main" val="0"/>
@@ -7426,8 +11864,13 @@
             <a:pPr lvl="1"/>
             <a:r>
               <a:rPr lang="en-US" dirty="0" smtClean="0"/>
-              <a:t>Much better handling of bitwise and floats</a:t>
-            </a:r>
+              <a:t>Much better handling of </a:t>
+            </a:r>
+            <a:r>
+              <a:rPr lang="en-US" dirty="0" smtClean="0"/>
+              <a:t>modular integers and bitwise arithmetic</a:t>
+            </a:r>
+            <a:endParaRPr lang="en-US" dirty="0" smtClean="0"/>
           </a:p>
           <a:p>
             <a:pPr marL="0" indent="0">
@@ -7634,8 +12077,8 @@
           <a:p>
             <a:pPr lvl="1"/>
             <a:r>
-              <a:rPr lang="en-US" dirty="0" smtClean="0"/>
-              <a:t>Much better handling of bitwise and floats</a:t>
+              <a:rPr lang="en-US" dirty="0"/>
+              <a:t>Much better handling of modular integers and bitwise arithmetic</a:t>
             </a:r>
           </a:p>
           <a:p>
@@ -11407,7 +15850,7 @@
           <p:nvPr/>
         </p:nvPicPr>
         <p:blipFill>
-          <a:blip r:embed="rId2">
+          <a:blip r:embed="rId3">
             <a:extLst>
               <a:ext uri="{28A0092B-C50C-407E-A947-70E740481C1C}">
                 <a14:useLocalDpi xmlns:a14="http://schemas.microsoft.com/office/drawing/2010/main" val="0"/>
@@ -11510,7 +15953,7 @@
           <p:nvPr/>
         </p:nvPicPr>
         <p:blipFill>
-          <a:blip r:embed="rId2">
+          <a:blip r:embed="rId3">
             <a:extLst>
               <a:ext uri="{28A0092B-C50C-407E-A947-70E740481C1C}">
                 <a14:useLocalDpi xmlns:a14="http://schemas.microsoft.com/office/drawing/2010/main" val="0"/>
@@ -11657,7 +16100,7 @@
           <p:nvPr/>
         </p:nvPicPr>
         <p:blipFill>
-          <a:blip r:embed="rId2">
+          <a:blip r:embed="rId3">
             <a:extLst>
               <a:ext uri="{28A0092B-C50C-407E-A947-70E740481C1C}">
                 <a14:useLocalDpi xmlns:a14="http://schemas.microsoft.com/office/drawing/2010/main" val="0"/>
@@ -11722,7 +16165,7 @@
           <p:nvPr/>
         </p:nvPicPr>
         <p:blipFill>
-          <a:blip r:embed="rId3">
+          <a:blip r:embed="rId4">
             <a:extLst>
               <a:ext uri="{28A0092B-C50C-407E-A947-70E740481C1C}">
                 <a14:useLocalDpi xmlns:a14="http://schemas.microsoft.com/office/drawing/2010/main" val="0"/>
@@ -11834,7 +16277,7 @@
           <p:nvPr/>
         </p:nvPicPr>
         <p:blipFill>
-          <a:blip r:embed="rId2">
+          <a:blip r:embed="rId3">
             <a:extLst>
               <a:ext uri="{28A0092B-C50C-407E-A947-70E740481C1C}">
                 <a14:useLocalDpi xmlns:a14="http://schemas.microsoft.com/office/drawing/2010/main" val="0"/>
@@ -12402,7 +16845,7 @@
         <p:spPr/>
         <p:txBody>
           <a:bodyPr>
-            <a:normAutofit lnSpcReduction="10000"/>
+            <a:normAutofit fontScale="92500" lnSpcReduction="10000"/>
           </a:bodyPr>
           <a:lstStyle/>
           <a:p>
@@ -12456,14 +16899,38 @@
                   <a:srgbClr val="2D72AD"/>
                 </a:solidFill>
               </a:rPr>
-              <a:t>Improved provability</a:t>
-            </a:r>
+              <a:t>Improved </a:t>
+            </a:r>
+            <a:r>
+              <a:rPr lang="en-US" b="1" dirty="0" smtClean="0">
+                <a:solidFill>
+                  <a:srgbClr val="2D72AD"/>
+                </a:solidFill>
+              </a:rPr>
+              <a:t>provability</a:t>
+            </a:r>
+            <a:endParaRPr lang="en-US" b="1" dirty="0" smtClean="0">
+              <a:solidFill>
+                <a:srgbClr val="2D72AD"/>
+              </a:solidFill>
+            </a:endParaRPr>
           </a:p>
           <a:p>
             <a:pPr lvl="1"/>
             <a:r>
               <a:rPr lang="en-US" dirty="0" smtClean="0"/>
-              <a:t>Integration of </a:t>
+              <a:t>Better handling of floats</a:t>
+            </a:r>
+          </a:p>
+          <a:p>
+            <a:pPr lvl="1"/>
+            <a:r>
+              <a:rPr lang="en-US" dirty="0" smtClean="0"/>
+              <a:t>Integration </a:t>
+            </a:r>
+            <a:r>
+              <a:rPr lang="en-US" dirty="0" smtClean="0"/>
+              <a:t>of </a:t>
             </a:r>
             <a:r>
               <a:rPr lang="en-US" dirty="0" err="1" smtClean="0"/>
@@ -14987,6 +19454,10 @@
               <a:rPr lang="en-US" dirty="0" err="1" smtClean="0"/>
               <a:t>Ravenscar</a:t>
             </a:r>
+            <a:r>
+              <a:rPr lang="en-US" dirty="0" smtClean="0"/>
+              <a:t> (safe tasking)</a:t>
+            </a:r>
             <a:endParaRPr lang="en-US" dirty="0" smtClean="0"/>
           </a:p>
           <a:p>
@@ -15755,25 +20226,25 @@
               <a:rPr lang="en-US" dirty="0" smtClean="0"/>
               <a:t>Equivalent to exhaustive testing</a:t>
             </a:r>
+          </a:p>
+          <a:p>
+            <a:pPr lvl="1"/>
+            <a:r>
+              <a:rPr lang="en-US" dirty="0" smtClean="0"/>
+              <a:t>Few contracts required</a:t>
+            </a:r>
+          </a:p>
+          <a:p>
+            <a:pPr lvl="1"/>
+            <a:r>
+              <a:rPr lang="en-US" dirty="0" smtClean="0"/>
+              <a:t>Typically 95% - 98% of RTE </a:t>
+            </a:r>
+            <a:r>
+              <a:rPr lang="en-US" dirty="0" smtClean="0"/>
+              <a:t>proved automatically</a:t>
+            </a:r>
             <a:endParaRPr lang="en-US" dirty="0" smtClean="0"/>
-          </a:p>
-          <a:p>
-            <a:pPr lvl="1"/>
-            <a:r>
-              <a:rPr lang="en-US" dirty="0" smtClean="0"/>
-              <a:t>Few </a:t>
-            </a:r>
-            <a:r>
-              <a:rPr lang="en-US" dirty="0" smtClean="0"/>
-              <a:t>contracts required</a:t>
-            </a:r>
-          </a:p>
-          <a:p>
-            <a:pPr lvl="1"/>
-            <a:r>
-              <a:rPr lang="en-US" dirty="0" smtClean="0"/>
-              <a:t>Typically 95% - 98% of RTE proved</a:t>
-            </a:r>
           </a:p>
           <a:p>
             <a:pPr lvl="1"/>

--- a/slides/AdaCore_Tech_Days_2015/AdaCore Tech Days SPARK 2014.pptx
+++ b/slides/AdaCore_Tech_Days_2015/AdaCore Tech Days SPARK 2014.pptx
@@ -784,13 +784,13 @@
             </a:r>
             <a:r>
               <a:rPr lang="en-US" baseline="0" dirty="0" smtClean="0"/>
-              <a:t>you have heard about SPARK.</a:t>
+              <a:t>you have heard about it.</a:t>
             </a:r>
           </a:p>
           <a:p>
             <a:r>
               <a:rPr lang="en-US" baseline="0" dirty="0" smtClean="0"/>
-              <a:t>If you’ve never heard of it, in a sentence SPARK is Ada with contracts + powerful analysis tools. And you can use it whether or not you’re in certification, whether or not you want to combine it with testing.</a:t>
+              <a:t>If you’ve never heard of it, in a sentence SPARK is Ada with contracts + powerful analysis tools. And you can use it whether or not you’re in certification, whether or not you want to combine it with traditional testing.</a:t>
             </a:r>
           </a:p>
           <a:p>
@@ -800,7 +800,29 @@
             </a:r>
             <a:r>
               <a:rPr lang="en-US" baseline="0" dirty="0" smtClean="0"/>
-              <a:t>presentation is not so much about what SPARK is, but about why and how to use it. And in particular, how it can be easily adopted in </a:t>
+              <a:t>presentation is not so much about what SPARK is, but about why </a:t>
+            </a:r>
+            <a:r>
+              <a:rPr lang="en-US" baseline="0" dirty="0" smtClean="0"/>
+              <a:t>using SPARK. Why would you use SPARK? I’ll answer to that question in a few slides.</a:t>
+            </a:r>
+          </a:p>
+          <a:p>
+            <a:r>
+              <a:rPr lang="en-US" baseline="0" dirty="0" smtClean="0"/>
+              <a:t>And after you’re convinced you should use SPARK, I’ll turn to how easily you can use </a:t>
+            </a:r>
+            <a:r>
+              <a:rPr lang="en-US" baseline="0" dirty="0" smtClean="0"/>
+              <a:t>it. </a:t>
+            </a:r>
+            <a:r>
+              <a:rPr lang="en-US" baseline="0" dirty="0" smtClean="0"/>
+              <a:t>In </a:t>
+            </a:r>
+            <a:r>
+              <a:rPr lang="en-US" baseline="0" dirty="0" smtClean="0"/>
+              <a:t>particular, how it can be easily adopted in </a:t>
             </a:r>
             <a:r>
               <a:rPr lang="en-US" baseline="0" dirty="0" smtClean="0"/>
@@ -989,6 +1011,60 @@
             <a:r>
               <a:rPr lang="fr-FR" baseline="0" dirty="0" err="1" smtClean="0"/>
               <a:t>GNATprove</a:t>
+            </a:r>
+            <a:endParaRPr lang="fr-FR" baseline="0" dirty="0" smtClean="0"/>
+          </a:p>
+          <a:p>
+            <a:pPr marL="0" indent="0">
+              <a:buFontTx/>
+              <a:buNone/>
+            </a:pPr>
+            <a:endParaRPr lang="fr-FR" baseline="0" dirty="0" smtClean="0"/>
+          </a:p>
+          <a:p>
+            <a:pPr marL="0" indent="0">
+              <a:buFontTx/>
+              <a:buNone/>
+            </a:pPr>
+            <a:r>
+              <a:rPr lang="fr-FR" baseline="0" dirty="0" err="1" smtClean="0"/>
+              <a:t>We</a:t>
+            </a:r>
+            <a:r>
+              <a:rPr lang="fr-FR" baseline="0" dirty="0" smtClean="0"/>
+              <a:t> have </a:t>
+            </a:r>
+            <a:r>
+              <a:rPr lang="fr-FR" baseline="0" dirty="0" err="1" smtClean="0"/>
+              <a:t>many</a:t>
+            </a:r>
+            <a:r>
+              <a:rPr lang="fr-FR" baseline="0" dirty="0" smtClean="0"/>
+              <a:t> </a:t>
+            </a:r>
+            <a:r>
+              <a:rPr lang="fr-FR" baseline="0" dirty="0" err="1" smtClean="0"/>
+              <a:t>resources</a:t>
+            </a:r>
+            <a:r>
+              <a:rPr lang="fr-FR" baseline="0" dirty="0" smtClean="0"/>
+              <a:t> for </a:t>
+            </a:r>
+            <a:r>
+              <a:rPr lang="fr-FR" baseline="0" dirty="0" err="1" smtClean="0"/>
+              <a:t>learning</a:t>
+            </a:r>
+            <a:r>
+              <a:rPr lang="fr-FR" baseline="0" dirty="0" smtClean="0"/>
+              <a:t> </a:t>
+            </a:r>
+            <a:r>
+              <a:rPr lang="fr-FR" baseline="0" dirty="0" err="1" smtClean="0"/>
+              <a:t>both</a:t>
+            </a:r>
+            <a:r>
+              <a:rPr lang="fr-FR" baseline="0" dirty="0" smtClean="0"/>
+              <a:t>.</a:t>
             </a:r>
             <a:endParaRPr lang="fr-FR" dirty="0"/>
           </a:p>
@@ -3962,7 +4038,7 @@
             </a:r>
             <a:r>
               <a:rPr lang="fr-FR" baseline="0" dirty="0" smtClean="0"/>
-              <a:t> shows a value of a </a:t>
+              <a:t> shows a </a:t>
             </a:r>
             <a:r>
               <a:rPr lang="fr-FR" baseline="0" dirty="0" err="1" smtClean="0"/>
@@ -4102,7 +4178,15 @@
             </a:r>
             <a:r>
               <a:rPr lang="fr-FR" baseline="0" dirty="0" err="1" smtClean="0"/>
-              <a:t>this</a:t>
+              <a:t>its</a:t>
+            </a:r>
+            <a:r>
+              <a:rPr lang="fr-FR" baseline="0" dirty="0" smtClean="0"/>
+              <a:t> </a:t>
+            </a:r>
+            <a:r>
+              <a:rPr lang="fr-FR" baseline="0" dirty="0" err="1" smtClean="0"/>
+              <a:t>absolute</a:t>
             </a:r>
             <a:r>
               <a:rPr lang="fr-FR" baseline="0" dirty="0" smtClean="0"/>
@@ -4138,7 +4222,7 @@
             </a:r>
             <a:r>
               <a:rPr lang="fr-FR" baseline="0" dirty="0" smtClean="0"/>
-              <a:t> -256!</a:t>
+              <a:t> 256!</a:t>
             </a:r>
           </a:p>
         </p:txBody>
@@ -5027,7 +5111,7 @@
             </a:r>
             <a:r>
               <a:rPr lang="fr-FR" baseline="0" dirty="0" err="1" smtClean="0"/>
-              <a:t>proofs</a:t>
+              <a:t>floats</a:t>
             </a:r>
             <a:r>
               <a:rPr lang="fr-FR" baseline="0" dirty="0" smtClean="0"/>
@@ -5161,7 +5245,7 @@
             </a:r>
             <a:r>
               <a:rPr lang="fr-FR" baseline="0" dirty="0" err="1" smtClean="0"/>
-              <a:t>proved</a:t>
+              <a:t>provers</a:t>
             </a:r>
             <a:r>
               <a:rPr lang="fr-FR" baseline="0" dirty="0" smtClean="0"/>
@@ -5333,7 +5417,11 @@
             </a:r>
             <a:r>
               <a:rPr lang="fr-FR" baseline="0" dirty="0" err="1" smtClean="0"/>
-              <a:t>provide</a:t>
+              <a:t>we’ll</a:t>
+            </a:r>
+            <a:r>
+              <a:rPr lang="fr-FR" baseline="0" smtClean="0"/>
+              <a:t> provide</a:t>
             </a:r>
             <a:r>
               <a:rPr lang="fr-FR" baseline="0" dirty="0" smtClean="0"/>
@@ -5684,20 +5772,44 @@
           <a:lstStyle/>
           <a:p>
             <a:r>
-              <a:rPr lang="fr-FR" dirty="0" smtClean="0"/>
-              <a:t>Start</a:t>
-            </a:r>
-            <a:r>
-              <a:rPr lang="fr-FR" baseline="0" dirty="0" smtClean="0"/>
-              <a:t> </a:t>
-            </a:r>
-            <a:r>
-              <a:rPr lang="fr-FR" baseline="0" dirty="0" err="1" smtClean="0"/>
-              <a:t>with</a:t>
-            </a:r>
-            <a:r>
-              <a:rPr lang="fr-FR" baseline="0" dirty="0" smtClean="0"/>
-              <a:t> story </a:t>
+              <a:rPr lang="fr-FR" baseline="0" dirty="0" smtClean="0"/>
+              <a:t>But </a:t>
+            </a:r>
+            <a:r>
+              <a:rPr lang="fr-FR" baseline="0" dirty="0" err="1" smtClean="0"/>
+              <a:t>before</a:t>
+            </a:r>
+            <a:r>
+              <a:rPr lang="fr-FR" baseline="0" dirty="0" smtClean="0"/>
+              <a:t> </a:t>
+            </a:r>
+            <a:r>
+              <a:rPr lang="fr-FR" baseline="0" dirty="0" err="1" smtClean="0"/>
+              <a:t>that</a:t>
+            </a:r>
+            <a:r>
+              <a:rPr lang="fr-FR" baseline="0" dirty="0" smtClean="0"/>
+              <a:t>, </a:t>
+            </a:r>
+            <a:r>
+              <a:rPr lang="fr-FR" baseline="0" dirty="0" err="1" smtClean="0"/>
+              <a:t>here</a:t>
+            </a:r>
+            <a:r>
+              <a:rPr lang="fr-FR" baseline="0" dirty="0" smtClean="0"/>
+              <a:t> </a:t>
+            </a:r>
+            <a:r>
+              <a:rPr lang="fr-FR" baseline="0" dirty="0" err="1" smtClean="0"/>
+              <a:t>is</a:t>
+            </a:r>
+            <a:r>
+              <a:rPr lang="fr-FR" baseline="0" dirty="0" smtClean="0"/>
+              <a:t> a </a:t>
+            </a:r>
+            <a:r>
+              <a:rPr lang="fr-FR" baseline="0" dirty="0" smtClean="0"/>
+              <a:t>story </a:t>
             </a:r>
             <a:r>
               <a:rPr lang="fr-FR" baseline="0" dirty="0" err="1" smtClean="0"/>
@@ -5889,8 +6001,12 @@
           <a:lstStyle/>
           <a:p>
             <a:r>
+              <a:rPr lang="fr-FR" dirty="0" err="1" smtClean="0"/>
+              <a:t>Here</a:t>
+            </a:r>
+            <a:r>
               <a:rPr lang="fr-FR" dirty="0" smtClean="0"/>
-              <a:t>This </a:t>
+              <a:t> </a:t>
             </a:r>
             <a:r>
               <a:rPr lang="fr-FR" dirty="0" err="1" smtClean="0"/>
@@ -5903,6 +6019,14 @@
             <a:r>
               <a:rPr lang="fr-FR" dirty="0" err="1" smtClean="0"/>
               <a:t>our</a:t>
+            </a:r>
+            <a:r>
+              <a:rPr lang="fr-FR" dirty="0" smtClean="0"/>
+              <a:t> </a:t>
+            </a:r>
+            <a:r>
+              <a:rPr lang="fr-FR" dirty="0" err="1" smtClean="0"/>
+              <a:t>past</a:t>
             </a:r>
             <a:r>
               <a:rPr lang="fr-FR" dirty="0" smtClean="0"/>
@@ -6501,8 +6625,9 @@
             </a:r>
             <a:r>
               <a:rPr lang="fr-FR" baseline="0" dirty="0" smtClean="0"/>
-              <a:t>.</a:t>
-            </a:r>
+              <a:t> for the first time.</a:t>
+            </a:r>
+            <a:endParaRPr lang="fr-FR" baseline="0" dirty="0" smtClean="0"/>
           </a:p>
           <a:p>
             <a:r>

--- a/slides/AdaCore_Tech_Days_2015/AdaCore Tech Days SPARK 2014.pptx
+++ b/slides/AdaCore_Tech_Days_2015/AdaCore Tech Days SPARK 2014.pptx
@@ -281,7 +281,7 @@
             <a:fld id="{D83FDC75-7F73-4A4A-A77C-09AADF00E0EA}" type="datetimeFigureOut">
               <a:rPr lang="en-US" smtClean="0"/>
               <a:pPr/>
-              <a:t>29/09/15</a:t>
+              <a:t>30/09/15</a:t>
             </a:fld>
             <a:endParaRPr lang="en-US" dirty="0"/>
           </a:p>
@@ -448,7 +448,7 @@
             <a:fld id="{48AEF76B-3757-4A0B-AF93-28494465C1DD}" type="datetimeFigureOut">
               <a:rPr lang="en-US" smtClean="0"/>
               <a:pPr/>
-              <a:t>29/09/15</a:t>
+              <a:t>30/09/15</a:t>
             </a:fld>
             <a:endParaRPr lang="en-US" dirty="0"/>
           </a:p>
@@ -780,11 +780,7 @@
             </a:r>
             <a:r>
               <a:rPr lang="en-US" baseline="0" dirty="0" smtClean="0"/>
-              <a:t> based on this new version, so many of </a:t>
-            </a:r>
-            <a:r>
-              <a:rPr lang="en-US" baseline="0" dirty="0" smtClean="0"/>
-              <a:t>you have heard about it.</a:t>
+              <a:t> based on this new version, so many of you have heard about it.</a:t>
             </a:r>
           </a:p>
           <a:p>
@@ -796,41 +792,21 @@
           <a:p>
             <a:r>
               <a:rPr lang="en-US" baseline="0" dirty="0" smtClean="0"/>
-              <a:t>This </a:t>
-            </a:r>
+              <a:t>This presentation is not so much about what SPARK is, but about why using SPARK. Why would you use SPARK? I’ll answer to that question in a few slides.</a:t>
+            </a:r>
+          </a:p>
+          <a:p>
             <a:r>
               <a:rPr lang="en-US" baseline="0" dirty="0" smtClean="0"/>
-              <a:t>presentation is not so much about what SPARK is, but about why </a:t>
+              <a:t>Besides why using it, </a:t>
+            </a:r>
+            <a:r>
+              <a:rPr lang="en-US" baseline="0" smtClean="0"/>
+              <a:t>we’ll see how </a:t>
             </a:r>
             <a:r>
               <a:rPr lang="en-US" baseline="0" dirty="0" smtClean="0"/>
-              <a:t>using SPARK. Why would you use SPARK? I’ll answer to that question in a few slides.</a:t>
-            </a:r>
-          </a:p>
-          <a:p>
-            <a:r>
-              <a:rPr lang="en-US" baseline="0" dirty="0" smtClean="0"/>
-              <a:t>And after you’re convinced you should use SPARK, I’ll turn to how easily you can use </a:t>
-            </a:r>
-            <a:r>
-              <a:rPr lang="en-US" baseline="0" dirty="0" smtClean="0"/>
-              <a:t>it. </a:t>
-            </a:r>
-            <a:r>
-              <a:rPr lang="en-US" baseline="0" dirty="0" smtClean="0"/>
-              <a:t>In </a:t>
-            </a:r>
-            <a:r>
-              <a:rPr lang="en-US" baseline="0" dirty="0" smtClean="0"/>
-              <a:t>particular, how it can be easily adopted in </a:t>
-            </a:r>
-            <a:r>
-              <a:rPr lang="en-US" baseline="0" dirty="0" smtClean="0"/>
-              <a:t>your </a:t>
-            </a:r>
-            <a:r>
-              <a:rPr lang="en-US" baseline="0" dirty="0" smtClean="0"/>
-              <a:t>processes, and easily used by your teams.</a:t>
+              <a:t>easily you can use it. In particular, how it can be easily adopted in your processes, and easily used by your teams.</a:t>
             </a:r>
             <a:endParaRPr lang="en-US" dirty="0" smtClean="0"/>
           </a:p>
@@ -5417,11 +5393,7 @@
             </a:r>
             <a:r>
               <a:rPr lang="fr-FR" baseline="0" dirty="0" err="1" smtClean="0"/>
-              <a:t>we’ll</a:t>
-            </a:r>
-            <a:r>
-              <a:rPr lang="fr-FR" baseline="0" smtClean="0"/>
-              <a:t> provide</a:t>
+              <a:t>providing</a:t>
             </a:r>
             <a:r>
               <a:rPr lang="fr-FR" baseline="0" dirty="0" smtClean="0"/>
@@ -5433,7 +5405,11 @@
             </a:r>
             <a:r>
               <a:rPr lang="fr-FR" baseline="0" dirty="0" smtClean="0"/>
-              <a:t> for </a:t>
+              <a:t> </a:t>
+            </a:r>
+            <a:r>
+              <a:rPr lang="fr-FR" baseline="0" dirty="0" smtClean="0"/>
+              <a:t>for </a:t>
             </a:r>
             <a:r>
               <a:rPr lang="fr-FR" baseline="0" dirty="0" err="1" smtClean="0"/>
@@ -5446,6 +5422,34 @@
             <a:r>
               <a:rPr lang="fr-FR" baseline="0" dirty="0" err="1" smtClean="0"/>
               <a:t>developments</a:t>
+            </a:r>
+            <a:r>
+              <a:rPr lang="fr-FR" baseline="0" dirty="0" smtClean="0"/>
+              <a:t>, in the </a:t>
+            </a:r>
+            <a:r>
+              <a:rPr lang="fr-FR" baseline="0" dirty="0" err="1" smtClean="0"/>
+              <a:t>context</a:t>
+            </a:r>
+            <a:r>
+              <a:rPr lang="fr-FR" baseline="0" dirty="0" smtClean="0"/>
+              <a:t> of a collaboration </a:t>
+            </a:r>
+            <a:r>
+              <a:rPr lang="fr-FR" baseline="0" dirty="0" err="1" smtClean="0"/>
+              <a:t>with</a:t>
+            </a:r>
+            <a:r>
+              <a:rPr lang="fr-FR" baseline="0" dirty="0" smtClean="0"/>
+              <a:t> </a:t>
+            </a:r>
+            <a:r>
+              <a:rPr lang="fr-FR" baseline="0" dirty="0" err="1" smtClean="0"/>
+              <a:t>Squoring</a:t>
+            </a:r>
+            <a:r>
+              <a:rPr lang="fr-FR" baseline="0" dirty="0" smtClean="0"/>
+              <a:t> Technologies</a:t>
             </a:r>
             <a:endParaRPr lang="fr-FR" dirty="0" smtClean="0"/>
           </a:p>
@@ -5805,11 +5809,7 @@
             </a:r>
             <a:r>
               <a:rPr lang="fr-FR" baseline="0" dirty="0" smtClean="0"/>
-              <a:t> a </a:t>
-            </a:r>
-            <a:r>
-              <a:rPr lang="fr-FR" baseline="0" dirty="0" smtClean="0"/>
-              <a:t>story </a:t>
+              <a:t> a story </a:t>
             </a:r>
             <a:r>
               <a:rPr lang="fr-FR" baseline="0" dirty="0" err="1" smtClean="0"/>
@@ -6627,7 +6627,6 @@
               <a:rPr lang="fr-FR" baseline="0" dirty="0" smtClean="0"/>
               <a:t> for the first time.</a:t>
             </a:r>
-            <a:endParaRPr lang="fr-FR" baseline="0" dirty="0" smtClean="0"/>
           </a:p>
           <a:p>
             <a:r>
@@ -7692,7 +7691,7 @@
             <a:fld id="{757B281C-5159-4971-8228-52B9A72E9ED2}" type="datetimeFigureOut">
               <a:rPr lang="en-US" smtClean="0"/>
               <a:pPr/>
-              <a:t>29/09/15</a:t>
+              <a:t>30/09/15</a:t>
             </a:fld>
             <a:endParaRPr lang="en-US" dirty="0"/>
           </a:p>
@@ -7810,7 +7809,7 @@
             <a:fld id="{757B281C-5159-4971-8228-52B9A72E9ED2}" type="datetimeFigureOut">
               <a:rPr lang="en-US" smtClean="0"/>
               <a:pPr/>
-              <a:t>29/09/15</a:t>
+              <a:t>30/09/15</a:t>
             </a:fld>
             <a:endParaRPr lang="en-US" dirty="0"/>
           </a:p>
@@ -7912,7 +7911,7 @@
             <a:fld id="{757B281C-5159-4971-8228-52B9A72E9ED2}" type="datetimeFigureOut">
               <a:rPr lang="en-US" smtClean="0"/>
               <a:pPr/>
-              <a:t>29/09/15</a:t>
+              <a:t>30/09/15</a:t>
             </a:fld>
             <a:endParaRPr lang="en-US" dirty="0"/>
           </a:p>
@@ -8019,7 +8018,7 @@
             <a:fld id="{757B281C-5159-4971-8228-52B9A72E9ED2}" type="datetimeFigureOut">
               <a:rPr lang="en-US" smtClean="0"/>
               <a:pPr/>
-              <a:t>29/09/15</a:t>
+              <a:t>30/09/15</a:t>
             </a:fld>
             <a:endParaRPr lang="en-US" dirty="0"/>
           </a:p>
@@ -8131,7 +8130,7 @@
             <a:fld id="{757B281C-5159-4971-8228-52B9A72E9ED2}" type="datetimeFigureOut">
               <a:rPr lang="en-US" smtClean="0"/>
               <a:pPr/>
-              <a:t>29/09/15</a:t>
+              <a:t>30/09/15</a:t>
             </a:fld>
             <a:endParaRPr lang="en-US" dirty="0"/>
           </a:p>
@@ -8271,7 +8270,7 @@
             <a:fld id="{757B281C-5159-4971-8228-52B9A72E9ED2}" type="datetimeFigureOut">
               <a:rPr lang="en-US" smtClean="0"/>
               <a:pPr/>
-              <a:t>29/09/15</a:t>
+              <a:t>30/09/15</a:t>
             </a:fld>
             <a:endParaRPr lang="en-US" dirty="0"/>
           </a:p>
@@ -8543,7 +8542,7 @@
             <a:fld id="{757B281C-5159-4971-8228-52B9A72E9ED2}" type="datetimeFigureOut">
               <a:rPr lang="en-US" smtClean="0"/>
               <a:pPr/>
-              <a:t>29/09/15</a:t>
+              <a:t>30/09/15</a:t>
             </a:fld>
             <a:endParaRPr lang="en-US" dirty="0"/>
           </a:p>
@@ -8859,7 +8858,7 @@
             <a:fld id="{757B281C-5159-4971-8228-52B9A72E9ED2}" type="datetimeFigureOut">
               <a:rPr lang="en-US" smtClean="0"/>
               <a:pPr/>
-              <a:t>29/09/15</a:t>
+              <a:t>30/09/15</a:t>
             </a:fld>
             <a:endParaRPr lang="en-US" dirty="0"/>
           </a:p>
@@ -9304,7 +9303,7 @@
             <a:fld id="{757B281C-5159-4971-8228-52B9A72E9ED2}" type="datetimeFigureOut">
               <a:rPr lang="en-US" smtClean="0"/>
               <a:pPr/>
-              <a:t>29/09/15</a:t>
+              <a:t>30/09/15</a:t>
             </a:fld>
             <a:endParaRPr lang="en-US" dirty="0"/>
           </a:p>
@@ -9583,7 +9582,7 @@
             <a:fld id="{757B281C-5159-4971-8228-52B9A72E9ED2}" type="datetimeFigureOut">
               <a:rPr lang="en-US" smtClean="0"/>
               <a:pPr/>
-              <a:t>29/09/15</a:t>
+              <a:t>30/09/15</a:t>
             </a:fld>
             <a:endParaRPr lang="en-US" dirty="0"/>
           </a:p>
@@ -9847,7 +9846,7 @@
             <a:fld id="{757B281C-5159-4971-8228-52B9A72E9ED2}" type="datetimeFigureOut">
               <a:rPr lang="en-US" smtClean="0"/>
               <a:pPr/>
-              <a:t>29/09/15</a:t>
+              <a:t>30/09/15</a:t>
             </a:fld>
             <a:endParaRPr lang="en-US" dirty="0"/>
           </a:p>
@@ -10017,7 +10016,7 @@
             <a:fld id="{757B281C-5159-4971-8228-52B9A72E9ED2}" type="datetimeFigureOut">
               <a:rPr lang="en-US" smtClean="0"/>
               <a:pPr/>
-              <a:t>29/09/15</a:t>
+              <a:t>30/09/15</a:t>
             </a:fld>
             <a:endParaRPr lang="en-US" dirty="0"/>
           </a:p>
@@ -10230,7 +10229,7 @@
             <a:fld id="{757B281C-5159-4971-8228-52B9A72E9ED2}" type="datetimeFigureOut">
               <a:rPr lang="en-US" smtClean="0"/>
               <a:pPr/>
-              <a:t>29/09/15</a:t>
+              <a:t>30/09/15</a:t>
             </a:fld>
             <a:endParaRPr lang="en-US" dirty="0"/>
           </a:p>
@@ -10814,13 +10813,8 @@
             <a:pPr lvl="1"/>
             <a:r>
               <a:rPr lang="en-US" dirty="0" smtClean="0"/>
-              <a:t>Typically 95% - 98% of RTE </a:t>
-            </a:r>
-            <a:r>
-              <a:rPr lang="en-US" dirty="0" smtClean="0"/>
-              <a:t>proved automatically</a:t>
-            </a:r>
-            <a:endParaRPr lang="en-US" dirty="0" smtClean="0"/>
+              <a:t>Typically 95% - 98% of RTE proved automatically</a:t>
+            </a:r>
           </a:p>
           <a:p>
             <a:pPr lvl="1"/>
@@ -11989,13 +11983,8 @@
             <a:pPr lvl="1"/>
             <a:r>
               <a:rPr lang="en-US" dirty="0" smtClean="0"/>
-              <a:t>Much better handling of </a:t>
-            </a:r>
-            <a:r>
-              <a:rPr lang="en-US" dirty="0" smtClean="0"/>
-              <a:t>modular integers and bitwise arithmetic</a:t>
-            </a:r>
-            <a:endParaRPr lang="en-US" dirty="0" smtClean="0"/>
+              <a:t>Much better handling of modular integers and bitwise arithmetic</a:t>
+            </a:r>
           </a:p>
           <a:p>
             <a:pPr marL="0" indent="0">
@@ -17024,21 +17013,8 @@
                   <a:srgbClr val="2D72AD"/>
                 </a:solidFill>
               </a:rPr>
-              <a:t>Improved </a:t>
-            </a:r>
-            <a:r>
-              <a:rPr lang="en-US" b="1" dirty="0" smtClean="0">
-                <a:solidFill>
-                  <a:srgbClr val="2D72AD"/>
-                </a:solidFill>
-              </a:rPr>
-              <a:t>provability</a:t>
-            </a:r>
-            <a:endParaRPr lang="en-US" b="1" dirty="0" smtClean="0">
-              <a:solidFill>
-                <a:srgbClr val="2D72AD"/>
-              </a:solidFill>
-            </a:endParaRPr>
+              <a:t>Improved provability</a:t>
+            </a:r>
           </a:p>
           <a:p>
             <a:pPr lvl="1"/>
@@ -17051,11 +17027,7 @@
             <a:pPr lvl="1"/>
             <a:r>
               <a:rPr lang="en-US" dirty="0" smtClean="0"/>
-              <a:t>Integration </a:t>
-            </a:r>
-            <a:r>
-              <a:rPr lang="en-US" dirty="0" smtClean="0"/>
-              <a:t>of </a:t>
+              <a:t>Integration of </a:t>
             </a:r>
             <a:r>
               <a:rPr lang="en-US" dirty="0" err="1" smtClean="0"/>
@@ -19583,7 +19555,6 @@
               <a:rPr lang="en-US" dirty="0" smtClean="0"/>
               <a:t> (safe tasking)</a:t>
             </a:r>
-            <a:endParaRPr lang="en-US" dirty="0" smtClean="0"/>
           </a:p>
           <a:p>
             <a:pPr marL="0" indent="0">
@@ -20363,13 +20334,8 @@
             <a:pPr lvl="1"/>
             <a:r>
               <a:rPr lang="en-US" dirty="0" smtClean="0"/>
-              <a:t>Typically 95% - 98% of RTE </a:t>
-            </a:r>
-            <a:r>
-              <a:rPr lang="en-US" dirty="0" smtClean="0"/>
-              <a:t>proved automatically</a:t>
-            </a:r>
-            <a:endParaRPr lang="en-US" dirty="0" smtClean="0"/>
+              <a:t>Typically 95% - 98% of RTE proved automatically</a:t>
+            </a:r>
           </a:p>
           <a:p>
             <a:pPr lvl="1"/>
